--- a/Assets/Providers/Template/Template.pptx
+++ b/Assets/Providers/Template/Template.pptx
@@ -20,26 +20,38 @@
     <p:sldId id="289" r:id="rId14"/>
     <p:sldId id="268" r:id="rId15"/>
     <p:sldId id="269" r:id="rId16"/>
-    <p:sldId id="264" r:id="rId17"/>
-    <p:sldId id="265" r:id="rId18"/>
-    <p:sldId id="272" r:id="rId19"/>
-    <p:sldId id="273" r:id="rId20"/>
-    <p:sldId id="275" r:id="rId21"/>
-    <p:sldId id="279" r:id="rId22"/>
-    <p:sldId id="276" r:id="rId23"/>
-    <p:sldId id="277" r:id="rId24"/>
-    <p:sldId id="278" r:id="rId25"/>
-    <p:sldId id="267" r:id="rId26"/>
-    <p:sldId id="266" r:id="rId27"/>
-    <p:sldId id="274" r:id="rId28"/>
-    <p:sldId id="280" r:id="rId29"/>
-    <p:sldId id="283" r:id="rId30"/>
-    <p:sldId id="286" r:id="rId31"/>
-    <p:sldId id="287" r:id="rId32"/>
-    <p:sldId id="291" r:id="rId33"/>
-    <p:sldId id="288" r:id="rId34"/>
-    <p:sldId id="281" r:id="rId35"/>
-    <p:sldId id="282" r:id="rId36"/>
+    <p:sldId id="300" r:id="rId17"/>
+    <p:sldId id="301" r:id="rId18"/>
+    <p:sldId id="302" r:id="rId19"/>
+    <p:sldId id="264" r:id="rId20"/>
+    <p:sldId id="265" r:id="rId21"/>
+    <p:sldId id="272" r:id="rId22"/>
+    <p:sldId id="273" r:id="rId23"/>
+    <p:sldId id="275" r:id="rId24"/>
+    <p:sldId id="279" r:id="rId25"/>
+    <p:sldId id="276" r:id="rId26"/>
+    <p:sldId id="303" r:id="rId27"/>
+    <p:sldId id="277" r:id="rId28"/>
+    <p:sldId id="278" r:id="rId29"/>
+    <p:sldId id="267" r:id="rId30"/>
+    <p:sldId id="266" r:id="rId31"/>
+    <p:sldId id="293" r:id="rId32"/>
+    <p:sldId id="294" r:id="rId33"/>
+    <p:sldId id="295" r:id="rId34"/>
+    <p:sldId id="296" r:id="rId35"/>
+    <p:sldId id="297" r:id="rId36"/>
+    <p:sldId id="298" r:id="rId37"/>
+    <p:sldId id="299" r:id="rId38"/>
+    <p:sldId id="274" r:id="rId39"/>
+    <p:sldId id="280" r:id="rId40"/>
+    <p:sldId id="283" r:id="rId41"/>
+    <p:sldId id="286" r:id="rId42"/>
+    <p:sldId id="287" r:id="rId43"/>
+    <p:sldId id="291" r:id="rId44"/>
+    <p:sldId id="288" r:id="rId45"/>
+    <p:sldId id="292" r:id="rId46"/>
+    <p:sldId id="281" r:id="rId47"/>
+    <p:sldId id="282" r:id="rId48"/>
   </p:sldIdLst>
   <p:sldSz cx="3563938" cy="1187450"/>
   <p:notesSz cx="6858000" cy="9144000"/>
@@ -166,6 +178,9 @@
           <p14:sldIdLst>
             <p14:sldId id="268"/>
             <p14:sldId id="269"/>
+            <p14:sldId id="300"/>
+            <p14:sldId id="301"/>
+            <p14:sldId id="302"/>
           </p14:sldIdLst>
         </p14:section>
         <p14:section name="Fansub" id="{DB54CE04-9B6C-4979-AD71-6C01C06332BE}">
@@ -177,6 +192,7 @@
             <p14:sldId id="275"/>
             <p14:sldId id="279"/>
             <p14:sldId id="276"/>
+            <p14:sldId id="303"/>
             <p14:sldId id="277"/>
             <p14:sldId id="278"/>
             <p14:sldId id="267"/>
@@ -185,6 +201,13 @@
         <p14:section name="Streaming" id="{9A8665E7-8E1D-44CC-8139-4EEB0A16529A}">
           <p14:sldIdLst>
             <p14:sldId id="266"/>
+            <p14:sldId id="293"/>
+            <p14:sldId id="294"/>
+            <p14:sldId id="295"/>
+            <p14:sldId id="296"/>
+            <p14:sldId id="297"/>
+            <p14:sldId id="298"/>
+            <p14:sldId id="299"/>
           </p14:sldIdLst>
         </p14:section>
         <p14:section name="Batch" id="{A02085A7-54E4-4E32-992E-8CF5FE569196}">
@@ -196,6 +219,7 @@
             <p14:sldId id="287"/>
             <p14:sldId id="291"/>
             <p14:sldId id="288"/>
+            <p14:sldId id="292"/>
           </p14:sldIdLst>
         </p14:section>
         <p14:section name="Library" id="{68A9DAB0-ADBF-44CC-9AC9-B3F85903A98D}">
@@ -217,7 +241,7 @@
 <p1510:revInfo xmlns:a="http://schemas.openxmlformats.org/drawingml/2006/main" xmlns:r="http://schemas.openxmlformats.org/officeDocument/2006/relationships" xmlns:p1510="http://schemas.microsoft.com/office/powerpoint/2015/10/main">
   <p1510:revLst>
     <p1510:client id="{6979037F-B8AF-EB29-C79B-6CB435DD5E2F}" v="9" dt="2019-06-28T12:23:26.159"/>
-    <p1510:client id="{9147E138-B16C-4E8E-9F1C-20CD1B8B15DC}" v="909" dt="2019-06-28T16:46:36.359"/>
+    <p1510:client id="{9147E138-B16C-4E8E-9F1C-20CD1B8B15DC}" v="966" dt="2019-06-29T04:39:55.807"/>
   </p1510:revLst>
 </p1510:revInfo>
 </file>
@@ -225,39 +249,93 @@
 <file path=ppt/changesInfos/changesInfo1.xml><?xml version="1.0" encoding="utf-8"?>
 <pc:chgInfo xmlns:a="http://schemas.openxmlformats.org/drawingml/2006/main" xmlns:r="http://schemas.openxmlformats.org/officeDocument/2006/relationships" xmlns:ac="http://schemas.microsoft.com/office/drawing/2013/main/command" xmlns:pc="http://schemas.microsoft.com/office/powerpoint/2013/main/command">
   <pc:docChgLst>
-    <pc:chgData name="Harness, David" userId="S::dhar5285@giant.cos.edu::00b5c01e-e802-4d63-9d3f-e30c84cf2197" providerId="AD" clId="Web-{6979037F-B8AF-EB29-C79B-6CB435DD5E2F}"/>
-    <pc:docChg chg="addSld modSld sldOrd">
-      <pc:chgData name="Harness, David" userId="S::dhar5285@giant.cos.edu::00b5c01e-e802-4d63-9d3f-e30c84cf2197" providerId="AD" clId="Web-{6979037F-B8AF-EB29-C79B-6CB435DD5E2F}" dt="2019-06-28T12:24:51.129" v="21"/>
+    <pc:chgData name="Harness, David" userId="00b5c01e-e802-4d63-9d3f-e30c84cf2197" providerId="ADAL" clId="{9147E138-B16C-4E8E-9F1C-20CD1B8B15DC}"/>
+    <pc:docChg chg="custSel addSld modSld">
+      <pc:chgData name="Harness, David" userId="00b5c01e-e802-4d63-9d3f-e30c84cf2197" providerId="ADAL" clId="{9147E138-B16C-4E8E-9F1C-20CD1B8B15DC}" dt="2019-06-29T04:39:55.791" v="94" actId="1076"/>
       <pc:docMkLst>
         <pc:docMk/>
       </pc:docMkLst>
-      <pc:sldChg chg="addSp delSp modSp add ord replId">
-        <pc:chgData name="Harness, David" userId="S::dhar5285@giant.cos.edu::00b5c01e-e802-4d63-9d3f-e30c84cf2197" providerId="AD" clId="Web-{6979037F-B8AF-EB29-C79B-6CB435DD5E2F}" dt="2019-06-28T12:24:51.129" v="21"/>
+      <pc:sldChg chg="modSp">
+        <pc:chgData name="Harness, David" userId="00b5c01e-e802-4d63-9d3f-e30c84cf2197" providerId="ADAL" clId="{9147E138-B16C-4E8E-9F1C-20CD1B8B15DC}" dt="2019-06-29T04:27:34.755" v="13" actId="12788"/>
         <pc:sldMkLst>
           <pc:docMk/>
-          <pc:sldMk cId="588066880" sldId="268"/>
+          <pc:sldMk cId="2713897133" sldId="289"/>
         </pc:sldMkLst>
-        <pc:picChg chg="add mod modCrop">
-          <ac:chgData name="Harness, David" userId="S::dhar5285@giant.cos.edu::00b5c01e-e802-4d63-9d3f-e30c84cf2197" providerId="AD" clId="Web-{6979037F-B8AF-EB29-C79B-6CB435DD5E2F}" dt="2019-06-28T12:22:45.378" v="12" actId="1076"/>
+        <pc:picChg chg="mod modCrop">
+          <ac:chgData name="Harness, David" userId="00b5c01e-e802-4d63-9d3f-e30c84cf2197" providerId="ADAL" clId="{9147E138-B16C-4E8E-9F1C-20CD1B8B15DC}" dt="2019-06-29T04:27:34.755" v="13" actId="12788"/>
           <ac:picMkLst>
             <pc:docMk/>
-            <pc:sldMk cId="588066880" sldId="268"/>
-            <ac:picMk id="2" creationId="{D0FC2263-9572-4975-B342-75C1B9289916}"/>
+            <pc:sldMk cId="2713897133" sldId="289"/>
+            <ac:picMk id="3" creationId="{4AACD5B0-E171-4EB8-A30E-6ED8BA2BD653}"/>
           </ac:picMkLst>
         </pc:picChg>
-        <pc:picChg chg="add mod modCrop">
-          <ac:chgData name="Harness, David" userId="S::dhar5285@giant.cos.edu::00b5c01e-e802-4d63-9d3f-e30c84cf2197" providerId="AD" clId="Web-{6979037F-B8AF-EB29-C79B-6CB435DD5E2F}" dt="2019-06-28T12:24:51.129" v="21"/>
+      </pc:sldChg>
+      <pc:sldChg chg="addSp delSp modSp add">
+        <pc:chgData name="Harness, David" userId="00b5c01e-e802-4d63-9d3f-e30c84cf2197" providerId="ADAL" clId="{9147E138-B16C-4E8E-9F1C-20CD1B8B15DC}" dt="2019-06-29T04:32:36.064" v="45" actId="207"/>
+        <pc:sldMkLst>
+          <pc:docMk/>
+          <pc:sldMk cId="1605652628" sldId="292"/>
+        </pc:sldMkLst>
+        <pc:spChg chg="add mod">
+          <ac:chgData name="Harness, David" userId="00b5c01e-e802-4d63-9d3f-e30c84cf2197" providerId="ADAL" clId="{9147E138-B16C-4E8E-9F1C-20CD1B8B15DC}" dt="2019-06-29T04:32:08.420" v="43" actId="12789"/>
+          <ac:spMkLst>
+            <pc:docMk/>
+            <pc:sldMk cId="1605652628" sldId="292"/>
+            <ac:spMk id="3" creationId="{6C67FD1F-5A7F-4624-A9CE-E8408D3A4F1A}"/>
+          </ac:spMkLst>
+        </pc:spChg>
+        <pc:spChg chg="mod">
+          <ac:chgData name="Harness, David" userId="00b5c01e-e802-4d63-9d3f-e30c84cf2197" providerId="ADAL" clId="{9147E138-B16C-4E8E-9F1C-20CD1B8B15DC}" dt="2019-06-29T04:32:36.064" v="45" actId="207"/>
+          <ac:spMkLst>
+            <pc:docMk/>
+            <pc:sldMk cId="1605652628" sldId="292"/>
+            <ac:spMk id="4" creationId="{8D6D9DF0-36ED-4863-B918-F6735D13A7C1}"/>
+          </ac:spMkLst>
+        </pc:spChg>
+        <pc:picChg chg="del">
+          <ac:chgData name="Harness, David" userId="00b5c01e-e802-4d63-9d3f-e30c84cf2197" providerId="ADAL" clId="{9147E138-B16C-4E8E-9F1C-20CD1B8B15DC}" dt="2019-06-29T04:30:35.961" v="15" actId="478"/>
           <ac:picMkLst>
             <pc:docMk/>
-            <pc:sldMk cId="588066880" sldId="268"/>
-            <ac:picMk id="6" creationId="{9816A19A-70CA-4EB1-BCC3-5B62F3782AE8}"/>
+            <pc:sldMk cId="1605652628" sldId="292"/>
+            <ac:picMk id="2" creationId="{94D54169-4E96-43AB-B02D-0AAF785BDDAA}"/>
+          </ac:picMkLst>
+        </pc:picChg>
+      </pc:sldChg>
+      <pc:sldChg chg="addSp delSp modSp add">
+        <pc:chgData name="Harness, David" userId="00b5c01e-e802-4d63-9d3f-e30c84cf2197" providerId="ADAL" clId="{9147E138-B16C-4E8E-9F1C-20CD1B8B15DC}" dt="2019-06-29T04:39:55.791" v="94" actId="1076"/>
+        <pc:sldMkLst>
+          <pc:docMk/>
+          <pc:sldMk cId="1658982614" sldId="293"/>
+        </pc:sldMkLst>
+        <pc:spChg chg="mod">
+          <ac:chgData name="Harness, David" userId="00b5c01e-e802-4d63-9d3f-e30c84cf2197" providerId="ADAL" clId="{9147E138-B16C-4E8E-9F1C-20CD1B8B15DC}" dt="2019-06-29T04:35:36.408" v="51" actId="207"/>
+          <ac:spMkLst>
+            <pc:docMk/>
+            <pc:sldMk cId="1658982614" sldId="293"/>
+            <ac:spMk id="4" creationId="{8D6D9DF0-36ED-4863-B918-F6735D13A7C1}"/>
+          </ac:spMkLst>
+        </pc:spChg>
+        <pc:picChg chg="add del mod modCrop">
+          <ac:chgData name="Harness, David" userId="00b5c01e-e802-4d63-9d3f-e30c84cf2197" providerId="ADAL" clId="{9147E138-B16C-4E8E-9F1C-20CD1B8B15DC}" dt="2019-06-29T04:39:10.521" v="92" actId="478"/>
+          <ac:picMkLst>
+            <pc:docMk/>
+            <pc:sldMk cId="1658982614" sldId="293"/>
+            <ac:picMk id="2" creationId="{90C2E34A-6F63-456E-9E66-AD2D4D09C919}"/>
+          </ac:picMkLst>
+        </pc:picChg>
+        <pc:picChg chg="add mod">
+          <ac:chgData name="Harness, David" userId="00b5c01e-e802-4d63-9d3f-e30c84cf2197" providerId="ADAL" clId="{9147E138-B16C-4E8E-9F1C-20CD1B8B15DC}" dt="2019-06-29T04:39:55.791" v="94" actId="1076"/>
+          <ac:picMkLst>
+            <pc:docMk/>
+            <pc:sldMk cId="1658982614" sldId="293"/>
+            <ac:picMk id="1026" creationId="{2C372837-A9BA-4142-A9E1-A018EDBABA4B}"/>
           </ac:picMkLst>
         </pc:picChg>
         <pc:picChg chg="del">
-          <ac:chgData name="Harness, David" userId="S::dhar5285@giant.cos.edu::00b5c01e-e802-4d63-9d3f-e30c84cf2197" providerId="AD" clId="Web-{6979037F-B8AF-EB29-C79B-6CB435DD5E2F}" dt="2019-06-28T12:22:02.393" v="2"/>
+          <ac:chgData name="Harness, David" userId="00b5c01e-e802-4d63-9d3f-e30c84cf2197" providerId="ADAL" clId="{9147E138-B16C-4E8E-9F1C-20CD1B8B15DC}" dt="2019-06-29T04:35:23.405" v="47" actId="478"/>
           <ac:picMkLst>
             <pc:docMk/>
-            <pc:sldMk cId="588066880" sldId="268"/>
+            <pc:sldMk cId="1658982614" sldId="293"/>
             <ac:picMk id="21506" creationId="{5EB05C5C-E7CE-4371-B09E-37C4279C7212}"/>
           </ac:picMkLst>
         </pc:picChg>
@@ -1590,6 +1668,436 @@
             <pc:docMk/>
             <pc:sldMk cId="2178293540" sldId="271"/>
             <ac:picMk id="3074" creationId="{768EC798-182F-4445-81F3-0386A0E01012}"/>
+          </ac:picMkLst>
+        </pc:picChg>
+      </pc:sldChg>
+    </pc:docChg>
+  </pc:docChgLst>
+  <pc:docChgLst>
+    <pc:chgData name="Harness, David" userId="S::dhar5285@giant.cos.edu::00b5c01e-e802-4d63-9d3f-e30c84cf2197" providerId="AD" clId="Web-{6979037F-B8AF-EB29-C79B-6CB435DD5E2F}"/>
+    <pc:docChg chg="addSld modSld sldOrd">
+      <pc:chgData name="Harness, David" userId="S::dhar5285@giant.cos.edu::00b5c01e-e802-4d63-9d3f-e30c84cf2197" providerId="AD" clId="Web-{6979037F-B8AF-EB29-C79B-6CB435DD5E2F}" dt="2019-06-28T12:24:51.129" v="21"/>
+      <pc:docMkLst>
+        <pc:docMk/>
+      </pc:docMkLst>
+      <pc:sldChg chg="addSp delSp modSp add ord replId">
+        <pc:chgData name="Harness, David" userId="S::dhar5285@giant.cos.edu::00b5c01e-e802-4d63-9d3f-e30c84cf2197" providerId="AD" clId="Web-{6979037F-B8AF-EB29-C79B-6CB435DD5E2F}" dt="2019-06-28T12:24:51.129" v="21"/>
+        <pc:sldMkLst>
+          <pc:docMk/>
+          <pc:sldMk cId="588066880" sldId="268"/>
+        </pc:sldMkLst>
+        <pc:picChg chg="add mod modCrop">
+          <ac:chgData name="Harness, David" userId="S::dhar5285@giant.cos.edu::00b5c01e-e802-4d63-9d3f-e30c84cf2197" providerId="AD" clId="Web-{6979037F-B8AF-EB29-C79B-6CB435DD5E2F}" dt="2019-06-28T12:22:45.378" v="12" actId="1076"/>
+          <ac:picMkLst>
+            <pc:docMk/>
+            <pc:sldMk cId="588066880" sldId="268"/>
+            <ac:picMk id="2" creationId="{D0FC2263-9572-4975-B342-75C1B9289916}"/>
+          </ac:picMkLst>
+        </pc:picChg>
+        <pc:picChg chg="add mod modCrop">
+          <ac:chgData name="Harness, David" userId="S::dhar5285@giant.cos.edu::00b5c01e-e802-4d63-9d3f-e30c84cf2197" providerId="AD" clId="Web-{6979037F-B8AF-EB29-C79B-6CB435DD5E2F}" dt="2019-06-28T12:24:51.129" v="21"/>
+          <ac:picMkLst>
+            <pc:docMk/>
+            <pc:sldMk cId="588066880" sldId="268"/>
+            <ac:picMk id="6" creationId="{9816A19A-70CA-4EB1-BCC3-5B62F3782AE8}"/>
+          </ac:picMkLst>
+        </pc:picChg>
+        <pc:picChg chg="del">
+          <ac:chgData name="Harness, David" userId="S::dhar5285@giant.cos.edu::00b5c01e-e802-4d63-9d3f-e30c84cf2197" providerId="AD" clId="Web-{6979037F-B8AF-EB29-C79B-6CB435DD5E2F}" dt="2019-06-28T12:22:02.393" v="2"/>
+          <ac:picMkLst>
+            <pc:docMk/>
+            <pc:sldMk cId="588066880" sldId="268"/>
+            <ac:picMk id="21506" creationId="{5EB05C5C-E7CE-4371-B09E-37C4279C7212}"/>
+          </ac:picMkLst>
+        </pc:picChg>
+      </pc:sldChg>
+    </pc:docChg>
+  </pc:docChgLst>
+  <pc:docChgLst>
+    <pc:chgData name="David Harness" userId="00b5c01e-e802-4d63-9d3f-e30c84cf2197" providerId="ADAL" clId="{9193AB73-3ED4-4E8E-93E6-98904B17501A}"/>
+    <pc:docChg chg="custSel addSld modSld">
+      <pc:chgData name="David Harness" userId="00b5c01e-e802-4d63-9d3f-e30c84cf2197" providerId="ADAL" clId="{9193AB73-3ED4-4E8E-93E6-98904B17501A}" dt="2019-06-29T06:04:22.182" v="592" actId="478"/>
+      <pc:docMkLst>
+        <pc:docMk/>
+      </pc:docMkLst>
+      <pc:sldChg chg="modSp">
+        <pc:chgData name="David Harness" userId="00b5c01e-e802-4d63-9d3f-e30c84cf2197" providerId="ADAL" clId="{9193AB73-3ED4-4E8E-93E6-98904B17501A}" dt="2019-06-29T05:58:01.031" v="577" actId="14861"/>
+        <pc:sldMkLst>
+          <pc:docMk/>
+          <pc:sldMk cId="1323334976" sldId="285"/>
+        </pc:sldMkLst>
+        <pc:picChg chg="mod">
+          <ac:chgData name="David Harness" userId="00b5c01e-e802-4d63-9d3f-e30c84cf2197" providerId="ADAL" clId="{9193AB73-3ED4-4E8E-93E6-98904B17501A}" dt="2019-06-29T05:58:01.031" v="577" actId="14861"/>
+          <ac:picMkLst>
+            <pc:docMk/>
+            <pc:sldMk cId="1323334976" sldId="285"/>
+            <ac:picMk id="36868" creationId="{7D4BC3DD-08CE-4C75-ADD3-0DE0ED5B4958}"/>
+          </ac:picMkLst>
+        </pc:picChg>
+      </pc:sldChg>
+      <pc:sldChg chg="addSp delSp modSp add">
+        <pc:chgData name="David Harness" userId="00b5c01e-e802-4d63-9d3f-e30c84cf2197" providerId="ADAL" clId="{9193AB73-3ED4-4E8E-93E6-98904B17501A}" dt="2019-06-29T05:27:27.816" v="56" actId="207"/>
+        <pc:sldMkLst>
+          <pc:docMk/>
+          <pc:sldMk cId="3108287914" sldId="294"/>
+        </pc:sldMkLst>
+        <pc:spChg chg="mod">
+          <ac:chgData name="David Harness" userId="00b5c01e-e802-4d63-9d3f-e30c84cf2197" providerId="ADAL" clId="{9193AB73-3ED4-4E8E-93E6-98904B17501A}" dt="2019-06-29T05:27:27.816" v="56" actId="207"/>
+          <ac:spMkLst>
+            <pc:docMk/>
+            <pc:sldMk cId="3108287914" sldId="294"/>
+            <ac:spMk id="4" creationId="{8D6D9DF0-36ED-4863-B918-F6735D13A7C1}"/>
+          </ac:spMkLst>
+        </pc:spChg>
+        <pc:picChg chg="add mod">
+          <ac:chgData name="David Harness" userId="00b5c01e-e802-4d63-9d3f-e30c84cf2197" providerId="ADAL" clId="{9193AB73-3ED4-4E8E-93E6-98904B17501A}" dt="2019-06-29T05:26:35.928" v="6" actId="1076"/>
+          <ac:picMkLst>
+            <pc:docMk/>
+            <pc:sldMk cId="3108287914" sldId="294"/>
+            <ac:picMk id="2" creationId="{5389DA7D-4BBF-4B30-9CA4-2549063A42C2}"/>
+          </ac:picMkLst>
+        </pc:picChg>
+        <pc:picChg chg="del">
+          <ac:chgData name="David Harness" userId="00b5c01e-e802-4d63-9d3f-e30c84cf2197" providerId="ADAL" clId="{9193AB73-3ED4-4E8E-93E6-98904B17501A}" dt="2019-06-29T05:26:14.986" v="1" actId="478"/>
+          <ac:picMkLst>
+            <pc:docMk/>
+            <pc:sldMk cId="3108287914" sldId="294"/>
+            <ac:picMk id="1026" creationId="{2C372837-A9BA-4142-A9E1-A018EDBABA4B}"/>
+          </ac:picMkLst>
+        </pc:picChg>
+      </pc:sldChg>
+      <pc:sldChg chg="addSp delSp modSp add">
+        <pc:chgData name="David Harness" userId="00b5c01e-e802-4d63-9d3f-e30c84cf2197" providerId="ADAL" clId="{9193AB73-3ED4-4E8E-93E6-98904B17501A}" dt="2019-06-29T05:31:59.039" v="289" actId="207"/>
+        <pc:sldMkLst>
+          <pc:docMk/>
+          <pc:sldMk cId="2343881463" sldId="295"/>
+        </pc:sldMkLst>
+        <pc:spChg chg="mod">
+          <ac:chgData name="David Harness" userId="00b5c01e-e802-4d63-9d3f-e30c84cf2197" providerId="ADAL" clId="{9193AB73-3ED4-4E8E-93E6-98904B17501A}" dt="2019-06-29T05:31:59.039" v="289" actId="207"/>
+          <ac:spMkLst>
+            <pc:docMk/>
+            <pc:sldMk cId="2343881463" sldId="295"/>
+            <ac:spMk id="4" creationId="{8D6D9DF0-36ED-4863-B918-F6735D13A7C1}"/>
+          </ac:spMkLst>
+        </pc:spChg>
+        <pc:picChg chg="del">
+          <ac:chgData name="David Harness" userId="00b5c01e-e802-4d63-9d3f-e30c84cf2197" providerId="ADAL" clId="{9193AB73-3ED4-4E8E-93E6-98904B17501A}" dt="2019-06-29T05:28:23.460" v="58" actId="478"/>
+          <ac:picMkLst>
+            <pc:docMk/>
+            <pc:sldMk cId="2343881463" sldId="295"/>
+            <ac:picMk id="2" creationId="{5389DA7D-4BBF-4B30-9CA4-2549063A42C2}"/>
+          </ac:picMkLst>
+        </pc:picChg>
+        <pc:picChg chg="add del mod">
+          <ac:chgData name="David Harness" userId="00b5c01e-e802-4d63-9d3f-e30c84cf2197" providerId="ADAL" clId="{9193AB73-3ED4-4E8E-93E6-98904B17501A}" dt="2019-06-29T05:30:33.586" v="272" actId="478"/>
+          <ac:picMkLst>
+            <pc:docMk/>
+            <pc:sldMk cId="2343881463" sldId="295"/>
+            <ac:picMk id="3" creationId="{3A03632F-CD3E-4788-8452-8AAB9A8102CB}"/>
+          </ac:picMkLst>
+        </pc:picChg>
+        <pc:picChg chg="add del mod">
+          <ac:chgData name="David Harness" userId="00b5c01e-e802-4d63-9d3f-e30c84cf2197" providerId="ADAL" clId="{9193AB73-3ED4-4E8E-93E6-98904B17501A}" dt="2019-06-29T05:28:52.462" v="68"/>
+          <ac:picMkLst>
+            <pc:docMk/>
+            <pc:sldMk cId="2343881463" sldId="295"/>
+            <ac:picMk id="2050" creationId="{81693BC8-F7FA-4635-B797-5112143D9A2F}"/>
+          </ac:picMkLst>
+        </pc:picChg>
+        <pc:picChg chg="add mod">
+          <ac:chgData name="David Harness" userId="00b5c01e-e802-4d63-9d3f-e30c84cf2197" providerId="ADAL" clId="{9193AB73-3ED4-4E8E-93E6-98904B17501A}" dt="2019-06-29T05:31:43.039" v="275" actId="1076"/>
+          <ac:picMkLst>
+            <pc:docMk/>
+            <pc:sldMk cId="2343881463" sldId="295"/>
+            <ac:picMk id="2052" creationId="{633906D9-E483-4696-A15C-B3E96C439F0C}"/>
+          </ac:picMkLst>
+        </pc:picChg>
+      </pc:sldChg>
+      <pc:sldChg chg="addSp delSp modSp add">
+        <pc:chgData name="David Harness" userId="00b5c01e-e802-4d63-9d3f-e30c84cf2197" providerId="ADAL" clId="{9193AB73-3ED4-4E8E-93E6-98904B17501A}" dt="2019-06-29T05:34:10.552" v="296" actId="207"/>
+        <pc:sldMkLst>
+          <pc:docMk/>
+          <pc:sldMk cId="2044909443" sldId="296"/>
+        </pc:sldMkLst>
+        <pc:spChg chg="mod">
+          <ac:chgData name="David Harness" userId="00b5c01e-e802-4d63-9d3f-e30c84cf2197" providerId="ADAL" clId="{9193AB73-3ED4-4E8E-93E6-98904B17501A}" dt="2019-06-29T05:34:10.552" v="296" actId="207"/>
+          <ac:spMkLst>
+            <pc:docMk/>
+            <pc:sldMk cId="2044909443" sldId="296"/>
+            <ac:spMk id="4" creationId="{8D6D9DF0-36ED-4863-B918-F6735D13A7C1}"/>
+          </ac:spMkLst>
+        </pc:spChg>
+        <pc:picChg chg="del">
+          <ac:chgData name="David Harness" userId="00b5c01e-e802-4d63-9d3f-e30c84cf2197" providerId="ADAL" clId="{9193AB73-3ED4-4E8E-93E6-98904B17501A}" dt="2019-06-29T05:33:37.196" v="291" actId="478"/>
+          <ac:picMkLst>
+            <pc:docMk/>
+            <pc:sldMk cId="2044909443" sldId="296"/>
+            <ac:picMk id="2052" creationId="{633906D9-E483-4696-A15C-B3E96C439F0C}"/>
+          </ac:picMkLst>
+        </pc:picChg>
+        <pc:picChg chg="add mod">
+          <ac:chgData name="David Harness" userId="00b5c01e-e802-4d63-9d3f-e30c84cf2197" providerId="ADAL" clId="{9193AB73-3ED4-4E8E-93E6-98904B17501A}" dt="2019-06-29T05:33:56.439" v="294" actId="1076"/>
+          <ac:picMkLst>
+            <pc:docMk/>
+            <pc:sldMk cId="2044909443" sldId="296"/>
+            <ac:picMk id="3074" creationId="{8B09A652-E1F5-4F82-8C4F-C28AAC002534}"/>
+          </ac:picMkLst>
+        </pc:picChg>
+      </pc:sldChg>
+      <pc:sldChg chg="addSp delSp modSp add">
+        <pc:chgData name="David Harness" userId="00b5c01e-e802-4d63-9d3f-e30c84cf2197" providerId="ADAL" clId="{9193AB73-3ED4-4E8E-93E6-98904B17501A}" dt="2019-06-29T05:36:41.983" v="307" actId="207"/>
+        <pc:sldMkLst>
+          <pc:docMk/>
+          <pc:sldMk cId="2001192933" sldId="297"/>
+        </pc:sldMkLst>
+        <pc:spChg chg="mod">
+          <ac:chgData name="David Harness" userId="00b5c01e-e802-4d63-9d3f-e30c84cf2197" providerId="ADAL" clId="{9193AB73-3ED4-4E8E-93E6-98904B17501A}" dt="2019-06-29T05:36:41.983" v="307" actId="207"/>
+          <ac:spMkLst>
+            <pc:docMk/>
+            <pc:sldMk cId="2001192933" sldId="297"/>
+            <ac:spMk id="4" creationId="{8D6D9DF0-36ED-4863-B918-F6735D13A7C1}"/>
+          </ac:spMkLst>
+        </pc:spChg>
+        <pc:picChg chg="add mod">
+          <ac:chgData name="David Harness" userId="00b5c01e-e802-4d63-9d3f-e30c84cf2197" providerId="ADAL" clId="{9193AB73-3ED4-4E8E-93E6-98904B17501A}" dt="2019-06-29T05:36:28.730" v="305" actId="1076"/>
+          <ac:picMkLst>
+            <pc:docMk/>
+            <pc:sldMk cId="2001192933" sldId="297"/>
+            <ac:picMk id="2" creationId="{16B8992A-5E69-4B8C-A724-B6D980F84F67}"/>
+          </ac:picMkLst>
+        </pc:picChg>
+        <pc:picChg chg="del">
+          <ac:chgData name="David Harness" userId="00b5c01e-e802-4d63-9d3f-e30c84cf2197" providerId="ADAL" clId="{9193AB73-3ED4-4E8E-93E6-98904B17501A}" dt="2019-06-29T05:34:18.328" v="298" actId="478"/>
+          <ac:picMkLst>
+            <pc:docMk/>
+            <pc:sldMk cId="2001192933" sldId="297"/>
+            <ac:picMk id="3074" creationId="{8B09A652-E1F5-4F82-8C4F-C28AAC002534}"/>
+          </ac:picMkLst>
+        </pc:picChg>
+        <pc:picChg chg="add del mod">
+          <ac:chgData name="David Harness" userId="00b5c01e-e802-4d63-9d3f-e30c84cf2197" providerId="ADAL" clId="{9193AB73-3ED4-4E8E-93E6-98904B17501A}" dt="2019-06-29T05:34:51.737" v="302" actId="478"/>
+          <ac:picMkLst>
+            <pc:docMk/>
+            <pc:sldMk cId="2001192933" sldId="297"/>
+            <ac:picMk id="4098" creationId="{E8155060-4C8F-42EB-B05C-FA56A9D08E36}"/>
+          </ac:picMkLst>
+        </pc:picChg>
+      </pc:sldChg>
+      <pc:sldChg chg="addSp delSp modSp add">
+        <pc:chgData name="David Harness" userId="00b5c01e-e802-4d63-9d3f-e30c84cf2197" providerId="ADAL" clId="{9193AB73-3ED4-4E8E-93E6-98904B17501A}" dt="2019-06-29T05:38:02.727" v="343" actId="207"/>
+        <pc:sldMkLst>
+          <pc:docMk/>
+          <pc:sldMk cId="743538766" sldId="298"/>
+        </pc:sldMkLst>
+        <pc:spChg chg="mod">
+          <ac:chgData name="David Harness" userId="00b5c01e-e802-4d63-9d3f-e30c84cf2197" providerId="ADAL" clId="{9193AB73-3ED4-4E8E-93E6-98904B17501A}" dt="2019-06-29T05:38:02.727" v="343" actId="207"/>
+          <ac:spMkLst>
+            <pc:docMk/>
+            <pc:sldMk cId="743538766" sldId="298"/>
+            <ac:spMk id="4" creationId="{8D6D9DF0-36ED-4863-B918-F6735D13A7C1}"/>
+          </ac:spMkLst>
+        </pc:spChg>
+        <pc:picChg chg="del">
+          <ac:chgData name="David Harness" userId="00b5c01e-e802-4d63-9d3f-e30c84cf2197" providerId="ADAL" clId="{9193AB73-3ED4-4E8E-93E6-98904B17501A}" dt="2019-06-29T05:36:54.775" v="309" actId="478"/>
+          <ac:picMkLst>
+            <pc:docMk/>
+            <pc:sldMk cId="743538766" sldId="298"/>
+            <ac:picMk id="2" creationId="{16B8992A-5E69-4B8C-A724-B6D980F84F67}"/>
+          </ac:picMkLst>
+        </pc:picChg>
+        <pc:picChg chg="add mod">
+          <ac:chgData name="David Harness" userId="00b5c01e-e802-4d63-9d3f-e30c84cf2197" providerId="ADAL" clId="{9193AB73-3ED4-4E8E-93E6-98904B17501A}" dt="2019-06-29T05:37:41.071" v="312" actId="1076"/>
+          <ac:picMkLst>
+            <pc:docMk/>
+            <pc:sldMk cId="743538766" sldId="298"/>
+            <ac:picMk id="5122" creationId="{9E0E7F98-38F1-4458-AD2D-F1A18A257714}"/>
+          </ac:picMkLst>
+        </pc:picChg>
+      </pc:sldChg>
+      <pc:sldChg chg="addSp delSp modSp add">
+        <pc:chgData name="David Harness" userId="00b5c01e-e802-4d63-9d3f-e30c84cf2197" providerId="ADAL" clId="{9193AB73-3ED4-4E8E-93E6-98904B17501A}" dt="2019-06-29T05:40:07.989" v="375" actId="207"/>
+        <pc:sldMkLst>
+          <pc:docMk/>
+          <pc:sldMk cId="3562251831" sldId="299"/>
+        </pc:sldMkLst>
+        <pc:spChg chg="mod">
+          <ac:chgData name="David Harness" userId="00b5c01e-e802-4d63-9d3f-e30c84cf2197" providerId="ADAL" clId="{9193AB73-3ED4-4E8E-93E6-98904B17501A}" dt="2019-06-29T05:40:07.989" v="375" actId="207"/>
+          <ac:spMkLst>
+            <pc:docMk/>
+            <pc:sldMk cId="3562251831" sldId="299"/>
+            <ac:spMk id="4" creationId="{8D6D9DF0-36ED-4863-B918-F6735D13A7C1}"/>
+          </ac:spMkLst>
+        </pc:spChg>
+        <pc:picChg chg="del">
+          <ac:chgData name="David Harness" userId="00b5c01e-e802-4d63-9d3f-e30c84cf2197" providerId="ADAL" clId="{9193AB73-3ED4-4E8E-93E6-98904B17501A}" dt="2019-06-29T05:39:00.546" v="345" actId="478"/>
+          <ac:picMkLst>
+            <pc:docMk/>
+            <pc:sldMk cId="3562251831" sldId="299"/>
+            <ac:picMk id="5122" creationId="{9E0E7F98-38F1-4458-AD2D-F1A18A257714}"/>
+          </ac:picMkLst>
+        </pc:picChg>
+        <pc:picChg chg="add mod">
+          <ac:chgData name="David Harness" userId="00b5c01e-e802-4d63-9d3f-e30c84cf2197" providerId="ADAL" clId="{9193AB73-3ED4-4E8E-93E6-98904B17501A}" dt="2019-06-29T05:39:51.526" v="350" actId="1076"/>
+          <ac:picMkLst>
+            <pc:docMk/>
+            <pc:sldMk cId="3562251831" sldId="299"/>
+            <ac:picMk id="6146" creationId="{B278300F-7126-4621-A21C-922518AC2535}"/>
+          </ac:picMkLst>
+        </pc:picChg>
+      </pc:sldChg>
+      <pc:sldChg chg="addSp delSp modSp add">
+        <pc:chgData name="David Harness" userId="00b5c01e-e802-4d63-9d3f-e30c84cf2197" providerId="ADAL" clId="{9193AB73-3ED4-4E8E-93E6-98904B17501A}" dt="2019-06-29T05:46:48.110" v="399" actId="1076"/>
+        <pc:sldMkLst>
+          <pc:docMk/>
+          <pc:sldMk cId="1610531555" sldId="300"/>
+        </pc:sldMkLst>
+        <pc:spChg chg="add del">
+          <ac:chgData name="David Harness" userId="00b5c01e-e802-4d63-9d3f-e30c84cf2197" providerId="ADAL" clId="{9193AB73-3ED4-4E8E-93E6-98904B17501A}" dt="2019-06-29T05:45:10.129" v="379"/>
+          <ac:spMkLst>
+            <pc:docMk/>
+            <pc:sldMk cId="1610531555" sldId="300"/>
+            <ac:spMk id="2" creationId="{3495745D-F86D-4DAD-83D7-B2D50A6DC2C5}"/>
+          </ac:spMkLst>
+        </pc:spChg>
+        <pc:spChg chg="mod">
+          <ac:chgData name="David Harness" userId="00b5c01e-e802-4d63-9d3f-e30c84cf2197" providerId="ADAL" clId="{9193AB73-3ED4-4E8E-93E6-98904B17501A}" dt="2019-06-29T05:46:42.098" v="397" actId="207"/>
+          <ac:spMkLst>
+            <pc:docMk/>
+            <pc:sldMk cId="1610531555" sldId="300"/>
+            <ac:spMk id="4" creationId="{8D6D9DF0-36ED-4863-B918-F6735D13A7C1}"/>
+          </ac:spMkLst>
+        </pc:spChg>
+        <pc:picChg chg="add mod modCrop">
+          <ac:chgData name="David Harness" userId="00b5c01e-e802-4d63-9d3f-e30c84cf2197" providerId="ADAL" clId="{9193AB73-3ED4-4E8E-93E6-98904B17501A}" dt="2019-06-29T05:46:48.110" v="399" actId="1076"/>
+          <ac:picMkLst>
+            <pc:docMk/>
+            <pc:sldMk cId="1610531555" sldId="300"/>
+            <ac:picMk id="3" creationId="{6B1437CC-1031-4D26-9F89-E5ADC0599ADD}"/>
+          </ac:picMkLst>
+        </pc:picChg>
+        <pc:picChg chg="del">
+          <ac:chgData name="David Harness" userId="00b5c01e-e802-4d63-9d3f-e30c84cf2197" providerId="ADAL" clId="{9193AB73-3ED4-4E8E-93E6-98904B17501A}" dt="2019-06-29T05:45:08.310" v="377" actId="478"/>
+          <ac:picMkLst>
+            <pc:docMk/>
+            <pc:sldMk cId="1610531555" sldId="300"/>
+            <ac:picMk id="5" creationId="{08B18289-550D-4C64-9E5E-28B606D695EC}"/>
+          </ac:picMkLst>
+        </pc:picChg>
+      </pc:sldChg>
+      <pc:sldChg chg="addSp delSp modSp add">
+        <pc:chgData name="David Harness" userId="00b5c01e-e802-4d63-9d3f-e30c84cf2197" providerId="ADAL" clId="{9193AB73-3ED4-4E8E-93E6-98904B17501A}" dt="2019-06-29T05:48:42.762" v="438" actId="164"/>
+        <pc:sldMkLst>
+          <pc:docMk/>
+          <pc:sldMk cId="2388989435" sldId="301"/>
+        </pc:sldMkLst>
+        <pc:spChg chg="mod">
+          <ac:chgData name="David Harness" userId="00b5c01e-e802-4d63-9d3f-e30c84cf2197" providerId="ADAL" clId="{9193AB73-3ED4-4E8E-93E6-98904B17501A}" dt="2019-06-29T05:47:39.213" v="423" actId="207"/>
+          <ac:spMkLst>
+            <pc:docMk/>
+            <pc:sldMk cId="2388989435" sldId="301"/>
+            <ac:spMk id="4" creationId="{8D6D9DF0-36ED-4863-B918-F6735D13A7C1}"/>
+          </ac:spMkLst>
+        </pc:spChg>
+        <pc:grpChg chg="add mod">
+          <ac:chgData name="David Harness" userId="00b5c01e-e802-4d63-9d3f-e30c84cf2197" providerId="ADAL" clId="{9193AB73-3ED4-4E8E-93E6-98904B17501A}" dt="2019-06-29T05:48:42.762" v="438" actId="164"/>
+          <ac:grpSpMkLst>
+            <pc:docMk/>
+            <pc:sldMk cId="2388989435" sldId="301"/>
+            <ac:grpSpMk id="2" creationId="{05C21F17-8BEF-416C-9421-B6A19BC98935}"/>
+          </ac:grpSpMkLst>
+        </pc:grpChg>
+        <pc:picChg chg="del">
+          <ac:chgData name="David Harness" userId="00b5c01e-e802-4d63-9d3f-e30c84cf2197" providerId="ADAL" clId="{9193AB73-3ED4-4E8E-93E6-98904B17501A}" dt="2019-06-29T05:46:56.729" v="401" actId="478"/>
+          <ac:picMkLst>
+            <pc:docMk/>
+            <pc:sldMk cId="2388989435" sldId="301"/>
+            <ac:picMk id="3" creationId="{6B1437CC-1031-4D26-9F89-E5ADC0599ADD}"/>
+          </ac:picMkLst>
+        </pc:picChg>
+        <pc:picChg chg="add mod">
+          <ac:chgData name="David Harness" userId="00b5c01e-e802-4d63-9d3f-e30c84cf2197" providerId="ADAL" clId="{9193AB73-3ED4-4E8E-93E6-98904B17501A}" dt="2019-06-29T05:48:42.762" v="438" actId="164"/>
+          <ac:picMkLst>
+            <pc:docMk/>
+            <pc:sldMk cId="2388989435" sldId="301"/>
+            <ac:picMk id="5" creationId="{AEC52474-764B-4B85-BA94-87C6AB4ABA41}"/>
+          </ac:picMkLst>
+        </pc:picChg>
+        <pc:picChg chg="add mod">
+          <ac:chgData name="David Harness" userId="00b5c01e-e802-4d63-9d3f-e30c84cf2197" providerId="ADAL" clId="{9193AB73-3ED4-4E8E-93E6-98904B17501A}" dt="2019-06-29T05:48:42.762" v="438" actId="164"/>
+          <ac:picMkLst>
+            <pc:docMk/>
+            <pc:sldMk cId="2388989435" sldId="301"/>
+            <ac:picMk id="6" creationId="{5320FDCA-E39C-4895-93C7-5186DA6AE7DE}"/>
+          </ac:picMkLst>
+        </pc:picChg>
+        <pc:picChg chg="add mod">
+          <ac:chgData name="David Harness" userId="00b5c01e-e802-4d63-9d3f-e30c84cf2197" providerId="ADAL" clId="{9193AB73-3ED4-4E8E-93E6-98904B17501A}" dt="2019-06-29T05:48:42.762" v="438" actId="164"/>
+          <ac:picMkLst>
+            <pc:docMk/>
+            <pc:sldMk cId="2388989435" sldId="301"/>
+            <ac:picMk id="8194" creationId="{704800C2-3F95-4D49-AC96-BE9051AAEAD5}"/>
+          </ac:picMkLst>
+        </pc:picChg>
+      </pc:sldChg>
+      <pc:sldChg chg="addSp delSp modSp add">
+        <pc:chgData name="David Harness" userId="00b5c01e-e802-4d63-9d3f-e30c84cf2197" providerId="ADAL" clId="{9193AB73-3ED4-4E8E-93E6-98904B17501A}" dt="2019-06-29T05:50:06.779" v="517" actId="207"/>
+        <pc:sldMkLst>
+          <pc:docMk/>
+          <pc:sldMk cId="1591048078" sldId="302"/>
+        </pc:sldMkLst>
+        <pc:spChg chg="mod">
+          <ac:chgData name="David Harness" userId="00b5c01e-e802-4d63-9d3f-e30c84cf2197" providerId="ADAL" clId="{9193AB73-3ED4-4E8E-93E6-98904B17501A}" dt="2019-06-29T05:50:06.779" v="517" actId="207"/>
+          <ac:spMkLst>
+            <pc:docMk/>
+            <pc:sldMk cId="1591048078" sldId="302"/>
+            <ac:spMk id="4" creationId="{8D6D9DF0-36ED-4863-B918-F6735D13A7C1}"/>
+          </ac:spMkLst>
+        </pc:spChg>
+        <pc:grpChg chg="del">
+          <ac:chgData name="David Harness" userId="00b5c01e-e802-4d63-9d3f-e30c84cf2197" providerId="ADAL" clId="{9193AB73-3ED4-4E8E-93E6-98904B17501A}" dt="2019-06-29T05:49:35.434" v="440" actId="478"/>
+          <ac:grpSpMkLst>
+            <pc:docMk/>
+            <pc:sldMk cId="1591048078" sldId="302"/>
+            <ac:grpSpMk id="2" creationId="{05C21F17-8BEF-416C-9421-B6A19BC98935}"/>
+          </ac:grpSpMkLst>
+        </pc:grpChg>
+        <pc:picChg chg="add mod">
+          <ac:chgData name="David Harness" userId="00b5c01e-e802-4d63-9d3f-e30c84cf2197" providerId="ADAL" clId="{9193AB73-3ED4-4E8E-93E6-98904B17501A}" dt="2019-06-29T05:49:39.637" v="443" actId="1076"/>
+          <ac:picMkLst>
+            <pc:docMk/>
+            <pc:sldMk cId="1591048078" sldId="302"/>
+            <ac:picMk id="9218" creationId="{793D3A69-62E5-4F0C-B0C9-0A404384348A}"/>
+          </ac:picMkLst>
+        </pc:picChg>
+      </pc:sldChg>
+      <pc:sldChg chg="addSp delSp modSp add">
+        <pc:chgData name="David Harness" userId="00b5c01e-e802-4d63-9d3f-e30c84cf2197" providerId="ADAL" clId="{9193AB73-3ED4-4E8E-93E6-98904B17501A}" dt="2019-06-29T06:04:22.182" v="592" actId="478"/>
+        <pc:sldMkLst>
+          <pc:docMk/>
+          <pc:sldMk cId="1069654171" sldId="303"/>
+        </pc:sldMkLst>
+        <pc:spChg chg="mod">
+          <ac:chgData name="David Harness" userId="00b5c01e-e802-4d63-9d3f-e30c84cf2197" providerId="ADAL" clId="{9193AB73-3ED4-4E8E-93E6-98904B17501A}" dt="2019-06-29T06:03:37.796" v="586" actId="1076"/>
+          <ac:spMkLst>
+            <pc:docMk/>
+            <pc:sldMk cId="1069654171" sldId="303"/>
+            <ac:spMk id="2" creationId="{549FBF46-2A4E-45D5-9682-423BACB68B64}"/>
+          </ac:spMkLst>
+        </pc:spChg>
+        <pc:spChg chg="mod">
+          <ac:chgData name="David Harness" userId="00b5c01e-e802-4d63-9d3f-e30c84cf2197" providerId="ADAL" clId="{9193AB73-3ED4-4E8E-93E6-98904B17501A}" dt="2019-06-29T06:04:19.772" v="591" actId="207"/>
+          <ac:spMkLst>
+            <pc:docMk/>
+            <pc:sldMk cId="1069654171" sldId="303"/>
+            <ac:spMk id="4" creationId="{8D6D9DF0-36ED-4863-B918-F6735D13A7C1}"/>
+          </ac:spMkLst>
+        </pc:spChg>
+        <pc:picChg chg="add del mod">
+          <ac:chgData name="David Harness" userId="00b5c01e-e802-4d63-9d3f-e30c84cf2197" providerId="ADAL" clId="{9193AB73-3ED4-4E8E-93E6-98904B17501A}" dt="2019-06-29T06:04:22.182" v="592" actId="478"/>
+          <ac:picMkLst>
+            <pc:docMk/>
+            <pc:sldMk cId="1069654171" sldId="303"/>
+            <ac:picMk id="3" creationId="{2821A0B1-036C-4FB1-AE90-BBBF4A09EA96}"/>
           </ac:picMkLst>
         </pc:picChg>
       </pc:sldChg>
@@ -1729,7 +2237,7 @@
           <a:p>
             <a:fld id="{2138AE3F-AD4C-42B5-8262-81A441F57E31}" type="datetimeFigureOut">
               <a:rPr lang="en-US" smtClean="0"/>
-              <a:t>06-28-2019</a:t>
+              <a:t>29-Jun-19</a:t>
             </a:fld>
             <a:endParaRPr lang="en-US"/>
           </a:p>
@@ -1899,7 +2407,7 @@
           <a:p>
             <a:fld id="{2138AE3F-AD4C-42B5-8262-81A441F57E31}" type="datetimeFigureOut">
               <a:rPr lang="en-US" smtClean="0"/>
-              <a:t>06-28-2019</a:t>
+              <a:t>29-Jun-19</a:t>
             </a:fld>
             <a:endParaRPr lang="en-US"/>
           </a:p>
@@ -2079,7 +2587,7 @@
           <a:p>
             <a:fld id="{2138AE3F-AD4C-42B5-8262-81A441F57E31}" type="datetimeFigureOut">
               <a:rPr lang="en-US" smtClean="0"/>
-              <a:t>06-28-2019</a:t>
+              <a:t>29-Jun-19</a:t>
             </a:fld>
             <a:endParaRPr lang="en-US"/>
           </a:p>
@@ -2249,7 +2757,7 @@
           <a:p>
             <a:fld id="{2138AE3F-AD4C-42B5-8262-81A441F57E31}" type="datetimeFigureOut">
               <a:rPr lang="en-US" smtClean="0"/>
-              <a:t>06-28-2019</a:t>
+              <a:t>29-Jun-19</a:t>
             </a:fld>
             <a:endParaRPr lang="en-US"/>
           </a:p>
@@ -2495,7 +3003,7 @@
           <a:p>
             <a:fld id="{2138AE3F-AD4C-42B5-8262-81A441F57E31}" type="datetimeFigureOut">
               <a:rPr lang="en-US" smtClean="0"/>
-              <a:t>06-28-2019</a:t>
+              <a:t>29-Jun-19</a:t>
             </a:fld>
             <a:endParaRPr lang="en-US"/>
           </a:p>
@@ -2727,7 +3235,7 @@
           <a:p>
             <a:fld id="{2138AE3F-AD4C-42B5-8262-81A441F57E31}" type="datetimeFigureOut">
               <a:rPr lang="en-US" smtClean="0"/>
-              <a:t>06-28-2019</a:t>
+              <a:t>29-Jun-19</a:t>
             </a:fld>
             <a:endParaRPr lang="en-US"/>
           </a:p>
@@ -3094,7 +3602,7 @@
           <a:p>
             <a:fld id="{2138AE3F-AD4C-42B5-8262-81A441F57E31}" type="datetimeFigureOut">
               <a:rPr lang="en-US" smtClean="0"/>
-              <a:t>06-28-2019</a:t>
+              <a:t>29-Jun-19</a:t>
             </a:fld>
             <a:endParaRPr lang="en-US"/>
           </a:p>
@@ -3212,7 +3720,7 @@
           <a:p>
             <a:fld id="{2138AE3F-AD4C-42B5-8262-81A441F57E31}" type="datetimeFigureOut">
               <a:rPr lang="en-US" smtClean="0"/>
-              <a:t>06-28-2019</a:t>
+              <a:t>29-Jun-19</a:t>
             </a:fld>
             <a:endParaRPr lang="en-US"/>
           </a:p>
@@ -3307,7 +3815,7 @@
           <a:p>
             <a:fld id="{2138AE3F-AD4C-42B5-8262-81A441F57E31}" type="datetimeFigureOut">
               <a:rPr lang="en-US" smtClean="0"/>
-              <a:t>06-28-2019</a:t>
+              <a:t>29-Jun-19</a:t>
             </a:fld>
             <a:endParaRPr lang="en-US"/>
           </a:p>
@@ -3584,7 +4092,7 @@
           <a:p>
             <a:fld id="{2138AE3F-AD4C-42B5-8262-81A441F57E31}" type="datetimeFigureOut">
               <a:rPr lang="en-US" smtClean="0"/>
-              <a:t>06-28-2019</a:t>
+              <a:t>29-Jun-19</a:t>
             </a:fld>
             <a:endParaRPr lang="en-US"/>
           </a:p>
@@ -3841,7 +4349,7 @@
           <a:p>
             <a:fld id="{2138AE3F-AD4C-42B5-8262-81A441F57E31}" type="datetimeFigureOut">
               <a:rPr lang="en-US" smtClean="0"/>
-              <a:t>06-28-2019</a:t>
+              <a:t>29-Jun-19</a:t>
             </a:fld>
             <a:endParaRPr lang="en-US"/>
           </a:p>
@@ -4054,7 +4562,7 @@
           <a:p>
             <a:fld id="{2138AE3F-AD4C-42B5-8262-81A441F57E31}" type="datetimeFigureOut">
               <a:rPr lang="en-US" smtClean="0"/>
-              <a:t>06-28-2019</a:t>
+              <a:t>29-Jun-19</a:t>
             </a:fld>
             <a:endParaRPr lang="en-US"/>
           </a:p>
@@ -5026,6 +5534,7 @@
               <a:avLst/>
             </a:prstGeom>
             <a:noFill/>
+            <a:effectLst/>
             <a:extLst>
               <a:ext uri="{909E8E84-426E-40DD-AFC4-6F175D3DCCD1}">
                 <a14:hiddenFill xmlns:a14="http://schemas.microsoft.com/office/drawing/2010/main">
@@ -5303,16 +5812,39 @@
           </p:cNvPicPr>
           <p:nvPr/>
         </p:nvPicPr>
-        <p:blipFill>
-          <a:blip r:embed="rId2"/>
-          <a:stretch>
-            <a:fillRect/>
-          </a:stretch>
+        <p:blipFill rotWithShape="1">
+          <a:blip r:embed="rId2">
+            <a:extLst>
+              <a:ext uri="{BEBA8EAE-BF5A-486C-A8C5-ECC9F3942E4B}">
+                <a14:imgProps xmlns:a14="http://schemas.microsoft.com/office/drawing/2010/main">
+                  <a14:imgLayer r:embed="rId3">
+                    <a14:imgEffect>
+                      <a14:backgroundRemoval t="9091" b="89091" l="2500" r="90000">
+                        <a14:foregroundMark x1="23750" y1="18182" x2="23750" y2="18182"/>
+                        <a14:foregroundMark x1="16875" y1="41818" x2="16875" y2="41818"/>
+                        <a14:foregroundMark x1="6250" y1="43636" x2="6250" y2="43636"/>
+                        <a14:foregroundMark x1="2500" y1="52727" x2="2500" y2="52727"/>
+                        <a14:backgroundMark x1="86875" y1="58182" x2="86875" y2="58182"/>
+                        <a14:backgroundMark x1="75000" y1="74545" x2="75000" y2="74545"/>
+                        <a14:backgroundMark x1="74375" y1="58182" x2="74375" y2="58182"/>
+                        <a14:backgroundMark x1="76250" y1="45455" x2="76250" y2="45455"/>
+                        <a14:backgroundMark x1="69375" y1="78182" x2="69375" y2="78182"/>
+                        <a14:backgroundMark x1="62500" y1="81818" x2="62500" y2="81818"/>
+                        <a14:backgroundMark x1="57500" y1="81818" x2="60625" y2="76364"/>
+                      </a14:backgroundRemoval>
+                    </a14:imgEffect>
+                  </a14:imgLayer>
+                </a14:imgProps>
+              </a:ext>
+            </a:extLst>
+          </a:blip>
+          <a:srcRect r="16086"/>
+          <a:stretch/>
         </p:blipFill>
         <p:spPr>
           <a:xfrm>
-            <a:off x="499110" y="152742"/>
-            <a:ext cx="2565717" cy="881965"/>
+            <a:off x="705476" y="152742"/>
+            <a:ext cx="2152987" cy="881965"/>
           </a:xfrm>
           <a:prstGeom prst="rect">
             <a:avLst/>
@@ -5685,6 +6217,526 @@
           <a:gradFill flip="none" rotWithShape="1">
             <a:gsLst>
               <a:gs pos="26000">
+                <a:srgbClr val="446A06"/>
+              </a:gs>
+              <a:gs pos="100000">
+                <a:srgbClr val="6BA60A"/>
+              </a:gs>
+            </a:gsLst>
+            <a:lin ang="2700000" scaled="0"/>
+            <a:tileRect/>
+          </a:gradFill>
+          <a:ln>
+            <a:noFill/>
+          </a:ln>
+        </p:spPr>
+        <p:style>
+          <a:lnRef idx="2">
+            <a:schemeClr val="accent1">
+              <a:shade val="50000"/>
+            </a:schemeClr>
+          </a:lnRef>
+          <a:fillRef idx="1">
+            <a:schemeClr val="accent1"/>
+          </a:fillRef>
+          <a:effectRef idx="0">
+            <a:schemeClr val="accent1"/>
+          </a:effectRef>
+          <a:fontRef idx="minor">
+            <a:schemeClr val="lt1"/>
+          </a:fontRef>
+        </p:style>
+        <p:txBody>
+          <a:bodyPr rtlCol="0" anchor="ctr"/>
+          <a:lstStyle/>
+          <a:p>
+            <a:pPr algn="ctr"/>
+            <a:endParaRPr lang="en-US"/>
+          </a:p>
+        </p:txBody>
+      </p:sp>
+      <p:pic>
+        <p:nvPicPr>
+          <p:cNvPr id="3" name="Picture 2">
+            <a:extLst>
+              <a:ext uri="{FF2B5EF4-FFF2-40B4-BE49-F238E27FC236}">
+                <a16:creationId xmlns:a16="http://schemas.microsoft.com/office/drawing/2014/main" id="{6B1437CC-1031-4D26-9F89-E5ADC0599ADD}"/>
+              </a:ext>
+            </a:extLst>
+          </p:cNvPr>
+          <p:cNvPicPr>
+            <a:picLocks noChangeAspect="1"/>
+          </p:cNvPicPr>
+          <p:nvPr/>
+        </p:nvPicPr>
+        <p:blipFill rotWithShape="1">
+          <a:blip r:embed="rId2"/>
+          <a:srcRect l="2177" t="15652" r="39131" b="43278"/>
+          <a:stretch/>
+        </p:blipFill>
+        <p:spPr>
+          <a:xfrm>
+            <a:off x="615535" y="348852"/>
+            <a:ext cx="2332868" cy="489745"/>
+          </a:xfrm>
+          <a:prstGeom prst="rect">
+            <a:avLst/>
+          </a:prstGeom>
+        </p:spPr>
+      </p:pic>
+    </p:spTree>
+    <p:extLst>
+      <p:ext uri="{BB962C8B-B14F-4D97-AF65-F5344CB8AC3E}">
+        <p14:creationId xmlns:p14="http://schemas.microsoft.com/office/powerpoint/2010/main" val="1610531555"/>
+      </p:ext>
+    </p:extLst>
+  </p:cSld>
+  <p:clrMapOvr>
+    <a:masterClrMapping/>
+  </p:clrMapOvr>
+</p:sld>
+</file>
+
+<file path=ppt/slides/slide17.xml><?xml version="1.0" encoding="utf-8"?>
+<p:sld xmlns:a="http://schemas.openxmlformats.org/drawingml/2006/main" xmlns:r="http://schemas.openxmlformats.org/officeDocument/2006/relationships" xmlns:p="http://schemas.openxmlformats.org/presentationml/2006/main">
+  <p:cSld>
+    <p:spTree>
+      <p:nvGrpSpPr>
+        <p:cNvPr id="1" name=""/>
+        <p:cNvGrpSpPr/>
+        <p:nvPr/>
+      </p:nvGrpSpPr>
+      <p:grpSpPr>
+        <a:xfrm>
+          <a:off x="0" y="0"/>
+          <a:ext cx="0" cy="0"/>
+          <a:chOff x="0" y="0"/>
+          <a:chExt cx="0" cy="0"/>
+        </a:xfrm>
+      </p:grpSpPr>
+      <p:sp>
+        <p:nvSpPr>
+          <p:cNvPr id="4" name="Rectangle: Rounded Corners 3">
+            <a:extLst>
+              <a:ext uri="{FF2B5EF4-FFF2-40B4-BE49-F238E27FC236}">
+                <a16:creationId xmlns:a16="http://schemas.microsoft.com/office/drawing/2014/main" id="{8D6D9DF0-36ED-4863-B918-F6735D13A7C1}"/>
+              </a:ext>
+            </a:extLst>
+          </p:cNvPr>
+          <p:cNvSpPr/>
+          <p:nvPr/>
+        </p:nvSpPr>
+        <p:spPr>
+          <a:xfrm>
+            <a:off x="0" y="0"/>
+            <a:ext cx="3563938" cy="1187450"/>
+          </a:xfrm>
+          <a:prstGeom prst="roundRect">
+            <a:avLst>
+              <a:gd name="adj" fmla="val 50000"/>
+            </a:avLst>
+          </a:prstGeom>
+          <a:gradFill flip="none" rotWithShape="1">
+            <a:gsLst>
+              <a:gs pos="0">
+                <a:srgbClr val="000000"/>
+              </a:gs>
+              <a:gs pos="100000">
+                <a:srgbClr val="B53B2E"/>
+              </a:gs>
+            </a:gsLst>
+            <a:lin ang="2700000" scaled="0"/>
+            <a:tileRect/>
+          </a:gradFill>
+          <a:ln>
+            <a:noFill/>
+          </a:ln>
+        </p:spPr>
+        <p:style>
+          <a:lnRef idx="2">
+            <a:schemeClr val="accent1">
+              <a:shade val="50000"/>
+            </a:schemeClr>
+          </a:lnRef>
+          <a:fillRef idx="1">
+            <a:schemeClr val="accent1"/>
+          </a:fillRef>
+          <a:effectRef idx="0">
+            <a:schemeClr val="accent1"/>
+          </a:effectRef>
+          <a:fontRef idx="minor">
+            <a:schemeClr val="lt1"/>
+          </a:fontRef>
+        </p:style>
+        <p:txBody>
+          <a:bodyPr rtlCol="0" anchor="ctr"/>
+          <a:lstStyle/>
+          <a:p>
+            <a:pPr algn="ctr"/>
+            <a:endParaRPr lang="en-US"/>
+          </a:p>
+        </p:txBody>
+      </p:sp>
+      <p:grpSp>
+        <p:nvGrpSpPr>
+          <p:cNvPr id="2" name="Group 1">
+            <a:extLst>
+              <a:ext uri="{FF2B5EF4-FFF2-40B4-BE49-F238E27FC236}">
+                <a16:creationId xmlns:a16="http://schemas.microsoft.com/office/drawing/2014/main" id="{05C21F17-8BEF-416C-9421-B6A19BC98935}"/>
+              </a:ext>
+            </a:extLst>
+          </p:cNvPr>
+          <p:cNvGrpSpPr/>
+          <p:nvPr/>
+        </p:nvGrpSpPr>
+        <p:grpSpPr>
+          <a:xfrm>
+            <a:off x="245258" y="270638"/>
+            <a:ext cx="3073421" cy="646172"/>
+            <a:chOff x="245258" y="270638"/>
+            <a:chExt cx="3073421" cy="646172"/>
+          </a:xfrm>
+        </p:grpSpPr>
+        <p:pic>
+          <p:nvPicPr>
+            <p:cNvPr id="8194" name="Picture 2" descr="https://otakustream.tv/wp-content/themes/otakustream/static/assets/img/basic/otakustream-min.png">
+              <a:extLst>
+                <a:ext uri="{FF2B5EF4-FFF2-40B4-BE49-F238E27FC236}">
+                  <a16:creationId xmlns:a16="http://schemas.microsoft.com/office/drawing/2014/main" id="{704800C2-3F95-4D49-AC96-BE9051AAEAD5}"/>
+                </a:ext>
+              </a:extLst>
+            </p:cNvPr>
+            <p:cNvPicPr>
+              <a:picLocks noChangeAspect="1" noChangeArrowheads="1"/>
+            </p:cNvPicPr>
+            <p:nvPr/>
+          </p:nvPicPr>
+          <p:blipFill rotWithShape="1">
+            <a:blip r:embed="rId2">
+              <a:extLst>
+                <a:ext uri="{28A0092B-C50C-407E-A947-70E740481C1C}">
+                  <a14:useLocalDpi xmlns:a14="http://schemas.microsoft.com/office/drawing/2010/main" val="0"/>
+                </a:ext>
+              </a:extLst>
+            </a:blip>
+            <a:srcRect l="92019"/>
+            <a:stretch/>
+          </p:blipFill>
+          <p:spPr bwMode="auto">
+            <a:xfrm>
+              <a:off x="3073401" y="270639"/>
+              <a:ext cx="245278" cy="646171"/>
+            </a:xfrm>
+            <a:prstGeom prst="rect">
+              <a:avLst/>
+            </a:prstGeom>
+            <a:noFill/>
+            <a:extLst>
+              <a:ext uri="{909E8E84-426E-40DD-AFC4-6F175D3DCCD1}">
+                <a14:hiddenFill xmlns:a14="http://schemas.microsoft.com/office/drawing/2010/main">
+                  <a:solidFill>
+                    <a:srgbClr val="FFFFFF"/>
+                  </a:solidFill>
+                </a14:hiddenFill>
+              </a:ext>
+            </a:extLst>
+          </p:spPr>
+        </p:pic>
+        <p:pic>
+          <p:nvPicPr>
+            <p:cNvPr id="5" name="Picture 2" descr="https://otakustream.tv/wp-content/themes/otakustream/static/assets/img/basic/otakustream-min.png">
+              <a:extLst>
+                <a:ext uri="{FF2B5EF4-FFF2-40B4-BE49-F238E27FC236}">
+                  <a16:creationId xmlns:a16="http://schemas.microsoft.com/office/drawing/2014/main" id="{AEC52474-764B-4B85-BA94-87C6AB4ABA41}"/>
+                </a:ext>
+              </a:extLst>
+            </p:cNvPr>
+            <p:cNvPicPr>
+              <a:picLocks noChangeAspect="1" noChangeArrowheads="1"/>
+            </p:cNvPicPr>
+            <p:nvPr/>
+          </p:nvPicPr>
+          <p:blipFill rotWithShape="1">
+            <a:blip r:embed="rId3">
+              <a:extLst>
+                <a:ext uri="{BEBA8EAE-BF5A-486C-A8C5-ECC9F3942E4B}">
+                  <a14:imgProps xmlns:a14="http://schemas.microsoft.com/office/drawing/2010/main">
+                    <a14:imgLayer r:embed="rId4">
+                      <a14:imgEffect>
+                        <a14:brightnessContrast bright="100000"/>
+                      </a14:imgEffect>
+                    </a14:imgLayer>
+                  </a14:imgProps>
+                </a:ext>
+                <a:ext uri="{28A0092B-C50C-407E-A947-70E740481C1C}">
+                  <a14:useLocalDpi xmlns:a14="http://schemas.microsoft.com/office/drawing/2010/main" val="0"/>
+                </a:ext>
+              </a:extLst>
+            </a:blip>
+            <a:srcRect l="36648" r="7981"/>
+            <a:stretch/>
+          </p:blipFill>
+          <p:spPr bwMode="auto">
+            <a:xfrm>
+              <a:off x="1371601" y="270638"/>
+              <a:ext cx="1701800" cy="646171"/>
+            </a:xfrm>
+            <a:prstGeom prst="rect">
+              <a:avLst/>
+            </a:prstGeom>
+            <a:noFill/>
+            <a:extLst>
+              <a:ext uri="{909E8E84-426E-40DD-AFC4-6F175D3DCCD1}">
+                <a14:hiddenFill xmlns:a14="http://schemas.microsoft.com/office/drawing/2010/main">
+                  <a:solidFill>
+                    <a:srgbClr val="FFFFFF"/>
+                  </a:solidFill>
+                </a14:hiddenFill>
+              </a:ext>
+            </a:extLst>
+          </p:spPr>
+        </p:pic>
+        <p:pic>
+          <p:nvPicPr>
+            <p:cNvPr id="6" name="Picture 2" descr="https://otakustream.tv/wp-content/themes/otakustream/static/assets/img/basic/otakustream-min.png">
+              <a:extLst>
+                <a:ext uri="{FF2B5EF4-FFF2-40B4-BE49-F238E27FC236}">
+                  <a16:creationId xmlns:a16="http://schemas.microsoft.com/office/drawing/2014/main" id="{5320FDCA-E39C-4895-93C7-5186DA6AE7DE}"/>
+                </a:ext>
+              </a:extLst>
+            </p:cNvPr>
+            <p:cNvPicPr>
+              <a:picLocks noChangeAspect="1" noChangeArrowheads="1"/>
+            </p:cNvPicPr>
+            <p:nvPr/>
+          </p:nvPicPr>
+          <p:blipFill rotWithShape="1">
+            <a:blip r:embed="rId2">
+              <a:extLst>
+                <a:ext uri="{28A0092B-C50C-407E-A947-70E740481C1C}">
+                  <a14:useLocalDpi xmlns:a14="http://schemas.microsoft.com/office/drawing/2010/main" val="0"/>
+                </a:ext>
+              </a:extLst>
+            </a:blip>
+            <a:srcRect r="63352"/>
+            <a:stretch/>
+          </p:blipFill>
+          <p:spPr bwMode="auto">
+            <a:xfrm>
+              <a:off x="245258" y="270638"/>
+              <a:ext cx="1126343" cy="646171"/>
+            </a:xfrm>
+            <a:prstGeom prst="rect">
+              <a:avLst/>
+            </a:prstGeom>
+            <a:noFill/>
+            <a:extLst>
+              <a:ext uri="{909E8E84-426E-40DD-AFC4-6F175D3DCCD1}">
+                <a14:hiddenFill xmlns:a14="http://schemas.microsoft.com/office/drawing/2010/main">
+                  <a:solidFill>
+                    <a:srgbClr val="FFFFFF"/>
+                  </a:solidFill>
+                </a14:hiddenFill>
+              </a:ext>
+            </a:extLst>
+          </p:spPr>
+        </p:pic>
+      </p:grpSp>
+    </p:spTree>
+    <p:extLst>
+      <p:ext uri="{BB962C8B-B14F-4D97-AF65-F5344CB8AC3E}">
+        <p14:creationId xmlns:p14="http://schemas.microsoft.com/office/powerpoint/2010/main" val="2388989435"/>
+      </p:ext>
+    </p:extLst>
+  </p:cSld>
+  <p:clrMapOvr>
+    <a:masterClrMapping/>
+  </p:clrMapOvr>
+</p:sld>
+</file>
+
+<file path=ppt/slides/slide18.xml><?xml version="1.0" encoding="utf-8"?>
+<p:sld xmlns:a="http://schemas.openxmlformats.org/drawingml/2006/main" xmlns:r="http://schemas.openxmlformats.org/officeDocument/2006/relationships" xmlns:p="http://schemas.openxmlformats.org/presentationml/2006/main">
+  <p:cSld>
+    <p:spTree>
+      <p:nvGrpSpPr>
+        <p:cNvPr id="1" name=""/>
+        <p:cNvGrpSpPr/>
+        <p:nvPr/>
+      </p:nvGrpSpPr>
+      <p:grpSpPr>
+        <a:xfrm>
+          <a:off x="0" y="0"/>
+          <a:ext cx="0" cy="0"/>
+          <a:chOff x="0" y="0"/>
+          <a:chExt cx="0" cy="0"/>
+        </a:xfrm>
+      </p:grpSpPr>
+      <p:sp>
+        <p:nvSpPr>
+          <p:cNvPr id="4" name="Rectangle: Rounded Corners 3">
+            <a:extLst>
+              <a:ext uri="{FF2B5EF4-FFF2-40B4-BE49-F238E27FC236}">
+                <a16:creationId xmlns:a16="http://schemas.microsoft.com/office/drawing/2014/main" id="{8D6D9DF0-36ED-4863-B918-F6735D13A7C1}"/>
+              </a:ext>
+            </a:extLst>
+          </p:cNvPr>
+          <p:cNvSpPr/>
+          <p:nvPr/>
+        </p:nvSpPr>
+        <p:spPr>
+          <a:xfrm>
+            <a:off x="0" y="0"/>
+            <a:ext cx="3563938" cy="1187450"/>
+          </a:xfrm>
+          <a:prstGeom prst="roundRect">
+            <a:avLst>
+              <a:gd name="adj" fmla="val 50000"/>
+            </a:avLst>
+          </a:prstGeom>
+          <a:gradFill flip="none" rotWithShape="1">
+            <a:gsLst>
+              <a:gs pos="12000">
+                <a:schemeClr val="tx1"/>
+              </a:gs>
+              <a:gs pos="100000">
+                <a:srgbClr val="FCAF40"/>
+              </a:gs>
+            </a:gsLst>
+            <a:lin ang="2700000" scaled="0"/>
+            <a:tileRect/>
+          </a:gradFill>
+          <a:ln>
+            <a:noFill/>
+          </a:ln>
+        </p:spPr>
+        <p:style>
+          <a:lnRef idx="2">
+            <a:schemeClr val="accent1">
+              <a:shade val="50000"/>
+            </a:schemeClr>
+          </a:lnRef>
+          <a:fillRef idx="1">
+            <a:schemeClr val="accent1"/>
+          </a:fillRef>
+          <a:effectRef idx="0">
+            <a:schemeClr val="accent1"/>
+          </a:effectRef>
+          <a:fontRef idx="minor">
+            <a:schemeClr val="lt1"/>
+          </a:fontRef>
+        </p:style>
+        <p:txBody>
+          <a:bodyPr rtlCol="0" anchor="ctr"/>
+          <a:lstStyle/>
+          <a:p>
+            <a:pPr algn="ctr"/>
+            <a:endParaRPr lang="en-US"/>
+          </a:p>
+        </p:txBody>
+      </p:sp>
+      <p:pic>
+        <p:nvPicPr>
+          <p:cNvPr id="9218" name="Picture 2" descr="https://animego.to/img/icon/logo.png">
+            <a:extLst>
+              <a:ext uri="{FF2B5EF4-FFF2-40B4-BE49-F238E27FC236}">
+                <a16:creationId xmlns:a16="http://schemas.microsoft.com/office/drawing/2014/main" id="{793D3A69-62E5-4F0C-B0C9-0A404384348A}"/>
+              </a:ext>
+            </a:extLst>
+          </p:cNvPr>
+          <p:cNvPicPr>
+            <a:picLocks noChangeAspect="1" noChangeArrowheads="1"/>
+          </p:cNvPicPr>
+          <p:nvPr/>
+        </p:nvPicPr>
+        <p:blipFill>
+          <a:blip r:embed="rId2">
+            <a:extLst>
+              <a:ext uri="{28A0092B-C50C-407E-A947-70E740481C1C}">
+                <a14:useLocalDpi xmlns:a14="http://schemas.microsoft.com/office/drawing/2010/main" val="0"/>
+              </a:ext>
+            </a:extLst>
+          </a:blip>
+          <a:srcRect/>
+          <a:stretch>
+            <a:fillRect/>
+          </a:stretch>
+        </p:blipFill>
+        <p:spPr bwMode="auto">
+          <a:xfrm>
+            <a:off x="876506" y="244475"/>
+            <a:ext cx="1810926" cy="698500"/>
+          </a:xfrm>
+          <a:prstGeom prst="rect">
+            <a:avLst/>
+          </a:prstGeom>
+          <a:noFill/>
+          <a:extLst>
+            <a:ext uri="{909E8E84-426E-40DD-AFC4-6F175D3DCCD1}">
+              <a14:hiddenFill xmlns:a14="http://schemas.microsoft.com/office/drawing/2010/main">
+                <a:solidFill>
+                  <a:srgbClr val="FFFFFF"/>
+                </a:solidFill>
+              </a14:hiddenFill>
+            </a:ext>
+          </a:extLst>
+        </p:spPr>
+      </p:pic>
+    </p:spTree>
+    <p:extLst>
+      <p:ext uri="{BB962C8B-B14F-4D97-AF65-F5344CB8AC3E}">
+        <p14:creationId xmlns:p14="http://schemas.microsoft.com/office/powerpoint/2010/main" val="1591048078"/>
+      </p:ext>
+    </p:extLst>
+  </p:cSld>
+  <p:clrMapOvr>
+    <a:masterClrMapping/>
+  </p:clrMapOvr>
+</p:sld>
+</file>
+
+<file path=ppt/slides/slide19.xml><?xml version="1.0" encoding="utf-8"?>
+<p:sld xmlns:a="http://schemas.openxmlformats.org/drawingml/2006/main" xmlns:r="http://schemas.openxmlformats.org/officeDocument/2006/relationships" xmlns:p="http://schemas.openxmlformats.org/presentationml/2006/main">
+  <p:cSld>
+    <p:spTree>
+      <p:nvGrpSpPr>
+        <p:cNvPr id="1" name=""/>
+        <p:cNvGrpSpPr/>
+        <p:nvPr/>
+      </p:nvGrpSpPr>
+      <p:grpSpPr>
+        <a:xfrm>
+          <a:off x="0" y="0"/>
+          <a:ext cx="0" cy="0"/>
+          <a:chOff x="0" y="0"/>
+          <a:chExt cx="0" cy="0"/>
+        </a:xfrm>
+      </p:grpSpPr>
+      <p:sp>
+        <p:nvSpPr>
+          <p:cNvPr id="4" name="Rectangle: Rounded Corners 3">
+            <a:extLst>
+              <a:ext uri="{FF2B5EF4-FFF2-40B4-BE49-F238E27FC236}">
+                <a16:creationId xmlns:a16="http://schemas.microsoft.com/office/drawing/2014/main" id="{8D6D9DF0-36ED-4863-B918-F6735D13A7C1}"/>
+              </a:ext>
+            </a:extLst>
+          </p:cNvPr>
+          <p:cNvSpPr/>
+          <p:nvPr/>
+        </p:nvSpPr>
+        <p:spPr>
+          <a:xfrm>
+            <a:off x="0" y="0"/>
+            <a:ext cx="3563938" cy="1187450"/>
+          </a:xfrm>
+          <a:prstGeom prst="roundRect">
+            <a:avLst>
+              <a:gd name="adj" fmla="val 50000"/>
+            </a:avLst>
+          </a:prstGeom>
+          <a:gradFill flip="none" rotWithShape="1">
+            <a:gsLst>
+              <a:gs pos="26000">
                 <a:schemeClr val="accent1"/>
               </a:gs>
               <a:gs pos="100000">
@@ -5786,481 +6838,6 @@
     <p:extLst>
       <p:ext uri="{BB962C8B-B14F-4D97-AF65-F5344CB8AC3E}">
         <p14:creationId xmlns:p14="http://schemas.microsoft.com/office/powerpoint/2010/main" val="2484894236"/>
-      </p:ext>
-    </p:extLst>
-  </p:cSld>
-  <p:clrMapOvr>
-    <a:masterClrMapping/>
-  </p:clrMapOvr>
-</p:sld>
-</file>
-
-<file path=ppt/slides/slide17.xml><?xml version="1.0" encoding="utf-8"?>
-<p:sld xmlns:a="http://schemas.openxmlformats.org/drawingml/2006/main" xmlns:r="http://schemas.openxmlformats.org/officeDocument/2006/relationships" xmlns:p="http://schemas.openxmlformats.org/presentationml/2006/main">
-  <p:cSld>
-    <p:spTree>
-      <p:nvGrpSpPr>
-        <p:cNvPr id="1" name=""/>
-        <p:cNvGrpSpPr/>
-        <p:nvPr/>
-      </p:nvGrpSpPr>
-      <p:grpSpPr>
-        <a:xfrm>
-          <a:off x="0" y="0"/>
-          <a:ext cx="0" cy="0"/>
-          <a:chOff x="0" y="0"/>
-          <a:chExt cx="0" cy="0"/>
-        </a:xfrm>
-      </p:grpSpPr>
-      <p:sp>
-        <p:nvSpPr>
-          <p:cNvPr id="4" name="Rectangle: Rounded Corners 3">
-            <a:extLst>
-              <a:ext uri="{FF2B5EF4-FFF2-40B4-BE49-F238E27FC236}">
-                <a16:creationId xmlns:a16="http://schemas.microsoft.com/office/drawing/2014/main" id="{8D6D9DF0-36ED-4863-B918-F6735D13A7C1}"/>
-              </a:ext>
-            </a:extLst>
-          </p:cNvPr>
-          <p:cNvSpPr/>
-          <p:nvPr/>
-        </p:nvSpPr>
-        <p:spPr>
-          <a:xfrm>
-            <a:off x="0" y="0"/>
-            <a:ext cx="3563938" cy="1187450"/>
-          </a:xfrm>
-          <a:prstGeom prst="roundRect">
-            <a:avLst>
-              <a:gd name="adj" fmla="val 50000"/>
-            </a:avLst>
-          </a:prstGeom>
-          <a:gradFill flip="none" rotWithShape="1">
-            <a:gsLst>
-              <a:gs pos="26000">
-                <a:schemeClr val="tx1"/>
-              </a:gs>
-              <a:gs pos="100000">
-                <a:srgbClr val="C00000"/>
-              </a:gs>
-            </a:gsLst>
-            <a:lin ang="2700000" scaled="0"/>
-            <a:tileRect/>
-          </a:gradFill>
-          <a:ln>
-            <a:noFill/>
-          </a:ln>
-        </p:spPr>
-        <p:style>
-          <a:lnRef idx="2">
-            <a:schemeClr val="accent1">
-              <a:shade val="50000"/>
-            </a:schemeClr>
-          </a:lnRef>
-          <a:fillRef idx="1">
-            <a:schemeClr val="accent1"/>
-          </a:fillRef>
-          <a:effectRef idx="0">
-            <a:schemeClr val="accent1"/>
-          </a:effectRef>
-          <a:fontRef idx="minor">
-            <a:schemeClr val="lt1"/>
-          </a:fontRef>
-        </p:style>
-        <p:txBody>
-          <a:bodyPr rtlCol="0" anchor="ctr"/>
-          <a:lstStyle/>
-          <a:p>
-            <a:pPr algn="ctr"/>
-            <a:endParaRPr lang="en-US" dirty="0"/>
-          </a:p>
-        </p:txBody>
-      </p:sp>
-      <p:pic>
-        <p:nvPicPr>
-          <p:cNvPr id="20482" name="Picture 2" descr="https://i0.wp.com/www.samehada.co/wp-content/uploads/2018/11/logo_samehadaku.png?fit=500%2C140">
-            <a:extLst>
-              <a:ext uri="{FF2B5EF4-FFF2-40B4-BE49-F238E27FC236}">
-                <a16:creationId xmlns:a16="http://schemas.microsoft.com/office/drawing/2014/main" id="{BE669853-F669-496A-BEB1-969A6F93CAD5}"/>
-              </a:ext>
-            </a:extLst>
-          </p:cNvPr>
-          <p:cNvPicPr>
-            <a:picLocks noChangeAspect="1" noChangeArrowheads="1"/>
-          </p:cNvPicPr>
-          <p:nvPr/>
-        </p:nvPicPr>
-        <p:blipFill>
-          <a:blip r:embed="rId2">
-            <a:extLst>
-              <a:ext uri="{28A0092B-C50C-407E-A947-70E740481C1C}">
-                <a14:useLocalDpi xmlns:a14="http://schemas.microsoft.com/office/drawing/2010/main" val="0"/>
-              </a:ext>
-            </a:extLst>
-          </a:blip>
-          <a:srcRect/>
-          <a:stretch>
-            <a:fillRect/>
-          </a:stretch>
-        </p:blipFill>
-        <p:spPr bwMode="auto">
-          <a:xfrm>
-            <a:off x="234509" y="160160"/>
-            <a:ext cx="3094919" cy="867129"/>
-          </a:xfrm>
-          <a:prstGeom prst="rect">
-            <a:avLst/>
-          </a:prstGeom>
-          <a:noFill/>
-          <a:extLst>
-            <a:ext uri="{909E8E84-426E-40DD-AFC4-6F175D3DCCD1}">
-              <a14:hiddenFill xmlns:a14="http://schemas.microsoft.com/office/drawing/2010/main">
-                <a:solidFill>
-                  <a:srgbClr val="FFFFFF"/>
-                </a:solidFill>
-              </a14:hiddenFill>
-            </a:ext>
-          </a:extLst>
-        </p:spPr>
-      </p:pic>
-    </p:spTree>
-    <p:extLst>
-      <p:ext uri="{BB962C8B-B14F-4D97-AF65-F5344CB8AC3E}">
-        <p14:creationId xmlns:p14="http://schemas.microsoft.com/office/powerpoint/2010/main" val="854272974"/>
-      </p:ext>
-    </p:extLst>
-  </p:cSld>
-  <p:clrMapOvr>
-    <a:masterClrMapping/>
-  </p:clrMapOvr>
-</p:sld>
-</file>
-
-<file path=ppt/slides/slide18.xml><?xml version="1.0" encoding="utf-8"?>
-<p:sld xmlns:a="http://schemas.openxmlformats.org/drawingml/2006/main" xmlns:r="http://schemas.openxmlformats.org/officeDocument/2006/relationships" xmlns:p="http://schemas.openxmlformats.org/presentationml/2006/main">
-  <p:cSld>
-    <p:spTree>
-      <p:nvGrpSpPr>
-        <p:cNvPr id="1" name=""/>
-        <p:cNvGrpSpPr/>
-        <p:nvPr/>
-      </p:nvGrpSpPr>
-      <p:grpSpPr>
-        <a:xfrm>
-          <a:off x="0" y="0"/>
-          <a:ext cx="0" cy="0"/>
-          <a:chOff x="0" y="0"/>
-          <a:chExt cx="0" cy="0"/>
-        </a:xfrm>
-      </p:grpSpPr>
-      <p:sp>
-        <p:nvSpPr>
-          <p:cNvPr id="4" name="Rectangle: Rounded Corners 3">
-            <a:extLst>
-              <a:ext uri="{FF2B5EF4-FFF2-40B4-BE49-F238E27FC236}">
-                <a16:creationId xmlns:a16="http://schemas.microsoft.com/office/drawing/2014/main" id="{8D6D9DF0-36ED-4863-B918-F6735D13A7C1}"/>
-              </a:ext>
-            </a:extLst>
-          </p:cNvPr>
-          <p:cNvSpPr/>
-          <p:nvPr/>
-        </p:nvSpPr>
-        <p:spPr>
-          <a:xfrm>
-            <a:off x="0" y="0"/>
-            <a:ext cx="3563938" cy="1187450"/>
-          </a:xfrm>
-          <a:prstGeom prst="roundRect">
-            <a:avLst>
-              <a:gd name="adj" fmla="val 50000"/>
-            </a:avLst>
-          </a:prstGeom>
-          <a:gradFill flip="none" rotWithShape="1">
-            <a:gsLst>
-              <a:gs pos="26000">
-                <a:schemeClr val="accent1"/>
-              </a:gs>
-              <a:gs pos="100000">
-                <a:schemeClr val="accent1">
-                  <a:lumMod val="60000"/>
-                  <a:lumOff val="40000"/>
-                </a:schemeClr>
-              </a:gs>
-            </a:gsLst>
-            <a:lin ang="2700000" scaled="0"/>
-            <a:tileRect/>
-          </a:gradFill>
-          <a:ln>
-            <a:noFill/>
-          </a:ln>
-        </p:spPr>
-        <p:style>
-          <a:lnRef idx="2">
-            <a:schemeClr val="accent1">
-              <a:shade val="50000"/>
-            </a:schemeClr>
-          </a:lnRef>
-          <a:fillRef idx="1">
-            <a:schemeClr val="accent1"/>
-          </a:fillRef>
-          <a:effectRef idx="0">
-            <a:schemeClr val="accent1"/>
-          </a:effectRef>
-          <a:fontRef idx="minor">
-            <a:schemeClr val="lt1"/>
-          </a:fontRef>
-        </p:style>
-        <p:txBody>
-          <a:bodyPr rtlCol="0" anchor="ctr"/>
-          <a:lstStyle/>
-          <a:p>
-            <a:pPr algn="ctr"/>
-            <a:endParaRPr lang="en-US" dirty="0"/>
-          </a:p>
-        </p:txBody>
-      </p:sp>
-      <p:pic>
-        <p:nvPicPr>
-          <p:cNvPr id="22530" name="Picture 2" descr="https://awsubs.tv/wp-content/uploads/2018/10/PPP.png">
-            <a:extLst>
-              <a:ext uri="{FF2B5EF4-FFF2-40B4-BE49-F238E27FC236}">
-                <a16:creationId xmlns:a16="http://schemas.microsoft.com/office/drawing/2014/main" id="{8B8610EC-78D6-480D-9161-B4DB7BDCEEF4}"/>
-              </a:ext>
-            </a:extLst>
-          </p:cNvPr>
-          <p:cNvPicPr>
-            <a:picLocks noChangeAspect="1" noChangeArrowheads="1"/>
-          </p:cNvPicPr>
-          <p:nvPr/>
-        </p:nvPicPr>
-        <p:blipFill>
-          <a:blip r:embed="rId2">
-            <a:extLst>
-              <a:ext uri="{28A0092B-C50C-407E-A947-70E740481C1C}">
-                <a14:useLocalDpi xmlns:a14="http://schemas.microsoft.com/office/drawing/2010/main" val="0"/>
-              </a:ext>
-            </a:extLst>
-          </a:blip>
-          <a:srcRect/>
-          <a:stretch>
-            <a:fillRect/>
-          </a:stretch>
-        </p:blipFill>
-        <p:spPr bwMode="auto">
-          <a:xfrm>
-            <a:off x="381794" y="403225"/>
-            <a:ext cx="2800350" cy="381000"/>
-          </a:xfrm>
-          <a:prstGeom prst="rect">
-            <a:avLst/>
-          </a:prstGeom>
-          <a:noFill/>
-          <a:extLst>
-            <a:ext uri="{909E8E84-426E-40DD-AFC4-6F175D3DCCD1}">
-              <a14:hiddenFill xmlns:a14="http://schemas.microsoft.com/office/drawing/2010/main">
-                <a:solidFill>
-                  <a:srgbClr val="FFFFFF"/>
-                </a:solidFill>
-              </a14:hiddenFill>
-            </a:ext>
-          </a:extLst>
-        </p:spPr>
-      </p:pic>
-    </p:spTree>
-    <p:extLst>
-      <p:ext uri="{BB962C8B-B14F-4D97-AF65-F5344CB8AC3E}">
-        <p14:creationId xmlns:p14="http://schemas.microsoft.com/office/powerpoint/2010/main" val="3484075241"/>
-      </p:ext>
-    </p:extLst>
-  </p:cSld>
-  <p:clrMapOvr>
-    <a:masterClrMapping/>
-  </p:clrMapOvr>
-</p:sld>
-</file>
-
-<file path=ppt/slides/slide19.xml><?xml version="1.0" encoding="utf-8"?>
-<p:sld xmlns:a="http://schemas.openxmlformats.org/drawingml/2006/main" xmlns:r="http://schemas.openxmlformats.org/officeDocument/2006/relationships" xmlns:p="http://schemas.openxmlformats.org/presentationml/2006/main">
-  <p:cSld>
-    <p:spTree>
-      <p:nvGrpSpPr>
-        <p:cNvPr id="1" name=""/>
-        <p:cNvGrpSpPr/>
-        <p:nvPr/>
-      </p:nvGrpSpPr>
-      <p:grpSpPr>
-        <a:xfrm>
-          <a:off x="0" y="0"/>
-          <a:ext cx="0" cy="0"/>
-          <a:chOff x="0" y="0"/>
-          <a:chExt cx="0" cy="0"/>
-        </a:xfrm>
-      </p:grpSpPr>
-      <p:sp>
-        <p:nvSpPr>
-          <p:cNvPr id="4" name="Rectangle: Rounded Corners 3">
-            <a:extLst>
-              <a:ext uri="{FF2B5EF4-FFF2-40B4-BE49-F238E27FC236}">
-                <a16:creationId xmlns:a16="http://schemas.microsoft.com/office/drawing/2014/main" id="{8D6D9DF0-36ED-4863-B918-F6735D13A7C1}"/>
-              </a:ext>
-            </a:extLst>
-          </p:cNvPr>
-          <p:cNvSpPr/>
-          <p:nvPr/>
-        </p:nvSpPr>
-        <p:spPr>
-          <a:xfrm>
-            <a:off x="0" y="0"/>
-            <a:ext cx="3563938" cy="1187450"/>
-          </a:xfrm>
-          <a:prstGeom prst="roundRect">
-            <a:avLst>
-              <a:gd name="adj" fmla="val 50000"/>
-            </a:avLst>
-          </a:prstGeom>
-          <a:gradFill flip="none" rotWithShape="1">
-            <a:gsLst>
-              <a:gs pos="26000">
-                <a:srgbClr val="222222"/>
-              </a:gs>
-              <a:gs pos="100000">
-                <a:srgbClr val="3C9CCD"/>
-              </a:gs>
-            </a:gsLst>
-            <a:lin ang="2700000" scaled="0"/>
-            <a:tileRect/>
-          </a:gradFill>
-          <a:ln>
-            <a:noFill/>
-          </a:ln>
-        </p:spPr>
-        <p:style>
-          <a:lnRef idx="2">
-            <a:schemeClr val="accent1">
-              <a:shade val="50000"/>
-            </a:schemeClr>
-          </a:lnRef>
-          <a:fillRef idx="1">
-            <a:schemeClr val="accent1"/>
-          </a:fillRef>
-          <a:effectRef idx="0">
-            <a:schemeClr val="accent1"/>
-          </a:effectRef>
-          <a:fontRef idx="minor">
-            <a:schemeClr val="lt1"/>
-          </a:fontRef>
-        </p:style>
-        <p:txBody>
-          <a:bodyPr rtlCol="0" anchor="ctr"/>
-          <a:lstStyle/>
-          <a:p>
-            <a:pPr algn="ctr"/>
-            <a:endParaRPr lang="en-US" dirty="0"/>
-          </a:p>
-        </p:txBody>
-      </p:sp>
-      <p:pic>
-        <p:nvPicPr>
-          <p:cNvPr id="24578" name="Picture 2" descr="https://www.oploverz.in/wp-content/themes/oploverz-v2/dist/images/logo.png">
-            <a:extLst>
-              <a:ext uri="{FF2B5EF4-FFF2-40B4-BE49-F238E27FC236}">
-                <a16:creationId xmlns:a16="http://schemas.microsoft.com/office/drawing/2014/main" id="{02A3AE16-9163-45A6-8E67-C8B34AB62358}"/>
-              </a:ext>
-            </a:extLst>
-          </p:cNvPr>
-          <p:cNvPicPr>
-            <a:picLocks noChangeAspect="1" noChangeArrowheads="1"/>
-          </p:cNvPicPr>
-          <p:nvPr/>
-        </p:nvPicPr>
-        <p:blipFill rotWithShape="1">
-          <a:blip r:embed="rId2">
-            <a:extLst>
-              <a:ext uri="{28A0092B-C50C-407E-A947-70E740481C1C}">
-                <a14:useLocalDpi xmlns:a14="http://schemas.microsoft.com/office/drawing/2010/main" val="0"/>
-              </a:ext>
-            </a:extLst>
-          </a:blip>
-          <a:srcRect r="72176" b="27467"/>
-          <a:stretch/>
-        </p:blipFill>
-        <p:spPr bwMode="auto">
-          <a:xfrm>
-            <a:off x="346145" y="382905"/>
-            <a:ext cx="798991" cy="421640"/>
-          </a:xfrm>
-          <a:prstGeom prst="rect">
-            <a:avLst/>
-          </a:prstGeom>
-          <a:noFill/>
-          <a:extLst>
-            <a:ext uri="{909E8E84-426E-40DD-AFC4-6F175D3DCCD1}">
-              <a14:hiddenFill xmlns:a14="http://schemas.microsoft.com/office/drawing/2010/main">
-                <a:solidFill>
-                  <a:srgbClr val="FFFFFF"/>
-                </a:solidFill>
-              </a14:hiddenFill>
-            </a:ext>
-          </a:extLst>
-        </p:spPr>
-      </p:pic>
-      <p:pic>
-        <p:nvPicPr>
-          <p:cNvPr id="5" name="Picture 2" descr="https://www.oploverz.in/wp-content/themes/oploverz-v2/dist/images/logo.png">
-            <a:extLst>
-              <a:ext uri="{FF2B5EF4-FFF2-40B4-BE49-F238E27FC236}">
-                <a16:creationId xmlns:a16="http://schemas.microsoft.com/office/drawing/2014/main" id="{6BD0A45C-9A83-49B9-8898-ED785EFAD973}"/>
-              </a:ext>
-            </a:extLst>
-          </p:cNvPr>
-          <p:cNvPicPr>
-            <a:picLocks noChangeAspect="1" noChangeArrowheads="1"/>
-          </p:cNvPicPr>
-          <p:nvPr/>
-        </p:nvPicPr>
-        <p:blipFill rotWithShape="1">
-          <a:blip r:embed="rId3">
-            <a:extLst>
-              <a:ext uri="{BEBA8EAE-BF5A-486C-A8C5-ECC9F3942E4B}">
-                <a14:imgProps xmlns:a14="http://schemas.microsoft.com/office/drawing/2010/main">
-                  <a14:imgLayer r:embed="rId4">
-                    <a14:imgEffect>
-                      <a14:brightnessContrast bright="100000"/>
-                    </a14:imgEffect>
-                  </a14:imgLayer>
-                </a14:imgProps>
-              </a:ext>
-              <a:ext uri="{28A0092B-C50C-407E-A947-70E740481C1C}">
-                <a14:useLocalDpi xmlns:a14="http://schemas.microsoft.com/office/drawing/2010/main" val="0"/>
-              </a:ext>
-            </a:extLst>
-          </a:blip>
-          <a:srcRect l="27824" b="27467"/>
-          <a:stretch/>
-        </p:blipFill>
-        <p:spPr bwMode="auto">
-          <a:xfrm>
-            <a:off x="1145136" y="382905"/>
-            <a:ext cx="2072656" cy="421640"/>
-          </a:xfrm>
-          <a:prstGeom prst="rect">
-            <a:avLst/>
-          </a:prstGeom>
-          <a:noFill/>
-          <a:extLst>
-            <a:ext uri="{909E8E84-426E-40DD-AFC4-6F175D3DCCD1}">
-              <a14:hiddenFill xmlns:a14="http://schemas.microsoft.com/office/drawing/2010/main">
-                <a:solidFill>
-                  <a:srgbClr val="FFFFFF"/>
-                </a:solidFill>
-              </a14:hiddenFill>
-            </a:ext>
-          </a:extLst>
-        </p:spPr>
-      </p:pic>
-    </p:spTree>
-    <p:extLst>
-      <p:ext uri="{BB962C8B-B14F-4D97-AF65-F5344CB8AC3E}">
-        <p14:creationId xmlns:p14="http://schemas.microsoft.com/office/powerpoint/2010/main" val="2285725612"/>
       </p:ext>
     </p:extLst>
   </p:cSld>
@@ -6452,6 +7029,481 @@
           <a:gradFill flip="none" rotWithShape="1">
             <a:gsLst>
               <a:gs pos="26000">
+                <a:schemeClr val="tx1"/>
+              </a:gs>
+              <a:gs pos="100000">
+                <a:srgbClr val="C00000"/>
+              </a:gs>
+            </a:gsLst>
+            <a:lin ang="2700000" scaled="0"/>
+            <a:tileRect/>
+          </a:gradFill>
+          <a:ln>
+            <a:noFill/>
+          </a:ln>
+        </p:spPr>
+        <p:style>
+          <a:lnRef idx="2">
+            <a:schemeClr val="accent1">
+              <a:shade val="50000"/>
+            </a:schemeClr>
+          </a:lnRef>
+          <a:fillRef idx="1">
+            <a:schemeClr val="accent1"/>
+          </a:fillRef>
+          <a:effectRef idx="0">
+            <a:schemeClr val="accent1"/>
+          </a:effectRef>
+          <a:fontRef idx="minor">
+            <a:schemeClr val="lt1"/>
+          </a:fontRef>
+        </p:style>
+        <p:txBody>
+          <a:bodyPr rtlCol="0" anchor="ctr"/>
+          <a:lstStyle/>
+          <a:p>
+            <a:pPr algn="ctr"/>
+            <a:endParaRPr lang="en-US" dirty="0"/>
+          </a:p>
+        </p:txBody>
+      </p:sp>
+      <p:pic>
+        <p:nvPicPr>
+          <p:cNvPr id="20482" name="Picture 2" descr="https://i0.wp.com/www.samehada.co/wp-content/uploads/2018/11/logo_samehadaku.png?fit=500%2C140">
+            <a:extLst>
+              <a:ext uri="{FF2B5EF4-FFF2-40B4-BE49-F238E27FC236}">
+                <a16:creationId xmlns:a16="http://schemas.microsoft.com/office/drawing/2014/main" id="{BE669853-F669-496A-BEB1-969A6F93CAD5}"/>
+              </a:ext>
+            </a:extLst>
+          </p:cNvPr>
+          <p:cNvPicPr>
+            <a:picLocks noChangeAspect="1" noChangeArrowheads="1"/>
+          </p:cNvPicPr>
+          <p:nvPr/>
+        </p:nvPicPr>
+        <p:blipFill>
+          <a:blip r:embed="rId2">
+            <a:extLst>
+              <a:ext uri="{28A0092B-C50C-407E-A947-70E740481C1C}">
+                <a14:useLocalDpi xmlns:a14="http://schemas.microsoft.com/office/drawing/2010/main" val="0"/>
+              </a:ext>
+            </a:extLst>
+          </a:blip>
+          <a:srcRect/>
+          <a:stretch>
+            <a:fillRect/>
+          </a:stretch>
+        </p:blipFill>
+        <p:spPr bwMode="auto">
+          <a:xfrm>
+            <a:off x="234509" y="160160"/>
+            <a:ext cx="3094919" cy="867129"/>
+          </a:xfrm>
+          <a:prstGeom prst="rect">
+            <a:avLst/>
+          </a:prstGeom>
+          <a:noFill/>
+          <a:extLst>
+            <a:ext uri="{909E8E84-426E-40DD-AFC4-6F175D3DCCD1}">
+              <a14:hiddenFill xmlns:a14="http://schemas.microsoft.com/office/drawing/2010/main">
+                <a:solidFill>
+                  <a:srgbClr val="FFFFFF"/>
+                </a:solidFill>
+              </a14:hiddenFill>
+            </a:ext>
+          </a:extLst>
+        </p:spPr>
+      </p:pic>
+    </p:spTree>
+    <p:extLst>
+      <p:ext uri="{BB962C8B-B14F-4D97-AF65-F5344CB8AC3E}">
+        <p14:creationId xmlns:p14="http://schemas.microsoft.com/office/powerpoint/2010/main" val="854272974"/>
+      </p:ext>
+    </p:extLst>
+  </p:cSld>
+  <p:clrMapOvr>
+    <a:masterClrMapping/>
+  </p:clrMapOvr>
+</p:sld>
+</file>
+
+<file path=ppt/slides/slide21.xml><?xml version="1.0" encoding="utf-8"?>
+<p:sld xmlns:a="http://schemas.openxmlformats.org/drawingml/2006/main" xmlns:r="http://schemas.openxmlformats.org/officeDocument/2006/relationships" xmlns:p="http://schemas.openxmlformats.org/presentationml/2006/main">
+  <p:cSld>
+    <p:spTree>
+      <p:nvGrpSpPr>
+        <p:cNvPr id="1" name=""/>
+        <p:cNvGrpSpPr/>
+        <p:nvPr/>
+      </p:nvGrpSpPr>
+      <p:grpSpPr>
+        <a:xfrm>
+          <a:off x="0" y="0"/>
+          <a:ext cx="0" cy="0"/>
+          <a:chOff x="0" y="0"/>
+          <a:chExt cx="0" cy="0"/>
+        </a:xfrm>
+      </p:grpSpPr>
+      <p:sp>
+        <p:nvSpPr>
+          <p:cNvPr id="4" name="Rectangle: Rounded Corners 3">
+            <a:extLst>
+              <a:ext uri="{FF2B5EF4-FFF2-40B4-BE49-F238E27FC236}">
+                <a16:creationId xmlns:a16="http://schemas.microsoft.com/office/drawing/2014/main" id="{8D6D9DF0-36ED-4863-B918-F6735D13A7C1}"/>
+              </a:ext>
+            </a:extLst>
+          </p:cNvPr>
+          <p:cNvSpPr/>
+          <p:nvPr/>
+        </p:nvSpPr>
+        <p:spPr>
+          <a:xfrm>
+            <a:off x="0" y="0"/>
+            <a:ext cx="3563938" cy="1187450"/>
+          </a:xfrm>
+          <a:prstGeom prst="roundRect">
+            <a:avLst>
+              <a:gd name="adj" fmla="val 50000"/>
+            </a:avLst>
+          </a:prstGeom>
+          <a:gradFill flip="none" rotWithShape="1">
+            <a:gsLst>
+              <a:gs pos="26000">
+                <a:schemeClr val="accent1"/>
+              </a:gs>
+              <a:gs pos="100000">
+                <a:schemeClr val="accent1">
+                  <a:lumMod val="60000"/>
+                  <a:lumOff val="40000"/>
+                </a:schemeClr>
+              </a:gs>
+            </a:gsLst>
+            <a:lin ang="2700000" scaled="0"/>
+            <a:tileRect/>
+          </a:gradFill>
+          <a:ln>
+            <a:noFill/>
+          </a:ln>
+        </p:spPr>
+        <p:style>
+          <a:lnRef idx="2">
+            <a:schemeClr val="accent1">
+              <a:shade val="50000"/>
+            </a:schemeClr>
+          </a:lnRef>
+          <a:fillRef idx="1">
+            <a:schemeClr val="accent1"/>
+          </a:fillRef>
+          <a:effectRef idx="0">
+            <a:schemeClr val="accent1"/>
+          </a:effectRef>
+          <a:fontRef idx="minor">
+            <a:schemeClr val="lt1"/>
+          </a:fontRef>
+        </p:style>
+        <p:txBody>
+          <a:bodyPr rtlCol="0" anchor="ctr"/>
+          <a:lstStyle/>
+          <a:p>
+            <a:pPr algn="ctr"/>
+            <a:endParaRPr lang="en-US" dirty="0"/>
+          </a:p>
+        </p:txBody>
+      </p:sp>
+      <p:pic>
+        <p:nvPicPr>
+          <p:cNvPr id="22530" name="Picture 2" descr="https://awsubs.tv/wp-content/uploads/2018/10/PPP.png">
+            <a:extLst>
+              <a:ext uri="{FF2B5EF4-FFF2-40B4-BE49-F238E27FC236}">
+                <a16:creationId xmlns:a16="http://schemas.microsoft.com/office/drawing/2014/main" id="{8B8610EC-78D6-480D-9161-B4DB7BDCEEF4}"/>
+              </a:ext>
+            </a:extLst>
+          </p:cNvPr>
+          <p:cNvPicPr>
+            <a:picLocks noChangeAspect="1" noChangeArrowheads="1"/>
+          </p:cNvPicPr>
+          <p:nvPr/>
+        </p:nvPicPr>
+        <p:blipFill>
+          <a:blip r:embed="rId2">
+            <a:extLst>
+              <a:ext uri="{28A0092B-C50C-407E-A947-70E740481C1C}">
+                <a14:useLocalDpi xmlns:a14="http://schemas.microsoft.com/office/drawing/2010/main" val="0"/>
+              </a:ext>
+            </a:extLst>
+          </a:blip>
+          <a:srcRect/>
+          <a:stretch>
+            <a:fillRect/>
+          </a:stretch>
+        </p:blipFill>
+        <p:spPr bwMode="auto">
+          <a:xfrm>
+            <a:off x="381794" y="403225"/>
+            <a:ext cx="2800350" cy="381000"/>
+          </a:xfrm>
+          <a:prstGeom prst="rect">
+            <a:avLst/>
+          </a:prstGeom>
+          <a:noFill/>
+          <a:extLst>
+            <a:ext uri="{909E8E84-426E-40DD-AFC4-6F175D3DCCD1}">
+              <a14:hiddenFill xmlns:a14="http://schemas.microsoft.com/office/drawing/2010/main">
+                <a:solidFill>
+                  <a:srgbClr val="FFFFFF"/>
+                </a:solidFill>
+              </a14:hiddenFill>
+            </a:ext>
+          </a:extLst>
+        </p:spPr>
+      </p:pic>
+    </p:spTree>
+    <p:extLst>
+      <p:ext uri="{BB962C8B-B14F-4D97-AF65-F5344CB8AC3E}">
+        <p14:creationId xmlns:p14="http://schemas.microsoft.com/office/powerpoint/2010/main" val="3484075241"/>
+      </p:ext>
+    </p:extLst>
+  </p:cSld>
+  <p:clrMapOvr>
+    <a:masterClrMapping/>
+  </p:clrMapOvr>
+</p:sld>
+</file>
+
+<file path=ppt/slides/slide22.xml><?xml version="1.0" encoding="utf-8"?>
+<p:sld xmlns:a="http://schemas.openxmlformats.org/drawingml/2006/main" xmlns:r="http://schemas.openxmlformats.org/officeDocument/2006/relationships" xmlns:p="http://schemas.openxmlformats.org/presentationml/2006/main">
+  <p:cSld>
+    <p:spTree>
+      <p:nvGrpSpPr>
+        <p:cNvPr id="1" name=""/>
+        <p:cNvGrpSpPr/>
+        <p:nvPr/>
+      </p:nvGrpSpPr>
+      <p:grpSpPr>
+        <a:xfrm>
+          <a:off x="0" y="0"/>
+          <a:ext cx="0" cy="0"/>
+          <a:chOff x="0" y="0"/>
+          <a:chExt cx="0" cy="0"/>
+        </a:xfrm>
+      </p:grpSpPr>
+      <p:sp>
+        <p:nvSpPr>
+          <p:cNvPr id="4" name="Rectangle: Rounded Corners 3">
+            <a:extLst>
+              <a:ext uri="{FF2B5EF4-FFF2-40B4-BE49-F238E27FC236}">
+                <a16:creationId xmlns:a16="http://schemas.microsoft.com/office/drawing/2014/main" id="{8D6D9DF0-36ED-4863-B918-F6735D13A7C1}"/>
+              </a:ext>
+            </a:extLst>
+          </p:cNvPr>
+          <p:cNvSpPr/>
+          <p:nvPr/>
+        </p:nvSpPr>
+        <p:spPr>
+          <a:xfrm>
+            <a:off x="0" y="0"/>
+            <a:ext cx="3563938" cy="1187450"/>
+          </a:xfrm>
+          <a:prstGeom prst="roundRect">
+            <a:avLst>
+              <a:gd name="adj" fmla="val 50000"/>
+            </a:avLst>
+          </a:prstGeom>
+          <a:gradFill flip="none" rotWithShape="1">
+            <a:gsLst>
+              <a:gs pos="26000">
+                <a:srgbClr val="222222"/>
+              </a:gs>
+              <a:gs pos="100000">
+                <a:srgbClr val="3C9CCD"/>
+              </a:gs>
+            </a:gsLst>
+            <a:lin ang="2700000" scaled="0"/>
+            <a:tileRect/>
+          </a:gradFill>
+          <a:ln>
+            <a:noFill/>
+          </a:ln>
+        </p:spPr>
+        <p:style>
+          <a:lnRef idx="2">
+            <a:schemeClr val="accent1">
+              <a:shade val="50000"/>
+            </a:schemeClr>
+          </a:lnRef>
+          <a:fillRef idx="1">
+            <a:schemeClr val="accent1"/>
+          </a:fillRef>
+          <a:effectRef idx="0">
+            <a:schemeClr val="accent1"/>
+          </a:effectRef>
+          <a:fontRef idx="minor">
+            <a:schemeClr val="lt1"/>
+          </a:fontRef>
+        </p:style>
+        <p:txBody>
+          <a:bodyPr rtlCol="0" anchor="ctr"/>
+          <a:lstStyle/>
+          <a:p>
+            <a:pPr algn="ctr"/>
+            <a:endParaRPr lang="en-US" dirty="0"/>
+          </a:p>
+        </p:txBody>
+      </p:sp>
+      <p:pic>
+        <p:nvPicPr>
+          <p:cNvPr id="24578" name="Picture 2" descr="https://www.oploverz.in/wp-content/themes/oploverz-v2/dist/images/logo.png">
+            <a:extLst>
+              <a:ext uri="{FF2B5EF4-FFF2-40B4-BE49-F238E27FC236}">
+                <a16:creationId xmlns:a16="http://schemas.microsoft.com/office/drawing/2014/main" id="{02A3AE16-9163-45A6-8E67-C8B34AB62358}"/>
+              </a:ext>
+            </a:extLst>
+          </p:cNvPr>
+          <p:cNvPicPr>
+            <a:picLocks noChangeAspect="1" noChangeArrowheads="1"/>
+          </p:cNvPicPr>
+          <p:nvPr/>
+        </p:nvPicPr>
+        <p:blipFill rotWithShape="1">
+          <a:blip r:embed="rId2">
+            <a:extLst>
+              <a:ext uri="{28A0092B-C50C-407E-A947-70E740481C1C}">
+                <a14:useLocalDpi xmlns:a14="http://schemas.microsoft.com/office/drawing/2010/main" val="0"/>
+              </a:ext>
+            </a:extLst>
+          </a:blip>
+          <a:srcRect r="72176" b="27467"/>
+          <a:stretch/>
+        </p:blipFill>
+        <p:spPr bwMode="auto">
+          <a:xfrm>
+            <a:off x="346145" y="382905"/>
+            <a:ext cx="798991" cy="421640"/>
+          </a:xfrm>
+          <a:prstGeom prst="rect">
+            <a:avLst/>
+          </a:prstGeom>
+          <a:noFill/>
+          <a:extLst>
+            <a:ext uri="{909E8E84-426E-40DD-AFC4-6F175D3DCCD1}">
+              <a14:hiddenFill xmlns:a14="http://schemas.microsoft.com/office/drawing/2010/main">
+                <a:solidFill>
+                  <a:srgbClr val="FFFFFF"/>
+                </a:solidFill>
+              </a14:hiddenFill>
+            </a:ext>
+          </a:extLst>
+        </p:spPr>
+      </p:pic>
+      <p:pic>
+        <p:nvPicPr>
+          <p:cNvPr id="5" name="Picture 2" descr="https://www.oploverz.in/wp-content/themes/oploverz-v2/dist/images/logo.png">
+            <a:extLst>
+              <a:ext uri="{FF2B5EF4-FFF2-40B4-BE49-F238E27FC236}">
+                <a16:creationId xmlns:a16="http://schemas.microsoft.com/office/drawing/2014/main" id="{6BD0A45C-9A83-49B9-8898-ED785EFAD973}"/>
+              </a:ext>
+            </a:extLst>
+          </p:cNvPr>
+          <p:cNvPicPr>
+            <a:picLocks noChangeAspect="1" noChangeArrowheads="1"/>
+          </p:cNvPicPr>
+          <p:nvPr/>
+        </p:nvPicPr>
+        <p:blipFill rotWithShape="1">
+          <a:blip r:embed="rId3">
+            <a:extLst>
+              <a:ext uri="{BEBA8EAE-BF5A-486C-A8C5-ECC9F3942E4B}">
+                <a14:imgProps xmlns:a14="http://schemas.microsoft.com/office/drawing/2010/main">
+                  <a14:imgLayer r:embed="rId4">
+                    <a14:imgEffect>
+                      <a14:brightnessContrast bright="100000"/>
+                    </a14:imgEffect>
+                  </a14:imgLayer>
+                </a14:imgProps>
+              </a:ext>
+              <a:ext uri="{28A0092B-C50C-407E-A947-70E740481C1C}">
+                <a14:useLocalDpi xmlns:a14="http://schemas.microsoft.com/office/drawing/2010/main" val="0"/>
+              </a:ext>
+            </a:extLst>
+          </a:blip>
+          <a:srcRect l="27824" b="27467"/>
+          <a:stretch/>
+        </p:blipFill>
+        <p:spPr bwMode="auto">
+          <a:xfrm>
+            <a:off x="1145136" y="382905"/>
+            <a:ext cx="2072656" cy="421640"/>
+          </a:xfrm>
+          <a:prstGeom prst="rect">
+            <a:avLst/>
+          </a:prstGeom>
+          <a:noFill/>
+          <a:extLst>
+            <a:ext uri="{909E8E84-426E-40DD-AFC4-6F175D3DCCD1}">
+              <a14:hiddenFill xmlns:a14="http://schemas.microsoft.com/office/drawing/2010/main">
+                <a:solidFill>
+                  <a:srgbClr val="FFFFFF"/>
+                </a:solidFill>
+              </a14:hiddenFill>
+            </a:ext>
+          </a:extLst>
+        </p:spPr>
+      </p:pic>
+    </p:spTree>
+    <p:extLst>
+      <p:ext uri="{BB962C8B-B14F-4D97-AF65-F5344CB8AC3E}">
+        <p14:creationId xmlns:p14="http://schemas.microsoft.com/office/powerpoint/2010/main" val="2285725612"/>
+      </p:ext>
+    </p:extLst>
+  </p:cSld>
+  <p:clrMapOvr>
+    <a:masterClrMapping/>
+  </p:clrMapOvr>
+</p:sld>
+</file>
+
+<file path=ppt/slides/slide23.xml><?xml version="1.0" encoding="utf-8"?>
+<p:sld xmlns:a="http://schemas.openxmlformats.org/drawingml/2006/main" xmlns:r="http://schemas.openxmlformats.org/officeDocument/2006/relationships" xmlns:p="http://schemas.openxmlformats.org/presentationml/2006/main">
+  <p:cSld>
+    <p:spTree>
+      <p:nvGrpSpPr>
+        <p:cNvPr id="1" name=""/>
+        <p:cNvGrpSpPr/>
+        <p:nvPr/>
+      </p:nvGrpSpPr>
+      <p:grpSpPr>
+        <a:xfrm>
+          <a:off x="0" y="0"/>
+          <a:ext cx="0" cy="0"/>
+          <a:chOff x="0" y="0"/>
+          <a:chExt cx="0" cy="0"/>
+        </a:xfrm>
+      </p:grpSpPr>
+      <p:sp>
+        <p:nvSpPr>
+          <p:cNvPr id="4" name="Rectangle: Rounded Corners 3">
+            <a:extLst>
+              <a:ext uri="{FF2B5EF4-FFF2-40B4-BE49-F238E27FC236}">
+                <a16:creationId xmlns:a16="http://schemas.microsoft.com/office/drawing/2014/main" id="{8D6D9DF0-36ED-4863-B918-F6735D13A7C1}"/>
+              </a:ext>
+            </a:extLst>
+          </p:cNvPr>
+          <p:cNvSpPr/>
+          <p:nvPr/>
+        </p:nvSpPr>
+        <p:spPr>
+          <a:xfrm>
+            <a:off x="0" y="0"/>
+            <a:ext cx="3563938" cy="1187450"/>
+          </a:xfrm>
+          <a:prstGeom prst="roundRect">
+            <a:avLst>
+              <a:gd name="adj" fmla="val 50000"/>
+            </a:avLst>
+          </a:prstGeom>
+          <a:gradFill flip="none" rotWithShape="1">
+            <a:gsLst>
+              <a:gs pos="26000">
                 <a:schemeClr val="tx1">
                   <a:lumMod val="95000"/>
                   <a:lumOff val="5000"/>
@@ -6555,7 +7607,7 @@
 </p:sld>
 </file>
 
-<file path=ppt/slides/slide21.xml><?xml version="1.0" encoding="utf-8"?>
+<file path=ppt/slides/slide24.xml><?xml version="1.0" encoding="utf-8"?>
 <p:sld xmlns:a="http://schemas.openxmlformats.org/drawingml/2006/main" xmlns:r="http://schemas.openxmlformats.org/officeDocument/2006/relationships" xmlns:p="http://schemas.openxmlformats.org/presentationml/2006/main">
   <p:cSld>
     <p:spTree>
@@ -6790,7 +7842,7 @@
 </p:sld>
 </file>
 
-<file path=ppt/slides/slide22.xml><?xml version="1.0" encoding="utf-8"?>
+<file path=ppt/slides/slide25.xml><?xml version="1.0" encoding="utf-8"?>
 <p:sld xmlns:a="http://schemas.openxmlformats.org/drawingml/2006/main" xmlns:r="http://schemas.openxmlformats.org/officeDocument/2006/relationships" xmlns:p="http://schemas.openxmlformats.org/presentationml/2006/main">
   <p:cSld>
     <p:spTree>
@@ -6930,7 +7982,147 @@
 </p:sld>
 </file>
 
-<file path=ppt/slides/slide23.xml><?xml version="1.0" encoding="utf-8"?>
+<file path=ppt/slides/slide26.xml><?xml version="1.0" encoding="utf-8"?>
+<p:sld xmlns:a="http://schemas.openxmlformats.org/drawingml/2006/main" xmlns:r="http://schemas.openxmlformats.org/officeDocument/2006/relationships" xmlns:p="http://schemas.openxmlformats.org/presentationml/2006/main">
+  <p:cSld>
+    <p:spTree>
+      <p:nvGrpSpPr>
+        <p:cNvPr id="1" name=""/>
+        <p:cNvGrpSpPr/>
+        <p:nvPr/>
+      </p:nvGrpSpPr>
+      <p:grpSpPr>
+        <a:xfrm>
+          <a:off x="0" y="0"/>
+          <a:ext cx="0" cy="0"/>
+          <a:chOff x="0" y="0"/>
+          <a:chExt cx="0" cy="0"/>
+        </a:xfrm>
+      </p:grpSpPr>
+      <p:sp>
+        <p:nvSpPr>
+          <p:cNvPr id="4" name="Rectangle: Rounded Corners 3">
+            <a:extLst>
+              <a:ext uri="{FF2B5EF4-FFF2-40B4-BE49-F238E27FC236}">
+                <a16:creationId xmlns:a16="http://schemas.microsoft.com/office/drawing/2014/main" id="{8D6D9DF0-36ED-4863-B918-F6735D13A7C1}"/>
+              </a:ext>
+            </a:extLst>
+          </p:cNvPr>
+          <p:cNvSpPr/>
+          <p:nvPr/>
+        </p:nvSpPr>
+        <p:spPr>
+          <a:xfrm>
+            <a:off x="0" y="0"/>
+            <a:ext cx="3563938" cy="1187450"/>
+          </a:xfrm>
+          <a:prstGeom prst="roundRect">
+            <a:avLst>
+              <a:gd name="adj" fmla="val 50000"/>
+            </a:avLst>
+          </a:prstGeom>
+          <a:gradFill flip="none" rotWithShape="1">
+            <a:gsLst>
+              <a:gs pos="26000">
+                <a:srgbClr val="481F67"/>
+              </a:gs>
+              <a:gs pos="100000">
+                <a:srgbClr val="E4ABDA"/>
+              </a:gs>
+            </a:gsLst>
+            <a:lin ang="2700000" scaled="0"/>
+            <a:tileRect/>
+          </a:gradFill>
+          <a:ln>
+            <a:noFill/>
+          </a:ln>
+        </p:spPr>
+        <p:style>
+          <a:lnRef idx="2">
+            <a:schemeClr val="accent1">
+              <a:shade val="50000"/>
+            </a:schemeClr>
+          </a:lnRef>
+          <a:fillRef idx="1">
+            <a:schemeClr val="accent1"/>
+          </a:fillRef>
+          <a:effectRef idx="0">
+            <a:schemeClr val="accent1"/>
+          </a:effectRef>
+          <a:fontRef idx="minor">
+            <a:schemeClr val="lt1"/>
+          </a:fontRef>
+        </p:style>
+        <p:txBody>
+          <a:bodyPr rtlCol="0" anchor="ctr"/>
+          <a:lstStyle/>
+          <a:p>
+            <a:pPr algn="ctr"/>
+            <a:endParaRPr lang="en-US" dirty="0"/>
+          </a:p>
+        </p:txBody>
+      </p:sp>
+      <p:sp>
+        <p:nvSpPr>
+          <p:cNvPr id="2" name="TextBox 1">
+            <a:extLst>
+              <a:ext uri="{FF2B5EF4-FFF2-40B4-BE49-F238E27FC236}">
+                <a16:creationId xmlns:a16="http://schemas.microsoft.com/office/drawing/2014/main" id="{549FBF46-2A4E-45D5-9682-423BACB68B64}"/>
+              </a:ext>
+            </a:extLst>
+          </p:cNvPr>
+          <p:cNvSpPr txBox="1"/>
+          <p:nvPr/>
+        </p:nvSpPr>
+        <p:spPr>
+          <a:xfrm>
+            <a:off x="278110" y="346759"/>
+            <a:ext cx="3007717" cy="646331"/>
+          </a:xfrm>
+          <a:prstGeom prst="rect">
+            <a:avLst/>
+          </a:prstGeom>
+          <a:noFill/>
+        </p:spPr>
+        <p:txBody>
+          <a:bodyPr wrap="square" rtlCol="0">
+            <a:spAutoFit/>
+          </a:bodyPr>
+          <a:lstStyle/>
+          <a:p>
+            <a:pPr algn="ctr"/>
+            <a:r>
+              <a:rPr lang="en-US" sz="3600" dirty="0" err="1">
+                <a:solidFill>
+                  <a:schemeClr val="bg1"/>
+                </a:solidFill>
+                <a:latin typeface="Poppins"/>
+              </a:rPr>
+              <a:t>ZenSub</a:t>
+            </a:r>
+            <a:endParaRPr lang="en-US" sz="3600" dirty="0">
+              <a:solidFill>
+                <a:schemeClr val="bg1"/>
+              </a:solidFill>
+              <a:latin typeface="Poppins"/>
+            </a:endParaRPr>
+          </a:p>
+        </p:txBody>
+      </p:sp>
+    </p:spTree>
+    <p:extLst>
+      <p:ext uri="{BB962C8B-B14F-4D97-AF65-F5344CB8AC3E}">
+        <p14:creationId xmlns:p14="http://schemas.microsoft.com/office/powerpoint/2010/main" val="1069654171"/>
+      </p:ext>
+    </p:extLst>
+  </p:cSld>
+  <p:clrMapOvr>
+    <a:masterClrMapping/>
+  </p:clrMapOvr>
+</p:sld>
+</file>
+
+<file path=ppt/slides/slide27.xml><?xml version="1.0" encoding="utf-8"?>
 <p:sld xmlns:a="http://schemas.openxmlformats.org/drawingml/2006/main" xmlns:r="http://schemas.openxmlformats.org/officeDocument/2006/relationships" xmlns:p="http://schemas.openxmlformats.org/presentationml/2006/main">
   <p:cSld>
     <p:spTree>
@@ -7068,7 +8260,7 @@
 </p:sld>
 </file>
 
-<file path=ppt/slides/slide24.xml><?xml version="1.0" encoding="utf-8"?>
+<file path=ppt/slides/slide28.xml><?xml version="1.0" encoding="utf-8"?>
 <p:sld xmlns:a="http://schemas.openxmlformats.org/drawingml/2006/main" xmlns:r="http://schemas.openxmlformats.org/officeDocument/2006/relationships" xmlns:p="http://schemas.openxmlformats.org/presentationml/2006/main">
   <p:cSld>
     <p:spTree>
@@ -7206,7 +8398,7 @@
 </p:sld>
 </file>
 
-<file path=ppt/slides/slide25.xml><?xml version="1.0" encoding="utf-8"?>
+<file path=ppt/slides/slide29.xml><?xml version="1.0" encoding="utf-8"?>
 <p:sld xmlns:a="http://schemas.openxmlformats.org/drawingml/2006/main" xmlns:r="http://schemas.openxmlformats.org/officeDocument/2006/relationships" xmlns:p="http://schemas.openxmlformats.org/presentationml/2006/main">
   <p:cSld>
     <p:spTree>
@@ -7346,7 +8538,208 @@
 </p:sld>
 </file>
 
-<file path=ppt/slides/slide26.xml><?xml version="1.0" encoding="utf-8"?>
+<file path=ppt/slides/slide3.xml><?xml version="1.0" encoding="utf-8"?>
+<p:sld xmlns:a="http://schemas.openxmlformats.org/drawingml/2006/main" xmlns:r="http://schemas.openxmlformats.org/officeDocument/2006/relationships" xmlns:p="http://schemas.openxmlformats.org/presentationml/2006/main">
+  <p:cSld>
+    <p:spTree>
+      <p:nvGrpSpPr>
+        <p:cNvPr id="1" name=""/>
+        <p:cNvGrpSpPr/>
+        <p:nvPr/>
+      </p:nvGrpSpPr>
+      <p:grpSpPr>
+        <a:xfrm>
+          <a:off x="0" y="0"/>
+          <a:ext cx="0" cy="0"/>
+          <a:chOff x="0" y="0"/>
+          <a:chExt cx="0" cy="0"/>
+        </a:xfrm>
+      </p:grpSpPr>
+      <p:sp>
+        <p:nvSpPr>
+          <p:cNvPr id="4" name="Rectangle: Rounded Corners 3">
+            <a:extLst>
+              <a:ext uri="{FF2B5EF4-FFF2-40B4-BE49-F238E27FC236}">
+                <a16:creationId xmlns:a16="http://schemas.microsoft.com/office/drawing/2014/main" id="{8D6D9DF0-36ED-4863-B918-F6735D13A7C1}"/>
+              </a:ext>
+            </a:extLst>
+          </p:cNvPr>
+          <p:cNvSpPr/>
+          <p:nvPr/>
+        </p:nvSpPr>
+        <p:spPr>
+          <a:xfrm>
+            <a:off x="0" y="0"/>
+            <a:ext cx="3563938" cy="1187450"/>
+          </a:xfrm>
+          <a:prstGeom prst="roundRect">
+            <a:avLst>
+              <a:gd name="adj" fmla="val 50000"/>
+            </a:avLst>
+          </a:prstGeom>
+          <a:gradFill flip="none" rotWithShape="1">
+            <a:gsLst>
+              <a:gs pos="14000">
+                <a:srgbClr val="F78C25"/>
+              </a:gs>
+              <a:gs pos="100000">
+                <a:srgbClr val="F9B067"/>
+              </a:gs>
+            </a:gsLst>
+            <a:lin ang="2700000" scaled="0"/>
+            <a:tileRect/>
+          </a:gradFill>
+          <a:ln>
+            <a:noFill/>
+          </a:ln>
+        </p:spPr>
+        <p:style>
+          <a:lnRef idx="2">
+            <a:schemeClr val="accent1">
+              <a:shade val="50000"/>
+            </a:schemeClr>
+          </a:lnRef>
+          <a:fillRef idx="1">
+            <a:schemeClr val="accent1"/>
+          </a:fillRef>
+          <a:effectRef idx="0">
+            <a:schemeClr val="accent1"/>
+          </a:effectRef>
+          <a:fontRef idx="minor">
+            <a:schemeClr val="lt1"/>
+          </a:fontRef>
+        </p:style>
+        <p:txBody>
+          <a:bodyPr rtlCol="0" anchor="ctr"/>
+          <a:lstStyle/>
+          <a:p>
+            <a:pPr algn="ctr"/>
+            <a:endParaRPr lang="en-US" dirty="0"/>
+          </a:p>
+        </p:txBody>
+      </p:sp>
+      <p:pic>
+        <p:nvPicPr>
+          <p:cNvPr id="2054" name="Picture 6" descr="Image result for crunchyroll logo">
+            <a:extLst>
+              <a:ext uri="{FF2B5EF4-FFF2-40B4-BE49-F238E27FC236}">
+                <a16:creationId xmlns:a16="http://schemas.microsoft.com/office/drawing/2014/main" id="{5BBB0A47-2022-4E1D-AC67-93486913C304}"/>
+              </a:ext>
+            </a:extLst>
+          </p:cNvPr>
+          <p:cNvPicPr>
+            <a:picLocks noChangeAspect="1" noChangeArrowheads="1"/>
+          </p:cNvPicPr>
+          <p:nvPr/>
+        </p:nvPicPr>
+        <p:blipFill rotWithShape="1">
+          <a:blip r:embed="rId2">
+            <a:extLst>
+              <a:ext uri="{BEBA8EAE-BF5A-486C-A8C5-ECC9F3942E4B}">
+                <a14:imgProps xmlns:a14="http://schemas.microsoft.com/office/drawing/2010/main">
+                  <a14:imgLayer r:embed="rId3">
+                    <a14:imgEffect>
+                      <a14:brightnessContrast bright="100000"/>
+                    </a14:imgEffect>
+                  </a14:imgLayer>
+                </a14:imgProps>
+              </a:ext>
+              <a:ext uri="{28A0092B-C50C-407E-A947-70E740481C1C}">
+                <a14:useLocalDpi xmlns:a14="http://schemas.microsoft.com/office/drawing/2010/main" val="0"/>
+              </a:ext>
+            </a:extLst>
+          </a:blip>
+          <a:srcRect r="77093"/>
+          <a:stretch/>
+        </p:blipFill>
+        <p:spPr bwMode="auto">
+          <a:xfrm>
+            <a:off x="298053" y="-519584"/>
+            <a:ext cx="679847" cy="2226617"/>
+          </a:xfrm>
+          <a:prstGeom prst="rect">
+            <a:avLst/>
+          </a:prstGeom>
+          <a:noFill/>
+          <a:extLst>
+            <a:ext uri="{909E8E84-426E-40DD-AFC4-6F175D3DCCD1}">
+              <a14:hiddenFill xmlns:a14="http://schemas.microsoft.com/office/drawing/2010/main">
+                <a:solidFill>
+                  <a:srgbClr val="FFFFFF"/>
+                </a:solidFill>
+              </a14:hiddenFill>
+            </a:ext>
+          </a:extLst>
+        </p:spPr>
+      </p:pic>
+      <p:pic>
+        <p:nvPicPr>
+          <p:cNvPr id="10" name="Picture 6" descr="Image result for crunchyroll logo">
+            <a:extLst>
+              <a:ext uri="{FF2B5EF4-FFF2-40B4-BE49-F238E27FC236}">
+                <a16:creationId xmlns:a16="http://schemas.microsoft.com/office/drawing/2014/main" id="{8EC5152A-3E5C-410C-B127-B02A6A97EA4F}"/>
+              </a:ext>
+            </a:extLst>
+          </p:cNvPr>
+          <p:cNvPicPr>
+            <a:picLocks noChangeAspect="1" noChangeArrowheads="1"/>
+          </p:cNvPicPr>
+          <p:nvPr/>
+        </p:nvPicPr>
+        <p:blipFill rotWithShape="1">
+          <a:blip r:embed="rId2">
+            <a:extLst>
+              <a:ext uri="{BEBA8EAE-BF5A-486C-A8C5-ECC9F3942E4B}">
+                <a14:imgProps xmlns:a14="http://schemas.microsoft.com/office/drawing/2010/main">
+                  <a14:imgLayer r:embed="rId3">
+                    <a14:imgEffect>
+                      <a14:brightnessContrast bright="100000" contrast="100000"/>
+                    </a14:imgEffect>
+                  </a14:imgLayer>
+                </a14:imgProps>
+              </a:ext>
+              <a:ext uri="{28A0092B-C50C-407E-A947-70E740481C1C}">
+                <a14:useLocalDpi xmlns:a14="http://schemas.microsoft.com/office/drawing/2010/main" val="0"/>
+              </a:ext>
+            </a:extLst>
+          </a:blip>
+          <a:srcRect l="22907"/>
+          <a:stretch/>
+        </p:blipFill>
+        <p:spPr bwMode="auto">
+          <a:xfrm>
+            <a:off x="977900" y="-519584"/>
+            <a:ext cx="2287984" cy="2226617"/>
+          </a:xfrm>
+          <a:prstGeom prst="rect">
+            <a:avLst/>
+          </a:prstGeom>
+          <a:noFill/>
+          <a:extLst>
+            <a:ext uri="{909E8E84-426E-40DD-AFC4-6F175D3DCCD1}">
+              <a14:hiddenFill xmlns:a14="http://schemas.microsoft.com/office/drawing/2010/main">
+                <a:solidFill>
+                  <a:srgbClr val="FFFFFF"/>
+                </a:solidFill>
+              </a14:hiddenFill>
+            </a:ext>
+          </a:extLst>
+        </p:spPr>
+      </p:pic>
+    </p:spTree>
+    <p:extLst>
+      <p:ext uri="{BB962C8B-B14F-4D97-AF65-F5344CB8AC3E}">
+        <p14:creationId xmlns:p14="http://schemas.microsoft.com/office/powerpoint/2010/main" val="3743274257"/>
+      </p:ext>
+    </p:extLst>
+  </p:cSld>
+  <p:clrMapOvr>
+    <a:masterClrMapping/>
+  </p:clrMapOvr>
+</p:sld>
+</file>
+
+<file path=ppt/slides/slide30.xml><?xml version="1.0" encoding="utf-8"?>
 <p:sld xmlns:a="http://schemas.openxmlformats.org/drawingml/2006/main" xmlns:r="http://schemas.openxmlformats.org/officeDocument/2006/relationships" xmlns:p="http://schemas.openxmlformats.org/presentationml/2006/main">
   <p:cSld>
     <p:spTree>
@@ -7495,7 +8888,970 @@
 </p:sld>
 </file>
 
-<file path=ppt/slides/slide27.xml><?xml version="1.0" encoding="utf-8"?>
+<file path=ppt/slides/slide31.xml><?xml version="1.0" encoding="utf-8"?>
+<p:sld xmlns:a="http://schemas.openxmlformats.org/drawingml/2006/main" xmlns:r="http://schemas.openxmlformats.org/officeDocument/2006/relationships" xmlns:p="http://schemas.openxmlformats.org/presentationml/2006/main">
+  <p:cSld>
+    <p:spTree>
+      <p:nvGrpSpPr>
+        <p:cNvPr id="1" name=""/>
+        <p:cNvGrpSpPr/>
+        <p:nvPr/>
+      </p:nvGrpSpPr>
+      <p:grpSpPr>
+        <a:xfrm>
+          <a:off x="0" y="0"/>
+          <a:ext cx="0" cy="0"/>
+          <a:chOff x="0" y="0"/>
+          <a:chExt cx="0" cy="0"/>
+        </a:xfrm>
+      </p:grpSpPr>
+      <p:sp>
+        <p:nvSpPr>
+          <p:cNvPr id="4" name="Rectangle: Rounded Corners 3">
+            <a:extLst>
+              <a:ext uri="{FF2B5EF4-FFF2-40B4-BE49-F238E27FC236}">
+                <a16:creationId xmlns:a16="http://schemas.microsoft.com/office/drawing/2014/main" id="{8D6D9DF0-36ED-4863-B918-F6735D13A7C1}"/>
+              </a:ext>
+            </a:extLst>
+          </p:cNvPr>
+          <p:cNvSpPr/>
+          <p:nvPr/>
+        </p:nvSpPr>
+        <p:spPr>
+          <a:xfrm>
+            <a:off x="0" y="0"/>
+            <a:ext cx="3563938" cy="1187450"/>
+          </a:xfrm>
+          <a:prstGeom prst="roundRect">
+            <a:avLst>
+              <a:gd name="adj" fmla="val 50000"/>
+            </a:avLst>
+          </a:prstGeom>
+          <a:gradFill flip="none" rotWithShape="1">
+            <a:gsLst>
+              <a:gs pos="26000">
+                <a:srgbClr val="8F790B"/>
+              </a:gs>
+              <a:gs pos="100000">
+                <a:srgbClr val="C9BA6D"/>
+              </a:gs>
+            </a:gsLst>
+            <a:lin ang="2700000" scaled="0"/>
+            <a:tileRect/>
+          </a:gradFill>
+          <a:ln>
+            <a:noFill/>
+          </a:ln>
+        </p:spPr>
+        <p:style>
+          <a:lnRef idx="2">
+            <a:schemeClr val="accent1">
+              <a:shade val="50000"/>
+            </a:schemeClr>
+          </a:lnRef>
+          <a:fillRef idx="1">
+            <a:schemeClr val="accent1"/>
+          </a:fillRef>
+          <a:effectRef idx="0">
+            <a:schemeClr val="accent1"/>
+          </a:effectRef>
+          <a:fontRef idx="minor">
+            <a:schemeClr val="lt1"/>
+          </a:fontRef>
+        </p:style>
+        <p:txBody>
+          <a:bodyPr rtlCol="0" anchor="ctr"/>
+          <a:lstStyle/>
+          <a:p>
+            <a:pPr algn="ctr"/>
+            <a:endParaRPr lang="en-US" dirty="0"/>
+          </a:p>
+        </p:txBody>
+      </p:sp>
+      <p:pic>
+        <p:nvPicPr>
+          <p:cNvPr id="1026" name="Picture 2" descr="https://www.riie.net/wp-content/uploads/2018/03/Riie-Logo.png">
+            <a:extLst>
+              <a:ext uri="{FF2B5EF4-FFF2-40B4-BE49-F238E27FC236}">
+                <a16:creationId xmlns:a16="http://schemas.microsoft.com/office/drawing/2014/main" id="{2C372837-A9BA-4142-A9E1-A018EDBABA4B}"/>
+              </a:ext>
+            </a:extLst>
+          </p:cNvPr>
+          <p:cNvPicPr>
+            <a:picLocks noChangeAspect="1" noChangeArrowheads="1"/>
+          </p:cNvPicPr>
+          <p:nvPr/>
+        </p:nvPicPr>
+        <p:blipFill>
+          <a:blip r:embed="rId2">
+            <a:extLst>
+              <a:ext uri="{28A0092B-C50C-407E-A947-70E740481C1C}">
+                <a14:useLocalDpi xmlns:a14="http://schemas.microsoft.com/office/drawing/2010/main" val="0"/>
+              </a:ext>
+            </a:extLst>
+          </a:blip>
+          <a:srcRect/>
+          <a:stretch>
+            <a:fillRect/>
+          </a:stretch>
+        </p:blipFill>
+        <p:spPr bwMode="auto">
+          <a:xfrm>
+            <a:off x="591344" y="169862"/>
+            <a:ext cx="2381250" cy="847725"/>
+          </a:xfrm>
+          <a:prstGeom prst="rect">
+            <a:avLst/>
+          </a:prstGeom>
+          <a:noFill/>
+          <a:extLst>
+            <a:ext uri="{909E8E84-426E-40DD-AFC4-6F175D3DCCD1}">
+              <a14:hiddenFill xmlns:a14="http://schemas.microsoft.com/office/drawing/2010/main">
+                <a:solidFill>
+                  <a:srgbClr val="FFFFFF"/>
+                </a:solidFill>
+              </a14:hiddenFill>
+            </a:ext>
+          </a:extLst>
+        </p:spPr>
+      </p:pic>
+    </p:spTree>
+    <p:extLst>
+      <p:ext uri="{BB962C8B-B14F-4D97-AF65-F5344CB8AC3E}">
+        <p14:creationId xmlns:p14="http://schemas.microsoft.com/office/powerpoint/2010/main" val="1658982614"/>
+      </p:ext>
+    </p:extLst>
+  </p:cSld>
+  <p:clrMapOvr>
+    <a:masterClrMapping/>
+  </p:clrMapOvr>
+</p:sld>
+</file>
+
+<file path=ppt/slides/slide32.xml><?xml version="1.0" encoding="utf-8"?>
+<p:sld xmlns:a="http://schemas.openxmlformats.org/drawingml/2006/main" xmlns:r="http://schemas.openxmlformats.org/officeDocument/2006/relationships" xmlns:p="http://schemas.openxmlformats.org/presentationml/2006/main">
+  <p:cSld>
+    <p:spTree>
+      <p:nvGrpSpPr>
+        <p:cNvPr id="1" name=""/>
+        <p:cNvGrpSpPr/>
+        <p:nvPr/>
+      </p:nvGrpSpPr>
+      <p:grpSpPr>
+        <a:xfrm>
+          <a:off x="0" y="0"/>
+          <a:ext cx="0" cy="0"/>
+          <a:chOff x="0" y="0"/>
+          <a:chExt cx="0" cy="0"/>
+        </a:xfrm>
+      </p:grpSpPr>
+      <p:sp>
+        <p:nvSpPr>
+          <p:cNvPr id="4" name="Rectangle: Rounded Corners 3">
+            <a:extLst>
+              <a:ext uri="{FF2B5EF4-FFF2-40B4-BE49-F238E27FC236}">
+                <a16:creationId xmlns:a16="http://schemas.microsoft.com/office/drawing/2014/main" id="{8D6D9DF0-36ED-4863-B918-F6735D13A7C1}"/>
+              </a:ext>
+            </a:extLst>
+          </p:cNvPr>
+          <p:cNvSpPr/>
+          <p:nvPr/>
+        </p:nvSpPr>
+        <p:spPr>
+          <a:xfrm>
+            <a:off x="0" y="0"/>
+            <a:ext cx="3563938" cy="1187450"/>
+          </a:xfrm>
+          <a:prstGeom prst="roundRect">
+            <a:avLst>
+              <a:gd name="adj" fmla="val 50000"/>
+            </a:avLst>
+          </a:prstGeom>
+          <a:gradFill flip="none" rotWithShape="1">
+            <a:gsLst>
+              <a:gs pos="42000">
+                <a:srgbClr val="000000"/>
+              </a:gs>
+              <a:gs pos="100000">
+                <a:srgbClr val="C50B12"/>
+              </a:gs>
+            </a:gsLst>
+            <a:lin ang="2700000" scaled="0"/>
+            <a:tileRect/>
+          </a:gradFill>
+          <a:ln>
+            <a:noFill/>
+          </a:ln>
+        </p:spPr>
+        <p:style>
+          <a:lnRef idx="2">
+            <a:schemeClr val="accent1">
+              <a:shade val="50000"/>
+            </a:schemeClr>
+          </a:lnRef>
+          <a:fillRef idx="1">
+            <a:schemeClr val="accent1"/>
+          </a:fillRef>
+          <a:effectRef idx="0">
+            <a:schemeClr val="accent1"/>
+          </a:effectRef>
+          <a:fontRef idx="minor">
+            <a:schemeClr val="lt1"/>
+          </a:fontRef>
+        </p:style>
+        <p:txBody>
+          <a:bodyPr rtlCol="0" anchor="ctr"/>
+          <a:lstStyle/>
+          <a:p>
+            <a:pPr algn="ctr"/>
+            <a:endParaRPr lang="en-US" dirty="0"/>
+          </a:p>
+        </p:txBody>
+      </p:sp>
+      <p:pic>
+        <p:nvPicPr>
+          <p:cNvPr id="2" name="Picture 2" descr="https://ruangotaku.id/wp-content/uploads/2019/03/grr.png">
+            <a:extLst>
+              <a:ext uri="{FF2B5EF4-FFF2-40B4-BE49-F238E27FC236}">
+                <a16:creationId xmlns:a16="http://schemas.microsoft.com/office/drawing/2014/main" id="{5389DA7D-4BBF-4B30-9CA4-2549063A42C2}"/>
+              </a:ext>
+            </a:extLst>
+          </p:cNvPr>
+          <p:cNvPicPr>
+            <a:picLocks noChangeAspect="1" noChangeArrowheads="1"/>
+          </p:cNvPicPr>
+          <p:nvPr/>
+        </p:nvPicPr>
+        <p:blipFill>
+          <a:blip r:embed="rId2">
+            <a:extLst>
+              <a:ext uri="{28A0092B-C50C-407E-A947-70E740481C1C}">
+                <a14:useLocalDpi xmlns:a14="http://schemas.microsoft.com/office/drawing/2010/main" val="0"/>
+              </a:ext>
+            </a:extLst>
+          </a:blip>
+          <a:srcRect/>
+          <a:stretch>
+            <a:fillRect/>
+          </a:stretch>
+        </p:blipFill>
+        <p:spPr bwMode="auto">
+          <a:xfrm>
+            <a:off x="615833" y="19485"/>
+            <a:ext cx="2332271" cy="1148479"/>
+          </a:xfrm>
+          <a:prstGeom prst="rect">
+            <a:avLst/>
+          </a:prstGeom>
+          <a:noFill/>
+          <a:extLst>
+            <a:ext uri="{909E8E84-426E-40DD-AFC4-6F175D3DCCD1}">
+              <a14:hiddenFill xmlns:a14="http://schemas.microsoft.com/office/drawing/2010/main">
+                <a:solidFill>
+                  <a:srgbClr val="FFFFFF"/>
+                </a:solidFill>
+              </a14:hiddenFill>
+            </a:ext>
+          </a:extLst>
+        </p:spPr>
+      </p:pic>
+    </p:spTree>
+    <p:extLst>
+      <p:ext uri="{BB962C8B-B14F-4D97-AF65-F5344CB8AC3E}">
+        <p14:creationId xmlns:p14="http://schemas.microsoft.com/office/powerpoint/2010/main" val="3108287914"/>
+      </p:ext>
+    </p:extLst>
+  </p:cSld>
+  <p:clrMapOvr>
+    <a:masterClrMapping/>
+  </p:clrMapOvr>
+</p:sld>
+</file>
+
+<file path=ppt/slides/slide33.xml><?xml version="1.0" encoding="utf-8"?>
+<p:sld xmlns:a="http://schemas.openxmlformats.org/drawingml/2006/main" xmlns:r="http://schemas.openxmlformats.org/officeDocument/2006/relationships" xmlns:p="http://schemas.openxmlformats.org/presentationml/2006/main">
+  <p:cSld>
+    <p:spTree>
+      <p:nvGrpSpPr>
+        <p:cNvPr id="1" name=""/>
+        <p:cNvGrpSpPr/>
+        <p:nvPr/>
+      </p:nvGrpSpPr>
+      <p:grpSpPr>
+        <a:xfrm>
+          <a:off x="0" y="0"/>
+          <a:ext cx="0" cy="0"/>
+          <a:chOff x="0" y="0"/>
+          <a:chExt cx="0" cy="0"/>
+        </a:xfrm>
+      </p:grpSpPr>
+      <p:sp>
+        <p:nvSpPr>
+          <p:cNvPr id="4" name="Rectangle: Rounded Corners 3">
+            <a:extLst>
+              <a:ext uri="{FF2B5EF4-FFF2-40B4-BE49-F238E27FC236}">
+                <a16:creationId xmlns:a16="http://schemas.microsoft.com/office/drawing/2014/main" id="{8D6D9DF0-36ED-4863-B918-F6735D13A7C1}"/>
+              </a:ext>
+            </a:extLst>
+          </p:cNvPr>
+          <p:cNvSpPr/>
+          <p:nvPr/>
+        </p:nvSpPr>
+        <p:spPr>
+          <a:xfrm>
+            <a:off x="0" y="0"/>
+            <a:ext cx="3563938" cy="1187450"/>
+          </a:xfrm>
+          <a:prstGeom prst="roundRect">
+            <a:avLst>
+              <a:gd name="adj" fmla="val 50000"/>
+            </a:avLst>
+          </a:prstGeom>
+          <a:gradFill flip="none" rotWithShape="1">
+            <a:gsLst>
+              <a:gs pos="30000">
+                <a:srgbClr val="000000"/>
+              </a:gs>
+              <a:gs pos="100000">
+                <a:srgbClr val="7B7B7B"/>
+              </a:gs>
+            </a:gsLst>
+            <a:lin ang="2700000" scaled="0"/>
+            <a:tileRect/>
+          </a:gradFill>
+          <a:ln>
+            <a:noFill/>
+          </a:ln>
+        </p:spPr>
+        <p:style>
+          <a:lnRef idx="2">
+            <a:schemeClr val="accent1">
+              <a:shade val="50000"/>
+            </a:schemeClr>
+          </a:lnRef>
+          <a:fillRef idx="1">
+            <a:schemeClr val="accent1"/>
+          </a:fillRef>
+          <a:effectRef idx="0">
+            <a:schemeClr val="accent1"/>
+          </a:effectRef>
+          <a:fontRef idx="minor">
+            <a:schemeClr val="lt1"/>
+          </a:fontRef>
+        </p:style>
+        <p:txBody>
+          <a:bodyPr rtlCol="0" anchor="ctr"/>
+          <a:lstStyle/>
+          <a:p>
+            <a:pPr algn="ctr"/>
+            <a:endParaRPr lang="en-US" dirty="0"/>
+          </a:p>
+        </p:txBody>
+      </p:sp>
+      <p:pic>
+        <p:nvPicPr>
+          <p:cNvPr id="2052" name="Picture 4" descr="https://nontonanime.site/nonton-anime.png">
+            <a:extLst>
+              <a:ext uri="{FF2B5EF4-FFF2-40B4-BE49-F238E27FC236}">
+                <a16:creationId xmlns:a16="http://schemas.microsoft.com/office/drawing/2014/main" id="{633906D9-E483-4696-A15C-B3E96C439F0C}"/>
+              </a:ext>
+            </a:extLst>
+          </p:cNvPr>
+          <p:cNvPicPr>
+            <a:picLocks noChangeAspect="1" noChangeArrowheads="1"/>
+          </p:cNvPicPr>
+          <p:nvPr/>
+        </p:nvPicPr>
+        <p:blipFill>
+          <a:blip r:embed="rId2">
+            <a:extLst>
+              <a:ext uri="{28A0092B-C50C-407E-A947-70E740481C1C}">
+                <a14:useLocalDpi xmlns:a14="http://schemas.microsoft.com/office/drawing/2010/main" val="0"/>
+              </a:ext>
+            </a:extLst>
+          </a:blip>
+          <a:srcRect/>
+          <a:stretch>
+            <a:fillRect/>
+          </a:stretch>
+        </p:blipFill>
+        <p:spPr bwMode="auto">
+          <a:xfrm>
+            <a:off x="186531" y="323673"/>
+            <a:ext cx="3190875" cy="540103"/>
+          </a:xfrm>
+          <a:prstGeom prst="rect">
+            <a:avLst/>
+          </a:prstGeom>
+          <a:noFill/>
+          <a:extLst>
+            <a:ext uri="{909E8E84-426E-40DD-AFC4-6F175D3DCCD1}">
+              <a14:hiddenFill xmlns:a14="http://schemas.microsoft.com/office/drawing/2010/main">
+                <a:solidFill>
+                  <a:srgbClr val="FFFFFF"/>
+                </a:solidFill>
+              </a14:hiddenFill>
+            </a:ext>
+          </a:extLst>
+        </p:spPr>
+      </p:pic>
+    </p:spTree>
+    <p:extLst>
+      <p:ext uri="{BB962C8B-B14F-4D97-AF65-F5344CB8AC3E}">
+        <p14:creationId xmlns:p14="http://schemas.microsoft.com/office/powerpoint/2010/main" val="2343881463"/>
+      </p:ext>
+    </p:extLst>
+  </p:cSld>
+  <p:clrMapOvr>
+    <a:masterClrMapping/>
+  </p:clrMapOvr>
+</p:sld>
+</file>
+
+<file path=ppt/slides/slide34.xml><?xml version="1.0" encoding="utf-8"?>
+<p:sld xmlns:a="http://schemas.openxmlformats.org/drawingml/2006/main" xmlns:r="http://schemas.openxmlformats.org/officeDocument/2006/relationships" xmlns:p="http://schemas.openxmlformats.org/presentationml/2006/main">
+  <p:cSld>
+    <p:spTree>
+      <p:nvGrpSpPr>
+        <p:cNvPr id="1" name=""/>
+        <p:cNvGrpSpPr/>
+        <p:nvPr/>
+      </p:nvGrpSpPr>
+      <p:grpSpPr>
+        <a:xfrm>
+          <a:off x="0" y="0"/>
+          <a:ext cx="0" cy="0"/>
+          <a:chOff x="0" y="0"/>
+          <a:chExt cx="0" cy="0"/>
+        </a:xfrm>
+      </p:grpSpPr>
+      <p:sp>
+        <p:nvSpPr>
+          <p:cNvPr id="4" name="Rectangle: Rounded Corners 3">
+            <a:extLst>
+              <a:ext uri="{FF2B5EF4-FFF2-40B4-BE49-F238E27FC236}">
+                <a16:creationId xmlns:a16="http://schemas.microsoft.com/office/drawing/2014/main" id="{8D6D9DF0-36ED-4863-B918-F6735D13A7C1}"/>
+              </a:ext>
+            </a:extLst>
+          </p:cNvPr>
+          <p:cNvSpPr/>
+          <p:nvPr/>
+        </p:nvSpPr>
+        <p:spPr>
+          <a:xfrm>
+            <a:off x="0" y="0"/>
+            <a:ext cx="3563938" cy="1187450"/>
+          </a:xfrm>
+          <a:prstGeom prst="roundRect">
+            <a:avLst>
+              <a:gd name="adj" fmla="val 50000"/>
+            </a:avLst>
+          </a:prstGeom>
+          <a:gradFill flip="none" rotWithShape="1">
+            <a:gsLst>
+              <a:gs pos="30000">
+                <a:srgbClr val="B42F33"/>
+              </a:gs>
+              <a:gs pos="100000">
+                <a:srgbClr val="281B79"/>
+              </a:gs>
+            </a:gsLst>
+            <a:lin ang="2700000" scaled="0"/>
+            <a:tileRect/>
+          </a:gradFill>
+          <a:ln>
+            <a:noFill/>
+          </a:ln>
+        </p:spPr>
+        <p:style>
+          <a:lnRef idx="2">
+            <a:schemeClr val="accent1">
+              <a:shade val="50000"/>
+            </a:schemeClr>
+          </a:lnRef>
+          <a:fillRef idx="1">
+            <a:schemeClr val="accent1"/>
+          </a:fillRef>
+          <a:effectRef idx="0">
+            <a:schemeClr val="accent1"/>
+          </a:effectRef>
+          <a:fontRef idx="minor">
+            <a:schemeClr val="lt1"/>
+          </a:fontRef>
+        </p:style>
+        <p:txBody>
+          <a:bodyPr rtlCol="0" anchor="ctr"/>
+          <a:lstStyle/>
+          <a:p>
+            <a:pPr algn="ctr"/>
+            <a:endParaRPr lang="en-US" dirty="0"/>
+          </a:p>
+        </p:txBody>
+      </p:sp>
+      <p:pic>
+        <p:nvPicPr>
+          <p:cNvPr id="3074" name="Picture 2" descr="[webp-to-png output image]">
+            <a:extLst>
+              <a:ext uri="{FF2B5EF4-FFF2-40B4-BE49-F238E27FC236}">
+                <a16:creationId xmlns:a16="http://schemas.microsoft.com/office/drawing/2014/main" id="{8B09A652-E1F5-4F82-8C4F-C28AAC002534}"/>
+              </a:ext>
+            </a:extLst>
+          </p:cNvPr>
+          <p:cNvPicPr>
+            <a:picLocks noChangeAspect="1" noChangeArrowheads="1"/>
+          </p:cNvPicPr>
+          <p:nvPr/>
+        </p:nvPicPr>
+        <p:blipFill>
+          <a:blip r:embed="rId2">
+            <a:extLst>
+              <a:ext uri="{28A0092B-C50C-407E-A947-70E740481C1C}">
+                <a14:useLocalDpi xmlns:a14="http://schemas.microsoft.com/office/drawing/2010/main" val="0"/>
+              </a:ext>
+            </a:extLst>
+          </a:blip>
+          <a:srcRect/>
+          <a:stretch>
+            <a:fillRect/>
+          </a:stretch>
+        </p:blipFill>
+        <p:spPr bwMode="auto">
+          <a:xfrm>
+            <a:off x="315119" y="297741"/>
+            <a:ext cx="2933700" cy="591967"/>
+          </a:xfrm>
+          <a:prstGeom prst="rect">
+            <a:avLst/>
+          </a:prstGeom>
+          <a:noFill/>
+          <a:extLst>
+            <a:ext uri="{909E8E84-426E-40DD-AFC4-6F175D3DCCD1}">
+              <a14:hiddenFill xmlns:a14="http://schemas.microsoft.com/office/drawing/2010/main">
+                <a:solidFill>
+                  <a:srgbClr val="FFFFFF"/>
+                </a:solidFill>
+              </a14:hiddenFill>
+            </a:ext>
+          </a:extLst>
+        </p:spPr>
+      </p:pic>
+    </p:spTree>
+    <p:extLst>
+      <p:ext uri="{BB962C8B-B14F-4D97-AF65-F5344CB8AC3E}">
+        <p14:creationId xmlns:p14="http://schemas.microsoft.com/office/powerpoint/2010/main" val="2044909443"/>
+      </p:ext>
+    </p:extLst>
+  </p:cSld>
+  <p:clrMapOvr>
+    <a:masterClrMapping/>
+  </p:clrMapOvr>
+</p:sld>
+</file>
+
+<file path=ppt/slides/slide35.xml><?xml version="1.0" encoding="utf-8"?>
+<p:sld xmlns:a="http://schemas.openxmlformats.org/drawingml/2006/main" xmlns:r="http://schemas.openxmlformats.org/officeDocument/2006/relationships" xmlns:p="http://schemas.openxmlformats.org/presentationml/2006/main">
+  <p:cSld>
+    <p:spTree>
+      <p:nvGrpSpPr>
+        <p:cNvPr id="1" name=""/>
+        <p:cNvGrpSpPr/>
+        <p:nvPr/>
+      </p:nvGrpSpPr>
+      <p:grpSpPr>
+        <a:xfrm>
+          <a:off x="0" y="0"/>
+          <a:ext cx="0" cy="0"/>
+          <a:chOff x="0" y="0"/>
+          <a:chExt cx="0" cy="0"/>
+        </a:xfrm>
+      </p:grpSpPr>
+      <p:sp>
+        <p:nvSpPr>
+          <p:cNvPr id="4" name="Rectangle: Rounded Corners 3">
+            <a:extLst>
+              <a:ext uri="{FF2B5EF4-FFF2-40B4-BE49-F238E27FC236}">
+                <a16:creationId xmlns:a16="http://schemas.microsoft.com/office/drawing/2014/main" id="{8D6D9DF0-36ED-4863-B918-F6735D13A7C1}"/>
+              </a:ext>
+            </a:extLst>
+          </p:cNvPr>
+          <p:cNvSpPr/>
+          <p:nvPr/>
+        </p:nvSpPr>
+        <p:spPr>
+          <a:xfrm>
+            <a:off x="0" y="0"/>
+            <a:ext cx="3563938" cy="1187450"/>
+          </a:xfrm>
+          <a:prstGeom prst="roundRect">
+            <a:avLst>
+              <a:gd name="adj" fmla="val 50000"/>
+            </a:avLst>
+          </a:prstGeom>
+          <a:gradFill flip="none" rotWithShape="1">
+            <a:gsLst>
+              <a:gs pos="30000">
+                <a:srgbClr val="685454"/>
+              </a:gs>
+              <a:gs pos="100000">
+                <a:srgbClr val="C23A4C"/>
+              </a:gs>
+            </a:gsLst>
+            <a:lin ang="2700000" scaled="0"/>
+            <a:tileRect/>
+          </a:gradFill>
+          <a:ln>
+            <a:noFill/>
+          </a:ln>
+        </p:spPr>
+        <p:style>
+          <a:lnRef idx="2">
+            <a:schemeClr val="accent1">
+              <a:shade val="50000"/>
+            </a:schemeClr>
+          </a:lnRef>
+          <a:fillRef idx="1">
+            <a:schemeClr val="accent1"/>
+          </a:fillRef>
+          <a:effectRef idx="0">
+            <a:schemeClr val="accent1"/>
+          </a:effectRef>
+          <a:fontRef idx="minor">
+            <a:schemeClr val="lt1"/>
+          </a:fontRef>
+        </p:style>
+        <p:txBody>
+          <a:bodyPr rtlCol="0" anchor="ctr"/>
+          <a:lstStyle/>
+          <a:p>
+            <a:pPr algn="ctr"/>
+            <a:endParaRPr lang="en-US" dirty="0"/>
+          </a:p>
+        </p:txBody>
+      </p:sp>
+      <p:pic>
+        <p:nvPicPr>
+          <p:cNvPr id="2" name="Picture 1">
+            <a:extLst>
+              <a:ext uri="{FF2B5EF4-FFF2-40B4-BE49-F238E27FC236}">
+                <a16:creationId xmlns:a16="http://schemas.microsoft.com/office/drawing/2014/main" id="{16B8992A-5E69-4B8C-A724-B6D980F84F67}"/>
+              </a:ext>
+            </a:extLst>
+          </p:cNvPr>
+          <p:cNvPicPr>
+            <a:picLocks noChangeAspect="1"/>
+          </p:cNvPicPr>
+          <p:nvPr/>
+        </p:nvPicPr>
+        <p:blipFill>
+          <a:blip r:embed="rId2"/>
+          <a:stretch>
+            <a:fillRect/>
+          </a:stretch>
+        </p:blipFill>
+        <p:spPr>
+          <a:xfrm>
+            <a:off x="424656" y="335835"/>
+            <a:ext cx="2714625" cy="515779"/>
+          </a:xfrm>
+          <a:prstGeom prst="rect">
+            <a:avLst/>
+          </a:prstGeom>
+        </p:spPr>
+      </p:pic>
+    </p:spTree>
+    <p:extLst>
+      <p:ext uri="{BB962C8B-B14F-4D97-AF65-F5344CB8AC3E}">
+        <p14:creationId xmlns:p14="http://schemas.microsoft.com/office/powerpoint/2010/main" val="2001192933"/>
+      </p:ext>
+    </p:extLst>
+  </p:cSld>
+  <p:clrMapOvr>
+    <a:masterClrMapping/>
+  </p:clrMapOvr>
+</p:sld>
+</file>
+
+<file path=ppt/slides/slide36.xml><?xml version="1.0" encoding="utf-8"?>
+<p:sld xmlns:a="http://schemas.openxmlformats.org/drawingml/2006/main" xmlns:r="http://schemas.openxmlformats.org/officeDocument/2006/relationships" xmlns:p="http://schemas.openxmlformats.org/presentationml/2006/main">
+  <p:cSld>
+    <p:spTree>
+      <p:nvGrpSpPr>
+        <p:cNvPr id="1" name=""/>
+        <p:cNvGrpSpPr/>
+        <p:nvPr/>
+      </p:nvGrpSpPr>
+      <p:grpSpPr>
+        <a:xfrm>
+          <a:off x="0" y="0"/>
+          <a:ext cx="0" cy="0"/>
+          <a:chOff x="0" y="0"/>
+          <a:chExt cx="0" cy="0"/>
+        </a:xfrm>
+      </p:grpSpPr>
+      <p:sp>
+        <p:nvSpPr>
+          <p:cNvPr id="4" name="Rectangle: Rounded Corners 3">
+            <a:extLst>
+              <a:ext uri="{FF2B5EF4-FFF2-40B4-BE49-F238E27FC236}">
+                <a16:creationId xmlns:a16="http://schemas.microsoft.com/office/drawing/2014/main" id="{8D6D9DF0-36ED-4863-B918-F6735D13A7C1}"/>
+              </a:ext>
+            </a:extLst>
+          </p:cNvPr>
+          <p:cNvSpPr/>
+          <p:nvPr/>
+        </p:nvSpPr>
+        <p:spPr>
+          <a:xfrm>
+            <a:off x="0" y="0"/>
+            <a:ext cx="3563938" cy="1187450"/>
+          </a:xfrm>
+          <a:prstGeom prst="roundRect">
+            <a:avLst>
+              <a:gd name="adj" fmla="val 50000"/>
+            </a:avLst>
+          </a:prstGeom>
+          <a:gradFill flip="none" rotWithShape="1">
+            <a:gsLst>
+              <a:gs pos="0">
+                <a:srgbClr val="000000"/>
+              </a:gs>
+              <a:gs pos="100000">
+                <a:srgbClr val="C15223"/>
+              </a:gs>
+            </a:gsLst>
+            <a:lin ang="2700000" scaled="0"/>
+            <a:tileRect/>
+          </a:gradFill>
+          <a:ln>
+            <a:noFill/>
+          </a:ln>
+        </p:spPr>
+        <p:style>
+          <a:lnRef idx="2">
+            <a:schemeClr val="accent1">
+              <a:shade val="50000"/>
+            </a:schemeClr>
+          </a:lnRef>
+          <a:fillRef idx="1">
+            <a:schemeClr val="accent1"/>
+          </a:fillRef>
+          <a:effectRef idx="0">
+            <a:schemeClr val="accent1"/>
+          </a:effectRef>
+          <a:fontRef idx="minor">
+            <a:schemeClr val="lt1"/>
+          </a:fontRef>
+        </p:style>
+        <p:txBody>
+          <a:bodyPr rtlCol="0" anchor="ctr"/>
+          <a:lstStyle/>
+          <a:p>
+            <a:pPr algn="ctr"/>
+            <a:endParaRPr lang="en-US" dirty="0"/>
+          </a:p>
+        </p:txBody>
+      </p:sp>
+      <p:pic>
+        <p:nvPicPr>
+          <p:cNvPr id="5122" name="Picture 2" descr="https://anoboy.org/wp-content/uploads/2018/12/newlogo-1.png">
+            <a:extLst>
+              <a:ext uri="{FF2B5EF4-FFF2-40B4-BE49-F238E27FC236}">
+                <a16:creationId xmlns:a16="http://schemas.microsoft.com/office/drawing/2014/main" id="{9E0E7F98-38F1-4458-AD2D-F1A18A257714}"/>
+              </a:ext>
+            </a:extLst>
+          </p:cNvPr>
+          <p:cNvPicPr>
+            <a:picLocks noChangeAspect="1" noChangeArrowheads="1"/>
+          </p:cNvPicPr>
+          <p:nvPr/>
+        </p:nvPicPr>
+        <p:blipFill>
+          <a:blip r:embed="rId2">
+            <a:extLst>
+              <a:ext uri="{28A0092B-C50C-407E-A947-70E740481C1C}">
+                <a14:useLocalDpi xmlns:a14="http://schemas.microsoft.com/office/drawing/2010/main" val="0"/>
+              </a:ext>
+            </a:extLst>
+          </a:blip>
+          <a:srcRect/>
+          <a:stretch>
+            <a:fillRect/>
+          </a:stretch>
+        </p:blipFill>
+        <p:spPr bwMode="auto">
+          <a:xfrm>
+            <a:off x="362140" y="280987"/>
+            <a:ext cx="2839657" cy="625475"/>
+          </a:xfrm>
+          <a:prstGeom prst="rect">
+            <a:avLst/>
+          </a:prstGeom>
+          <a:noFill/>
+          <a:extLst>
+            <a:ext uri="{909E8E84-426E-40DD-AFC4-6F175D3DCCD1}">
+              <a14:hiddenFill xmlns:a14="http://schemas.microsoft.com/office/drawing/2010/main">
+                <a:solidFill>
+                  <a:srgbClr val="FFFFFF"/>
+                </a:solidFill>
+              </a14:hiddenFill>
+            </a:ext>
+          </a:extLst>
+        </p:spPr>
+      </p:pic>
+    </p:spTree>
+    <p:extLst>
+      <p:ext uri="{BB962C8B-B14F-4D97-AF65-F5344CB8AC3E}">
+        <p14:creationId xmlns:p14="http://schemas.microsoft.com/office/powerpoint/2010/main" val="743538766"/>
+      </p:ext>
+    </p:extLst>
+  </p:cSld>
+  <p:clrMapOvr>
+    <a:masterClrMapping/>
+  </p:clrMapOvr>
+</p:sld>
+</file>
+
+<file path=ppt/slides/slide37.xml><?xml version="1.0" encoding="utf-8"?>
+<p:sld xmlns:a="http://schemas.openxmlformats.org/drawingml/2006/main" xmlns:r="http://schemas.openxmlformats.org/officeDocument/2006/relationships" xmlns:p="http://schemas.openxmlformats.org/presentationml/2006/main">
+  <p:cSld>
+    <p:spTree>
+      <p:nvGrpSpPr>
+        <p:cNvPr id="1" name=""/>
+        <p:cNvGrpSpPr/>
+        <p:nvPr/>
+      </p:nvGrpSpPr>
+      <p:grpSpPr>
+        <a:xfrm>
+          <a:off x="0" y="0"/>
+          <a:ext cx="0" cy="0"/>
+          <a:chOff x="0" y="0"/>
+          <a:chExt cx="0" cy="0"/>
+        </a:xfrm>
+      </p:grpSpPr>
+      <p:sp>
+        <p:nvSpPr>
+          <p:cNvPr id="4" name="Rectangle: Rounded Corners 3">
+            <a:extLst>
+              <a:ext uri="{FF2B5EF4-FFF2-40B4-BE49-F238E27FC236}">
+                <a16:creationId xmlns:a16="http://schemas.microsoft.com/office/drawing/2014/main" id="{8D6D9DF0-36ED-4863-B918-F6735D13A7C1}"/>
+              </a:ext>
+            </a:extLst>
+          </p:cNvPr>
+          <p:cNvSpPr/>
+          <p:nvPr/>
+        </p:nvSpPr>
+        <p:spPr>
+          <a:xfrm>
+            <a:off x="0" y="0"/>
+            <a:ext cx="3563938" cy="1187450"/>
+          </a:xfrm>
+          <a:prstGeom prst="roundRect">
+            <a:avLst>
+              <a:gd name="adj" fmla="val 50000"/>
+            </a:avLst>
+          </a:prstGeom>
+          <a:gradFill flip="none" rotWithShape="1">
+            <a:gsLst>
+              <a:gs pos="27000">
+                <a:srgbClr val="000000"/>
+              </a:gs>
+              <a:gs pos="100000">
+                <a:srgbClr val="C15223"/>
+              </a:gs>
+            </a:gsLst>
+            <a:lin ang="2700000" scaled="0"/>
+            <a:tileRect/>
+          </a:gradFill>
+          <a:ln>
+            <a:noFill/>
+          </a:ln>
+        </p:spPr>
+        <p:style>
+          <a:lnRef idx="2">
+            <a:schemeClr val="accent1">
+              <a:shade val="50000"/>
+            </a:schemeClr>
+          </a:lnRef>
+          <a:fillRef idx="1">
+            <a:schemeClr val="accent1"/>
+          </a:fillRef>
+          <a:effectRef idx="0">
+            <a:schemeClr val="accent1"/>
+          </a:effectRef>
+          <a:fontRef idx="minor">
+            <a:schemeClr val="lt1"/>
+          </a:fontRef>
+        </p:style>
+        <p:txBody>
+          <a:bodyPr rtlCol="0" anchor="ctr"/>
+          <a:lstStyle/>
+          <a:p>
+            <a:pPr algn="ctr"/>
+            <a:endParaRPr lang="en-US" dirty="0"/>
+          </a:p>
+        </p:txBody>
+      </p:sp>
+      <p:pic>
+        <p:nvPicPr>
+          <p:cNvPr id="6146" name="Picture 2" descr="https://img.akubebas.com/images/logo-indo.png">
+            <a:extLst>
+              <a:ext uri="{FF2B5EF4-FFF2-40B4-BE49-F238E27FC236}">
+                <a16:creationId xmlns:a16="http://schemas.microsoft.com/office/drawing/2014/main" id="{B278300F-7126-4621-A21C-922518AC2535}"/>
+              </a:ext>
+            </a:extLst>
+          </p:cNvPr>
+          <p:cNvPicPr>
+            <a:picLocks noChangeAspect="1" noChangeArrowheads="1"/>
+          </p:cNvPicPr>
+          <p:nvPr/>
+        </p:nvPicPr>
+        <p:blipFill>
+          <a:blip r:embed="rId2">
+            <a:extLst>
+              <a:ext uri="{28A0092B-C50C-407E-A947-70E740481C1C}">
+                <a14:useLocalDpi xmlns:a14="http://schemas.microsoft.com/office/drawing/2010/main" val="0"/>
+              </a:ext>
+            </a:extLst>
+          </a:blip>
+          <a:srcRect/>
+          <a:stretch>
+            <a:fillRect/>
+          </a:stretch>
+        </p:blipFill>
+        <p:spPr bwMode="auto">
+          <a:xfrm>
+            <a:off x="523081" y="292301"/>
+            <a:ext cx="2517776" cy="602847"/>
+          </a:xfrm>
+          <a:prstGeom prst="rect">
+            <a:avLst/>
+          </a:prstGeom>
+          <a:noFill/>
+          <a:extLst>
+            <a:ext uri="{909E8E84-426E-40DD-AFC4-6F175D3DCCD1}">
+              <a14:hiddenFill xmlns:a14="http://schemas.microsoft.com/office/drawing/2010/main">
+                <a:solidFill>
+                  <a:srgbClr val="FFFFFF"/>
+                </a:solidFill>
+              </a14:hiddenFill>
+            </a:ext>
+          </a:extLst>
+        </p:spPr>
+      </p:pic>
+    </p:spTree>
+    <p:extLst>
+      <p:ext uri="{BB962C8B-B14F-4D97-AF65-F5344CB8AC3E}">
+        <p14:creationId xmlns:p14="http://schemas.microsoft.com/office/powerpoint/2010/main" val="3562251831"/>
+      </p:ext>
+    </p:extLst>
+  </p:cSld>
+  <p:clrMapOvr>
+    <a:masterClrMapping/>
+  </p:clrMapOvr>
+</p:sld>
+</file>
+
+<file path=ppt/slides/slide38.xml><?xml version="1.0" encoding="utf-8"?>
 <p:sld xmlns:a="http://schemas.openxmlformats.org/drawingml/2006/main" xmlns:r="http://schemas.openxmlformats.org/officeDocument/2006/relationships" xmlns:p="http://schemas.openxmlformats.org/presentationml/2006/main">
   <p:cSld>
     <p:spTree>
@@ -7644,7 +10000,7 @@
 </p:sld>
 </file>
 
-<file path=ppt/slides/slide28.xml><?xml version="1.0" encoding="utf-8"?>
+<file path=ppt/slides/slide39.xml><?xml version="1.0" encoding="utf-8"?>
 <p:sld xmlns:a="http://schemas.openxmlformats.org/drawingml/2006/main" xmlns:r="http://schemas.openxmlformats.org/officeDocument/2006/relationships" xmlns:p="http://schemas.openxmlformats.org/presentationml/2006/main">
   <p:cSld>
     <p:spTree>
@@ -7870,1221 +10226,6 @@
 </p:sld>
 </file>
 
-<file path=ppt/slides/slide29.xml><?xml version="1.0" encoding="utf-8"?>
-<p:sld xmlns:a="http://schemas.openxmlformats.org/drawingml/2006/main" xmlns:r="http://schemas.openxmlformats.org/officeDocument/2006/relationships" xmlns:p="http://schemas.openxmlformats.org/presentationml/2006/main">
-  <p:cSld>
-    <p:spTree>
-      <p:nvGrpSpPr>
-        <p:cNvPr id="1" name=""/>
-        <p:cNvGrpSpPr/>
-        <p:nvPr/>
-      </p:nvGrpSpPr>
-      <p:grpSpPr>
-        <a:xfrm>
-          <a:off x="0" y="0"/>
-          <a:ext cx="0" cy="0"/>
-          <a:chOff x="0" y="0"/>
-          <a:chExt cx="0" cy="0"/>
-        </a:xfrm>
-      </p:grpSpPr>
-      <p:sp>
-        <p:nvSpPr>
-          <p:cNvPr id="4" name="Rectangle: Rounded Corners 3">
-            <a:extLst>
-              <a:ext uri="{FF2B5EF4-FFF2-40B4-BE49-F238E27FC236}">
-                <a16:creationId xmlns:a16="http://schemas.microsoft.com/office/drawing/2014/main" id="{8D6D9DF0-36ED-4863-B918-F6735D13A7C1}"/>
-              </a:ext>
-            </a:extLst>
-          </p:cNvPr>
-          <p:cNvSpPr/>
-          <p:nvPr/>
-        </p:nvSpPr>
-        <p:spPr>
-          <a:xfrm>
-            <a:off x="0" y="0"/>
-            <a:ext cx="3563938" cy="1187450"/>
-          </a:xfrm>
-          <a:prstGeom prst="roundRect">
-            <a:avLst>
-              <a:gd name="adj" fmla="val 50000"/>
-            </a:avLst>
-          </a:prstGeom>
-          <a:gradFill flip="none" rotWithShape="1">
-            <a:gsLst>
-              <a:gs pos="26000">
-                <a:schemeClr val="tx2">
-                  <a:lumMod val="50000"/>
-                </a:schemeClr>
-              </a:gs>
-              <a:gs pos="100000">
-                <a:schemeClr val="accent1">
-                  <a:lumMod val="75000"/>
-                </a:schemeClr>
-              </a:gs>
-            </a:gsLst>
-            <a:lin ang="2700000" scaled="0"/>
-            <a:tileRect/>
-          </a:gradFill>
-          <a:ln>
-            <a:noFill/>
-          </a:ln>
-        </p:spPr>
-        <p:style>
-          <a:lnRef idx="2">
-            <a:schemeClr val="accent1">
-              <a:shade val="50000"/>
-            </a:schemeClr>
-          </a:lnRef>
-          <a:fillRef idx="1">
-            <a:schemeClr val="accent1"/>
-          </a:fillRef>
-          <a:effectRef idx="0">
-            <a:schemeClr val="accent1"/>
-          </a:effectRef>
-          <a:fontRef idx="minor">
-            <a:schemeClr val="lt1"/>
-          </a:fontRef>
-        </p:style>
-        <p:txBody>
-          <a:bodyPr rtlCol="0" anchor="ctr"/>
-          <a:lstStyle/>
-          <a:p>
-            <a:pPr algn="ctr"/>
-            <a:endParaRPr lang="en-US" dirty="0"/>
-          </a:p>
-        </p:txBody>
-      </p:sp>
-      <p:sp>
-        <p:nvSpPr>
-          <p:cNvPr id="2" name="TextBox 1">
-            <a:extLst>
-              <a:ext uri="{FF2B5EF4-FFF2-40B4-BE49-F238E27FC236}">
-                <a16:creationId xmlns:a16="http://schemas.microsoft.com/office/drawing/2014/main" id="{6EBFA446-E191-400D-A74B-B3AABC51ABBE}"/>
-              </a:ext>
-            </a:extLst>
-          </p:cNvPr>
-          <p:cNvSpPr txBox="1"/>
-          <p:nvPr/>
-        </p:nvSpPr>
-        <p:spPr>
-          <a:xfrm>
-            <a:off x="378519" y="270559"/>
-            <a:ext cx="2806899" cy="646331"/>
-          </a:xfrm>
-          <a:prstGeom prst="rect">
-            <a:avLst/>
-          </a:prstGeom>
-          <a:noFill/>
-        </p:spPr>
-        <p:txBody>
-          <a:bodyPr wrap="square" rtlCol="0">
-            <a:spAutoFit/>
-          </a:bodyPr>
-          <a:lstStyle/>
-          <a:p>
-            <a:pPr algn="ctr"/>
-            <a:r>
-              <a:rPr lang="id-ID" sz="3600" dirty="0">
-                <a:solidFill>
-                  <a:schemeClr val="bg1"/>
-                </a:solidFill>
-                <a:latin typeface="Times New Roman" panose="02020603050405020304" pitchFamily="18" charset="0"/>
-                <a:cs typeface="Times New Roman" panose="02020603050405020304" pitchFamily="18" charset="0"/>
-              </a:rPr>
-              <a:t>LOLIBATCH</a:t>
-            </a:r>
-            <a:endParaRPr lang="en-US" sz="3600" dirty="0">
-              <a:solidFill>
-                <a:schemeClr val="bg1"/>
-              </a:solidFill>
-              <a:latin typeface="Times New Roman" panose="02020603050405020304" pitchFamily="18" charset="0"/>
-              <a:cs typeface="Times New Roman" panose="02020603050405020304" pitchFamily="18" charset="0"/>
-            </a:endParaRPr>
-          </a:p>
-        </p:txBody>
-      </p:sp>
-    </p:spTree>
-    <p:extLst>
-      <p:ext uri="{BB962C8B-B14F-4D97-AF65-F5344CB8AC3E}">
-        <p14:creationId xmlns:p14="http://schemas.microsoft.com/office/powerpoint/2010/main" val="1757396926"/>
-      </p:ext>
-    </p:extLst>
-  </p:cSld>
-  <p:clrMapOvr>
-    <a:masterClrMapping/>
-  </p:clrMapOvr>
-</p:sld>
-</file>
-
-<file path=ppt/slides/slide3.xml><?xml version="1.0" encoding="utf-8"?>
-<p:sld xmlns:a="http://schemas.openxmlformats.org/drawingml/2006/main" xmlns:r="http://schemas.openxmlformats.org/officeDocument/2006/relationships" xmlns:p="http://schemas.openxmlformats.org/presentationml/2006/main">
-  <p:cSld>
-    <p:spTree>
-      <p:nvGrpSpPr>
-        <p:cNvPr id="1" name=""/>
-        <p:cNvGrpSpPr/>
-        <p:nvPr/>
-      </p:nvGrpSpPr>
-      <p:grpSpPr>
-        <a:xfrm>
-          <a:off x="0" y="0"/>
-          <a:ext cx="0" cy="0"/>
-          <a:chOff x="0" y="0"/>
-          <a:chExt cx="0" cy="0"/>
-        </a:xfrm>
-      </p:grpSpPr>
-      <p:sp>
-        <p:nvSpPr>
-          <p:cNvPr id="4" name="Rectangle: Rounded Corners 3">
-            <a:extLst>
-              <a:ext uri="{FF2B5EF4-FFF2-40B4-BE49-F238E27FC236}">
-                <a16:creationId xmlns:a16="http://schemas.microsoft.com/office/drawing/2014/main" id="{8D6D9DF0-36ED-4863-B918-F6735D13A7C1}"/>
-              </a:ext>
-            </a:extLst>
-          </p:cNvPr>
-          <p:cNvSpPr/>
-          <p:nvPr/>
-        </p:nvSpPr>
-        <p:spPr>
-          <a:xfrm>
-            <a:off x="0" y="0"/>
-            <a:ext cx="3563938" cy="1187450"/>
-          </a:xfrm>
-          <a:prstGeom prst="roundRect">
-            <a:avLst>
-              <a:gd name="adj" fmla="val 50000"/>
-            </a:avLst>
-          </a:prstGeom>
-          <a:gradFill flip="none" rotWithShape="1">
-            <a:gsLst>
-              <a:gs pos="14000">
-                <a:srgbClr val="F78C25"/>
-              </a:gs>
-              <a:gs pos="100000">
-                <a:srgbClr val="F9B067"/>
-              </a:gs>
-            </a:gsLst>
-            <a:lin ang="2700000" scaled="0"/>
-            <a:tileRect/>
-          </a:gradFill>
-          <a:ln>
-            <a:noFill/>
-          </a:ln>
-        </p:spPr>
-        <p:style>
-          <a:lnRef idx="2">
-            <a:schemeClr val="accent1">
-              <a:shade val="50000"/>
-            </a:schemeClr>
-          </a:lnRef>
-          <a:fillRef idx="1">
-            <a:schemeClr val="accent1"/>
-          </a:fillRef>
-          <a:effectRef idx="0">
-            <a:schemeClr val="accent1"/>
-          </a:effectRef>
-          <a:fontRef idx="minor">
-            <a:schemeClr val="lt1"/>
-          </a:fontRef>
-        </p:style>
-        <p:txBody>
-          <a:bodyPr rtlCol="0" anchor="ctr"/>
-          <a:lstStyle/>
-          <a:p>
-            <a:pPr algn="ctr"/>
-            <a:endParaRPr lang="en-US" dirty="0"/>
-          </a:p>
-        </p:txBody>
-      </p:sp>
-      <p:pic>
-        <p:nvPicPr>
-          <p:cNvPr id="2054" name="Picture 6" descr="Image result for crunchyroll logo">
-            <a:extLst>
-              <a:ext uri="{FF2B5EF4-FFF2-40B4-BE49-F238E27FC236}">
-                <a16:creationId xmlns:a16="http://schemas.microsoft.com/office/drawing/2014/main" id="{5BBB0A47-2022-4E1D-AC67-93486913C304}"/>
-              </a:ext>
-            </a:extLst>
-          </p:cNvPr>
-          <p:cNvPicPr>
-            <a:picLocks noChangeAspect="1" noChangeArrowheads="1"/>
-          </p:cNvPicPr>
-          <p:nvPr/>
-        </p:nvPicPr>
-        <p:blipFill rotWithShape="1">
-          <a:blip r:embed="rId2">
-            <a:extLst>
-              <a:ext uri="{BEBA8EAE-BF5A-486C-A8C5-ECC9F3942E4B}">
-                <a14:imgProps xmlns:a14="http://schemas.microsoft.com/office/drawing/2010/main">
-                  <a14:imgLayer r:embed="rId3">
-                    <a14:imgEffect>
-                      <a14:brightnessContrast bright="100000"/>
-                    </a14:imgEffect>
-                  </a14:imgLayer>
-                </a14:imgProps>
-              </a:ext>
-              <a:ext uri="{28A0092B-C50C-407E-A947-70E740481C1C}">
-                <a14:useLocalDpi xmlns:a14="http://schemas.microsoft.com/office/drawing/2010/main" val="0"/>
-              </a:ext>
-            </a:extLst>
-          </a:blip>
-          <a:srcRect r="77093"/>
-          <a:stretch/>
-        </p:blipFill>
-        <p:spPr bwMode="auto">
-          <a:xfrm>
-            <a:off x="298053" y="-519584"/>
-            <a:ext cx="679847" cy="2226617"/>
-          </a:xfrm>
-          <a:prstGeom prst="rect">
-            <a:avLst/>
-          </a:prstGeom>
-          <a:noFill/>
-          <a:extLst>
-            <a:ext uri="{909E8E84-426E-40DD-AFC4-6F175D3DCCD1}">
-              <a14:hiddenFill xmlns:a14="http://schemas.microsoft.com/office/drawing/2010/main">
-                <a:solidFill>
-                  <a:srgbClr val="FFFFFF"/>
-                </a:solidFill>
-              </a14:hiddenFill>
-            </a:ext>
-          </a:extLst>
-        </p:spPr>
-      </p:pic>
-      <p:pic>
-        <p:nvPicPr>
-          <p:cNvPr id="10" name="Picture 6" descr="Image result for crunchyroll logo">
-            <a:extLst>
-              <a:ext uri="{FF2B5EF4-FFF2-40B4-BE49-F238E27FC236}">
-                <a16:creationId xmlns:a16="http://schemas.microsoft.com/office/drawing/2014/main" id="{8EC5152A-3E5C-410C-B127-B02A6A97EA4F}"/>
-              </a:ext>
-            </a:extLst>
-          </p:cNvPr>
-          <p:cNvPicPr>
-            <a:picLocks noChangeAspect="1" noChangeArrowheads="1"/>
-          </p:cNvPicPr>
-          <p:nvPr/>
-        </p:nvPicPr>
-        <p:blipFill rotWithShape="1">
-          <a:blip r:embed="rId2">
-            <a:extLst>
-              <a:ext uri="{BEBA8EAE-BF5A-486C-A8C5-ECC9F3942E4B}">
-                <a14:imgProps xmlns:a14="http://schemas.microsoft.com/office/drawing/2010/main">
-                  <a14:imgLayer r:embed="rId3">
-                    <a14:imgEffect>
-                      <a14:brightnessContrast bright="100000" contrast="100000"/>
-                    </a14:imgEffect>
-                  </a14:imgLayer>
-                </a14:imgProps>
-              </a:ext>
-              <a:ext uri="{28A0092B-C50C-407E-A947-70E740481C1C}">
-                <a14:useLocalDpi xmlns:a14="http://schemas.microsoft.com/office/drawing/2010/main" val="0"/>
-              </a:ext>
-            </a:extLst>
-          </a:blip>
-          <a:srcRect l="22907"/>
-          <a:stretch/>
-        </p:blipFill>
-        <p:spPr bwMode="auto">
-          <a:xfrm>
-            <a:off x="977900" y="-519584"/>
-            <a:ext cx="2287984" cy="2226617"/>
-          </a:xfrm>
-          <a:prstGeom prst="rect">
-            <a:avLst/>
-          </a:prstGeom>
-          <a:noFill/>
-          <a:extLst>
-            <a:ext uri="{909E8E84-426E-40DD-AFC4-6F175D3DCCD1}">
-              <a14:hiddenFill xmlns:a14="http://schemas.microsoft.com/office/drawing/2010/main">
-                <a:solidFill>
-                  <a:srgbClr val="FFFFFF"/>
-                </a:solidFill>
-              </a14:hiddenFill>
-            </a:ext>
-          </a:extLst>
-        </p:spPr>
-      </p:pic>
-    </p:spTree>
-    <p:extLst>
-      <p:ext uri="{BB962C8B-B14F-4D97-AF65-F5344CB8AC3E}">
-        <p14:creationId xmlns:p14="http://schemas.microsoft.com/office/powerpoint/2010/main" val="3743274257"/>
-      </p:ext>
-    </p:extLst>
-  </p:cSld>
-  <p:clrMapOvr>
-    <a:masterClrMapping/>
-  </p:clrMapOvr>
-</p:sld>
-</file>
-
-<file path=ppt/slides/slide30.xml><?xml version="1.0" encoding="utf-8"?>
-<p:sld xmlns:a="http://schemas.openxmlformats.org/drawingml/2006/main" xmlns:r="http://schemas.openxmlformats.org/officeDocument/2006/relationships" xmlns:p="http://schemas.openxmlformats.org/presentationml/2006/main">
-  <p:cSld>
-    <p:spTree>
-      <p:nvGrpSpPr>
-        <p:cNvPr id="1" name=""/>
-        <p:cNvGrpSpPr/>
-        <p:nvPr/>
-      </p:nvGrpSpPr>
-      <p:grpSpPr>
-        <a:xfrm>
-          <a:off x="0" y="0"/>
-          <a:ext cx="0" cy="0"/>
-          <a:chOff x="0" y="0"/>
-          <a:chExt cx="0" cy="0"/>
-        </a:xfrm>
-      </p:grpSpPr>
-      <p:sp>
-        <p:nvSpPr>
-          <p:cNvPr id="4" name="Rectangle: Rounded Corners 3">
-            <a:extLst>
-              <a:ext uri="{FF2B5EF4-FFF2-40B4-BE49-F238E27FC236}">
-                <a16:creationId xmlns:a16="http://schemas.microsoft.com/office/drawing/2014/main" id="{8D6D9DF0-36ED-4863-B918-F6735D13A7C1}"/>
-              </a:ext>
-            </a:extLst>
-          </p:cNvPr>
-          <p:cNvSpPr/>
-          <p:nvPr/>
-        </p:nvSpPr>
-        <p:spPr>
-          <a:xfrm>
-            <a:off x="0" y="0"/>
-            <a:ext cx="3563938" cy="1187450"/>
-          </a:xfrm>
-          <a:prstGeom prst="roundRect">
-            <a:avLst>
-              <a:gd name="adj" fmla="val 50000"/>
-            </a:avLst>
-          </a:prstGeom>
-          <a:gradFill flip="none" rotWithShape="1">
-            <a:gsLst>
-              <a:gs pos="26000">
-                <a:srgbClr val="17201E"/>
-              </a:gs>
-              <a:gs pos="100000">
-                <a:srgbClr val="1C2825"/>
-              </a:gs>
-            </a:gsLst>
-            <a:lin ang="2700000" scaled="0"/>
-            <a:tileRect/>
-          </a:gradFill>
-          <a:ln>
-            <a:noFill/>
-          </a:ln>
-        </p:spPr>
-        <p:style>
-          <a:lnRef idx="2">
-            <a:schemeClr val="accent1">
-              <a:shade val="50000"/>
-            </a:schemeClr>
-          </a:lnRef>
-          <a:fillRef idx="1">
-            <a:schemeClr val="accent1"/>
-          </a:fillRef>
-          <a:effectRef idx="0">
-            <a:schemeClr val="accent1"/>
-          </a:effectRef>
-          <a:fontRef idx="minor">
-            <a:schemeClr val="lt1"/>
-          </a:fontRef>
-        </p:style>
-        <p:txBody>
-          <a:bodyPr rtlCol="0" anchor="ctr"/>
-          <a:lstStyle/>
-          <a:p>
-            <a:pPr algn="ctr"/>
-            <a:endParaRPr lang="en-US" dirty="0"/>
-          </a:p>
-        </p:txBody>
-      </p:sp>
-      <p:pic>
-        <p:nvPicPr>
-          <p:cNvPr id="3" name="Picture 2">
-            <a:extLst>
-              <a:ext uri="{FF2B5EF4-FFF2-40B4-BE49-F238E27FC236}">
-                <a16:creationId xmlns:a16="http://schemas.microsoft.com/office/drawing/2014/main" id="{02D2A3E8-B154-4758-AA9A-6B92785C0760}"/>
-              </a:ext>
-            </a:extLst>
-          </p:cNvPr>
-          <p:cNvPicPr>
-            <a:picLocks noChangeAspect="1"/>
-          </p:cNvPicPr>
-          <p:nvPr/>
-        </p:nvPicPr>
-        <p:blipFill rotWithShape="1">
-          <a:blip r:embed="rId2">
-            <a:extLst>
-              <a:ext uri="{BEBA8EAE-BF5A-486C-A8C5-ECC9F3942E4B}">
-                <a14:imgProps xmlns:a14="http://schemas.microsoft.com/office/drawing/2010/main">
-                  <a14:imgLayer r:embed="rId3">
-                    <a14:imgEffect>
-                      <a14:backgroundRemoval t="22526" b="34115" l="18082" r="50586">
-                        <a14:foregroundMark x1="18228" y1="27604" x2="18228" y2="27604"/>
-                        <a14:foregroundMark x1="26135" y1="25260" x2="26135" y2="25260"/>
-                        <a14:foregroundMark x1="29063" y1="26563" x2="29063" y2="26563"/>
-                        <a14:foregroundMark x1="35066" y1="27865" x2="35066" y2="27865"/>
-                        <a14:foregroundMark x1="37921" y1="22786" x2="37921" y2="22786"/>
-                        <a14:foregroundMark x1="46120" y1="27083" x2="46120" y2="27083"/>
-                        <a14:foregroundMark x1="49122" y1="28906" x2="49122" y2="28906"/>
-                        <a14:foregroundMark x1="50586" y1="24219" x2="50586" y2="24219"/>
-                      </a14:backgroundRemoval>
-                    </a14:imgEffect>
-                  </a14:imgLayer>
-                </a14:imgProps>
-              </a:ext>
-            </a:extLst>
-          </a:blip>
-          <a:srcRect l="17304" t="21936" r="48377" b="64425"/>
-          <a:stretch/>
-        </p:blipFill>
-        <p:spPr>
-          <a:xfrm>
-            <a:off x="556373" y="319881"/>
-            <a:ext cx="2451191" cy="547688"/>
-          </a:xfrm>
-          <a:prstGeom prst="rect">
-            <a:avLst/>
-          </a:prstGeom>
-        </p:spPr>
-      </p:pic>
-    </p:spTree>
-    <p:extLst>
-      <p:ext uri="{BB962C8B-B14F-4D97-AF65-F5344CB8AC3E}">
-        <p14:creationId xmlns:p14="http://schemas.microsoft.com/office/powerpoint/2010/main" val="2644471930"/>
-      </p:ext>
-    </p:extLst>
-  </p:cSld>
-  <p:clrMapOvr>
-    <a:masterClrMapping/>
-  </p:clrMapOvr>
-</p:sld>
-</file>
-
-<file path=ppt/slides/slide31.xml><?xml version="1.0" encoding="utf-8"?>
-<p:sld xmlns:a="http://schemas.openxmlformats.org/drawingml/2006/main" xmlns:r="http://schemas.openxmlformats.org/officeDocument/2006/relationships" xmlns:p="http://schemas.openxmlformats.org/presentationml/2006/main">
-  <p:cSld>
-    <p:spTree>
-      <p:nvGrpSpPr>
-        <p:cNvPr id="1" name=""/>
-        <p:cNvGrpSpPr/>
-        <p:nvPr/>
-      </p:nvGrpSpPr>
-      <p:grpSpPr>
-        <a:xfrm>
-          <a:off x="0" y="0"/>
-          <a:ext cx="0" cy="0"/>
-          <a:chOff x="0" y="0"/>
-          <a:chExt cx="0" cy="0"/>
-        </a:xfrm>
-      </p:grpSpPr>
-      <p:sp>
-        <p:nvSpPr>
-          <p:cNvPr id="4" name="Rectangle: Rounded Corners 3">
-            <a:extLst>
-              <a:ext uri="{FF2B5EF4-FFF2-40B4-BE49-F238E27FC236}">
-                <a16:creationId xmlns:a16="http://schemas.microsoft.com/office/drawing/2014/main" id="{8D6D9DF0-36ED-4863-B918-F6735D13A7C1}"/>
-              </a:ext>
-            </a:extLst>
-          </p:cNvPr>
-          <p:cNvSpPr/>
-          <p:nvPr/>
-        </p:nvSpPr>
-        <p:spPr>
-          <a:xfrm>
-            <a:off x="0" y="0"/>
-            <a:ext cx="3563938" cy="1187450"/>
-          </a:xfrm>
-          <a:prstGeom prst="roundRect">
-            <a:avLst>
-              <a:gd name="adj" fmla="val 50000"/>
-            </a:avLst>
-          </a:prstGeom>
-          <a:gradFill flip="none" rotWithShape="1">
-            <a:gsLst>
-              <a:gs pos="26000">
-                <a:srgbClr val="262B36"/>
-              </a:gs>
-              <a:gs pos="100000">
-                <a:srgbClr val="6FA9EA"/>
-              </a:gs>
-            </a:gsLst>
-            <a:lin ang="2700000" scaled="0"/>
-            <a:tileRect/>
-          </a:gradFill>
-          <a:ln>
-            <a:noFill/>
-          </a:ln>
-        </p:spPr>
-        <p:style>
-          <a:lnRef idx="2">
-            <a:schemeClr val="accent1">
-              <a:shade val="50000"/>
-            </a:schemeClr>
-          </a:lnRef>
-          <a:fillRef idx="1">
-            <a:schemeClr val="accent1"/>
-          </a:fillRef>
-          <a:effectRef idx="0">
-            <a:schemeClr val="accent1"/>
-          </a:effectRef>
-          <a:fontRef idx="minor">
-            <a:schemeClr val="lt1"/>
-          </a:fontRef>
-        </p:style>
-        <p:txBody>
-          <a:bodyPr rtlCol="0" anchor="ctr"/>
-          <a:lstStyle/>
-          <a:p>
-            <a:pPr algn="ctr"/>
-            <a:endParaRPr lang="en-US" dirty="0"/>
-          </a:p>
-        </p:txBody>
-      </p:sp>
-      <p:pic>
-        <p:nvPicPr>
-          <p:cNvPr id="37890" name="Picture 2" descr="https://neonime.net/wp-content/themes/grifus/images/site-logo.png">
-            <a:extLst>
-              <a:ext uri="{FF2B5EF4-FFF2-40B4-BE49-F238E27FC236}">
-                <a16:creationId xmlns:a16="http://schemas.microsoft.com/office/drawing/2014/main" id="{E41ABB8D-5888-4F36-89D6-A23CD8EF1AA5}"/>
-              </a:ext>
-            </a:extLst>
-          </p:cNvPr>
-          <p:cNvPicPr>
-            <a:picLocks noChangeAspect="1" noChangeArrowheads="1"/>
-          </p:cNvPicPr>
-          <p:nvPr/>
-        </p:nvPicPr>
-        <p:blipFill>
-          <a:blip r:embed="rId2">
-            <a:extLst>
-              <a:ext uri="{BEBA8EAE-BF5A-486C-A8C5-ECC9F3942E4B}">
-                <a14:imgProps xmlns:a14="http://schemas.microsoft.com/office/drawing/2010/main">
-                  <a14:imgLayer r:embed="rId3">
-                    <a14:imgEffect>
-                      <a14:brightnessContrast bright="100000"/>
-                    </a14:imgEffect>
-                  </a14:imgLayer>
-                </a14:imgProps>
-              </a:ext>
-              <a:ext uri="{28A0092B-C50C-407E-A947-70E740481C1C}">
-                <a14:useLocalDpi xmlns:a14="http://schemas.microsoft.com/office/drawing/2010/main" val="0"/>
-              </a:ext>
-            </a:extLst>
-          </a:blip>
-          <a:srcRect/>
-          <a:stretch>
-            <a:fillRect/>
-          </a:stretch>
-        </p:blipFill>
-        <p:spPr bwMode="auto">
-          <a:xfrm>
-            <a:off x="508724" y="345882"/>
-            <a:ext cx="2546490" cy="495686"/>
-          </a:xfrm>
-          <a:prstGeom prst="rect">
-            <a:avLst/>
-          </a:prstGeom>
-          <a:noFill/>
-          <a:extLst>
-            <a:ext uri="{909E8E84-426E-40DD-AFC4-6F175D3DCCD1}">
-              <a14:hiddenFill xmlns:a14="http://schemas.microsoft.com/office/drawing/2010/main">
-                <a:solidFill>
-                  <a:srgbClr val="FFFFFF"/>
-                </a:solidFill>
-              </a14:hiddenFill>
-            </a:ext>
-          </a:extLst>
-        </p:spPr>
-      </p:pic>
-    </p:spTree>
-    <p:extLst>
-      <p:ext uri="{BB962C8B-B14F-4D97-AF65-F5344CB8AC3E}">
-        <p14:creationId xmlns:p14="http://schemas.microsoft.com/office/powerpoint/2010/main" val="2433375054"/>
-      </p:ext>
-    </p:extLst>
-  </p:cSld>
-  <p:clrMapOvr>
-    <a:masterClrMapping/>
-  </p:clrMapOvr>
-</p:sld>
-</file>
-
-<file path=ppt/slides/slide32.xml><?xml version="1.0" encoding="utf-8"?>
-<p:sld xmlns:a="http://schemas.openxmlformats.org/drawingml/2006/main" xmlns:r="http://schemas.openxmlformats.org/officeDocument/2006/relationships" xmlns:p="http://schemas.openxmlformats.org/presentationml/2006/main">
-  <p:cSld>
-    <p:spTree>
-      <p:nvGrpSpPr>
-        <p:cNvPr id="1" name=""/>
-        <p:cNvGrpSpPr/>
-        <p:nvPr/>
-      </p:nvGrpSpPr>
-      <p:grpSpPr>
-        <a:xfrm>
-          <a:off x="0" y="0"/>
-          <a:ext cx="0" cy="0"/>
-          <a:chOff x="0" y="0"/>
-          <a:chExt cx="0" cy="0"/>
-        </a:xfrm>
-      </p:grpSpPr>
-      <p:sp>
-        <p:nvSpPr>
-          <p:cNvPr id="4" name="Rectangle: Rounded Corners 3">
-            <a:extLst>
-              <a:ext uri="{FF2B5EF4-FFF2-40B4-BE49-F238E27FC236}">
-                <a16:creationId xmlns:a16="http://schemas.microsoft.com/office/drawing/2014/main" id="{8D6D9DF0-36ED-4863-B918-F6735D13A7C1}"/>
-              </a:ext>
-            </a:extLst>
-          </p:cNvPr>
-          <p:cNvSpPr/>
-          <p:nvPr/>
-        </p:nvSpPr>
-        <p:spPr>
-          <a:xfrm>
-            <a:off x="0" y="0"/>
-            <a:ext cx="3563938" cy="1187450"/>
-          </a:xfrm>
-          <a:prstGeom prst="roundRect">
-            <a:avLst>
-              <a:gd name="adj" fmla="val 50000"/>
-            </a:avLst>
-          </a:prstGeom>
-          <a:gradFill flip="none" rotWithShape="1">
-            <a:gsLst>
-              <a:gs pos="26000">
-                <a:srgbClr val="3F679B"/>
-              </a:gs>
-              <a:gs pos="100000">
-                <a:srgbClr val="2283C3"/>
-              </a:gs>
-            </a:gsLst>
-            <a:lin ang="2700000" scaled="0"/>
-            <a:tileRect/>
-          </a:gradFill>
-          <a:ln>
-            <a:noFill/>
-          </a:ln>
-        </p:spPr>
-        <p:style>
-          <a:lnRef idx="2">
-            <a:schemeClr val="accent1">
-              <a:shade val="50000"/>
-            </a:schemeClr>
-          </a:lnRef>
-          <a:fillRef idx="1">
-            <a:schemeClr val="accent1"/>
-          </a:fillRef>
-          <a:effectRef idx="0">
-            <a:schemeClr val="accent1"/>
-          </a:effectRef>
-          <a:fontRef idx="minor">
-            <a:schemeClr val="lt1"/>
-          </a:fontRef>
-        </p:style>
-        <p:txBody>
-          <a:bodyPr rtlCol="0" anchor="ctr"/>
-          <a:lstStyle/>
-          <a:p>
-            <a:pPr algn="ctr"/>
-            <a:endParaRPr lang="en-US" dirty="0"/>
-          </a:p>
-        </p:txBody>
-      </p:sp>
-      <p:pic>
-        <p:nvPicPr>
-          <p:cNvPr id="43010" name="Picture 2" descr="https://i2.wp.com/mikanime.com/wp-content/uploads/2019/05/mik.png">
-            <a:extLst>
-              <a:ext uri="{FF2B5EF4-FFF2-40B4-BE49-F238E27FC236}">
-                <a16:creationId xmlns:a16="http://schemas.microsoft.com/office/drawing/2014/main" id="{AD3C83DB-2D8F-407D-AEF5-8E5B8D75B528}"/>
-              </a:ext>
-            </a:extLst>
-          </p:cNvPr>
-          <p:cNvPicPr>
-            <a:picLocks noChangeAspect="1" noChangeArrowheads="1"/>
-          </p:cNvPicPr>
-          <p:nvPr/>
-        </p:nvPicPr>
-        <p:blipFill>
-          <a:blip r:embed="rId2">
-            <a:extLst>
-              <a:ext uri="{28A0092B-C50C-407E-A947-70E740481C1C}">
-                <a14:useLocalDpi xmlns:a14="http://schemas.microsoft.com/office/drawing/2010/main" val="0"/>
-              </a:ext>
-            </a:extLst>
-          </a:blip>
-          <a:srcRect/>
-          <a:stretch>
-            <a:fillRect/>
-          </a:stretch>
-        </p:blipFill>
-        <p:spPr bwMode="auto">
-          <a:xfrm>
-            <a:off x="536635" y="331345"/>
-            <a:ext cx="2490667" cy="524759"/>
-          </a:xfrm>
-          <a:prstGeom prst="rect">
-            <a:avLst/>
-          </a:prstGeom>
-          <a:noFill/>
-          <a:extLst>
-            <a:ext uri="{909E8E84-426E-40DD-AFC4-6F175D3DCCD1}">
-              <a14:hiddenFill xmlns:a14="http://schemas.microsoft.com/office/drawing/2010/main">
-                <a:solidFill>
-                  <a:srgbClr val="FFFFFF"/>
-                </a:solidFill>
-              </a14:hiddenFill>
-            </a:ext>
-          </a:extLst>
-        </p:spPr>
-      </p:pic>
-    </p:spTree>
-    <p:extLst>
-      <p:ext uri="{BB962C8B-B14F-4D97-AF65-F5344CB8AC3E}">
-        <p14:creationId xmlns:p14="http://schemas.microsoft.com/office/powerpoint/2010/main" val="3541015006"/>
-      </p:ext>
-    </p:extLst>
-  </p:cSld>
-  <p:clrMapOvr>
-    <a:masterClrMapping/>
-  </p:clrMapOvr>
-</p:sld>
-</file>
-
-<file path=ppt/slides/slide33.xml><?xml version="1.0" encoding="utf-8"?>
-<p:sld xmlns:a="http://schemas.openxmlformats.org/drawingml/2006/main" xmlns:r="http://schemas.openxmlformats.org/officeDocument/2006/relationships" xmlns:p="http://schemas.openxmlformats.org/presentationml/2006/main">
-  <p:cSld>
-    <p:spTree>
-      <p:nvGrpSpPr>
-        <p:cNvPr id="1" name=""/>
-        <p:cNvGrpSpPr/>
-        <p:nvPr/>
-      </p:nvGrpSpPr>
-      <p:grpSpPr>
-        <a:xfrm>
-          <a:off x="0" y="0"/>
-          <a:ext cx="0" cy="0"/>
-          <a:chOff x="0" y="0"/>
-          <a:chExt cx="0" cy="0"/>
-        </a:xfrm>
-      </p:grpSpPr>
-      <p:sp>
-        <p:nvSpPr>
-          <p:cNvPr id="4" name="Rectangle: Rounded Corners 3">
-            <a:extLst>
-              <a:ext uri="{FF2B5EF4-FFF2-40B4-BE49-F238E27FC236}">
-                <a16:creationId xmlns:a16="http://schemas.microsoft.com/office/drawing/2014/main" id="{8D6D9DF0-36ED-4863-B918-F6735D13A7C1}"/>
-              </a:ext>
-            </a:extLst>
-          </p:cNvPr>
-          <p:cNvSpPr/>
-          <p:nvPr/>
-        </p:nvSpPr>
-        <p:spPr>
-          <a:xfrm>
-            <a:off x="0" y="0"/>
-            <a:ext cx="3563938" cy="1187450"/>
-          </a:xfrm>
-          <a:prstGeom prst="roundRect">
-            <a:avLst>
-              <a:gd name="adj" fmla="val 50000"/>
-            </a:avLst>
-          </a:prstGeom>
-          <a:gradFill flip="none" rotWithShape="1">
-            <a:gsLst>
-              <a:gs pos="26000">
-                <a:srgbClr val="1100FD"/>
-              </a:gs>
-              <a:gs pos="100000">
-                <a:srgbClr val="6FA9EA"/>
-              </a:gs>
-            </a:gsLst>
-            <a:lin ang="2700000" scaled="0"/>
-            <a:tileRect/>
-          </a:gradFill>
-          <a:ln>
-            <a:noFill/>
-          </a:ln>
-        </p:spPr>
-        <p:style>
-          <a:lnRef idx="2">
-            <a:schemeClr val="accent1">
-              <a:shade val="50000"/>
-            </a:schemeClr>
-          </a:lnRef>
-          <a:fillRef idx="1">
-            <a:schemeClr val="accent1"/>
-          </a:fillRef>
-          <a:effectRef idx="0">
-            <a:schemeClr val="accent1"/>
-          </a:effectRef>
-          <a:fontRef idx="minor">
-            <a:schemeClr val="lt1"/>
-          </a:fontRef>
-        </p:style>
-        <p:txBody>
-          <a:bodyPr rtlCol="0" anchor="ctr"/>
-          <a:lstStyle/>
-          <a:p>
-            <a:pPr algn="ctr"/>
-            <a:endParaRPr lang="en-US" dirty="0"/>
-          </a:p>
-        </p:txBody>
-      </p:sp>
-      <p:pic>
-        <p:nvPicPr>
-          <p:cNvPr id="2" name="Picture 1">
-            <a:extLst>
-              <a:ext uri="{FF2B5EF4-FFF2-40B4-BE49-F238E27FC236}">
-                <a16:creationId xmlns:a16="http://schemas.microsoft.com/office/drawing/2014/main" id="{94D54169-4E96-43AB-B02D-0AAF785BDDAA}"/>
-              </a:ext>
-            </a:extLst>
-          </p:cNvPr>
-          <p:cNvPicPr>
-            <a:picLocks noChangeAspect="1"/>
-          </p:cNvPicPr>
-          <p:nvPr/>
-        </p:nvPicPr>
-        <p:blipFill>
-          <a:blip r:embed="rId2">
-            <a:extLst>
-              <a:ext uri="{BEBA8EAE-BF5A-486C-A8C5-ECC9F3942E4B}">
-                <a14:imgProps xmlns:a14="http://schemas.microsoft.com/office/drawing/2010/main">
-                  <a14:imgLayer r:embed="rId3">
-                    <a14:imgEffect>
-                      <a14:brightnessContrast bright="100000"/>
-                    </a14:imgEffect>
-                  </a14:imgLayer>
-                </a14:imgProps>
-              </a:ext>
-            </a:extLst>
-          </a:blip>
-          <a:stretch>
-            <a:fillRect/>
-          </a:stretch>
-        </p:blipFill>
-        <p:spPr>
-          <a:xfrm>
-            <a:off x="417989" y="310601"/>
-            <a:ext cx="2727960" cy="566248"/>
-          </a:xfrm>
-          <a:prstGeom prst="rect">
-            <a:avLst/>
-          </a:prstGeom>
-        </p:spPr>
-      </p:pic>
-    </p:spTree>
-    <p:extLst>
-      <p:ext uri="{BB962C8B-B14F-4D97-AF65-F5344CB8AC3E}">
-        <p14:creationId xmlns:p14="http://schemas.microsoft.com/office/powerpoint/2010/main" val="2758426006"/>
-      </p:ext>
-    </p:extLst>
-  </p:cSld>
-  <p:clrMapOvr>
-    <a:masterClrMapping/>
-  </p:clrMapOvr>
-</p:sld>
-</file>
-
-<file path=ppt/slides/slide34.xml><?xml version="1.0" encoding="utf-8"?>
-<p:sld xmlns:a="http://schemas.openxmlformats.org/drawingml/2006/main" xmlns:r="http://schemas.openxmlformats.org/officeDocument/2006/relationships" xmlns:p="http://schemas.openxmlformats.org/presentationml/2006/main">
-  <p:cSld>
-    <p:spTree>
-      <p:nvGrpSpPr>
-        <p:cNvPr id="1" name=""/>
-        <p:cNvGrpSpPr/>
-        <p:nvPr/>
-      </p:nvGrpSpPr>
-      <p:grpSpPr>
-        <a:xfrm>
-          <a:off x="0" y="0"/>
-          <a:ext cx="0" cy="0"/>
-          <a:chOff x="0" y="0"/>
-          <a:chExt cx="0" cy="0"/>
-        </a:xfrm>
-      </p:grpSpPr>
-      <p:sp>
-        <p:nvSpPr>
-          <p:cNvPr id="4" name="Rectangle: Rounded Corners 3">
-            <a:extLst>
-              <a:ext uri="{FF2B5EF4-FFF2-40B4-BE49-F238E27FC236}">
-                <a16:creationId xmlns:a16="http://schemas.microsoft.com/office/drawing/2014/main" id="{8D6D9DF0-36ED-4863-B918-F6735D13A7C1}"/>
-              </a:ext>
-            </a:extLst>
-          </p:cNvPr>
-          <p:cNvSpPr/>
-          <p:nvPr/>
-        </p:nvSpPr>
-        <p:spPr>
-          <a:xfrm>
-            <a:off x="0" y="0"/>
-            <a:ext cx="3563938" cy="1187450"/>
-          </a:xfrm>
-          <a:prstGeom prst="roundRect">
-            <a:avLst>
-              <a:gd name="adj" fmla="val 50000"/>
-            </a:avLst>
-          </a:prstGeom>
-          <a:gradFill flip="none" rotWithShape="1">
-            <a:gsLst>
-              <a:gs pos="26000">
-                <a:srgbClr val="4B30B8"/>
-              </a:gs>
-              <a:gs pos="100000">
-                <a:srgbClr val="5B3EC7"/>
-              </a:gs>
-            </a:gsLst>
-            <a:lin ang="2700000" scaled="0"/>
-            <a:tileRect/>
-          </a:gradFill>
-          <a:ln>
-            <a:noFill/>
-          </a:ln>
-        </p:spPr>
-        <p:style>
-          <a:lnRef idx="2">
-            <a:schemeClr val="accent1">
-              <a:shade val="50000"/>
-            </a:schemeClr>
-          </a:lnRef>
-          <a:fillRef idx="1">
-            <a:schemeClr val="accent1"/>
-          </a:fillRef>
-          <a:effectRef idx="0">
-            <a:schemeClr val="accent1"/>
-          </a:effectRef>
-          <a:fontRef idx="minor">
-            <a:schemeClr val="lt1"/>
-          </a:fontRef>
-        </p:style>
-        <p:txBody>
-          <a:bodyPr rtlCol="0" anchor="ctr"/>
-          <a:lstStyle/>
-          <a:p>
-            <a:pPr algn="ctr"/>
-            <a:endParaRPr lang="en-US" dirty="0"/>
-          </a:p>
-        </p:txBody>
-      </p:sp>
-      <p:pic>
-        <p:nvPicPr>
-          <p:cNvPr id="32770" name="Picture 2" descr="https://www.perpusindo.info/apple-touch-icon.png">
-            <a:extLst>
-              <a:ext uri="{FF2B5EF4-FFF2-40B4-BE49-F238E27FC236}">
-                <a16:creationId xmlns:a16="http://schemas.microsoft.com/office/drawing/2014/main" id="{18026D4D-E440-42FC-94C0-13440E2CA206}"/>
-              </a:ext>
-            </a:extLst>
-          </p:cNvPr>
-          <p:cNvPicPr>
-            <a:picLocks noChangeAspect="1" noChangeArrowheads="1"/>
-          </p:cNvPicPr>
-          <p:nvPr/>
-        </p:nvPicPr>
-        <p:blipFill>
-          <a:blip r:embed="rId2">
-            <a:extLst>
-              <a:ext uri="{BEBA8EAE-BF5A-486C-A8C5-ECC9F3942E4B}">
-                <a14:imgProps xmlns:a14="http://schemas.microsoft.com/office/drawing/2010/main">
-                  <a14:imgLayer r:embed="rId3">
-                    <a14:imgEffect>
-                      <a14:backgroundRemoval t="10000" b="90000" l="10000" r="90000">
-                        <a14:foregroundMark x1="34444" y1="39444" x2="34444" y2="39444"/>
-                        <a14:foregroundMark x1="69444" y1="39444" x2="69444" y2="39444"/>
-                        <a14:foregroundMark x1="62222" y1="50000" x2="62222" y2="50000"/>
-                        <a14:foregroundMark x1="72222" y1="15556" x2="72222" y2="15556"/>
-                      </a14:backgroundRemoval>
-                    </a14:imgEffect>
-                  </a14:imgLayer>
-                </a14:imgProps>
-              </a:ext>
-              <a:ext uri="{28A0092B-C50C-407E-A947-70E740481C1C}">
-                <a14:useLocalDpi xmlns:a14="http://schemas.microsoft.com/office/drawing/2010/main" val="0"/>
-              </a:ext>
-            </a:extLst>
-          </a:blip>
-          <a:srcRect/>
-          <a:stretch>
-            <a:fillRect/>
-          </a:stretch>
-        </p:blipFill>
-        <p:spPr bwMode="auto">
-          <a:xfrm>
-            <a:off x="1188244" y="0"/>
-            <a:ext cx="1187450" cy="1187450"/>
-          </a:xfrm>
-          <a:prstGeom prst="rect">
-            <a:avLst/>
-          </a:prstGeom>
-          <a:noFill/>
-          <a:extLst>
-            <a:ext uri="{909E8E84-426E-40DD-AFC4-6F175D3DCCD1}">
-              <a14:hiddenFill xmlns:a14="http://schemas.microsoft.com/office/drawing/2010/main">
-                <a:solidFill>
-                  <a:srgbClr val="FFFFFF"/>
-                </a:solidFill>
-              </a14:hiddenFill>
-            </a:ext>
-          </a:extLst>
-        </p:spPr>
-      </p:pic>
-    </p:spTree>
-    <p:extLst>
-      <p:ext uri="{BB962C8B-B14F-4D97-AF65-F5344CB8AC3E}">
-        <p14:creationId xmlns:p14="http://schemas.microsoft.com/office/powerpoint/2010/main" val="3599097175"/>
-      </p:ext>
-    </p:extLst>
-  </p:cSld>
-  <p:clrMapOvr>
-    <a:masterClrMapping/>
-  </p:clrMapOvr>
-</p:sld>
-</file>
-
-<file path=ppt/slides/slide35.xml><?xml version="1.0" encoding="utf-8"?>
-<p:sld xmlns:a="http://schemas.openxmlformats.org/drawingml/2006/main" xmlns:r="http://schemas.openxmlformats.org/officeDocument/2006/relationships" xmlns:p="http://schemas.openxmlformats.org/presentationml/2006/main">
-  <p:cSld>
-    <p:spTree>
-      <p:nvGrpSpPr>
-        <p:cNvPr id="1" name=""/>
-        <p:cNvGrpSpPr/>
-        <p:nvPr/>
-      </p:nvGrpSpPr>
-      <p:grpSpPr>
-        <a:xfrm>
-          <a:off x="0" y="0"/>
-          <a:ext cx="0" cy="0"/>
-          <a:chOff x="0" y="0"/>
-          <a:chExt cx="0" cy="0"/>
-        </a:xfrm>
-      </p:grpSpPr>
-      <p:sp>
-        <p:nvSpPr>
-          <p:cNvPr id="4" name="Rectangle: Rounded Corners 3">
-            <a:extLst>
-              <a:ext uri="{FF2B5EF4-FFF2-40B4-BE49-F238E27FC236}">
-                <a16:creationId xmlns:a16="http://schemas.microsoft.com/office/drawing/2014/main" id="{8D6D9DF0-36ED-4863-B918-F6735D13A7C1}"/>
-              </a:ext>
-            </a:extLst>
-          </p:cNvPr>
-          <p:cNvSpPr/>
-          <p:nvPr/>
-        </p:nvSpPr>
-        <p:spPr>
-          <a:xfrm>
-            <a:off x="0" y="0"/>
-            <a:ext cx="3563938" cy="1187450"/>
-          </a:xfrm>
-          <a:prstGeom prst="roundRect">
-            <a:avLst>
-              <a:gd name="adj" fmla="val 50000"/>
-            </a:avLst>
-          </a:prstGeom>
-          <a:gradFill flip="none" rotWithShape="1">
-            <a:gsLst>
-              <a:gs pos="26000">
-                <a:schemeClr val="tx2">
-                  <a:lumMod val="75000"/>
-                </a:schemeClr>
-              </a:gs>
-              <a:gs pos="100000">
-                <a:schemeClr val="tx2">
-                  <a:lumMod val="60000"/>
-                  <a:lumOff val="40000"/>
-                </a:schemeClr>
-              </a:gs>
-            </a:gsLst>
-            <a:lin ang="2700000" scaled="0"/>
-            <a:tileRect/>
-          </a:gradFill>
-          <a:ln>
-            <a:noFill/>
-          </a:ln>
-        </p:spPr>
-        <p:style>
-          <a:lnRef idx="2">
-            <a:schemeClr val="accent1">
-              <a:shade val="50000"/>
-            </a:schemeClr>
-          </a:lnRef>
-          <a:fillRef idx="1">
-            <a:schemeClr val="accent1"/>
-          </a:fillRef>
-          <a:effectRef idx="0">
-            <a:schemeClr val="accent1"/>
-          </a:effectRef>
-          <a:fontRef idx="minor">
-            <a:schemeClr val="lt1"/>
-          </a:fontRef>
-        </p:style>
-        <p:txBody>
-          <a:bodyPr rtlCol="0" anchor="ctr"/>
-          <a:lstStyle/>
-          <a:p>
-            <a:pPr algn="ctr"/>
-            <a:endParaRPr lang="en-US" dirty="0"/>
-          </a:p>
-        </p:txBody>
-      </p:sp>
-      <p:sp>
-        <p:nvSpPr>
-          <p:cNvPr id="2" name="TextBox 1">
-            <a:extLst>
-              <a:ext uri="{FF2B5EF4-FFF2-40B4-BE49-F238E27FC236}">
-                <a16:creationId xmlns:a16="http://schemas.microsoft.com/office/drawing/2014/main" id="{6EBFA446-E191-400D-A74B-B3AABC51ABBE}"/>
-              </a:ext>
-            </a:extLst>
-          </p:cNvPr>
-          <p:cNvSpPr txBox="1"/>
-          <p:nvPr/>
-        </p:nvSpPr>
-        <p:spPr>
-          <a:xfrm>
-            <a:off x="853678" y="270559"/>
-            <a:ext cx="1856582" cy="646331"/>
-          </a:xfrm>
-          <a:prstGeom prst="rect">
-            <a:avLst/>
-          </a:prstGeom>
-          <a:noFill/>
-        </p:spPr>
-        <p:txBody>
-          <a:bodyPr wrap="square" rtlCol="0">
-            <a:spAutoFit/>
-          </a:bodyPr>
-          <a:lstStyle/>
-          <a:p>
-            <a:pPr algn="ctr"/>
-            <a:r>
-              <a:rPr lang="id-ID" sz="3600" dirty="0">
-                <a:solidFill>
-                  <a:schemeClr val="bg1"/>
-                </a:solidFill>
-                <a:latin typeface="Arial" panose="020B0604020202020204" pitchFamily="34" charset="0"/>
-                <a:cs typeface="Arial" panose="020B0604020202020204" pitchFamily="34" charset="0"/>
-              </a:rPr>
-              <a:t>Nyaa.si</a:t>
-            </a:r>
-            <a:endParaRPr lang="en-US" sz="3600" dirty="0">
-              <a:solidFill>
-                <a:schemeClr val="bg1"/>
-              </a:solidFill>
-              <a:latin typeface="Arial" panose="020B0604020202020204" pitchFamily="34" charset="0"/>
-              <a:cs typeface="Arial" panose="020B0604020202020204" pitchFamily="34" charset="0"/>
-            </a:endParaRPr>
-          </a:p>
-        </p:txBody>
-      </p:sp>
-    </p:spTree>
-    <p:extLst>
-      <p:ext uri="{BB962C8B-B14F-4D97-AF65-F5344CB8AC3E}">
-        <p14:creationId xmlns:p14="http://schemas.microsoft.com/office/powerpoint/2010/main" val="3335546388"/>
-      </p:ext>
-    </p:extLst>
-  </p:cSld>
-  <p:clrMapOvr>
-    <a:masterClrMapping/>
-  </p:clrMapOvr>
-</p:sld>
-</file>
-
 <file path=ppt/slides/slide4.xml><?xml version="1.0" encoding="utf-8"?>
 <p:sld xmlns:a="http://schemas.openxmlformats.org/drawingml/2006/main" xmlns:r="http://schemas.openxmlformats.org/officeDocument/2006/relationships" xmlns:p="http://schemas.openxmlformats.org/presentationml/2006/main">
   <p:cSld>
@@ -9299,6 +10440,1172 @@
     <p:extLst>
       <p:ext uri="{BB962C8B-B14F-4D97-AF65-F5344CB8AC3E}">
         <p14:creationId xmlns:p14="http://schemas.microsoft.com/office/powerpoint/2010/main" val="280506541"/>
+      </p:ext>
+    </p:extLst>
+  </p:cSld>
+  <p:clrMapOvr>
+    <a:masterClrMapping/>
+  </p:clrMapOvr>
+</p:sld>
+</file>
+
+<file path=ppt/slides/slide40.xml><?xml version="1.0" encoding="utf-8"?>
+<p:sld xmlns:a="http://schemas.openxmlformats.org/drawingml/2006/main" xmlns:r="http://schemas.openxmlformats.org/officeDocument/2006/relationships" xmlns:p="http://schemas.openxmlformats.org/presentationml/2006/main">
+  <p:cSld>
+    <p:spTree>
+      <p:nvGrpSpPr>
+        <p:cNvPr id="1" name=""/>
+        <p:cNvGrpSpPr/>
+        <p:nvPr/>
+      </p:nvGrpSpPr>
+      <p:grpSpPr>
+        <a:xfrm>
+          <a:off x="0" y="0"/>
+          <a:ext cx="0" cy="0"/>
+          <a:chOff x="0" y="0"/>
+          <a:chExt cx="0" cy="0"/>
+        </a:xfrm>
+      </p:grpSpPr>
+      <p:sp>
+        <p:nvSpPr>
+          <p:cNvPr id="4" name="Rectangle: Rounded Corners 3">
+            <a:extLst>
+              <a:ext uri="{FF2B5EF4-FFF2-40B4-BE49-F238E27FC236}">
+                <a16:creationId xmlns:a16="http://schemas.microsoft.com/office/drawing/2014/main" id="{8D6D9DF0-36ED-4863-B918-F6735D13A7C1}"/>
+              </a:ext>
+            </a:extLst>
+          </p:cNvPr>
+          <p:cNvSpPr/>
+          <p:nvPr/>
+        </p:nvSpPr>
+        <p:spPr>
+          <a:xfrm>
+            <a:off x="0" y="0"/>
+            <a:ext cx="3563938" cy="1187450"/>
+          </a:xfrm>
+          <a:prstGeom prst="roundRect">
+            <a:avLst>
+              <a:gd name="adj" fmla="val 50000"/>
+            </a:avLst>
+          </a:prstGeom>
+          <a:gradFill flip="none" rotWithShape="1">
+            <a:gsLst>
+              <a:gs pos="26000">
+                <a:schemeClr val="tx2">
+                  <a:lumMod val="50000"/>
+                </a:schemeClr>
+              </a:gs>
+              <a:gs pos="100000">
+                <a:schemeClr val="accent1">
+                  <a:lumMod val="75000"/>
+                </a:schemeClr>
+              </a:gs>
+            </a:gsLst>
+            <a:lin ang="2700000" scaled="0"/>
+            <a:tileRect/>
+          </a:gradFill>
+          <a:ln>
+            <a:noFill/>
+          </a:ln>
+        </p:spPr>
+        <p:style>
+          <a:lnRef idx="2">
+            <a:schemeClr val="accent1">
+              <a:shade val="50000"/>
+            </a:schemeClr>
+          </a:lnRef>
+          <a:fillRef idx="1">
+            <a:schemeClr val="accent1"/>
+          </a:fillRef>
+          <a:effectRef idx="0">
+            <a:schemeClr val="accent1"/>
+          </a:effectRef>
+          <a:fontRef idx="minor">
+            <a:schemeClr val="lt1"/>
+          </a:fontRef>
+        </p:style>
+        <p:txBody>
+          <a:bodyPr rtlCol="0" anchor="ctr"/>
+          <a:lstStyle/>
+          <a:p>
+            <a:pPr algn="ctr"/>
+            <a:endParaRPr lang="en-US" dirty="0"/>
+          </a:p>
+        </p:txBody>
+      </p:sp>
+      <p:sp>
+        <p:nvSpPr>
+          <p:cNvPr id="2" name="TextBox 1">
+            <a:extLst>
+              <a:ext uri="{FF2B5EF4-FFF2-40B4-BE49-F238E27FC236}">
+                <a16:creationId xmlns:a16="http://schemas.microsoft.com/office/drawing/2014/main" id="{6EBFA446-E191-400D-A74B-B3AABC51ABBE}"/>
+              </a:ext>
+            </a:extLst>
+          </p:cNvPr>
+          <p:cNvSpPr txBox="1"/>
+          <p:nvPr/>
+        </p:nvSpPr>
+        <p:spPr>
+          <a:xfrm>
+            <a:off x="378519" y="270559"/>
+            <a:ext cx="2806899" cy="646331"/>
+          </a:xfrm>
+          <a:prstGeom prst="rect">
+            <a:avLst/>
+          </a:prstGeom>
+          <a:noFill/>
+        </p:spPr>
+        <p:txBody>
+          <a:bodyPr wrap="square" rtlCol="0">
+            <a:spAutoFit/>
+          </a:bodyPr>
+          <a:lstStyle/>
+          <a:p>
+            <a:pPr algn="ctr"/>
+            <a:r>
+              <a:rPr lang="id-ID" sz="3600" dirty="0">
+                <a:solidFill>
+                  <a:schemeClr val="bg1"/>
+                </a:solidFill>
+                <a:latin typeface="Times New Roman" panose="02020603050405020304" pitchFamily="18" charset="0"/>
+                <a:cs typeface="Times New Roman" panose="02020603050405020304" pitchFamily="18" charset="0"/>
+              </a:rPr>
+              <a:t>LOLIBATCH</a:t>
+            </a:r>
+            <a:endParaRPr lang="en-US" sz="3600" dirty="0">
+              <a:solidFill>
+                <a:schemeClr val="bg1"/>
+              </a:solidFill>
+              <a:latin typeface="Times New Roman" panose="02020603050405020304" pitchFamily="18" charset="0"/>
+              <a:cs typeface="Times New Roman" panose="02020603050405020304" pitchFamily="18" charset="0"/>
+            </a:endParaRPr>
+          </a:p>
+        </p:txBody>
+      </p:sp>
+    </p:spTree>
+    <p:extLst>
+      <p:ext uri="{BB962C8B-B14F-4D97-AF65-F5344CB8AC3E}">
+        <p14:creationId xmlns:p14="http://schemas.microsoft.com/office/powerpoint/2010/main" val="1757396926"/>
+      </p:ext>
+    </p:extLst>
+  </p:cSld>
+  <p:clrMapOvr>
+    <a:masterClrMapping/>
+  </p:clrMapOvr>
+</p:sld>
+</file>
+
+<file path=ppt/slides/slide41.xml><?xml version="1.0" encoding="utf-8"?>
+<p:sld xmlns:a="http://schemas.openxmlformats.org/drawingml/2006/main" xmlns:r="http://schemas.openxmlformats.org/officeDocument/2006/relationships" xmlns:p="http://schemas.openxmlformats.org/presentationml/2006/main">
+  <p:cSld>
+    <p:spTree>
+      <p:nvGrpSpPr>
+        <p:cNvPr id="1" name=""/>
+        <p:cNvGrpSpPr/>
+        <p:nvPr/>
+      </p:nvGrpSpPr>
+      <p:grpSpPr>
+        <a:xfrm>
+          <a:off x="0" y="0"/>
+          <a:ext cx="0" cy="0"/>
+          <a:chOff x="0" y="0"/>
+          <a:chExt cx="0" cy="0"/>
+        </a:xfrm>
+      </p:grpSpPr>
+      <p:sp>
+        <p:nvSpPr>
+          <p:cNvPr id="4" name="Rectangle: Rounded Corners 3">
+            <a:extLst>
+              <a:ext uri="{FF2B5EF4-FFF2-40B4-BE49-F238E27FC236}">
+                <a16:creationId xmlns:a16="http://schemas.microsoft.com/office/drawing/2014/main" id="{8D6D9DF0-36ED-4863-B918-F6735D13A7C1}"/>
+              </a:ext>
+            </a:extLst>
+          </p:cNvPr>
+          <p:cNvSpPr/>
+          <p:nvPr/>
+        </p:nvSpPr>
+        <p:spPr>
+          <a:xfrm>
+            <a:off x="0" y="0"/>
+            <a:ext cx="3563938" cy="1187450"/>
+          </a:xfrm>
+          <a:prstGeom prst="roundRect">
+            <a:avLst>
+              <a:gd name="adj" fmla="val 50000"/>
+            </a:avLst>
+          </a:prstGeom>
+          <a:gradFill flip="none" rotWithShape="1">
+            <a:gsLst>
+              <a:gs pos="26000">
+                <a:srgbClr val="17201E"/>
+              </a:gs>
+              <a:gs pos="100000">
+                <a:srgbClr val="1C2825"/>
+              </a:gs>
+            </a:gsLst>
+            <a:lin ang="2700000" scaled="0"/>
+            <a:tileRect/>
+          </a:gradFill>
+          <a:ln>
+            <a:noFill/>
+          </a:ln>
+        </p:spPr>
+        <p:style>
+          <a:lnRef idx="2">
+            <a:schemeClr val="accent1">
+              <a:shade val="50000"/>
+            </a:schemeClr>
+          </a:lnRef>
+          <a:fillRef idx="1">
+            <a:schemeClr val="accent1"/>
+          </a:fillRef>
+          <a:effectRef idx="0">
+            <a:schemeClr val="accent1"/>
+          </a:effectRef>
+          <a:fontRef idx="minor">
+            <a:schemeClr val="lt1"/>
+          </a:fontRef>
+        </p:style>
+        <p:txBody>
+          <a:bodyPr rtlCol="0" anchor="ctr"/>
+          <a:lstStyle/>
+          <a:p>
+            <a:pPr algn="ctr"/>
+            <a:endParaRPr lang="en-US" dirty="0"/>
+          </a:p>
+        </p:txBody>
+      </p:sp>
+      <p:pic>
+        <p:nvPicPr>
+          <p:cNvPr id="3" name="Picture 2">
+            <a:extLst>
+              <a:ext uri="{FF2B5EF4-FFF2-40B4-BE49-F238E27FC236}">
+                <a16:creationId xmlns:a16="http://schemas.microsoft.com/office/drawing/2014/main" id="{02D2A3E8-B154-4758-AA9A-6B92785C0760}"/>
+              </a:ext>
+            </a:extLst>
+          </p:cNvPr>
+          <p:cNvPicPr>
+            <a:picLocks noChangeAspect="1"/>
+          </p:cNvPicPr>
+          <p:nvPr/>
+        </p:nvPicPr>
+        <p:blipFill rotWithShape="1">
+          <a:blip r:embed="rId2">
+            <a:extLst>
+              <a:ext uri="{BEBA8EAE-BF5A-486C-A8C5-ECC9F3942E4B}">
+                <a14:imgProps xmlns:a14="http://schemas.microsoft.com/office/drawing/2010/main">
+                  <a14:imgLayer r:embed="rId3">
+                    <a14:imgEffect>
+                      <a14:backgroundRemoval t="22526" b="34115" l="18082" r="50586">
+                        <a14:foregroundMark x1="18228" y1="27604" x2="18228" y2="27604"/>
+                        <a14:foregroundMark x1="26135" y1="25260" x2="26135" y2="25260"/>
+                        <a14:foregroundMark x1="29063" y1="26563" x2="29063" y2="26563"/>
+                        <a14:foregroundMark x1="35066" y1="27865" x2="35066" y2="27865"/>
+                        <a14:foregroundMark x1="37921" y1="22786" x2="37921" y2="22786"/>
+                        <a14:foregroundMark x1="46120" y1="27083" x2="46120" y2="27083"/>
+                        <a14:foregroundMark x1="49122" y1="28906" x2="49122" y2="28906"/>
+                        <a14:foregroundMark x1="50586" y1="24219" x2="50586" y2="24219"/>
+                      </a14:backgroundRemoval>
+                    </a14:imgEffect>
+                  </a14:imgLayer>
+                </a14:imgProps>
+              </a:ext>
+            </a:extLst>
+          </a:blip>
+          <a:srcRect l="17304" t="21936" r="48377" b="64425"/>
+          <a:stretch/>
+        </p:blipFill>
+        <p:spPr>
+          <a:xfrm>
+            <a:off x="556373" y="319881"/>
+            <a:ext cx="2451191" cy="547688"/>
+          </a:xfrm>
+          <a:prstGeom prst="rect">
+            <a:avLst/>
+          </a:prstGeom>
+        </p:spPr>
+      </p:pic>
+    </p:spTree>
+    <p:extLst>
+      <p:ext uri="{BB962C8B-B14F-4D97-AF65-F5344CB8AC3E}">
+        <p14:creationId xmlns:p14="http://schemas.microsoft.com/office/powerpoint/2010/main" val="2644471930"/>
+      </p:ext>
+    </p:extLst>
+  </p:cSld>
+  <p:clrMapOvr>
+    <a:masterClrMapping/>
+  </p:clrMapOvr>
+</p:sld>
+</file>
+
+<file path=ppt/slides/slide42.xml><?xml version="1.0" encoding="utf-8"?>
+<p:sld xmlns:a="http://schemas.openxmlformats.org/drawingml/2006/main" xmlns:r="http://schemas.openxmlformats.org/officeDocument/2006/relationships" xmlns:p="http://schemas.openxmlformats.org/presentationml/2006/main">
+  <p:cSld>
+    <p:spTree>
+      <p:nvGrpSpPr>
+        <p:cNvPr id="1" name=""/>
+        <p:cNvGrpSpPr/>
+        <p:nvPr/>
+      </p:nvGrpSpPr>
+      <p:grpSpPr>
+        <a:xfrm>
+          <a:off x="0" y="0"/>
+          <a:ext cx="0" cy="0"/>
+          <a:chOff x="0" y="0"/>
+          <a:chExt cx="0" cy="0"/>
+        </a:xfrm>
+      </p:grpSpPr>
+      <p:sp>
+        <p:nvSpPr>
+          <p:cNvPr id="4" name="Rectangle: Rounded Corners 3">
+            <a:extLst>
+              <a:ext uri="{FF2B5EF4-FFF2-40B4-BE49-F238E27FC236}">
+                <a16:creationId xmlns:a16="http://schemas.microsoft.com/office/drawing/2014/main" id="{8D6D9DF0-36ED-4863-B918-F6735D13A7C1}"/>
+              </a:ext>
+            </a:extLst>
+          </p:cNvPr>
+          <p:cNvSpPr/>
+          <p:nvPr/>
+        </p:nvSpPr>
+        <p:spPr>
+          <a:xfrm>
+            <a:off x="0" y="0"/>
+            <a:ext cx="3563938" cy="1187450"/>
+          </a:xfrm>
+          <a:prstGeom prst="roundRect">
+            <a:avLst>
+              <a:gd name="adj" fmla="val 50000"/>
+            </a:avLst>
+          </a:prstGeom>
+          <a:gradFill flip="none" rotWithShape="1">
+            <a:gsLst>
+              <a:gs pos="26000">
+                <a:srgbClr val="262B36"/>
+              </a:gs>
+              <a:gs pos="100000">
+                <a:srgbClr val="6FA9EA"/>
+              </a:gs>
+            </a:gsLst>
+            <a:lin ang="2700000" scaled="0"/>
+            <a:tileRect/>
+          </a:gradFill>
+          <a:ln>
+            <a:noFill/>
+          </a:ln>
+        </p:spPr>
+        <p:style>
+          <a:lnRef idx="2">
+            <a:schemeClr val="accent1">
+              <a:shade val="50000"/>
+            </a:schemeClr>
+          </a:lnRef>
+          <a:fillRef idx="1">
+            <a:schemeClr val="accent1"/>
+          </a:fillRef>
+          <a:effectRef idx="0">
+            <a:schemeClr val="accent1"/>
+          </a:effectRef>
+          <a:fontRef idx="minor">
+            <a:schemeClr val="lt1"/>
+          </a:fontRef>
+        </p:style>
+        <p:txBody>
+          <a:bodyPr rtlCol="0" anchor="ctr"/>
+          <a:lstStyle/>
+          <a:p>
+            <a:pPr algn="ctr"/>
+            <a:endParaRPr lang="en-US" dirty="0"/>
+          </a:p>
+        </p:txBody>
+      </p:sp>
+      <p:pic>
+        <p:nvPicPr>
+          <p:cNvPr id="37890" name="Picture 2" descr="https://neonime.net/wp-content/themes/grifus/images/site-logo.png">
+            <a:extLst>
+              <a:ext uri="{FF2B5EF4-FFF2-40B4-BE49-F238E27FC236}">
+                <a16:creationId xmlns:a16="http://schemas.microsoft.com/office/drawing/2014/main" id="{E41ABB8D-5888-4F36-89D6-A23CD8EF1AA5}"/>
+              </a:ext>
+            </a:extLst>
+          </p:cNvPr>
+          <p:cNvPicPr>
+            <a:picLocks noChangeAspect="1" noChangeArrowheads="1"/>
+          </p:cNvPicPr>
+          <p:nvPr/>
+        </p:nvPicPr>
+        <p:blipFill>
+          <a:blip r:embed="rId2">
+            <a:extLst>
+              <a:ext uri="{BEBA8EAE-BF5A-486C-A8C5-ECC9F3942E4B}">
+                <a14:imgProps xmlns:a14="http://schemas.microsoft.com/office/drawing/2010/main">
+                  <a14:imgLayer r:embed="rId3">
+                    <a14:imgEffect>
+                      <a14:brightnessContrast bright="100000"/>
+                    </a14:imgEffect>
+                  </a14:imgLayer>
+                </a14:imgProps>
+              </a:ext>
+              <a:ext uri="{28A0092B-C50C-407E-A947-70E740481C1C}">
+                <a14:useLocalDpi xmlns:a14="http://schemas.microsoft.com/office/drawing/2010/main" val="0"/>
+              </a:ext>
+            </a:extLst>
+          </a:blip>
+          <a:srcRect/>
+          <a:stretch>
+            <a:fillRect/>
+          </a:stretch>
+        </p:blipFill>
+        <p:spPr bwMode="auto">
+          <a:xfrm>
+            <a:off x="508724" y="345882"/>
+            <a:ext cx="2546490" cy="495686"/>
+          </a:xfrm>
+          <a:prstGeom prst="rect">
+            <a:avLst/>
+          </a:prstGeom>
+          <a:noFill/>
+          <a:extLst>
+            <a:ext uri="{909E8E84-426E-40DD-AFC4-6F175D3DCCD1}">
+              <a14:hiddenFill xmlns:a14="http://schemas.microsoft.com/office/drawing/2010/main">
+                <a:solidFill>
+                  <a:srgbClr val="FFFFFF"/>
+                </a:solidFill>
+              </a14:hiddenFill>
+            </a:ext>
+          </a:extLst>
+        </p:spPr>
+      </p:pic>
+    </p:spTree>
+    <p:extLst>
+      <p:ext uri="{BB962C8B-B14F-4D97-AF65-F5344CB8AC3E}">
+        <p14:creationId xmlns:p14="http://schemas.microsoft.com/office/powerpoint/2010/main" val="2433375054"/>
+      </p:ext>
+    </p:extLst>
+  </p:cSld>
+  <p:clrMapOvr>
+    <a:masterClrMapping/>
+  </p:clrMapOvr>
+</p:sld>
+</file>
+
+<file path=ppt/slides/slide43.xml><?xml version="1.0" encoding="utf-8"?>
+<p:sld xmlns:a="http://schemas.openxmlformats.org/drawingml/2006/main" xmlns:r="http://schemas.openxmlformats.org/officeDocument/2006/relationships" xmlns:p="http://schemas.openxmlformats.org/presentationml/2006/main">
+  <p:cSld>
+    <p:spTree>
+      <p:nvGrpSpPr>
+        <p:cNvPr id="1" name=""/>
+        <p:cNvGrpSpPr/>
+        <p:nvPr/>
+      </p:nvGrpSpPr>
+      <p:grpSpPr>
+        <a:xfrm>
+          <a:off x="0" y="0"/>
+          <a:ext cx="0" cy="0"/>
+          <a:chOff x="0" y="0"/>
+          <a:chExt cx="0" cy="0"/>
+        </a:xfrm>
+      </p:grpSpPr>
+      <p:sp>
+        <p:nvSpPr>
+          <p:cNvPr id="4" name="Rectangle: Rounded Corners 3">
+            <a:extLst>
+              <a:ext uri="{FF2B5EF4-FFF2-40B4-BE49-F238E27FC236}">
+                <a16:creationId xmlns:a16="http://schemas.microsoft.com/office/drawing/2014/main" id="{8D6D9DF0-36ED-4863-B918-F6735D13A7C1}"/>
+              </a:ext>
+            </a:extLst>
+          </p:cNvPr>
+          <p:cNvSpPr/>
+          <p:nvPr/>
+        </p:nvSpPr>
+        <p:spPr>
+          <a:xfrm>
+            <a:off x="0" y="0"/>
+            <a:ext cx="3563938" cy="1187450"/>
+          </a:xfrm>
+          <a:prstGeom prst="roundRect">
+            <a:avLst>
+              <a:gd name="adj" fmla="val 50000"/>
+            </a:avLst>
+          </a:prstGeom>
+          <a:gradFill flip="none" rotWithShape="1">
+            <a:gsLst>
+              <a:gs pos="26000">
+                <a:srgbClr val="3F679B"/>
+              </a:gs>
+              <a:gs pos="100000">
+                <a:srgbClr val="2283C3"/>
+              </a:gs>
+            </a:gsLst>
+            <a:lin ang="2700000" scaled="0"/>
+            <a:tileRect/>
+          </a:gradFill>
+          <a:ln>
+            <a:noFill/>
+          </a:ln>
+        </p:spPr>
+        <p:style>
+          <a:lnRef idx="2">
+            <a:schemeClr val="accent1">
+              <a:shade val="50000"/>
+            </a:schemeClr>
+          </a:lnRef>
+          <a:fillRef idx="1">
+            <a:schemeClr val="accent1"/>
+          </a:fillRef>
+          <a:effectRef idx="0">
+            <a:schemeClr val="accent1"/>
+          </a:effectRef>
+          <a:fontRef idx="minor">
+            <a:schemeClr val="lt1"/>
+          </a:fontRef>
+        </p:style>
+        <p:txBody>
+          <a:bodyPr rtlCol="0" anchor="ctr"/>
+          <a:lstStyle/>
+          <a:p>
+            <a:pPr algn="ctr"/>
+            <a:endParaRPr lang="en-US" dirty="0"/>
+          </a:p>
+        </p:txBody>
+      </p:sp>
+      <p:pic>
+        <p:nvPicPr>
+          <p:cNvPr id="43010" name="Picture 2" descr="https://i2.wp.com/mikanime.com/wp-content/uploads/2019/05/mik.png">
+            <a:extLst>
+              <a:ext uri="{FF2B5EF4-FFF2-40B4-BE49-F238E27FC236}">
+                <a16:creationId xmlns:a16="http://schemas.microsoft.com/office/drawing/2014/main" id="{AD3C83DB-2D8F-407D-AEF5-8E5B8D75B528}"/>
+              </a:ext>
+            </a:extLst>
+          </p:cNvPr>
+          <p:cNvPicPr>
+            <a:picLocks noChangeAspect="1" noChangeArrowheads="1"/>
+          </p:cNvPicPr>
+          <p:nvPr/>
+        </p:nvPicPr>
+        <p:blipFill>
+          <a:blip r:embed="rId2">
+            <a:extLst>
+              <a:ext uri="{28A0092B-C50C-407E-A947-70E740481C1C}">
+                <a14:useLocalDpi xmlns:a14="http://schemas.microsoft.com/office/drawing/2010/main" val="0"/>
+              </a:ext>
+            </a:extLst>
+          </a:blip>
+          <a:srcRect/>
+          <a:stretch>
+            <a:fillRect/>
+          </a:stretch>
+        </p:blipFill>
+        <p:spPr bwMode="auto">
+          <a:xfrm>
+            <a:off x="536635" y="331345"/>
+            <a:ext cx="2490667" cy="524759"/>
+          </a:xfrm>
+          <a:prstGeom prst="rect">
+            <a:avLst/>
+          </a:prstGeom>
+          <a:noFill/>
+          <a:extLst>
+            <a:ext uri="{909E8E84-426E-40DD-AFC4-6F175D3DCCD1}">
+              <a14:hiddenFill xmlns:a14="http://schemas.microsoft.com/office/drawing/2010/main">
+                <a:solidFill>
+                  <a:srgbClr val="FFFFFF"/>
+                </a:solidFill>
+              </a14:hiddenFill>
+            </a:ext>
+          </a:extLst>
+        </p:spPr>
+      </p:pic>
+    </p:spTree>
+    <p:extLst>
+      <p:ext uri="{BB962C8B-B14F-4D97-AF65-F5344CB8AC3E}">
+        <p14:creationId xmlns:p14="http://schemas.microsoft.com/office/powerpoint/2010/main" val="3541015006"/>
+      </p:ext>
+    </p:extLst>
+  </p:cSld>
+  <p:clrMapOvr>
+    <a:masterClrMapping/>
+  </p:clrMapOvr>
+</p:sld>
+</file>
+
+<file path=ppt/slides/slide44.xml><?xml version="1.0" encoding="utf-8"?>
+<p:sld xmlns:a="http://schemas.openxmlformats.org/drawingml/2006/main" xmlns:r="http://schemas.openxmlformats.org/officeDocument/2006/relationships" xmlns:p="http://schemas.openxmlformats.org/presentationml/2006/main">
+  <p:cSld>
+    <p:spTree>
+      <p:nvGrpSpPr>
+        <p:cNvPr id="1" name=""/>
+        <p:cNvGrpSpPr/>
+        <p:nvPr/>
+      </p:nvGrpSpPr>
+      <p:grpSpPr>
+        <a:xfrm>
+          <a:off x="0" y="0"/>
+          <a:ext cx="0" cy="0"/>
+          <a:chOff x="0" y="0"/>
+          <a:chExt cx="0" cy="0"/>
+        </a:xfrm>
+      </p:grpSpPr>
+      <p:sp>
+        <p:nvSpPr>
+          <p:cNvPr id="4" name="Rectangle: Rounded Corners 3">
+            <a:extLst>
+              <a:ext uri="{FF2B5EF4-FFF2-40B4-BE49-F238E27FC236}">
+                <a16:creationId xmlns:a16="http://schemas.microsoft.com/office/drawing/2014/main" id="{8D6D9DF0-36ED-4863-B918-F6735D13A7C1}"/>
+              </a:ext>
+            </a:extLst>
+          </p:cNvPr>
+          <p:cNvSpPr/>
+          <p:nvPr/>
+        </p:nvSpPr>
+        <p:spPr>
+          <a:xfrm>
+            <a:off x="0" y="0"/>
+            <a:ext cx="3563938" cy="1187450"/>
+          </a:xfrm>
+          <a:prstGeom prst="roundRect">
+            <a:avLst>
+              <a:gd name="adj" fmla="val 50000"/>
+            </a:avLst>
+          </a:prstGeom>
+          <a:gradFill flip="none" rotWithShape="1">
+            <a:gsLst>
+              <a:gs pos="26000">
+                <a:srgbClr val="1100FD"/>
+              </a:gs>
+              <a:gs pos="100000">
+                <a:srgbClr val="6FA9EA"/>
+              </a:gs>
+            </a:gsLst>
+            <a:lin ang="2700000" scaled="0"/>
+            <a:tileRect/>
+          </a:gradFill>
+          <a:ln>
+            <a:noFill/>
+          </a:ln>
+        </p:spPr>
+        <p:style>
+          <a:lnRef idx="2">
+            <a:schemeClr val="accent1">
+              <a:shade val="50000"/>
+            </a:schemeClr>
+          </a:lnRef>
+          <a:fillRef idx="1">
+            <a:schemeClr val="accent1"/>
+          </a:fillRef>
+          <a:effectRef idx="0">
+            <a:schemeClr val="accent1"/>
+          </a:effectRef>
+          <a:fontRef idx="minor">
+            <a:schemeClr val="lt1"/>
+          </a:fontRef>
+        </p:style>
+        <p:txBody>
+          <a:bodyPr rtlCol="0" anchor="ctr"/>
+          <a:lstStyle/>
+          <a:p>
+            <a:pPr algn="ctr"/>
+            <a:endParaRPr lang="en-US" dirty="0"/>
+          </a:p>
+        </p:txBody>
+      </p:sp>
+      <p:pic>
+        <p:nvPicPr>
+          <p:cNvPr id="2" name="Picture 1">
+            <a:extLst>
+              <a:ext uri="{FF2B5EF4-FFF2-40B4-BE49-F238E27FC236}">
+                <a16:creationId xmlns:a16="http://schemas.microsoft.com/office/drawing/2014/main" id="{94D54169-4E96-43AB-B02D-0AAF785BDDAA}"/>
+              </a:ext>
+            </a:extLst>
+          </p:cNvPr>
+          <p:cNvPicPr>
+            <a:picLocks noChangeAspect="1"/>
+          </p:cNvPicPr>
+          <p:nvPr/>
+        </p:nvPicPr>
+        <p:blipFill>
+          <a:blip r:embed="rId2">
+            <a:extLst>
+              <a:ext uri="{BEBA8EAE-BF5A-486C-A8C5-ECC9F3942E4B}">
+                <a14:imgProps xmlns:a14="http://schemas.microsoft.com/office/drawing/2010/main">
+                  <a14:imgLayer r:embed="rId3">
+                    <a14:imgEffect>
+                      <a14:brightnessContrast bright="100000"/>
+                    </a14:imgEffect>
+                  </a14:imgLayer>
+                </a14:imgProps>
+              </a:ext>
+            </a:extLst>
+          </a:blip>
+          <a:stretch>
+            <a:fillRect/>
+          </a:stretch>
+        </p:blipFill>
+        <p:spPr>
+          <a:xfrm>
+            <a:off x="417989" y="310601"/>
+            <a:ext cx="2727960" cy="566248"/>
+          </a:xfrm>
+          <a:prstGeom prst="rect">
+            <a:avLst/>
+          </a:prstGeom>
+        </p:spPr>
+      </p:pic>
+    </p:spTree>
+    <p:extLst>
+      <p:ext uri="{BB962C8B-B14F-4D97-AF65-F5344CB8AC3E}">
+        <p14:creationId xmlns:p14="http://schemas.microsoft.com/office/powerpoint/2010/main" val="2758426006"/>
+      </p:ext>
+    </p:extLst>
+  </p:cSld>
+  <p:clrMapOvr>
+    <a:masterClrMapping/>
+  </p:clrMapOvr>
+</p:sld>
+</file>
+
+<file path=ppt/slides/slide45.xml><?xml version="1.0" encoding="utf-8"?>
+<p:sld xmlns:a="http://schemas.openxmlformats.org/drawingml/2006/main" xmlns:r="http://schemas.openxmlformats.org/officeDocument/2006/relationships" xmlns:p="http://schemas.openxmlformats.org/presentationml/2006/main">
+  <p:cSld>
+    <p:spTree>
+      <p:nvGrpSpPr>
+        <p:cNvPr id="1" name=""/>
+        <p:cNvGrpSpPr/>
+        <p:nvPr/>
+      </p:nvGrpSpPr>
+      <p:grpSpPr>
+        <a:xfrm>
+          <a:off x="0" y="0"/>
+          <a:ext cx="0" cy="0"/>
+          <a:chOff x="0" y="0"/>
+          <a:chExt cx="0" cy="0"/>
+        </a:xfrm>
+      </p:grpSpPr>
+      <p:sp>
+        <p:nvSpPr>
+          <p:cNvPr id="4" name="Rectangle: Rounded Corners 3">
+            <a:extLst>
+              <a:ext uri="{FF2B5EF4-FFF2-40B4-BE49-F238E27FC236}">
+                <a16:creationId xmlns:a16="http://schemas.microsoft.com/office/drawing/2014/main" id="{8D6D9DF0-36ED-4863-B918-F6735D13A7C1}"/>
+              </a:ext>
+            </a:extLst>
+          </p:cNvPr>
+          <p:cNvSpPr/>
+          <p:nvPr/>
+        </p:nvSpPr>
+        <p:spPr>
+          <a:xfrm>
+            <a:off x="0" y="0"/>
+            <a:ext cx="3563938" cy="1187450"/>
+          </a:xfrm>
+          <a:prstGeom prst="roundRect">
+            <a:avLst>
+              <a:gd name="adj" fmla="val 50000"/>
+            </a:avLst>
+          </a:prstGeom>
+          <a:gradFill flip="none" rotWithShape="1">
+            <a:gsLst>
+              <a:gs pos="26000">
+                <a:srgbClr val="232F3E"/>
+              </a:gs>
+              <a:gs pos="100000">
+                <a:srgbClr val="32C9F6"/>
+              </a:gs>
+            </a:gsLst>
+            <a:lin ang="2700000" scaled="0"/>
+            <a:tileRect/>
+          </a:gradFill>
+          <a:ln>
+            <a:noFill/>
+          </a:ln>
+        </p:spPr>
+        <p:style>
+          <a:lnRef idx="2">
+            <a:schemeClr val="accent1">
+              <a:shade val="50000"/>
+            </a:schemeClr>
+          </a:lnRef>
+          <a:fillRef idx="1">
+            <a:schemeClr val="accent1"/>
+          </a:fillRef>
+          <a:effectRef idx="0">
+            <a:schemeClr val="accent1"/>
+          </a:effectRef>
+          <a:fontRef idx="minor">
+            <a:schemeClr val="lt1"/>
+          </a:fontRef>
+        </p:style>
+        <p:txBody>
+          <a:bodyPr rtlCol="0" anchor="ctr"/>
+          <a:lstStyle/>
+          <a:p>
+            <a:pPr algn="ctr"/>
+            <a:endParaRPr lang="en-US" dirty="0"/>
+          </a:p>
+        </p:txBody>
+      </p:sp>
+      <p:sp>
+        <p:nvSpPr>
+          <p:cNvPr id="3" name="TextBox 2">
+            <a:extLst>
+              <a:ext uri="{FF2B5EF4-FFF2-40B4-BE49-F238E27FC236}">
+                <a16:creationId xmlns:a16="http://schemas.microsoft.com/office/drawing/2014/main" id="{6C67FD1F-5A7F-4624-A9CE-E8408D3A4F1A}"/>
+              </a:ext>
+            </a:extLst>
+          </p:cNvPr>
+          <p:cNvSpPr txBox="1"/>
+          <p:nvPr/>
+        </p:nvSpPr>
+        <p:spPr>
+          <a:xfrm>
+            <a:off x="535214" y="270560"/>
+            <a:ext cx="2493511" cy="646331"/>
+          </a:xfrm>
+          <a:prstGeom prst="rect">
+            <a:avLst/>
+          </a:prstGeom>
+          <a:noFill/>
+        </p:spPr>
+        <p:txBody>
+          <a:bodyPr wrap="square" rtlCol="0">
+            <a:spAutoFit/>
+          </a:bodyPr>
+          <a:lstStyle/>
+          <a:p>
+            <a:pPr algn="ctr"/>
+            <a:r>
+              <a:rPr lang="id-ID" sz="3600" dirty="0">
+                <a:solidFill>
+                  <a:schemeClr val="bg1"/>
+                </a:solidFill>
+                <a:effectLst>
+                  <a:outerShdw blurRad="38100" dist="38100" dir="2700000" algn="tl">
+                    <a:srgbClr val="000000">
+                      <a:alpha val="43137"/>
+                    </a:srgbClr>
+                  </a:outerShdw>
+                </a:effectLst>
+              </a:rPr>
+              <a:t>Kusonime</a:t>
+            </a:r>
+            <a:endParaRPr lang="en-US" sz="3600" dirty="0">
+              <a:solidFill>
+                <a:schemeClr val="bg1"/>
+              </a:solidFill>
+              <a:effectLst>
+                <a:outerShdw blurRad="38100" dist="38100" dir="2700000" algn="tl">
+                  <a:srgbClr val="000000">
+                    <a:alpha val="43137"/>
+                  </a:srgbClr>
+                </a:outerShdw>
+              </a:effectLst>
+            </a:endParaRPr>
+          </a:p>
+        </p:txBody>
+      </p:sp>
+    </p:spTree>
+    <p:extLst>
+      <p:ext uri="{BB962C8B-B14F-4D97-AF65-F5344CB8AC3E}">
+        <p14:creationId xmlns:p14="http://schemas.microsoft.com/office/powerpoint/2010/main" val="1605652628"/>
+      </p:ext>
+    </p:extLst>
+  </p:cSld>
+  <p:clrMapOvr>
+    <a:masterClrMapping/>
+  </p:clrMapOvr>
+</p:sld>
+</file>
+
+<file path=ppt/slides/slide46.xml><?xml version="1.0" encoding="utf-8"?>
+<p:sld xmlns:a="http://schemas.openxmlformats.org/drawingml/2006/main" xmlns:r="http://schemas.openxmlformats.org/officeDocument/2006/relationships" xmlns:p="http://schemas.openxmlformats.org/presentationml/2006/main">
+  <p:cSld>
+    <p:spTree>
+      <p:nvGrpSpPr>
+        <p:cNvPr id="1" name=""/>
+        <p:cNvGrpSpPr/>
+        <p:nvPr/>
+      </p:nvGrpSpPr>
+      <p:grpSpPr>
+        <a:xfrm>
+          <a:off x="0" y="0"/>
+          <a:ext cx="0" cy="0"/>
+          <a:chOff x="0" y="0"/>
+          <a:chExt cx="0" cy="0"/>
+        </a:xfrm>
+      </p:grpSpPr>
+      <p:sp>
+        <p:nvSpPr>
+          <p:cNvPr id="4" name="Rectangle: Rounded Corners 3">
+            <a:extLst>
+              <a:ext uri="{FF2B5EF4-FFF2-40B4-BE49-F238E27FC236}">
+                <a16:creationId xmlns:a16="http://schemas.microsoft.com/office/drawing/2014/main" id="{8D6D9DF0-36ED-4863-B918-F6735D13A7C1}"/>
+              </a:ext>
+            </a:extLst>
+          </p:cNvPr>
+          <p:cNvSpPr/>
+          <p:nvPr/>
+        </p:nvSpPr>
+        <p:spPr>
+          <a:xfrm>
+            <a:off x="0" y="0"/>
+            <a:ext cx="3563938" cy="1187450"/>
+          </a:xfrm>
+          <a:prstGeom prst="roundRect">
+            <a:avLst>
+              <a:gd name="adj" fmla="val 50000"/>
+            </a:avLst>
+          </a:prstGeom>
+          <a:gradFill flip="none" rotWithShape="1">
+            <a:gsLst>
+              <a:gs pos="26000">
+                <a:srgbClr val="4B30B8"/>
+              </a:gs>
+              <a:gs pos="100000">
+                <a:srgbClr val="5B3EC7"/>
+              </a:gs>
+            </a:gsLst>
+            <a:lin ang="2700000" scaled="0"/>
+            <a:tileRect/>
+          </a:gradFill>
+          <a:ln>
+            <a:noFill/>
+          </a:ln>
+        </p:spPr>
+        <p:style>
+          <a:lnRef idx="2">
+            <a:schemeClr val="accent1">
+              <a:shade val="50000"/>
+            </a:schemeClr>
+          </a:lnRef>
+          <a:fillRef idx="1">
+            <a:schemeClr val="accent1"/>
+          </a:fillRef>
+          <a:effectRef idx="0">
+            <a:schemeClr val="accent1"/>
+          </a:effectRef>
+          <a:fontRef idx="minor">
+            <a:schemeClr val="lt1"/>
+          </a:fontRef>
+        </p:style>
+        <p:txBody>
+          <a:bodyPr rtlCol="0" anchor="ctr"/>
+          <a:lstStyle/>
+          <a:p>
+            <a:pPr algn="ctr"/>
+            <a:endParaRPr lang="en-US" dirty="0"/>
+          </a:p>
+        </p:txBody>
+      </p:sp>
+      <p:pic>
+        <p:nvPicPr>
+          <p:cNvPr id="32770" name="Picture 2" descr="https://www.perpusindo.info/apple-touch-icon.png">
+            <a:extLst>
+              <a:ext uri="{FF2B5EF4-FFF2-40B4-BE49-F238E27FC236}">
+                <a16:creationId xmlns:a16="http://schemas.microsoft.com/office/drawing/2014/main" id="{18026D4D-E440-42FC-94C0-13440E2CA206}"/>
+              </a:ext>
+            </a:extLst>
+          </p:cNvPr>
+          <p:cNvPicPr>
+            <a:picLocks noChangeAspect="1" noChangeArrowheads="1"/>
+          </p:cNvPicPr>
+          <p:nvPr/>
+        </p:nvPicPr>
+        <p:blipFill>
+          <a:blip r:embed="rId2">
+            <a:extLst>
+              <a:ext uri="{BEBA8EAE-BF5A-486C-A8C5-ECC9F3942E4B}">
+                <a14:imgProps xmlns:a14="http://schemas.microsoft.com/office/drawing/2010/main">
+                  <a14:imgLayer r:embed="rId3">
+                    <a14:imgEffect>
+                      <a14:backgroundRemoval t="10000" b="90000" l="10000" r="90000">
+                        <a14:foregroundMark x1="34444" y1="39444" x2="34444" y2="39444"/>
+                        <a14:foregroundMark x1="69444" y1="39444" x2="69444" y2="39444"/>
+                        <a14:foregroundMark x1="62222" y1="50000" x2="62222" y2="50000"/>
+                        <a14:foregroundMark x1="72222" y1="15556" x2="72222" y2="15556"/>
+                      </a14:backgroundRemoval>
+                    </a14:imgEffect>
+                  </a14:imgLayer>
+                </a14:imgProps>
+              </a:ext>
+              <a:ext uri="{28A0092B-C50C-407E-A947-70E740481C1C}">
+                <a14:useLocalDpi xmlns:a14="http://schemas.microsoft.com/office/drawing/2010/main" val="0"/>
+              </a:ext>
+            </a:extLst>
+          </a:blip>
+          <a:srcRect/>
+          <a:stretch>
+            <a:fillRect/>
+          </a:stretch>
+        </p:blipFill>
+        <p:spPr bwMode="auto">
+          <a:xfrm>
+            <a:off x="1188244" y="0"/>
+            <a:ext cx="1187450" cy="1187450"/>
+          </a:xfrm>
+          <a:prstGeom prst="rect">
+            <a:avLst/>
+          </a:prstGeom>
+          <a:noFill/>
+          <a:extLst>
+            <a:ext uri="{909E8E84-426E-40DD-AFC4-6F175D3DCCD1}">
+              <a14:hiddenFill xmlns:a14="http://schemas.microsoft.com/office/drawing/2010/main">
+                <a:solidFill>
+                  <a:srgbClr val="FFFFFF"/>
+                </a:solidFill>
+              </a14:hiddenFill>
+            </a:ext>
+          </a:extLst>
+        </p:spPr>
+      </p:pic>
+    </p:spTree>
+    <p:extLst>
+      <p:ext uri="{BB962C8B-B14F-4D97-AF65-F5344CB8AC3E}">
+        <p14:creationId xmlns:p14="http://schemas.microsoft.com/office/powerpoint/2010/main" val="3599097175"/>
+      </p:ext>
+    </p:extLst>
+  </p:cSld>
+  <p:clrMapOvr>
+    <a:masterClrMapping/>
+  </p:clrMapOvr>
+</p:sld>
+</file>
+
+<file path=ppt/slides/slide47.xml><?xml version="1.0" encoding="utf-8"?>
+<p:sld xmlns:a="http://schemas.openxmlformats.org/drawingml/2006/main" xmlns:r="http://schemas.openxmlformats.org/officeDocument/2006/relationships" xmlns:p="http://schemas.openxmlformats.org/presentationml/2006/main">
+  <p:cSld>
+    <p:spTree>
+      <p:nvGrpSpPr>
+        <p:cNvPr id="1" name=""/>
+        <p:cNvGrpSpPr/>
+        <p:nvPr/>
+      </p:nvGrpSpPr>
+      <p:grpSpPr>
+        <a:xfrm>
+          <a:off x="0" y="0"/>
+          <a:ext cx="0" cy="0"/>
+          <a:chOff x="0" y="0"/>
+          <a:chExt cx="0" cy="0"/>
+        </a:xfrm>
+      </p:grpSpPr>
+      <p:sp>
+        <p:nvSpPr>
+          <p:cNvPr id="4" name="Rectangle: Rounded Corners 3">
+            <a:extLst>
+              <a:ext uri="{FF2B5EF4-FFF2-40B4-BE49-F238E27FC236}">
+                <a16:creationId xmlns:a16="http://schemas.microsoft.com/office/drawing/2014/main" id="{8D6D9DF0-36ED-4863-B918-F6735D13A7C1}"/>
+              </a:ext>
+            </a:extLst>
+          </p:cNvPr>
+          <p:cNvSpPr/>
+          <p:nvPr/>
+        </p:nvSpPr>
+        <p:spPr>
+          <a:xfrm>
+            <a:off x="0" y="0"/>
+            <a:ext cx="3563938" cy="1187450"/>
+          </a:xfrm>
+          <a:prstGeom prst="roundRect">
+            <a:avLst>
+              <a:gd name="adj" fmla="val 50000"/>
+            </a:avLst>
+          </a:prstGeom>
+          <a:gradFill flip="none" rotWithShape="1">
+            <a:gsLst>
+              <a:gs pos="26000">
+                <a:schemeClr val="tx2">
+                  <a:lumMod val="75000"/>
+                </a:schemeClr>
+              </a:gs>
+              <a:gs pos="100000">
+                <a:schemeClr val="tx2">
+                  <a:lumMod val="60000"/>
+                  <a:lumOff val="40000"/>
+                </a:schemeClr>
+              </a:gs>
+            </a:gsLst>
+            <a:lin ang="2700000" scaled="0"/>
+            <a:tileRect/>
+          </a:gradFill>
+          <a:ln>
+            <a:noFill/>
+          </a:ln>
+        </p:spPr>
+        <p:style>
+          <a:lnRef idx="2">
+            <a:schemeClr val="accent1">
+              <a:shade val="50000"/>
+            </a:schemeClr>
+          </a:lnRef>
+          <a:fillRef idx="1">
+            <a:schemeClr val="accent1"/>
+          </a:fillRef>
+          <a:effectRef idx="0">
+            <a:schemeClr val="accent1"/>
+          </a:effectRef>
+          <a:fontRef idx="minor">
+            <a:schemeClr val="lt1"/>
+          </a:fontRef>
+        </p:style>
+        <p:txBody>
+          <a:bodyPr rtlCol="0" anchor="ctr"/>
+          <a:lstStyle/>
+          <a:p>
+            <a:pPr algn="ctr"/>
+            <a:endParaRPr lang="en-US" dirty="0"/>
+          </a:p>
+        </p:txBody>
+      </p:sp>
+      <p:sp>
+        <p:nvSpPr>
+          <p:cNvPr id="2" name="TextBox 1">
+            <a:extLst>
+              <a:ext uri="{FF2B5EF4-FFF2-40B4-BE49-F238E27FC236}">
+                <a16:creationId xmlns:a16="http://schemas.microsoft.com/office/drawing/2014/main" id="{6EBFA446-E191-400D-A74B-B3AABC51ABBE}"/>
+              </a:ext>
+            </a:extLst>
+          </p:cNvPr>
+          <p:cNvSpPr txBox="1"/>
+          <p:nvPr/>
+        </p:nvSpPr>
+        <p:spPr>
+          <a:xfrm>
+            <a:off x="853678" y="270559"/>
+            <a:ext cx="1856582" cy="646331"/>
+          </a:xfrm>
+          <a:prstGeom prst="rect">
+            <a:avLst/>
+          </a:prstGeom>
+          <a:noFill/>
+        </p:spPr>
+        <p:txBody>
+          <a:bodyPr wrap="square" rtlCol="0">
+            <a:spAutoFit/>
+          </a:bodyPr>
+          <a:lstStyle/>
+          <a:p>
+            <a:pPr algn="ctr"/>
+            <a:r>
+              <a:rPr lang="id-ID" sz="3600" dirty="0">
+                <a:solidFill>
+                  <a:schemeClr val="bg1"/>
+                </a:solidFill>
+                <a:latin typeface="Arial" panose="020B0604020202020204" pitchFamily="34" charset="0"/>
+                <a:cs typeface="Arial" panose="020B0604020202020204" pitchFamily="34" charset="0"/>
+              </a:rPr>
+              <a:t>Nyaa.si</a:t>
+            </a:r>
+            <a:endParaRPr lang="en-US" sz="3600" dirty="0">
+              <a:solidFill>
+                <a:schemeClr val="bg1"/>
+              </a:solidFill>
+              <a:latin typeface="Arial" panose="020B0604020202020204" pitchFamily="34" charset="0"/>
+              <a:cs typeface="Arial" panose="020B0604020202020204" pitchFamily="34" charset="0"/>
+            </a:endParaRPr>
+          </a:p>
+        </p:txBody>
+      </p:sp>
+    </p:spTree>
+    <p:extLst>
+      <p:ext uri="{BB962C8B-B14F-4D97-AF65-F5344CB8AC3E}">
+        <p14:creationId xmlns:p14="http://schemas.microsoft.com/office/powerpoint/2010/main" val="3335546388"/>
       </p:ext>
     </p:extLst>
   </p:cSld>

--- a/Assets/Providers/Template/Template.pptx
+++ b/Assets/Providers/Template/Template.pptx
@@ -14,44 +14,45 @@
     <p:sldId id="263" r:id="rId8"/>
     <p:sldId id="270" r:id="rId9"/>
     <p:sldId id="271" r:id="rId10"/>
-    <p:sldId id="284" r:id="rId11"/>
-    <p:sldId id="285" r:id="rId12"/>
-    <p:sldId id="290" r:id="rId13"/>
-    <p:sldId id="289" r:id="rId14"/>
-    <p:sldId id="268" r:id="rId15"/>
-    <p:sldId id="269" r:id="rId16"/>
-    <p:sldId id="300" r:id="rId17"/>
-    <p:sldId id="301" r:id="rId18"/>
-    <p:sldId id="302" r:id="rId19"/>
-    <p:sldId id="264" r:id="rId20"/>
-    <p:sldId id="265" r:id="rId21"/>
-    <p:sldId id="272" r:id="rId22"/>
-    <p:sldId id="273" r:id="rId23"/>
-    <p:sldId id="275" r:id="rId24"/>
-    <p:sldId id="279" r:id="rId25"/>
-    <p:sldId id="276" r:id="rId26"/>
-    <p:sldId id="303" r:id="rId27"/>
-    <p:sldId id="277" r:id="rId28"/>
-    <p:sldId id="278" r:id="rId29"/>
-    <p:sldId id="267" r:id="rId30"/>
-    <p:sldId id="266" r:id="rId31"/>
-    <p:sldId id="293" r:id="rId32"/>
-    <p:sldId id="294" r:id="rId33"/>
-    <p:sldId id="295" r:id="rId34"/>
-    <p:sldId id="296" r:id="rId35"/>
-    <p:sldId id="297" r:id="rId36"/>
-    <p:sldId id="298" r:id="rId37"/>
-    <p:sldId id="299" r:id="rId38"/>
-    <p:sldId id="274" r:id="rId39"/>
-    <p:sldId id="280" r:id="rId40"/>
-    <p:sldId id="283" r:id="rId41"/>
-    <p:sldId id="286" r:id="rId42"/>
-    <p:sldId id="287" r:id="rId43"/>
-    <p:sldId id="291" r:id="rId44"/>
-    <p:sldId id="288" r:id="rId45"/>
-    <p:sldId id="292" r:id="rId46"/>
-    <p:sldId id="281" r:id="rId47"/>
-    <p:sldId id="282" r:id="rId48"/>
+    <p:sldId id="304" r:id="rId11"/>
+    <p:sldId id="284" r:id="rId12"/>
+    <p:sldId id="285" r:id="rId13"/>
+    <p:sldId id="290" r:id="rId14"/>
+    <p:sldId id="289" r:id="rId15"/>
+    <p:sldId id="268" r:id="rId16"/>
+    <p:sldId id="269" r:id="rId17"/>
+    <p:sldId id="300" r:id="rId18"/>
+    <p:sldId id="301" r:id="rId19"/>
+    <p:sldId id="302" r:id="rId20"/>
+    <p:sldId id="264" r:id="rId21"/>
+    <p:sldId id="265" r:id="rId22"/>
+    <p:sldId id="272" r:id="rId23"/>
+    <p:sldId id="273" r:id="rId24"/>
+    <p:sldId id="275" r:id="rId25"/>
+    <p:sldId id="279" r:id="rId26"/>
+    <p:sldId id="276" r:id="rId27"/>
+    <p:sldId id="303" r:id="rId28"/>
+    <p:sldId id="277" r:id="rId29"/>
+    <p:sldId id="278" r:id="rId30"/>
+    <p:sldId id="267" r:id="rId31"/>
+    <p:sldId id="266" r:id="rId32"/>
+    <p:sldId id="293" r:id="rId33"/>
+    <p:sldId id="294" r:id="rId34"/>
+    <p:sldId id="295" r:id="rId35"/>
+    <p:sldId id="296" r:id="rId36"/>
+    <p:sldId id="297" r:id="rId37"/>
+    <p:sldId id="298" r:id="rId38"/>
+    <p:sldId id="299" r:id="rId39"/>
+    <p:sldId id="274" r:id="rId40"/>
+    <p:sldId id="280" r:id="rId41"/>
+    <p:sldId id="283" r:id="rId42"/>
+    <p:sldId id="286" r:id="rId43"/>
+    <p:sldId id="287" r:id="rId44"/>
+    <p:sldId id="291" r:id="rId45"/>
+    <p:sldId id="288" r:id="rId46"/>
+    <p:sldId id="292" r:id="rId47"/>
+    <p:sldId id="281" r:id="rId48"/>
+    <p:sldId id="282" r:id="rId49"/>
   </p:sldIdLst>
   <p:sldSz cx="3563938" cy="1187450"/>
   <p:notesSz cx="6858000" cy="9144000"/>
@@ -164,6 +165,7 @@
             <p14:sldId id="263"/>
             <p14:sldId id="270"/>
             <p14:sldId id="271"/>
+            <p14:sldId id="304"/>
           </p14:sldIdLst>
         </p14:section>
         <p14:section name="Legal Library Provider" id="{923AA340-7B76-4C22-86CF-3D3C39C58F31}">
@@ -1716,7 +1718,7 @@
   <pc:docChgLst>
     <pc:chgData name="David Harness" userId="00b5c01e-e802-4d63-9d3f-e30c84cf2197" providerId="ADAL" clId="{9193AB73-3ED4-4E8E-93E6-98904B17501A}"/>
     <pc:docChg chg="custSel addSld modSld">
-      <pc:chgData name="David Harness" userId="00b5c01e-e802-4d63-9d3f-e30c84cf2197" providerId="ADAL" clId="{9193AB73-3ED4-4E8E-93E6-98904B17501A}" dt="2019-06-29T06:04:22.182" v="592" actId="478"/>
+      <pc:chgData name="David Harness" userId="00b5c01e-e802-4d63-9d3f-e30c84cf2197" providerId="ADAL" clId="{9193AB73-3ED4-4E8E-93E6-98904B17501A}" dt="2019-06-29T10:55:03.792" v="601"/>
       <pc:docMkLst>
         <pc:docMk/>
       </pc:docMkLst>
@@ -2098,6 +2100,37 @@
             <pc:docMk/>
             <pc:sldMk cId="1069654171" sldId="303"/>
             <ac:picMk id="3" creationId="{2821A0B1-036C-4FB1-AE90-BBBF4A09EA96}"/>
+          </ac:picMkLst>
+        </pc:picChg>
+      </pc:sldChg>
+      <pc:sldChg chg="addSp delSp modSp add">
+        <pc:chgData name="David Harness" userId="00b5c01e-e802-4d63-9d3f-e30c84cf2197" providerId="ADAL" clId="{9193AB73-3ED4-4E8E-93E6-98904B17501A}" dt="2019-06-29T10:55:03.792" v="601"/>
+        <pc:sldMkLst>
+          <pc:docMk/>
+          <pc:sldMk cId="1878613654" sldId="304"/>
+        </pc:sldMkLst>
+        <pc:spChg chg="mod">
+          <ac:chgData name="David Harness" userId="00b5c01e-e802-4d63-9d3f-e30c84cf2197" providerId="ADAL" clId="{9193AB73-3ED4-4E8E-93E6-98904B17501A}" dt="2019-06-29T10:54:49.234" v="599" actId="207"/>
+          <ac:spMkLst>
+            <pc:docMk/>
+            <pc:sldMk cId="1878613654" sldId="304"/>
+            <ac:spMk id="4" creationId="{8D6D9DF0-36ED-4863-B918-F6735D13A7C1}"/>
+          </ac:spMkLst>
+        </pc:spChg>
+        <pc:picChg chg="add mod">
+          <ac:chgData name="David Harness" userId="00b5c01e-e802-4d63-9d3f-e30c84cf2197" providerId="ADAL" clId="{9193AB73-3ED4-4E8E-93E6-98904B17501A}" dt="2019-06-29T10:55:03.792" v="601"/>
+          <ac:picMkLst>
+            <pc:docMk/>
+            <pc:sldMk cId="1878613654" sldId="304"/>
+            <ac:picMk id="1026" creationId="{D6A09F54-F14D-4206-AAEF-261D850E6AC8}"/>
+          </ac:picMkLst>
+        </pc:picChg>
+        <pc:picChg chg="del">
+          <ac:chgData name="David Harness" userId="00b5c01e-e802-4d63-9d3f-e30c84cf2197" providerId="ADAL" clId="{9193AB73-3ED4-4E8E-93E6-98904B17501A}" dt="2019-06-29T10:53:14.874" v="594" actId="478"/>
+          <ac:picMkLst>
+            <pc:docMk/>
+            <pc:sldMk cId="1878613654" sldId="304"/>
+            <ac:picMk id="3074" creationId="{768EC798-182F-4445-81F3-0386A0E01012}"/>
           </ac:picMkLst>
         </pc:picChg>
       </pc:sldChg>
@@ -5194,6 +5227,155 @@
           <a:gradFill flip="none" rotWithShape="1">
             <a:gsLst>
               <a:gs pos="26000">
+                <a:srgbClr val="E20613"/>
+              </a:gs>
+              <a:gs pos="100000">
+                <a:srgbClr val="FA3C45"/>
+              </a:gs>
+            </a:gsLst>
+            <a:lin ang="2700000" scaled="0"/>
+            <a:tileRect/>
+          </a:gradFill>
+          <a:ln>
+            <a:noFill/>
+          </a:ln>
+        </p:spPr>
+        <p:style>
+          <a:lnRef idx="2">
+            <a:schemeClr val="accent1">
+              <a:shade val="50000"/>
+            </a:schemeClr>
+          </a:lnRef>
+          <a:fillRef idx="1">
+            <a:schemeClr val="accent1"/>
+          </a:fillRef>
+          <a:effectRef idx="0">
+            <a:schemeClr val="accent1"/>
+          </a:effectRef>
+          <a:fontRef idx="minor">
+            <a:schemeClr val="lt1"/>
+          </a:fontRef>
+        </p:style>
+        <p:txBody>
+          <a:bodyPr rtlCol="0" anchor="ctr"/>
+          <a:lstStyle/>
+          <a:p>
+            <a:pPr algn="ctr"/>
+            <a:endParaRPr lang="en-US"/>
+          </a:p>
+        </p:txBody>
+      </p:sp>
+      <p:pic>
+        <p:nvPicPr>
+          <p:cNvPr id="1026" name="Picture 2" descr="Image result for iflix logo">
+            <a:extLst>
+              <a:ext uri="{FF2B5EF4-FFF2-40B4-BE49-F238E27FC236}">
+                <a16:creationId xmlns:a16="http://schemas.microsoft.com/office/drawing/2014/main" id="{D6A09F54-F14D-4206-AAEF-261D850E6AC8}"/>
+              </a:ext>
+            </a:extLst>
+          </p:cNvPr>
+          <p:cNvPicPr>
+            <a:picLocks noChangeAspect="1" noChangeArrowheads="1"/>
+          </p:cNvPicPr>
+          <p:nvPr/>
+        </p:nvPicPr>
+        <p:blipFill>
+          <a:blip r:embed="rId2">
+            <a:extLst>
+              <a:ext uri="{BEBA8EAE-BF5A-486C-A8C5-ECC9F3942E4B}">
+                <a14:imgProps xmlns:a14="http://schemas.microsoft.com/office/drawing/2010/main">
+                  <a14:imgLayer r:embed="rId3">
+                    <a14:imgEffect>
+                      <a14:brightnessContrast bright="100000"/>
+                    </a14:imgEffect>
+                  </a14:imgLayer>
+                </a14:imgProps>
+              </a:ext>
+              <a:ext uri="{28A0092B-C50C-407E-A947-70E740481C1C}">
+                <a14:useLocalDpi xmlns:a14="http://schemas.microsoft.com/office/drawing/2010/main" val="0"/>
+              </a:ext>
+            </a:extLst>
+          </a:blip>
+          <a:srcRect/>
+          <a:stretch>
+            <a:fillRect/>
+          </a:stretch>
+        </p:blipFill>
+        <p:spPr bwMode="auto">
+          <a:xfrm>
+            <a:off x="1015072" y="230662"/>
+            <a:ext cx="1533794" cy="726125"/>
+          </a:xfrm>
+          <a:prstGeom prst="rect">
+            <a:avLst/>
+          </a:prstGeom>
+          <a:noFill/>
+          <a:extLst>
+            <a:ext uri="{909E8E84-426E-40DD-AFC4-6F175D3DCCD1}">
+              <a14:hiddenFill xmlns:a14="http://schemas.microsoft.com/office/drawing/2010/main">
+                <a:solidFill>
+                  <a:srgbClr val="FFFFFF"/>
+                </a:solidFill>
+              </a14:hiddenFill>
+            </a:ext>
+          </a:extLst>
+        </p:spPr>
+      </p:pic>
+    </p:spTree>
+    <p:extLst>
+      <p:ext uri="{BB962C8B-B14F-4D97-AF65-F5344CB8AC3E}">
+        <p14:creationId xmlns:p14="http://schemas.microsoft.com/office/powerpoint/2010/main" val="1878613654"/>
+      </p:ext>
+    </p:extLst>
+  </p:cSld>
+  <p:clrMapOvr>
+    <a:masterClrMapping/>
+  </p:clrMapOvr>
+</p:sld>
+</file>
+
+<file path=ppt/slides/slide11.xml><?xml version="1.0" encoding="utf-8"?>
+<p:sld xmlns:a="http://schemas.openxmlformats.org/drawingml/2006/main" xmlns:r="http://schemas.openxmlformats.org/officeDocument/2006/relationships" xmlns:p="http://schemas.openxmlformats.org/presentationml/2006/main">
+  <p:cSld>
+    <p:spTree>
+      <p:nvGrpSpPr>
+        <p:cNvPr id="1" name=""/>
+        <p:cNvGrpSpPr/>
+        <p:nvPr/>
+      </p:nvGrpSpPr>
+      <p:grpSpPr>
+        <a:xfrm>
+          <a:off x="0" y="0"/>
+          <a:ext cx="0" cy="0"/>
+          <a:chOff x="0" y="0"/>
+          <a:chExt cx="0" cy="0"/>
+        </a:xfrm>
+      </p:grpSpPr>
+      <p:sp>
+        <p:nvSpPr>
+          <p:cNvPr id="4" name="Rectangle: Rounded Corners 3">
+            <a:extLst>
+              <a:ext uri="{FF2B5EF4-FFF2-40B4-BE49-F238E27FC236}">
+                <a16:creationId xmlns:a16="http://schemas.microsoft.com/office/drawing/2014/main" id="{8D6D9DF0-36ED-4863-B918-F6735D13A7C1}"/>
+              </a:ext>
+            </a:extLst>
+          </p:cNvPr>
+          <p:cNvSpPr/>
+          <p:nvPr/>
+        </p:nvSpPr>
+        <p:spPr>
+          <a:xfrm>
+            <a:off x="0" y="0"/>
+            <a:ext cx="3563938" cy="1187450"/>
+          </a:xfrm>
+          <a:prstGeom prst="roundRect">
+            <a:avLst>
+              <a:gd name="adj" fmla="val 50000"/>
+            </a:avLst>
+          </a:prstGeom>
+          <a:gradFill flip="none" rotWithShape="1">
+            <a:gsLst>
+              <a:gs pos="26000">
                 <a:srgbClr val="7B5FFF"/>
               </a:gs>
               <a:gs pos="100000">
@@ -5344,7 +5526,7 @@
 </p:sld>
 </file>
 
-<file path=ppt/slides/slide11.xml><?xml version="1.0" encoding="utf-8"?>
+<file path=ppt/slides/slide12.xml><?xml version="1.0" encoding="utf-8"?>
 <p:sld xmlns:a="http://schemas.openxmlformats.org/drawingml/2006/main" xmlns:r="http://schemas.openxmlformats.org/officeDocument/2006/relationships" xmlns:p="http://schemas.openxmlformats.org/presentationml/2006/main">
   <p:cSld>
     <p:spTree>
@@ -5560,7 +5742,7 @@
 </p:sld>
 </file>
 
-<file path=ppt/slides/slide12.xml><?xml version="1.0" encoding="utf-8"?>
+<file path=ppt/slides/slide13.xml><?xml version="1.0" encoding="utf-8"?>
 <p:sld xmlns:a="http://schemas.openxmlformats.org/drawingml/2006/main" xmlns:r="http://schemas.openxmlformats.org/officeDocument/2006/relationships" xmlns:p="http://schemas.openxmlformats.org/presentationml/2006/main">
   <p:cSld>
     <p:spTree>
@@ -5718,7 +5900,7 @@
 </p:sld>
 </file>
 
-<file path=ppt/slides/slide13.xml><?xml version="1.0" encoding="utf-8"?>
+<file path=ppt/slides/slide14.xml><?xml version="1.0" encoding="utf-8"?>
 <p:sld xmlns:a="http://schemas.openxmlformats.org/drawingml/2006/main" xmlns:r="http://schemas.openxmlformats.org/officeDocument/2006/relationships" xmlns:p="http://schemas.openxmlformats.org/presentationml/2006/main">
   <p:cSld>
     <p:spTree>
@@ -5864,7 +6046,7 @@
 </p:sld>
 </file>
 
-<file path=ppt/slides/slide14.xml><?xml version="1.0" encoding="utf-8"?>
+<file path=ppt/slides/slide15.xml><?xml version="1.0" encoding="utf-8"?>
 <p:sld xmlns:a="http://schemas.openxmlformats.org/drawingml/2006/main" xmlns:r="http://schemas.openxmlformats.org/officeDocument/2006/relationships" xmlns:p="http://schemas.openxmlformats.org/presentationml/2006/main">
   <p:cSld>
     <p:spTree>
@@ -6050,7 +6232,7 @@
 </p:sld>
 </file>
 
-<file path=ppt/slides/slide15.xml><?xml version="1.0" encoding="utf-8"?>
+<file path=ppt/slides/slide16.xml><?xml version="1.0" encoding="utf-8"?>
 <p:sld xmlns:a="http://schemas.openxmlformats.org/drawingml/2006/main" xmlns:r="http://schemas.openxmlformats.org/officeDocument/2006/relationships" xmlns:p="http://schemas.openxmlformats.org/presentationml/2006/main">
   <p:cSld>
     <p:spTree>
@@ -6175,7 +6357,7 @@
 </p:sld>
 </file>
 
-<file path=ppt/slides/slide16.xml><?xml version="1.0" encoding="utf-8"?>
+<file path=ppt/slides/slide17.xml><?xml version="1.0" encoding="utf-8"?>
 <p:sld xmlns:a="http://schemas.openxmlformats.org/drawingml/2006/main" xmlns:r="http://schemas.openxmlformats.org/officeDocument/2006/relationships" xmlns:p="http://schemas.openxmlformats.org/presentationml/2006/main">
   <p:cSld>
     <p:spTree>
@@ -6297,7 +6479,7 @@
 </p:sld>
 </file>
 
-<file path=ppt/slides/slide17.xml><?xml version="1.0" encoding="utf-8"?>
+<file path=ppt/slides/slide18.xml><?xml version="1.0" encoding="utf-8"?>
 <p:sld xmlns:a="http://schemas.openxmlformats.org/drawingml/2006/main" xmlns:r="http://schemas.openxmlformats.org/officeDocument/2006/relationships" xmlns:p="http://schemas.openxmlformats.org/presentationml/2006/main">
   <p:cSld>
     <p:spTree>
@@ -6555,7 +6737,7 @@
 </p:sld>
 </file>
 
-<file path=ppt/slides/slide18.xml><?xml version="1.0" encoding="utf-8"?>
+<file path=ppt/slides/slide19.xml><?xml version="1.0" encoding="utf-8"?>
 <p:sld xmlns:a="http://schemas.openxmlformats.org/drawingml/2006/main" xmlns:r="http://schemas.openxmlformats.org/officeDocument/2006/relationships" xmlns:p="http://schemas.openxmlformats.org/presentationml/2006/main">
   <p:cSld>
     <p:spTree>
@@ -6686,158 +6868,6 @@
     <p:extLst>
       <p:ext uri="{BB962C8B-B14F-4D97-AF65-F5344CB8AC3E}">
         <p14:creationId xmlns:p14="http://schemas.microsoft.com/office/powerpoint/2010/main" val="1591048078"/>
-      </p:ext>
-    </p:extLst>
-  </p:cSld>
-  <p:clrMapOvr>
-    <a:masterClrMapping/>
-  </p:clrMapOvr>
-</p:sld>
-</file>
-
-<file path=ppt/slides/slide19.xml><?xml version="1.0" encoding="utf-8"?>
-<p:sld xmlns:a="http://schemas.openxmlformats.org/drawingml/2006/main" xmlns:r="http://schemas.openxmlformats.org/officeDocument/2006/relationships" xmlns:p="http://schemas.openxmlformats.org/presentationml/2006/main">
-  <p:cSld>
-    <p:spTree>
-      <p:nvGrpSpPr>
-        <p:cNvPr id="1" name=""/>
-        <p:cNvGrpSpPr/>
-        <p:nvPr/>
-      </p:nvGrpSpPr>
-      <p:grpSpPr>
-        <a:xfrm>
-          <a:off x="0" y="0"/>
-          <a:ext cx="0" cy="0"/>
-          <a:chOff x="0" y="0"/>
-          <a:chExt cx="0" cy="0"/>
-        </a:xfrm>
-      </p:grpSpPr>
-      <p:sp>
-        <p:nvSpPr>
-          <p:cNvPr id="4" name="Rectangle: Rounded Corners 3">
-            <a:extLst>
-              <a:ext uri="{FF2B5EF4-FFF2-40B4-BE49-F238E27FC236}">
-                <a16:creationId xmlns:a16="http://schemas.microsoft.com/office/drawing/2014/main" id="{8D6D9DF0-36ED-4863-B918-F6735D13A7C1}"/>
-              </a:ext>
-            </a:extLst>
-          </p:cNvPr>
-          <p:cNvSpPr/>
-          <p:nvPr/>
-        </p:nvSpPr>
-        <p:spPr>
-          <a:xfrm>
-            <a:off x="0" y="0"/>
-            <a:ext cx="3563938" cy="1187450"/>
-          </a:xfrm>
-          <a:prstGeom prst="roundRect">
-            <a:avLst>
-              <a:gd name="adj" fmla="val 50000"/>
-            </a:avLst>
-          </a:prstGeom>
-          <a:gradFill flip="none" rotWithShape="1">
-            <a:gsLst>
-              <a:gs pos="26000">
-                <a:schemeClr val="accent1"/>
-              </a:gs>
-              <a:gs pos="100000">
-                <a:schemeClr val="accent1">
-                  <a:lumMod val="20000"/>
-                  <a:lumOff val="80000"/>
-                </a:schemeClr>
-              </a:gs>
-            </a:gsLst>
-            <a:lin ang="2700000" scaled="0"/>
-            <a:tileRect/>
-          </a:gradFill>
-          <a:ln>
-            <a:noFill/>
-          </a:ln>
-        </p:spPr>
-        <p:style>
-          <a:lnRef idx="2">
-            <a:schemeClr val="accent1">
-              <a:shade val="50000"/>
-            </a:schemeClr>
-          </a:lnRef>
-          <a:fillRef idx="1">
-            <a:schemeClr val="accent1"/>
-          </a:fillRef>
-          <a:effectRef idx="0">
-            <a:schemeClr val="accent1"/>
-          </a:effectRef>
-          <a:fontRef idx="minor">
-            <a:schemeClr val="lt1"/>
-          </a:fontRef>
-        </p:style>
-        <p:txBody>
-          <a:bodyPr rtlCol="0" anchor="ctr"/>
-          <a:lstStyle/>
-          <a:p>
-            <a:pPr algn="ctr"/>
-            <a:endParaRPr lang="en-US" dirty="0"/>
-          </a:p>
-        </p:txBody>
-      </p:sp>
-      <p:pic>
-        <p:nvPicPr>
-          <p:cNvPr id="19458" name="Picture 2" descr="https://pendekarsubs.us/wp-content/uploads/2019/02/pendekar-logo-1.png">
-            <a:extLst>
-              <a:ext uri="{FF2B5EF4-FFF2-40B4-BE49-F238E27FC236}">
-                <a16:creationId xmlns:a16="http://schemas.microsoft.com/office/drawing/2014/main" id="{B6F41F4E-E4AA-4293-A3CF-A571FF1AEFD6}"/>
-              </a:ext>
-            </a:extLst>
-          </p:cNvPr>
-          <p:cNvPicPr>
-            <a:picLocks noChangeAspect="1" noChangeArrowheads="1"/>
-          </p:cNvPicPr>
-          <p:nvPr/>
-        </p:nvPicPr>
-        <p:blipFill>
-          <a:blip r:embed="rId2">
-            <a:extLst>
-              <a:ext uri="{BEBA8EAE-BF5A-486C-A8C5-ECC9F3942E4B}">
-                <a14:imgProps xmlns:a14="http://schemas.microsoft.com/office/drawing/2010/main">
-                  <a14:imgLayer r:embed="rId3">
-                    <a14:imgEffect>
-                      <a14:brightnessContrast bright="100000" contrast="100000"/>
-                    </a14:imgEffect>
-                  </a14:imgLayer>
-                </a14:imgProps>
-              </a:ext>
-              <a:ext uri="{28A0092B-C50C-407E-A947-70E740481C1C}">
-                <a14:useLocalDpi xmlns:a14="http://schemas.microsoft.com/office/drawing/2010/main" val="0"/>
-              </a:ext>
-            </a:extLst>
-          </a:blip>
-          <a:srcRect/>
-          <a:stretch>
-            <a:fillRect/>
-          </a:stretch>
-        </p:blipFill>
-        <p:spPr bwMode="auto">
-          <a:xfrm>
-            <a:off x="605631" y="201612"/>
-            <a:ext cx="2352675" cy="784225"/>
-          </a:xfrm>
-          <a:prstGeom prst="rect">
-            <a:avLst/>
-          </a:prstGeom>
-          <a:noFill/>
-          <a:extLst>
-            <a:ext uri="{909E8E84-426E-40DD-AFC4-6F175D3DCCD1}">
-              <a14:hiddenFill xmlns:a14="http://schemas.microsoft.com/office/drawing/2010/main">
-                <a:solidFill>
-                  <a:srgbClr val="FFFFFF"/>
-                </a:solidFill>
-              </a14:hiddenFill>
-            </a:ext>
-          </a:extLst>
-        </p:spPr>
-      </p:pic>
-    </p:spTree>
-    <p:extLst>
-      <p:ext uri="{BB962C8B-B14F-4D97-AF65-F5344CB8AC3E}">
-        <p14:creationId xmlns:p14="http://schemas.microsoft.com/office/powerpoint/2010/main" val="2484894236"/>
       </p:ext>
     </p:extLst>
   </p:cSld>
@@ -7029,6 +7059,158 @@
           <a:gradFill flip="none" rotWithShape="1">
             <a:gsLst>
               <a:gs pos="26000">
+                <a:schemeClr val="accent1"/>
+              </a:gs>
+              <a:gs pos="100000">
+                <a:schemeClr val="accent1">
+                  <a:lumMod val="20000"/>
+                  <a:lumOff val="80000"/>
+                </a:schemeClr>
+              </a:gs>
+            </a:gsLst>
+            <a:lin ang="2700000" scaled="0"/>
+            <a:tileRect/>
+          </a:gradFill>
+          <a:ln>
+            <a:noFill/>
+          </a:ln>
+        </p:spPr>
+        <p:style>
+          <a:lnRef idx="2">
+            <a:schemeClr val="accent1">
+              <a:shade val="50000"/>
+            </a:schemeClr>
+          </a:lnRef>
+          <a:fillRef idx="1">
+            <a:schemeClr val="accent1"/>
+          </a:fillRef>
+          <a:effectRef idx="0">
+            <a:schemeClr val="accent1"/>
+          </a:effectRef>
+          <a:fontRef idx="minor">
+            <a:schemeClr val="lt1"/>
+          </a:fontRef>
+        </p:style>
+        <p:txBody>
+          <a:bodyPr rtlCol="0" anchor="ctr"/>
+          <a:lstStyle/>
+          <a:p>
+            <a:pPr algn="ctr"/>
+            <a:endParaRPr lang="en-US" dirty="0"/>
+          </a:p>
+        </p:txBody>
+      </p:sp>
+      <p:pic>
+        <p:nvPicPr>
+          <p:cNvPr id="19458" name="Picture 2" descr="https://pendekarsubs.us/wp-content/uploads/2019/02/pendekar-logo-1.png">
+            <a:extLst>
+              <a:ext uri="{FF2B5EF4-FFF2-40B4-BE49-F238E27FC236}">
+                <a16:creationId xmlns:a16="http://schemas.microsoft.com/office/drawing/2014/main" id="{B6F41F4E-E4AA-4293-A3CF-A571FF1AEFD6}"/>
+              </a:ext>
+            </a:extLst>
+          </p:cNvPr>
+          <p:cNvPicPr>
+            <a:picLocks noChangeAspect="1" noChangeArrowheads="1"/>
+          </p:cNvPicPr>
+          <p:nvPr/>
+        </p:nvPicPr>
+        <p:blipFill>
+          <a:blip r:embed="rId2">
+            <a:extLst>
+              <a:ext uri="{BEBA8EAE-BF5A-486C-A8C5-ECC9F3942E4B}">
+                <a14:imgProps xmlns:a14="http://schemas.microsoft.com/office/drawing/2010/main">
+                  <a14:imgLayer r:embed="rId3">
+                    <a14:imgEffect>
+                      <a14:brightnessContrast bright="100000" contrast="100000"/>
+                    </a14:imgEffect>
+                  </a14:imgLayer>
+                </a14:imgProps>
+              </a:ext>
+              <a:ext uri="{28A0092B-C50C-407E-A947-70E740481C1C}">
+                <a14:useLocalDpi xmlns:a14="http://schemas.microsoft.com/office/drawing/2010/main" val="0"/>
+              </a:ext>
+            </a:extLst>
+          </a:blip>
+          <a:srcRect/>
+          <a:stretch>
+            <a:fillRect/>
+          </a:stretch>
+        </p:blipFill>
+        <p:spPr bwMode="auto">
+          <a:xfrm>
+            <a:off x="605631" y="201612"/>
+            <a:ext cx="2352675" cy="784225"/>
+          </a:xfrm>
+          <a:prstGeom prst="rect">
+            <a:avLst/>
+          </a:prstGeom>
+          <a:noFill/>
+          <a:extLst>
+            <a:ext uri="{909E8E84-426E-40DD-AFC4-6F175D3DCCD1}">
+              <a14:hiddenFill xmlns:a14="http://schemas.microsoft.com/office/drawing/2010/main">
+                <a:solidFill>
+                  <a:srgbClr val="FFFFFF"/>
+                </a:solidFill>
+              </a14:hiddenFill>
+            </a:ext>
+          </a:extLst>
+        </p:spPr>
+      </p:pic>
+    </p:spTree>
+    <p:extLst>
+      <p:ext uri="{BB962C8B-B14F-4D97-AF65-F5344CB8AC3E}">
+        <p14:creationId xmlns:p14="http://schemas.microsoft.com/office/powerpoint/2010/main" val="2484894236"/>
+      </p:ext>
+    </p:extLst>
+  </p:cSld>
+  <p:clrMapOvr>
+    <a:masterClrMapping/>
+  </p:clrMapOvr>
+</p:sld>
+</file>
+
+<file path=ppt/slides/slide21.xml><?xml version="1.0" encoding="utf-8"?>
+<p:sld xmlns:a="http://schemas.openxmlformats.org/drawingml/2006/main" xmlns:r="http://schemas.openxmlformats.org/officeDocument/2006/relationships" xmlns:p="http://schemas.openxmlformats.org/presentationml/2006/main">
+  <p:cSld>
+    <p:spTree>
+      <p:nvGrpSpPr>
+        <p:cNvPr id="1" name=""/>
+        <p:cNvGrpSpPr/>
+        <p:nvPr/>
+      </p:nvGrpSpPr>
+      <p:grpSpPr>
+        <a:xfrm>
+          <a:off x="0" y="0"/>
+          <a:ext cx="0" cy="0"/>
+          <a:chOff x="0" y="0"/>
+          <a:chExt cx="0" cy="0"/>
+        </a:xfrm>
+      </p:grpSpPr>
+      <p:sp>
+        <p:nvSpPr>
+          <p:cNvPr id="4" name="Rectangle: Rounded Corners 3">
+            <a:extLst>
+              <a:ext uri="{FF2B5EF4-FFF2-40B4-BE49-F238E27FC236}">
+                <a16:creationId xmlns:a16="http://schemas.microsoft.com/office/drawing/2014/main" id="{8D6D9DF0-36ED-4863-B918-F6735D13A7C1}"/>
+              </a:ext>
+            </a:extLst>
+          </p:cNvPr>
+          <p:cNvSpPr/>
+          <p:nvPr/>
+        </p:nvSpPr>
+        <p:spPr>
+          <a:xfrm>
+            <a:off x="0" y="0"/>
+            <a:ext cx="3563938" cy="1187450"/>
+          </a:xfrm>
+          <a:prstGeom prst="roundRect">
+            <a:avLst>
+              <a:gd name="adj" fmla="val 50000"/>
+            </a:avLst>
+          </a:prstGeom>
+          <a:gradFill flip="none" rotWithShape="1">
+            <a:gsLst>
+              <a:gs pos="26000">
                 <a:schemeClr val="tx1"/>
               </a:gs>
               <a:gs pos="100000">
@@ -7127,7 +7309,7 @@
 </p:sld>
 </file>
 
-<file path=ppt/slides/slide21.xml><?xml version="1.0" encoding="utf-8"?>
+<file path=ppt/slides/slide22.xml><?xml version="1.0" encoding="utf-8"?>
 <p:sld xmlns:a="http://schemas.openxmlformats.org/drawingml/2006/main" xmlns:r="http://schemas.openxmlformats.org/officeDocument/2006/relationships" xmlns:p="http://schemas.openxmlformats.org/presentationml/2006/main">
   <p:cSld>
     <p:spTree>
@@ -7270,7 +7452,7 @@
 </p:sld>
 </file>
 
-<file path=ppt/slides/slide22.xml><?xml version="1.0" encoding="utf-8"?>
+<file path=ppt/slides/slide23.xml><?xml version="1.0" encoding="utf-8"?>
 <p:sld xmlns:a="http://schemas.openxmlformats.org/drawingml/2006/main" xmlns:r="http://schemas.openxmlformats.org/officeDocument/2006/relationships" xmlns:p="http://schemas.openxmlformats.org/presentationml/2006/main">
   <p:cSld>
     <p:spTree>
@@ -7462,7 +7644,7 @@
 </p:sld>
 </file>
 
-<file path=ppt/slides/slide23.xml><?xml version="1.0" encoding="utf-8"?>
+<file path=ppt/slides/slide24.xml><?xml version="1.0" encoding="utf-8"?>
 <p:sld xmlns:a="http://schemas.openxmlformats.org/drawingml/2006/main" xmlns:r="http://schemas.openxmlformats.org/officeDocument/2006/relationships" xmlns:p="http://schemas.openxmlformats.org/presentationml/2006/main">
   <p:cSld>
     <p:spTree>
@@ -7607,7 +7789,7 @@
 </p:sld>
 </file>
 
-<file path=ppt/slides/slide24.xml><?xml version="1.0" encoding="utf-8"?>
+<file path=ppt/slides/slide25.xml><?xml version="1.0" encoding="utf-8"?>
 <p:sld xmlns:a="http://schemas.openxmlformats.org/drawingml/2006/main" xmlns:r="http://schemas.openxmlformats.org/officeDocument/2006/relationships" xmlns:p="http://schemas.openxmlformats.org/presentationml/2006/main">
   <p:cSld>
     <p:spTree>
@@ -7842,7 +8024,7 @@
 </p:sld>
 </file>
 
-<file path=ppt/slides/slide25.xml><?xml version="1.0" encoding="utf-8"?>
+<file path=ppt/slides/slide26.xml><?xml version="1.0" encoding="utf-8"?>
 <p:sld xmlns:a="http://schemas.openxmlformats.org/drawingml/2006/main" xmlns:r="http://schemas.openxmlformats.org/officeDocument/2006/relationships" xmlns:p="http://schemas.openxmlformats.org/presentationml/2006/main">
   <p:cSld>
     <p:spTree>
@@ -7982,7 +8164,7 @@
 </p:sld>
 </file>
 
-<file path=ppt/slides/slide26.xml><?xml version="1.0" encoding="utf-8"?>
+<file path=ppt/slides/slide27.xml><?xml version="1.0" encoding="utf-8"?>
 <p:sld xmlns:a="http://schemas.openxmlformats.org/drawingml/2006/main" xmlns:r="http://schemas.openxmlformats.org/officeDocument/2006/relationships" xmlns:p="http://schemas.openxmlformats.org/presentationml/2006/main">
   <p:cSld>
     <p:spTree>
@@ -8122,7 +8304,7 @@
 </p:sld>
 </file>
 
-<file path=ppt/slides/slide27.xml><?xml version="1.0" encoding="utf-8"?>
+<file path=ppt/slides/slide28.xml><?xml version="1.0" encoding="utf-8"?>
 <p:sld xmlns:a="http://schemas.openxmlformats.org/drawingml/2006/main" xmlns:r="http://schemas.openxmlformats.org/officeDocument/2006/relationships" xmlns:p="http://schemas.openxmlformats.org/presentationml/2006/main">
   <p:cSld>
     <p:spTree>
@@ -8260,7 +8442,7 @@
 </p:sld>
 </file>
 
-<file path=ppt/slides/slide28.xml><?xml version="1.0" encoding="utf-8"?>
+<file path=ppt/slides/slide29.xml><?xml version="1.0" encoding="utf-8"?>
 <p:sld xmlns:a="http://schemas.openxmlformats.org/drawingml/2006/main" xmlns:r="http://schemas.openxmlformats.org/officeDocument/2006/relationships" xmlns:p="http://schemas.openxmlformats.org/presentationml/2006/main">
   <p:cSld>
     <p:spTree>
@@ -8389,146 +8571,6 @@
     <p:extLst>
       <p:ext uri="{BB962C8B-B14F-4D97-AF65-F5344CB8AC3E}">
         <p14:creationId xmlns:p14="http://schemas.microsoft.com/office/powerpoint/2010/main" val="1736296804"/>
-      </p:ext>
-    </p:extLst>
-  </p:cSld>
-  <p:clrMapOvr>
-    <a:masterClrMapping/>
-  </p:clrMapOvr>
-</p:sld>
-</file>
-
-<file path=ppt/slides/slide29.xml><?xml version="1.0" encoding="utf-8"?>
-<p:sld xmlns:a="http://schemas.openxmlformats.org/drawingml/2006/main" xmlns:r="http://schemas.openxmlformats.org/officeDocument/2006/relationships" xmlns:p="http://schemas.openxmlformats.org/presentationml/2006/main">
-  <p:cSld>
-    <p:spTree>
-      <p:nvGrpSpPr>
-        <p:cNvPr id="1" name=""/>
-        <p:cNvGrpSpPr/>
-        <p:nvPr/>
-      </p:nvGrpSpPr>
-      <p:grpSpPr>
-        <a:xfrm>
-          <a:off x="0" y="0"/>
-          <a:ext cx="0" cy="0"/>
-          <a:chOff x="0" y="0"/>
-          <a:chExt cx="0" cy="0"/>
-        </a:xfrm>
-      </p:grpSpPr>
-      <p:sp>
-        <p:nvSpPr>
-          <p:cNvPr id="4" name="Rectangle: Rounded Corners 3">
-            <a:extLst>
-              <a:ext uri="{FF2B5EF4-FFF2-40B4-BE49-F238E27FC236}">
-                <a16:creationId xmlns:a16="http://schemas.microsoft.com/office/drawing/2014/main" id="{8D6D9DF0-36ED-4863-B918-F6735D13A7C1}"/>
-              </a:ext>
-            </a:extLst>
-          </p:cNvPr>
-          <p:cNvSpPr/>
-          <p:nvPr/>
-        </p:nvSpPr>
-        <p:spPr>
-          <a:xfrm>
-            <a:off x="0" y="0"/>
-            <a:ext cx="3563938" cy="1187450"/>
-          </a:xfrm>
-          <a:prstGeom prst="roundRect">
-            <a:avLst>
-              <a:gd name="adj" fmla="val 50000"/>
-            </a:avLst>
-          </a:prstGeom>
-          <a:gradFill flip="none" rotWithShape="1">
-            <a:gsLst>
-              <a:gs pos="26000">
-                <a:srgbClr val="020321"/>
-              </a:gs>
-              <a:gs pos="100000">
-                <a:srgbClr val="202D91"/>
-              </a:gs>
-            </a:gsLst>
-            <a:lin ang="2700000" scaled="0"/>
-            <a:tileRect/>
-          </a:gradFill>
-          <a:ln>
-            <a:noFill/>
-          </a:ln>
-        </p:spPr>
-        <p:style>
-          <a:lnRef idx="2">
-            <a:schemeClr val="accent1">
-              <a:shade val="50000"/>
-            </a:schemeClr>
-          </a:lnRef>
-          <a:fillRef idx="1">
-            <a:schemeClr val="accent1"/>
-          </a:fillRef>
-          <a:effectRef idx="0">
-            <a:schemeClr val="accent1"/>
-          </a:effectRef>
-          <a:fontRef idx="minor">
-            <a:schemeClr val="lt1"/>
-          </a:fontRef>
-        </p:style>
-        <p:txBody>
-          <a:bodyPr rtlCol="0" anchor="ctr"/>
-          <a:lstStyle/>
-          <a:p>
-            <a:pPr algn="ctr"/>
-            <a:endParaRPr lang="en-US" dirty="0"/>
-          </a:p>
-        </p:txBody>
-      </p:sp>
-      <p:sp>
-        <p:nvSpPr>
-          <p:cNvPr id="3" name="TextBox 2">
-            <a:extLst>
-              <a:ext uri="{FF2B5EF4-FFF2-40B4-BE49-F238E27FC236}">
-                <a16:creationId xmlns:a16="http://schemas.microsoft.com/office/drawing/2014/main" id="{7872C401-B53A-4101-AE6A-EACD671B1CDD}"/>
-              </a:ext>
-            </a:extLst>
-          </p:cNvPr>
-          <p:cNvSpPr txBox="1"/>
-          <p:nvPr/>
-        </p:nvSpPr>
-        <p:spPr>
-          <a:xfrm>
-            <a:off x="387509" y="140424"/>
-            <a:ext cx="2788920" cy="769441"/>
-          </a:xfrm>
-          <a:prstGeom prst="rect">
-            <a:avLst/>
-          </a:prstGeom>
-          <a:noFill/>
-        </p:spPr>
-        <p:txBody>
-          <a:bodyPr wrap="square" rtlCol="0">
-            <a:spAutoFit/>
-          </a:bodyPr>
-          <a:lstStyle/>
-          <a:p>
-            <a:pPr algn="ctr"/>
-            <a:r>
-              <a:rPr lang="id-ID" sz="4400" dirty="0">
-                <a:solidFill>
-                  <a:schemeClr val="bg1"/>
-                </a:solidFill>
-                <a:latin typeface="Single Fighter" panose="02000500000000000000" pitchFamily="50" charset="0"/>
-              </a:rPr>
-              <a:t>KAZEFURI</a:t>
-            </a:r>
-            <a:endParaRPr lang="en-US" sz="4400" dirty="0">
-              <a:solidFill>
-                <a:schemeClr val="bg1"/>
-              </a:solidFill>
-              <a:latin typeface="Single Fighter" panose="02000500000000000000" pitchFamily="50" charset="0"/>
-            </a:endParaRPr>
-          </a:p>
-        </p:txBody>
-      </p:sp>
-    </p:spTree>
-    <p:extLst>
-      <p:ext uri="{BB962C8B-B14F-4D97-AF65-F5344CB8AC3E}">
-        <p14:creationId xmlns:p14="http://schemas.microsoft.com/office/powerpoint/2010/main" val="3545101030"/>
       </p:ext>
     </p:extLst>
   </p:cSld>
@@ -8781,6 +8823,146 @@
           <a:gradFill flip="none" rotWithShape="1">
             <a:gsLst>
               <a:gs pos="26000">
+                <a:srgbClr val="020321"/>
+              </a:gs>
+              <a:gs pos="100000">
+                <a:srgbClr val="202D91"/>
+              </a:gs>
+            </a:gsLst>
+            <a:lin ang="2700000" scaled="0"/>
+            <a:tileRect/>
+          </a:gradFill>
+          <a:ln>
+            <a:noFill/>
+          </a:ln>
+        </p:spPr>
+        <p:style>
+          <a:lnRef idx="2">
+            <a:schemeClr val="accent1">
+              <a:shade val="50000"/>
+            </a:schemeClr>
+          </a:lnRef>
+          <a:fillRef idx="1">
+            <a:schemeClr val="accent1"/>
+          </a:fillRef>
+          <a:effectRef idx="0">
+            <a:schemeClr val="accent1"/>
+          </a:effectRef>
+          <a:fontRef idx="minor">
+            <a:schemeClr val="lt1"/>
+          </a:fontRef>
+        </p:style>
+        <p:txBody>
+          <a:bodyPr rtlCol="0" anchor="ctr"/>
+          <a:lstStyle/>
+          <a:p>
+            <a:pPr algn="ctr"/>
+            <a:endParaRPr lang="en-US" dirty="0"/>
+          </a:p>
+        </p:txBody>
+      </p:sp>
+      <p:sp>
+        <p:nvSpPr>
+          <p:cNvPr id="3" name="TextBox 2">
+            <a:extLst>
+              <a:ext uri="{FF2B5EF4-FFF2-40B4-BE49-F238E27FC236}">
+                <a16:creationId xmlns:a16="http://schemas.microsoft.com/office/drawing/2014/main" id="{7872C401-B53A-4101-AE6A-EACD671B1CDD}"/>
+              </a:ext>
+            </a:extLst>
+          </p:cNvPr>
+          <p:cNvSpPr txBox="1"/>
+          <p:nvPr/>
+        </p:nvSpPr>
+        <p:spPr>
+          <a:xfrm>
+            <a:off x="387509" y="140424"/>
+            <a:ext cx="2788920" cy="769441"/>
+          </a:xfrm>
+          <a:prstGeom prst="rect">
+            <a:avLst/>
+          </a:prstGeom>
+          <a:noFill/>
+        </p:spPr>
+        <p:txBody>
+          <a:bodyPr wrap="square" rtlCol="0">
+            <a:spAutoFit/>
+          </a:bodyPr>
+          <a:lstStyle/>
+          <a:p>
+            <a:pPr algn="ctr"/>
+            <a:r>
+              <a:rPr lang="id-ID" sz="4400" dirty="0">
+                <a:solidFill>
+                  <a:schemeClr val="bg1"/>
+                </a:solidFill>
+                <a:latin typeface="Single Fighter" panose="02000500000000000000" pitchFamily="50" charset="0"/>
+              </a:rPr>
+              <a:t>KAZEFURI</a:t>
+            </a:r>
+            <a:endParaRPr lang="en-US" sz="4400" dirty="0">
+              <a:solidFill>
+                <a:schemeClr val="bg1"/>
+              </a:solidFill>
+              <a:latin typeface="Single Fighter" panose="02000500000000000000" pitchFamily="50" charset="0"/>
+            </a:endParaRPr>
+          </a:p>
+        </p:txBody>
+      </p:sp>
+    </p:spTree>
+    <p:extLst>
+      <p:ext uri="{BB962C8B-B14F-4D97-AF65-F5344CB8AC3E}">
+        <p14:creationId xmlns:p14="http://schemas.microsoft.com/office/powerpoint/2010/main" val="3545101030"/>
+      </p:ext>
+    </p:extLst>
+  </p:cSld>
+  <p:clrMapOvr>
+    <a:masterClrMapping/>
+  </p:clrMapOvr>
+</p:sld>
+</file>
+
+<file path=ppt/slides/slide31.xml><?xml version="1.0" encoding="utf-8"?>
+<p:sld xmlns:a="http://schemas.openxmlformats.org/drawingml/2006/main" xmlns:r="http://schemas.openxmlformats.org/officeDocument/2006/relationships" xmlns:p="http://schemas.openxmlformats.org/presentationml/2006/main">
+  <p:cSld>
+    <p:spTree>
+      <p:nvGrpSpPr>
+        <p:cNvPr id="1" name=""/>
+        <p:cNvGrpSpPr/>
+        <p:nvPr/>
+      </p:nvGrpSpPr>
+      <p:grpSpPr>
+        <a:xfrm>
+          <a:off x="0" y="0"/>
+          <a:ext cx="0" cy="0"/>
+          <a:chOff x="0" y="0"/>
+          <a:chExt cx="0" cy="0"/>
+        </a:xfrm>
+      </p:grpSpPr>
+      <p:sp>
+        <p:nvSpPr>
+          <p:cNvPr id="4" name="Rectangle: Rounded Corners 3">
+            <a:extLst>
+              <a:ext uri="{FF2B5EF4-FFF2-40B4-BE49-F238E27FC236}">
+                <a16:creationId xmlns:a16="http://schemas.microsoft.com/office/drawing/2014/main" id="{8D6D9DF0-36ED-4863-B918-F6735D13A7C1}"/>
+              </a:ext>
+            </a:extLst>
+          </p:cNvPr>
+          <p:cNvSpPr/>
+          <p:nvPr/>
+        </p:nvSpPr>
+        <p:spPr>
+          <a:xfrm>
+            <a:off x="0" y="0"/>
+            <a:ext cx="3563938" cy="1187450"/>
+          </a:xfrm>
+          <a:prstGeom prst="roundRect">
+            <a:avLst>
+              <a:gd name="adj" fmla="val 50000"/>
+            </a:avLst>
+          </a:prstGeom>
+          <a:gradFill flip="none" rotWithShape="1">
+            <a:gsLst>
+              <a:gs pos="26000">
                 <a:schemeClr val="tx1"/>
               </a:gs>
               <a:gs pos="100000">
@@ -8888,7 +9070,7 @@
 </p:sld>
 </file>
 
-<file path=ppt/slides/slide31.xml><?xml version="1.0" encoding="utf-8"?>
+<file path=ppt/slides/slide32.xml><?xml version="1.0" encoding="utf-8"?>
 <p:sld xmlns:a="http://schemas.openxmlformats.org/drawingml/2006/main" xmlns:r="http://schemas.openxmlformats.org/officeDocument/2006/relationships" xmlns:p="http://schemas.openxmlformats.org/presentationml/2006/main">
   <p:cSld>
     <p:spTree>
@@ -9028,7 +9210,7 @@
 </p:sld>
 </file>
 
-<file path=ppt/slides/slide32.xml><?xml version="1.0" encoding="utf-8"?>
+<file path=ppt/slides/slide33.xml><?xml version="1.0" encoding="utf-8"?>
 <p:sld xmlns:a="http://schemas.openxmlformats.org/drawingml/2006/main" xmlns:r="http://schemas.openxmlformats.org/officeDocument/2006/relationships" xmlns:p="http://schemas.openxmlformats.org/presentationml/2006/main">
   <p:cSld>
     <p:spTree>
@@ -9168,7 +9350,7 @@
 </p:sld>
 </file>
 
-<file path=ppt/slides/slide33.xml><?xml version="1.0" encoding="utf-8"?>
+<file path=ppt/slides/slide34.xml><?xml version="1.0" encoding="utf-8"?>
 <p:sld xmlns:a="http://schemas.openxmlformats.org/drawingml/2006/main" xmlns:r="http://schemas.openxmlformats.org/officeDocument/2006/relationships" xmlns:p="http://schemas.openxmlformats.org/presentationml/2006/main">
   <p:cSld>
     <p:spTree>
@@ -9308,7 +9490,7 @@
 </p:sld>
 </file>
 
-<file path=ppt/slides/slide34.xml><?xml version="1.0" encoding="utf-8"?>
+<file path=ppt/slides/slide35.xml><?xml version="1.0" encoding="utf-8"?>
 <p:sld xmlns:a="http://schemas.openxmlformats.org/drawingml/2006/main" xmlns:r="http://schemas.openxmlformats.org/officeDocument/2006/relationships" xmlns:p="http://schemas.openxmlformats.org/presentationml/2006/main">
   <p:cSld>
     <p:spTree>
@@ -9448,7 +9630,7 @@
 </p:sld>
 </file>
 
-<file path=ppt/slides/slide35.xml><?xml version="1.0" encoding="utf-8"?>
+<file path=ppt/slides/slide36.xml><?xml version="1.0" encoding="utf-8"?>
 <p:sld xmlns:a="http://schemas.openxmlformats.org/drawingml/2006/main" xmlns:r="http://schemas.openxmlformats.org/officeDocument/2006/relationships" xmlns:p="http://schemas.openxmlformats.org/presentationml/2006/main">
   <p:cSld>
     <p:spTree>
@@ -9571,7 +9753,7 @@
 </p:sld>
 </file>
 
-<file path=ppt/slides/slide36.xml><?xml version="1.0" encoding="utf-8"?>
+<file path=ppt/slides/slide37.xml><?xml version="1.0" encoding="utf-8"?>
 <p:sld xmlns:a="http://schemas.openxmlformats.org/drawingml/2006/main" xmlns:r="http://schemas.openxmlformats.org/officeDocument/2006/relationships" xmlns:p="http://schemas.openxmlformats.org/presentationml/2006/main">
   <p:cSld>
     <p:spTree>
@@ -9711,7 +9893,7 @@
 </p:sld>
 </file>
 
-<file path=ppt/slides/slide37.xml><?xml version="1.0" encoding="utf-8"?>
+<file path=ppt/slides/slide38.xml><?xml version="1.0" encoding="utf-8"?>
 <p:sld xmlns:a="http://schemas.openxmlformats.org/drawingml/2006/main" xmlns:r="http://schemas.openxmlformats.org/officeDocument/2006/relationships" xmlns:p="http://schemas.openxmlformats.org/presentationml/2006/main">
   <p:cSld>
     <p:spTree>
@@ -9851,7 +10033,7 @@
 </p:sld>
 </file>
 
-<file path=ppt/slides/slide38.xml><?xml version="1.0" encoding="utf-8"?>
+<file path=ppt/slides/slide39.xml><?xml version="1.0" encoding="utf-8"?>
 <p:sld xmlns:a="http://schemas.openxmlformats.org/drawingml/2006/main" xmlns:r="http://schemas.openxmlformats.org/officeDocument/2006/relationships" xmlns:p="http://schemas.openxmlformats.org/presentationml/2006/main">
   <p:cSld>
     <p:spTree>
@@ -9991,232 +10173,6 @@
     <p:extLst>
       <p:ext uri="{BB962C8B-B14F-4D97-AF65-F5344CB8AC3E}">
         <p14:creationId xmlns:p14="http://schemas.microsoft.com/office/powerpoint/2010/main" val="889022910"/>
-      </p:ext>
-    </p:extLst>
-  </p:cSld>
-  <p:clrMapOvr>
-    <a:masterClrMapping/>
-  </p:clrMapOvr>
-</p:sld>
-</file>
-
-<file path=ppt/slides/slide39.xml><?xml version="1.0" encoding="utf-8"?>
-<p:sld xmlns:a="http://schemas.openxmlformats.org/drawingml/2006/main" xmlns:r="http://schemas.openxmlformats.org/officeDocument/2006/relationships" xmlns:p="http://schemas.openxmlformats.org/presentationml/2006/main">
-  <p:cSld>
-    <p:spTree>
-      <p:nvGrpSpPr>
-        <p:cNvPr id="1" name=""/>
-        <p:cNvGrpSpPr/>
-        <p:nvPr/>
-      </p:nvGrpSpPr>
-      <p:grpSpPr>
-        <a:xfrm>
-          <a:off x="0" y="0"/>
-          <a:ext cx="0" cy="0"/>
-          <a:chOff x="0" y="0"/>
-          <a:chExt cx="0" cy="0"/>
-        </a:xfrm>
-      </p:grpSpPr>
-      <p:sp>
-        <p:nvSpPr>
-          <p:cNvPr id="4" name="Rectangle: Rounded Corners 3">
-            <a:extLst>
-              <a:ext uri="{FF2B5EF4-FFF2-40B4-BE49-F238E27FC236}">
-                <a16:creationId xmlns:a16="http://schemas.microsoft.com/office/drawing/2014/main" id="{8D6D9DF0-36ED-4863-B918-F6735D13A7C1}"/>
-              </a:ext>
-            </a:extLst>
-          </p:cNvPr>
-          <p:cNvSpPr/>
-          <p:nvPr/>
-        </p:nvSpPr>
-        <p:spPr>
-          <a:xfrm>
-            <a:off x="0" y="0"/>
-            <a:ext cx="3563938" cy="1187450"/>
-          </a:xfrm>
-          <a:prstGeom prst="roundRect">
-            <a:avLst>
-              <a:gd name="adj" fmla="val 50000"/>
-            </a:avLst>
-          </a:prstGeom>
-          <a:gradFill flip="none" rotWithShape="1">
-            <a:gsLst>
-              <a:gs pos="26000">
-                <a:srgbClr val="BA3D31"/>
-              </a:gs>
-              <a:gs pos="100000">
-                <a:srgbClr val="E74B3C"/>
-              </a:gs>
-            </a:gsLst>
-            <a:lin ang="2700000" scaled="0"/>
-            <a:tileRect/>
-          </a:gradFill>
-          <a:ln>
-            <a:noFill/>
-          </a:ln>
-        </p:spPr>
-        <p:style>
-          <a:lnRef idx="2">
-            <a:schemeClr val="accent1">
-              <a:shade val="50000"/>
-            </a:schemeClr>
-          </a:lnRef>
-          <a:fillRef idx="1">
-            <a:schemeClr val="accent1"/>
-          </a:fillRef>
-          <a:effectRef idx="0">
-            <a:schemeClr val="accent1"/>
-          </a:effectRef>
-          <a:fontRef idx="minor">
-            <a:schemeClr val="lt1"/>
-          </a:fontRef>
-        </p:style>
-        <p:txBody>
-          <a:bodyPr rtlCol="0" anchor="ctr"/>
-          <a:lstStyle/>
-          <a:p>
-            <a:pPr algn="ctr"/>
-            <a:endParaRPr lang="en-US" dirty="0"/>
-          </a:p>
-        </p:txBody>
-      </p:sp>
-      <p:grpSp>
-        <p:nvGrpSpPr>
-          <p:cNvPr id="3" name="Group 2">
-            <a:extLst>
-              <a:ext uri="{FF2B5EF4-FFF2-40B4-BE49-F238E27FC236}">
-                <a16:creationId xmlns:a16="http://schemas.microsoft.com/office/drawing/2014/main" id="{2604B08D-9533-4334-93DB-3625E4855428}"/>
-              </a:ext>
-            </a:extLst>
-          </p:cNvPr>
-          <p:cNvGrpSpPr/>
-          <p:nvPr/>
-        </p:nvGrpSpPr>
-        <p:grpSpPr>
-          <a:xfrm>
-            <a:off x="480219" y="179387"/>
-            <a:ext cx="2603500" cy="828675"/>
-            <a:chOff x="406400" y="179387"/>
-            <a:chExt cx="2603500" cy="828675"/>
-          </a:xfrm>
-        </p:grpSpPr>
-        <p:pic>
-          <p:nvPicPr>
-            <p:cNvPr id="31746" name="Picture 2" descr="https://www.anibatch.me/wp-content/uploads/2015/10/cropped-11214148_1464291883892938_5502472493587871470_n-192x192.png">
-              <a:extLst>
-                <a:ext uri="{FF2B5EF4-FFF2-40B4-BE49-F238E27FC236}">
-                  <a16:creationId xmlns:a16="http://schemas.microsoft.com/office/drawing/2014/main" id="{21AD9319-E1B3-45D9-B385-8FE9B638406F}"/>
-                </a:ext>
-              </a:extLst>
-            </p:cNvPr>
-            <p:cNvPicPr>
-              <a:picLocks noChangeAspect="1" noChangeArrowheads="1"/>
-            </p:cNvPicPr>
-            <p:nvPr/>
-          </p:nvPicPr>
-          <p:blipFill>
-            <a:blip r:embed="rId2">
-              <a:extLst>
-                <a:ext uri="{BEBA8EAE-BF5A-486C-A8C5-ECC9F3942E4B}">
-                  <a14:imgProps xmlns:a14="http://schemas.microsoft.com/office/drawing/2010/main">
-                    <a14:imgLayer r:embed="rId3">
-                      <a14:imgEffect>
-                        <a14:backgroundRemoval t="9896" b="89063" l="8854" r="95313">
-                          <a14:foregroundMark x1="91146" y1="47917" x2="91146" y2="47917"/>
-                          <a14:foregroundMark x1="95833" y1="49479" x2="95833" y2="49479"/>
-                          <a14:foregroundMark x1="8854" y1="21875" x2="8854" y2="21875"/>
-                        </a14:backgroundRemoval>
-                      </a14:imgEffect>
-                    </a14:imgLayer>
-                  </a14:imgProps>
-                </a:ext>
-                <a:ext uri="{28A0092B-C50C-407E-A947-70E740481C1C}">
-                  <a14:useLocalDpi xmlns:a14="http://schemas.microsoft.com/office/drawing/2010/main" val="0"/>
-                </a:ext>
-              </a:extLst>
-            </a:blip>
-            <a:srcRect/>
-            <a:stretch>
-              <a:fillRect/>
-            </a:stretch>
-          </p:blipFill>
-          <p:spPr bwMode="auto">
-            <a:xfrm>
-              <a:off x="406400" y="179387"/>
-              <a:ext cx="828675" cy="828675"/>
-            </a:xfrm>
-            <a:prstGeom prst="rect">
-              <a:avLst/>
-            </a:prstGeom>
-            <a:noFill/>
-            <a:effectLst>
-              <a:outerShdw blurRad="50800" dist="38100" dir="2700000" algn="tl" rotWithShape="0">
-                <a:prstClr val="black">
-                  <a:alpha val="36000"/>
-                </a:prstClr>
-              </a:outerShdw>
-            </a:effectLst>
-            <a:extLst>
-              <a:ext uri="{909E8E84-426E-40DD-AFC4-6F175D3DCCD1}">
-                <a14:hiddenFill xmlns:a14="http://schemas.microsoft.com/office/drawing/2010/main">
-                  <a:solidFill>
-                    <a:srgbClr val="FFFFFF"/>
-                  </a:solidFill>
-                </a14:hiddenFill>
-              </a:ext>
-            </a:extLst>
-          </p:spPr>
-        </p:pic>
-        <p:sp>
-          <p:nvSpPr>
-            <p:cNvPr id="2" name="TextBox 1">
-              <a:extLst>
-                <a:ext uri="{FF2B5EF4-FFF2-40B4-BE49-F238E27FC236}">
-                  <a16:creationId xmlns:a16="http://schemas.microsoft.com/office/drawing/2014/main" id="{A5065BF5-162C-43B0-9169-E8DB4A328A4D}"/>
-                </a:ext>
-              </a:extLst>
-            </p:cNvPr>
-            <p:cNvSpPr txBox="1"/>
-            <p:nvPr/>
-          </p:nvSpPr>
-          <p:spPr>
-            <a:xfrm>
-              <a:off x="1343025" y="301336"/>
-              <a:ext cx="1666875" cy="584775"/>
-            </a:xfrm>
-            <a:prstGeom prst="rect">
-              <a:avLst/>
-            </a:prstGeom>
-            <a:noFill/>
-          </p:spPr>
-          <p:txBody>
-            <a:bodyPr wrap="square" rtlCol="0">
-              <a:spAutoFit/>
-            </a:bodyPr>
-            <a:lstStyle/>
-            <a:p>
-              <a:pPr algn="dist"/>
-              <a:r>
-                <a:rPr lang="id-ID" sz="3200" dirty="0">
-                  <a:solidFill>
-                    <a:schemeClr val="bg1"/>
-                  </a:solidFill>
-                </a:rPr>
-                <a:t>AniBatch</a:t>
-              </a:r>
-              <a:endParaRPr lang="en-US" sz="3200" dirty="0">
-                <a:solidFill>
-                  <a:schemeClr val="bg1"/>
-                </a:solidFill>
-              </a:endParaRPr>
-            </a:p>
-          </p:txBody>
-        </p:sp>
-      </p:grpSp>
-    </p:spTree>
-    <p:extLst>
-      <p:ext uri="{BB962C8B-B14F-4D97-AF65-F5344CB8AC3E}">
-        <p14:creationId xmlns:p14="http://schemas.microsoft.com/office/powerpoint/2010/main" val="3048235945"/>
       </p:ext>
     </p:extLst>
   </p:cSld>
@@ -10491,6 +10447,232 @@
           <a:gradFill flip="none" rotWithShape="1">
             <a:gsLst>
               <a:gs pos="26000">
+                <a:srgbClr val="BA3D31"/>
+              </a:gs>
+              <a:gs pos="100000">
+                <a:srgbClr val="E74B3C"/>
+              </a:gs>
+            </a:gsLst>
+            <a:lin ang="2700000" scaled="0"/>
+            <a:tileRect/>
+          </a:gradFill>
+          <a:ln>
+            <a:noFill/>
+          </a:ln>
+        </p:spPr>
+        <p:style>
+          <a:lnRef idx="2">
+            <a:schemeClr val="accent1">
+              <a:shade val="50000"/>
+            </a:schemeClr>
+          </a:lnRef>
+          <a:fillRef idx="1">
+            <a:schemeClr val="accent1"/>
+          </a:fillRef>
+          <a:effectRef idx="0">
+            <a:schemeClr val="accent1"/>
+          </a:effectRef>
+          <a:fontRef idx="minor">
+            <a:schemeClr val="lt1"/>
+          </a:fontRef>
+        </p:style>
+        <p:txBody>
+          <a:bodyPr rtlCol="0" anchor="ctr"/>
+          <a:lstStyle/>
+          <a:p>
+            <a:pPr algn="ctr"/>
+            <a:endParaRPr lang="en-US" dirty="0"/>
+          </a:p>
+        </p:txBody>
+      </p:sp>
+      <p:grpSp>
+        <p:nvGrpSpPr>
+          <p:cNvPr id="3" name="Group 2">
+            <a:extLst>
+              <a:ext uri="{FF2B5EF4-FFF2-40B4-BE49-F238E27FC236}">
+                <a16:creationId xmlns:a16="http://schemas.microsoft.com/office/drawing/2014/main" id="{2604B08D-9533-4334-93DB-3625E4855428}"/>
+              </a:ext>
+            </a:extLst>
+          </p:cNvPr>
+          <p:cNvGrpSpPr/>
+          <p:nvPr/>
+        </p:nvGrpSpPr>
+        <p:grpSpPr>
+          <a:xfrm>
+            <a:off x="480219" y="179387"/>
+            <a:ext cx="2603500" cy="828675"/>
+            <a:chOff x="406400" y="179387"/>
+            <a:chExt cx="2603500" cy="828675"/>
+          </a:xfrm>
+        </p:grpSpPr>
+        <p:pic>
+          <p:nvPicPr>
+            <p:cNvPr id="31746" name="Picture 2" descr="https://www.anibatch.me/wp-content/uploads/2015/10/cropped-11214148_1464291883892938_5502472493587871470_n-192x192.png">
+              <a:extLst>
+                <a:ext uri="{FF2B5EF4-FFF2-40B4-BE49-F238E27FC236}">
+                  <a16:creationId xmlns:a16="http://schemas.microsoft.com/office/drawing/2014/main" id="{21AD9319-E1B3-45D9-B385-8FE9B638406F}"/>
+                </a:ext>
+              </a:extLst>
+            </p:cNvPr>
+            <p:cNvPicPr>
+              <a:picLocks noChangeAspect="1" noChangeArrowheads="1"/>
+            </p:cNvPicPr>
+            <p:nvPr/>
+          </p:nvPicPr>
+          <p:blipFill>
+            <a:blip r:embed="rId2">
+              <a:extLst>
+                <a:ext uri="{BEBA8EAE-BF5A-486C-A8C5-ECC9F3942E4B}">
+                  <a14:imgProps xmlns:a14="http://schemas.microsoft.com/office/drawing/2010/main">
+                    <a14:imgLayer r:embed="rId3">
+                      <a14:imgEffect>
+                        <a14:backgroundRemoval t="9896" b="89063" l="8854" r="95313">
+                          <a14:foregroundMark x1="91146" y1="47917" x2="91146" y2="47917"/>
+                          <a14:foregroundMark x1="95833" y1="49479" x2="95833" y2="49479"/>
+                          <a14:foregroundMark x1="8854" y1="21875" x2="8854" y2="21875"/>
+                        </a14:backgroundRemoval>
+                      </a14:imgEffect>
+                    </a14:imgLayer>
+                  </a14:imgProps>
+                </a:ext>
+                <a:ext uri="{28A0092B-C50C-407E-A947-70E740481C1C}">
+                  <a14:useLocalDpi xmlns:a14="http://schemas.microsoft.com/office/drawing/2010/main" val="0"/>
+                </a:ext>
+              </a:extLst>
+            </a:blip>
+            <a:srcRect/>
+            <a:stretch>
+              <a:fillRect/>
+            </a:stretch>
+          </p:blipFill>
+          <p:spPr bwMode="auto">
+            <a:xfrm>
+              <a:off x="406400" y="179387"/>
+              <a:ext cx="828675" cy="828675"/>
+            </a:xfrm>
+            <a:prstGeom prst="rect">
+              <a:avLst/>
+            </a:prstGeom>
+            <a:noFill/>
+            <a:effectLst>
+              <a:outerShdw blurRad="50800" dist="38100" dir="2700000" algn="tl" rotWithShape="0">
+                <a:prstClr val="black">
+                  <a:alpha val="36000"/>
+                </a:prstClr>
+              </a:outerShdw>
+            </a:effectLst>
+            <a:extLst>
+              <a:ext uri="{909E8E84-426E-40DD-AFC4-6F175D3DCCD1}">
+                <a14:hiddenFill xmlns:a14="http://schemas.microsoft.com/office/drawing/2010/main">
+                  <a:solidFill>
+                    <a:srgbClr val="FFFFFF"/>
+                  </a:solidFill>
+                </a14:hiddenFill>
+              </a:ext>
+            </a:extLst>
+          </p:spPr>
+        </p:pic>
+        <p:sp>
+          <p:nvSpPr>
+            <p:cNvPr id="2" name="TextBox 1">
+              <a:extLst>
+                <a:ext uri="{FF2B5EF4-FFF2-40B4-BE49-F238E27FC236}">
+                  <a16:creationId xmlns:a16="http://schemas.microsoft.com/office/drawing/2014/main" id="{A5065BF5-162C-43B0-9169-E8DB4A328A4D}"/>
+                </a:ext>
+              </a:extLst>
+            </p:cNvPr>
+            <p:cNvSpPr txBox="1"/>
+            <p:nvPr/>
+          </p:nvSpPr>
+          <p:spPr>
+            <a:xfrm>
+              <a:off x="1343025" y="301336"/>
+              <a:ext cx="1666875" cy="584775"/>
+            </a:xfrm>
+            <a:prstGeom prst="rect">
+              <a:avLst/>
+            </a:prstGeom>
+            <a:noFill/>
+          </p:spPr>
+          <p:txBody>
+            <a:bodyPr wrap="square" rtlCol="0">
+              <a:spAutoFit/>
+            </a:bodyPr>
+            <a:lstStyle/>
+            <a:p>
+              <a:pPr algn="dist"/>
+              <a:r>
+                <a:rPr lang="id-ID" sz="3200" dirty="0">
+                  <a:solidFill>
+                    <a:schemeClr val="bg1"/>
+                  </a:solidFill>
+                </a:rPr>
+                <a:t>AniBatch</a:t>
+              </a:r>
+              <a:endParaRPr lang="en-US" sz="3200" dirty="0">
+                <a:solidFill>
+                  <a:schemeClr val="bg1"/>
+                </a:solidFill>
+              </a:endParaRPr>
+            </a:p>
+          </p:txBody>
+        </p:sp>
+      </p:grpSp>
+    </p:spTree>
+    <p:extLst>
+      <p:ext uri="{BB962C8B-B14F-4D97-AF65-F5344CB8AC3E}">
+        <p14:creationId xmlns:p14="http://schemas.microsoft.com/office/powerpoint/2010/main" val="3048235945"/>
+      </p:ext>
+    </p:extLst>
+  </p:cSld>
+  <p:clrMapOvr>
+    <a:masterClrMapping/>
+  </p:clrMapOvr>
+</p:sld>
+</file>
+
+<file path=ppt/slides/slide41.xml><?xml version="1.0" encoding="utf-8"?>
+<p:sld xmlns:a="http://schemas.openxmlformats.org/drawingml/2006/main" xmlns:r="http://schemas.openxmlformats.org/officeDocument/2006/relationships" xmlns:p="http://schemas.openxmlformats.org/presentationml/2006/main">
+  <p:cSld>
+    <p:spTree>
+      <p:nvGrpSpPr>
+        <p:cNvPr id="1" name=""/>
+        <p:cNvGrpSpPr/>
+        <p:nvPr/>
+      </p:nvGrpSpPr>
+      <p:grpSpPr>
+        <a:xfrm>
+          <a:off x="0" y="0"/>
+          <a:ext cx="0" cy="0"/>
+          <a:chOff x="0" y="0"/>
+          <a:chExt cx="0" cy="0"/>
+        </a:xfrm>
+      </p:grpSpPr>
+      <p:sp>
+        <p:nvSpPr>
+          <p:cNvPr id="4" name="Rectangle: Rounded Corners 3">
+            <a:extLst>
+              <a:ext uri="{FF2B5EF4-FFF2-40B4-BE49-F238E27FC236}">
+                <a16:creationId xmlns:a16="http://schemas.microsoft.com/office/drawing/2014/main" id="{8D6D9DF0-36ED-4863-B918-F6735D13A7C1}"/>
+              </a:ext>
+            </a:extLst>
+          </p:cNvPr>
+          <p:cNvSpPr/>
+          <p:nvPr/>
+        </p:nvSpPr>
+        <p:spPr>
+          <a:xfrm>
+            <a:off x="0" y="0"/>
+            <a:ext cx="3563938" cy="1187450"/>
+          </a:xfrm>
+          <a:prstGeom prst="roundRect">
+            <a:avLst>
+              <a:gd name="adj" fmla="val 50000"/>
+            </a:avLst>
+          </a:prstGeom>
+          <a:gradFill flip="none" rotWithShape="1">
+            <a:gsLst>
+              <a:gs pos="26000">
                 <a:schemeClr val="tx2">
                   <a:lumMod val="50000"/>
                 </a:schemeClr>
@@ -10595,7 +10777,7 @@
 </p:sld>
 </file>
 
-<file path=ppt/slides/slide41.xml><?xml version="1.0" encoding="utf-8"?>
+<file path=ppt/slides/slide42.xml><?xml version="1.0" encoding="utf-8"?>
 <p:sld xmlns:a="http://schemas.openxmlformats.org/drawingml/2006/main" xmlns:r="http://schemas.openxmlformats.org/officeDocument/2006/relationships" xmlns:p="http://schemas.openxmlformats.org/presentationml/2006/main">
   <p:cSld>
     <p:spTree>
@@ -10738,7 +10920,7 @@
 </p:sld>
 </file>
 
-<file path=ppt/slides/slide42.xml><?xml version="1.0" encoding="utf-8"?>
+<file path=ppt/slides/slide43.xml><?xml version="1.0" encoding="utf-8"?>
 <p:sld xmlns:a="http://schemas.openxmlformats.org/drawingml/2006/main" xmlns:r="http://schemas.openxmlformats.org/officeDocument/2006/relationships" xmlns:p="http://schemas.openxmlformats.org/presentationml/2006/main">
   <p:cSld>
     <p:spTree>
@@ -10887,7 +11069,7 @@
 </p:sld>
 </file>
 
-<file path=ppt/slides/slide43.xml><?xml version="1.0" encoding="utf-8"?>
+<file path=ppt/slides/slide44.xml><?xml version="1.0" encoding="utf-8"?>
 <p:sld xmlns:a="http://schemas.openxmlformats.org/drawingml/2006/main" xmlns:r="http://schemas.openxmlformats.org/officeDocument/2006/relationships" xmlns:p="http://schemas.openxmlformats.org/presentationml/2006/main">
   <p:cSld>
     <p:spTree>
@@ -11027,7 +11209,7 @@
 </p:sld>
 </file>
 
-<file path=ppt/slides/slide44.xml><?xml version="1.0" encoding="utf-8"?>
+<file path=ppt/slides/slide45.xml><?xml version="1.0" encoding="utf-8"?>
 <p:sld xmlns:a="http://schemas.openxmlformats.org/drawingml/2006/main" xmlns:r="http://schemas.openxmlformats.org/officeDocument/2006/relationships" xmlns:p="http://schemas.openxmlformats.org/presentationml/2006/main">
   <p:cSld>
     <p:spTree>
@@ -11162,7 +11344,7 @@
 </p:sld>
 </file>
 
-<file path=ppt/slides/slide45.xml><?xml version="1.0" encoding="utf-8"?>
+<file path=ppt/slides/slide46.xml><?xml version="1.0" encoding="utf-8"?>
 <p:sld xmlns:a="http://schemas.openxmlformats.org/drawingml/2006/main" xmlns:r="http://schemas.openxmlformats.org/officeDocument/2006/relationships" xmlns:p="http://schemas.openxmlformats.org/presentationml/2006/main">
   <p:cSld>
     <p:spTree>
@@ -11314,7 +11496,7 @@
 </p:sld>
 </file>
 
-<file path=ppt/slides/slide46.xml><?xml version="1.0" encoding="utf-8"?>
+<file path=ppt/slides/slide47.xml><?xml version="1.0" encoding="utf-8"?>
 <p:sld xmlns:a="http://schemas.openxmlformats.org/drawingml/2006/main" xmlns:r="http://schemas.openxmlformats.org/officeDocument/2006/relationships" xmlns:p="http://schemas.openxmlformats.org/presentationml/2006/main">
   <p:cSld>
     <p:spTree>
@@ -11468,7 +11650,7 @@
 </p:sld>
 </file>
 
-<file path=ppt/slides/slide47.xml><?xml version="1.0" encoding="utf-8"?>
+<file path=ppt/slides/slide48.xml><?xml version="1.0" encoding="utf-8"?>
 <p:sld xmlns:a="http://schemas.openxmlformats.org/drawingml/2006/main" xmlns:r="http://schemas.openxmlformats.org/officeDocument/2006/relationships" xmlns:p="http://schemas.openxmlformats.org/presentationml/2006/main">
   <p:cSld>
     <p:spTree>

--- a/Assets/Providers/Template/Template.pptx
+++ b/Assets/Providers/Template/Template.pptx
@@ -21,36 +21,36 @@
     <p:sldId id="289" r:id="rId15"/>
     <p:sldId id="268" r:id="rId16"/>
     <p:sldId id="269" r:id="rId17"/>
-    <p:sldId id="300" r:id="rId18"/>
-    <p:sldId id="301" r:id="rId19"/>
-    <p:sldId id="302" r:id="rId20"/>
-    <p:sldId id="264" r:id="rId21"/>
-    <p:sldId id="265" r:id="rId22"/>
-    <p:sldId id="272" r:id="rId23"/>
-    <p:sldId id="273" r:id="rId24"/>
-    <p:sldId id="275" r:id="rId25"/>
-    <p:sldId id="279" r:id="rId26"/>
-    <p:sldId id="276" r:id="rId27"/>
-    <p:sldId id="303" r:id="rId28"/>
-    <p:sldId id="277" r:id="rId29"/>
-    <p:sldId id="278" r:id="rId30"/>
-    <p:sldId id="267" r:id="rId31"/>
-    <p:sldId id="266" r:id="rId32"/>
-    <p:sldId id="293" r:id="rId33"/>
-    <p:sldId id="294" r:id="rId34"/>
-    <p:sldId id="295" r:id="rId35"/>
-    <p:sldId id="296" r:id="rId36"/>
-    <p:sldId id="297" r:id="rId37"/>
-    <p:sldId id="298" r:id="rId38"/>
-    <p:sldId id="299" r:id="rId39"/>
-    <p:sldId id="274" r:id="rId40"/>
-    <p:sldId id="280" r:id="rId41"/>
-    <p:sldId id="283" r:id="rId42"/>
-    <p:sldId id="286" r:id="rId43"/>
-    <p:sldId id="287" r:id="rId44"/>
+    <p:sldId id="302" r:id="rId18"/>
+    <p:sldId id="300" r:id="rId19"/>
+    <p:sldId id="301" r:id="rId20"/>
+    <p:sldId id="278" r:id="rId21"/>
+    <p:sldId id="272" r:id="rId22"/>
+    <p:sldId id="276" r:id="rId23"/>
+    <p:sldId id="275" r:id="rId24"/>
+    <p:sldId id="267" r:id="rId25"/>
+    <p:sldId id="273" r:id="rId26"/>
+    <p:sldId id="264" r:id="rId27"/>
+    <p:sldId id="279" r:id="rId28"/>
+    <p:sldId id="265" r:id="rId29"/>
+    <p:sldId id="277" r:id="rId30"/>
+    <p:sldId id="303" r:id="rId31"/>
+    <p:sldId id="296" r:id="rId32"/>
+    <p:sldId id="297" r:id="rId33"/>
+    <p:sldId id="266" r:id="rId34"/>
+    <p:sldId id="298" r:id="rId35"/>
+    <p:sldId id="299" r:id="rId36"/>
+    <p:sldId id="295" r:id="rId37"/>
+    <p:sldId id="293" r:id="rId38"/>
+    <p:sldId id="294" r:id="rId39"/>
+    <p:sldId id="280" r:id="rId40"/>
+    <p:sldId id="274" r:id="rId41"/>
+    <p:sldId id="286" r:id="rId42"/>
+    <p:sldId id="292" r:id="rId43"/>
+    <p:sldId id="283" r:id="rId44"/>
     <p:sldId id="291" r:id="rId45"/>
-    <p:sldId id="288" r:id="rId46"/>
-    <p:sldId id="292" r:id="rId47"/>
+    <p:sldId id="287" r:id="rId46"/>
+    <p:sldId id="288" r:id="rId47"/>
     <p:sldId id="281" r:id="rId48"/>
     <p:sldId id="282" r:id="rId49"/>
   </p:sldIdLst>
@@ -180,48 +180,48 @@
           <p14:sldIdLst>
             <p14:sldId id="268"/>
             <p14:sldId id="269"/>
+            <p14:sldId id="302"/>
             <p14:sldId id="300"/>
             <p14:sldId id="301"/>
-            <p14:sldId id="302"/>
           </p14:sldIdLst>
         </p14:section>
         <p14:section name="Fansub" id="{DB54CE04-9B6C-4979-AD71-6C01C06332BE}">
           <p14:sldIdLst>
+            <p14:sldId id="278"/>
+            <p14:sldId id="272"/>
+            <p14:sldId id="276"/>
+            <p14:sldId id="275"/>
+            <p14:sldId id="267"/>
+            <p14:sldId id="273"/>
             <p14:sldId id="264"/>
+            <p14:sldId id="279"/>
             <p14:sldId id="265"/>
-            <p14:sldId id="272"/>
-            <p14:sldId id="273"/>
-            <p14:sldId id="275"/>
-            <p14:sldId id="279"/>
-            <p14:sldId id="276"/>
+            <p14:sldId id="277"/>
             <p14:sldId id="303"/>
-            <p14:sldId id="277"/>
-            <p14:sldId id="278"/>
-            <p14:sldId id="267"/>
           </p14:sldIdLst>
         </p14:section>
         <p14:section name="Streaming" id="{9A8665E7-8E1D-44CC-8139-4EEB0A16529A}">
           <p14:sldIdLst>
+            <p14:sldId id="296"/>
+            <p14:sldId id="297"/>
             <p14:sldId id="266"/>
+            <p14:sldId id="298"/>
+            <p14:sldId id="299"/>
+            <p14:sldId id="295"/>
             <p14:sldId id="293"/>
             <p14:sldId id="294"/>
-            <p14:sldId id="295"/>
-            <p14:sldId id="296"/>
-            <p14:sldId id="297"/>
-            <p14:sldId id="298"/>
-            <p14:sldId id="299"/>
           </p14:sldIdLst>
         </p14:section>
         <p14:section name="Batch" id="{A02085A7-54E4-4E32-992E-8CF5FE569196}">
           <p14:sldIdLst>
+            <p14:sldId id="280"/>
             <p14:sldId id="274"/>
-            <p14:sldId id="280"/>
+            <p14:sldId id="286"/>
+            <p14:sldId id="292"/>
             <p14:sldId id="283"/>
-            <p14:sldId id="286"/>
+            <p14:sldId id="291"/>
             <p14:sldId id="287"/>
-            <p14:sldId id="291"/>
             <p14:sldId id="288"/>
-            <p14:sldId id="292"/>
           </p14:sldIdLst>
         </p14:section>
         <p14:section name="Library" id="{68A9DAB0-ADBF-44CC-9AC9-B3F85903A98D}">
@@ -242,8 +242,7 @@
 <file path=ppt/revisionInfo.xml><?xml version="1.0" encoding="utf-8"?>
 <p1510:revInfo xmlns:a="http://schemas.openxmlformats.org/drawingml/2006/main" xmlns:r="http://schemas.openxmlformats.org/officeDocument/2006/relationships" xmlns:p1510="http://schemas.microsoft.com/office/powerpoint/2015/10/main">
   <p1510:revLst>
-    <p1510:client id="{6979037F-B8AF-EB29-C79B-6CB435DD5E2F}" v="9" dt="2019-06-28T12:23:26.159"/>
-    <p1510:client id="{9147E138-B16C-4E8E-9F1C-20CD1B8B15DC}" v="966" dt="2019-06-29T04:39:55.807"/>
+    <p1510:client id="{5755450D-933B-4C15-9181-667F35FE7AD9}" v="21" dt="2019-08-02T04:08:00.311"/>
   </p1510:revLst>
 </p1510:revInfo>
 </file>
@@ -345,6 +344,155 @@
     </pc:docChg>
   </pc:docChgLst>
   <pc:docChgLst>
+    <pc:chgData name="Harness, David" userId="00b5c01e-e802-4d63-9d3f-e30c84cf2197" providerId="ADAL" clId="{5755450D-933B-4C15-9181-667F35FE7AD9}"/>
+    <pc:docChg chg="modSld sldOrd">
+      <pc:chgData name="Harness, David" userId="00b5c01e-e802-4d63-9d3f-e30c84cf2197" providerId="ADAL" clId="{5755450D-933B-4C15-9181-667F35FE7AD9}" dt="2019-08-02T04:08:00.310" v="20"/>
+      <pc:docMkLst>
+        <pc:docMk/>
+      </pc:docMkLst>
+      <pc:sldChg chg="ord">
+        <pc:chgData name="Harness, David" userId="00b5c01e-e802-4d63-9d3f-e30c84cf2197" providerId="ADAL" clId="{5755450D-933B-4C15-9181-667F35FE7AD9}" dt="2019-08-02T04:06:43.573" v="7"/>
+        <pc:sldMkLst>
+          <pc:docMk/>
+          <pc:sldMk cId="3545101030" sldId="267"/>
+        </pc:sldMkLst>
+      </pc:sldChg>
+      <pc:sldChg chg="ord">
+        <pc:chgData name="Harness, David" userId="00b5c01e-e802-4d63-9d3f-e30c84cf2197" providerId="ADAL" clId="{5755450D-933B-4C15-9181-667F35FE7AD9}" dt="2019-08-02T04:07:22.393" v="15"/>
+        <pc:sldMkLst>
+          <pc:docMk/>
+          <pc:sldMk cId="588066880" sldId="268"/>
+        </pc:sldMkLst>
+      </pc:sldChg>
+      <pc:sldChg chg="ord">
+        <pc:chgData name="Harness, David" userId="00b5c01e-e802-4d63-9d3f-e30c84cf2197" providerId="ADAL" clId="{5755450D-933B-4C15-9181-667F35FE7AD9}" dt="2019-08-02T04:07:18.829" v="14"/>
+        <pc:sldMkLst>
+          <pc:docMk/>
+          <pc:sldMk cId="3680451413" sldId="269"/>
+        </pc:sldMkLst>
+      </pc:sldChg>
+      <pc:sldChg chg="ord">
+        <pc:chgData name="Harness, David" userId="00b5c01e-e802-4d63-9d3f-e30c84cf2197" providerId="ADAL" clId="{5755450D-933B-4C15-9181-667F35FE7AD9}" dt="2019-08-02T04:06:10.570" v="0"/>
+        <pc:sldMkLst>
+          <pc:docMk/>
+          <pc:sldMk cId="3484075241" sldId="272"/>
+        </pc:sldMkLst>
+      </pc:sldChg>
+      <pc:sldChg chg="ord">
+        <pc:chgData name="Harness, David" userId="00b5c01e-e802-4d63-9d3f-e30c84cf2197" providerId="ADAL" clId="{5755450D-933B-4C15-9181-667F35FE7AD9}" dt="2019-08-02T04:06:12.276" v="1"/>
+        <pc:sldMkLst>
+          <pc:docMk/>
+          <pc:sldMk cId="2285725612" sldId="273"/>
+        </pc:sldMkLst>
+      </pc:sldChg>
+      <pc:sldChg chg="ord">
+        <pc:chgData name="Harness, David" userId="00b5c01e-e802-4d63-9d3f-e30c84cf2197" providerId="ADAL" clId="{5755450D-933B-4C15-9181-667F35FE7AD9}" dt="2019-08-02T04:06:14.169" v="2"/>
+        <pc:sldMkLst>
+          <pc:docMk/>
+          <pc:sldMk cId="4156622531" sldId="275"/>
+        </pc:sldMkLst>
+      </pc:sldChg>
+      <pc:sldChg chg="ord">
+        <pc:chgData name="Harness, David" userId="00b5c01e-e802-4d63-9d3f-e30c84cf2197" providerId="ADAL" clId="{5755450D-933B-4C15-9181-667F35FE7AD9}" dt="2019-08-02T04:06:21.938" v="4"/>
+        <pc:sldMkLst>
+          <pc:docMk/>
+          <pc:sldMk cId="913660653" sldId="276"/>
+        </pc:sldMkLst>
+      </pc:sldChg>
+      <pc:sldChg chg="ord">
+        <pc:chgData name="Harness, David" userId="00b5c01e-e802-4d63-9d3f-e30c84cf2197" providerId="ADAL" clId="{5755450D-933B-4C15-9181-667F35FE7AD9}" dt="2019-08-02T04:06:36.172" v="5"/>
+        <pc:sldMkLst>
+          <pc:docMk/>
+          <pc:sldMk cId="701272778" sldId="277"/>
+        </pc:sldMkLst>
+      </pc:sldChg>
+      <pc:sldChg chg="ord">
+        <pc:chgData name="Harness, David" userId="00b5c01e-e802-4d63-9d3f-e30c84cf2197" providerId="ADAL" clId="{5755450D-933B-4C15-9181-667F35FE7AD9}" dt="2019-08-02T04:06:39.307" v="6"/>
+        <pc:sldMkLst>
+          <pc:docMk/>
+          <pc:sldMk cId="1736296804" sldId="278"/>
+        </pc:sldMkLst>
+      </pc:sldChg>
+      <pc:sldChg chg="ord">
+        <pc:chgData name="Harness, David" userId="00b5c01e-e802-4d63-9d3f-e30c84cf2197" providerId="ADAL" clId="{5755450D-933B-4C15-9181-667F35FE7AD9}" dt="2019-08-02T04:06:18.873" v="3"/>
+        <pc:sldMkLst>
+          <pc:docMk/>
+          <pc:sldMk cId="4171184485" sldId="279"/>
+        </pc:sldMkLst>
+      </pc:sldChg>
+      <pc:sldChg chg="ord">
+        <pc:chgData name="Harness, David" userId="00b5c01e-e802-4d63-9d3f-e30c84cf2197" providerId="ADAL" clId="{5755450D-933B-4C15-9181-667F35FE7AD9}" dt="2019-08-02T04:07:53.285" v="17"/>
+        <pc:sldMkLst>
+          <pc:docMk/>
+          <pc:sldMk cId="3048235945" sldId="280"/>
+        </pc:sldMkLst>
+      </pc:sldChg>
+      <pc:sldChg chg="ord">
+        <pc:chgData name="Harness, David" userId="00b5c01e-e802-4d63-9d3f-e30c84cf2197" providerId="ADAL" clId="{5755450D-933B-4C15-9181-667F35FE7AD9}" dt="2019-08-02T04:07:57.345" v="19"/>
+        <pc:sldMkLst>
+          <pc:docMk/>
+          <pc:sldMk cId="2644471930" sldId="286"/>
+        </pc:sldMkLst>
+      </pc:sldChg>
+      <pc:sldChg chg="ord">
+        <pc:chgData name="Harness, David" userId="00b5c01e-e802-4d63-9d3f-e30c84cf2197" providerId="ADAL" clId="{5755450D-933B-4C15-9181-667F35FE7AD9}" dt="2019-08-02T04:07:55.592" v="18"/>
+        <pc:sldMkLst>
+          <pc:docMk/>
+          <pc:sldMk cId="3541015006" sldId="291"/>
+        </pc:sldMkLst>
+      </pc:sldChg>
+      <pc:sldChg chg="ord">
+        <pc:chgData name="Harness, David" userId="00b5c01e-e802-4d63-9d3f-e30c84cf2197" providerId="ADAL" clId="{5755450D-933B-4C15-9181-667F35FE7AD9}" dt="2019-08-02T04:08:00.310" v="20"/>
+        <pc:sldMkLst>
+          <pc:docMk/>
+          <pc:sldMk cId="1605652628" sldId="292"/>
+        </pc:sldMkLst>
+      </pc:sldChg>
+      <pc:sldChg chg="ord">
+        <pc:chgData name="Harness, David" userId="00b5c01e-e802-4d63-9d3f-e30c84cf2197" providerId="ADAL" clId="{5755450D-933B-4C15-9181-667F35FE7AD9}" dt="2019-08-02T04:07:04.738" v="13"/>
+        <pc:sldMkLst>
+          <pc:docMk/>
+          <pc:sldMk cId="2343881463" sldId="295"/>
+        </pc:sldMkLst>
+      </pc:sldChg>
+      <pc:sldChg chg="ord">
+        <pc:chgData name="Harness, David" userId="00b5c01e-e802-4d63-9d3f-e30c84cf2197" providerId="ADAL" clId="{5755450D-933B-4C15-9181-667F35FE7AD9}" dt="2019-08-02T04:06:50.100" v="8"/>
+        <pc:sldMkLst>
+          <pc:docMk/>
+          <pc:sldMk cId="2044909443" sldId="296"/>
+        </pc:sldMkLst>
+      </pc:sldChg>
+      <pc:sldChg chg="ord">
+        <pc:chgData name="Harness, David" userId="00b5c01e-e802-4d63-9d3f-e30c84cf2197" providerId="ADAL" clId="{5755450D-933B-4C15-9181-667F35FE7AD9}" dt="2019-08-02T04:06:55.979" v="10"/>
+        <pc:sldMkLst>
+          <pc:docMk/>
+          <pc:sldMk cId="2001192933" sldId="297"/>
+        </pc:sldMkLst>
+      </pc:sldChg>
+      <pc:sldChg chg="ord">
+        <pc:chgData name="Harness, David" userId="00b5c01e-e802-4d63-9d3f-e30c84cf2197" providerId="ADAL" clId="{5755450D-933B-4C15-9181-667F35FE7AD9}" dt="2019-08-02T04:06:59.575" v="11"/>
+        <pc:sldMkLst>
+          <pc:docMk/>
+          <pc:sldMk cId="743538766" sldId="298"/>
+        </pc:sldMkLst>
+      </pc:sldChg>
+      <pc:sldChg chg="ord">
+        <pc:chgData name="Harness, David" userId="00b5c01e-e802-4d63-9d3f-e30c84cf2197" providerId="ADAL" clId="{5755450D-933B-4C15-9181-667F35FE7AD9}" dt="2019-08-02T04:07:03.053" v="12"/>
+        <pc:sldMkLst>
+          <pc:docMk/>
+          <pc:sldMk cId="3562251831" sldId="299"/>
+        </pc:sldMkLst>
+      </pc:sldChg>
+      <pc:sldChg chg="ord">
+        <pc:chgData name="Harness, David" userId="00b5c01e-e802-4d63-9d3f-e30c84cf2197" providerId="ADAL" clId="{5755450D-933B-4C15-9181-667F35FE7AD9}" dt="2019-08-02T04:07:44.237" v="16"/>
+        <pc:sldMkLst>
+          <pc:docMk/>
+          <pc:sldMk cId="1591048078" sldId="302"/>
+        </pc:sldMkLst>
+      </pc:sldChg>
+    </pc:docChg>
+  </pc:docChgLst>
+  <pc:docChgLst>
     <pc:chgData name="Harness, David" userId="00b5c01e-e802-4d63-9d3f-e30c84cf2197" providerId="ADAL" clId="{4BC919E0-8C53-407C-A706-0054D2B92D7F}"/>
     <pc:docChg chg="undo custSel addSld delSld modSld sldOrd modSection">
       <pc:chgData name="Harness, David" userId="00b5c01e-e802-4d63-9d3f-e30c84cf2197" providerId="ADAL" clId="{4BC919E0-8C53-407C-A706-0054D2B92D7F}" dt="2019-06-28T16:46:39.212" v="1138" actId="478"/>
@@ -917,13 +1065,6 @@
             <ac:spMk id="4" creationId="{8D6D9DF0-36ED-4863-B918-F6735D13A7C1}"/>
           </ac:spMkLst>
         </pc:spChg>
-      </pc:sldChg>
-      <pc:sldChg chg="add del">
-        <pc:chgData name="Harness, David" userId="00b5c01e-e802-4d63-9d3f-e30c84cf2197" providerId="ADAL" clId="{4BC919E0-8C53-407C-A706-0054D2B92D7F}" dt="2019-06-28T15:43:32.038" v="596"/>
-        <pc:sldMkLst>
-          <pc:docMk/>
-          <pc:sldMk cId="2910965863" sldId="277"/>
-        </pc:sldMkLst>
       </pc:sldChg>
       <pc:sldChg chg="modSp add">
         <pc:chgData name="Harness, David" userId="00b5c01e-e802-4d63-9d3f-e30c84cf2197" providerId="ADAL" clId="{4BC919E0-8C53-407C-A706-0054D2B92D7F}" dt="2019-06-28T15:47:04.433" v="616" actId="20577"/>
@@ -2270,7 +2411,7 @@
           <a:p>
             <a:fld id="{2138AE3F-AD4C-42B5-8262-81A441F57E31}" type="datetimeFigureOut">
               <a:rPr lang="en-US" smtClean="0"/>
-              <a:t>29-Jun-19</a:t>
+              <a:t>08-02-2019</a:t>
             </a:fld>
             <a:endParaRPr lang="en-US"/>
           </a:p>
@@ -2440,7 +2581,7 @@
           <a:p>
             <a:fld id="{2138AE3F-AD4C-42B5-8262-81A441F57E31}" type="datetimeFigureOut">
               <a:rPr lang="en-US" smtClean="0"/>
-              <a:t>29-Jun-19</a:t>
+              <a:t>08-02-2019</a:t>
             </a:fld>
             <a:endParaRPr lang="en-US"/>
           </a:p>
@@ -2620,7 +2761,7 @@
           <a:p>
             <a:fld id="{2138AE3F-AD4C-42B5-8262-81A441F57E31}" type="datetimeFigureOut">
               <a:rPr lang="en-US" smtClean="0"/>
-              <a:t>29-Jun-19</a:t>
+              <a:t>08-02-2019</a:t>
             </a:fld>
             <a:endParaRPr lang="en-US"/>
           </a:p>
@@ -2790,7 +2931,7 @@
           <a:p>
             <a:fld id="{2138AE3F-AD4C-42B5-8262-81A441F57E31}" type="datetimeFigureOut">
               <a:rPr lang="en-US" smtClean="0"/>
-              <a:t>29-Jun-19</a:t>
+              <a:t>08-02-2019</a:t>
             </a:fld>
             <a:endParaRPr lang="en-US"/>
           </a:p>
@@ -3036,7 +3177,7 @@
           <a:p>
             <a:fld id="{2138AE3F-AD4C-42B5-8262-81A441F57E31}" type="datetimeFigureOut">
               <a:rPr lang="en-US" smtClean="0"/>
-              <a:t>29-Jun-19</a:t>
+              <a:t>08-02-2019</a:t>
             </a:fld>
             <a:endParaRPr lang="en-US"/>
           </a:p>
@@ -3268,7 +3409,7 @@
           <a:p>
             <a:fld id="{2138AE3F-AD4C-42B5-8262-81A441F57E31}" type="datetimeFigureOut">
               <a:rPr lang="en-US" smtClean="0"/>
-              <a:t>29-Jun-19</a:t>
+              <a:t>08-02-2019</a:t>
             </a:fld>
             <a:endParaRPr lang="en-US"/>
           </a:p>
@@ -3635,7 +3776,7 @@
           <a:p>
             <a:fld id="{2138AE3F-AD4C-42B5-8262-81A441F57E31}" type="datetimeFigureOut">
               <a:rPr lang="en-US" smtClean="0"/>
-              <a:t>29-Jun-19</a:t>
+              <a:t>08-02-2019</a:t>
             </a:fld>
             <a:endParaRPr lang="en-US"/>
           </a:p>
@@ -3753,7 +3894,7 @@
           <a:p>
             <a:fld id="{2138AE3F-AD4C-42B5-8262-81A441F57E31}" type="datetimeFigureOut">
               <a:rPr lang="en-US" smtClean="0"/>
-              <a:t>29-Jun-19</a:t>
+              <a:t>08-02-2019</a:t>
             </a:fld>
             <a:endParaRPr lang="en-US"/>
           </a:p>
@@ -3848,7 +3989,7 @@
           <a:p>
             <a:fld id="{2138AE3F-AD4C-42B5-8262-81A441F57E31}" type="datetimeFigureOut">
               <a:rPr lang="en-US" smtClean="0"/>
-              <a:t>29-Jun-19</a:t>
+              <a:t>08-02-2019</a:t>
             </a:fld>
             <a:endParaRPr lang="en-US"/>
           </a:p>
@@ -4125,7 +4266,7 @@
           <a:p>
             <a:fld id="{2138AE3F-AD4C-42B5-8262-81A441F57E31}" type="datetimeFigureOut">
               <a:rPr lang="en-US" smtClean="0"/>
-              <a:t>29-Jun-19</a:t>
+              <a:t>08-02-2019</a:t>
             </a:fld>
             <a:endParaRPr lang="en-US"/>
           </a:p>
@@ -4382,7 +4523,7 @@
           <a:p>
             <a:fld id="{2138AE3F-AD4C-42B5-8262-81A441F57E31}" type="datetimeFigureOut">
               <a:rPr lang="en-US" smtClean="0"/>
-              <a:t>29-Jun-19</a:t>
+              <a:t>08-02-2019</a:t>
             </a:fld>
             <a:endParaRPr lang="en-US"/>
           </a:p>
@@ -4595,7 +4736,7 @@
           <a:p>
             <a:fld id="{2138AE3F-AD4C-42B5-8262-81A441F57E31}" type="datetimeFigureOut">
               <a:rPr lang="en-US" smtClean="0"/>
-              <a:t>29-Jun-19</a:t>
+              <a:t>08-02-2019</a:t>
             </a:fld>
             <a:endParaRPr lang="en-US"/>
           </a:p>
@@ -6398,6 +6539,146 @@
           </a:prstGeom>
           <a:gradFill flip="none" rotWithShape="1">
             <a:gsLst>
+              <a:gs pos="12000">
+                <a:schemeClr val="tx1"/>
+              </a:gs>
+              <a:gs pos="100000">
+                <a:srgbClr val="FCAF40"/>
+              </a:gs>
+            </a:gsLst>
+            <a:lin ang="2700000" scaled="0"/>
+            <a:tileRect/>
+          </a:gradFill>
+          <a:ln>
+            <a:noFill/>
+          </a:ln>
+        </p:spPr>
+        <p:style>
+          <a:lnRef idx="2">
+            <a:schemeClr val="accent1">
+              <a:shade val="50000"/>
+            </a:schemeClr>
+          </a:lnRef>
+          <a:fillRef idx="1">
+            <a:schemeClr val="accent1"/>
+          </a:fillRef>
+          <a:effectRef idx="0">
+            <a:schemeClr val="accent1"/>
+          </a:effectRef>
+          <a:fontRef idx="minor">
+            <a:schemeClr val="lt1"/>
+          </a:fontRef>
+        </p:style>
+        <p:txBody>
+          <a:bodyPr rtlCol="0" anchor="ctr"/>
+          <a:lstStyle/>
+          <a:p>
+            <a:pPr algn="ctr"/>
+            <a:endParaRPr lang="en-US"/>
+          </a:p>
+        </p:txBody>
+      </p:sp>
+      <p:pic>
+        <p:nvPicPr>
+          <p:cNvPr id="9218" name="Picture 2" descr="https://animego.to/img/icon/logo.png">
+            <a:extLst>
+              <a:ext uri="{FF2B5EF4-FFF2-40B4-BE49-F238E27FC236}">
+                <a16:creationId xmlns:a16="http://schemas.microsoft.com/office/drawing/2014/main" id="{793D3A69-62E5-4F0C-B0C9-0A404384348A}"/>
+              </a:ext>
+            </a:extLst>
+          </p:cNvPr>
+          <p:cNvPicPr>
+            <a:picLocks noChangeAspect="1" noChangeArrowheads="1"/>
+          </p:cNvPicPr>
+          <p:nvPr/>
+        </p:nvPicPr>
+        <p:blipFill>
+          <a:blip r:embed="rId2">
+            <a:extLst>
+              <a:ext uri="{28A0092B-C50C-407E-A947-70E740481C1C}">
+                <a14:useLocalDpi xmlns:a14="http://schemas.microsoft.com/office/drawing/2010/main" val="0"/>
+              </a:ext>
+            </a:extLst>
+          </a:blip>
+          <a:srcRect/>
+          <a:stretch>
+            <a:fillRect/>
+          </a:stretch>
+        </p:blipFill>
+        <p:spPr bwMode="auto">
+          <a:xfrm>
+            <a:off x="876506" y="244475"/>
+            <a:ext cx="1810926" cy="698500"/>
+          </a:xfrm>
+          <a:prstGeom prst="rect">
+            <a:avLst/>
+          </a:prstGeom>
+          <a:noFill/>
+          <a:extLst>
+            <a:ext uri="{909E8E84-426E-40DD-AFC4-6F175D3DCCD1}">
+              <a14:hiddenFill xmlns:a14="http://schemas.microsoft.com/office/drawing/2010/main">
+                <a:solidFill>
+                  <a:srgbClr val="FFFFFF"/>
+                </a:solidFill>
+              </a14:hiddenFill>
+            </a:ext>
+          </a:extLst>
+        </p:spPr>
+      </p:pic>
+    </p:spTree>
+    <p:extLst>
+      <p:ext uri="{BB962C8B-B14F-4D97-AF65-F5344CB8AC3E}">
+        <p14:creationId xmlns:p14="http://schemas.microsoft.com/office/powerpoint/2010/main" val="1591048078"/>
+      </p:ext>
+    </p:extLst>
+  </p:cSld>
+  <p:clrMapOvr>
+    <a:masterClrMapping/>
+  </p:clrMapOvr>
+</p:sld>
+</file>
+
+<file path=ppt/slides/slide18.xml><?xml version="1.0" encoding="utf-8"?>
+<p:sld xmlns:a="http://schemas.openxmlformats.org/drawingml/2006/main" xmlns:r="http://schemas.openxmlformats.org/officeDocument/2006/relationships" xmlns:p="http://schemas.openxmlformats.org/presentationml/2006/main">
+  <p:cSld>
+    <p:spTree>
+      <p:nvGrpSpPr>
+        <p:cNvPr id="1" name=""/>
+        <p:cNvGrpSpPr/>
+        <p:nvPr/>
+      </p:nvGrpSpPr>
+      <p:grpSpPr>
+        <a:xfrm>
+          <a:off x="0" y="0"/>
+          <a:ext cx="0" cy="0"/>
+          <a:chOff x="0" y="0"/>
+          <a:chExt cx="0" cy="0"/>
+        </a:xfrm>
+      </p:grpSpPr>
+      <p:sp>
+        <p:nvSpPr>
+          <p:cNvPr id="4" name="Rectangle: Rounded Corners 3">
+            <a:extLst>
+              <a:ext uri="{FF2B5EF4-FFF2-40B4-BE49-F238E27FC236}">
+                <a16:creationId xmlns:a16="http://schemas.microsoft.com/office/drawing/2014/main" id="{8D6D9DF0-36ED-4863-B918-F6735D13A7C1}"/>
+              </a:ext>
+            </a:extLst>
+          </p:cNvPr>
+          <p:cNvSpPr/>
+          <p:nvPr/>
+        </p:nvSpPr>
+        <p:spPr>
+          <a:xfrm>
+            <a:off x="0" y="0"/>
+            <a:ext cx="3563938" cy="1187450"/>
+          </a:xfrm>
+          <a:prstGeom prst="roundRect">
+            <a:avLst>
+              <a:gd name="adj" fmla="val 50000"/>
+            </a:avLst>
+          </a:prstGeom>
+          <a:gradFill flip="none" rotWithShape="1">
+            <a:gsLst>
               <a:gs pos="26000">
                 <a:srgbClr val="446A06"/>
               </a:gs>
@@ -6479,7 +6760,7 @@
 </p:sld>
 </file>
 
-<file path=ppt/slides/slide18.xml><?xml version="1.0" encoding="utf-8"?>
+<file path=ppt/slides/slide19.xml><?xml version="1.0" encoding="utf-8"?>
 <p:sld xmlns:a="http://schemas.openxmlformats.org/drawingml/2006/main" xmlns:r="http://schemas.openxmlformats.org/officeDocument/2006/relationships" xmlns:p="http://schemas.openxmlformats.org/presentationml/2006/main">
   <p:cSld>
     <p:spTree>
@@ -6728,146 +7009,6 @@
     <p:extLst>
       <p:ext uri="{BB962C8B-B14F-4D97-AF65-F5344CB8AC3E}">
         <p14:creationId xmlns:p14="http://schemas.microsoft.com/office/powerpoint/2010/main" val="2388989435"/>
-      </p:ext>
-    </p:extLst>
-  </p:cSld>
-  <p:clrMapOvr>
-    <a:masterClrMapping/>
-  </p:clrMapOvr>
-</p:sld>
-</file>
-
-<file path=ppt/slides/slide19.xml><?xml version="1.0" encoding="utf-8"?>
-<p:sld xmlns:a="http://schemas.openxmlformats.org/drawingml/2006/main" xmlns:r="http://schemas.openxmlformats.org/officeDocument/2006/relationships" xmlns:p="http://schemas.openxmlformats.org/presentationml/2006/main">
-  <p:cSld>
-    <p:spTree>
-      <p:nvGrpSpPr>
-        <p:cNvPr id="1" name=""/>
-        <p:cNvGrpSpPr/>
-        <p:nvPr/>
-      </p:nvGrpSpPr>
-      <p:grpSpPr>
-        <a:xfrm>
-          <a:off x="0" y="0"/>
-          <a:ext cx="0" cy="0"/>
-          <a:chOff x="0" y="0"/>
-          <a:chExt cx="0" cy="0"/>
-        </a:xfrm>
-      </p:grpSpPr>
-      <p:sp>
-        <p:nvSpPr>
-          <p:cNvPr id="4" name="Rectangle: Rounded Corners 3">
-            <a:extLst>
-              <a:ext uri="{FF2B5EF4-FFF2-40B4-BE49-F238E27FC236}">
-                <a16:creationId xmlns:a16="http://schemas.microsoft.com/office/drawing/2014/main" id="{8D6D9DF0-36ED-4863-B918-F6735D13A7C1}"/>
-              </a:ext>
-            </a:extLst>
-          </p:cNvPr>
-          <p:cNvSpPr/>
-          <p:nvPr/>
-        </p:nvSpPr>
-        <p:spPr>
-          <a:xfrm>
-            <a:off x="0" y="0"/>
-            <a:ext cx="3563938" cy="1187450"/>
-          </a:xfrm>
-          <a:prstGeom prst="roundRect">
-            <a:avLst>
-              <a:gd name="adj" fmla="val 50000"/>
-            </a:avLst>
-          </a:prstGeom>
-          <a:gradFill flip="none" rotWithShape="1">
-            <a:gsLst>
-              <a:gs pos="12000">
-                <a:schemeClr val="tx1"/>
-              </a:gs>
-              <a:gs pos="100000">
-                <a:srgbClr val="FCAF40"/>
-              </a:gs>
-            </a:gsLst>
-            <a:lin ang="2700000" scaled="0"/>
-            <a:tileRect/>
-          </a:gradFill>
-          <a:ln>
-            <a:noFill/>
-          </a:ln>
-        </p:spPr>
-        <p:style>
-          <a:lnRef idx="2">
-            <a:schemeClr val="accent1">
-              <a:shade val="50000"/>
-            </a:schemeClr>
-          </a:lnRef>
-          <a:fillRef idx="1">
-            <a:schemeClr val="accent1"/>
-          </a:fillRef>
-          <a:effectRef idx="0">
-            <a:schemeClr val="accent1"/>
-          </a:effectRef>
-          <a:fontRef idx="minor">
-            <a:schemeClr val="lt1"/>
-          </a:fontRef>
-        </p:style>
-        <p:txBody>
-          <a:bodyPr rtlCol="0" anchor="ctr"/>
-          <a:lstStyle/>
-          <a:p>
-            <a:pPr algn="ctr"/>
-            <a:endParaRPr lang="en-US"/>
-          </a:p>
-        </p:txBody>
-      </p:sp>
-      <p:pic>
-        <p:nvPicPr>
-          <p:cNvPr id="9218" name="Picture 2" descr="https://animego.to/img/icon/logo.png">
-            <a:extLst>
-              <a:ext uri="{FF2B5EF4-FFF2-40B4-BE49-F238E27FC236}">
-                <a16:creationId xmlns:a16="http://schemas.microsoft.com/office/drawing/2014/main" id="{793D3A69-62E5-4F0C-B0C9-0A404384348A}"/>
-              </a:ext>
-            </a:extLst>
-          </p:cNvPr>
-          <p:cNvPicPr>
-            <a:picLocks noChangeAspect="1" noChangeArrowheads="1"/>
-          </p:cNvPicPr>
-          <p:nvPr/>
-        </p:nvPicPr>
-        <p:blipFill>
-          <a:blip r:embed="rId2">
-            <a:extLst>
-              <a:ext uri="{28A0092B-C50C-407E-A947-70E740481C1C}">
-                <a14:useLocalDpi xmlns:a14="http://schemas.microsoft.com/office/drawing/2010/main" val="0"/>
-              </a:ext>
-            </a:extLst>
-          </a:blip>
-          <a:srcRect/>
-          <a:stretch>
-            <a:fillRect/>
-          </a:stretch>
-        </p:blipFill>
-        <p:spPr bwMode="auto">
-          <a:xfrm>
-            <a:off x="876506" y="244475"/>
-            <a:ext cx="1810926" cy="698500"/>
-          </a:xfrm>
-          <a:prstGeom prst="rect">
-            <a:avLst/>
-          </a:prstGeom>
-          <a:noFill/>
-          <a:extLst>
-            <a:ext uri="{909E8E84-426E-40DD-AFC4-6F175D3DCCD1}">
-              <a14:hiddenFill xmlns:a14="http://schemas.microsoft.com/office/drawing/2010/main">
-                <a:solidFill>
-                  <a:srgbClr val="FFFFFF"/>
-                </a:solidFill>
-              </a14:hiddenFill>
-            </a:ext>
-          </a:extLst>
-        </p:spPr>
-      </p:pic>
-    </p:spTree>
-    <p:extLst>
-      <p:ext uri="{BB962C8B-B14F-4D97-AF65-F5344CB8AC3E}">
-        <p14:creationId xmlns:p14="http://schemas.microsoft.com/office/powerpoint/2010/main" val="1591048078"/>
       </p:ext>
     </p:extLst>
   </p:cSld>
@@ -7059,13 +7200,10 @@
           <a:gradFill flip="none" rotWithShape="1">
             <a:gsLst>
               <a:gs pos="26000">
-                <a:schemeClr val="accent1"/>
+                <a:srgbClr val="663300"/>
               </a:gs>
               <a:gs pos="100000">
-                <a:schemeClr val="accent1">
-                  <a:lumMod val="20000"/>
-                  <a:lumOff val="80000"/>
-                </a:schemeClr>
+                <a:srgbClr val="CC9900"/>
               </a:gs>
             </a:gsLst>
             <a:lin ang="2700000" scaled="0"/>
@@ -7100,66 +7238,55 @@
           </a:p>
         </p:txBody>
       </p:sp>
-      <p:pic>
-        <p:nvPicPr>
-          <p:cNvPr id="19458" name="Picture 2" descr="https://pendekarsubs.us/wp-content/uploads/2019/02/pendekar-logo-1.png">
+      <p:sp>
+        <p:nvSpPr>
+          <p:cNvPr id="2" name="TextBox 1">
             <a:extLst>
               <a:ext uri="{FF2B5EF4-FFF2-40B4-BE49-F238E27FC236}">
-                <a16:creationId xmlns:a16="http://schemas.microsoft.com/office/drawing/2014/main" id="{B6F41F4E-E4AA-4293-A3CF-A571FF1AEFD6}"/>
+                <a16:creationId xmlns:a16="http://schemas.microsoft.com/office/drawing/2014/main" id="{549FBF46-2A4E-45D5-9682-423BACB68B64}"/>
               </a:ext>
             </a:extLst>
           </p:cNvPr>
-          <p:cNvPicPr>
-            <a:picLocks noChangeAspect="1" noChangeArrowheads="1"/>
-          </p:cNvPicPr>
+          <p:cNvSpPr txBox="1"/>
           <p:nvPr/>
-        </p:nvPicPr>
-        <p:blipFill>
-          <a:blip r:embed="rId2">
-            <a:extLst>
-              <a:ext uri="{BEBA8EAE-BF5A-486C-A8C5-ECC9F3942E4B}">
-                <a14:imgProps xmlns:a14="http://schemas.microsoft.com/office/drawing/2010/main">
-                  <a14:imgLayer r:embed="rId3">
-                    <a14:imgEffect>
-                      <a14:brightnessContrast bright="100000" contrast="100000"/>
-                    </a14:imgEffect>
-                  </a14:imgLayer>
-                </a14:imgProps>
-              </a:ext>
-              <a:ext uri="{28A0092B-C50C-407E-A947-70E740481C1C}">
-                <a14:useLocalDpi xmlns:a14="http://schemas.microsoft.com/office/drawing/2010/main" val="0"/>
-              </a:ext>
-            </a:extLst>
-          </a:blip>
-          <a:srcRect/>
-          <a:stretch>
-            <a:fillRect/>
-          </a:stretch>
-        </p:blipFill>
-        <p:spPr bwMode="auto">
+        </p:nvSpPr>
+        <p:spPr>
           <a:xfrm>
-            <a:off x="605631" y="201612"/>
-            <a:ext cx="2352675" cy="784225"/>
+            <a:off x="278110" y="270559"/>
+            <a:ext cx="3007717" cy="646331"/>
           </a:xfrm>
           <a:prstGeom prst="rect">
             <a:avLst/>
           </a:prstGeom>
           <a:noFill/>
-          <a:extLst>
-            <a:ext uri="{909E8E84-426E-40DD-AFC4-6F175D3DCCD1}">
-              <a14:hiddenFill xmlns:a14="http://schemas.microsoft.com/office/drawing/2010/main">
+        </p:spPr>
+        <p:txBody>
+          <a:bodyPr wrap="square" rtlCol="0">
+            <a:spAutoFit/>
+          </a:bodyPr>
+          <a:lstStyle/>
+          <a:p>
+            <a:pPr algn="ctr"/>
+            <a:r>
+              <a:rPr lang="id-ID" sz="3600" dirty="0">
                 <a:solidFill>
-                  <a:srgbClr val="FFFFFF"/>
+                  <a:schemeClr val="bg1"/>
                 </a:solidFill>
-              </a14:hiddenFill>
-            </a:ext>
-          </a:extLst>
-        </p:spPr>
-      </p:pic>
+              </a:rPr>
+              <a:t>Anitoki</a:t>
+            </a:r>
+            <a:endParaRPr lang="en-US" sz="3600" dirty="0">
+              <a:solidFill>
+                <a:schemeClr val="bg1"/>
+              </a:solidFill>
+            </a:endParaRPr>
+          </a:p>
+        </p:txBody>
+      </p:sp>
     </p:spTree>
     <p:extLst>
       <p:ext uri="{BB962C8B-B14F-4D97-AF65-F5344CB8AC3E}">
-        <p14:creationId xmlns:p14="http://schemas.microsoft.com/office/powerpoint/2010/main" val="2484894236"/>
+        <p14:creationId xmlns:p14="http://schemas.microsoft.com/office/powerpoint/2010/main" val="1736296804"/>
       </p:ext>
     </p:extLst>
   </p:cSld>
@@ -7170,146 +7297,6 @@
 </file>
 
 <file path=ppt/slides/slide21.xml><?xml version="1.0" encoding="utf-8"?>
-<p:sld xmlns:a="http://schemas.openxmlformats.org/drawingml/2006/main" xmlns:r="http://schemas.openxmlformats.org/officeDocument/2006/relationships" xmlns:p="http://schemas.openxmlformats.org/presentationml/2006/main">
-  <p:cSld>
-    <p:spTree>
-      <p:nvGrpSpPr>
-        <p:cNvPr id="1" name=""/>
-        <p:cNvGrpSpPr/>
-        <p:nvPr/>
-      </p:nvGrpSpPr>
-      <p:grpSpPr>
-        <a:xfrm>
-          <a:off x="0" y="0"/>
-          <a:ext cx="0" cy="0"/>
-          <a:chOff x="0" y="0"/>
-          <a:chExt cx="0" cy="0"/>
-        </a:xfrm>
-      </p:grpSpPr>
-      <p:sp>
-        <p:nvSpPr>
-          <p:cNvPr id="4" name="Rectangle: Rounded Corners 3">
-            <a:extLst>
-              <a:ext uri="{FF2B5EF4-FFF2-40B4-BE49-F238E27FC236}">
-                <a16:creationId xmlns:a16="http://schemas.microsoft.com/office/drawing/2014/main" id="{8D6D9DF0-36ED-4863-B918-F6735D13A7C1}"/>
-              </a:ext>
-            </a:extLst>
-          </p:cNvPr>
-          <p:cNvSpPr/>
-          <p:nvPr/>
-        </p:nvSpPr>
-        <p:spPr>
-          <a:xfrm>
-            <a:off x="0" y="0"/>
-            <a:ext cx="3563938" cy="1187450"/>
-          </a:xfrm>
-          <a:prstGeom prst="roundRect">
-            <a:avLst>
-              <a:gd name="adj" fmla="val 50000"/>
-            </a:avLst>
-          </a:prstGeom>
-          <a:gradFill flip="none" rotWithShape="1">
-            <a:gsLst>
-              <a:gs pos="26000">
-                <a:schemeClr val="tx1"/>
-              </a:gs>
-              <a:gs pos="100000">
-                <a:srgbClr val="C00000"/>
-              </a:gs>
-            </a:gsLst>
-            <a:lin ang="2700000" scaled="0"/>
-            <a:tileRect/>
-          </a:gradFill>
-          <a:ln>
-            <a:noFill/>
-          </a:ln>
-        </p:spPr>
-        <p:style>
-          <a:lnRef idx="2">
-            <a:schemeClr val="accent1">
-              <a:shade val="50000"/>
-            </a:schemeClr>
-          </a:lnRef>
-          <a:fillRef idx="1">
-            <a:schemeClr val="accent1"/>
-          </a:fillRef>
-          <a:effectRef idx="0">
-            <a:schemeClr val="accent1"/>
-          </a:effectRef>
-          <a:fontRef idx="minor">
-            <a:schemeClr val="lt1"/>
-          </a:fontRef>
-        </p:style>
-        <p:txBody>
-          <a:bodyPr rtlCol="0" anchor="ctr"/>
-          <a:lstStyle/>
-          <a:p>
-            <a:pPr algn="ctr"/>
-            <a:endParaRPr lang="en-US" dirty="0"/>
-          </a:p>
-        </p:txBody>
-      </p:sp>
-      <p:pic>
-        <p:nvPicPr>
-          <p:cNvPr id="20482" name="Picture 2" descr="https://i0.wp.com/www.samehada.co/wp-content/uploads/2018/11/logo_samehadaku.png?fit=500%2C140">
-            <a:extLst>
-              <a:ext uri="{FF2B5EF4-FFF2-40B4-BE49-F238E27FC236}">
-                <a16:creationId xmlns:a16="http://schemas.microsoft.com/office/drawing/2014/main" id="{BE669853-F669-496A-BEB1-969A6F93CAD5}"/>
-              </a:ext>
-            </a:extLst>
-          </p:cNvPr>
-          <p:cNvPicPr>
-            <a:picLocks noChangeAspect="1" noChangeArrowheads="1"/>
-          </p:cNvPicPr>
-          <p:nvPr/>
-        </p:nvPicPr>
-        <p:blipFill>
-          <a:blip r:embed="rId2">
-            <a:extLst>
-              <a:ext uri="{28A0092B-C50C-407E-A947-70E740481C1C}">
-                <a14:useLocalDpi xmlns:a14="http://schemas.microsoft.com/office/drawing/2010/main" val="0"/>
-              </a:ext>
-            </a:extLst>
-          </a:blip>
-          <a:srcRect/>
-          <a:stretch>
-            <a:fillRect/>
-          </a:stretch>
-        </p:blipFill>
-        <p:spPr bwMode="auto">
-          <a:xfrm>
-            <a:off x="234509" y="160160"/>
-            <a:ext cx="3094919" cy="867129"/>
-          </a:xfrm>
-          <a:prstGeom prst="rect">
-            <a:avLst/>
-          </a:prstGeom>
-          <a:noFill/>
-          <a:extLst>
-            <a:ext uri="{909E8E84-426E-40DD-AFC4-6F175D3DCCD1}">
-              <a14:hiddenFill xmlns:a14="http://schemas.microsoft.com/office/drawing/2010/main">
-                <a:solidFill>
-                  <a:srgbClr val="FFFFFF"/>
-                </a:solidFill>
-              </a14:hiddenFill>
-            </a:ext>
-          </a:extLst>
-        </p:spPr>
-      </p:pic>
-    </p:spTree>
-    <p:extLst>
-      <p:ext uri="{BB962C8B-B14F-4D97-AF65-F5344CB8AC3E}">
-        <p14:creationId xmlns:p14="http://schemas.microsoft.com/office/powerpoint/2010/main" val="854272974"/>
-      </p:ext>
-    </p:extLst>
-  </p:cSld>
-  <p:clrMapOvr>
-    <a:masterClrMapping/>
-  </p:clrMapOvr>
-</p:sld>
-</file>
-
-<file path=ppt/slides/slide22.xml><?xml version="1.0" encoding="utf-8"?>
 <p:sld xmlns:a="http://schemas.openxmlformats.org/drawingml/2006/main" xmlns:r="http://schemas.openxmlformats.org/officeDocument/2006/relationships" xmlns:p="http://schemas.openxmlformats.org/presentationml/2006/main">
   <p:cSld>
     <p:spTree>
@@ -7452,7 +7439,7 @@
 </p:sld>
 </file>
 
-<file path=ppt/slides/slide23.xml><?xml version="1.0" encoding="utf-8"?>
+<file path=ppt/slides/slide22.xml><?xml version="1.0" encoding="utf-8"?>
 <p:sld xmlns:a="http://schemas.openxmlformats.org/drawingml/2006/main" xmlns:r="http://schemas.openxmlformats.org/officeDocument/2006/relationships" xmlns:p="http://schemas.openxmlformats.org/presentationml/2006/main">
   <p:cSld>
     <p:spTree>
@@ -7494,10 +7481,10 @@
           <a:gradFill flip="none" rotWithShape="1">
             <a:gsLst>
               <a:gs pos="26000">
-                <a:srgbClr val="222222"/>
+                <a:srgbClr val="481F67"/>
               </a:gs>
               <a:gs pos="100000">
-                <a:srgbClr val="3C9CCD"/>
+                <a:srgbClr val="7030A0"/>
               </a:gs>
             </a:gsLst>
             <a:lin ang="2700000" scaled="0"/>
@@ -7532,109 +7519,57 @@
           </a:p>
         </p:txBody>
       </p:sp>
-      <p:pic>
-        <p:nvPicPr>
-          <p:cNvPr id="24578" name="Picture 2" descr="https://www.oploverz.in/wp-content/themes/oploverz-v2/dist/images/logo.png">
+      <p:sp>
+        <p:nvSpPr>
+          <p:cNvPr id="2" name="TextBox 1">
             <a:extLst>
               <a:ext uri="{FF2B5EF4-FFF2-40B4-BE49-F238E27FC236}">
-                <a16:creationId xmlns:a16="http://schemas.microsoft.com/office/drawing/2014/main" id="{02A3AE16-9163-45A6-8E67-C8B34AB62358}"/>
+                <a16:creationId xmlns:a16="http://schemas.microsoft.com/office/drawing/2014/main" id="{549FBF46-2A4E-45D5-9682-423BACB68B64}"/>
               </a:ext>
             </a:extLst>
           </p:cNvPr>
-          <p:cNvPicPr>
-            <a:picLocks noChangeAspect="1" noChangeArrowheads="1"/>
-          </p:cNvPicPr>
+          <p:cNvSpPr txBox="1"/>
           <p:nvPr/>
-        </p:nvPicPr>
-        <p:blipFill rotWithShape="1">
-          <a:blip r:embed="rId2">
-            <a:extLst>
-              <a:ext uri="{28A0092B-C50C-407E-A947-70E740481C1C}">
-                <a14:useLocalDpi xmlns:a14="http://schemas.microsoft.com/office/drawing/2010/main" val="0"/>
-              </a:ext>
-            </a:extLst>
-          </a:blip>
-          <a:srcRect r="72176" b="27467"/>
-          <a:stretch/>
-        </p:blipFill>
-        <p:spPr bwMode="auto">
+        </p:nvSpPr>
+        <p:spPr>
           <a:xfrm>
-            <a:off x="346145" y="382905"/>
-            <a:ext cx="798991" cy="421640"/>
+            <a:off x="278110" y="270559"/>
+            <a:ext cx="3007717" cy="646331"/>
           </a:xfrm>
           <a:prstGeom prst="rect">
             <a:avLst/>
           </a:prstGeom>
           <a:noFill/>
-          <a:extLst>
-            <a:ext uri="{909E8E84-426E-40DD-AFC4-6F175D3DCCD1}">
-              <a14:hiddenFill xmlns:a14="http://schemas.microsoft.com/office/drawing/2010/main">
+        </p:spPr>
+        <p:txBody>
+          <a:bodyPr wrap="square" rtlCol="0">
+            <a:spAutoFit/>
+          </a:bodyPr>
+          <a:lstStyle/>
+          <a:p>
+            <a:pPr algn="ctr"/>
+            <a:r>
+              <a:rPr lang="id-ID" sz="3600" dirty="0">
                 <a:solidFill>
-                  <a:srgbClr val="FFFFFF"/>
+                  <a:schemeClr val="bg1"/>
                 </a:solidFill>
-              </a14:hiddenFill>
-            </a:ext>
-          </a:extLst>
-        </p:spPr>
-      </p:pic>
-      <p:pic>
-        <p:nvPicPr>
-          <p:cNvPr id="5" name="Picture 2" descr="https://www.oploverz.in/wp-content/themes/oploverz-v2/dist/images/logo.png">
-            <a:extLst>
-              <a:ext uri="{FF2B5EF4-FFF2-40B4-BE49-F238E27FC236}">
-                <a16:creationId xmlns:a16="http://schemas.microsoft.com/office/drawing/2014/main" id="{6BD0A45C-9A83-49B9-8898-ED785EFAD973}"/>
-              </a:ext>
-            </a:extLst>
-          </p:cNvPr>
-          <p:cNvPicPr>
-            <a:picLocks noChangeAspect="1" noChangeArrowheads="1"/>
-          </p:cNvPicPr>
-          <p:nvPr/>
-        </p:nvPicPr>
-        <p:blipFill rotWithShape="1">
-          <a:blip r:embed="rId3">
-            <a:extLst>
-              <a:ext uri="{BEBA8EAE-BF5A-486C-A8C5-ECC9F3942E4B}">
-                <a14:imgProps xmlns:a14="http://schemas.microsoft.com/office/drawing/2010/main">
-                  <a14:imgLayer r:embed="rId4">
-                    <a14:imgEffect>
-                      <a14:brightnessContrast bright="100000"/>
-                    </a14:imgEffect>
-                  </a14:imgLayer>
-                </a14:imgProps>
-              </a:ext>
-              <a:ext uri="{28A0092B-C50C-407E-A947-70E740481C1C}">
-                <a14:useLocalDpi xmlns:a14="http://schemas.microsoft.com/office/drawing/2010/main" val="0"/>
-              </a:ext>
-            </a:extLst>
-          </a:blip>
-          <a:srcRect l="27824" b="27467"/>
-          <a:stretch/>
-        </p:blipFill>
-        <p:spPr bwMode="auto">
-          <a:xfrm>
-            <a:off x="1145136" y="382905"/>
-            <a:ext cx="2072656" cy="421640"/>
-          </a:xfrm>
-          <a:prstGeom prst="rect">
-            <a:avLst/>
-          </a:prstGeom>
-          <a:noFill/>
-          <a:extLst>
-            <a:ext uri="{909E8E84-426E-40DD-AFC4-6F175D3DCCD1}">
-              <a14:hiddenFill xmlns:a14="http://schemas.microsoft.com/office/drawing/2010/main">
-                <a:solidFill>
-                  <a:srgbClr val="FFFFFF"/>
-                </a:solidFill>
-              </a14:hiddenFill>
-            </a:ext>
-          </a:extLst>
-        </p:spPr>
-      </p:pic>
+                <a:latin typeface="Exo 2" panose="00000500000000000000" pitchFamily="50" charset="0"/>
+              </a:rPr>
+              <a:t>D-ANIMESUB</a:t>
+            </a:r>
+            <a:endParaRPr lang="en-US" sz="3600" dirty="0">
+              <a:solidFill>
+                <a:schemeClr val="bg1"/>
+              </a:solidFill>
+              <a:latin typeface="Exo 2" panose="00000500000000000000" pitchFamily="50" charset="0"/>
+            </a:endParaRPr>
+          </a:p>
+        </p:txBody>
+      </p:sp>
     </p:spTree>
     <p:extLst>
       <p:ext uri="{BB962C8B-B14F-4D97-AF65-F5344CB8AC3E}">
-        <p14:creationId xmlns:p14="http://schemas.microsoft.com/office/powerpoint/2010/main" val="2285725612"/>
+        <p14:creationId xmlns:p14="http://schemas.microsoft.com/office/powerpoint/2010/main" val="913660653"/>
       </p:ext>
     </p:extLst>
   </p:cSld>
@@ -7644,7 +7579,7 @@
 </p:sld>
 </file>
 
-<file path=ppt/slides/slide24.xml><?xml version="1.0" encoding="utf-8"?>
+<file path=ppt/slides/slide23.xml><?xml version="1.0" encoding="utf-8"?>
 <p:sld xmlns:a="http://schemas.openxmlformats.org/drawingml/2006/main" xmlns:r="http://schemas.openxmlformats.org/officeDocument/2006/relationships" xmlns:p="http://schemas.openxmlformats.org/presentationml/2006/main">
   <p:cSld>
     <p:spTree>
@@ -7789,7 +7724,491 @@
 </p:sld>
 </file>
 
+<file path=ppt/slides/slide24.xml><?xml version="1.0" encoding="utf-8"?>
+<p:sld xmlns:a="http://schemas.openxmlformats.org/drawingml/2006/main" xmlns:r="http://schemas.openxmlformats.org/officeDocument/2006/relationships" xmlns:p="http://schemas.openxmlformats.org/presentationml/2006/main">
+  <p:cSld>
+    <p:spTree>
+      <p:nvGrpSpPr>
+        <p:cNvPr id="1" name=""/>
+        <p:cNvGrpSpPr/>
+        <p:nvPr/>
+      </p:nvGrpSpPr>
+      <p:grpSpPr>
+        <a:xfrm>
+          <a:off x="0" y="0"/>
+          <a:ext cx="0" cy="0"/>
+          <a:chOff x="0" y="0"/>
+          <a:chExt cx="0" cy="0"/>
+        </a:xfrm>
+      </p:grpSpPr>
+      <p:sp>
+        <p:nvSpPr>
+          <p:cNvPr id="4" name="Rectangle: Rounded Corners 3">
+            <a:extLst>
+              <a:ext uri="{FF2B5EF4-FFF2-40B4-BE49-F238E27FC236}">
+                <a16:creationId xmlns:a16="http://schemas.microsoft.com/office/drawing/2014/main" id="{8D6D9DF0-36ED-4863-B918-F6735D13A7C1}"/>
+              </a:ext>
+            </a:extLst>
+          </p:cNvPr>
+          <p:cNvSpPr/>
+          <p:nvPr/>
+        </p:nvSpPr>
+        <p:spPr>
+          <a:xfrm>
+            <a:off x="0" y="0"/>
+            <a:ext cx="3563938" cy="1187450"/>
+          </a:xfrm>
+          <a:prstGeom prst="roundRect">
+            <a:avLst>
+              <a:gd name="adj" fmla="val 50000"/>
+            </a:avLst>
+          </a:prstGeom>
+          <a:gradFill flip="none" rotWithShape="1">
+            <a:gsLst>
+              <a:gs pos="26000">
+                <a:srgbClr val="020321"/>
+              </a:gs>
+              <a:gs pos="100000">
+                <a:srgbClr val="202D91"/>
+              </a:gs>
+            </a:gsLst>
+            <a:lin ang="2700000" scaled="0"/>
+            <a:tileRect/>
+          </a:gradFill>
+          <a:ln>
+            <a:noFill/>
+          </a:ln>
+        </p:spPr>
+        <p:style>
+          <a:lnRef idx="2">
+            <a:schemeClr val="accent1">
+              <a:shade val="50000"/>
+            </a:schemeClr>
+          </a:lnRef>
+          <a:fillRef idx="1">
+            <a:schemeClr val="accent1"/>
+          </a:fillRef>
+          <a:effectRef idx="0">
+            <a:schemeClr val="accent1"/>
+          </a:effectRef>
+          <a:fontRef idx="minor">
+            <a:schemeClr val="lt1"/>
+          </a:fontRef>
+        </p:style>
+        <p:txBody>
+          <a:bodyPr rtlCol="0" anchor="ctr"/>
+          <a:lstStyle/>
+          <a:p>
+            <a:pPr algn="ctr"/>
+            <a:endParaRPr lang="en-US" dirty="0"/>
+          </a:p>
+        </p:txBody>
+      </p:sp>
+      <p:sp>
+        <p:nvSpPr>
+          <p:cNvPr id="3" name="TextBox 2">
+            <a:extLst>
+              <a:ext uri="{FF2B5EF4-FFF2-40B4-BE49-F238E27FC236}">
+                <a16:creationId xmlns:a16="http://schemas.microsoft.com/office/drawing/2014/main" id="{7872C401-B53A-4101-AE6A-EACD671B1CDD}"/>
+              </a:ext>
+            </a:extLst>
+          </p:cNvPr>
+          <p:cNvSpPr txBox="1"/>
+          <p:nvPr/>
+        </p:nvSpPr>
+        <p:spPr>
+          <a:xfrm>
+            <a:off x="387509" y="140424"/>
+            <a:ext cx="2788920" cy="769441"/>
+          </a:xfrm>
+          <a:prstGeom prst="rect">
+            <a:avLst/>
+          </a:prstGeom>
+          <a:noFill/>
+        </p:spPr>
+        <p:txBody>
+          <a:bodyPr wrap="square" rtlCol="0">
+            <a:spAutoFit/>
+          </a:bodyPr>
+          <a:lstStyle/>
+          <a:p>
+            <a:pPr algn="ctr"/>
+            <a:r>
+              <a:rPr lang="id-ID" sz="4400" dirty="0">
+                <a:solidFill>
+                  <a:schemeClr val="bg1"/>
+                </a:solidFill>
+                <a:latin typeface="Single Fighter" panose="02000500000000000000" pitchFamily="50" charset="0"/>
+              </a:rPr>
+              <a:t>KAZEFURI</a:t>
+            </a:r>
+            <a:endParaRPr lang="en-US" sz="4400" dirty="0">
+              <a:solidFill>
+                <a:schemeClr val="bg1"/>
+              </a:solidFill>
+              <a:latin typeface="Single Fighter" panose="02000500000000000000" pitchFamily="50" charset="0"/>
+            </a:endParaRPr>
+          </a:p>
+        </p:txBody>
+      </p:sp>
+    </p:spTree>
+    <p:extLst>
+      <p:ext uri="{BB962C8B-B14F-4D97-AF65-F5344CB8AC3E}">
+        <p14:creationId xmlns:p14="http://schemas.microsoft.com/office/powerpoint/2010/main" val="3545101030"/>
+      </p:ext>
+    </p:extLst>
+  </p:cSld>
+  <p:clrMapOvr>
+    <a:masterClrMapping/>
+  </p:clrMapOvr>
+</p:sld>
+</file>
+
 <file path=ppt/slides/slide25.xml><?xml version="1.0" encoding="utf-8"?>
+<p:sld xmlns:a="http://schemas.openxmlformats.org/drawingml/2006/main" xmlns:r="http://schemas.openxmlformats.org/officeDocument/2006/relationships" xmlns:p="http://schemas.openxmlformats.org/presentationml/2006/main">
+  <p:cSld>
+    <p:spTree>
+      <p:nvGrpSpPr>
+        <p:cNvPr id="1" name=""/>
+        <p:cNvGrpSpPr/>
+        <p:nvPr/>
+      </p:nvGrpSpPr>
+      <p:grpSpPr>
+        <a:xfrm>
+          <a:off x="0" y="0"/>
+          <a:ext cx="0" cy="0"/>
+          <a:chOff x="0" y="0"/>
+          <a:chExt cx="0" cy="0"/>
+        </a:xfrm>
+      </p:grpSpPr>
+      <p:sp>
+        <p:nvSpPr>
+          <p:cNvPr id="4" name="Rectangle: Rounded Corners 3">
+            <a:extLst>
+              <a:ext uri="{FF2B5EF4-FFF2-40B4-BE49-F238E27FC236}">
+                <a16:creationId xmlns:a16="http://schemas.microsoft.com/office/drawing/2014/main" id="{8D6D9DF0-36ED-4863-B918-F6735D13A7C1}"/>
+              </a:ext>
+            </a:extLst>
+          </p:cNvPr>
+          <p:cNvSpPr/>
+          <p:nvPr/>
+        </p:nvSpPr>
+        <p:spPr>
+          <a:xfrm>
+            <a:off x="0" y="0"/>
+            <a:ext cx="3563938" cy="1187450"/>
+          </a:xfrm>
+          <a:prstGeom prst="roundRect">
+            <a:avLst>
+              <a:gd name="adj" fmla="val 50000"/>
+            </a:avLst>
+          </a:prstGeom>
+          <a:gradFill flip="none" rotWithShape="1">
+            <a:gsLst>
+              <a:gs pos="26000">
+                <a:srgbClr val="222222"/>
+              </a:gs>
+              <a:gs pos="100000">
+                <a:srgbClr val="3C9CCD"/>
+              </a:gs>
+            </a:gsLst>
+            <a:lin ang="2700000" scaled="0"/>
+            <a:tileRect/>
+          </a:gradFill>
+          <a:ln>
+            <a:noFill/>
+          </a:ln>
+        </p:spPr>
+        <p:style>
+          <a:lnRef idx="2">
+            <a:schemeClr val="accent1">
+              <a:shade val="50000"/>
+            </a:schemeClr>
+          </a:lnRef>
+          <a:fillRef idx="1">
+            <a:schemeClr val="accent1"/>
+          </a:fillRef>
+          <a:effectRef idx="0">
+            <a:schemeClr val="accent1"/>
+          </a:effectRef>
+          <a:fontRef idx="minor">
+            <a:schemeClr val="lt1"/>
+          </a:fontRef>
+        </p:style>
+        <p:txBody>
+          <a:bodyPr rtlCol="0" anchor="ctr"/>
+          <a:lstStyle/>
+          <a:p>
+            <a:pPr algn="ctr"/>
+            <a:endParaRPr lang="en-US" dirty="0"/>
+          </a:p>
+        </p:txBody>
+      </p:sp>
+      <p:pic>
+        <p:nvPicPr>
+          <p:cNvPr id="24578" name="Picture 2" descr="https://www.oploverz.in/wp-content/themes/oploverz-v2/dist/images/logo.png">
+            <a:extLst>
+              <a:ext uri="{FF2B5EF4-FFF2-40B4-BE49-F238E27FC236}">
+                <a16:creationId xmlns:a16="http://schemas.microsoft.com/office/drawing/2014/main" id="{02A3AE16-9163-45A6-8E67-C8B34AB62358}"/>
+              </a:ext>
+            </a:extLst>
+          </p:cNvPr>
+          <p:cNvPicPr>
+            <a:picLocks noChangeAspect="1" noChangeArrowheads="1"/>
+          </p:cNvPicPr>
+          <p:nvPr/>
+        </p:nvPicPr>
+        <p:blipFill rotWithShape="1">
+          <a:blip r:embed="rId2">
+            <a:extLst>
+              <a:ext uri="{28A0092B-C50C-407E-A947-70E740481C1C}">
+                <a14:useLocalDpi xmlns:a14="http://schemas.microsoft.com/office/drawing/2010/main" val="0"/>
+              </a:ext>
+            </a:extLst>
+          </a:blip>
+          <a:srcRect r="72176" b="27467"/>
+          <a:stretch/>
+        </p:blipFill>
+        <p:spPr bwMode="auto">
+          <a:xfrm>
+            <a:off x="346145" y="382905"/>
+            <a:ext cx="798991" cy="421640"/>
+          </a:xfrm>
+          <a:prstGeom prst="rect">
+            <a:avLst/>
+          </a:prstGeom>
+          <a:noFill/>
+          <a:extLst>
+            <a:ext uri="{909E8E84-426E-40DD-AFC4-6F175D3DCCD1}">
+              <a14:hiddenFill xmlns:a14="http://schemas.microsoft.com/office/drawing/2010/main">
+                <a:solidFill>
+                  <a:srgbClr val="FFFFFF"/>
+                </a:solidFill>
+              </a14:hiddenFill>
+            </a:ext>
+          </a:extLst>
+        </p:spPr>
+      </p:pic>
+      <p:pic>
+        <p:nvPicPr>
+          <p:cNvPr id="5" name="Picture 2" descr="https://www.oploverz.in/wp-content/themes/oploverz-v2/dist/images/logo.png">
+            <a:extLst>
+              <a:ext uri="{FF2B5EF4-FFF2-40B4-BE49-F238E27FC236}">
+                <a16:creationId xmlns:a16="http://schemas.microsoft.com/office/drawing/2014/main" id="{6BD0A45C-9A83-49B9-8898-ED785EFAD973}"/>
+              </a:ext>
+            </a:extLst>
+          </p:cNvPr>
+          <p:cNvPicPr>
+            <a:picLocks noChangeAspect="1" noChangeArrowheads="1"/>
+          </p:cNvPicPr>
+          <p:nvPr/>
+        </p:nvPicPr>
+        <p:blipFill rotWithShape="1">
+          <a:blip r:embed="rId3">
+            <a:extLst>
+              <a:ext uri="{BEBA8EAE-BF5A-486C-A8C5-ECC9F3942E4B}">
+                <a14:imgProps xmlns:a14="http://schemas.microsoft.com/office/drawing/2010/main">
+                  <a14:imgLayer r:embed="rId4">
+                    <a14:imgEffect>
+                      <a14:brightnessContrast bright="100000"/>
+                    </a14:imgEffect>
+                  </a14:imgLayer>
+                </a14:imgProps>
+              </a:ext>
+              <a:ext uri="{28A0092B-C50C-407E-A947-70E740481C1C}">
+                <a14:useLocalDpi xmlns:a14="http://schemas.microsoft.com/office/drawing/2010/main" val="0"/>
+              </a:ext>
+            </a:extLst>
+          </a:blip>
+          <a:srcRect l="27824" b="27467"/>
+          <a:stretch/>
+        </p:blipFill>
+        <p:spPr bwMode="auto">
+          <a:xfrm>
+            <a:off x="1145136" y="382905"/>
+            <a:ext cx="2072656" cy="421640"/>
+          </a:xfrm>
+          <a:prstGeom prst="rect">
+            <a:avLst/>
+          </a:prstGeom>
+          <a:noFill/>
+          <a:extLst>
+            <a:ext uri="{909E8E84-426E-40DD-AFC4-6F175D3DCCD1}">
+              <a14:hiddenFill xmlns:a14="http://schemas.microsoft.com/office/drawing/2010/main">
+                <a:solidFill>
+                  <a:srgbClr val="FFFFFF"/>
+                </a:solidFill>
+              </a14:hiddenFill>
+            </a:ext>
+          </a:extLst>
+        </p:spPr>
+      </p:pic>
+    </p:spTree>
+    <p:extLst>
+      <p:ext uri="{BB962C8B-B14F-4D97-AF65-F5344CB8AC3E}">
+        <p14:creationId xmlns:p14="http://schemas.microsoft.com/office/powerpoint/2010/main" val="2285725612"/>
+      </p:ext>
+    </p:extLst>
+  </p:cSld>
+  <p:clrMapOvr>
+    <a:masterClrMapping/>
+  </p:clrMapOvr>
+</p:sld>
+</file>
+
+<file path=ppt/slides/slide26.xml><?xml version="1.0" encoding="utf-8"?>
+<p:sld xmlns:a="http://schemas.openxmlformats.org/drawingml/2006/main" xmlns:r="http://schemas.openxmlformats.org/officeDocument/2006/relationships" xmlns:p="http://schemas.openxmlformats.org/presentationml/2006/main">
+  <p:cSld>
+    <p:spTree>
+      <p:nvGrpSpPr>
+        <p:cNvPr id="1" name=""/>
+        <p:cNvGrpSpPr/>
+        <p:nvPr/>
+      </p:nvGrpSpPr>
+      <p:grpSpPr>
+        <a:xfrm>
+          <a:off x="0" y="0"/>
+          <a:ext cx="0" cy="0"/>
+          <a:chOff x="0" y="0"/>
+          <a:chExt cx="0" cy="0"/>
+        </a:xfrm>
+      </p:grpSpPr>
+      <p:sp>
+        <p:nvSpPr>
+          <p:cNvPr id="4" name="Rectangle: Rounded Corners 3">
+            <a:extLst>
+              <a:ext uri="{FF2B5EF4-FFF2-40B4-BE49-F238E27FC236}">
+                <a16:creationId xmlns:a16="http://schemas.microsoft.com/office/drawing/2014/main" id="{8D6D9DF0-36ED-4863-B918-F6735D13A7C1}"/>
+              </a:ext>
+            </a:extLst>
+          </p:cNvPr>
+          <p:cNvSpPr/>
+          <p:nvPr/>
+        </p:nvSpPr>
+        <p:spPr>
+          <a:xfrm>
+            <a:off x="0" y="0"/>
+            <a:ext cx="3563938" cy="1187450"/>
+          </a:xfrm>
+          <a:prstGeom prst="roundRect">
+            <a:avLst>
+              <a:gd name="adj" fmla="val 50000"/>
+            </a:avLst>
+          </a:prstGeom>
+          <a:gradFill flip="none" rotWithShape="1">
+            <a:gsLst>
+              <a:gs pos="26000">
+                <a:schemeClr val="accent1"/>
+              </a:gs>
+              <a:gs pos="100000">
+                <a:schemeClr val="accent1">
+                  <a:lumMod val="20000"/>
+                  <a:lumOff val="80000"/>
+                </a:schemeClr>
+              </a:gs>
+            </a:gsLst>
+            <a:lin ang="2700000" scaled="0"/>
+            <a:tileRect/>
+          </a:gradFill>
+          <a:ln>
+            <a:noFill/>
+          </a:ln>
+        </p:spPr>
+        <p:style>
+          <a:lnRef idx="2">
+            <a:schemeClr val="accent1">
+              <a:shade val="50000"/>
+            </a:schemeClr>
+          </a:lnRef>
+          <a:fillRef idx="1">
+            <a:schemeClr val="accent1"/>
+          </a:fillRef>
+          <a:effectRef idx="0">
+            <a:schemeClr val="accent1"/>
+          </a:effectRef>
+          <a:fontRef idx="minor">
+            <a:schemeClr val="lt1"/>
+          </a:fontRef>
+        </p:style>
+        <p:txBody>
+          <a:bodyPr rtlCol="0" anchor="ctr"/>
+          <a:lstStyle/>
+          <a:p>
+            <a:pPr algn="ctr"/>
+            <a:endParaRPr lang="en-US" dirty="0"/>
+          </a:p>
+        </p:txBody>
+      </p:sp>
+      <p:pic>
+        <p:nvPicPr>
+          <p:cNvPr id="19458" name="Picture 2" descr="https://pendekarsubs.us/wp-content/uploads/2019/02/pendekar-logo-1.png">
+            <a:extLst>
+              <a:ext uri="{FF2B5EF4-FFF2-40B4-BE49-F238E27FC236}">
+                <a16:creationId xmlns:a16="http://schemas.microsoft.com/office/drawing/2014/main" id="{B6F41F4E-E4AA-4293-A3CF-A571FF1AEFD6}"/>
+              </a:ext>
+            </a:extLst>
+          </p:cNvPr>
+          <p:cNvPicPr>
+            <a:picLocks noChangeAspect="1" noChangeArrowheads="1"/>
+          </p:cNvPicPr>
+          <p:nvPr/>
+        </p:nvPicPr>
+        <p:blipFill>
+          <a:blip r:embed="rId2">
+            <a:extLst>
+              <a:ext uri="{BEBA8EAE-BF5A-486C-A8C5-ECC9F3942E4B}">
+                <a14:imgProps xmlns:a14="http://schemas.microsoft.com/office/drawing/2010/main">
+                  <a14:imgLayer r:embed="rId3">
+                    <a14:imgEffect>
+                      <a14:brightnessContrast bright="100000" contrast="100000"/>
+                    </a14:imgEffect>
+                  </a14:imgLayer>
+                </a14:imgProps>
+              </a:ext>
+              <a:ext uri="{28A0092B-C50C-407E-A947-70E740481C1C}">
+                <a14:useLocalDpi xmlns:a14="http://schemas.microsoft.com/office/drawing/2010/main" val="0"/>
+              </a:ext>
+            </a:extLst>
+          </a:blip>
+          <a:srcRect/>
+          <a:stretch>
+            <a:fillRect/>
+          </a:stretch>
+        </p:blipFill>
+        <p:spPr bwMode="auto">
+          <a:xfrm>
+            <a:off x="605631" y="201612"/>
+            <a:ext cx="2352675" cy="784225"/>
+          </a:xfrm>
+          <a:prstGeom prst="rect">
+            <a:avLst/>
+          </a:prstGeom>
+          <a:noFill/>
+          <a:extLst>
+            <a:ext uri="{909E8E84-426E-40DD-AFC4-6F175D3DCCD1}">
+              <a14:hiddenFill xmlns:a14="http://schemas.microsoft.com/office/drawing/2010/main">
+                <a:solidFill>
+                  <a:srgbClr val="FFFFFF"/>
+                </a:solidFill>
+              </a14:hiddenFill>
+            </a:ext>
+          </a:extLst>
+        </p:spPr>
+      </p:pic>
+    </p:spTree>
+    <p:extLst>
+      <p:ext uri="{BB962C8B-B14F-4D97-AF65-F5344CB8AC3E}">
+        <p14:creationId xmlns:p14="http://schemas.microsoft.com/office/powerpoint/2010/main" val="2484894236"/>
+      </p:ext>
+    </p:extLst>
+  </p:cSld>
+  <p:clrMapOvr>
+    <a:masterClrMapping/>
+  </p:clrMapOvr>
+</p:sld>
+</file>
+
+<file path=ppt/slides/slide27.xml><?xml version="1.0" encoding="utf-8"?>
 <p:sld xmlns:a="http://schemas.openxmlformats.org/drawingml/2006/main" xmlns:r="http://schemas.openxmlformats.org/officeDocument/2006/relationships" xmlns:p="http://schemas.openxmlformats.org/presentationml/2006/main">
   <p:cSld>
     <p:spTree>
@@ -8024,7 +8443,7 @@
 </p:sld>
 </file>
 
-<file path=ppt/slides/slide26.xml><?xml version="1.0" encoding="utf-8"?>
+<file path=ppt/slides/slide28.xml><?xml version="1.0" encoding="utf-8"?>
 <p:sld xmlns:a="http://schemas.openxmlformats.org/drawingml/2006/main" xmlns:r="http://schemas.openxmlformats.org/officeDocument/2006/relationships" xmlns:p="http://schemas.openxmlformats.org/presentationml/2006/main">
   <p:cSld>
     <p:spTree>
@@ -8066,10 +8485,10 @@
           <a:gradFill flip="none" rotWithShape="1">
             <a:gsLst>
               <a:gs pos="26000">
-                <a:srgbClr val="481F67"/>
+                <a:schemeClr val="tx1"/>
               </a:gs>
               <a:gs pos="100000">
-                <a:srgbClr val="7030A0"/>
+                <a:srgbClr val="C00000"/>
               </a:gs>
             </a:gsLst>
             <a:lin ang="2700000" scaled="0"/>
@@ -8104,57 +8523,57 @@
           </a:p>
         </p:txBody>
       </p:sp>
-      <p:sp>
-        <p:nvSpPr>
-          <p:cNvPr id="2" name="TextBox 1">
+      <p:pic>
+        <p:nvPicPr>
+          <p:cNvPr id="20482" name="Picture 2" descr="https://i0.wp.com/www.samehada.co/wp-content/uploads/2018/11/logo_samehadaku.png?fit=500%2C140">
             <a:extLst>
               <a:ext uri="{FF2B5EF4-FFF2-40B4-BE49-F238E27FC236}">
-                <a16:creationId xmlns:a16="http://schemas.microsoft.com/office/drawing/2014/main" id="{549FBF46-2A4E-45D5-9682-423BACB68B64}"/>
+                <a16:creationId xmlns:a16="http://schemas.microsoft.com/office/drawing/2014/main" id="{BE669853-F669-496A-BEB1-969A6F93CAD5}"/>
               </a:ext>
             </a:extLst>
           </p:cNvPr>
-          <p:cNvSpPr txBox="1"/>
+          <p:cNvPicPr>
+            <a:picLocks noChangeAspect="1" noChangeArrowheads="1"/>
+          </p:cNvPicPr>
           <p:nvPr/>
-        </p:nvSpPr>
-        <p:spPr>
+        </p:nvPicPr>
+        <p:blipFill>
+          <a:blip r:embed="rId2">
+            <a:extLst>
+              <a:ext uri="{28A0092B-C50C-407E-A947-70E740481C1C}">
+                <a14:useLocalDpi xmlns:a14="http://schemas.microsoft.com/office/drawing/2010/main" val="0"/>
+              </a:ext>
+            </a:extLst>
+          </a:blip>
+          <a:srcRect/>
+          <a:stretch>
+            <a:fillRect/>
+          </a:stretch>
+        </p:blipFill>
+        <p:spPr bwMode="auto">
           <a:xfrm>
-            <a:off x="278110" y="270559"/>
-            <a:ext cx="3007717" cy="646331"/>
+            <a:off x="234509" y="160160"/>
+            <a:ext cx="3094919" cy="867129"/>
           </a:xfrm>
           <a:prstGeom prst="rect">
             <a:avLst/>
           </a:prstGeom>
           <a:noFill/>
+          <a:extLst>
+            <a:ext uri="{909E8E84-426E-40DD-AFC4-6F175D3DCCD1}">
+              <a14:hiddenFill xmlns:a14="http://schemas.microsoft.com/office/drawing/2010/main">
+                <a:solidFill>
+                  <a:srgbClr val="FFFFFF"/>
+                </a:solidFill>
+              </a14:hiddenFill>
+            </a:ext>
+          </a:extLst>
         </p:spPr>
-        <p:txBody>
-          <a:bodyPr wrap="square" rtlCol="0">
-            <a:spAutoFit/>
-          </a:bodyPr>
-          <a:lstStyle/>
-          <a:p>
-            <a:pPr algn="ctr"/>
-            <a:r>
-              <a:rPr lang="id-ID" sz="3600" dirty="0">
-                <a:solidFill>
-                  <a:schemeClr val="bg1"/>
-                </a:solidFill>
-                <a:latin typeface="Exo 2" panose="00000500000000000000" pitchFamily="50" charset="0"/>
-              </a:rPr>
-              <a:t>D-ANIMESUB</a:t>
-            </a:r>
-            <a:endParaRPr lang="en-US" sz="3600" dirty="0">
-              <a:solidFill>
-                <a:schemeClr val="bg1"/>
-              </a:solidFill>
-              <a:latin typeface="Exo 2" panose="00000500000000000000" pitchFamily="50" charset="0"/>
-            </a:endParaRPr>
-          </a:p>
-        </p:txBody>
-      </p:sp>
+      </p:pic>
     </p:spTree>
     <p:extLst>
       <p:ext uri="{BB962C8B-B14F-4D97-AF65-F5344CB8AC3E}">
-        <p14:creationId xmlns:p14="http://schemas.microsoft.com/office/powerpoint/2010/main" val="913660653"/>
+        <p14:creationId xmlns:p14="http://schemas.microsoft.com/office/powerpoint/2010/main" val="854272974"/>
       </p:ext>
     </p:extLst>
   </p:cSld>
@@ -8164,147 +8583,7 @@
 </p:sld>
 </file>
 
-<file path=ppt/slides/slide27.xml><?xml version="1.0" encoding="utf-8"?>
-<p:sld xmlns:a="http://schemas.openxmlformats.org/drawingml/2006/main" xmlns:r="http://schemas.openxmlformats.org/officeDocument/2006/relationships" xmlns:p="http://schemas.openxmlformats.org/presentationml/2006/main">
-  <p:cSld>
-    <p:spTree>
-      <p:nvGrpSpPr>
-        <p:cNvPr id="1" name=""/>
-        <p:cNvGrpSpPr/>
-        <p:nvPr/>
-      </p:nvGrpSpPr>
-      <p:grpSpPr>
-        <a:xfrm>
-          <a:off x="0" y="0"/>
-          <a:ext cx="0" cy="0"/>
-          <a:chOff x="0" y="0"/>
-          <a:chExt cx="0" cy="0"/>
-        </a:xfrm>
-      </p:grpSpPr>
-      <p:sp>
-        <p:nvSpPr>
-          <p:cNvPr id="4" name="Rectangle: Rounded Corners 3">
-            <a:extLst>
-              <a:ext uri="{FF2B5EF4-FFF2-40B4-BE49-F238E27FC236}">
-                <a16:creationId xmlns:a16="http://schemas.microsoft.com/office/drawing/2014/main" id="{8D6D9DF0-36ED-4863-B918-F6735D13A7C1}"/>
-              </a:ext>
-            </a:extLst>
-          </p:cNvPr>
-          <p:cNvSpPr/>
-          <p:nvPr/>
-        </p:nvSpPr>
-        <p:spPr>
-          <a:xfrm>
-            <a:off x="0" y="0"/>
-            <a:ext cx="3563938" cy="1187450"/>
-          </a:xfrm>
-          <a:prstGeom prst="roundRect">
-            <a:avLst>
-              <a:gd name="adj" fmla="val 50000"/>
-            </a:avLst>
-          </a:prstGeom>
-          <a:gradFill flip="none" rotWithShape="1">
-            <a:gsLst>
-              <a:gs pos="26000">
-                <a:srgbClr val="481F67"/>
-              </a:gs>
-              <a:gs pos="100000">
-                <a:srgbClr val="E4ABDA"/>
-              </a:gs>
-            </a:gsLst>
-            <a:lin ang="2700000" scaled="0"/>
-            <a:tileRect/>
-          </a:gradFill>
-          <a:ln>
-            <a:noFill/>
-          </a:ln>
-        </p:spPr>
-        <p:style>
-          <a:lnRef idx="2">
-            <a:schemeClr val="accent1">
-              <a:shade val="50000"/>
-            </a:schemeClr>
-          </a:lnRef>
-          <a:fillRef idx="1">
-            <a:schemeClr val="accent1"/>
-          </a:fillRef>
-          <a:effectRef idx="0">
-            <a:schemeClr val="accent1"/>
-          </a:effectRef>
-          <a:fontRef idx="minor">
-            <a:schemeClr val="lt1"/>
-          </a:fontRef>
-        </p:style>
-        <p:txBody>
-          <a:bodyPr rtlCol="0" anchor="ctr"/>
-          <a:lstStyle/>
-          <a:p>
-            <a:pPr algn="ctr"/>
-            <a:endParaRPr lang="en-US" dirty="0"/>
-          </a:p>
-        </p:txBody>
-      </p:sp>
-      <p:sp>
-        <p:nvSpPr>
-          <p:cNvPr id="2" name="TextBox 1">
-            <a:extLst>
-              <a:ext uri="{FF2B5EF4-FFF2-40B4-BE49-F238E27FC236}">
-                <a16:creationId xmlns:a16="http://schemas.microsoft.com/office/drawing/2014/main" id="{549FBF46-2A4E-45D5-9682-423BACB68B64}"/>
-              </a:ext>
-            </a:extLst>
-          </p:cNvPr>
-          <p:cNvSpPr txBox="1"/>
-          <p:nvPr/>
-        </p:nvSpPr>
-        <p:spPr>
-          <a:xfrm>
-            <a:off x="278110" y="346759"/>
-            <a:ext cx="3007717" cy="646331"/>
-          </a:xfrm>
-          <a:prstGeom prst="rect">
-            <a:avLst/>
-          </a:prstGeom>
-          <a:noFill/>
-        </p:spPr>
-        <p:txBody>
-          <a:bodyPr wrap="square" rtlCol="0">
-            <a:spAutoFit/>
-          </a:bodyPr>
-          <a:lstStyle/>
-          <a:p>
-            <a:pPr algn="ctr"/>
-            <a:r>
-              <a:rPr lang="en-US" sz="3600" dirty="0" err="1">
-                <a:solidFill>
-                  <a:schemeClr val="bg1"/>
-                </a:solidFill>
-                <a:latin typeface="Poppins"/>
-              </a:rPr>
-              <a:t>ZenSub</a:t>
-            </a:r>
-            <a:endParaRPr lang="en-US" sz="3600" dirty="0">
-              <a:solidFill>
-                <a:schemeClr val="bg1"/>
-              </a:solidFill>
-              <a:latin typeface="Poppins"/>
-            </a:endParaRPr>
-          </a:p>
-        </p:txBody>
-      </p:sp>
-    </p:spTree>
-    <p:extLst>
-      <p:ext uri="{BB962C8B-B14F-4D97-AF65-F5344CB8AC3E}">
-        <p14:creationId xmlns:p14="http://schemas.microsoft.com/office/powerpoint/2010/main" val="1069654171"/>
-      </p:ext>
-    </p:extLst>
-  </p:cSld>
-  <p:clrMapOvr>
-    <a:masterClrMapping/>
-  </p:clrMapOvr>
-</p:sld>
-</file>
-
-<file path=ppt/slides/slide28.xml><?xml version="1.0" encoding="utf-8"?>
+<file path=ppt/slides/slide29.xml><?xml version="1.0" encoding="utf-8"?>
 <p:sld xmlns:a="http://schemas.openxmlformats.org/drawingml/2006/main" xmlns:r="http://schemas.openxmlformats.org/officeDocument/2006/relationships" xmlns:p="http://schemas.openxmlformats.org/presentationml/2006/main">
   <p:cSld>
     <p:spTree>
@@ -8433,144 +8712,6 @@
     <p:extLst>
       <p:ext uri="{BB962C8B-B14F-4D97-AF65-F5344CB8AC3E}">
         <p14:creationId xmlns:p14="http://schemas.microsoft.com/office/powerpoint/2010/main" val="701272778"/>
-      </p:ext>
-    </p:extLst>
-  </p:cSld>
-  <p:clrMapOvr>
-    <a:masterClrMapping/>
-  </p:clrMapOvr>
-</p:sld>
-</file>
-
-<file path=ppt/slides/slide29.xml><?xml version="1.0" encoding="utf-8"?>
-<p:sld xmlns:a="http://schemas.openxmlformats.org/drawingml/2006/main" xmlns:r="http://schemas.openxmlformats.org/officeDocument/2006/relationships" xmlns:p="http://schemas.openxmlformats.org/presentationml/2006/main">
-  <p:cSld>
-    <p:spTree>
-      <p:nvGrpSpPr>
-        <p:cNvPr id="1" name=""/>
-        <p:cNvGrpSpPr/>
-        <p:nvPr/>
-      </p:nvGrpSpPr>
-      <p:grpSpPr>
-        <a:xfrm>
-          <a:off x="0" y="0"/>
-          <a:ext cx="0" cy="0"/>
-          <a:chOff x="0" y="0"/>
-          <a:chExt cx="0" cy="0"/>
-        </a:xfrm>
-      </p:grpSpPr>
-      <p:sp>
-        <p:nvSpPr>
-          <p:cNvPr id="4" name="Rectangle: Rounded Corners 3">
-            <a:extLst>
-              <a:ext uri="{FF2B5EF4-FFF2-40B4-BE49-F238E27FC236}">
-                <a16:creationId xmlns:a16="http://schemas.microsoft.com/office/drawing/2014/main" id="{8D6D9DF0-36ED-4863-B918-F6735D13A7C1}"/>
-              </a:ext>
-            </a:extLst>
-          </p:cNvPr>
-          <p:cNvSpPr/>
-          <p:nvPr/>
-        </p:nvSpPr>
-        <p:spPr>
-          <a:xfrm>
-            <a:off x="0" y="0"/>
-            <a:ext cx="3563938" cy="1187450"/>
-          </a:xfrm>
-          <a:prstGeom prst="roundRect">
-            <a:avLst>
-              <a:gd name="adj" fmla="val 50000"/>
-            </a:avLst>
-          </a:prstGeom>
-          <a:gradFill flip="none" rotWithShape="1">
-            <a:gsLst>
-              <a:gs pos="26000">
-                <a:srgbClr val="663300"/>
-              </a:gs>
-              <a:gs pos="100000">
-                <a:srgbClr val="CC9900"/>
-              </a:gs>
-            </a:gsLst>
-            <a:lin ang="2700000" scaled="0"/>
-            <a:tileRect/>
-          </a:gradFill>
-          <a:ln>
-            <a:noFill/>
-          </a:ln>
-        </p:spPr>
-        <p:style>
-          <a:lnRef idx="2">
-            <a:schemeClr val="accent1">
-              <a:shade val="50000"/>
-            </a:schemeClr>
-          </a:lnRef>
-          <a:fillRef idx="1">
-            <a:schemeClr val="accent1"/>
-          </a:fillRef>
-          <a:effectRef idx="0">
-            <a:schemeClr val="accent1"/>
-          </a:effectRef>
-          <a:fontRef idx="minor">
-            <a:schemeClr val="lt1"/>
-          </a:fontRef>
-        </p:style>
-        <p:txBody>
-          <a:bodyPr rtlCol="0" anchor="ctr"/>
-          <a:lstStyle/>
-          <a:p>
-            <a:pPr algn="ctr"/>
-            <a:endParaRPr lang="en-US" dirty="0"/>
-          </a:p>
-        </p:txBody>
-      </p:sp>
-      <p:sp>
-        <p:nvSpPr>
-          <p:cNvPr id="2" name="TextBox 1">
-            <a:extLst>
-              <a:ext uri="{FF2B5EF4-FFF2-40B4-BE49-F238E27FC236}">
-                <a16:creationId xmlns:a16="http://schemas.microsoft.com/office/drawing/2014/main" id="{549FBF46-2A4E-45D5-9682-423BACB68B64}"/>
-              </a:ext>
-            </a:extLst>
-          </p:cNvPr>
-          <p:cNvSpPr txBox="1"/>
-          <p:nvPr/>
-        </p:nvSpPr>
-        <p:spPr>
-          <a:xfrm>
-            <a:off x="278110" y="270559"/>
-            <a:ext cx="3007717" cy="646331"/>
-          </a:xfrm>
-          <a:prstGeom prst="rect">
-            <a:avLst/>
-          </a:prstGeom>
-          <a:noFill/>
-        </p:spPr>
-        <p:txBody>
-          <a:bodyPr wrap="square" rtlCol="0">
-            <a:spAutoFit/>
-          </a:bodyPr>
-          <a:lstStyle/>
-          <a:p>
-            <a:pPr algn="ctr"/>
-            <a:r>
-              <a:rPr lang="id-ID" sz="3600" dirty="0">
-                <a:solidFill>
-                  <a:schemeClr val="bg1"/>
-                </a:solidFill>
-              </a:rPr>
-              <a:t>Anitoki</a:t>
-            </a:r>
-            <a:endParaRPr lang="en-US" sz="3600" dirty="0">
-              <a:solidFill>
-                <a:schemeClr val="bg1"/>
-              </a:solidFill>
-            </a:endParaRPr>
-          </a:p>
-        </p:txBody>
-      </p:sp>
-    </p:spTree>
-    <p:extLst>
-      <p:ext uri="{BB962C8B-B14F-4D97-AF65-F5344CB8AC3E}">
-        <p14:creationId xmlns:p14="http://schemas.microsoft.com/office/powerpoint/2010/main" val="1736296804"/>
       </p:ext>
     </p:extLst>
   </p:cSld>
@@ -8823,10 +8964,10 @@
           <a:gradFill flip="none" rotWithShape="1">
             <a:gsLst>
               <a:gs pos="26000">
-                <a:srgbClr val="020321"/>
+                <a:srgbClr val="481F67"/>
               </a:gs>
               <a:gs pos="100000">
-                <a:srgbClr val="202D91"/>
+                <a:srgbClr val="E4ABDA"/>
               </a:gs>
             </a:gsLst>
             <a:lin ang="2700000" scaled="0"/>
@@ -8863,10 +9004,10 @@
       </p:sp>
       <p:sp>
         <p:nvSpPr>
-          <p:cNvPr id="3" name="TextBox 2">
+          <p:cNvPr id="2" name="TextBox 1">
             <a:extLst>
               <a:ext uri="{FF2B5EF4-FFF2-40B4-BE49-F238E27FC236}">
-                <a16:creationId xmlns:a16="http://schemas.microsoft.com/office/drawing/2014/main" id="{7872C401-B53A-4101-AE6A-EACD671B1CDD}"/>
+                <a16:creationId xmlns:a16="http://schemas.microsoft.com/office/drawing/2014/main" id="{549FBF46-2A4E-45D5-9682-423BACB68B64}"/>
               </a:ext>
             </a:extLst>
           </p:cNvPr>
@@ -8875,8 +9016,8 @@
         </p:nvSpPr>
         <p:spPr>
           <a:xfrm>
-            <a:off x="387509" y="140424"/>
-            <a:ext cx="2788920" cy="769441"/>
+            <a:off x="278110" y="346759"/>
+            <a:ext cx="3007717" cy="646331"/>
           </a:xfrm>
           <a:prstGeom prst="rect">
             <a:avLst/>
@@ -8891,19 +9032,19 @@
           <a:p>
             <a:pPr algn="ctr"/>
             <a:r>
-              <a:rPr lang="id-ID" sz="4400" dirty="0">
+              <a:rPr lang="en-US" sz="3600" dirty="0" err="1">
                 <a:solidFill>
                   <a:schemeClr val="bg1"/>
                 </a:solidFill>
-                <a:latin typeface="Single Fighter" panose="02000500000000000000" pitchFamily="50" charset="0"/>
+                <a:latin typeface="Poppins"/>
               </a:rPr>
-              <a:t>KAZEFURI</a:t>
+              <a:t>ZenSub</a:t>
             </a:r>
-            <a:endParaRPr lang="en-US" sz="4400" dirty="0">
+            <a:endParaRPr lang="en-US" sz="3600" dirty="0">
               <a:solidFill>
                 <a:schemeClr val="bg1"/>
               </a:solidFill>
-              <a:latin typeface="Single Fighter" panose="02000500000000000000" pitchFamily="50" charset="0"/>
+              <a:latin typeface="Poppins"/>
             </a:endParaRPr>
           </a:p>
         </p:txBody>
@@ -8911,7 +9052,7 @@
     </p:spTree>
     <p:extLst>
       <p:ext uri="{BB962C8B-B14F-4D97-AF65-F5344CB8AC3E}">
-        <p14:creationId xmlns:p14="http://schemas.microsoft.com/office/powerpoint/2010/main" val="3545101030"/>
+        <p14:creationId xmlns:p14="http://schemas.microsoft.com/office/powerpoint/2010/main" val="1069654171"/>
       </p:ext>
     </p:extLst>
   </p:cSld>
@@ -8922,6 +9063,269 @@
 </file>
 
 <file path=ppt/slides/slide31.xml><?xml version="1.0" encoding="utf-8"?>
+<p:sld xmlns:a="http://schemas.openxmlformats.org/drawingml/2006/main" xmlns:r="http://schemas.openxmlformats.org/officeDocument/2006/relationships" xmlns:p="http://schemas.openxmlformats.org/presentationml/2006/main">
+  <p:cSld>
+    <p:spTree>
+      <p:nvGrpSpPr>
+        <p:cNvPr id="1" name=""/>
+        <p:cNvGrpSpPr/>
+        <p:nvPr/>
+      </p:nvGrpSpPr>
+      <p:grpSpPr>
+        <a:xfrm>
+          <a:off x="0" y="0"/>
+          <a:ext cx="0" cy="0"/>
+          <a:chOff x="0" y="0"/>
+          <a:chExt cx="0" cy="0"/>
+        </a:xfrm>
+      </p:grpSpPr>
+      <p:sp>
+        <p:nvSpPr>
+          <p:cNvPr id="4" name="Rectangle: Rounded Corners 3">
+            <a:extLst>
+              <a:ext uri="{FF2B5EF4-FFF2-40B4-BE49-F238E27FC236}">
+                <a16:creationId xmlns:a16="http://schemas.microsoft.com/office/drawing/2014/main" id="{8D6D9DF0-36ED-4863-B918-F6735D13A7C1}"/>
+              </a:ext>
+            </a:extLst>
+          </p:cNvPr>
+          <p:cNvSpPr/>
+          <p:nvPr/>
+        </p:nvSpPr>
+        <p:spPr>
+          <a:xfrm>
+            <a:off x="0" y="0"/>
+            <a:ext cx="3563938" cy="1187450"/>
+          </a:xfrm>
+          <a:prstGeom prst="roundRect">
+            <a:avLst>
+              <a:gd name="adj" fmla="val 50000"/>
+            </a:avLst>
+          </a:prstGeom>
+          <a:gradFill flip="none" rotWithShape="1">
+            <a:gsLst>
+              <a:gs pos="30000">
+                <a:srgbClr val="B42F33"/>
+              </a:gs>
+              <a:gs pos="100000">
+                <a:srgbClr val="281B79"/>
+              </a:gs>
+            </a:gsLst>
+            <a:lin ang="2700000" scaled="0"/>
+            <a:tileRect/>
+          </a:gradFill>
+          <a:ln>
+            <a:noFill/>
+          </a:ln>
+        </p:spPr>
+        <p:style>
+          <a:lnRef idx="2">
+            <a:schemeClr val="accent1">
+              <a:shade val="50000"/>
+            </a:schemeClr>
+          </a:lnRef>
+          <a:fillRef idx="1">
+            <a:schemeClr val="accent1"/>
+          </a:fillRef>
+          <a:effectRef idx="0">
+            <a:schemeClr val="accent1"/>
+          </a:effectRef>
+          <a:fontRef idx="minor">
+            <a:schemeClr val="lt1"/>
+          </a:fontRef>
+        </p:style>
+        <p:txBody>
+          <a:bodyPr rtlCol="0" anchor="ctr"/>
+          <a:lstStyle/>
+          <a:p>
+            <a:pPr algn="ctr"/>
+            <a:endParaRPr lang="en-US" dirty="0"/>
+          </a:p>
+        </p:txBody>
+      </p:sp>
+      <p:pic>
+        <p:nvPicPr>
+          <p:cNvPr id="3074" name="Picture 2" descr="[webp-to-png output image]">
+            <a:extLst>
+              <a:ext uri="{FF2B5EF4-FFF2-40B4-BE49-F238E27FC236}">
+                <a16:creationId xmlns:a16="http://schemas.microsoft.com/office/drawing/2014/main" id="{8B09A652-E1F5-4F82-8C4F-C28AAC002534}"/>
+              </a:ext>
+            </a:extLst>
+          </p:cNvPr>
+          <p:cNvPicPr>
+            <a:picLocks noChangeAspect="1" noChangeArrowheads="1"/>
+          </p:cNvPicPr>
+          <p:nvPr/>
+        </p:nvPicPr>
+        <p:blipFill>
+          <a:blip r:embed="rId2">
+            <a:extLst>
+              <a:ext uri="{28A0092B-C50C-407E-A947-70E740481C1C}">
+                <a14:useLocalDpi xmlns:a14="http://schemas.microsoft.com/office/drawing/2010/main" val="0"/>
+              </a:ext>
+            </a:extLst>
+          </a:blip>
+          <a:srcRect/>
+          <a:stretch>
+            <a:fillRect/>
+          </a:stretch>
+        </p:blipFill>
+        <p:spPr bwMode="auto">
+          <a:xfrm>
+            <a:off x="315119" y="297741"/>
+            <a:ext cx="2933700" cy="591967"/>
+          </a:xfrm>
+          <a:prstGeom prst="rect">
+            <a:avLst/>
+          </a:prstGeom>
+          <a:noFill/>
+          <a:extLst>
+            <a:ext uri="{909E8E84-426E-40DD-AFC4-6F175D3DCCD1}">
+              <a14:hiddenFill xmlns:a14="http://schemas.microsoft.com/office/drawing/2010/main">
+                <a:solidFill>
+                  <a:srgbClr val="FFFFFF"/>
+                </a:solidFill>
+              </a14:hiddenFill>
+            </a:ext>
+          </a:extLst>
+        </p:spPr>
+      </p:pic>
+    </p:spTree>
+    <p:extLst>
+      <p:ext uri="{BB962C8B-B14F-4D97-AF65-F5344CB8AC3E}">
+        <p14:creationId xmlns:p14="http://schemas.microsoft.com/office/powerpoint/2010/main" val="2044909443"/>
+      </p:ext>
+    </p:extLst>
+  </p:cSld>
+  <p:clrMapOvr>
+    <a:masterClrMapping/>
+  </p:clrMapOvr>
+</p:sld>
+</file>
+
+<file path=ppt/slides/slide32.xml><?xml version="1.0" encoding="utf-8"?>
+<p:sld xmlns:a="http://schemas.openxmlformats.org/drawingml/2006/main" xmlns:r="http://schemas.openxmlformats.org/officeDocument/2006/relationships" xmlns:p="http://schemas.openxmlformats.org/presentationml/2006/main">
+  <p:cSld>
+    <p:spTree>
+      <p:nvGrpSpPr>
+        <p:cNvPr id="1" name=""/>
+        <p:cNvGrpSpPr/>
+        <p:nvPr/>
+      </p:nvGrpSpPr>
+      <p:grpSpPr>
+        <a:xfrm>
+          <a:off x="0" y="0"/>
+          <a:ext cx="0" cy="0"/>
+          <a:chOff x="0" y="0"/>
+          <a:chExt cx="0" cy="0"/>
+        </a:xfrm>
+      </p:grpSpPr>
+      <p:sp>
+        <p:nvSpPr>
+          <p:cNvPr id="4" name="Rectangle: Rounded Corners 3">
+            <a:extLst>
+              <a:ext uri="{FF2B5EF4-FFF2-40B4-BE49-F238E27FC236}">
+                <a16:creationId xmlns:a16="http://schemas.microsoft.com/office/drawing/2014/main" id="{8D6D9DF0-36ED-4863-B918-F6735D13A7C1}"/>
+              </a:ext>
+            </a:extLst>
+          </p:cNvPr>
+          <p:cNvSpPr/>
+          <p:nvPr/>
+        </p:nvSpPr>
+        <p:spPr>
+          <a:xfrm>
+            <a:off x="0" y="0"/>
+            <a:ext cx="3563938" cy="1187450"/>
+          </a:xfrm>
+          <a:prstGeom prst="roundRect">
+            <a:avLst>
+              <a:gd name="adj" fmla="val 50000"/>
+            </a:avLst>
+          </a:prstGeom>
+          <a:gradFill flip="none" rotWithShape="1">
+            <a:gsLst>
+              <a:gs pos="30000">
+                <a:srgbClr val="685454"/>
+              </a:gs>
+              <a:gs pos="100000">
+                <a:srgbClr val="C23A4C"/>
+              </a:gs>
+            </a:gsLst>
+            <a:lin ang="2700000" scaled="0"/>
+            <a:tileRect/>
+          </a:gradFill>
+          <a:ln>
+            <a:noFill/>
+          </a:ln>
+        </p:spPr>
+        <p:style>
+          <a:lnRef idx="2">
+            <a:schemeClr val="accent1">
+              <a:shade val="50000"/>
+            </a:schemeClr>
+          </a:lnRef>
+          <a:fillRef idx="1">
+            <a:schemeClr val="accent1"/>
+          </a:fillRef>
+          <a:effectRef idx="0">
+            <a:schemeClr val="accent1"/>
+          </a:effectRef>
+          <a:fontRef idx="minor">
+            <a:schemeClr val="lt1"/>
+          </a:fontRef>
+        </p:style>
+        <p:txBody>
+          <a:bodyPr rtlCol="0" anchor="ctr"/>
+          <a:lstStyle/>
+          <a:p>
+            <a:pPr algn="ctr"/>
+            <a:endParaRPr lang="en-US" dirty="0"/>
+          </a:p>
+        </p:txBody>
+      </p:sp>
+      <p:pic>
+        <p:nvPicPr>
+          <p:cNvPr id="2" name="Picture 1">
+            <a:extLst>
+              <a:ext uri="{FF2B5EF4-FFF2-40B4-BE49-F238E27FC236}">
+                <a16:creationId xmlns:a16="http://schemas.microsoft.com/office/drawing/2014/main" id="{16B8992A-5E69-4B8C-A724-B6D980F84F67}"/>
+              </a:ext>
+            </a:extLst>
+          </p:cNvPr>
+          <p:cNvPicPr>
+            <a:picLocks noChangeAspect="1"/>
+          </p:cNvPicPr>
+          <p:nvPr/>
+        </p:nvPicPr>
+        <p:blipFill>
+          <a:blip r:embed="rId2"/>
+          <a:stretch>
+            <a:fillRect/>
+          </a:stretch>
+        </p:blipFill>
+        <p:spPr>
+          <a:xfrm>
+            <a:off x="424656" y="335835"/>
+            <a:ext cx="2714625" cy="515779"/>
+          </a:xfrm>
+          <a:prstGeom prst="rect">
+            <a:avLst/>
+          </a:prstGeom>
+        </p:spPr>
+      </p:pic>
+    </p:spTree>
+    <p:extLst>
+      <p:ext uri="{BB962C8B-B14F-4D97-AF65-F5344CB8AC3E}">
+        <p14:creationId xmlns:p14="http://schemas.microsoft.com/office/powerpoint/2010/main" val="2001192933"/>
+      </p:ext>
+    </p:extLst>
+  </p:cSld>
+  <p:clrMapOvr>
+    <a:masterClrMapping/>
+  </p:clrMapOvr>
+</p:sld>
+</file>
+
+<file path=ppt/slides/slide33.xml><?xml version="1.0" encoding="utf-8"?>
 <p:sld xmlns:a="http://schemas.openxmlformats.org/drawingml/2006/main" xmlns:r="http://schemas.openxmlformats.org/officeDocument/2006/relationships" xmlns:p="http://schemas.openxmlformats.org/presentationml/2006/main">
   <p:cSld>
     <p:spTree>
@@ -9070,7 +9474,427 @@
 </p:sld>
 </file>
 
-<file path=ppt/slides/slide32.xml><?xml version="1.0" encoding="utf-8"?>
+<file path=ppt/slides/slide34.xml><?xml version="1.0" encoding="utf-8"?>
+<p:sld xmlns:a="http://schemas.openxmlformats.org/drawingml/2006/main" xmlns:r="http://schemas.openxmlformats.org/officeDocument/2006/relationships" xmlns:p="http://schemas.openxmlformats.org/presentationml/2006/main">
+  <p:cSld>
+    <p:spTree>
+      <p:nvGrpSpPr>
+        <p:cNvPr id="1" name=""/>
+        <p:cNvGrpSpPr/>
+        <p:nvPr/>
+      </p:nvGrpSpPr>
+      <p:grpSpPr>
+        <a:xfrm>
+          <a:off x="0" y="0"/>
+          <a:ext cx="0" cy="0"/>
+          <a:chOff x="0" y="0"/>
+          <a:chExt cx="0" cy="0"/>
+        </a:xfrm>
+      </p:grpSpPr>
+      <p:sp>
+        <p:nvSpPr>
+          <p:cNvPr id="4" name="Rectangle: Rounded Corners 3">
+            <a:extLst>
+              <a:ext uri="{FF2B5EF4-FFF2-40B4-BE49-F238E27FC236}">
+                <a16:creationId xmlns:a16="http://schemas.microsoft.com/office/drawing/2014/main" id="{8D6D9DF0-36ED-4863-B918-F6735D13A7C1}"/>
+              </a:ext>
+            </a:extLst>
+          </p:cNvPr>
+          <p:cNvSpPr/>
+          <p:nvPr/>
+        </p:nvSpPr>
+        <p:spPr>
+          <a:xfrm>
+            <a:off x="0" y="0"/>
+            <a:ext cx="3563938" cy="1187450"/>
+          </a:xfrm>
+          <a:prstGeom prst="roundRect">
+            <a:avLst>
+              <a:gd name="adj" fmla="val 50000"/>
+            </a:avLst>
+          </a:prstGeom>
+          <a:gradFill flip="none" rotWithShape="1">
+            <a:gsLst>
+              <a:gs pos="0">
+                <a:srgbClr val="000000"/>
+              </a:gs>
+              <a:gs pos="100000">
+                <a:srgbClr val="C15223"/>
+              </a:gs>
+            </a:gsLst>
+            <a:lin ang="2700000" scaled="0"/>
+            <a:tileRect/>
+          </a:gradFill>
+          <a:ln>
+            <a:noFill/>
+          </a:ln>
+        </p:spPr>
+        <p:style>
+          <a:lnRef idx="2">
+            <a:schemeClr val="accent1">
+              <a:shade val="50000"/>
+            </a:schemeClr>
+          </a:lnRef>
+          <a:fillRef idx="1">
+            <a:schemeClr val="accent1"/>
+          </a:fillRef>
+          <a:effectRef idx="0">
+            <a:schemeClr val="accent1"/>
+          </a:effectRef>
+          <a:fontRef idx="minor">
+            <a:schemeClr val="lt1"/>
+          </a:fontRef>
+        </p:style>
+        <p:txBody>
+          <a:bodyPr rtlCol="0" anchor="ctr"/>
+          <a:lstStyle/>
+          <a:p>
+            <a:pPr algn="ctr"/>
+            <a:endParaRPr lang="en-US" dirty="0"/>
+          </a:p>
+        </p:txBody>
+      </p:sp>
+      <p:pic>
+        <p:nvPicPr>
+          <p:cNvPr id="5122" name="Picture 2" descr="https://anoboy.org/wp-content/uploads/2018/12/newlogo-1.png">
+            <a:extLst>
+              <a:ext uri="{FF2B5EF4-FFF2-40B4-BE49-F238E27FC236}">
+                <a16:creationId xmlns:a16="http://schemas.microsoft.com/office/drawing/2014/main" id="{9E0E7F98-38F1-4458-AD2D-F1A18A257714}"/>
+              </a:ext>
+            </a:extLst>
+          </p:cNvPr>
+          <p:cNvPicPr>
+            <a:picLocks noChangeAspect="1" noChangeArrowheads="1"/>
+          </p:cNvPicPr>
+          <p:nvPr/>
+        </p:nvPicPr>
+        <p:blipFill>
+          <a:blip r:embed="rId2">
+            <a:extLst>
+              <a:ext uri="{28A0092B-C50C-407E-A947-70E740481C1C}">
+                <a14:useLocalDpi xmlns:a14="http://schemas.microsoft.com/office/drawing/2010/main" val="0"/>
+              </a:ext>
+            </a:extLst>
+          </a:blip>
+          <a:srcRect/>
+          <a:stretch>
+            <a:fillRect/>
+          </a:stretch>
+        </p:blipFill>
+        <p:spPr bwMode="auto">
+          <a:xfrm>
+            <a:off x="362140" y="280987"/>
+            <a:ext cx="2839657" cy="625475"/>
+          </a:xfrm>
+          <a:prstGeom prst="rect">
+            <a:avLst/>
+          </a:prstGeom>
+          <a:noFill/>
+          <a:extLst>
+            <a:ext uri="{909E8E84-426E-40DD-AFC4-6F175D3DCCD1}">
+              <a14:hiddenFill xmlns:a14="http://schemas.microsoft.com/office/drawing/2010/main">
+                <a:solidFill>
+                  <a:srgbClr val="FFFFFF"/>
+                </a:solidFill>
+              </a14:hiddenFill>
+            </a:ext>
+          </a:extLst>
+        </p:spPr>
+      </p:pic>
+    </p:spTree>
+    <p:extLst>
+      <p:ext uri="{BB962C8B-B14F-4D97-AF65-F5344CB8AC3E}">
+        <p14:creationId xmlns:p14="http://schemas.microsoft.com/office/powerpoint/2010/main" val="743538766"/>
+      </p:ext>
+    </p:extLst>
+  </p:cSld>
+  <p:clrMapOvr>
+    <a:masterClrMapping/>
+  </p:clrMapOvr>
+</p:sld>
+</file>
+
+<file path=ppt/slides/slide35.xml><?xml version="1.0" encoding="utf-8"?>
+<p:sld xmlns:a="http://schemas.openxmlformats.org/drawingml/2006/main" xmlns:r="http://schemas.openxmlformats.org/officeDocument/2006/relationships" xmlns:p="http://schemas.openxmlformats.org/presentationml/2006/main">
+  <p:cSld>
+    <p:spTree>
+      <p:nvGrpSpPr>
+        <p:cNvPr id="1" name=""/>
+        <p:cNvGrpSpPr/>
+        <p:nvPr/>
+      </p:nvGrpSpPr>
+      <p:grpSpPr>
+        <a:xfrm>
+          <a:off x="0" y="0"/>
+          <a:ext cx="0" cy="0"/>
+          <a:chOff x="0" y="0"/>
+          <a:chExt cx="0" cy="0"/>
+        </a:xfrm>
+      </p:grpSpPr>
+      <p:sp>
+        <p:nvSpPr>
+          <p:cNvPr id="4" name="Rectangle: Rounded Corners 3">
+            <a:extLst>
+              <a:ext uri="{FF2B5EF4-FFF2-40B4-BE49-F238E27FC236}">
+                <a16:creationId xmlns:a16="http://schemas.microsoft.com/office/drawing/2014/main" id="{8D6D9DF0-36ED-4863-B918-F6735D13A7C1}"/>
+              </a:ext>
+            </a:extLst>
+          </p:cNvPr>
+          <p:cNvSpPr/>
+          <p:nvPr/>
+        </p:nvSpPr>
+        <p:spPr>
+          <a:xfrm>
+            <a:off x="0" y="0"/>
+            <a:ext cx="3563938" cy="1187450"/>
+          </a:xfrm>
+          <a:prstGeom prst="roundRect">
+            <a:avLst>
+              <a:gd name="adj" fmla="val 50000"/>
+            </a:avLst>
+          </a:prstGeom>
+          <a:gradFill flip="none" rotWithShape="1">
+            <a:gsLst>
+              <a:gs pos="27000">
+                <a:srgbClr val="000000"/>
+              </a:gs>
+              <a:gs pos="100000">
+                <a:srgbClr val="C15223"/>
+              </a:gs>
+            </a:gsLst>
+            <a:lin ang="2700000" scaled="0"/>
+            <a:tileRect/>
+          </a:gradFill>
+          <a:ln>
+            <a:noFill/>
+          </a:ln>
+        </p:spPr>
+        <p:style>
+          <a:lnRef idx="2">
+            <a:schemeClr val="accent1">
+              <a:shade val="50000"/>
+            </a:schemeClr>
+          </a:lnRef>
+          <a:fillRef idx="1">
+            <a:schemeClr val="accent1"/>
+          </a:fillRef>
+          <a:effectRef idx="0">
+            <a:schemeClr val="accent1"/>
+          </a:effectRef>
+          <a:fontRef idx="minor">
+            <a:schemeClr val="lt1"/>
+          </a:fontRef>
+        </p:style>
+        <p:txBody>
+          <a:bodyPr rtlCol="0" anchor="ctr"/>
+          <a:lstStyle/>
+          <a:p>
+            <a:pPr algn="ctr"/>
+            <a:endParaRPr lang="en-US" dirty="0"/>
+          </a:p>
+        </p:txBody>
+      </p:sp>
+      <p:pic>
+        <p:nvPicPr>
+          <p:cNvPr id="6146" name="Picture 2" descr="https://img.akubebas.com/images/logo-indo.png">
+            <a:extLst>
+              <a:ext uri="{FF2B5EF4-FFF2-40B4-BE49-F238E27FC236}">
+                <a16:creationId xmlns:a16="http://schemas.microsoft.com/office/drawing/2014/main" id="{B278300F-7126-4621-A21C-922518AC2535}"/>
+              </a:ext>
+            </a:extLst>
+          </p:cNvPr>
+          <p:cNvPicPr>
+            <a:picLocks noChangeAspect="1" noChangeArrowheads="1"/>
+          </p:cNvPicPr>
+          <p:nvPr/>
+        </p:nvPicPr>
+        <p:blipFill>
+          <a:blip r:embed="rId2">
+            <a:extLst>
+              <a:ext uri="{28A0092B-C50C-407E-A947-70E740481C1C}">
+                <a14:useLocalDpi xmlns:a14="http://schemas.microsoft.com/office/drawing/2010/main" val="0"/>
+              </a:ext>
+            </a:extLst>
+          </a:blip>
+          <a:srcRect/>
+          <a:stretch>
+            <a:fillRect/>
+          </a:stretch>
+        </p:blipFill>
+        <p:spPr bwMode="auto">
+          <a:xfrm>
+            <a:off x="523081" y="292301"/>
+            <a:ext cx="2517776" cy="602847"/>
+          </a:xfrm>
+          <a:prstGeom prst="rect">
+            <a:avLst/>
+          </a:prstGeom>
+          <a:noFill/>
+          <a:extLst>
+            <a:ext uri="{909E8E84-426E-40DD-AFC4-6F175D3DCCD1}">
+              <a14:hiddenFill xmlns:a14="http://schemas.microsoft.com/office/drawing/2010/main">
+                <a:solidFill>
+                  <a:srgbClr val="FFFFFF"/>
+                </a:solidFill>
+              </a14:hiddenFill>
+            </a:ext>
+          </a:extLst>
+        </p:spPr>
+      </p:pic>
+    </p:spTree>
+    <p:extLst>
+      <p:ext uri="{BB962C8B-B14F-4D97-AF65-F5344CB8AC3E}">
+        <p14:creationId xmlns:p14="http://schemas.microsoft.com/office/powerpoint/2010/main" val="3562251831"/>
+      </p:ext>
+    </p:extLst>
+  </p:cSld>
+  <p:clrMapOvr>
+    <a:masterClrMapping/>
+  </p:clrMapOvr>
+</p:sld>
+</file>
+
+<file path=ppt/slides/slide36.xml><?xml version="1.0" encoding="utf-8"?>
+<p:sld xmlns:a="http://schemas.openxmlformats.org/drawingml/2006/main" xmlns:r="http://schemas.openxmlformats.org/officeDocument/2006/relationships" xmlns:p="http://schemas.openxmlformats.org/presentationml/2006/main">
+  <p:cSld>
+    <p:spTree>
+      <p:nvGrpSpPr>
+        <p:cNvPr id="1" name=""/>
+        <p:cNvGrpSpPr/>
+        <p:nvPr/>
+      </p:nvGrpSpPr>
+      <p:grpSpPr>
+        <a:xfrm>
+          <a:off x="0" y="0"/>
+          <a:ext cx="0" cy="0"/>
+          <a:chOff x="0" y="0"/>
+          <a:chExt cx="0" cy="0"/>
+        </a:xfrm>
+      </p:grpSpPr>
+      <p:sp>
+        <p:nvSpPr>
+          <p:cNvPr id="4" name="Rectangle: Rounded Corners 3">
+            <a:extLst>
+              <a:ext uri="{FF2B5EF4-FFF2-40B4-BE49-F238E27FC236}">
+                <a16:creationId xmlns:a16="http://schemas.microsoft.com/office/drawing/2014/main" id="{8D6D9DF0-36ED-4863-B918-F6735D13A7C1}"/>
+              </a:ext>
+            </a:extLst>
+          </p:cNvPr>
+          <p:cNvSpPr/>
+          <p:nvPr/>
+        </p:nvSpPr>
+        <p:spPr>
+          <a:xfrm>
+            <a:off x="0" y="0"/>
+            <a:ext cx="3563938" cy="1187450"/>
+          </a:xfrm>
+          <a:prstGeom prst="roundRect">
+            <a:avLst>
+              <a:gd name="adj" fmla="val 50000"/>
+            </a:avLst>
+          </a:prstGeom>
+          <a:gradFill flip="none" rotWithShape="1">
+            <a:gsLst>
+              <a:gs pos="30000">
+                <a:srgbClr val="000000"/>
+              </a:gs>
+              <a:gs pos="100000">
+                <a:srgbClr val="7B7B7B"/>
+              </a:gs>
+            </a:gsLst>
+            <a:lin ang="2700000" scaled="0"/>
+            <a:tileRect/>
+          </a:gradFill>
+          <a:ln>
+            <a:noFill/>
+          </a:ln>
+        </p:spPr>
+        <p:style>
+          <a:lnRef idx="2">
+            <a:schemeClr val="accent1">
+              <a:shade val="50000"/>
+            </a:schemeClr>
+          </a:lnRef>
+          <a:fillRef idx="1">
+            <a:schemeClr val="accent1"/>
+          </a:fillRef>
+          <a:effectRef idx="0">
+            <a:schemeClr val="accent1"/>
+          </a:effectRef>
+          <a:fontRef idx="minor">
+            <a:schemeClr val="lt1"/>
+          </a:fontRef>
+        </p:style>
+        <p:txBody>
+          <a:bodyPr rtlCol="0" anchor="ctr"/>
+          <a:lstStyle/>
+          <a:p>
+            <a:pPr algn="ctr"/>
+            <a:endParaRPr lang="en-US" dirty="0"/>
+          </a:p>
+        </p:txBody>
+      </p:sp>
+      <p:pic>
+        <p:nvPicPr>
+          <p:cNvPr id="2052" name="Picture 4" descr="https://nontonanime.site/nonton-anime.png">
+            <a:extLst>
+              <a:ext uri="{FF2B5EF4-FFF2-40B4-BE49-F238E27FC236}">
+                <a16:creationId xmlns:a16="http://schemas.microsoft.com/office/drawing/2014/main" id="{633906D9-E483-4696-A15C-B3E96C439F0C}"/>
+              </a:ext>
+            </a:extLst>
+          </p:cNvPr>
+          <p:cNvPicPr>
+            <a:picLocks noChangeAspect="1" noChangeArrowheads="1"/>
+          </p:cNvPicPr>
+          <p:nvPr/>
+        </p:nvPicPr>
+        <p:blipFill>
+          <a:blip r:embed="rId2">
+            <a:extLst>
+              <a:ext uri="{28A0092B-C50C-407E-A947-70E740481C1C}">
+                <a14:useLocalDpi xmlns:a14="http://schemas.microsoft.com/office/drawing/2010/main" val="0"/>
+              </a:ext>
+            </a:extLst>
+          </a:blip>
+          <a:srcRect/>
+          <a:stretch>
+            <a:fillRect/>
+          </a:stretch>
+        </p:blipFill>
+        <p:spPr bwMode="auto">
+          <a:xfrm>
+            <a:off x="186531" y="323673"/>
+            <a:ext cx="3190875" cy="540103"/>
+          </a:xfrm>
+          <a:prstGeom prst="rect">
+            <a:avLst/>
+          </a:prstGeom>
+          <a:noFill/>
+          <a:extLst>
+            <a:ext uri="{909E8E84-426E-40DD-AFC4-6F175D3DCCD1}">
+              <a14:hiddenFill xmlns:a14="http://schemas.microsoft.com/office/drawing/2010/main">
+                <a:solidFill>
+                  <a:srgbClr val="FFFFFF"/>
+                </a:solidFill>
+              </a14:hiddenFill>
+            </a:ext>
+          </a:extLst>
+        </p:spPr>
+      </p:pic>
+    </p:spTree>
+    <p:extLst>
+      <p:ext uri="{BB962C8B-B14F-4D97-AF65-F5344CB8AC3E}">
+        <p14:creationId xmlns:p14="http://schemas.microsoft.com/office/powerpoint/2010/main" val="2343881463"/>
+      </p:ext>
+    </p:extLst>
+  </p:cSld>
+  <p:clrMapOvr>
+    <a:masterClrMapping/>
+  </p:clrMapOvr>
+</p:sld>
+</file>
+
+<file path=ppt/slides/slide37.xml><?xml version="1.0" encoding="utf-8"?>
 <p:sld xmlns:a="http://schemas.openxmlformats.org/drawingml/2006/main" xmlns:r="http://schemas.openxmlformats.org/officeDocument/2006/relationships" xmlns:p="http://schemas.openxmlformats.org/presentationml/2006/main">
   <p:cSld>
     <p:spTree>
@@ -9210,7 +10034,7 @@
 </p:sld>
 </file>
 
-<file path=ppt/slides/slide33.xml><?xml version="1.0" encoding="utf-8"?>
+<file path=ppt/slides/slide38.xml><?xml version="1.0" encoding="utf-8"?>
 <p:sld xmlns:a="http://schemas.openxmlformats.org/drawingml/2006/main" xmlns:r="http://schemas.openxmlformats.org/officeDocument/2006/relationships" xmlns:p="http://schemas.openxmlformats.org/presentationml/2006/main">
   <p:cSld>
     <p:spTree>
@@ -9350,7 +10174,7 @@
 </p:sld>
 </file>
 
-<file path=ppt/slides/slide34.xml><?xml version="1.0" encoding="utf-8"?>
+<file path=ppt/slides/slide39.xml><?xml version="1.0" encoding="utf-8"?>
 <p:sld xmlns:a="http://schemas.openxmlformats.org/drawingml/2006/main" xmlns:r="http://schemas.openxmlformats.org/officeDocument/2006/relationships" xmlns:p="http://schemas.openxmlformats.org/presentationml/2006/main">
   <p:cSld>
     <p:spTree>
@@ -9391,11 +10215,11 @@
           </a:prstGeom>
           <a:gradFill flip="none" rotWithShape="1">
             <a:gsLst>
-              <a:gs pos="30000">
-                <a:srgbClr val="000000"/>
+              <a:gs pos="26000">
+                <a:srgbClr val="BA3D31"/>
               </a:gs>
               <a:gs pos="100000">
-                <a:srgbClr val="7B7B7B"/>
+                <a:srgbClr val="E74B3C"/>
               </a:gs>
             </a:gsLst>
             <a:lin ang="2700000" scaled="0"/>
@@ -9430,749 +10254,143 @@
           </a:p>
         </p:txBody>
       </p:sp>
-      <p:pic>
-        <p:nvPicPr>
-          <p:cNvPr id="2052" name="Picture 4" descr="https://nontonanime.site/nonton-anime.png">
+      <p:grpSp>
+        <p:nvGrpSpPr>
+          <p:cNvPr id="3" name="Group 2">
             <a:extLst>
               <a:ext uri="{FF2B5EF4-FFF2-40B4-BE49-F238E27FC236}">
-                <a16:creationId xmlns:a16="http://schemas.microsoft.com/office/drawing/2014/main" id="{633906D9-E483-4696-A15C-B3E96C439F0C}"/>
+                <a16:creationId xmlns:a16="http://schemas.microsoft.com/office/drawing/2014/main" id="{2604B08D-9533-4334-93DB-3625E4855428}"/>
               </a:ext>
             </a:extLst>
           </p:cNvPr>
-          <p:cNvPicPr>
-            <a:picLocks noChangeAspect="1" noChangeArrowheads="1"/>
-          </p:cNvPicPr>
+          <p:cNvGrpSpPr/>
           <p:nvPr/>
-        </p:nvPicPr>
-        <p:blipFill>
-          <a:blip r:embed="rId2">
-            <a:extLst>
-              <a:ext uri="{28A0092B-C50C-407E-A947-70E740481C1C}">
-                <a14:useLocalDpi xmlns:a14="http://schemas.microsoft.com/office/drawing/2010/main" val="0"/>
-              </a:ext>
-            </a:extLst>
-          </a:blip>
-          <a:srcRect/>
-          <a:stretch>
-            <a:fillRect/>
-          </a:stretch>
-        </p:blipFill>
-        <p:spPr bwMode="auto">
+        </p:nvGrpSpPr>
+        <p:grpSpPr>
           <a:xfrm>
-            <a:off x="186531" y="323673"/>
-            <a:ext cx="3190875" cy="540103"/>
+            <a:off x="480219" y="179387"/>
+            <a:ext cx="2603500" cy="828675"/>
+            <a:chOff x="406400" y="179387"/>
+            <a:chExt cx="2603500" cy="828675"/>
           </a:xfrm>
-          <a:prstGeom prst="rect">
-            <a:avLst/>
-          </a:prstGeom>
-          <a:noFill/>
-          <a:extLst>
-            <a:ext uri="{909E8E84-426E-40DD-AFC4-6F175D3DCCD1}">
-              <a14:hiddenFill xmlns:a14="http://schemas.microsoft.com/office/drawing/2010/main">
+        </p:grpSpPr>
+        <p:pic>
+          <p:nvPicPr>
+            <p:cNvPr id="31746" name="Picture 2" descr="https://www.anibatch.me/wp-content/uploads/2015/10/cropped-11214148_1464291883892938_5502472493587871470_n-192x192.png">
+              <a:extLst>
+                <a:ext uri="{FF2B5EF4-FFF2-40B4-BE49-F238E27FC236}">
+                  <a16:creationId xmlns:a16="http://schemas.microsoft.com/office/drawing/2014/main" id="{21AD9319-E1B3-45D9-B385-8FE9B638406F}"/>
+                </a:ext>
+              </a:extLst>
+            </p:cNvPr>
+            <p:cNvPicPr>
+              <a:picLocks noChangeAspect="1" noChangeArrowheads="1"/>
+            </p:cNvPicPr>
+            <p:nvPr/>
+          </p:nvPicPr>
+          <p:blipFill>
+            <a:blip r:embed="rId2">
+              <a:extLst>
+                <a:ext uri="{BEBA8EAE-BF5A-486C-A8C5-ECC9F3942E4B}">
+                  <a14:imgProps xmlns:a14="http://schemas.microsoft.com/office/drawing/2010/main">
+                    <a14:imgLayer r:embed="rId3">
+                      <a14:imgEffect>
+                        <a14:backgroundRemoval t="9896" b="89063" l="8854" r="95313">
+                          <a14:foregroundMark x1="91146" y1="47917" x2="91146" y2="47917"/>
+                          <a14:foregroundMark x1="95833" y1="49479" x2="95833" y2="49479"/>
+                          <a14:foregroundMark x1="8854" y1="21875" x2="8854" y2="21875"/>
+                        </a14:backgroundRemoval>
+                      </a14:imgEffect>
+                    </a14:imgLayer>
+                  </a14:imgProps>
+                </a:ext>
+                <a:ext uri="{28A0092B-C50C-407E-A947-70E740481C1C}">
+                  <a14:useLocalDpi xmlns:a14="http://schemas.microsoft.com/office/drawing/2010/main" val="0"/>
+                </a:ext>
+              </a:extLst>
+            </a:blip>
+            <a:srcRect/>
+            <a:stretch>
+              <a:fillRect/>
+            </a:stretch>
+          </p:blipFill>
+          <p:spPr bwMode="auto">
+            <a:xfrm>
+              <a:off x="406400" y="179387"/>
+              <a:ext cx="828675" cy="828675"/>
+            </a:xfrm>
+            <a:prstGeom prst="rect">
+              <a:avLst/>
+            </a:prstGeom>
+            <a:noFill/>
+            <a:effectLst>
+              <a:outerShdw blurRad="50800" dist="38100" dir="2700000" algn="tl" rotWithShape="0">
+                <a:prstClr val="black">
+                  <a:alpha val="36000"/>
+                </a:prstClr>
+              </a:outerShdw>
+            </a:effectLst>
+            <a:extLst>
+              <a:ext uri="{909E8E84-426E-40DD-AFC4-6F175D3DCCD1}">
+                <a14:hiddenFill xmlns:a14="http://schemas.microsoft.com/office/drawing/2010/main">
+                  <a:solidFill>
+                    <a:srgbClr val="FFFFFF"/>
+                  </a:solidFill>
+                </a14:hiddenFill>
+              </a:ext>
+            </a:extLst>
+          </p:spPr>
+        </p:pic>
+        <p:sp>
+          <p:nvSpPr>
+            <p:cNvPr id="2" name="TextBox 1">
+              <a:extLst>
+                <a:ext uri="{FF2B5EF4-FFF2-40B4-BE49-F238E27FC236}">
+                  <a16:creationId xmlns:a16="http://schemas.microsoft.com/office/drawing/2014/main" id="{A5065BF5-162C-43B0-9169-E8DB4A328A4D}"/>
+                </a:ext>
+              </a:extLst>
+            </p:cNvPr>
+            <p:cNvSpPr txBox="1"/>
+            <p:nvPr/>
+          </p:nvSpPr>
+          <p:spPr>
+            <a:xfrm>
+              <a:off x="1343025" y="301336"/>
+              <a:ext cx="1666875" cy="584775"/>
+            </a:xfrm>
+            <a:prstGeom prst="rect">
+              <a:avLst/>
+            </a:prstGeom>
+            <a:noFill/>
+          </p:spPr>
+          <p:txBody>
+            <a:bodyPr wrap="square" rtlCol="0">
+              <a:spAutoFit/>
+            </a:bodyPr>
+            <a:lstStyle/>
+            <a:p>
+              <a:pPr algn="dist"/>
+              <a:r>
+                <a:rPr lang="id-ID" sz="3200" dirty="0">
+                  <a:solidFill>
+                    <a:schemeClr val="bg1"/>
+                  </a:solidFill>
+                </a:rPr>
+                <a:t>AniBatch</a:t>
+              </a:r>
+              <a:endParaRPr lang="en-US" sz="3200" dirty="0">
                 <a:solidFill>
-                  <a:srgbClr val="FFFFFF"/>
+                  <a:schemeClr val="bg1"/>
                 </a:solidFill>
-              </a14:hiddenFill>
-            </a:ext>
-          </a:extLst>
-        </p:spPr>
-      </p:pic>
+              </a:endParaRPr>
+            </a:p>
+          </p:txBody>
+        </p:sp>
+      </p:grpSp>
     </p:spTree>
     <p:extLst>
       <p:ext uri="{BB962C8B-B14F-4D97-AF65-F5344CB8AC3E}">
-        <p14:creationId xmlns:p14="http://schemas.microsoft.com/office/powerpoint/2010/main" val="2343881463"/>
-      </p:ext>
-    </p:extLst>
-  </p:cSld>
-  <p:clrMapOvr>
-    <a:masterClrMapping/>
-  </p:clrMapOvr>
-</p:sld>
-</file>
-
-<file path=ppt/slides/slide35.xml><?xml version="1.0" encoding="utf-8"?>
-<p:sld xmlns:a="http://schemas.openxmlformats.org/drawingml/2006/main" xmlns:r="http://schemas.openxmlformats.org/officeDocument/2006/relationships" xmlns:p="http://schemas.openxmlformats.org/presentationml/2006/main">
-  <p:cSld>
-    <p:spTree>
-      <p:nvGrpSpPr>
-        <p:cNvPr id="1" name=""/>
-        <p:cNvGrpSpPr/>
-        <p:nvPr/>
-      </p:nvGrpSpPr>
-      <p:grpSpPr>
-        <a:xfrm>
-          <a:off x="0" y="0"/>
-          <a:ext cx="0" cy="0"/>
-          <a:chOff x="0" y="0"/>
-          <a:chExt cx="0" cy="0"/>
-        </a:xfrm>
-      </p:grpSpPr>
-      <p:sp>
-        <p:nvSpPr>
-          <p:cNvPr id="4" name="Rectangle: Rounded Corners 3">
-            <a:extLst>
-              <a:ext uri="{FF2B5EF4-FFF2-40B4-BE49-F238E27FC236}">
-                <a16:creationId xmlns:a16="http://schemas.microsoft.com/office/drawing/2014/main" id="{8D6D9DF0-36ED-4863-B918-F6735D13A7C1}"/>
-              </a:ext>
-            </a:extLst>
-          </p:cNvPr>
-          <p:cNvSpPr/>
-          <p:nvPr/>
-        </p:nvSpPr>
-        <p:spPr>
-          <a:xfrm>
-            <a:off x="0" y="0"/>
-            <a:ext cx="3563938" cy="1187450"/>
-          </a:xfrm>
-          <a:prstGeom prst="roundRect">
-            <a:avLst>
-              <a:gd name="adj" fmla="val 50000"/>
-            </a:avLst>
-          </a:prstGeom>
-          <a:gradFill flip="none" rotWithShape="1">
-            <a:gsLst>
-              <a:gs pos="30000">
-                <a:srgbClr val="B42F33"/>
-              </a:gs>
-              <a:gs pos="100000">
-                <a:srgbClr val="281B79"/>
-              </a:gs>
-            </a:gsLst>
-            <a:lin ang="2700000" scaled="0"/>
-            <a:tileRect/>
-          </a:gradFill>
-          <a:ln>
-            <a:noFill/>
-          </a:ln>
-        </p:spPr>
-        <p:style>
-          <a:lnRef idx="2">
-            <a:schemeClr val="accent1">
-              <a:shade val="50000"/>
-            </a:schemeClr>
-          </a:lnRef>
-          <a:fillRef idx="1">
-            <a:schemeClr val="accent1"/>
-          </a:fillRef>
-          <a:effectRef idx="0">
-            <a:schemeClr val="accent1"/>
-          </a:effectRef>
-          <a:fontRef idx="minor">
-            <a:schemeClr val="lt1"/>
-          </a:fontRef>
-        </p:style>
-        <p:txBody>
-          <a:bodyPr rtlCol="0" anchor="ctr"/>
-          <a:lstStyle/>
-          <a:p>
-            <a:pPr algn="ctr"/>
-            <a:endParaRPr lang="en-US" dirty="0"/>
-          </a:p>
-        </p:txBody>
-      </p:sp>
-      <p:pic>
-        <p:nvPicPr>
-          <p:cNvPr id="3074" name="Picture 2" descr="[webp-to-png output image]">
-            <a:extLst>
-              <a:ext uri="{FF2B5EF4-FFF2-40B4-BE49-F238E27FC236}">
-                <a16:creationId xmlns:a16="http://schemas.microsoft.com/office/drawing/2014/main" id="{8B09A652-E1F5-4F82-8C4F-C28AAC002534}"/>
-              </a:ext>
-            </a:extLst>
-          </p:cNvPr>
-          <p:cNvPicPr>
-            <a:picLocks noChangeAspect="1" noChangeArrowheads="1"/>
-          </p:cNvPicPr>
-          <p:nvPr/>
-        </p:nvPicPr>
-        <p:blipFill>
-          <a:blip r:embed="rId2">
-            <a:extLst>
-              <a:ext uri="{28A0092B-C50C-407E-A947-70E740481C1C}">
-                <a14:useLocalDpi xmlns:a14="http://schemas.microsoft.com/office/drawing/2010/main" val="0"/>
-              </a:ext>
-            </a:extLst>
-          </a:blip>
-          <a:srcRect/>
-          <a:stretch>
-            <a:fillRect/>
-          </a:stretch>
-        </p:blipFill>
-        <p:spPr bwMode="auto">
-          <a:xfrm>
-            <a:off x="315119" y="297741"/>
-            <a:ext cx="2933700" cy="591967"/>
-          </a:xfrm>
-          <a:prstGeom prst="rect">
-            <a:avLst/>
-          </a:prstGeom>
-          <a:noFill/>
-          <a:extLst>
-            <a:ext uri="{909E8E84-426E-40DD-AFC4-6F175D3DCCD1}">
-              <a14:hiddenFill xmlns:a14="http://schemas.microsoft.com/office/drawing/2010/main">
-                <a:solidFill>
-                  <a:srgbClr val="FFFFFF"/>
-                </a:solidFill>
-              </a14:hiddenFill>
-            </a:ext>
-          </a:extLst>
-        </p:spPr>
-      </p:pic>
-    </p:spTree>
-    <p:extLst>
-      <p:ext uri="{BB962C8B-B14F-4D97-AF65-F5344CB8AC3E}">
-        <p14:creationId xmlns:p14="http://schemas.microsoft.com/office/powerpoint/2010/main" val="2044909443"/>
-      </p:ext>
-    </p:extLst>
-  </p:cSld>
-  <p:clrMapOvr>
-    <a:masterClrMapping/>
-  </p:clrMapOvr>
-</p:sld>
-</file>
-
-<file path=ppt/slides/slide36.xml><?xml version="1.0" encoding="utf-8"?>
-<p:sld xmlns:a="http://schemas.openxmlformats.org/drawingml/2006/main" xmlns:r="http://schemas.openxmlformats.org/officeDocument/2006/relationships" xmlns:p="http://schemas.openxmlformats.org/presentationml/2006/main">
-  <p:cSld>
-    <p:spTree>
-      <p:nvGrpSpPr>
-        <p:cNvPr id="1" name=""/>
-        <p:cNvGrpSpPr/>
-        <p:nvPr/>
-      </p:nvGrpSpPr>
-      <p:grpSpPr>
-        <a:xfrm>
-          <a:off x="0" y="0"/>
-          <a:ext cx="0" cy="0"/>
-          <a:chOff x="0" y="0"/>
-          <a:chExt cx="0" cy="0"/>
-        </a:xfrm>
-      </p:grpSpPr>
-      <p:sp>
-        <p:nvSpPr>
-          <p:cNvPr id="4" name="Rectangle: Rounded Corners 3">
-            <a:extLst>
-              <a:ext uri="{FF2B5EF4-FFF2-40B4-BE49-F238E27FC236}">
-                <a16:creationId xmlns:a16="http://schemas.microsoft.com/office/drawing/2014/main" id="{8D6D9DF0-36ED-4863-B918-F6735D13A7C1}"/>
-              </a:ext>
-            </a:extLst>
-          </p:cNvPr>
-          <p:cNvSpPr/>
-          <p:nvPr/>
-        </p:nvSpPr>
-        <p:spPr>
-          <a:xfrm>
-            <a:off x="0" y="0"/>
-            <a:ext cx="3563938" cy="1187450"/>
-          </a:xfrm>
-          <a:prstGeom prst="roundRect">
-            <a:avLst>
-              <a:gd name="adj" fmla="val 50000"/>
-            </a:avLst>
-          </a:prstGeom>
-          <a:gradFill flip="none" rotWithShape="1">
-            <a:gsLst>
-              <a:gs pos="30000">
-                <a:srgbClr val="685454"/>
-              </a:gs>
-              <a:gs pos="100000">
-                <a:srgbClr val="C23A4C"/>
-              </a:gs>
-            </a:gsLst>
-            <a:lin ang="2700000" scaled="0"/>
-            <a:tileRect/>
-          </a:gradFill>
-          <a:ln>
-            <a:noFill/>
-          </a:ln>
-        </p:spPr>
-        <p:style>
-          <a:lnRef idx="2">
-            <a:schemeClr val="accent1">
-              <a:shade val="50000"/>
-            </a:schemeClr>
-          </a:lnRef>
-          <a:fillRef idx="1">
-            <a:schemeClr val="accent1"/>
-          </a:fillRef>
-          <a:effectRef idx="0">
-            <a:schemeClr val="accent1"/>
-          </a:effectRef>
-          <a:fontRef idx="minor">
-            <a:schemeClr val="lt1"/>
-          </a:fontRef>
-        </p:style>
-        <p:txBody>
-          <a:bodyPr rtlCol="0" anchor="ctr"/>
-          <a:lstStyle/>
-          <a:p>
-            <a:pPr algn="ctr"/>
-            <a:endParaRPr lang="en-US" dirty="0"/>
-          </a:p>
-        </p:txBody>
-      </p:sp>
-      <p:pic>
-        <p:nvPicPr>
-          <p:cNvPr id="2" name="Picture 1">
-            <a:extLst>
-              <a:ext uri="{FF2B5EF4-FFF2-40B4-BE49-F238E27FC236}">
-                <a16:creationId xmlns:a16="http://schemas.microsoft.com/office/drawing/2014/main" id="{16B8992A-5E69-4B8C-A724-B6D980F84F67}"/>
-              </a:ext>
-            </a:extLst>
-          </p:cNvPr>
-          <p:cNvPicPr>
-            <a:picLocks noChangeAspect="1"/>
-          </p:cNvPicPr>
-          <p:nvPr/>
-        </p:nvPicPr>
-        <p:blipFill>
-          <a:blip r:embed="rId2"/>
-          <a:stretch>
-            <a:fillRect/>
-          </a:stretch>
-        </p:blipFill>
-        <p:spPr>
-          <a:xfrm>
-            <a:off x="424656" y="335835"/>
-            <a:ext cx="2714625" cy="515779"/>
-          </a:xfrm>
-          <a:prstGeom prst="rect">
-            <a:avLst/>
-          </a:prstGeom>
-        </p:spPr>
-      </p:pic>
-    </p:spTree>
-    <p:extLst>
-      <p:ext uri="{BB962C8B-B14F-4D97-AF65-F5344CB8AC3E}">
-        <p14:creationId xmlns:p14="http://schemas.microsoft.com/office/powerpoint/2010/main" val="2001192933"/>
-      </p:ext>
-    </p:extLst>
-  </p:cSld>
-  <p:clrMapOvr>
-    <a:masterClrMapping/>
-  </p:clrMapOvr>
-</p:sld>
-</file>
-
-<file path=ppt/slides/slide37.xml><?xml version="1.0" encoding="utf-8"?>
-<p:sld xmlns:a="http://schemas.openxmlformats.org/drawingml/2006/main" xmlns:r="http://schemas.openxmlformats.org/officeDocument/2006/relationships" xmlns:p="http://schemas.openxmlformats.org/presentationml/2006/main">
-  <p:cSld>
-    <p:spTree>
-      <p:nvGrpSpPr>
-        <p:cNvPr id="1" name=""/>
-        <p:cNvGrpSpPr/>
-        <p:nvPr/>
-      </p:nvGrpSpPr>
-      <p:grpSpPr>
-        <a:xfrm>
-          <a:off x="0" y="0"/>
-          <a:ext cx="0" cy="0"/>
-          <a:chOff x="0" y="0"/>
-          <a:chExt cx="0" cy="0"/>
-        </a:xfrm>
-      </p:grpSpPr>
-      <p:sp>
-        <p:nvSpPr>
-          <p:cNvPr id="4" name="Rectangle: Rounded Corners 3">
-            <a:extLst>
-              <a:ext uri="{FF2B5EF4-FFF2-40B4-BE49-F238E27FC236}">
-                <a16:creationId xmlns:a16="http://schemas.microsoft.com/office/drawing/2014/main" id="{8D6D9DF0-36ED-4863-B918-F6735D13A7C1}"/>
-              </a:ext>
-            </a:extLst>
-          </p:cNvPr>
-          <p:cNvSpPr/>
-          <p:nvPr/>
-        </p:nvSpPr>
-        <p:spPr>
-          <a:xfrm>
-            <a:off x="0" y="0"/>
-            <a:ext cx="3563938" cy="1187450"/>
-          </a:xfrm>
-          <a:prstGeom prst="roundRect">
-            <a:avLst>
-              <a:gd name="adj" fmla="val 50000"/>
-            </a:avLst>
-          </a:prstGeom>
-          <a:gradFill flip="none" rotWithShape="1">
-            <a:gsLst>
-              <a:gs pos="0">
-                <a:srgbClr val="000000"/>
-              </a:gs>
-              <a:gs pos="100000">
-                <a:srgbClr val="C15223"/>
-              </a:gs>
-            </a:gsLst>
-            <a:lin ang="2700000" scaled="0"/>
-            <a:tileRect/>
-          </a:gradFill>
-          <a:ln>
-            <a:noFill/>
-          </a:ln>
-        </p:spPr>
-        <p:style>
-          <a:lnRef idx="2">
-            <a:schemeClr val="accent1">
-              <a:shade val="50000"/>
-            </a:schemeClr>
-          </a:lnRef>
-          <a:fillRef idx="1">
-            <a:schemeClr val="accent1"/>
-          </a:fillRef>
-          <a:effectRef idx="0">
-            <a:schemeClr val="accent1"/>
-          </a:effectRef>
-          <a:fontRef idx="minor">
-            <a:schemeClr val="lt1"/>
-          </a:fontRef>
-        </p:style>
-        <p:txBody>
-          <a:bodyPr rtlCol="0" anchor="ctr"/>
-          <a:lstStyle/>
-          <a:p>
-            <a:pPr algn="ctr"/>
-            <a:endParaRPr lang="en-US" dirty="0"/>
-          </a:p>
-        </p:txBody>
-      </p:sp>
-      <p:pic>
-        <p:nvPicPr>
-          <p:cNvPr id="5122" name="Picture 2" descr="https://anoboy.org/wp-content/uploads/2018/12/newlogo-1.png">
-            <a:extLst>
-              <a:ext uri="{FF2B5EF4-FFF2-40B4-BE49-F238E27FC236}">
-                <a16:creationId xmlns:a16="http://schemas.microsoft.com/office/drawing/2014/main" id="{9E0E7F98-38F1-4458-AD2D-F1A18A257714}"/>
-              </a:ext>
-            </a:extLst>
-          </p:cNvPr>
-          <p:cNvPicPr>
-            <a:picLocks noChangeAspect="1" noChangeArrowheads="1"/>
-          </p:cNvPicPr>
-          <p:nvPr/>
-        </p:nvPicPr>
-        <p:blipFill>
-          <a:blip r:embed="rId2">
-            <a:extLst>
-              <a:ext uri="{28A0092B-C50C-407E-A947-70E740481C1C}">
-                <a14:useLocalDpi xmlns:a14="http://schemas.microsoft.com/office/drawing/2010/main" val="0"/>
-              </a:ext>
-            </a:extLst>
-          </a:blip>
-          <a:srcRect/>
-          <a:stretch>
-            <a:fillRect/>
-          </a:stretch>
-        </p:blipFill>
-        <p:spPr bwMode="auto">
-          <a:xfrm>
-            <a:off x="362140" y="280987"/>
-            <a:ext cx="2839657" cy="625475"/>
-          </a:xfrm>
-          <a:prstGeom prst="rect">
-            <a:avLst/>
-          </a:prstGeom>
-          <a:noFill/>
-          <a:extLst>
-            <a:ext uri="{909E8E84-426E-40DD-AFC4-6F175D3DCCD1}">
-              <a14:hiddenFill xmlns:a14="http://schemas.microsoft.com/office/drawing/2010/main">
-                <a:solidFill>
-                  <a:srgbClr val="FFFFFF"/>
-                </a:solidFill>
-              </a14:hiddenFill>
-            </a:ext>
-          </a:extLst>
-        </p:spPr>
-      </p:pic>
-    </p:spTree>
-    <p:extLst>
-      <p:ext uri="{BB962C8B-B14F-4D97-AF65-F5344CB8AC3E}">
-        <p14:creationId xmlns:p14="http://schemas.microsoft.com/office/powerpoint/2010/main" val="743538766"/>
-      </p:ext>
-    </p:extLst>
-  </p:cSld>
-  <p:clrMapOvr>
-    <a:masterClrMapping/>
-  </p:clrMapOvr>
-</p:sld>
-</file>
-
-<file path=ppt/slides/slide38.xml><?xml version="1.0" encoding="utf-8"?>
-<p:sld xmlns:a="http://schemas.openxmlformats.org/drawingml/2006/main" xmlns:r="http://schemas.openxmlformats.org/officeDocument/2006/relationships" xmlns:p="http://schemas.openxmlformats.org/presentationml/2006/main">
-  <p:cSld>
-    <p:spTree>
-      <p:nvGrpSpPr>
-        <p:cNvPr id="1" name=""/>
-        <p:cNvGrpSpPr/>
-        <p:nvPr/>
-      </p:nvGrpSpPr>
-      <p:grpSpPr>
-        <a:xfrm>
-          <a:off x="0" y="0"/>
-          <a:ext cx="0" cy="0"/>
-          <a:chOff x="0" y="0"/>
-          <a:chExt cx="0" cy="0"/>
-        </a:xfrm>
-      </p:grpSpPr>
-      <p:sp>
-        <p:nvSpPr>
-          <p:cNvPr id="4" name="Rectangle: Rounded Corners 3">
-            <a:extLst>
-              <a:ext uri="{FF2B5EF4-FFF2-40B4-BE49-F238E27FC236}">
-                <a16:creationId xmlns:a16="http://schemas.microsoft.com/office/drawing/2014/main" id="{8D6D9DF0-36ED-4863-B918-F6735D13A7C1}"/>
-              </a:ext>
-            </a:extLst>
-          </p:cNvPr>
-          <p:cNvSpPr/>
-          <p:nvPr/>
-        </p:nvSpPr>
-        <p:spPr>
-          <a:xfrm>
-            <a:off x="0" y="0"/>
-            <a:ext cx="3563938" cy="1187450"/>
-          </a:xfrm>
-          <a:prstGeom prst="roundRect">
-            <a:avLst>
-              <a:gd name="adj" fmla="val 50000"/>
-            </a:avLst>
-          </a:prstGeom>
-          <a:gradFill flip="none" rotWithShape="1">
-            <a:gsLst>
-              <a:gs pos="27000">
-                <a:srgbClr val="000000"/>
-              </a:gs>
-              <a:gs pos="100000">
-                <a:srgbClr val="C15223"/>
-              </a:gs>
-            </a:gsLst>
-            <a:lin ang="2700000" scaled="0"/>
-            <a:tileRect/>
-          </a:gradFill>
-          <a:ln>
-            <a:noFill/>
-          </a:ln>
-        </p:spPr>
-        <p:style>
-          <a:lnRef idx="2">
-            <a:schemeClr val="accent1">
-              <a:shade val="50000"/>
-            </a:schemeClr>
-          </a:lnRef>
-          <a:fillRef idx="1">
-            <a:schemeClr val="accent1"/>
-          </a:fillRef>
-          <a:effectRef idx="0">
-            <a:schemeClr val="accent1"/>
-          </a:effectRef>
-          <a:fontRef idx="minor">
-            <a:schemeClr val="lt1"/>
-          </a:fontRef>
-        </p:style>
-        <p:txBody>
-          <a:bodyPr rtlCol="0" anchor="ctr"/>
-          <a:lstStyle/>
-          <a:p>
-            <a:pPr algn="ctr"/>
-            <a:endParaRPr lang="en-US" dirty="0"/>
-          </a:p>
-        </p:txBody>
-      </p:sp>
-      <p:pic>
-        <p:nvPicPr>
-          <p:cNvPr id="6146" name="Picture 2" descr="https://img.akubebas.com/images/logo-indo.png">
-            <a:extLst>
-              <a:ext uri="{FF2B5EF4-FFF2-40B4-BE49-F238E27FC236}">
-                <a16:creationId xmlns:a16="http://schemas.microsoft.com/office/drawing/2014/main" id="{B278300F-7126-4621-A21C-922518AC2535}"/>
-              </a:ext>
-            </a:extLst>
-          </p:cNvPr>
-          <p:cNvPicPr>
-            <a:picLocks noChangeAspect="1" noChangeArrowheads="1"/>
-          </p:cNvPicPr>
-          <p:nvPr/>
-        </p:nvPicPr>
-        <p:blipFill>
-          <a:blip r:embed="rId2">
-            <a:extLst>
-              <a:ext uri="{28A0092B-C50C-407E-A947-70E740481C1C}">
-                <a14:useLocalDpi xmlns:a14="http://schemas.microsoft.com/office/drawing/2010/main" val="0"/>
-              </a:ext>
-            </a:extLst>
-          </a:blip>
-          <a:srcRect/>
-          <a:stretch>
-            <a:fillRect/>
-          </a:stretch>
-        </p:blipFill>
-        <p:spPr bwMode="auto">
-          <a:xfrm>
-            <a:off x="523081" y="292301"/>
-            <a:ext cx="2517776" cy="602847"/>
-          </a:xfrm>
-          <a:prstGeom prst="rect">
-            <a:avLst/>
-          </a:prstGeom>
-          <a:noFill/>
-          <a:extLst>
-            <a:ext uri="{909E8E84-426E-40DD-AFC4-6F175D3DCCD1}">
-              <a14:hiddenFill xmlns:a14="http://schemas.microsoft.com/office/drawing/2010/main">
-                <a:solidFill>
-                  <a:srgbClr val="FFFFFF"/>
-                </a:solidFill>
-              </a14:hiddenFill>
-            </a:ext>
-          </a:extLst>
-        </p:spPr>
-      </p:pic>
-    </p:spTree>
-    <p:extLst>
-      <p:ext uri="{BB962C8B-B14F-4D97-AF65-F5344CB8AC3E}">
-        <p14:creationId xmlns:p14="http://schemas.microsoft.com/office/powerpoint/2010/main" val="3562251831"/>
-      </p:ext>
-    </p:extLst>
-  </p:cSld>
-  <p:clrMapOvr>
-    <a:masterClrMapping/>
-  </p:clrMapOvr>
-</p:sld>
-</file>
-
-<file path=ppt/slides/slide39.xml><?xml version="1.0" encoding="utf-8"?>
-<p:sld xmlns:a="http://schemas.openxmlformats.org/drawingml/2006/main" xmlns:r="http://schemas.openxmlformats.org/officeDocument/2006/relationships" xmlns:p="http://schemas.openxmlformats.org/presentationml/2006/main">
-  <p:cSld>
-    <p:spTree>
-      <p:nvGrpSpPr>
-        <p:cNvPr id="1" name=""/>
-        <p:cNvGrpSpPr/>
-        <p:nvPr/>
-      </p:nvGrpSpPr>
-      <p:grpSpPr>
-        <a:xfrm>
-          <a:off x="0" y="0"/>
-          <a:ext cx="0" cy="0"/>
-          <a:chOff x="0" y="0"/>
-          <a:chExt cx="0" cy="0"/>
-        </a:xfrm>
-      </p:grpSpPr>
-      <p:sp>
-        <p:nvSpPr>
-          <p:cNvPr id="4" name="Rectangle: Rounded Corners 3">
-            <a:extLst>
-              <a:ext uri="{FF2B5EF4-FFF2-40B4-BE49-F238E27FC236}">
-                <a16:creationId xmlns:a16="http://schemas.microsoft.com/office/drawing/2014/main" id="{8D6D9DF0-36ED-4863-B918-F6735D13A7C1}"/>
-              </a:ext>
-            </a:extLst>
-          </p:cNvPr>
-          <p:cNvSpPr/>
-          <p:nvPr/>
-        </p:nvSpPr>
-        <p:spPr>
-          <a:xfrm>
-            <a:off x="0" y="0"/>
-            <a:ext cx="3563938" cy="1187450"/>
-          </a:xfrm>
-          <a:prstGeom prst="roundRect">
-            <a:avLst>
-              <a:gd name="adj" fmla="val 50000"/>
-            </a:avLst>
-          </a:prstGeom>
-          <a:gradFill flip="none" rotWithShape="1">
-            <a:gsLst>
-              <a:gs pos="26000">
-                <a:srgbClr val="447BBA"/>
-              </a:gs>
-              <a:gs pos="100000">
-                <a:srgbClr val="21B577"/>
-              </a:gs>
-            </a:gsLst>
-            <a:lin ang="2700000" scaled="0"/>
-            <a:tileRect/>
-          </a:gradFill>
-          <a:ln>
-            <a:noFill/>
-          </a:ln>
-        </p:spPr>
-        <p:style>
-          <a:lnRef idx="2">
-            <a:schemeClr val="accent1">
-              <a:shade val="50000"/>
-            </a:schemeClr>
-          </a:lnRef>
-          <a:fillRef idx="1">
-            <a:schemeClr val="accent1"/>
-          </a:fillRef>
-          <a:effectRef idx="0">
-            <a:schemeClr val="accent1"/>
-          </a:effectRef>
-          <a:fontRef idx="minor">
-            <a:schemeClr val="lt1"/>
-          </a:fontRef>
-        </p:style>
-        <p:txBody>
-          <a:bodyPr rtlCol="0" anchor="ctr"/>
-          <a:lstStyle/>
-          <a:p>
-            <a:pPr algn="ctr"/>
-            <a:endParaRPr lang="en-US" dirty="0"/>
-          </a:p>
-        </p:txBody>
-      </p:sp>
-      <p:pic>
-        <p:nvPicPr>
-          <p:cNvPr id="25602" name="Picture 2" descr="[svg-to-png output image]">
-            <a:extLst>
-              <a:ext uri="{FF2B5EF4-FFF2-40B4-BE49-F238E27FC236}">
-                <a16:creationId xmlns:a16="http://schemas.microsoft.com/office/drawing/2014/main" id="{C8803F84-8FBD-427D-BF96-31A0291DFC84}"/>
-              </a:ext>
-            </a:extLst>
-          </p:cNvPr>
-          <p:cNvPicPr>
-            <a:picLocks noChangeAspect="1" noChangeArrowheads="1"/>
-          </p:cNvPicPr>
-          <p:nvPr/>
-        </p:nvPicPr>
-        <p:blipFill>
-          <a:blip r:embed="rId2">
-            <a:extLst>
-              <a:ext uri="{BEBA8EAE-BF5A-486C-A8C5-ECC9F3942E4B}">
-                <a14:imgProps xmlns:a14="http://schemas.microsoft.com/office/drawing/2010/main">
-                  <a14:imgLayer r:embed="rId3">
-                    <a14:imgEffect>
-                      <a14:brightnessContrast bright="100000"/>
-                    </a14:imgEffect>
-                  </a14:imgLayer>
-                </a14:imgProps>
-              </a:ext>
-              <a:ext uri="{28A0092B-C50C-407E-A947-70E740481C1C}">
-                <a14:useLocalDpi xmlns:a14="http://schemas.microsoft.com/office/drawing/2010/main" val="0"/>
-              </a:ext>
-            </a:extLst>
-          </a:blip>
-          <a:srcRect/>
-          <a:stretch>
-            <a:fillRect/>
-          </a:stretch>
-        </p:blipFill>
-        <p:spPr bwMode="auto">
-          <a:xfrm>
-            <a:off x="481373" y="-38404"/>
-            <a:ext cx="2601191" cy="1264257"/>
-          </a:xfrm>
-          <a:prstGeom prst="rect">
-            <a:avLst/>
-          </a:prstGeom>
-          <a:noFill/>
-          <a:extLst>
-            <a:ext uri="{909E8E84-426E-40DD-AFC4-6F175D3DCCD1}">
-              <a14:hiddenFill xmlns:a14="http://schemas.microsoft.com/office/drawing/2010/main">
-                <a:solidFill>
-                  <a:srgbClr val="FFFFFF"/>
-                </a:solidFill>
-              </a14:hiddenFill>
-            </a:ext>
-          </a:extLst>
-        </p:spPr>
-      </p:pic>
-    </p:spTree>
-    <p:extLst>
-      <p:ext uri="{BB962C8B-B14F-4D97-AF65-F5344CB8AC3E}">
-        <p14:creationId xmlns:p14="http://schemas.microsoft.com/office/powerpoint/2010/main" val="889022910"/>
+        <p14:creationId xmlns:p14="http://schemas.microsoft.com/office/powerpoint/2010/main" val="3048235945"/>
       </p:ext>
     </p:extLst>
   </p:cSld>
@@ -10447,10 +10665,10 @@
           <a:gradFill flip="none" rotWithShape="1">
             <a:gsLst>
               <a:gs pos="26000">
-                <a:srgbClr val="BA3D31"/>
+                <a:srgbClr val="447BBA"/>
               </a:gs>
               <a:gs pos="100000">
-                <a:srgbClr val="E74B3C"/>
+                <a:srgbClr val="21B577"/>
               </a:gs>
             </a:gsLst>
             <a:lin ang="2700000" scaled="0"/>
@@ -10485,143 +10703,66 @@
           </a:p>
         </p:txBody>
       </p:sp>
-      <p:grpSp>
-        <p:nvGrpSpPr>
-          <p:cNvPr id="3" name="Group 2">
+      <p:pic>
+        <p:nvPicPr>
+          <p:cNvPr id="25602" name="Picture 2" descr="[svg-to-png output image]">
             <a:extLst>
               <a:ext uri="{FF2B5EF4-FFF2-40B4-BE49-F238E27FC236}">
-                <a16:creationId xmlns:a16="http://schemas.microsoft.com/office/drawing/2014/main" id="{2604B08D-9533-4334-93DB-3625E4855428}"/>
+                <a16:creationId xmlns:a16="http://schemas.microsoft.com/office/drawing/2014/main" id="{C8803F84-8FBD-427D-BF96-31A0291DFC84}"/>
               </a:ext>
             </a:extLst>
           </p:cNvPr>
-          <p:cNvGrpSpPr/>
+          <p:cNvPicPr>
+            <a:picLocks noChangeAspect="1" noChangeArrowheads="1"/>
+          </p:cNvPicPr>
           <p:nvPr/>
-        </p:nvGrpSpPr>
-        <p:grpSpPr>
+        </p:nvPicPr>
+        <p:blipFill>
+          <a:blip r:embed="rId2">
+            <a:extLst>
+              <a:ext uri="{BEBA8EAE-BF5A-486C-A8C5-ECC9F3942E4B}">
+                <a14:imgProps xmlns:a14="http://schemas.microsoft.com/office/drawing/2010/main">
+                  <a14:imgLayer r:embed="rId3">
+                    <a14:imgEffect>
+                      <a14:brightnessContrast bright="100000"/>
+                    </a14:imgEffect>
+                  </a14:imgLayer>
+                </a14:imgProps>
+              </a:ext>
+              <a:ext uri="{28A0092B-C50C-407E-A947-70E740481C1C}">
+                <a14:useLocalDpi xmlns:a14="http://schemas.microsoft.com/office/drawing/2010/main" val="0"/>
+              </a:ext>
+            </a:extLst>
+          </a:blip>
+          <a:srcRect/>
+          <a:stretch>
+            <a:fillRect/>
+          </a:stretch>
+        </p:blipFill>
+        <p:spPr bwMode="auto">
           <a:xfrm>
-            <a:off x="480219" y="179387"/>
-            <a:ext cx="2603500" cy="828675"/>
-            <a:chOff x="406400" y="179387"/>
-            <a:chExt cx="2603500" cy="828675"/>
+            <a:off x="481373" y="-38404"/>
+            <a:ext cx="2601191" cy="1264257"/>
           </a:xfrm>
-        </p:grpSpPr>
-        <p:pic>
-          <p:nvPicPr>
-            <p:cNvPr id="31746" name="Picture 2" descr="https://www.anibatch.me/wp-content/uploads/2015/10/cropped-11214148_1464291883892938_5502472493587871470_n-192x192.png">
-              <a:extLst>
-                <a:ext uri="{FF2B5EF4-FFF2-40B4-BE49-F238E27FC236}">
-                  <a16:creationId xmlns:a16="http://schemas.microsoft.com/office/drawing/2014/main" id="{21AD9319-E1B3-45D9-B385-8FE9B638406F}"/>
-                </a:ext>
-              </a:extLst>
-            </p:cNvPr>
-            <p:cNvPicPr>
-              <a:picLocks noChangeAspect="1" noChangeArrowheads="1"/>
-            </p:cNvPicPr>
-            <p:nvPr/>
-          </p:nvPicPr>
-          <p:blipFill>
-            <a:blip r:embed="rId2">
-              <a:extLst>
-                <a:ext uri="{BEBA8EAE-BF5A-486C-A8C5-ECC9F3942E4B}">
-                  <a14:imgProps xmlns:a14="http://schemas.microsoft.com/office/drawing/2010/main">
-                    <a14:imgLayer r:embed="rId3">
-                      <a14:imgEffect>
-                        <a14:backgroundRemoval t="9896" b="89063" l="8854" r="95313">
-                          <a14:foregroundMark x1="91146" y1="47917" x2="91146" y2="47917"/>
-                          <a14:foregroundMark x1="95833" y1="49479" x2="95833" y2="49479"/>
-                          <a14:foregroundMark x1="8854" y1="21875" x2="8854" y2="21875"/>
-                        </a14:backgroundRemoval>
-                      </a14:imgEffect>
-                    </a14:imgLayer>
-                  </a14:imgProps>
-                </a:ext>
-                <a:ext uri="{28A0092B-C50C-407E-A947-70E740481C1C}">
-                  <a14:useLocalDpi xmlns:a14="http://schemas.microsoft.com/office/drawing/2010/main" val="0"/>
-                </a:ext>
-              </a:extLst>
-            </a:blip>
-            <a:srcRect/>
-            <a:stretch>
-              <a:fillRect/>
-            </a:stretch>
-          </p:blipFill>
-          <p:spPr bwMode="auto">
-            <a:xfrm>
-              <a:off x="406400" y="179387"/>
-              <a:ext cx="828675" cy="828675"/>
-            </a:xfrm>
-            <a:prstGeom prst="rect">
-              <a:avLst/>
-            </a:prstGeom>
-            <a:noFill/>
-            <a:effectLst>
-              <a:outerShdw blurRad="50800" dist="38100" dir="2700000" algn="tl" rotWithShape="0">
-                <a:prstClr val="black">
-                  <a:alpha val="36000"/>
-                </a:prstClr>
-              </a:outerShdw>
-            </a:effectLst>
-            <a:extLst>
-              <a:ext uri="{909E8E84-426E-40DD-AFC4-6F175D3DCCD1}">
-                <a14:hiddenFill xmlns:a14="http://schemas.microsoft.com/office/drawing/2010/main">
-                  <a:solidFill>
-                    <a:srgbClr val="FFFFFF"/>
-                  </a:solidFill>
-                </a14:hiddenFill>
-              </a:ext>
-            </a:extLst>
-          </p:spPr>
-        </p:pic>
-        <p:sp>
-          <p:nvSpPr>
-            <p:cNvPr id="2" name="TextBox 1">
-              <a:extLst>
-                <a:ext uri="{FF2B5EF4-FFF2-40B4-BE49-F238E27FC236}">
-                  <a16:creationId xmlns:a16="http://schemas.microsoft.com/office/drawing/2014/main" id="{A5065BF5-162C-43B0-9169-E8DB4A328A4D}"/>
-                </a:ext>
-              </a:extLst>
-            </p:cNvPr>
-            <p:cNvSpPr txBox="1"/>
-            <p:nvPr/>
-          </p:nvSpPr>
-          <p:spPr>
-            <a:xfrm>
-              <a:off x="1343025" y="301336"/>
-              <a:ext cx="1666875" cy="584775"/>
-            </a:xfrm>
-            <a:prstGeom prst="rect">
-              <a:avLst/>
-            </a:prstGeom>
-            <a:noFill/>
-          </p:spPr>
-          <p:txBody>
-            <a:bodyPr wrap="square" rtlCol="0">
-              <a:spAutoFit/>
-            </a:bodyPr>
-            <a:lstStyle/>
-            <a:p>
-              <a:pPr algn="dist"/>
-              <a:r>
-                <a:rPr lang="id-ID" sz="3200" dirty="0">
-                  <a:solidFill>
-                    <a:schemeClr val="bg1"/>
-                  </a:solidFill>
-                </a:rPr>
-                <a:t>AniBatch</a:t>
-              </a:r>
-              <a:endParaRPr lang="en-US" sz="3200" dirty="0">
+          <a:prstGeom prst="rect">
+            <a:avLst/>
+          </a:prstGeom>
+          <a:noFill/>
+          <a:extLst>
+            <a:ext uri="{909E8E84-426E-40DD-AFC4-6F175D3DCCD1}">
+              <a14:hiddenFill xmlns:a14="http://schemas.microsoft.com/office/drawing/2010/main">
                 <a:solidFill>
-                  <a:schemeClr val="bg1"/>
+                  <a:srgbClr val="FFFFFF"/>
                 </a:solidFill>
-              </a:endParaRPr>
-            </a:p>
-          </p:txBody>
-        </p:sp>
-      </p:grpSp>
+              </a14:hiddenFill>
+            </a:ext>
+          </a:extLst>
+        </p:spPr>
+      </p:pic>
     </p:spTree>
     <p:extLst>
       <p:ext uri="{BB962C8B-B14F-4D97-AF65-F5344CB8AC3E}">
-        <p14:creationId xmlns:p14="http://schemas.microsoft.com/office/powerpoint/2010/main" val="3048235945"/>
+        <p14:creationId xmlns:p14="http://schemas.microsoft.com/office/powerpoint/2010/main" val="889022910"/>
       </p:ext>
     </p:extLst>
   </p:cSld>
@@ -10632,6 +10773,301 @@
 </file>
 
 <file path=ppt/slides/slide41.xml><?xml version="1.0" encoding="utf-8"?>
+<p:sld xmlns:a="http://schemas.openxmlformats.org/drawingml/2006/main" xmlns:r="http://schemas.openxmlformats.org/officeDocument/2006/relationships" xmlns:p="http://schemas.openxmlformats.org/presentationml/2006/main">
+  <p:cSld>
+    <p:spTree>
+      <p:nvGrpSpPr>
+        <p:cNvPr id="1" name=""/>
+        <p:cNvGrpSpPr/>
+        <p:nvPr/>
+      </p:nvGrpSpPr>
+      <p:grpSpPr>
+        <a:xfrm>
+          <a:off x="0" y="0"/>
+          <a:ext cx="0" cy="0"/>
+          <a:chOff x="0" y="0"/>
+          <a:chExt cx="0" cy="0"/>
+        </a:xfrm>
+      </p:grpSpPr>
+      <p:sp>
+        <p:nvSpPr>
+          <p:cNvPr id="4" name="Rectangle: Rounded Corners 3">
+            <a:extLst>
+              <a:ext uri="{FF2B5EF4-FFF2-40B4-BE49-F238E27FC236}">
+                <a16:creationId xmlns:a16="http://schemas.microsoft.com/office/drawing/2014/main" id="{8D6D9DF0-36ED-4863-B918-F6735D13A7C1}"/>
+              </a:ext>
+            </a:extLst>
+          </p:cNvPr>
+          <p:cNvSpPr/>
+          <p:nvPr/>
+        </p:nvSpPr>
+        <p:spPr>
+          <a:xfrm>
+            <a:off x="0" y="0"/>
+            <a:ext cx="3563938" cy="1187450"/>
+          </a:xfrm>
+          <a:prstGeom prst="roundRect">
+            <a:avLst>
+              <a:gd name="adj" fmla="val 50000"/>
+            </a:avLst>
+          </a:prstGeom>
+          <a:gradFill flip="none" rotWithShape="1">
+            <a:gsLst>
+              <a:gs pos="26000">
+                <a:srgbClr val="17201E"/>
+              </a:gs>
+              <a:gs pos="100000">
+                <a:srgbClr val="1C2825"/>
+              </a:gs>
+            </a:gsLst>
+            <a:lin ang="2700000" scaled="0"/>
+            <a:tileRect/>
+          </a:gradFill>
+          <a:ln>
+            <a:noFill/>
+          </a:ln>
+        </p:spPr>
+        <p:style>
+          <a:lnRef idx="2">
+            <a:schemeClr val="accent1">
+              <a:shade val="50000"/>
+            </a:schemeClr>
+          </a:lnRef>
+          <a:fillRef idx="1">
+            <a:schemeClr val="accent1"/>
+          </a:fillRef>
+          <a:effectRef idx="0">
+            <a:schemeClr val="accent1"/>
+          </a:effectRef>
+          <a:fontRef idx="minor">
+            <a:schemeClr val="lt1"/>
+          </a:fontRef>
+        </p:style>
+        <p:txBody>
+          <a:bodyPr rtlCol="0" anchor="ctr"/>
+          <a:lstStyle/>
+          <a:p>
+            <a:pPr algn="ctr"/>
+            <a:endParaRPr lang="en-US" dirty="0"/>
+          </a:p>
+        </p:txBody>
+      </p:sp>
+      <p:pic>
+        <p:nvPicPr>
+          <p:cNvPr id="3" name="Picture 2">
+            <a:extLst>
+              <a:ext uri="{FF2B5EF4-FFF2-40B4-BE49-F238E27FC236}">
+                <a16:creationId xmlns:a16="http://schemas.microsoft.com/office/drawing/2014/main" id="{02D2A3E8-B154-4758-AA9A-6B92785C0760}"/>
+              </a:ext>
+            </a:extLst>
+          </p:cNvPr>
+          <p:cNvPicPr>
+            <a:picLocks noChangeAspect="1"/>
+          </p:cNvPicPr>
+          <p:nvPr/>
+        </p:nvPicPr>
+        <p:blipFill rotWithShape="1">
+          <a:blip r:embed="rId2">
+            <a:extLst>
+              <a:ext uri="{BEBA8EAE-BF5A-486C-A8C5-ECC9F3942E4B}">
+                <a14:imgProps xmlns:a14="http://schemas.microsoft.com/office/drawing/2010/main">
+                  <a14:imgLayer r:embed="rId3">
+                    <a14:imgEffect>
+                      <a14:backgroundRemoval t="22526" b="34115" l="18082" r="50586">
+                        <a14:foregroundMark x1="18228" y1="27604" x2="18228" y2="27604"/>
+                        <a14:foregroundMark x1="26135" y1="25260" x2="26135" y2="25260"/>
+                        <a14:foregroundMark x1="29063" y1="26563" x2="29063" y2="26563"/>
+                        <a14:foregroundMark x1="35066" y1="27865" x2="35066" y2="27865"/>
+                        <a14:foregroundMark x1="37921" y1="22786" x2="37921" y2="22786"/>
+                        <a14:foregroundMark x1="46120" y1="27083" x2="46120" y2="27083"/>
+                        <a14:foregroundMark x1="49122" y1="28906" x2="49122" y2="28906"/>
+                        <a14:foregroundMark x1="50586" y1="24219" x2="50586" y2="24219"/>
+                      </a14:backgroundRemoval>
+                    </a14:imgEffect>
+                  </a14:imgLayer>
+                </a14:imgProps>
+              </a:ext>
+            </a:extLst>
+          </a:blip>
+          <a:srcRect l="17304" t="21936" r="48377" b="64425"/>
+          <a:stretch/>
+        </p:blipFill>
+        <p:spPr>
+          <a:xfrm>
+            <a:off x="556373" y="319881"/>
+            <a:ext cx="2451191" cy="547688"/>
+          </a:xfrm>
+          <a:prstGeom prst="rect">
+            <a:avLst/>
+          </a:prstGeom>
+        </p:spPr>
+      </p:pic>
+    </p:spTree>
+    <p:extLst>
+      <p:ext uri="{BB962C8B-B14F-4D97-AF65-F5344CB8AC3E}">
+        <p14:creationId xmlns:p14="http://schemas.microsoft.com/office/powerpoint/2010/main" val="2644471930"/>
+      </p:ext>
+    </p:extLst>
+  </p:cSld>
+  <p:clrMapOvr>
+    <a:masterClrMapping/>
+  </p:clrMapOvr>
+</p:sld>
+</file>
+
+<file path=ppt/slides/slide42.xml><?xml version="1.0" encoding="utf-8"?>
+<p:sld xmlns:a="http://schemas.openxmlformats.org/drawingml/2006/main" xmlns:r="http://schemas.openxmlformats.org/officeDocument/2006/relationships" xmlns:p="http://schemas.openxmlformats.org/presentationml/2006/main">
+  <p:cSld>
+    <p:spTree>
+      <p:nvGrpSpPr>
+        <p:cNvPr id="1" name=""/>
+        <p:cNvGrpSpPr/>
+        <p:nvPr/>
+      </p:nvGrpSpPr>
+      <p:grpSpPr>
+        <a:xfrm>
+          <a:off x="0" y="0"/>
+          <a:ext cx="0" cy="0"/>
+          <a:chOff x="0" y="0"/>
+          <a:chExt cx="0" cy="0"/>
+        </a:xfrm>
+      </p:grpSpPr>
+      <p:sp>
+        <p:nvSpPr>
+          <p:cNvPr id="4" name="Rectangle: Rounded Corners 3">
+            <a:extLst>
+              <a:ext uri="{FF2B5EF4-FFF2-40B4-BE49-F238E27FC236}">
+                <a16:creationId xmlns:a16="http://schemas.microsoft.com/office/drawing/2014/main" id="{8D6D9DF0-36ED-4863-B918-F6735D13A7C1}"/>
+              </a:ext>
+            </a:extLst>
+          </p:cNvPr>
+          <p:cNvSpPr/>
+          <p:nvPr/>
+        </p:nvSpPr>
+        <p:spPr>
+          <a:xfrm>
+            <a:off x="0" y="0"/>
+            <a:ext cx="3563938" cy="1187450"/>
+          </a:xfrm>
+          <a:prstGeom prst="roundRect">
+            <a:avLst>
+              <a:gd name="adj" fmla="val 50000"/>
+            </a:avLst>
+          </a:prstGeom>
+          <a:gradFill flip="none" rotWithShape="1">
+            <a:gsLst>
+              <a:gs pos="26000">
+                <a:srgbClr val="232F3E"/>
+              </a:gs>
+              <a:gs pos="100000">
+                <a:srgbClr val="32C9F6"/>
+              </a:gs>
+            </a:gsLst>
+            <a:lin ang="2700000" scaled="0"/>
+            <a:tileRect/>
+          </a:gradFill>
+          <a:ln>
+            <a:noFill/>
+          </a:ln>
+        </p:spPr>
+        <p:style>
+          <a:lnRef idx="2">
+            <a:schemeClr val="accent1">
+              <a:shade val="50000"/>
+            </a:schemeClr>
+          </a:lnRef>
+          <a:fillRef idx="1">
+            <a:schemeClr val="accent1"/>
+          </a:fillRef>
+          <a:effectRef idx="0">
+            <a:schemeClr val="accent1"/>
+          </a:effectRef>
+          <a:fontRef idx="minor">
+            <a:schemeClr val="lt1"/>
+          </a:fontRef>
+        </p:style>
+        <p:txBody>
+          <a:bodyPr rtlCol="0" anchor="ctr"/>
+          <a:lstStyle/>
+          <a:p>
+            <a:pPr algn="ctr"/>
+            <a:endParaRPr lang="en-US" dirty="0"/>
+          </a:p>
+        </p:txBody>
+      </p:sp>
+      <p:sp>
+        <p:nvSpPr>
+          <p:cNvPr id="3" name="TextBox 2">
+            <a:extLst>
+              <a:ext uri="{FF2B5EF4-FFF2-40B4-BE49-F238E27FC236}">
+                <a16:creationId xmlns:a16="http://schemas.microsoft.com/office/drawing/2014/main" id="{6C67FD1F-5A7F-4624-A9CE-E8408D3A4F1A}"/>
+              </a:ext>
+            </a:extLst>
+          </p:cNvPr>
+          <p:cNvSpPr txBox="1"/>
+          <p:nvPr/>
+        </p:nvSpPr>
+        <p:spPr>
+          <a:xfrm>
+            <a:off x="535214" y="270560"/>
+            <a:ext cx="2493511" cy="646331"/>
+          </a:xfrm>
+          <a:prstGeom prst="rect">
+            <a:avLst/>
+          </a:prstGeom>
+          <a:noFill/>
+        </p:spPr>
+        <p:txBody>
+          <a:bodyPr wrap="square" rtlCol="0">
+            <a:spAutoFit/>
+          </a:bodyPr>
+          <a:lstStyle/>
+          <a:p>
+            <a:pPr algn="ctr"/>
+            <a:r>
+              <a:rPr lang="id-ID" sz="3600" dirty="0">
+                <a:solidFill>
+                  <a:schemeClr val="bg1"/>
+                </a:solidFill>
+                <a:effectLst>
+                  <a:outerShdw blurRad="38100" dist="38100" dir="2700000" algn="tl">
+                    <a:srgbClr val="000000">
+                      <a:alpha val="43137"/>
+                    </a:srgbClr>
+                  </a:outerShdw>
+                </a:effectLst>
+              </a:rPr>
+              <a:t>Kusonime</a:t>
+            </a:r>
+            <a:endParaRPr lang="en-US" sz="3600" dirty="0">
+              <a:solidFill>
+                <a:schemeClr val="bg1"/>
+              </a:solidFill>
+              <a:effectLst>
+                <a:outerShdw blurRad="38100" dist="38100" dir="2700000" algn="tl">
+                  <a:srgbClr val="000000">
+                    <a:alpha val="43137"/>
+                  </a:srgbClr>
+                </a:outerShdw>
+              </a:effectLst>
+            </a:endParaRPr>
+          </a:p>
+        </p:txBody>
+      </p:sp>
+    </p:spTree>
+    <p:extLst>
+      <p:ext uri="{BB962C8B-B14F-4D97-AF65-F5344CB8AC3E}">
+        <p14:creationId xmlns:p14="http://schemas.microsoft.com/office/powerpoint/2010/main" val="1605652628"/>
+      </p:ext>
+    </p:extLst>
+  </p:cSld>
+  <p:clrMapOvr>
+    <a:masterClrMapping/>
+  </p:clrMapOvr>
+</p:sld>
+</file>
+
+<file path=ppt/slides/slide43.xml><?xml version="1.0" encoding="utf-8"?>
 <p:sld xmlns:a="http://schemas.openxmlformats.org/drawingml/2006/main" xmlns:r="http://schemas.openxmlformats.org/officeDocument/2006/relationships" xmlns:p="http://schemas.openxmlformats.org/presentationml/2006/main">
   <p:cSld>
     <p:spTree>
@@ -10768,298 +11204,6 @@
     <p:extLst>
       <p:ext uri="{BB962C8B-B14F-4D97-AF65-F5344CB8AC3E}">
         <p14:creationId xmlns:p14="http://schemas.microsoft.com/office/powerpoint/2010/main" val="1757396926"/>
-      </p:ext>
-    </p:extLst>
-  </p:cSld>
-  <p:clrMapOvr>
-    <a:masterClrMapping/>
-  </p:clrMapOvr>
-</p:sld>
-</file>
-
-<file path=ppt/slides/slide42.xml><?xml version="1.0" encoding="utf-8"?>
-<p:sld xmlns:a="http://schemas.openxmlformats.org/drawingml/2006/main" xmlns:r="http://schemas.openxmlformats.org/officeDocument/2006/relationships" xmlns:p="http://schemas.openxmlformats.org/presentationml/2006/main">
-  <p:cSld>
-    <p:spTree>
-      <p:nvGrpSpPr>
-        <p:cNvPr id="1" name=""/>
-        <p:cNvGrpSpPr/>
-        <p:nvPr/>
-      </p:nvGrpSpPr>
-      <p:grpSpPr>
-        <a:xfrm>
-          <a:off x="0" y="0"/>
-          <a:ext cx="0" cy="0"/>
-          <a:chOff x="0" y="0"/>
-          <a:chExt cx="0" cy="0"/>
-        </a:xfrm>
-      </p:grpSpPr>
-      <p:sp>
-        <p:nvSpPr>
-          <p:cNvPr id="4" name="Rectangle: Rounded Corners 3">
-            <a:extLst>
-              <a:ext uri="{FF2B5EF4-FFF2-40B4-BE49-F238E27FC236}">
-                <a16:creationId xmlns:a16="http://schemas.microsoft.com/office/drawing/2014/main" id="{8D6D9DF0-36ED-4863-B918-F6735D13A7C1}"/>
-              </a:ext>
-            </a:extLst>
-          </p:cNvPr>
-          <p:cNvSpPr/>
-          <p:nvPr/>
-        </p:nvSpPr>
-        <p:spPr>
-          <a:xfrm>
-            <a:off x="0" y="0"/>
-            <a:ext cx="3563938" cy="1187450"/>
-          </a:xfrm>
-          <a:prstGeom prst="roundRect">
-            <a:avLst>
-              <a:gd name="adj" fmla="val 50000"/>
-            </a:avLst>
-          </a:prstGeom>
-          <a:gradFill flip="none" rotWithShape="1">
-            <a:gsLst>
-              <a:gs pos="26000">
-                <a:srgbClr val="17201E"/>
-              </a:gs>
-              <a:gs pos="100000">
-                <a:srgbClr val="1C2825"/>
-              </a:gs>
-            </a:gsLst>
-            <a:lin ang="2700000" scaled="0"/>
-            <a:tileRect/>
-          </a:gradFill>
-          <a:ln>
-            <a:noFill/>
-          </a:ln>
-        </p:spPr>
-        <p:style>
-          <a:lnRef idx="2">
-            <a:schemeClr val="accent1">
-              <a:shade val="50000"/>
-            </a:schemeClr>
-          </a:lnRef>
-          <a:fillRef idx="1">
-            <a:schemeClr val="accent1"/>
-          </a:fillRef>
-          <a:effectRef idx="0">
-            <a:schemeClr val="accent1"/>
-          </a:effectRef>
-          <a:fontRef idx="minor">
-            <a:schemeClr val="lt1"/>
-          </a:fontRef>
-        </p:style>
-        <p:txBody>
-          <a:bodyPr rtlCol="0" anchor="ctr"/>
-          <a:lstStyle/>
-          <a:p>
-            <a:pPr algn="ctr"/>
-            <a:endParaRPr lang="en-US" dirty="0"/>
-          </a:p>
-        </p:txBody>
-      </p:sp>
-      <p:pic>
-        <p:nvPicPr>
-          <p:cNvPr id="3" name="Picture 2">
-            <a:extLst>
-              <a:ext uri="{FF2B5EF4-FFF2-40B4-BE49-F238E27FC236}">
-                <a16:creationId xmlns:a16="http://schemas.microsoft.com/office/drawing/2014/main" id="{02D2A3E8-B154-4758-AA9A-6B92785C0760}"/>
-              </a:ext>
-            </a:extLst>
-          </p:cNvPr>
-          <p:cNvPicPr>
-            <a:picLocks noChangeAspect="1"/>
-          </p:cNvPicPr>
-          <p:nvPr/>
-        </p:nvPicPr>
-        <p:blipFill rotWithShape="1">
-          <a:blip r:embed="rId2">
-            <a:extLst>
-              <a:ext uri="{BEBA8EAE-BF5A-486C-A8C5-ECC9F3942E4B}">
-                <a14:imgProps xmlns:a14="http://schemas.microsoft.com/office/drawing/2010/main">
-                  <a14:imgLayer r:embed="rId3">
-                    <a14:imgEffect>
-                      <a14:backgroundRemoval t="22526" b="34115" l="18082" r="50586">
-                        <a14:foregroundMark x1="18228" y1="27604" x2="18228" y2="27604"/>
-                        <a14:foregroundMark x1="26135" y1="25260" x2="26135" y2="25260"/>
-                        <a14:foregroundMark x1="29063" y1="26563" x2="29063" y2="26563"/>
-                        <a14:foregroundMark x1="35066" y1="27865" x2="35066" y2="27865"/>
-                        <a14:foregroundMark x1="37921" y1="22786" x2="37921" y2="22786"/>
-                        <a14:foregroundMark x1="46120" y1="27083" x2="46120" y2="27083"/>
-                        <a14:foregroundMark x1="49122" y1="28906" x2="49122" y2="28906"/>
-                        <a14:foregroundMark x1="50586" y1="24219" x2="50586" y2="24219"/>
-                      </a14:backgroundRemoval>
-                    </a14:imgEffect>
-                  </a14:imgLayer>
-                </a14:imgProps>
-              </a:ext>
-            </a:extLst>
-          </a:blip>
-          <a:srcRect l="17304" t="21936" r="48377" b="64425"/>
-          <a:stretch/>
-        </p:blipFill>
-        <p:spPr>
-          <a:xfrm>
-            <a:off x="556373" y="319881"/>
-            <a:ext cx="2451191" cy="547688"/>
-          </a:xfrm>
-          <a:prstGeom prst="rect">
-            <a:avLst/>
-          </a:prstGeom>
-        </p:spPr>
-      </p:pic>
-    </p:spTree>
-    <p:extLst>
-      <p:ext uri="{BB962C8B-B14F-4D97-AF65-F5344CB8AC3E}">
-        <p14:creationId xmlns:p14="http://schemas.microsoft.com/office/powerpoint/2010/main" val="2644471930"/>
-      </p:ext>
-    </p:extLst>
-  </p:cSld>
-  <p:clrMapOvr>
-    <a:masterClrMapping/>
-  </p:clrMapOvr>
-</p:sld>
-</file>
-
-<file path=ppt/slides/slide43.xml><?xml version="1.0" encoding="utf-8"?>
-<p:sld xmlns:a="http://schemas.openxmlformats.org/drawingml/2006/main" xmlns:r="http://schemas.openxmlformats.org/officeDocument/2006/relationships" xmlns:p="http://schemas.openxmlformats.org/presentationml/2006/main">
-  <p:cSld>
-    <p:spTree>
-      <p:nvGrpSpPr>
-        <p:cNvPr id="1" name=""/>
-        <p:cNvGrpSpPr/>
-        <p:nvPr/>
-      </p:nvGrpSpPr>
-      <p:grpSpPr>
-        <a:xfrm>
-          <a:off x="0" y="0"/>
-          <a:ext cx="0" cy="0"/>
-          <a:chOff x="0" y="0"/>
-          <a:chExt cx="0" cy="0"/>
-        </a:xfrm>
-      </p:grpSpPr>
-      <p:sp>
-        <p:nvSpPr>
-          <p:cNvPr id="4" name="Rectangle: Rounded Corners 3">
-            <a:extLst>
-              <a:ext uri="{FF2B5EF4-FFF2-40B4-BE49-F238E27FC236}">
-                <a16:creationId xmlns:a16="http://schemas.microsoft.com/office/drawing/2014/main" id="{8D6D9DF0-36ED-4863-B918-F6735D13A7C1}"/>
-              </a:ext>
-            </a:extLst>
-          </p:cNvPr>
-          <p:cNvSpPr/>
-          <p:nvPr/>
-        </p:nvSpPr>
-        <p:spPr>
-          <a:xfrm>
-            <a:off x="0" y="0"/>
-            <a:ext cx="3563938" cy="1187450"/>
-          </a:xfrm>
-          <a:prstGeom prst="roundRect">
-            <a:avLst>
-              <a:gd name="adj" fmla="val 50000"/>
-            </a:avLst>
-          </a:prstGeom>
-          <a:gradFill flip="none" rotWithShape="1">
-            <a:gsLst>
-              <a:gs pos="26000">
-                <a:srgbClr val="262B36"/>
-              </a:gs>
-              <a:gs pos="100000">
-                <a:srgbClr val="6FA9EA"/>
-              </a:gs>
-            </a:gsLst>
-            <a:lin ang="2700000" scaled="0"/>
-            <a:tileRect/>
-          </a:gradFill>
-          <a:ln>
-            <a:noFill/>
-          </a:ln>
-        </p:spPr>
-        <p:style>
-          <a:lnRef idx="2">
-            <a:schemeClr val="accent1">
-              <a:shade val="50000"/>
-            </a:schemeClr>
-          </a:lnRef>
-          <a:fillRef idx="1">
-            <a:schemeClr val="accent1"/>
-          </a:fillRef>
-          <a:effectRef idx="0">
-            <a:schemeClr val="accent1"/>
-          </a:effectRef>
-          <a:fontRef idx="minor">
-            <a:schemeClr val="lt1"/>
-          </a:fontRef>
-        </p:style>
-        <p:txBody>
-          <a:bodyPr rtlCol="0" anchor="ctr"/>
-          <a:lstStyle/>
-          <a:p>
-            <a:pPr algn="ctr"/>
-            <a:endParaRPr lang="en-US" dirty="0"/>
-          </a:p>
-        </p:txBody>
-      </p:sp>
-      <p:pic>
-        <p:nvPicPr>
-          <p:cNvPr id="37890" name="Picture 2" descr="https://neonime.net/wp-content/themes/grifus/images/site-logo.png">
-            <a:extLst>
-              <a:ext uri="{FF2B5EF4-FFF2-40B4-BE49-F238E27FC236}">
-                <a16:creationId xmlns:a16="http://schemas.microsoft.com/office/drawing/2014/main" id="{E41ABB8D-5888-4F36-89D6-A23CD8EF1AA5}"/>
-              </a:ext>
-            </a:extLst>
-          </p:cNvPr>
-          <p:cNvPicPr>
-            <a:picLocks noChangeAspect="1" noChangeArrowheads="1"/>
-          </p:cNvPicPr>
-          <p:nvPr/>
-        </p:nvPicPr>
-        <p:blipFill>
-          <a:blip r:embed="rId2">
-            <a:extLst>
-              <a:ext uri="{BEBA8EAE-BF5A-486C-A8C5-ECC9F3942E4B}">
-                <a14:imgProps xmlns:a14="http://schemas.microsoft.com/office/drawing/2010/main">
-                  <a14:imgLayer r:embed="rId3">
-                    <a14:imgEffect>
-                      <a14:brightnessContrast bright="100000"/>
-                    </a14:imgEffect>
-                  </a14:imgLayer>
-                </a14:imgProps>
-              </a:ext>
-              <a:ext uri="{28A0092B-C50C-407E-A947-70E740481C1C}">
-                <a14:useLocalDpi xmlns:a14="http://schemas.microsoft.com/office/drawing/2010/main" val="0"/>
-              </a:ext>
-            </a:extLst>
-          </a:blip>
-          <a:srcRect/>
-          <a:stretch>
-            <a:fillRect/>
-          </a:stretch>
-        </p:blipFill>
-        <p:spPr bwMode="auto">
-          <a:xfrm>
-            <a:off x="508724" y="345882"/>
-            <a:ext cx="2546490" cy="495686"/>
-          </a:xfrm>
-          <a:prstGeom prst="rect">
-            <a:avLst/>
-          </a:prstGeom>
-          <a:noFill/>
-          <a:extLst>
-            <a:ext uri="{909E8E84-426E-40DD-AFC4-6F175D3DCCD1}">
-              <a14:hiddenFill xmlns:a14="http://schemas.microsoft.com/office/drawing/2010/main">
-                <a:solidFill>
-                  <a:srgbClr val="FFFFFF"/>
-                </a:solidFill>
-              </a14:hiddenFill>
-            </a:ext>
-          </a:extLst>
-        </p:spPr>
-      </p:pic>
-    </p:spTree>
-    <p:extLst>
-      <p:ext uri="{BB962C8B-B14F-4D97-AF65-F5344CB8AC3E}">
-        <p14:creationId xmlns:p14="http://schemas.microsoft.com/office/powerpoint/2010/main" val="2433375054"/>
       </p:ext>
     </p:extLst>
   </p:cSld>
@@ -11251,6 +11395,155 @@
           <a:gradFill flip="none" rotWithShape="1">
             <a:gsLst>
               <a:gs pos="26000">
+                <a:srgbClr val="262B36"/>
+              </a:gs>
+              <a:gs pos="100000">
+                <a:srgbClr val="6FA9EA"/>
+              </a:gs>
+            </a:gsLst>
+            <a:lin ang="2700000" scaled="0"/>
+            <a:tileRect/>
+          </a:gradFill>
+          <a:ln>
+            <a:noFill/>
+          </a:ln>
+        </p:spPr>
+        <p:style>
+          <a:lnRef idx="2">
+            <a:schemeClr val="accent1">
+              <a:shade val="50000"/>
+            </a:schemeClr>
+          </a:lnRef>
+          <a:fillRef idx="1">
+            <a:schemeClr val="accent1"/>
+          </a:fillRef>
+          <a:effectRef idx="0">
+            <a:schemeClr val="accent1"/>
+          </a:effectRef>
+          <a:fontRef idx="minor">
+            <a:schemeClr val="lt1"/>
+          </a:fontRef>
+        </p:style>
+        <p:txBody>
+          <a:bodyPr rtlCol="0" anchor="ctr"/>
+          <a:lstStyle/>
+          <a:p>
+            <a:pPr algn="ctr"/>
+            <a:endParaRPr lang="en-US" dirty="0"/>
+          </a:p>
+        </p:txBody>
+      </p:sp>
+      <p:pic>
+        <p:nvPicPr>
+          <p:cNvPr id="37890" name="Picture 2" descr="https://neonime.net/wp-content/themes/grifus/images/site-logo.png">
+            <a:extLst>
+              <a:ext uri="{FF2B5EF4-FFF2-40B4-BE49-F238E27FC236}">
+                <a16:creationId xmlns:a16="http://schemas.microsoft.com/office/drawing/2014/main" id="{E41ABB8D-5888-4F36-89D6-A23CD8EF1AA5}"/>
+              </a:ext>
+            </a:extLst>
+          </p:cNvPr>
+          <p:cNvPicPr>
+            <a:picLocks noChangeAspect="1" noChangeArrowheads="1"/>
+          </p:cNvPicPr>
+          <p:nvPr/>
+        </p:nvPicPr>
+        <p:blipFill>
+          <a:blip r:embed="rId2">
+            <a:extLst>
+              <a:ext uri="{BEBA8EAE-BF5A-486C-A8C5-ECC9F3942E4B}">
+                <a14:imgProps xmlns:a14="http://schemas.microsoft.com/office/drawing/2010/main">
+                  <a14:imgLayer r:embed="rId3">
+                    <a14:imgEffect>
+                      <a14:brightnessContrast bright="100000"/>
+                    </a14:imgEffect>
+                  </a14:imgLayer>
+                </a14:imgProps>
+              </a:ext>
+              <a:ext uri="{28A0092B-C50C-407E-A947-70E740481C1C}">
+                <a14:useLocalDpi xmlns:a14="http://schemas.microsoft.com/office/drawing/2010/main" val="0"/>
+              </a:ext>
+            </a:extLst>
+          </a:blip>
+          <a:srcRect/>
+          <a:stretch>
+            <a:fillRect/>
+          </a:stretch>
+        </p:blipFill>
+        <p:spPr bwMode="auto">
+          <a:xfrm>
+            <a:off x="508724" y="345882"/>
+            <a:ext cx="2546490" cy="495686"/>
+          </a:xfrm>
+          <a:prstGeom prst="rect">
+            <a:avLst/>
+          </a:prstGeom>
+          <a:noFill/>
+          <a:extLst>
+            <a:ext uri="{909E8E84-426E-40DD-AFC4-6F175D3DCCD1}">
+              <a14:hiddenFill xmlns:a14="http://schemas.microsoft.com/office/drawing/2010/main">
+                <a:solidFill>
+                  <a:srgbClr val="FFFFFF"/>
+                </a:solidFill>
+              </a14:hiddenFill>
+            </a:ext>
+          </a:extLst>
+        </p:spPr>
+      </p:pic>
+    </p:spTree>
+    <p:extLst>
+      <p:ext uri="{BB962C8B-B14F-4D97-AF65-F5344CB8AC3E}">
+        <p14:creationId xmlns:p14="http://schemas.microsoft.com/office/powerpoint/2010/main" val="2433375054"/>
+      </p:ext>
+    </p:extLst>
+  </p:cSld>
+  <p:clrMapOvr>
+    <a:masterClrMapping/>
+  </p:clrMapOvr>
+</p:sld>
+</file>
+
+<file path=ppt/slides/slide46.xml><?xml version="1.0" encoding="utf-8"?>
+<p:sld xmlns:a="http://schemas.openxmlformats.org/drawingml/2006/main" xmlns:r="http://schemas.openxmlformats.org/officeDocument/2006/relationships" xmlns:p="http://schemas.openxmlformats.org/presentationml/2006/main">
+  <p:cSld>
+    <p:spTree>
+      <p:nvGrpSpPr>
+        <p:cNvPr id="1" name=""/>
+        <p:cNvGrpSpPr/>
+        <p:nvPr/>
+      </p:nvGrpSpPr>
+      <p:grpSpPr>
+        <a:xfrm>
+          <a:off x="0" y="0"/>
+          <a:ext cx="0" cy="0"/>
+          <a:chOff x="0" y="0"/>
+          <a:chExt cx="0" cy="0"/>
+        </a:xfrm>
+      </p:grpSpPr>
+      <p:sp>
+        <p:nvSpPr>
+          <p:cNvPr id="4" name="Rectangle: Rounded Corners 3">
+            <a:extLst>
+              <a:ext uri="{FF2B5EF4-FFF2-40B4-BE49-F238E27FC236}">
+                <a16:creationId xmlns:a16="http://schemas.microsoft.com/office/drawing/2014/main" id="{8D6D9DF0-36ED-4863-B918-F6735D13A7C1}"/>
+              </a:ext>
+            </a:extLst>
+          </p:cNvPr>
+          <p:cNvSpPr/>
+          <p:nvPr/>
+        </p:nvSpPr>
+        <p:spPr>
+          <a:xfrm>
+            <a:off x="0" y="0"/>
+            <a:ext cx="3563938" cy="1187450"/>
+          </a:xfrm>
+          <a:prstGeom prst="roundRect">
+            <a:avLst>
+              <a:gd name="adj" fmla="val 50000"/>
+            </a:avLst>
+          </a:prstGeom>
+          <a:gradFill flip="none" rotWithShape="1">
+            <a:gsLst>
+              <a:gs pos="26000">
                 <a:srgbClr val="1100FD"/>
               </a:gs>
               <a:gs pos="100000">
@@ -11335,158 +11628,6 @@
     <p:extLst>
       <p:ext uri="{BB962C8B-B14F-4D97-AF65-F5344CB8AC3E}">
         <p14:creationId xmlns:p14="http://schemas.microsoft.com/office/powerpoint/2010/main" val="2758426006"/>
-      </p:ext>
-    </p:extLst>
-  </p:cSld>
-  <p:clrMapOvr>
-    <a:masterClrMapping/>
-  </p:clrMapOvr>
-</p:sld>
-</file>
-
-<file path=ppt/slides/slide46.xml><?xml version="1.0" encoding="utf-8"?>
-<p:sld xmlns:a="http://schemas.openxmlformats.org/drawingml/2006/main" xmlns:r="http://schemas.openxmlformats.org/officeDocument/2006/relationships" xmlns:p="http://schemas.openxmlformats.org/presentationml/2006/main">
-  <p:cSld>
-    <p:spTree>
-      <p:nvGrpSpPr>
-        <p:cNvPr id="1" name=""/>
-        <p:cNvGrpSpPr/>
-        <p:nvPr/>
-      </p:nvGrpSpPr>
-      <p:grpSpPr>
-        <a:xfrm>
-          <a:off x="0" y="0"/>
-          <a:ext cx="0" cy="0"/>
-          <a:chOff x="0" y="0"/>
-          <a:chExt cx="0" cy="0"/>
-        </a:xfrm>
-      </p:grpSpPr>
-      <p:sp>
-        <p:nvSpPr>
-          <p:cNvPr id="4" name="Rectangle: Rounded Corners 3">
-            <a:extLst>
-              <a:ext uri="{FF2B5EF4-FFF2-40B4-BE49-F238E27FC236}">
-                <a16:creationId xmlns:a16="http://schemas.microsoft.com/office/drawing/2014/main" id="{8D6D9DF0-36ED-4863-B918-F6735D13A7C1}"/>
-              </a:ext>
-            </a:extLst>
-          </p:cNvPr>
-          <p:cNvSpPr/>
-          <p:nvPr/>
-        </p:nvSpPr>
-        <p:spPr>
-          <a:xfrm>
-            <a:off x="0" y="0"/>
-            <a:ext cx="3563938" cy="1187450"/>
-          </a:xfrm>
-          <a:prstGeom prst="roundRect">
-            <a:avLst>
-              <a:gd name="adj" fmla="val 50000"/>
-            </a:avLst>
-          </a:prstGeom>
-          <a:gradFill flip="none" rotWithShape="1">
-            <a:gsLst>
-              <a:gs pos="26000">
-                <a:srgbClr val="232F3E"/>
-              </a:gs>
-              <a:gs pos="100000">
-                <a:srgbClr val="32C9F6"/>
-              </a:gs>
-            </a:gsLst>
-            <a:lin ang="2700000" scaled="0"/>
-            <a:tileRect/>
-          </a:gradFill>
-          <a:ln>
-            <a:noFill/>
-          </a:ln>
-        </p:spPr>
-        <p:style>
-          <a:lnRef idx="2">
-            <a:schemeClr val="accent1">
-              <a:shade val="50000"/>
-            </a:schemeClr>
-          </a:lnRef>
-          <a:fillRef idx="1">
-            <a:schemeClr val="accent1"/>
-          </a:fillRef>
-          <a:effectRef idx="0">
-            <a:schemeClr val="accent1"/>
-          </a:effectRef>
-          <a:fontRef idx="minor">
-            <a:schemeClr val="lt1"/>
-          </a:fontRef>
-        </p:style>
-        <p:txBody>
-          <a:bodyPr rtlCol="0" anchor="ctr"/>
-          <a:lstStyle/>
-          <a:p>
-            <a:pPr algn="ctr"/>
-            <a:endParaRPr lang="en-US" dirty="0"/>
-          </a:p>
-        </p:txBody>
-      </p:sp>
-      <p:sp>
-        <p:nvSpPr>
-          <p:cNvPr id="3" name="TextBox 2">
-            <a:extLst>
-              <a:ext uri="{FF2B5EF4-FFF2-40B4-BE49-F238E27FC236}">
-                <a16:creationId xmlns:a16="http://schemas.microsoft.com/office/drawing/2014/main" id="{6C67FD1F-5A7F-4624-A9CE-E8408D3A4F1A}"/>
-              </a:ext>
-            </a:extLst>
-          </p:cNvPr>
-          <p:cNvSpPr txBox="1"/>
-          <p:nvPr/>
-        </p:nvSpPr>
-        <p:spPr>
-          <a:xfrm>
-            <a:off x="535214" y="270560"/>
-            <a:ext cx="2493511" cy="646331"/>
-          </a:xfrm>
-          <a:prstGeom prst="rect">
-            <a:avLst/>
-          </a:prstGeom>
-          <a:noFill/>
-        </p:spPr>
-        <p:txBody>
-          <a:bodyPr wrap="square" rtlCol="0">
-            <a:spAutoFit/>
-          </a:bodyPr>
-          <a:lstStyle/>
-          <a:p>
-            <a:pPr algn="ctr"/>
-            <a:r>
-              <a:rPr lang="id-ID" sz="3600" dirty="0">
-                <a:solidFill>
-                  <a:schemeClr val="bg1"/>
-                </a:solidFill>
-                <a:effectLst>
-                  <a:outerShdw blurRad="38100" dist="38100" dir="2700000" algn="tl">
-                    <a:srgbClr val="000000">
-                      <a:alpha val="43137"/>
-                    </a:srgbClr>
-                  </a:outerShdw>
-                </a:effectLst>
-              </a:rPr>
-              <a:t>Kusonime</a:t>
-            </a:r>
-            <a:endParaRPr lang="en-US" sz="3600" dirty="0">
-              <a:solidFill>
-                <a:schemeClr val="bg1"/>
-              </a:solidFill>
-              <a:effectLst>
-                <a:outerShdw blurRad="38100" dist="38100" dir="2700000" algn="tl">
-                  <a:srgbClr val="000000">
-                    <a:alpha val="43137"/>
-                  </a:srgbClr>
-                </a:outerShdw>
-              </a:effectLst>
-            </a:endParaRPr>
-          </a:p>
-        </p:txBody>
-      </p:sp>
-    </p:spTree>
-    <p:extLst>
-      <p:ext uri="{BB962C8B-B14F-4D97-AF65-F5344CB8AC3E}">
-        <p14:creationId xmlns:p14="http://schemas.microsoft.com/office/powerpoint/2010/main" val="1605652628"/>
       </p:ext>
     </p:extLst>
   </p:cSld>

--- a/Assets/Providers/Template/Template.pptx
+++ b/Assets/Providers/Template/Template.pptx
@@ -21,38 +21,64 @@
     <p:sldId id="289" r:id="rId15"/>
     <p:sldId id="268" r:id="rId16"/>
     <p:sldId id="269" r:id="rId17"/>
-    <p:sldId id="302" r:id="rId18"/>
-    <p:sldId id="300" r:id="rId19"/>
-    <p:sldId id="301" r:id="rId20"/>
-    <p:sldId id="278" r:id="rId21"/>
-    <p:sldId id="272" r:id="rId22"/>
-    <p:sldId id="276" r:id="rId23"/>
-    <p:sldId id="275" r:id="rId24"/>
-    <p:sldId id="267" r:id="rId25"/>
-    <p:sldId id="273" r:id="rId26"/>
-    <p:sldId id="264" r:id="rId27"/>
-    <p:sldId id="279" r:id="rId28"/>
-    <p:sldId id="265" r:id="rId29"/>
-    <p:sldId id="277" r:id="rId30"/>
-    <p:sldId id="303" r:id="rId31"/>
-    <p:sldId id="296" r:id="rId32"/>
-    <p:sldId id="297" r:id="rId33"/>
-    <p:sldId id="266" r:id="rId34"/>
-    <p:sldId id="298" r:id="rId35"/>
-    <p:sldId id="299" r:id="rId36"/>
-    <p:sldId id="295" r:id="rId37"/>
-    <p:sldId id="293" r:id="rId38"/>
-    <p:sldId id="294" r:id="rId39"/>
-    <p:sldId id="280" r:id="rId40"/>
-    <p:sldId id="274" r:id="rId41"/>
-    <p:sldId id="286" r:id="rId42"/>
-    <p:sldId id="292" r:id="rId43"/>
-    <p:sldId id="283" r:id="rId44"/>
-    <p:sldId id="291" r:id="rId45"/>
-    <p:sldId id="287" r:id="rId46"/>
-    <p:sldId id="288" r:id="rId47"/>
-    <p:sldId id="281" r:id="rId48"/>
-    <p:sldId id="282" r:id="rId49"/>
+    <p:sldId id="300" r:id="rId18"/>
+    <p:sldId id="301" r:id="rId19"/>
+    <p:sldId id="302" r:id="rId20"/>
+    <p:sldId id="321" r:id="rId21"/>
+    <p:sldId id="322" r:id="rId22"/>
+    <p:sldId id="324" r:id="rId23"/>
+    <p:sldId id="325" r:id="rId24"/>
+    <p:sldId id="264" r:id="rId25"/>
+    <p:sldId id="265" r:id="rId26"/>
+    <p:sldId id="272" r:id="rId27"/>
+    <p:sldId id="273" r:id="rId28"/>
+    <p:sldId id="275" r:id="rId29"/>
+    <p:sldId id="279" r:id="rId30"/>
+    <p:sldId id="276" r:id="rId31"/>
+    <p:sldId id="303" r:id="rId32"/>
+    <p:sldId id="277" r:id="rId33"/>
+    <p:sldId id="278" r:id="rId34"/>
+    <p:sldId id="267" r:id="rId35"/>
+    <p:sldId id="305" r:id="rId36"/>
+    <p:sldId id="306" r:id="rId37"/>
+    <p:sldId id="307" r:id="rId38"/>
+    <p:sldId id="308" r:id="rId39"/>
+    <p:sldId id="309" r:id="rId40"/>
+    <p:sldId id="311" r:id="rId41"/>
+    <p:sldId id="312" r:id="rId42"/>
+    <p:sldId id="310" r:id="rId43"/>
+    <p:sldId id="313" r:id="rId44"/>
+    <p:sldId id="314" r:id="rId45"/>
+    <p:sldId id="315" r:id="rId46"/>
+    <p:sldId id="316" r:id="rId47"/>
+    <p:sldId id="317" r:id="rId48"/>
+    <p:sldId id="318" r:id="rId49"/>
+    <p:sldId id="319" r:id="rId50"/>
+    <p:sldId id="320" r:id="rId51"/>
+    <p:sldId id="323" r:id="rId52"/>
+    <p:sldId id="266" r:id="rId53"/>
+    <p:sldId id="293" r:id="rId54"/>
+    <p:sldId id="294" r:id="rId55"/>
+    <p:sldId id="295" r:id="rId56"/>
+    <p:sldId id="296" r:id="rId57"/>
+    <p:sldId id="297" r:id="rId58"/>
+    <p:sldId id="298" r:id="rId59"/>
+    <p:sldId id="299" r:id="rId60"/>
+    <p:sldId id="328" r:id="rId61"/>
+    <p:sldId id="274" r:id="rId62"/>
+    <p:sldId id="280" r:id="rId63"/>
+    <p:sldId id="283" r:id="rId64"/>
+    <p:sldId id="286" r:id="rId65"/>
+    <p:sldId id="287" r:id="rId66"/>
+    <p:sldId id="291" r:id="rId67"/>
+    <p:sldId id="288" r:id="rId68"/>
+    <p:sldId id="292" r:id="rId69"/>
+    <p:sldId id="326" r:id="rId70"/>
+    <p:sldId id="327" r:id="rId71"/>
+    <p:sldId id="329" r:id="rId72"/>
+    <p:sldId id="330" r:id="rId73"/>
+    <p:sldId id="281" r:id="rId74"/>
+    <p:sldId id="282" r:id="rId75"/>
   </p:sldIdLst>
   <p:sldSz cx="3563938" cy="1187450"/>
   <p:notesSz cx="6858000" cy="9144000"/>
@@ -180,48 +206,78 @@
           <p14:sldIdLst>
             <p14:sldId id="268"/>
             <p14:sldId id="269"/>
-            <p14:sldId id="302"/>
             <p14:sldId id="300"/>
             <p14:sldId id="301"/>
+            <p14:sldId id="302"/>
+            <p14:sldId id="321"/>
+            <p14:sldId id="322"/>
+            <p14:sldId id="324"/>
+            <p14:sldId id="325"/>
           </p14:sldIdLst>
         </p14:section>
         <p14:section name="Fansub" id="{DB54CE04-9B6C-4979-AD71-6C01C06332BE}">
           <p14:sldIdLst>
+            <p14:sldId id="264"/>
+            <p14:sldId id="265"/>
+            <p14:sldId id="272"/>
+            <p14:sldId id="273"/>
+            <p14:sldId id="275"/>
+            <p14:sldId id="279"/>
+            <p14:sldId id="276"/>
+            <p14:sldId id="303"/>
+            <p14:sldId id="277"/>
             <p14:sldId id="278"/>
-            <p14:sldId id="272"/>
-            <p14:sldId id="276"/>
-            <p14:sldId id="275"/>
             <p14:sldId id="267"/>
-            <p14:sldId id="273"/>
-            <p14:sldId id="264"/>
-            <p14:sldId id="279"/>
-            <p14:sldId id="265"/>
-            <p14:sldId id="277"/>
-            <p14:sldId id="303"/>
+          </p14:sldIdLst>
+        </p14:section>
+        <p14:section name="Fansub baru indeks" id="{7A43CC73-F59C-4C29-A39F-C3F27D9163F7}">
+          <p14:sldIdLst>
+            <p14:sldId id="305"/>
+            <p14:sldId id="306"/>
+            <p14:sldId id="307"/>
+            <p14:sldId id="308"/>
+            <p14:sldId id="309"/>
+            <p14:sldId id="311"/>
+            <p14:sldId id="312"/>
+            <p14:sldId id="310"/>
+            <p14:sldId id="313"/>
+            <p14:sldId id="314"/>
+            <p14:sldId id="315"/>
+            <p14:sldId id="316"/>
+            <p14:sldId id="317"/>
+            <p14:sldId id="318"/>
+            <p14:sldId id="319"/>
+            <p14:sldId id="320"/>
+            <p14:sldId id="323"/>
           </p14:sldIdLst>
         </p14:section>
         <p14:section name="Streaming" id="{9A8665E7-8E1D-44CC-8139-4EEB0A16529A}">
           <p14:sldIdLst>
+            <p14:sldId id="266"/>
+            <p14:sldId id="293"/>
+            <p14:sldId id="294"/>
+            <p14:sldId id="295"/>
             <p14:sldId id="296"/>
             <p14:sldId id="297"/>
-            <p14:sldId id="266"/>
             <p14:sldId id="298"/>
             <p14:sldId id="299"/>
-            <p14:sldId id="295"/>
-            <p14:sldId id="293"/>
-            <p14:sldId id="294"/>
+            <p14:sldId id="328"/>
           </p14:sldIdLst>
         </p14:section>
-        <p14:section name="Batch" id="{A02085A7-54E4-4E32-992E-8CF5FE569196}">
+        <p14:section name="Fanshare" id="{A02085A7-54E4-4E32-992E-8CF5FE569196}">
           <p14:sldIdLst>
+            <p14:sldId id="274"/>
             <p14:sldId id="280"/>
-            <p14:sldId id="274"/>
+            <p14:sldId id="283"/>
             <p14:sldId id="286"/>
+            <p14:sldId id="287"/>
+            <p14:sldId id="291"/>
+            <p14:sldId id="288"/>
             <p14:sldId id="292"/>
-            <p14:sldId id="283"/>
-            <p14:sldId id="291"/>
-            <p14:sldId id="287"/>
-            <p14:sldId id="288"/>
+            <p14:sldId id="326"/>
+            <p14:sldId id="327"/>
+            <p14:sldId id="329"/>
+            <p14:sldId id="330"/>
           </p14:sldIdLst>
         </p14:section>
         <p14:section name="Library" id="{68A9DAB0-ADBF-44CC-9AC9-B3F85903A98D}">
@@ -242,13 +298,650 @@
 <file path=ppt/revisionInfo.xml><?xml version="1.0" encoding="utf-8"?>
 <p1510:revInfo xmlns:a="http://schemas.openxmlformats.org/drawingml/2006/main" xmlns:r="http://schemas.openxmlformats.org/officeDocument/2006/relationships" xmlns:p1510="http://schemas.microsoft.com/office/powerpoint/2015/10/main">
   <p1510:revLst>
-    <p1510:client id="{5755450D-933B-4C15-9181-667F35FE7AD9}" v="21" dt="2019-08-02T04:08:00.311"/>
+    <p1510:client id="{B3763CBF-C87D-47BE-9867-0061721A771B}" v="292" dt="2019-08-21T18:07:26.103"/>
   </p1510:revLst>
 </p1510:revInfo>
 </file>
 
 <file path=ppt/changesInfos/changesInfo1.xml><?xml version="1.0" encoding="utf-8"?>
 <pc:chgInfo xmlns:a="http://schemas.openxmlformats.org/drawingml/2006/main" xmlns:r="http://schemas.openxmlformats.org/officeDocument/2006/relationships" xmlns:ac="http://schemas.microsoft.com/office/drawing/2013/main/command" xmlns:pc="http://schemas.microsoft.com/office/powerpoint/2013/main/command">
+  <pc:docChgLst>
+    <pc:chgData name="Harness, David" userId="00b5c01e-e802-4d63-9d3f-e30c84cf2197" providerId="ADAL" clId="{B3763CBF-C87D-47BE-9867-0061721A771B}"/>
+    <pc:docChg chg="undo custSel addSld delSld modSld sldOrd modSection">
+      <pc:chgData name="Harness, David" userId="00b5c01e-e802-4d63-9d3f-e30c84cf2197" providerId="ADAL" clId="{B3763CBF-C87D-47BE-9867-0061721A771B}" dt="2019-08-21T18:18:14.477" v="493" actId="1076"/>
+      <pc:docMkLst>
+        <pc:docMk/>
+      </pc:docMkLst>
+      <pc:sldChg chg="modSp">
+        <pc:chgData name="Harness, David" userId="00b5c01e-e802-4d63-9d3f-e30c84cf2197" providerId="ADAL" clId="{B3763CBF-C87D-47BE-9867-0061721A771B}" dt="2019-08-21T14:46:57.121" v="0"/>
+        <pc:sldMkLst>
+          <pc:docMk/>
+          <pc:sldMk cId="3149287421" sldId="311"/>
+        </pc:sldMkLst>
+        <pc:picChg chg="mod">
+          <ac:chgData name="Harness, David" userId="00b5c01e-e802-4d63-9d3f-e30c84cf2197" providerId="ADAL" clId="{B3763CBF-C87D-47BE-9867-0061721A771B}" dt="2019-08-21T14:46:57.121" v="0"/>
+          <ac:picMkLst>
+            <pc:docMk/>
+            <pc:sldMk cId="3149287421" sldId="311"/>
+            <ac:picMk id="3" creationId="{5FD4C43D-B9AE-452C-8EB0-F4F99CDC03AA}"/>
+          </ac:picMkLst>
+        </pc:picChg>
+      </pc:sldChg>
+      <pc:sldChg chg="addSp delSp modSp">
+        <pc:chgData name="Harness, David" userId="00b5c01e-e802-4d63-9d3f-e30c84cf2197" providerId="ADAL" clId="{B3763CBF-C87D-47BE-9867-0061721A771B}" dt="2019-08-21T15:50:36.274" v="38" actId="1076"/>
+        <pc:sldMkLst>
+          <pc:docMk/>
+          <pc:sldMk cId="723203053" sldId="315"/>
+        </pc:sldMkLst>
+        <pc:spChg chg="add mod">
+          <ac:chgData name="Harness, David" userId="00b5c01e-e802-4d63-9d3f-e30c84cf2197" providerId="ADAL" clId="{B3763CBF-C87D-47BE-9867-0061721A771B}" dt="2019-08-21T15:50:36.274" v="38" actId="1076"/>
+          <ac:spMkLst>
+            <pc:docMk/>
+            <pc:sldMk cId="723203053" sldId="315"/>
+            <ac:spMk id="3" creationId="{24D97275-89F4-44BA-AAD0-AC02D996B850}"/>
+          </ac:spMkLst>
+        </pc:spChg>
+        <pc:spChg chg="mod">
+          <ac:chgData name="Harness, David" userId="00b5c01e-e802-4d63-9d3f-e30c84cf2197" providerId="ADAL" clId="{B3763CBF-C87D-47BE-9867-0061721A771B}" dt="2019-08-21T15:49:22.768" v="6" actId="207"/>
+          <ac:spMkLst>
+            <pc:docMk/>
+            <pc:sldMk cId="723203053" sldId="315"/>
+            <ac:spMk id="4" creationId="{8D6D9DF0-36ED-4863-B918-F6735D13A7C1}"/>
+          </ac:spMkLst>
+        </pc:spChg>
+        <pc:picChg chg="add del mod">
+          <ac:chgData name="Harness, David" userId="00b5c01e-e802-4d63-9d3f-e30c84cf2197" providerId="ADAL" clId="{B3763CBF-C87D-47BE-9867-0061721A771B}" dt="2019-08-21T15:49:25.403" v="7" actId="478"/>
+          <ac:picMkLst>
+            <pc:docMk/>
+            <pc:sldMk cId="723203053" sldId="315"/>
+            <ac:picMk id="2" creationId="{2B5E1579-680A-4CB8-BA6F-D5177418EB6C}"/>
+          </ac:picMkLst>
+        </pc:picChg>
+      </pc:sldChg>
+      <pc:sldChg chg="addSp delSp modSp add del">
+        <pc:chgData name="Harness, David" userId="00b5c01e-e802-4d63-9d3f-e30c84cf2197" providerId="ADAL" clId="{B3763CBF-C87D-47BE-9867-0061721A771B}" dt="2019-08-21T16:01:16.425" v="225" actId="2696"/>
+        <pc:sldMkLst>
+          <pc:docMk/>
+          <pc:sldMk cId="3918029104" sldId="316"/>
+        </pc:sldMkLst>
+        <pc:spChg chg="del">
+          <ac:chgData name="Harness, David" userId="00b5c01e-e802-4d63-9d3f-e30c84cf2197" providerId="ADAL" clId="{B3763CBF-C87D-47BE-9867-0061721A771B}" dt="2019-08-21T15:54:25.201" v="40" actId="478"/>
+          <ac:spMkLst>
+            <pc:docMk/>
+            <pc:sldMk cId="3918029104" sldId="316"/>
+            <ac:spMk id="3" creationId="{24D97275-89F4-44BA-AAD0-AC02D996B850}"/>
+          </ac:spMkLst>
+        </pc:spChg>
+        <pc:spChg chg="mod">
+          <ac:chgData name="Harness, David" userId="00b5c01e-e802-4d63-9d3f-e30c84cf2197" providerId="ADAL" clId="{B3763CBF-C87D-47BE-9867-0061721A771B}" dt="2019-08-21T15:56:48.924" v="219" actId="207"/>
+          <ac:spMkLst>
+            <pc:docMk/>
+            <pc:sldMk cId="3918029104" sldId="316"/>
+            <ac:spMk id="4" creationId="{8D6D9DF0-36ED-4863-B918-F6735D13A7C1}"/>
+          </ac:spMkLst>
+        </pc:spChg>
+        <pc:picChg chg="add del mod">
+          <ac:chgData name="Harness, David" userId="00b5c01e-e802-4d63-9d3f-e30c84cf2197" providerId="ADAL" clId="{B3763CBF-C87D-47BE-9867-0061721A771B}" dt="2019-08-21T15:55:21.638" v="50"/>
+          <ac:picMkLst>
+            <pc:docMk/>
+            <pc:sldMk cId="3918029104" sldId="316"/>
+            <ac:picMk id="5" creationId="{62FC9C71-BA75-41BD-A20B-2310106AAC9F}"/>
+          </ac:picMkLst>
+        </pc:picChg>
+        <pc:picChg chg="add">
+          <ac:chgData name="Harness, David" userId="00b5c01e-e802-4d63-9d3f-e30c84cf2197" providerId="ADAL" clId="{B3763CBF-C87D-47BE-9867-0061721A771B}" dt="2019-08-21T15:55:56.857" v="56"/>
+          <ac:picMkLst>
+            <pc:docMk/>
+            <pc:sldMk cId="3918029104" sldId="316"/>
+            <ac:picMk id="6" creationId="{77022D67-FDB9-49FA-A810-B71D47CE6506}"/>
+          </ac:picMkLst>
+        </pc:picChg>
+        <pc:picChg chg="add mod">
+          <ac:chgData name="Harness, David" userId="00b5c01e-e802-4d63-9d3f-e30c84cf2197" providerId="ADAL" clId="{B3763CBF-C87D-47BE-9867-0061721A771B}" dt="2019-08-21T15:55:53.720" v="55"/>
+          <ac:picMkLst>
+            <pc:docMk/>
+            <pc:sldMk cId="3918029104" sldId="316"/>
+            <ac:picMk id="1026" creationId="{C2C9604A-57BB-497C-B670-0C6747C66C47}"/>
+          </ac:picMkLst>
+        </pc:picChg>
+      </pc:sldChg>
+      <pc:sldChg chg="addSp delSp modSp add del">
+        <pc:chgData name="Harness, David" userId="00b5c01e-e802-4d63-9d3f-e30c84cf2197" providerId="ADAL" clId="{B3763CBF-C87D-47BE-9867-0061721A771B}" dt="2019-08-21T16:08:52.301" v="232"/>
+        <pc:sldMkLst>
+          <pc:docMk/>
+          <pc:sldMk cId="4125212085" sldId="317"/>
+        </pc:sldMkLst>
+        <pc:spChg chg="mod">
+          <ac:chgData name="Harness, David" userId="00b5c01e-e802-4d63-9d3f-e30c84cf2197" providerId="ADAL" clId="{B3763CBF-C87D-47BE-9867-0061721A771B}" dt="2019-08-21T16:08:31.677" v="231" actId="207"/>
+          <ac:spMkLst>
+            <pc:docMk/>
+            <pc:sldMk cId="4125212085" sldId="317"/>
+            <ac:spMk id="4" creationId="{8D6D9DF0-36ED-4863-B918-F6735D13A7C1}"/>
+          </ac:spMkLst>
+        </pc:spChg>
+        <pc:picChg chg="del">
+          <ac:chgData name="Harness, David" userId="00b5c01e-e802-4d63-9d3f-e30c84cf2197" providerId="ADAL" clId="{B3763CBF-C87D-47BE-9867-0061721A771B}" dt="2019-08-21T15:57:01.921" v="221" actId="478"/>
+          <ac:picMkLst>
+            <pc:docMk/>
+            <pc:sldMk cId="4125212085" sldId="317"/>
+            <ac:picMk id="6" creationId="{77022D67-FDB9-49FA-A810-B71D47CE6506}"/>
+          </ac:picMkLst>
+        </pc:picChg>
+        <pc:picChg chg="del">
+          <ac:chgData name="Harness, David" userId="00b5c01e-e802-4d63-9d3f-e30c84cf2197" providerId="ADAL" clId="{B3763CBF-C87D-47BE-9867-0061721A771B}" dt="2019-08-21T15:57:01.921" v="221" actId="478"/>
+          <ac:picMkLst>
+            <pc:docMk/>
+            <pc:sldMk cId="4125212085" sldId="317"/>
+            <ac:picMk id="1026" creationId="{C2C9604A-57BB-497C-B670-0C6747C66C47}"/>
+          </ac:picMkLst>
+        </pc:picChg>
+        <pc:picChg chg="add mod">
+          <ac:chgData name="Harness, David" userId="00b5c01e-e802-4d63-9d3f-e30c84cf2197" providerId="ADAL" clId="{B3763CBF-C87D-47BE-9867-0061721A771B}" dt="2019-08-21T16:08:52.301" v="232"/>
+          <ac:picMkLst>
+            <pc:docMk/>
+            <pc:sldMk cId="4125212085" sldId="317"/>
+            <ac:picMk id="2050" creationId="{75D1C423-384C-4BB7-BD23-0983E5413979}"/>
+          </ac:picMkLst>
+        </pc:picChg>
+      </pc:sldChg>
+      <pc:sldChg chg="addSp delSp modSp add">
+        <pc:chgData name="Harness, David" userId="00b5c01e-e802-4d63-9d3f-e30c84cf2197" providerId="ADAL" clId="{B3763CBF-C87D-47BE-9867-0061721A771B}" dt="2019-08-21T18:18:14.477" v="493" actId="1076"/>
+        <pc:sldMkLst>
+          <pc:docMk/>
+          <pc:sldMk cId="964917507" sldId="318"/>
+        </pc:sldMkLst>
+        <pc:spChg chg="add mod">
+          <ac:chgData name="Harness, David" userId="00b5c01e-e802-4d63-9d3f-e30c84cf2197" providerId="ADAL" clId="{B3763CBF-C87D-47BE-9867-0061721A771B}" dt="2019-08-21T18:18:14.477" v="493" actId="1076"/>
+          <ac:spMkLst>
+            <pc:docMk/>
+            <pc:sldMk cId="964917507" sldId="318"/>
+            <ac:spMk id="2" creationId="{2E41DADD-B90A-4C58-9424-ABD07C279C6C}"/>
+          </ac:spMkLst>
+        </pc:spChg>
+        <pc:spChg chg="mod">
+          <ac:chgData name="Harness, David" userId="00b5c01e-e802-4d63-9d3f-e30c84cf2197" providerId="ADAL" clId="{B3763CBF-C87D-47BE-9867-0061721A771B}" dt="2019-08-21T16:13:01.611" v="251" actId="1076"/>
+          <ac:spMkLst>
+            <pc:docMk/>
+            <pc:sldMk cId="964917507" sldId="318"/>
+            <ac:spMk id="4" creationId="{8D6D9DF0-36ED-4863-B918-F6735D13A7C1}"/>
+          </ac:spMkLst>
+        </pc:spChg>
+        <pc:picChg chg="del">
+          <ac:chgData name="Harness, David" userId="00b5c01e-e802-4d63-9d3f-e30c84cf2197" providerId="ADAL" clId="{B3763CBF-C87D-47BE-9867-0061721A771B}" dt="2019-08-21T16:09:03.106" v="234" actId="478"/>
+          <ac:picMkLst>
+            <pc:docMk/>
+            <pc:sldMk cId="964917507" sldId="318"/>
+            <ac:picMk id="2050" creationId="{75D1C423-384C-4BB7-BD23-0983E5413979}"/>
+          </ac:picMkLst>
+        </pc:picChg>
+      </pc:sldChg>
+      <pc:sldChg chg="addSp delSp modSp add">
+        <pc:chgData name="Harness, David" userId="00b5c01e-e802-4d63-9d3f-e30c84cf2197" providerId="ADAL" clId="{B3763CBF-C87D-47BE-9867-0061721A771B}" dt="2019-08-21T17:14:49.004" v="272" actId="207"/>
+        <pc:sldMkLst>
+          <pc:docMk/>
+          <pc:sldMk cId="1731183394" sldId="319"/>
+        </pc:sldMkLst>
+        <pc:spChg chg="del">
+          <ac:chgData name="Harness, David" userId="00b5c01e-e802-4d63-9d3f-e30c84cf2197" providerId="ADAL" clId="{B3763CBF-C87D-47BE-9867-0061721A771B}" dt="2019-08-21T16:19:27.872" v="254" actId="478"/>
+          <ac:spMkLst>
+            <pc:docMk/>
+            <pc:sldMk cId="1731183394" sldId="319"/>
+            <ac:spMk id="2" creationId="{2E41DADD-B90A-4C58-9424-ABD07C279C6C}"/>
+          </ac:spMkLst>
+        </pc:spChg>
+        <pc:spChg chg="mod">
+          <ac:chgData name="Harness, David" userId="00b5c01e-e802-4d63-9d3f-e30c84cf2197" providerId="ADAL" clId="{B3763CBF-C87D-47BE-9867-0061721A771B}" dt="2019-08-21T17:14:49.004" v="272" actId="207"/>
+          <ac:spMkLst>
+            <pc:docMk/>
+            <pc:sldMk cId="1731183394" sldId="319"/>
+            <ac:spMk id="4" creationId="{8D6D9DF0-36ED-4863-B918-F6735D13A7C1}"/>
+          </ac:spMkLst>
+        </pc:spChg>
+        <pc:picChg chg="add mod">
+          <ac:chgData name="Harness, David" userId="00b5c01e-e802-4d63-9d3f-e30c84cf2197" providerId="ADAL" clId="{B3763CBF-C87D-47BE-9867-0061721A771B}" dt="2019-08-21T17:14:30.065" v="269" actId="1036"/>
+          <ac:picMkLst>
+            <pc:docMk/>
+            <pc:sldMk cId="1731183394" sldId="319"/>
+            <ac:picMk id="3" creationId="{667A4AD7-38A6-486A-A616-6FD507483CD8}"/>
+          </ac:picMkLst>
+        </pc:picChg>
+      </pc:sldChg>
+      <pc:sldChg chg="addSp delSp modSp add">
+        <pc:chgData name="Harness, David" userId="00b5c01e-e802-4d63-9d3f-e30c84cf2197" providerId="ADAL" clId="{B3763CBF-C87D-47BE-9867-0061721A771B}" dt="2019-08-21T17:20:12.102" v="317" actId="14861"/>
+        <pc:sldMkLst>
+          <pc:docMk/>
+          <pc:sldMk cId="186884883" sldId="320"/>
+        </pc:sldMkLst>
+        <pc:spChg chg="mod">
+          <ac:chgData name="Harness, David" userId="00b5c01e-e802-4d63-9d3f-e30c84cf2197" providerId="ADAL" clId="{B3763CBF-C87D-47BE-9867-0061721A771B}" dt="2019-08-21T17:19:34.767" v="292" actId="207"/>
+          <ac:spMkLst>
+            <pc:docMk/>
+            <pc:sldMk cId="186884883" sldId="320"/>
+            <ac:spMk id="4" creationId="{8D6D9DF0-36ED-4863-B918-F6735D13A7C1}"/>
+          </ac:spMkLst>
+        </pc:spChg>
+        <pc:picChg chg="add mod">
+          <ac:chgData name="Harness, David" userId="00b5c01e-e802-4d63-9d3f-e30c84cf2197" providerId="ADAL" clId="{B3763CBF-C87D-47BE-9867-0061721A771B}" dt="2019-08-21T17:20:12.102" v="317" actId="14861"/>
+          <ac:picMkLst>
+            <pc:docMk/>
+            <pc:sldMk cId="186884883" sldId="320"/>
+            <ac:picMk id="2" creationId="{37CCDD58-A334-432D-9359-A70F50A4FA50}"/>
+          </ac:picMkLst>
+        </pc:picChg>
+        <pc:picChg chg="del">
+          <ac:chgData name="Harness, David" userId="00b5c01e-e802-4d63-9d3f-e30c84cf2197" providerId="ADAL" clId="{B3763CBF-C87D-47BE-9867-0061721A771B}" dt="2019-08-21T17:14:57.718" v="274" actId="478"/>
+          <ac:picMkLst>
+            <pc:docMk/>
+            <pc:sldMk cId="186884883" sldId="320"/>
+            <ac:picMk id="3" creationId="{667A4AD7-38A6-486A-A616-6FD507483CD8}"/>
+          </ac:picMkLst>
+        </pc:picChg>
+        <pc:picChg chg="add del mod">
+          <ac:chgData name="Harness, David" userId="00b5c01e-e802-4d63-9d3f-e30c84cf2197" providerId="ADAL" clId="{B3763CBF-C87D-47BE-9867-0061721A771B}" dt="2019-08-21T17:19:37.567" v="294" actId="478"/>
+          <ac:picMkLst>
+            <pc:docMk/>
+            <pc:sldMk cId="186884883" sldId="320"/>
+            <ac:picMk id="5" creationId="{4A29D220-F0AC-46B8-ADB8-6CAD7703A124}"/>
+          </ac:picMkLst>
+        </pc:picChg>
+      </pc:sldChg>
+      <pc:sldChg chg="addSp delSp modSp add ord">
+        <pc:chgData name="Harness, David" userId="00b5c01e-e802-4d63-9d3f-e30c84cf2197" providerId="ADAL" clId="{B3763CBF-C87D-47BE-9867-0061721A771B}" dt="2019-08-21T17:23:22.284" v="332" actId="1076"/>
+        <pc:sldMkLst>
+          <pc:docMk/>
+          <pc:sldMk cId="757803778" sldId="321"/>
+        </pc:sldMkLst>
+        <pc:spChg chg="mod">
+          <ac:chgData name="Harness, David" userId="00b5c01e-e802-4d63-9d3f-e30c84cf2197" providerId="ADAL" clId="{B3763CBF-C87D-47BE-9867-0061721A771B}" dt="2019-08-21T17:23:03.205" v="328" actId="207"/>
+          <ac:spMkLst>
+            <pc:docMk/>
+            <pc:sldMk cId="757803778" sldId="321"/>
+            <ac:spMk id="4" creationId="{8D6D9DF0-36ED-4863-B918-F6735D13A7C1}"/>
+          </ac:spMkLst>
+        </pc:spChg>
+        <pc:picChg chg="del">
+          <ac:chgData name="Harness, David" userId="00b5c01e-e802-4d63-9d3f-e30c84cf2197" providerId="ADAL" clId="{B3763CBF-C87D-47BE-9867-0061721A771B}" dt="2019-08-21T17:22:47.172" v="326" actId="478"/>
+          <ac:picMkLst>
+            <pc:docMk/>
+            <pc:sldMk cId="757803778" sldId="321"/>
+            <ac:picMk id="5" creationId="{08B18289-550D-4C64-9E5E-28B606D695EC}"/>
+          </ac:picMkLst>
+        </pc:picChg>
+        <pc:picChg chg="add mod">
+          <ac:chgData name="Harness, David" userId="00b5c01e-e802-4d63-9d3f-e30c84cf2197" providerId="ADAL" clId="{B3763CBF-C87D-47BE-9867-0061721A771B}" dt="2019-08-21T17:23:22.284" v="332" actId="1076"/>
+          <ac:picMkLst>
+            <pc:docMk/>
+            <pc:sldMk cId="757803778" sldId="321"/>
+            <ac:picMk id="3074" creationId="{2A348D6B-1D7D-4DAC-94B0-6E8F8D2F6547}"/>
+          </ac:picMkLst>
+        </pc:picChg>
+      </pc:sldChg>
+      <pc:sldChg chg="delSp add del">
+        <pc:chgData name="Harness, David" userId="00b5c01e-e802-4d63-9d3f-e30c84cf2197" providerId="ADAL" clId="{B3763CBF-C87D-47BE-9867-0061721A771B}" dt="2019-08-21T17:21:28.141" v="320" actId="2696"/>
+        <pc:sldMkLst>
+          <pc:docMk/>
+          <pc:sldMk cId="1034630134" sldId="321"/>
+        </pc:sldMkLst>
+        <pc:picChg chg="del">
+          <ac:chgData name="Harness, David" userId="00b5c01e-e802-4d63-9d3f-e30c84cf2197" providerId="ADAL" clId="{B3763CBF-C87D-47BE-9867-0061721A771B}" dt="2019-08-21T17:20:23.988" v="319" actId="478"/>
+          <ac:picMkLst>
+            <pc:docMk/>
+            <pc:sldMk cId="1034630134" sldId="321"/>
+            <ac:picMk id="2" creationId="{37CCDD58-A334-432D-9359-A70F50A4FA50}"/>
+          </ac:picMkLst>
+        </pc:picChg>
+      </pc:sldChg>
+      <pc:sldChg chg="delSp add del">
+        <pc:chgData name="Harness, David" userId="00b5c01e-e802-4d63-9d3f-e30c84cf2197" providerId="ADAL" clId="{B3763CBF-C87D-47BE-9867-0061721A771B}" dt="2019-08-21T17:22:37.759" v="323" actId="2696"/>
+        <pc:sldMkLst>
+          <pc:docMk/>
+          <pc:sldMk cId="3208875878" sldId="321"/>
+        </pc:sldMkLst>
+        <pc:picChg chg="del">
+          <ac:chgData name="Harness, David" userId="00b5c01e-e802-4d63-9d3f-e30c84cf2197" providerId="ADAL" clId="{B3763CBF-C87D-47BE-9867-0061721A771B}" dt="2019-08-21T17:22:33.885" v="322" actId="478"/>
+          <ac:picMkLst>
+            <pc:docMk/>
+            <pc:sldMk cId="3208875878" sldId="321"/>
+            <ac:picMk id="9218" creationId="{793D3A69-62E5-4F0C-B0C9-0A404384348A}"/>
+          </ac:picMkLst>
+        </pc:picChg>
+      </pc:sldChg>
+      <pc:sldChg chg="addSp delSp modSp add">
+        <pc:chgData name="Harness, David" userId="00b5c01e-e802-4d63-9d3f-e30c84cf2197" providerId="ADAL" clId="{B3763CBF-C87D-47BE-9867-0061721A771B}" dt="2019-08-21T17:28:33.280" v="344" actId="1076"/>
+        <pc:sldMkLst>
+          <pc:docMk/>
+          <pc:sldMk cId="1436572293" sldId="322"/>
+        </pc:sldMkLst>
+        <pc:spChg chg="mod">
+          <ac:chgData name="Harness, David" userId="00b5c01e-e802-4d63-9d3f-e30c84cf2197" providerId="ADAL" clId="{B3763CBF-C87D-47BE-9867-0061721A771B}" dt="2019-08-21T17:28:05.343" v="339" actId="207"/>
+          <ac:spMkLst>
+            <pc:docMk/>
+            <pc:sldMk cId="1436572293" sldId="322"/>
+            <ac:spMk id="4" creationId="{8D6D9DF0-36ED-4863-B918-F6735D13A7C1}"/>
+          </ac:spMkLst>
+        </pc:spChg>
+        <pc:picChg chg="add mod">
+          <ac:chgData name="Harness, David" userId="00b5c01e-e802-4d63-9d3f-e30c84cf2197" providerId="ADAL" clId="{B3763CBF-C87D-47BE-9867-0061721A771B}" dt="2019-08-21T17:28:33.280" v="344" actId="1076"/>
+          <ac:picMkLst>
+            <pc:docMk/>
+            <pc:sldMk cId="1436572293" sldId="322"/>
+            <ac:picMk id="2" creationId="{AD8C188D-1AFC-4D0C-AB48-B3EECDE28E59}"/>
+          </ac:picMkLst>
+        </pc:picChg>
+        <pc:picChg chg="del">
+          <ac:chgData name="Harness, David" userId="00b5c01e-e802-4d63-9d3f-e30c84cf2197" providerId="ADAL" clId="{B3763CBF-C87D-47BE-9867-0061721A771B}" dt="2019-08-21T17:27:32.211" v="334" actId="478"/>
+          <ac:picMkLst>
+            <pc:docMk/>
+            <pc:sldMk cId="1436572293" sldId="322"/>
+            <ac:picMk id="3074" creationId="{2A348D6B-1D7D-4DAC-94B0-6E8F8D2F6547}"/>
+          </ac:picMkLst>
+        </pc:picChg>
+      </pc:sldChg>
+      <pc:sldChg chg="addSp delSp modSp add">
+        <pc:chgData name="Harness, David" userId="00b5c01e-e802-4d63-9d3f-e30c84cf2197" providerId="ADAL" clId="{B3763CBF-C87D-47BE-9867-0061721A771B}" dt="2019-08-21T17:31:02.228" v="354" actId="1076"/>
+        <pc:sldMkLst>
+          <pc:docMk/>
+          <pc:sldMk cId="2145866101" sldId="323"/>
+        </pc:sldMkLst>
+        <pc:spChg chg="mod">
+          <ac:chgData name="Harness, David" userId="00b5c01e-e802-4d63-9d3f-e30c84cf2197" providerId="ADAL" clId="{B3763CBF-C87D-47BE-9867-0061721A771B}" dt="2019-08-21T17:30:53.498" v="352" actId="207"/>
+          <ac:spMkLst>
+            <pc:docMk/>
+            <pc:sldMk cId="2145866101" sldId="323"/>
+            <ac:spMk id="4" creationId="{8D6D9DF0-36ED-4863-B918-F6735D13A7C1}"/>
+          </ac:spMkLst>
+        </pc:spChg>
+        <pc:picChg chg="del">
+          <ac:chgData name="Harness, David" userId="00b5c01e-e802-4d63-9d3f-e30c84cf2197" providerId="ADAL" clId="{B3763CBF-C87D-47BE-9867-0061721A771B}" dt="2019-08-21T17:30:23.099" v="346" actId="478"/>
+          <ac:picMkLst>
+            <pc:docMk/>
+            <pc:sldMk cId="2145866101" sldId="323"/>
+            <ac:picMk id="2" creationId="{37CCDD58-A334-432D-9359-A70F50A4FA50}"/>
+          </ac:picMkLst>
+        </pc:picChg>
+        <pc:picChg chg="add mod">
+          <ac:chgData name="Harness, David" userId="00b5c01e-e802-4d63-9d3f-e30c84cf2197" providerId="ADAL" clId="{B3763CBF-C87D-47BE-9867-0061721A771B}" dt="2019-08-21T17:31:02.228" v="354" actId="1076"/>
+          <ac:picMkLst>
+            <pc:docMk/>
+            <pc:sldMk cId="2145866101" sldId="323"/>
+            <ac:picMk id="3" creationId="{4DBDE6FE-EFFD-48E1-94DA-7C0883B032AE}"/>
+          </ac:picMkLst>
+        </pc:picChg>
+      </pc:sldChg>
+      <pc:sldChg chg="addSp delSp modSp add del">
+        <pc:chgData name="Harness, David" userId="00b5c01e-e802-4d63-9d3f-e30c84cf2197" providerId="ADAL" clId="{B3763CBF-C87D-47BE-9867-0061721A771B}" dt="2019-08-21T17:33:34.549" v="363" actId="2696"/>
+        <pc:sldMkLst>
+          <pc:docMk/>
+          <pc:sldMk cId="2150086283" sldId="324"/>
+        </pc:sldMkLst>
+        <pc:picChg chg="del">
+          <ac:chgData name="Harness, David" userId="00b5c01e-e802-4d63-9d3f-e30c84cf2197" providerId="ADAL" clId="{B3763CBF-C87D-47BE-9867-0061721A771B}" dt="2019-08-21T17:31:06.212" v="356" actId="478"/>
+          <ac:picMkLst>
+            <pc:docMk/>
+            <pc:sldMk cId="2150086283" sldId="324"/>
+            <ac:picMk id="3" creationId="{4DBDE6FE-EFFD-48E1-94DA-7C0883B032AE}"/>
+          </ac:picMkLst>
+        </pc:picChg>
+        <pc:picChg chg="add del mod">
+          <ac:chgData name="Harness, David" userId="00b5c01e-e802-4d63-9d3f-e30c84cf2197" providerId="ADAL" clId="{B3763CBF-C87D-47BE-9867-0061721A771B}" dt="2019-08-21T17:33:32.816" v="362"/>
+          <ac:picMkLst>
+            <pc:docMk/>
+            <pc:sldMk cId="2150086283" sldId="324"/>
+            <ac:picMk id="8194" creationId="{A0B3F167-B2E4-4236-8B16-F5D570BC8D37}"/>
+          </ac:picMkLst>
+        </pc:picChg>
+      </pc:sldChg>
+      <pc:sldChg chg="addSp delSp modSp add">
+        <pc:chgData name="Harness, David" userId="00b5c01e-e802-4d63-9d3f-e30c84cf2197" providerId="ADAL" clId="{B3763CBF-C87D-47BE-9867-0061721A771B}" dt="2019-08-21T17:35:05.583" v="394"/>
+        <pc:sldMkLst>
+          <pc:docMk/>
+          <pc:sldMk cId="3524922448" sldId="324"/>
+        </pc:sldMkLst>
+        <pc:spChg chg="add mod">
+          <ac:chgData name="Harness, David" userId="00b5c01e-e802-4d63-9d3f-e30c84cf2197" providerId="ADAL" clId="{B3763CBF-C87D-47BE-9867-0061721A771B}" dt="2019-08-21T17:34:37.710" v="390" actId="1038"/>
+          <ac:spMkLst>
+            <pc:docMk/>
+            <pc:sldMk cId="3524922448" sldId="324"/>
+            <ac:spMk id="3" creationId="{7D820C85-87D9-4B0D-ACC4-A54E416C3187}"/>
+          </ac:spMkLst>
+        </pc:spChg>
+        <pc:spChg chg="mod">
+          <ac:chgData name="Harness, David" userId="00b5c01e-e802-4d63-9d3f-e30c84cf2197" providerId="ADAL" clId="{B3763CBF-C87D-47BE-9867-0061721A771B}" dt="2019-08-21T17:34:45.860" v="391" actId="207"/>
+          <ac:spMkLst>
+            <pc:docMk/>
+            <pc:sldMk cId="3524922448" sldId="324"/>
+            <ac:spMk id="4" creationId="{8D6D9DF0-36ED-4863-B918-F6735D13A7C1}"/>
+          </ac:spMkLst>
+        </pc:spChg>
+        <pc:picChg chg="del">
+          <ac:chgData name="Harness, David" userId="00b5c01e-e802-4d63-9d3f-e30c84cf2197" providerId="ADAL" clId="{B3763CBF-C87D-47BE-9867-0061721A771B}" dt="2019-08-21T17:33:42.654" v="365" actId="478"/>
+          <ac:picMkLst>
+            <pc:docMk/>
+            <pc:sldMk cId="3524922448" sldId="324"/>
+            <ac:picMk id="2" creationId="{AD8C188D-1AFC-4D0C-AB48-B3EECDE28E59}"/>
+          </ac:picMkLst>
+        </pc:picChg>
+        <pc:picChg chg="add mod">
+          <ac:chgData name="Harness, David" userId="00b5c01e-e802-4d63-9d3f-e30c84cf2197" providerId="ADAL" clId="{B3763CBF-C87D-47BE-9867-0061721A771B}" dt="2019-08-21T17:35:05.583" v="394"/>
+          <ac:picMkLst>
+            <pc:docMk/>
+            <pc:sldMk cId="3524922448" sldId="324"/>
+            <ac:picMk id="11266" creationId="{8B2678B8-313B-4A9E-9BFA-8BC012CF7FA6}"/>
+          </ac:picMkLst>
+        </pc:picChg>
+      </pc:sldChg>
+      <pc:sldChg chg="addSp delSp modSp add">
+        <pc:chgData name="Harness, David" userId="00b5c01e-e802-4d63-9d3f-e30c84cf2197" providerId="ADAL" clId="{B3763CBF-C87D-47BE-9867-0061721A771B}" dt="2019-08-21T17:38:35.697" v="400" actId="207"/>
+        <pc:sldMkLst>
+          <pc:docMk/>
+          <pc:sldMk cId="2538482276" sldId="325"/>
+        </pc:sldMkLst>
+        <pc:spChg chg="del">
+          <ac:chgData name="Harness, David" userId="00b5c01e-e802-4d63-9d3f-e30c84cf2197" providerId="ADAL" clId="{B3763CBF-C87D-47BE-9867-0061721A771B}" dt="2019-08-21T17:38:18.783" v="396" actId="478"/>
+          <ac:spMkLst>
+            <pc:docMk/>
+            <pc:sldMk cId="2538482276" sldId="325"/>
+            <ac:spMk id="3" creationId="{7D820C85-87D9-4B0D-ACC4-A54E416C3187}"/>
+          </ac:spMkLst>
+        </pc:spChg>
+        <pc:spChg chg="mod">
+          <ac:chgData name="Harness, David" userId="00b5c01e-e802-4d63-9d3f-e30c84cf2197" providerId="ADAL" clId="{B3763CBF-C87D-47BE-9867-0061721A771B}" dt="2019-08-21T17:38:35.697" v="400" actId="207"/>
+          <ac:spMkLst>
+            <pc:docMk/>
+            <pc:sldMk cId="2538482276" sldId="325"/>
+            <ac:spMk id="4" creationId="{8D6D9DF0-36ED-4863-B918-F6735D13A7C1}"/>
+          </ac:spMkLst>
+        </pc:spChg>
+        <pc:picChg chg="add mod">
+          <ac:chgData name="Harness, David" userId="00b5c01e-e802-4d63-9d3f-e30c84cf2197" providerId="ADAL" clId="{B3763CBF-C87D-47BE-9867-0061721A771B}" dt="2019-08-21T17:38:23.982" v="399" actId="1076"/>
+          <ac:picMkLst>
+            <pc:docMk/>
+            <pc:sldMk cId="2538482276" sldId="325"/>
+            <ac:picMk id="2" creationId="{12822B95-DB38-4B8C-9C09-6CEA61C6CD98}"/>
+          </ac:picMkLst>
+        </pc:picChg>
+        <pc:picChg chg="del">
+          <ac:chgData name="Harness, David" userId="00b5c01e-e802-4d63-9d3f-e30c84cf2197" providerId="ADAL" clId="{B3763CBF-C87D-47BE-9867-0061721A771B}" dt="2019-08-21T17:38:18.783" v="396" actId="478"/>
+          <ac:picMkLst>
+            <pc:docMk/>
+            <pc:sldMk cId="2538482276" sldId="325"/>
+            <ac:picMk id="11266" creationId="{8B2678B8-313B-4A9E-9BFA-8BC012CF7FA6}"/>
+          </ac:picMkLst>
+        </pc:picChg>
+      </pc:sldChg>
+      <pc:sldChg chg="addSp delSp modSp add">
+        <pc:chgData name="Harness, David" userId="00b5c01e-e802-4d63-9d3f-e30c84cf2197" providerId="ADAL" clId="{B3763CBF-C87D-47BE-9867-0061721A771B}" dt="2019-08-21T17:41:01.935" v="412" actId="478"/>
+        <pc:sldMkLst>
+          <pc:docMk/>
+          <pc:sldMk cId="3749693399" sldId="326"/>
+        </pc:sldMkLst>
+        <pc:spChg chg="del">
+          <ac:chgData name="Harness, David" userId="00b5c01e-e802-4d63-9d3f-e30c84cf2197" providerId="ADAL" clId="{B3763CBF-C87D-47BE-9867-0061721A771B}" dt="2019-08-21T17:40:16.925" v="402" actId="478"/>
+          <ac:spMkLst>
+            <pc:docMk/>
+            <pc:sldMk cId="3749693399" sldId="326"/>
+            <ac:spMk id="3" creationId="{6C67FD1F-5A7F-4624-A9CE-E8408D3A4F1A}"/>
+          </ac:spMkLst>
+        </pc:spChg>
+        <pc:spChg chg="mod">
+          <ac:chgData name="Harness, David" userId="00b5c01e-e802-4d63-9d3f-e30c84cf2197" providerId="ADAL" clId="{B3763CBF-C87D-47BE-9867-0061721A771B}" dt="2019-08-21T17:41:00.501" v="411" actId="207"/>
+          <ac:spMkLst>
+            <pc:docMk/>
+            <pc:sldMk cId="3749693399" sldId="326"/>
+            <ac:spMk id="4" creationId="{8D6D9DF0-36ED-4863-B918-F6735D13A7C1}"/>
+          </ac:spMkLst>
+        </pc:spChg>
+        <pc:picChg chg="add mod">
+          <ac:chgData name="Harness, David" userId="00b5c01e-e802-4d63-9d3f-e30c84cf2197" providerId="ADAL" clId="{B3763CBF-C87D-47BE-9867-0061721A771B}" dt="2019-08-21T17:40:27.600" v="407" actId="1076"/>
+          <ac:picMkLst>
+            <pc:docMk/>
+            <pc:sldMk cId="3749693399" sldId="326"/>
+            <ac:picMk id="2" creationId="{8E42123F-DABD-420C-AB4B-9A3F5634CC3C}"/>
+          </ac:picMkLst>
+        </pc:picChg>
+        <pc:picChg chg="add del mod">
+          <ac:chgData name="Harness, David" userId="00b5c01e-e802-4d63-9d3f-e30c84cf2197" providerId="ADAL" clId="{B3763CBF-C87D-47BE-9867-0061721A771B}" dt="2019-08-21T17:41:01.935" v="412" actId="478"/>
+          <ac:picMkLst>
+            <pc:docMk/>
+            <pc:sldMk cId="3749693399" sldId="326"/>
+            <ac:picMk id="5" creationId="{484CB3C2-0419-4939-9E4E-F7414F830794}"/>
+          </ac:picMkLst>
+        </pc:picChg>
+      </pc:sldChg>
+      <pc:sldChg chg="addSp delSp modSp add">
+        <pc:chgData name="Harness, David" userId="00b5c01e-e802-4d63-9d3f-e30c84cf2197" providerId="ADAL" clId="{B3763CBF-C87D-47BE-9867-0061721A771B}" dt="2019-08-21T17:49:32.862" v="443" actId="2711"/>
+        <pc:sldMkLst>
+          <pc:docMk/>
+          <pc:sldMk cId="155753123" sldId="327"/>
+        </pc:sldMkLst>
+        <pc:spChg chg="add mod">
+          <ac:chgData name="Harness, David" userId="00b5c01e-e802-4d63-9d3f-e30c84cf2197" providerId="ADAL" clId="{B3763CBF-C87D-47BE-9867-0061721A771B}" dt="2019-08-21T17:49:32.862" v="443" actId="2711"/>
+          <ac:spMkLst>
+            <pc:docMk/>
+            <pc:sldMk cId="155753123" sldId="327"/>
+            <ac:spMk id="3" creationId="{AE6319F0-40D5-4A83-AB31-4C067AE7621D}"/>
+          </ac:spMkLst>
+        </pc:spChg>
+        <pc:spChg chg="mod">
+          <ac:chgData name="Harness, David" userId="00b5c01e-e802-4d63-9d3f-e30c84cf2197" providerId="ADAL" clId="{B3763CBF-C87D-47BE-9867-0061721A771B}" dt="2019-08-21T17:47:52.856" v="416" actId="207"/>
+          <ac:spMkLst>
+            <pc:docMk/>
+            <pc:sldMk cId="155753123" sldId="327"/>
+            <ac:spMk id="4" creationId="{8D6D9DF0-36ED-4863-B918-F6735D13A7C1}"/>
+          </ac:spMkLst>
+        </pc:spChg>
+        <pc:picChg chg="del">
+          <ac:chgData name="Harness, David" userId="00b5c01e-e802-4d63-9d3f-e30c84cf2197" providerId="ADAL" clId="{B3763CBF-C87D-47BE-9867-0061721A771B}" dt="2019-08-21T17:43:58.814" v="414" actId="478"/>
+          <ac:picMkLst>
+            <pc:docMk/>
+            <pc:sldMk cId="155753123" sldId="327"/>
+            <ac:picMk id="2" creationId="{8E42123F-DABD-420C-AB4B-9A3F5634CC3C}"/>
+          </ac:picMkLst>
+        </pc:picChg>
+      </pc:sldChg>
+      <pc:sldChg chg="addSp delSp modSp add ord">
+        <pc:chgData name="Harness, David" userId="00b5c01e-e802-4d63-9d3f-e30c84cf2197" providerId="ADAL" clId="{B3763CBF-C87D-47BE-9867-0061721A771B}" dt="2019-08-21T18:02:44.747" v="457"/>
+        <pc:sldMkLst>
+          <pc:docMk/>
+          <pc:sldMk cId="1381503001" sldId="328"/>
+        </pc:sldMkLst>
+        <pc:spChg chg="del">
+          <ac:chgData name="Harness, David" userId="00b5c01e-e802-4d63-9d3f-e30c84cf2197" providerId="ADAL" clId="{B3763CBF-C87D-47BE-9867-0061721A771B}" dt="2019-08-21T17:53:16.161" v="445" actId="478"/>
+          <ac:spMkLst>
+            <pc:docMk/>
+            <pc:sldMk cId="1381503001" sldId="328"/>
+            <ac:spMk id="3" creationId="{AE6319F0-40D5-4A83-AB31-4C067AE7621D}"/>
+          </ac:spMkLst>
+        </pc:spChg>
+        <pc:spChg chg="mod">
+          <ac:chgData name="Harness, David" userId="00b5c01e-e802-4d63-9d3f-e30c84cf2197" providerId="ADAL" clId="{B3763CBF-C87D-47BE-9867-0061721A771B}" dt="2019-08-21T17:59:21.016" v="450" actId="207"/>
+          <ac:spMkLst>
+            <pc:docMk/>
+            <pc:sldMk cId="1381503001" sldId="328"/>
+            <ac:spMk id="4" creationId="{8D6D9DF0-36ED-4863-B918-F6735D13A7C1}"/>
+          </ac:spMkLst>
+        </pc:spChg>
+        <pc:picChg chg="add mod modCrop">
+          <ac:chgData name="Harness, David" userId="00b5c01e-e802-4d63-9d3f-e30c84cf2197" providerId="ADAL" clId="{B3763CBF-C87D-47BE-9867-0061721A771B}" dt="2019-08-21T18:02:37.074" v="456" actId="1076"/>
+          <ac:picMkLst>
+            <pc:docMk/>
+            <pc:sldMk cId="1381503001" sldId="328"/>
+            <ac:picMk id="2" creationId="{9A93D080-82D7-4CE1-83E4-31BBD57EA643}"/>
+          </ac:picMkLst>
+        </pc:picChg>
+      </pc:sldChg>
+      <pc:sldChg chg="addSp delSp modSp add">
+        <pc:chgData name="Harness, David" userId="00b5c01e-e802-4d63-9d3f-e30c84cf2197" providerId="ADAL" clId="{B3763CBF-C87D-47BE-9867-0061721A771B}" dt="2019-08-21T18:05:04.348" v="472" actId="207"/>
+        <pc:sldMkLst>
+          <pc:docMk/>
+          <pc:sldMk cId="1195754212" sldId="329"/>
+        </pc:sldMkLst>
+        <pc:spChg chg="del">
+          <ac:chgData name="Harness, David" userId="00b5c01e-e802-4d63-9d3f-e30c84cf2197" providerId="ADAL" clId="{B3763CBF-C87D-47BE-9867-0061721A771B}" dt="2019-08-21T18:04:09.420" v="459" actId="478"/>
+          <ac:spMkLst>
+            <pc:docMk/>
+            <pc:sldMk cId="1195754212" sldId="329"/>
+            <ac:spMk id="3" creationId="{AE6319F0-40D5-4A83-AB31-4C067AE7621D}"/>
+          </ac:spMkLst>
+        </pc:spChg>
+        <pc:spChg chg="mod">
+          <ac:chgData name="Harness, David" userId="00b5c01e-e802-4d63-9d3f-e30c84cf2197" providerId="ADAL" clId="{B3763CBF-C87D-47BE-9867-0061721A771B}" dt="2019-08-21T18:05:04.348" v="472" actId="207"/>
+          <ac:spMkLst>
+            <pc:docMk/>
+            <pc:sldMk cId="1195754212" sldId="329"/>
+            <ac:spMk id="4" creationId="{8D6D9DF0-36ED-4863-B918-F6735D13A7C1}"/>
+          </ac:spMkLst>
+        </pc:spChg>
+        <pc:picChg chg="add mod">
+          <ac:chgData name="Harness, David" userId="00b5c01e-e802-4d63-9d3f-e30c84cf2197" providerId="ADAL" clId="{B3763CBF-C87D-47BE-9867-0061721A771B}" dt="2019-08-21T18:04:30.738" v="470" actId="1076"/>
+          <ac:picMkLst>
+            <pc:docMk/>
+            <pc:sldMk cId="1195754212" sldId="329"/>
+            <ac:picMk id="2" creationId="{8AB7BD4D-E29A-4D45-A470-966EA3D51D10}"/>
+          </ac:picMkLst>
+        </pc:picChg>
+      </pc:sldChg>
+      <pc:sldChg chg="addSp delSp modSp add">
+        <pc:chgData name="Harness, David" userId="00b5c01e-e802-4d63-9d3f-e30c84cf2197" providerId="ADAL" clId="{B3763CBF-C87D-47BE-9867-0061721A771B}" dt="2019-08-21T18:07:28.140" v="489" actId="478"/>
+        <pc:sldMkLst>
+          <pc:docMk/>
+          <pc:sldMk cId="1857719563" sldId="330"/>
+        </pc:sldMkLst>
+        <pc:spChg chg="mod">
+          <ac:chgData name="Harness, David" userId="00b5c01e-e802-4d63-9d3f-e30c84cf2197" providerId="ADAL" clId="{B3763CBF-C87D-47BE-9867-0061721A771B}" dt="2019-08-21T18:07:26.103" v="488" actId="207"/>
+          <ac:spMkLst>
+            <pc:docMk/>
+            <pc:sldMk cId="1857719563" sldId="330"/>
+            <ac:spMk id="4" creationId="{8D6D9DF0-36ED-4863-B918-F6735D13A7C1}"/>
+          </ac:spMkLst>
+        </pc:spChg>
+        <pc:picChg chg="del">
+          <ac:chgData name="Harness, David" userId="00b5c01e-e802-4d63-9d3f-e30c84cf2197" providerId="ADAL" clId="{B3763CBF-C87D-47BE-9867-0061721A771B}" dt="2019-08-21T18:06:38.106" v="474" actId="478"/>
+          <ac:picMkLst>
+            <pc:docMk/>
+            <pc:sldMk cId="1857719563" sldId="330"/>
+            <ac:picMk id="2" creationId="{8AB7BD4D-E29A-4D45-A470-966EA3D51D10}"/>
+          </ac:picMkLst>
+        </pc:picChg>
+        <pc:picChg chg="add mod">
+          <ac:chgData name="Harness, David" userId="00b5c01e-e802-4d63-9d3f-e30c84cf2197" providerId="ADAL" clId="{B3763CBF-C87D-47BE-9867-0061721A771B}" dt="2019-08-21T18:06:49.539" v="479" actId="1076"/>
+          <ac:picMkLst>
+            <pc:docMk/>
+            <pc:sldMk cId="1857719563" sldId="330"/>
+            <ac:picMk id="3" creationId="{57382699-2C47-4081-9D6F-8DE0F7AEC6A3}"/>
+          </ac:picMkLst>
+        </pc:picChg>
+        <pc:picChg chg="add del mod">
+          <ac:chgData name="Harness, David" userId="00b5c01e-e802-4d63-9d3f-e30c84cf2197" providerId="ADAL" clId="{B3763CBF-C87D-47BE-9867-0061721A771B}" dt="2019-08-21T18:07:28.140" v="489" actId="478"/>
+          <ac:picMkLst>
+            <pc:docMk/>
+            <pc:sldMk cId="1857719563" sldId="330"/>
+            <ac:picMk id="5" creationId="{2B5DB87C-5848-40E7-A0D9-9ACD38991859}"/>
+          </ac:picMkLst>
+        </pc:picChg>
+      </pc:sldChg>
+    </pc:docChg>
+  </pc:docChgLst>
   <pc:docChgLst>
     <pc:chgData name="Harness, David" userId="00b5c01e-e802-4d63-9d3f-e30c84cf2197" providerId="ADAL" clId="{9147E138-B16C-4E8E-9F1C-20CD1B8B15DC}"/>
     <pc:docChg chg="custSel addSld modSld">
@@ -340,155 +1033,6 @@
             <ac:picMk id="21506" creationId="{5EB05C5C-E7CE-4371-B09E-37C4279C7212}"/>
           </ac:picMkLst>
         </pc:picChg>
-      </pc:sldChg>
-    </pc:docChg>
-  </pc:docChgLst>
-  <pc:docChgLst>
-    <pc:chgData name="Harness, David" userId="00b5c01e-e802-4d63-9d3f-e30c84cf2197" providerId="ADAL" clId="{5755450D-933B-4C15-9181-667F35FE7AD9}"/>
-    <pc:docChg chg="modSld sldOrd">
-      <pc:chgData name="Harness, David" userId="00b5c01e-e802-4d63-9d3f-e30c84cf2197" providerId="ADAL" clId="{5755450D-933B-4C15-9181-667F35FE7AD9}" dt="2019-08-02T04:08:00.310" v="20"/>
-      <pc:docMkLst>
-        <pc:docMk/>
-      </pc:docMkLst>
-      <pc:sldChg chg="ord">
-        <pc:chgData name="Harness, David" userId="00b5c01e-e802-4d63-9d3f-e30c84cf2197" providerId="ADAL" clId="{5755450D-933B-4C15-9181-667F35FE7AD9}" dt="2019-08-02T04:06:43.573" v="7"/>
-        <pc:sldMkLst>
-          <pc:docMk/>
-          <pc:sldMk cId="3545101030" sldId="267"/>
-        </pc:sldMkLst>
-      </pc:sldChg>
-      <pc:sldChg chg="ord">
-        <pc:chgData name="Harness, David" userId="00b5c01e-e802-4d63-9d3f-e30c84cf2197" providerId="ADAL" clId="{5755450D-933B-4C15-9181-667F35FE7AD9}" dt="2019-08-02T04:07:22.393" v="15"/>
-        <pc:sldMkLst>
-          <pc:docMk/>
-          <pc:sldMk cId="588066880" sldId="268"/>
-        </pc:sldMkLst>
-      </pc:sldChg>
-      <pc:sldChg chg="ord">
-        <pc:chgData name="Harness, David" userId="00b5c01e-e802-4d63-9d3f-e30c84cf2197" providerId="ADAL" clId="{5755450D-933B-4C15-9181-667F35FE7AD9}" dt="2019-08-02T04:07:18.829" v="14"/>
-        <pc:sldMkLst>
-          <pc:docMk/>
-          <pc:sldMk cId="3680451413" sldId="269"/>
-        </pc:sldMkLst>
-      </pc:sldChg>
-      <pc:sldChg chg="ord">
-        <pc:chgData name="Harness, David" userId="00b5c01e-e802-4d63-9d3f-e30c84cf2197" providerId="ADAL" clId="{5755450D-933B-4C15-9181-667F35FE7AD9}" dt="2019-08-02T04:06:10.570" v="0"/>
-        <pc:sldMkLst>
-          <pc:docMk/>
-          <pc:sldMk cId="3484075241" sldId="272"/>
-        </pc:sldMkLst>
-      </pc:sldChg>
-      <pc:sldChg chg="ord">
-        <pc:chgData name="Harness, David" userId="00b5c01e-e802-4d63-9d3f-e30c84cf2197" providerId="ADAL" clId="{5755450D-933B-4C15-9181-667F35FE7AD9}" dt="2019-08-02T04:06:12.276" v="1"/>
-        <pc:sldMkLst>
-          <pc:docMk/>
-          <pc:sldMk cId="2285725612" sldId="273"/>
-        </pc:sldMkLst>
-      </pc:sldChg>
-      <pc:sldChg chg="ord">
-        <pc:chgData name="Harness, David" userId="00b5c01e-e802-4d63-9d3f-e30c84cf2197" providerId="ADAL" clId="{5755450D-933B-4C15-9181-667F35FE7AD9}" dt="2019-08-02T04:06:14.169" v="2"/>
-        <pc:sldMkLst>
-          <pc:docMk/>
-          <pc:sldMk cId="4156622531" sldId="275"/>
-        </pc:sldMkLst>
-      </pc:sldChg>
-      <pc:sldChg chg="ord">
-        <pc:chgData name="Harness, David" userId="00b5c01e-e802-4d63-9d3f-e30c84cf2197" providerId="ADAL" clId="{5755450D-933B-4C15-9181-667F35FE7AD9}" dt="2019-08-02T04:06:21.938" v="4"/>
-        <pc:sldMkLst>
-          <pc:docMk/>
-          <pc:sldMk cId="913660653" sldId="276"/>
-        </pc:sldMkLst>
-      </pc:sldChg>
-      <pc:sldChg chg="ord">
-        <pc:chgData name="Harness, David" userId="00b5c01e-e802-4d63-9d3f-e30c84cf2197" providerId="ADAL" clId="{5755450D-933B-4C15-9181-667F35FE7AD9}" dt="2019-08-02T04:06:36.172" v="5"/>
-        <pc:sldMkLst>
-          <pc:docMk/>
-          <pc:sldMk cId="701272778" sldId="277"/>
-        </pc:sldMkLst>
-      </pc:sldChg>
-      <pc:sldChg chg="ord">
-        <pc:chgData name="Harness, David" userId="00b5c01e-e802-4d63-9d3f-e30c84cf2197" providerId="ADAL" clId="{5755450D-933B-4C15-9181-667F35FE7AD9}" dt="2019-08-02T04:06:39.307" v="6"/>
-        <pc:sldMkLst>
-          <pc:docMk/>
-          <pc:sldMk cId="1736296804" sldId="278"/>
-        </pc:sldMkLst>
-      </pc:sldChg>
-      <pc:sldChg chg="ord">
-        <pc:chgData name="Harness, David" userId="00b5c01e-e802-4d63-9d3f-e30c84cf2197" providerId="ADAL" clId="{5755450D-933B-4C15-9181-667F35FE7AD9}" dt="2019-08-02T04:06:18.873" v="3"/>
-        <pc:sldMkLst>
-          <pc:docMk/>
-          <pc:sldMk cId="4171184485" sldId="279"/>
-        </pc:sldMkLst>
-      </pc:sldChg>
-      <pc:sldChg chg="ord">
-        <pc:chgData name="Harness, David" userId="00b5c01e-e802-4d63-9d3f-e30c84cf2197" providerId="ADAL" clId="{5755450D-933B-4C15-9181-667F35FE7AD9}" dt="2019-08-02T04:07:53.285" v="17"/>
-        <pc:sldMkLst>
-          <pc:docMk/>
-          <pc:sldMk cId="3048235945" sldId="280"/>
-        </pc:sldMkLst>
-      </pc:sldChg>
-      <pc:sldChg chg="ord">
-        <pc:chgData name="Harness, David" userId="00b5c01e-e802-4d63-9d3f-e30c84cf2197" providerId="ADAL" clId="{5755450D-933B-4C15-9181-667F35FE7AD9}" dt="2019-08-02T04:07:57.345" v="19"/>
-        <pc:sldMkLst>
-          <pc:docMk/>
-          <pc:sldMk cId="2644471930" sldId="286"/>
-        </pc:sldMkLst>
-      </pc:sldChg>
-      <pc:sldChg chg="ord">
-        <pc:chgData name="Harness, David" userId="00b5c01e-e802-4d63-9d3f-e30c84cf2197" providerId="ADAL" clId="{5755450D-933B-4C15-9181-667F35FE7AD9}" dt="2019-08-02T04:07:55.592" v="18"/>
-        <pc:sldMkLst>
-          <pc:docMk/>
-          <pc:sldMk cId="3541015006" sldId="291"/>
-        </pc:sldMkLst>
-      </pc:sldChg>
-      <pc:sldChg chg="ord">
-        <pc:chgData name="Harness, David" userId="00b5c01e-e802-4d63-9d3f-e30c84cf2197" providerId="ADAL" clId="{5755450D-933B-4C15-9181-667F35FE7AD9}" dt="2019-08-02T04:08:00.310" v="20"/>
-        <pc:sldMkLst>
-          <pc:docMk/>
-          <pc:sldMk cId="1605652628" sldId="292"/>
-        </pc:sldMkLst>
-      </pc:sldChg>
-      <pc:sldChg chg="ord">
-        <pc:chgData name="Harness, David" userId="00b5c01e-e802-4d63-9d3f-e30c84cf2197" providerId="ADAL" clId="{5755450D-933B-4C15-9181-667F35FE7AD9}" dt="2019-08-02T04:07:04.738" v="13"/>
-        <pc:sldMkLst>
-          <pc:docMk/>
-          <pc:sldMk cId="2343881463" sldId="295"/>
-        </pc:sldMkLst>
-      </pc:sldChg>
-      <pc:sldChg chg="ord">
-        <pc:chgData name="Harness, David" userId="00b5c01e-e802-4d63-9d3f-e30c84cf2197" providerId="ADAL" clId="{5755450D-933B-4C15-9181-667F35FE7AD9}" dt="2019-08-02T04:06:50.100" v="8"/>
-        <pc:sldMkLst>
-          <pc:docMk/>
-          <pc:sldMk cId="2044909443" sldId="296"/>
-        </pc:sldMkLst>
-      </pc:sldChg>
-      <pc:sldChg chg="ord">
-        <pc:chgData name="Harness, David" userId="00b5c01e-e802-4d63-9d3f-e30c84cf2197" providerId="ADAL" clId="{5755450D-933B-4C15-9181-667F35FE7AD9}" dt="2019-08-02T04:06:55.979" v="10"/>
-        <pc:sldMkLst>
-          <pc:docMk/>
-          <pc:sldMk cId="2001192933" sldId="297"/>
-        </pc:sldMkLst>
-      </pc:sldChg>
-      <pc:sldChg chg="ord">
-        <pc:chgData name="Harness, David" userId="00b5c01e-e802-4d63-9d3f-e30c84cf2197" providerId="ADAL" clId="{5755450D-933B-4C15-9181-667F35FE7AD9}" dt="2019-08-02T04:06:59.575" v="11"/>
-        <pc:sldMkLst>
-          <pc:docMk/>
-          <pc:sldMk cId="743538766" sldId="298"/>
-        </pc:sldMkLst>
-      </pc:sldChg>
-      <pc:sldChg chg="ord">
-        <pc:chgData name="Harness, David" userId="00b5c01e-e802-4d63-9d3f-e30c84cf2197" providerId="ADAL" clId="{5755450D-933B-4C15-9181-667F35FE7AD9}" dt="2019-08-02T04:07:03.053" v="12"/>
-        <pc:sldMkLst>
-          <pc:docMk/>
-          <pc:sldMk cId="3562251831" sldId="299"/>
-        </pc:sldMkLst>
-      </pc:sldChg>
-      <pc:sldChg chg="ord">
-        <pc:chgData name="Harness, David" userId="00b5c01e-e802-4d63-9d3f-e30c84cf2197" providerId="ADAL" clId="{5755450D-933B-4C15-9181-667F35FE7AD9}" dt="2019-08-02T04:07:44.237" v="16"/>
-        <pc:sldMkLst>
-          <pc:docMk/>
-          <pc:sldMk cId="1591048078" sldId="302"/>
-        </pc:sldMkLst>
       </pc:sldChg>
     </pc:docChg>
   </pc:docChgLst>
@@ -2411,7 +2955,7 @@
           <a:p>
             <a:fld id="{2138AE3F-AD4C-42B5-8262-81A441F57E31}" type="datetimeFigureOut">
               <a:rPr lang="en-US" smtClean="0"/>
-              <a:t>08-02-2019</a:t>
+              <a:t>08-21-2019</a:t>
             </a:fld>
             <a:endParaRPr lang="en-US"/>
           </a:p>
@@ -2581,7 +3125,7 @@
           <a:p>
             <a:fld id="{2138AE3F-AD4C-42B5-8262-81A441F57E31}" type="datetimeFigureOut">
               <a:rPr lang="en-US" smtClean="0"/>
-              <a:t>08-02-2019</a:t>
+              <a:t>08-21-2019</a:t>
             </a:fld>
             <a:endParaRPr lang="en-US"/>
           </a:p>
@@ -2761,7 +3305,7 @@
           <a:p>
             <a:fld id="{2138AE3F-AD4C-42B5-8262-81A441F57E31}" type="datetimeFigureOut">
               <a:rPr lang="en-US" smtClean="0"/>
-              <a:t>08-02-2019</a:t>
+              <a:t>08-21-2019</a:t>
             </a:fld>
             <a:endParaRPr lang="en-US"/>
           </a:p>
@@ -2931,7 +3475,7 @@
           <a:p>
             <a:fld id="{2138AE3F-AD4C-42B5-8262-81A441F57E31}" type="datetimeFigureOut">
               <a:rPr lang="en-US" smtClean="0"/>
-              <a:t>08-02-2019</a:t>
+              <a:t>08-21-2019</a:t>
             </a:fld>
             <a:endParaRPr lang="en-US"/>
           </a:p>
@@ -3177,7 +3721,7 @@
           <a:p>
             <a:fld id="{2138AE3F-AD4C-42B5-8262-81A441F57E31}" type="datetimeFigureOut">
               <a:rPr lang="en-US" smtClean="0"/>
-              <a:t>08-02-2019</a:t>
+              <a:t>08-21-2019</a:t>
             </a:fld>
             <a:endParaRPr lang="en-US"/>
           </a:p>
@@ -3409,7 +3953,7 @@
           <a:p>
             <a:fld id="{2138AE3F-AD4C-42B5-8262-81A441F57E31}" type="datetimeFigureOut">
               <a:rPr lang="en-US" smtClean="0"/>
-              <a:t>08-02-2019</a:t>
+              <a:t>08-21-2019</a:t>
             </a:fld>
             <a:endParaRPr lang="en-US"/>
           </a:p>
@@ -3776,7 +4320,7 @@
           <a:p>
             <a:fld id="{2138AE3F-AD4C-42B5-8262-81A441F57E31}" type="datetimeFigureOut">
               <a:rPr lang="en-US" smtClean="0"/>
-              <a:t>08-02-2019</a:t>
+              <a:t>08-21-2019</a:t>
             </a:fld>
             <a:endParaRPr lang="en-US"/>
           </a:p>
@@ -3894,7 +4438,7 @@
           <a:p>
             <a:fld id="{2138AE3F-AD4C-42B5-8262-81A441F57E31}" type="datetimeFigureOut">
               <a:rPr lang="en-US" smtClean="0"/>
-              <a:t>08-02-2019</a:t>
+              <a:t>08-21-2019</a:t>
             </a:fld>
             <a:endParaRPr lang="en-US"/>
           </a:p>
@@ -3989,7 +4533,7 @@
           <a:p>
             <a:fld id="{2138AE3F-AD4C-42B5-8262-81A441F57E31}" type="datetimeFigureOut">
               <a:rPr lang="en-US" smtClean="0"/>
-              <a:t>08-02-2019</a:t>
+              <a:t>08-21-2019</a:t>
             </a:fld>
             <a:endParaRPr lang="en-US"/>
           </a:p>
@@ -4266,7 +4810,7 @@
           <a:p>
             <a:fld id="{2138AE3F-AD4C-42B5-8262-81A441F57E31}" type="datetimeFigureOut">
               <a:rPr lang="en-US" smtClean="0"/>
-              <a:t>08-02-2019</a:t>
+              <a:t>08-21-2019</a:t>
             </a:fld>
             <a:endParaRPr lang="en-US"/>
           </a:p>
@@ -4523,7 +5067,7 @@
           <a:p>
             <a:fld id="{2138AE3F-AD4C-42B5-8262-81A441F57E31}" type="datetimeFigureOut">
               <a:rPr lang="en-US" smtClean="0"/>
-              <a:t>08-02-2019</a:t>
+              <a:t>08-21-2019</a:t>
             </a:fld>
             <a:endParaRPr lang="en-US"/>
           </a:p>
@@ -4736,7 +5280,7 @@
           <a:p>
             <a:fld id="{2138AE3F-AD4C-42B5-8262-81A441F57E31}" type="datetimeFigureOut">
               <a:rPr lang="en-US" smtClean="0"/>
-              <a:t>08-02-2019</a:t>
+              <a:t>08-21-2019</a:t>
             </a:fld>
             <a:endParaRPr lang="en-US"/>
           </a:p>
@@ -6539,11 +7083,11 @@
           </a:prstGeom>
           <a:gradFill flip="none" rotWithShape="1">
             <a:gsLst>
-              <a:gs pos="12000">
-                <a:schemeClr val="tx1"/>
+              <a:gs pos="26000">
+                <a:srgbClr val="446A06"/>
               </a:gs>
               <a:gs pos="100000">
-                <a:srgbClr val="FCAF40"/>
+                <a:srgbClr val="6BA60A"/>
               </a:gs>
             </a:gsLst>
             <a:lin ang="2700000" scaled="0"/>
@@ -6580,146 +7124,6 @@
       </p:sp>
       <p:pic>
         <p:nvPicPr>
-          <p:cNvPr id="9218" name="Picture 2" descr="https://animego.to/img/icon/logo.png">
-            <a:extLst>
-              <a:ext uri="{FF2B5EF4-FFF2-40B4-BE49-F238E27FC236}">
-                <a16:creationId xmlns:a16="http://schemas.microsoft.com/office/drawing/2014/main" id="{793D3A69-62E5-4F0C-B0C9-0A404384348A}"/>
-              </a:ext>
-            </a:extLst>
-          </p:cNvPr>
-          <p:cNvPicPr>
-            <a:picLocks noChangeAspect="1" noChangeArrowheads="1"/>
-          </p:cNvPicPr>
-          <p:nvPr/>
-        </p:nvPicPr>
-        <p:blipFill>
-          <a:blip r:embed="rId2">
-            <a:extLst>
-              <a:ext uri="{28A0092B-C50C-407E-A947-70E740481C1C}">
-                <a14:useLocalDpi xmlns:a14="http://schemas.microsoft.com/office/drawing/2010/main" val="0"/>
-              </a:ext>
-            </a:extLst>
-          </a:blip>
-          <a:srcRect/>
-          <a:stretch>
-            <a:fillRect/>
-          </a:stretch>
-        </p:blipFill>
-        <p:spPr bwMode="auto">
-          <a:xfrm>
-            <a:off x="876506" y="244475"/>
-            <a:ext cx="1810926" cy="698500"/>
-          </a:xfrm>
-          <a:prstGeom prst="rect">
-            <a:avLst/>
-          </a:prstGeom>
-          <a:noFill/>
-          <a:extLst>
-            <a:ext uri="{909E8E84-426E-40DD-AFC4-6F175D3DCCD1}">
-              <a14:hiddenFill xmlns:a14="http://schemas.microsoft.com/office/drawing/2010/main">
-                <a:solidFill>
-                  <a:srgbClr val="FFFFFF"/>
-                </a:solidFill>
-              </a14:hiddenFill>
-            </a:ext>
-          </a:extLst>
-        </p:spPr>
-      </p:pic>
-    </p:spTree>
-    <p:extLst>
-      <p:ext uri="{BB962C8B-B14F-4D97-AF65-F5344CB8AC3E}">
-        <p14:creationId xmlns:p14="http://schemas.microsoft.com/office/powerpoint/2010/main" val="1591048078"/>
-      </p:ext>
-    </p:extLst>
-  </p:cSld>
-  <p:clrMapOvr>
-    <a:masterClrMapping/>
-  </p:clrMapOvr>
-</p:sld>
-</file>
-
-<file path=ppt/slides/slide18.xml><?xml version="1.0" encoding="utf-8"?>
-<p:sld xmlns:a="http://schemas.openxmlformats.org/drawingml/2006/main" xmlns:r="http://schemas.openxmlformats.org/officeDocument/2006/relationships" xmlns:p="http://schemas.openxmlformats.org/presentationml/2006/main">
-  <p:cSld>
-    <p:spTree>
-      <p:nvGrpSpPr>
-        <p:cNvPr id="1" name=""/>
-        <p:cNvGrpSpPr/>
-        <p:nvPr/>
-      </p:nvGrpSpPr>
-      <p:grpSpPr>
-        <a:xfrm>
-          <a:off x="0" y="0"/>
-          <a:ext cx="0" cy="0"/>
-          <a:chOff x="0" y="0"/>
-          <a:chExt cx="0" cy="0"/>
-        </a:xfrm>
-      </p:grpSpPr>
-      <p:sp>
-        <p:nvSpPr>
-          <p:cNvPr id="4" name="Rectangle: Rounded Corners 3">
-            <a:extLst>
-              <a:ext uri="{FF2B5EF4-FFF2-40B4-BE49-F238E27FC236}">
-                <a16:creationId xmlns:a16="http://schemas.microsoft.com/office/drawing/2014/main" id="{8D6D9DF0-36ED-4863-B918-F6735D13A7C1}"/>
-              </a:ext>
-            </a:extLst>
-          </p:cNvPr>
-          <p:cNvSpPr/>
-          <p:nvPr/>
-        </p:nvSpPr>
-        <p:spPr>
-          <a:xfrm>
-            <a:off x="0" y="0"/>
-            <a:ext cx="3563938" cy="1187450"/>
-          </a:xfrm>
-          <a:prstGeom prst="roundRect">
-            <a:avLst>
-              <a:gd name="adj" fmla="val 50000"/>
-            </a:avLst>
-          </a:prstGeom>
-          <a:gradFill flip="none" rotWithShape="1">
-            <a:gsLst>
-              <a:gs pos="26000">
-                <a:srgbClr val="446A06"/>
-              </a:gs>
-              <a:gs pos="100000">
-                <a:srgbClr val="6BA60A"/>
-              </a:gs>
-            </a:gsLst>
-            <a:lin ang="2700000" scaled="0"/>
-            <a:tileRect/>
-          </a:gradFill>
-          <a:ln>
-            <a:noFill/>
-          </a:ln>
-        </p:spPr>
-        <p:style>
-          <a:lnRef idx="2">
-            <a:schemeClr val="accent1">
-              <a:shade val="50000"/>
-            </a:schemeClr>
-          </a:lnRef>
-          <a:fillRef idx="1">
-            <a:schemeClr val="accent1"/>
-          </a:fillRef>
-          <a:effectRef idx="0">
-            <a:schemeClr val="accent1"/>
-          </a:effectRef>
-          <a:fontRef idx="minor">
-            <a:schemeClr val="lt1"/>
-          </a:fontRef>
-        </p:style>
-        <p:txBody>
-          <a:bodyPr rtlCol="0" anchor="ctr"/>
-          <a:lstStyle/>
-          <a:p>
-            <a:pPr algn="ctr"/>
-            <a:endParaRPr lang="en-US"/>
-          </a:p>
-        </p:txBody>
-      </p:sp>
-      <p:pic>
-        <p:nvPicPr>
           <p:cNvPr id="3" name="Picture 2">
             <a:extLst>
               <a:ext uri="{FF2B5EF4-FFF2-40B4-BE49-F238E27FC236}">
@@ -6760,7 +7164,7 @@
 </p:sld>
 </file>
 
-<file path=ppt/slides/slide19.xml><?xml version="1.0" encoding="utf-8"?>
+<file path=ppt/slides/slide18.xml><?xml version="1.0" encoding="utf-8"?>
 <p:sld xmlns:a="http://schemas.openxmlformats.org/drawingml/2006/main" xmlns:r="http://schemas.openxmlformats.org/officeDocument/2006/relationships" xmlns:p="http://schemas.openxmlformats.org/presentationml/2006/main">
   <p:cSld>
     <p:spTree>
@@ -7018,6 +7422,146 @@
 </p:sld>
 </file>
 
+<file path=ppt/slides/slide19.xml><?xml version="1.0" encoding="utf-8"?>
+<p:sld xmlns:a="http://schemas.openxmlformats.org/drawingml/2006/main" xmlns:r="http://schemas.openxmlformats.org/officeDocument/2006/relationships" xmlns:p="http://schemas.openxmlformats.org/presentationml/2006/main">
+  <p:cSld>
+    <p:spTree>
+      <p:nvGrpSpPr>
+        <p:cNvPr id="1" name=""/>
+        <p:cNvGrpSpPr/>
+        <p:nvPr/>
+      </p:nvGrpSpPr>
+      <p:grpSpPr>
+        <a:xfrm>
+          <a:off x="0" y="0"/>
+          <a:ext cx="0" cy="0"/>
+          <a:chOff x="0" y="0"/>
+          <a:chExt cx="0" cy="0"/>
+        </a:xfrm>
+      </p:grpSpPr>
+      <p:sp>
+        <p:nvSpPr>
+          <p:cNvPr id="4" name="Rectangle: Rounded Corners 3">
+            <a:extLst>
+              <a:ext uri="{FF2B5EF4-FFF2-40B4-BE49-F238E27FC236}">
+                <a16:creationId xmlns:a16="http://schemas.microsoft.com/office/drawing/2014/main" id="{8D6D9DF0-36ED-4863-B918-F6735D13A7C1}"/>
+              </a:ext>
+            </a:extLst>
+          </p:cNvPr>
+          <p:cNvSpPr/>
+          <p:nvPr/>
+        </p:nvSpPr>
+        <p:spPr>
+          <a:xfrm>
+            <a:off x="0" y="0"/>
+            <a:ext cx="3563938" cy="1187450"/>
+          </a:xfrm>
+          <a:prstGeom prst="roundRect">
+            <a:avLst>
+              <a:gd name="adj" fmla="val 50000"/>
+            </a:avLst>
+          </a:prstGeom>
+          <a:gradFill flip="none" rotWithShape="1">
+            <a:gsLst>
+              <a:gs pos="12000">
+                <a:schemeClr val="tx1"/>
+              </a:gs>
+              <a:gs pos="100000">
+                <a:srgbClr val="FCAF40"/>
+              </a:gs>
+            </a:gsLst>
+            <a:lin ang="2700000" scaled="0"/>
+            <a:tileRect/>
+          </a:gradFill>
+          <a:ln>
+            <a:noFill/>
+          </a:ln>
+        </p:spPr>
+        <p:style>
+          <a:lnRef idx="2">
+            <a:schemeClr val="accent1">
+              <a:shade val="50000"/>
+            </a:schemeClr>
+          </a:lnRef>
+          <a:fillRef idx="1">
+            <a:schemeClr val="accent1"/>
+          </a:fillRef>
+          <a:effectRef idx="0">
+            <a:schemeClr val="accent1"/>
+          </a:effectRef>
+          <a:fontRef idx="minor">
+            <a:schemeClr val="lt1"/>
+          </a:fontRef>
+        </p:style>
+        <p:txBody>
+          <a:bodyPr rtlCol="0" anchor="ctr"/>
+          <a:lstStyle/>
+          <a:p>
+            <a:pPr algn="ctr"/>
+            <a:endParaRPr lang="en-US"/>
+          </a:p>
+        </p:txBody>
+      </p:sp>
+      <p:pic>
+        <p:nvPicPr>
+          <p:cNvPr id="9218" name="Picture 2" descr="https://animego.to/img/icon/logo.png">
+            <a:extLst>
+              <a:ext uri="{FF2B5EF4-FFF2-40B4-BE49-F238E27FC236}">
+                <a16:creationId xmlns:a16="http://schemas.microsoft.com/office/drawing/2014/main" id="{793D3A69-62E5-4F0C-B0C9-0A404384348A}"/>
+              </a:ext>
+            </a:extLst>
+          </p:cNvPr>
+          <p:cNvPicPr>
+            <a:picLocks noChangeAspect="1" noChangeArrowheads="1"/>
+          </p:cNvPicPr>
+          <p:nvPr/>
+        </p:nvPicPr>
+        <p:blipFill>
+          <a:blip r:embed="rId2">
+            <a:extLst>
+              <a:ext uri="{28A0092B-C50C-407E-A947-70E740481C1C}">
+                <a14:useLocalDpi xmlns:a14="http://schemas.microsoft.com/office/drawing/2010/main" val="0"/>
+              </a:ext>
+            </a:extLst>
+          </a:blip>
+          <a:srcRect/>
+          <a:stretch>
+            <a:fillRect/>
+          </a:stretch>
+        </p:blipFill>
+        <p:spPr bwMode="auto">
+          <a:xfrm>
+            <a:off x="876506" y="244475"/>
+            <a:ext cx="1810926" cy="698500"/>
+          </a:xfrm>
+          <a:prstGeom prst="rect">
+            <a:avLst/>
+          </a:prstGeom>
+          <a:noFill/>
+          <a:extLst>
+            <a:ext uri="{909E8E84-426E-40DD-AFC4-6F175D3DCCD1}">
+              <a14:hiddenFill xmlns:a14="http://schemas.microsoft.com/office/drawing/2010/main">
+                <a:solidFill>
+                  <a:srgbClr val="FFFFFF"/>
+                </a:solidFill>
+              </a14:hiddenFill>
+            </a:ext>
+          </a:extLst>
+        </p:spPr>
+      </p:pic>
+    </p:spTree>
+    <p:extLst>
+      <p:ext uri="{BB962C8B-B14F-4D97-AF65-F5344CB8AC3E}">
+        <p14:creationId xmlns:p14="http://schemas.microsoft.com/office/powerpoint/2010/main" val="1591048078"/>
+      </p:ext>
+    </p:extLst>
+  </p:cSld>
+  <p:clrMapOvr>
+    <a:masterClrMapping/>
+  </p:clrMapOvr>
+</p:sld>
+</file>
+
 <file path=ppt/slides/slide2.xml><?xml version="1.0" encoding="utf-8"?>
 <p:sld xmlns:a="http://schemas.openxmlformats.org/drawingml/2006/main" xmlns:r="http://schemas.openxmlformats.org/officeDocument/2006/relationships" xmlns:p="http://schemas.openxmlformats.org/presentationml/2006/main">
   <p:cSld>
@@ -7200,10 +7744,13 @@
           <a:gradFill flip="none" rotWithShape="1">
             <a:gsLst>
               <a:gs pos="26000">
-                <a:srgbClr val="663300"/>
+                <a:schemeClr val="tx1">
+                  <a:lumMod val="95000"/>
+                  <a:lumOff val="5000"/>
+                </a:schemeClr>
               </a:gs>
               <a:gs pos="100000">
-                <a:srgbClr val="CC9900"/>
+                <a:srgbClr val="E61D2F"/>
               </a:gs>
             </a:gsLst>
             <a:lin ang="2700000" scaled="0"/>
@@ -7234,59 +7781,72 @@
           <a:lstStyle/>
           <a:p>
             <a:pPr algn="ctr"/>
-            <a:endParaRPr lang="en-US" dirty="0"/>
+            <a:endParaRPr lang="en-US"/>
           </a:p>
         </p:txBody>
       </p:sp>
-      <p:sp>
-        <p:nvSpPr>
-          <p:cNvPr id="2" name="TextBox 1">
+      <p:pic>
+        <p:nvPicPr>
+          <p:cNvPr id="3074" name="Picture 2" descr="animeheaven">
             <a:extLst>
               <a:ext uri="{FF2B5EF4-FFF2-40B4-BE49-F238E27FC236}">
-                <a16:creationId xmlns:a16="http://schemas.microsoft.com/office/drawing/2014/main" id="{549FBF46-2A4E-45D5-9682-423BACB68B64}"/>
+                <a16:creationId xmlns:a16="http://schemas.microsoft.com/office/drawing/2014/main" id="{2A348D6B-1D7D-4DAC-94B0-6E8F8D2F6547}"/>
               </a:ext>
             </a:extLst>
           </p:cNvPr>
-          <p:cNvSpPr txBox="1"/>
+          <p:cNvPicPr>
+            <a:picLocks noChangeAspect="1" noChangeArrowheads="1"/>
+          </p:cNvPicPr>
           <p:nvPr/>
-        </p:nvSpPr>
-        <p:spPr>
-          <a:xfrm>
-            <a:off x="278110" y="270559"/>
-            <a:ext cx="3007717" cy="646331"/>
+        </p:nvPicPr>
+        <p:blipFill>
+          <a:blip r:embed="rId2">
+            <a:extLst>
+              <a:ext uri="{BEBA8EAE-BF5A-486C-A8C5-ECC9F3942E4B}">
+                <a14:imgProps xmlns:a14="http://schemas.microsoft.com/office/drawing/2010/main">
+                  <a14:imgLayer r:embed="rId3">
+                    <a14:imgEffect>
+                      <a14:backgroundRemoval t="10000" b="90000" l="10000" r="90000">
+                        <a14:foregroundMark x1="67500" y1="40000" x2="67500" y2="40000"/>
+                      </a14:backgroundRemoval>
+                    </a14:imgEffect>
+                  </a14:imgLayer>
+                </a14:imgProps>
+              </a:ext>
+              <a:ext uri="{28A0092B-C50C-407E-A947-70E740481C1C}">
+                <a14:useLocalDpi xmlns:a14="http://schemas.microsoft.com/office/drawing/2010/main" val="0"/>
+              </a:ext>
+            </a:extLst>
+          </a:blip>
+          <a:srcRect/>
+          <a:stretch>
+            <a:fillRect/>
+          </a:stretch>
+        </p:blipFill>
+        <p:spPr bwMode="auto">
+          <a:xfrm>
+            <a:off x="1165225" y="-23019"/>
+            <a:ext cx="1233488" cy="1233488"/>
           </a:xfrm>
           <a:prstGeom prst="rect">
             <a:avLst/>
           </a:prstGeom>
           <a:noFill/>
-        </p:spPr>
-        <p:txBody>
-          <a:bodyPr wrap="square" rtlCol="0">
-            <a:spAutoFit/>
-          </a:bodyPr>
-          <a:lstStyle/>
-          <a:p>
-            <a:pPr algn="ctr"/>
-            <a:r>
-              <a:rPr lang="id-ID" sz="3600" dirty="0">
+          <a:extLst>
+            <a:ext uri="{909E8E84-426E-40DD-AFC4-6F175D3DCCD1}">
+              <a14:hiddenFill xmlns:a14="http://schemas.microsoft.com/office/drawing/2010/main">
                 <a:solidFill>
-                  <a:schemeClr val="bg1"/>
+                  <a:srgbClr val="FFFFFF"/>
                 </a:solidFill>
-              </a:rPr>
-              <a:t>Anitoki</a:t>
-            </a:r>
-            <a:endParaRPr lang="en-US" sz="3600" dirty="0">
-              <a:solidFill>
-                <a:schemeClr val="bg1"/>
-              </a:solidFill>
-            </a:endParaRPr>
-          </a:p>
-        </p:txBody>
-      </p:sp>
+              </a14:hiddenFill>
+            </a:ext>
+          </a:extLst>
+        </p:spPr>
+      </p:pic>
     </p:spTree>
     <p:extLst>
       <p:ext uri="{BB962C8B-B14F-4D97-AF65-F5344CB8AC3E}">
-        <p14:creationId xmlns:p14="http://schemas.microsoft.com/office/powerpoint/2010/main" val="1736296804"/>
+        <p14:creationId xmlns:p14="http://schemas.microsoft.com/office/powerpoint/2010/main" val="757803778"/>
       </p:ext>
     </p:extLst>
   </p:cSld>
@@ -7338,13 +7898,13 @@
           <a:gradFill flip="none" rotWithShape="1">
             <a:gsLst>
               <a:gs pos="26000">
-                <a:schemeClr val="accent1"/>
+                <a:schemeClr val="tx1">
+                  <a:lumMod val="95000"/>
+                  <a:lumOff val="5000"/>
+                </a:schemeClr>
               </a:gs>
               <a:gs pos="100000">
-                <a:schemeClr val="accent1">
-                  <a:lumMod val="60000"/>
-                  <a:lumOff val="40000"/>
-                </a:schemeClr>
+                <a:srgbClr val="FF4E0E"/>
               </a:gs>
             </a:gsLst>
             <a:lin ang="2700000" scaled="0"/>
@@ -7375,61 +7935,60 @@
           <a:lstStyle/>
           <a:p>
             <a:pPr algn="ctr"/>
-            <a:endParaRPr lang="en-US" dirty="0"/>
+            <a:endParaRPr lang="en-US"/>
           </a:p>
         </p:txBody>
       </p:sp>
       <p:pic>
         <p:nvPicPr>
-          <p:cNvPr id="22530" name="Picture 2" descr="https://awsubs.tv/wp-content/uploads/2018/10/PPP.png">
+          <p:cNvPr id="2" name="Picture 1">
             <a:extLst>
               <a:ext uri="{FF2B5EF4-FFF2-40B4-BE49-F238E27FC236}">
-                <a16:creationId xmlns:a16="http://schemas.microsoft.com/office/drawing/2014/main" id="{8B8610EC-78D6-480D-9161-B4DB7BDCEEF4}"/>
+                <a16:creationId xmlns:a16="http://schemas.microsoft.com/office/drawing/2014/main" id="{AD8C188D-1AFC-4D0C-AB48-B3EECDE28E59}"/>
               </a:ext>
             </a:extLst>
           </p:cNvPr>
           <p:cNvPicPr>
-            <a:picLocks noChangeAspect="1" noChangeArrowheads="1"/>
+            <a:picLocks noChangeAspect="1"/>
           </p:cNvPicPr>
           <p:nvPr/>
         </p:nvPicPr>
         <p:blipFill>
           <a:blip r:embed="rId2">
-            <a:extLst>
-              <a:ext uri="{28A0092B-C50C-407E-A947-70E740481C1C}">
-                <a14:useLocalDpi xmlns:a14="http://schemas.microsoft.com/office/drawing/2010/main" val="0"/>
+            <a:biLevel thresh="25000"/>
+            <a:extLst>
+              <a:ext uri="{BEBA8EAE-BF5A-486C-A8C5-ECC9F3942E4B}">
+                <a14:imgProps xmlns:a14="http://schemas.microsoft.com/office/drawing/2010/main">
+                  <a14:imgLayer r:embed="rId3">
+                    <a14:imgEffect>
+                      <a14:sharpenSoften amount="-50000"/>
+                    </a14:imgEffect>
+                    <a14:imgEffect>
+                      <a14:brightnessContrast bright="40000"/>
+                    </a14:imgEffect>
+                  </a14:imgLayer>
+                </a14:imgProps>
               </a:ext>
             </a:extLst>
           </a:blip>
-          <a:srcRect/>
           <a:stretch>
             <a:fillRect/>
           </a:stretch>
         </p:blipFill>
-        <p:spPr bwMode="auto">
-          <a:xfrm>
-            <a:off x="381794" y="403225"/>
-            <a:ext cx="2800350" cy="381000"/>
+        <p:spPr>
+          <a:xfrm>
+            <a:off x="1241722" y="200818"/>
+            <a:ext cx="1080493" cy="785813"/>
           </a:xfrm>
           <a:prstGeom prst="rect">
             <a:avLst/>
           </a:prstGeom>
-          <a:noFill/>
-          <a:extLst>
-            <a:ext uri="{909E8E84-426E-40DD-AFC4-6F175D3DCCD1}">
-              <a14:hiddenFill xmlns:a14="http://schemas.microsoft.com/office/drawing/2010/main">
-                <a:solidFill>
-                  <a:srgbClr val="FFFFFF"/>
-                </a:solidFill>
-              </a14:hiddenFill>
-            </a:ext>
-          </a:extLst>
         </p:spPr>
       </p:pic>
     </p:spTree>
     <p:extLst>
       <p:ext uri="{BB962C8B-B14F-4D97-AF65-F5344CB8AC3E}">
-        <p14:creationId xmlns:p14="http://schemas.microsoft.com/office/powerpoint/2010/main" val="3484075241"/>
+        <p14:creationId xmlns:p14="http://schemas.microsoft.com/office/powerpoint/2010/main" val="1436572293"/>
       </p:ext>
     </p:extLst>
   </p:cSld>
@@ -7481,10 +8040,13 @@
           <a:gradFill flip="none" rotWithShape="1">
             <a:gsLst>
               <a:gs pos="26000">
-                <a:srgbClr val="481F67"/>
+                <a:schemeClr val="tx1">
+                  <a:lumMod val="95000"/>
+                  <a:lumOff val="5000"/>
+                </a:schemeClr>
               </a:gs>
               <a:gs pos="100000">
-                <a:srgbClr val="7030A0"/>
+                <a:srgbClr val="C40604"/>
               </a:gs>
             </a:gsLst>
             <a:lin ang="2700000" scaled="0"/>
@@ -7515,16 +8077,72 @@
           <a:lstStyle/>
           <a:p>
             <a:pPr algn="ctr"/>
-            <a:endParaRPr lang="en-US" dirty="0"/>
+            <a:endParaRPr lang="en-US"/>
           </a:p>
         </p:txBody>
       </p:sp>
+      <p:pic>
+        <p:nvPicPr>
+          <p:cNvPr id="11266" name="Picture 2">
+            <a:extLst>
+              <a:ext uri="{FF2B5EF4-FFF2-40B4-BE49-F238E27FC236}">
+                <a16:creationId xmlns:a16="http://schemas.microsoft.com/office/drawing/2014/main" id="{8B2678B8-313B-4A9E-9BFA-8BC012CF7FA6}"/>
+              </a:ext>
+            </a:extLst>
+          </p:cNvPr>
+          <p:cNvPicPr>
+            <a:picLocks noChangeAspect="1" noChangeArrowheads="1"/>
+          </p:cNvPicPr>
+          <p:nvPr/>
+        </p:nvPicPr>
+        <p:blipFill>
+          <a:blip r:embed="rId2">
+            <a:extLst>
+              <a:ext uri="{BEBA8EAE-BF5A-486C-A8C5-ECC9F3942E4B}">
+                <a14:imgProps xmlns:a14="http://schemas.microsoft.com/office/drawing/2010/main">
+                  <a14:imgLayer r:embed="rId3">
+                    <a14:imgEffect>
+                      <a14:brightnessContrast bright="100000"/>
+                    </a14:imgEffect>
+                  </a14:imgLayer>
+                </a14:imgProps>
+              </a:ext>
+              <a:ext uri="{28A0092B-C50C-407E-A947-70E740481C1C}">
+                <a14:useLocalDpi xmlns:a14="http://schemas.microsoft.com/office/drawing/2010/main" val="0"/>
+              </a:ext>
+            </a:extLst>
+          </a:blip>
+          <a:srcRect/>
+          <a:stretch>
+            <a:fillRect/>
+          </a:stretch>
+        </p:blipFill>
+        <p:spPr bwMode="auto">
+          <a:xfrm>
+            <a:off x="472283" y="362744"/>
+            <a:ext cx="1385886" cy="461962"/>
+          </a:xfrm>
+          <a:prstGeom prst="rect">
+            <a:avLst/>
+          </a:prstGeom>
+          <a:noFill/>
+          <a:extLst>
+            <a:ext uri="{909E8E84-426E-40DD-AFC4-6F175D3DCCD1}">
+              <a14:hiddenFill xmlns:a14="http://schemas.microsoft.com/office/drawing/2010/main">
+                <a:solidFill>
+                  <a:srgbClr val="FFFFFF"/>
+                </a:solidFill>
+              </a14:hiddenFill>
+            </a:ext>
+          </a:extLst>
+        </p:spPr>
+      </p:pic>
       <p:sp>
         <p:nvSpPr>
-          <p:cNvPr id="2" name="TextBox 1">
+          <p:cNvPr id="3" name="TextBox 2">
             <a:extLst>
               <a:ext uri="{FF2B5EF4-FFF2-40B4-BE49-F238E27FC236}">
-                <a16:creationId xmlns:a16="http://schemas.microsoft.com/office/drawing/2014/main" id="{549FBF46-2A4E-45D5-9682-423BACB68B64}"/>
+                <a16:creationId xmlns:a16="http://schemas.microsoft.com/office/drawing/2014/main" id="{7D820C85-87D9-4B0D-ACC4-A54E416C3187}"/>
               </a:ext>
             </a:extLst>
           </p:cNvPr>
@@ -7533,8 +8151,8 @@
         </p:nvSpPr>
         <p:spPr>
           <a:xfrm>
-            <a:off x="278110" y="270559"/>
-            <a:ext cx="3007717" cy="646331"/>
+            <a:off x="1858169" y="332115"/>
+            <a:ext cx="1620839" cy="523220"/>
           </a:xfrm>
           <a:prstGeom prst="rect">
             <a:avLst/>
@@ -7547,21 +8165,18 @@
           </a:bodyPr>
           <a:lstStyle/>
           <a:p>
-            <a:pPr algn="ctr"/>
             <a:r>
-              <a:rPr lang="id-ID" sz="3600" dirty="0">
+              <a:rPr lang="id-ID" sz="2800" b="1" dirty="0">
                 <a:solidFill>
                   <a:schemeClr val="bg1"/>
                 </a:solidFill>
-                <a:latin typeface="Exo 2" panose="00000500000000000000" pitchFamily="50" charset="0"/>
               </a:rPr>
-              <a:t>D-ANIMESUB</a:t>
+              <a:t>DaiWEEB</a:t>
             </a:r>
-            <a:endParaRPr lang="en-US" sz="3600" dirty="0">
+            <a:endParaRPr lang="en-US" sz="2800" b="1" dirty="0">
               <a:solidFill>
                 <a:schemeClr val="bg1"/>
               </a:solidFill>
-              <a:latin typeface="Exo 2" panose="00000500000000000000" pitchFamily="50" charset="0"/>
             </a:endParaRPr>
           </a:p>
         </p:txBody>
@@ -7569,7 +8184,7 @@
     </p:spTree>
     <p:extLst>
       <p:ext uri="{BB962C8B-B14F-4D97-AF65-F5344CB8AC3E}">
-        <p14:creationId xmlns:p14="http://schemas.microsoft.com/office/powerpoint/2010/main" val="913660653"/>
+        <p14:creationId xmlns:p14="http://schemas.microsoft.com/office/powerpoint/2010/main" val="3524922448"/>
       </p:ext>
     </p:extLst>
   </p:cSld>
@@ -7627,9 +8242,7 @@
                 </a:schemeClr>
               </a:gs>
               <a:gs pos="100000">
-                <a:schemeClr val="accent2">
-                  <a:lumMod val="50000"/>
-                </a:schemeClr>
+                <a:srgbClr val="C23D3E"/>
               </a:gs>
             </a:gsLst>
             <a:lin ang="2700000" scaled="0"/>
@@ -7660,61 +8273,44 @@
           <a:lstStyle/>
           <a:p>
             <a:pPr algn="ctr"/>
-            <a:endParaRPr lang="en-US" dirty="0"/>
+            <a:endParaRPr lang="en-US"/>
           </a:p>
         </p:txBody>
       </p:sp>
-      <p:sp>
-        <p:nvSpPr>
-          <p:cNvPr id="2" name="TextBox 1">
+      <p:pic>
+        <p:nvPicPr>
+          <p:cNvPr id="2" name="Picture 1">
             <a:extLst>
               <a:ext uri="{FF2B5EF4-FFF2-40B4-BE49-F238E27FC236}">
-                <a16:creationId xmlns:a16="http://schemas.microsoft.com/office/drawing/2014/main" id="{549FBF46-2A4E-45D5-9682-423BACB68B64}"/>
+                <a16:creationId xmlns:a16="http://schemas.microsoft.com/office/drawing/2014/main" id="{12822B95-DB38-4B8C-9C09-6CEA61C6CD98}"/>
               </a:ext>
             </a:extLst>
           </p:cNvPr>
-          <p:cNvSpPr txBox="1"/>
+          <p:cNvPicPr>
+            <a:picLocks noChangeAspect="1"/>
+          </p:cNvPicPr>
           <p:nvPr/>
-        </p:nvSpPr>
+        </p:nvPicPr>
+        <p:blipFill>
+          <a:blip r:embed="rId2"/>
+          <a:stretch>
+            <a:fillRect/>
+          </a:stretch>
+        </p:blipFill>
         <p:spPr>
           <a:xfrm>
-            <a:off x="682228" y="55116"/>
-            <a:ext cx="2199482" cy="1077218"/>
+            <a:off x="391319" y="205244"/>
+            <a:ext cx="2781300" cy="776962"/>
           </a:xfrm>
           <a:prstGeom prst="rect">
             <a:avLst/>
           </a:prstGeom>
-          <a:noFill/>
-        </p:spPr>
-        <p:txBody>
-          <a:bodyPr wrap="square" rtlCol="0">
-            <a:spAutoFit/>
-          </a:bodyPr>
-          <a:lstStyle/>
-          <a:p>
-            <a:pPr algn="dist"/>
-            <a:r>
-              <a:rPr lang="id-ID" sz="3200" dirty="0">
-                <a:solidFill>
-                  <a:schemeClr val="bg1"/>
-                </a:solidFill>
-                <a:latin typeface="Arabica Export" panose="02000500000000000000" pitchFamily="2" charset="0"/>
-              </a:rPr>
-              <a:t>Hunter No Sekai</a:t>
-            </a:r>
-            <a:endParaRPr lang="en-US" sz="3200" dirty="0">
-              <a:solidFill>
-                <a:schemeClr val="bg1"/>
-              </a:solidFill>
-              <a:latin typeface="Arabica Export" panose="02000500000000000000" pitchFamily="2" charset="0"/>
-            </a:endParaRPr>
-          </a:p>
-        </p:txBody>
-      </p:sp>
+        </p:spPr>
+      </p:pic>
     </p:spTree>
     <p:extLst>
       <p:ext uri="{BB962C8B-B14F-4D97-AF65-F5344CB8AC3E}">
-        <p14:creationId xmlns:p14="http://schemas.microsoft.com/office/powerpoint/2010/main" val="4156622531"/>
+        <p14:creationId xmlns:p14="http://schemas.microsoft.com/office/powerpoint/2010/main" val="2538482276"/>
       </p:ext>
     </p:extLst>
   </p:cSld>
@@ -7766,10 +8362,13 @@
           <a:gradFill flip="none" rotWithShape="1">
             <a:gsLst>
               <a:gs pos="26000">
-                <a:srgbClr val="020321"/>
+                <a:schemeClr val="accent1"/>
               </a:gs>
               <a:gs pos="100000">
-                <a:srgbClr val="202D91"/>
+                <a:schemeClr val="accent1">
+                  <a:lumMod val="20000"/>
+                  <a:lumOff val="80000"/>
+                </a:schemeClr>
               </a:gs>
             </a:gsLst>
             <a:lin ang="2700000" scaled="0"/>
@@ -7804,57 +8403,66 @@
           </a:p>
         </p:txBody>
       </p:sp>
-      <p:sp>
-        <p:nvSpPr>
-          <p:cNvPr id="3" name="TextBox 2">
+      <p:pic>
+        <p:nvPicPr>
+          <p:cNvPr id="19458" name="Picture 2" descr="https://pendekarsubs.us/wp-content/uploads/2019/02/pendekar-logo-1.png">
             <a:extLst>
               <a:ext uri="{FF2B5EF4-FFF2-40B4-BE49-F238E27FC236}">
-                <a16:creationId xmlns:a16="http://schemas.microsoft.com/office/drawing/2014/main" id="{7872C401-B53A-4101-AE6A-EACD671B1CDD}"/>
+                <a16:creationId xmlns:a16="http://schemas.microsoft.com/office/drawing/2014/main" id="{B6F41F4E-E4AA-4293-A3CF-A571FF1AEFD6}"/>
               </a:ext>
             </a:extLst>
           </p:cNvPr>
-          <p:cNvSpPr txBox="1"/>
+          <p:cNvPicPr>
+            <a:picLocks noChangeAspect="1" noChangeArrowheads="1"/>
+          </p:cNvPicPr>
           <p:nvPr/>
-        </p:nvSpPr>
-        <p:spPr>
-          <a:xfrm>
-            <a:off x="387509" y="140424"/>
-            <a:ext cx="2788920" cy="769441"/>
+        </p:nvPicPr>
+        <p:blipFill>
+          <a:blip r:embed="rId2">
+            <a:extLst>
+              <a:ext uri="{BEBA8EAE-BF5A-486C-A8C5-ECC9F3942E4B}">
+                <a14:imgProps xmlns:a14="http://schemas.microsoft.com/office/drawing/2010/main">
+                  <a14:imgLayer r:embed="rId3">
+                    <a14:imgEffect>
+                      <a14:brightnessContrast bright="100000" contrast="100000"/>
+                    </a14:imgEffect>
+                  </a14:imgLayer>
+                </a14:imgProps>
+              </a:ext>
+              <a:ext uri="{28A0092B-C50C-407E-A947-70E740481C1C}">
+                <a14:useLocalDpi xmlns:a14="http://schemas.microsoft.com/office/drawing/2010/main" val="0"/>
+              </a:ext>
+            </a:extLst>
+          </a:blip>
+          <a:srcRect/>
+          <a:stretch>
+            <a:fillRect/>
+          </a:stretch>
+        </p:blipFill>
+        <p:spPr bwMode="auto">
+          <a:xfrm>
+            <a:off x="605631" y="201612"/>
+            <a:ext cx="2352675" cy="784225"/>
           </a:xfrm>
           <a:prstGeom prst="rect">
             <a:avLst/>
           </a:prstGeom>
           <a:noFill/>
-        </p:spPr>
-        <p:txBody>
-          <a:bodyPr wrap="square" rtlCol="0">
-            <a:spAutoFit/>
-          </a:bodyPr>
-          <a:lstStyle/>
-          <a:p>
-            <a:pPr algn="ctr"/>
-            <a:r>
-              <a:rPr lang="id-ID" sz="4400" dirty="0">
+          <a:extLst>
+            <a:ext uri="{909E8E84-426E-40DD-AFC4-6F175D3DCCD1}">
+              <a14:hiddenFill xmlns:a14="http://schemas.microsoft.com/office/drawing/2010/main">
                 <a:solidFill>
-                  <a:schemeClr val="bg1"/>
+                  <a:srgbClr val="FFFFFF"/>
                 </a:solidFill>
-                <a:latin typeface="Single Fighter" panose="02000500000000000000" pitchFamily="50" charset="0"/>
-              </a:rPr>
-              <a:t>KAZEFURI</a:t>
-            </a:r>
-            <a:endParaRPr lang="en-US" sz="4400" dirty="0">
-              <a:solidFill>
-                <a:schemeClr val="bg1"/>
-              </a:solidFill>
-              <a:latin typeface="Single Fighter" panose="02000500000000000000" pitchFamily="50" charset="0"/>
-            </a:endParaRPr>
-          </a:p>
-        </p:txBody>
-      </p:sp>
+              </a14:hiddenFill>
+            </a:ext>
+          </a:extLst>
+        </p:spPr>
+      </p:pic>
     </p:spTree>
     <p:extLst>
       <p:ext uri="{BB962C8B-B14F-4D97-AF65-F5344CB8AC3E}">
-        <p14:creationId xmlns:p14="http://schemas.microsoft.com/office/powerpoint/2010/main" val="3545101030"/>
+        <p14:creationId xmlns:p14="http://schemas.microsoft.com/office/powerpoint/2010/main" val="2484894236"/>
       </p:ext>
     </p:extLst>
   </p:cSld>
@@ -7906,10 +8514,10 @@
           <a:gradFill flip="none" rotWithShape="1">
             <a:gsLst>
               <a:gs pos="26000">
-                <a:srgbClr val="222222"/>
+                <a:schemeClr val="tx1"/>
               </a:gs>
               <a:gs pos="100000">
-                <a:srgbClr val="3C9CCD"/>
+                <a:srgbClr val="C00000"/>
               </a:gs>
             </a:gsLst>
             <a:lin ang="2700000" scaled="0"/>
@@ -7946,10 +8554,10 @@
       </p:sp>
       <p:pic>
         <p:nvPicPr>
-          <p:cNvPr id="24578" name="Picture 2" descr="https://www.oploverz.in/wp-content/themes/oploverz-v2/dist/images/logo.png">
+          <p:cNvPr id="20482" name="Picture 2" descr="https://i0.wp.com/www.samehada.co/wp-content/uploads/2018/11/logo_samehadaku.png?fit=500%2C140">
             <a:extLst>
               <a:ext uri="{FF2B5EF4-FFF2-40B4-BE49-F238E27FC236}">
-                <a16:creationId xmlns:a16="http://schemas.microsoft.com/office/drawing/2014/main" id="{02A3AE16-9163-45A6-8E67-C8B34AB62358}"/>
+                <a16:creationId xmlns:a16="http://schemas.microsoft.com/office/drawing/2014/main" id="{BE669853-F669-496A-BEB1-969A6F93CAD5}"/>
               </a:ext>
             </a:extLst>
           </p:cNvPr>
@@ -7958,7 +8566,7 @@
           </p:cNvPicPr>
           <p:nvPr/>
         </p:nvPicPr>
-        <p:blipFill rotWithShape="1">
+        <p:blipFill>
           <a:blip r:embed="rId2">
             <a:extLst>
               <a:ext uri="{28A0092B-C50C-407E-A947-70E740481C1C}">
@@ -7966,13 +8574,15 @@
               </a:ext>
             </a:extLst>
           </a:blip>
-          <a:srcRect r="72176" b="27467"/>
-          <a:stretch/>
+          <a:srcRect/>
+          <a:stretch>
+            <a:fillRect/>
+          </a:stretch>
         </p:blipFill>
         <p:spPr bwMode="auto">
           <a:xfrm>
-            <a:off x="346145" y="382905"/>
-            <a:ext cx="798991" cy="421640"/>
+            <a:off x="234509" y="160160"/>
+            <a:ext cx="3094919" cy="867129"/>
           </a:xfrm>
           <a:prstGeom prst="rect">
             <a:avLst/>
@@ -7989,64 +8599,10 @@
           </a:extLst>
         </p:spPr>
       </p:pic>
-      <p:pic>
-        <p:nvPicPr>
-          <p:cNvPr id="5" name="Picture 2" descr="https://www.oploverz.in/wp-content/themes/oploverz-v2/dist/images/logo.png">
-            <a:extLst>
-              <a:ext uri="{FF2B5EF4-FFF2-40B4-BE49-F238E27FC236}">
-                <a16:creationId xmlns:a16="http://schemas.microsoft.com/office/drawing/2014/main" id="{6BD0A45C-9A83-49B9-8898-ED785EFAD973}"/>
-              </a:ext>
-            </a:extLst>
-          </p:cNvPr>
-          <p:cNvPicPr>
-            <a:picLocks noChangeAspect="1" noChangeArrowheads="1"/>
-          </p:cNvPicPr>
-          <p:nvPr/>
-        </p:nvPicPr>
-        <p:blipFill rotWithShape="1">
-          <a:blip r:embed="rId3">
-            <a:extLst>
-              <a:ext uri="{BEBA8EAE-BF5A-486C-A8C5-ECC9F3942E4B}">
-                <a14:imgProps xmlns:a14="http://schemas.microsoft.com/office/drawing/2010/main">
-                  <a14:imgLayer r:embed="rId4">
-                    <a14:imgEffect>
-                      <a14:brightnessContrast bright="100000"/>
-                    </a14:imgEffect>
-                  </a14:imgLayer>
-                </a14:imgProps>
-              </a:ext>
-              <a:ext uri="{28A0092B-C50C-407E-A947-70E740481C1C}">
-                <a14:useLocalDpi xmlns:a14="http://schemas.microsoft.com/office/drawing/2010/main" val="0"/>
-              </a:ext>
-            </a:extLst>
-          </a:blip>
-          <a:srcRect l="27824" b="27467"/>
-          <a:stretch/>
-        </p:blipFill>
-        <p:spPr bwMode="auto">
-          <a:xfrm>
-            <a:off x="1145136" y="382905"/>
-            <a:ext cx="2072656" cy="421640"/>
-          </a:xfrm>
-          <a:prstGeom prst="rect">
-            <a:avLst/>
-          </a:prstGeom>
-          <a:noFill/>
-          <a:extLst>
-            <a:ext uri="{909E8E84-426E-40DD-AFC4-6F175D3DCCD1}">
-              <a14:hiddenFill xmlns:a14="http://schemas.microsoft.com/office/drawing/2010/main">
-                <a:solidFill>
-                  <a:srgbClr val="FFFFFF"/>
-                </a:solidFill>
-              </a14:hiddenFill>
-            </a:ext>
-          </a:extLst>
-        </p:spPr>
-      </p:pic>
     </p:spTree>
     <p:extLst>
       <p:ext uri="{BB962C8B-B14F-4D97-AF65-F5344CB8AC3E}">
-        <p14:creationId xmlns:p14="http://schemas.microsoft.com/office/powerpoint/2010/main" val="2285725612"/>
+        <p14:creationId xmlns:p14="http://schemas.microsoft.com/office/powerpoint/2010/main" val="854272974"/>
       </p:ext>
     </p:extLst>
   </p:cSld>
@@ -8102,8 +8658,8 @@
               </a:gs>
               <a:gs pos="100000">
                 <a:schemeClr val="accent1">
-                  <a:lumMod val="20000"/>
-                  <a:lumOff val="80000"/>
+                  <a:lumMod val="60000"/>
+                  <a:lumOff val="40000"/>
                 </a:schemeClr>
               </a:gs>
             </a:gsLst>
@@ -8141,10 +8697,10 @@
       </p:sp>
       <p:pic>
         <p:nvPicPr>
-          <p:cNvPr id="19458" name="Picture 2" descr="https://pendekarsubs.us/wp-content/uploads/2019/02/pendekar-logo-1.png">
+          <p:cNvPr id="22530" name="Picture 2" descr="https://awsubs.tv/wp-content/uploads/2018/10/PPP.png">
             <a:extLst>
               <a:ext uri="{FF2B5EF4-FFF2-40B4-BE49-F238E27FC236}">
-                <a16:creationId xmlns:a16="http://schemas.microsoft.com/office/drawing/2014/main" id="{B6F41F4E-E4AA-4293-A3CF-A571FF1AEFD6}"/>
+                <a16:creationId xmlns:a16="http://schemas.microsoft.com/office/drawing/2014/main" id="{8B8610EC-78D6-480D-9161-B4DB7BDCEEF4}"/>
               </a:ext>
             </a:extLst>
           </p:cNvPr>
@@ -8156,15 +8712,6 @@
         <p:blipFill>
           <a:blip r:embed="rId2">
             <a:extLst>
-              <a:ext uri="{BEBA8EAE-BF5A-486C-A8C5-ECC9F3942E4B}">
-                <a14:imgProps xmlns:a14="http://schemas.microsoft.com/office/drawing/2010/main">
-                  <a14:imgLayer r:embed="rId3">
-                    <a14:imgEffect>
-                      <a14:brightnessContrast bright="100000" contrast="100000"/>
-                    </a14:imgEffect>
-                  </a14:imgLayer>
-                </a14:imgProps>
-              </a:ext>
               <a:ext uri="{28A0092B-C50C-407E-A947-70E740481C1C}">
                 <a14:useLocalDpi xmlns:a14="http://schemas.microsoft.com/office/drawing/2010/main" val="0"/>
               </a:ext>
@@ -8177,8 +8724,8 @@
         </p:blipFill>
         <p:spPr bwMode="auto">
           <a:xfrm>
-            <a:off x="605631" y="201612"/>
-            <a:ext cx="2352675" cy="784225"/>
+            <a:off x="381794" y="403225"/>
+            <a:ext cx="2800350" cy="381000"/>
           </a:xfrm>
           <a:prstGeom prst="rect">
             <a:avLst/>
@@ -8198,7 +8745,7 @@
     </p:spTree>
     <p:extLst>
       <p:ext uri="{BB962C8B-B14F-4D97-AF65-F5344CB8AC3E}">
-        <p14:creationId xmlns:p14="http://schemas.microsoft.com/office/powerpoint/2010/main" val="2484894236"/>
+        <p14:creationId xmlns:p14="http://schemas.microsoft.com/office/powerpoint/2010/main" val="3484075241"/>
       </p:ext>
     </p:extLst>
   </p:cSld>
@@ -8209,6 +8756,343 @@
 </file>
 
 <file path=ppt/slides/slide27.xml><?xml version="1.0" encoding="utf-8"?>
+<p:sld xmlns:a="http://schemas.openxmlformats.org/drawingml/2006/main" xmlns:r="http://schemas.openxmlformats.org/officeDocument/2006/relationships" xmlns:p="http://schemas.openxmlformats.org/presentationml/2006/main">
+  <p:cSld>
+    <p:spTree>
+      <p:nvGrpSpPr>
+        <p:cNvPr id="1" name=""/>
+        <p:cNvGrpSpPr/>
+        <p:nvPr/>
+      </p:nvGrpSpPr>
+      <p:grpSpPr>
+        <a:xfrm>
+          <a:off x="0" y="0"/>
+          <a:ext cx="0" cy="0"/>
+          <a:chOff x="0" y="0"/>
+          <a:chExt cx="0" cy="0"/>
+        </a:xfrm>
+      </p:grpSpPr>
+      <p:sp>
+        <p:nvSpPr>
+          <p:cNvPr id="4" name="Rectangle: Rounded Corners 3">
+            <a:extLst>
+              <a:ext uri="{FF2B5EF4-FFF2-40B4-BE49-F238E27FC236}">
+                <a16:creationId xmlns:a16="http://schemas.microsoft.com/office/drawing/2014/main" id="{8D6D9DF0-36ED-4863-B918-F6735D13A7C1}"/>
+              </a:ext>
+            </a:extLst>
+          </p:cNvPr>
+          <p:cNvSpPr/>
+          <p:nvPr/>
+        </p:nvSpPr>
+        <p:spPr>
+          <a:xfrm>
+            <a:off x="0" y="0"/>
+            <a:ext cx="3563938" cy="1187450"/>
+          </a:xfrm>
+          <a:prstGeom prst="roundRect">
+            <a:avLst>
+              <a:gd name="adj" fmla="val 50000"/>
+            </a:avLst>
+          </a:prstGeom>
+          <a:gradFill flip="none" rotWithShape="1">
+            <a:gsLst>
+              <a:gs pos="26000">
+                <a:srgbClr val="222222"/>
+              </a:gs>
+              <a:gs pos="100000">
+                <a:srgbClr val="3C9CCD"/>
+              </a:gs>
+            </a:gsLst>
+            <a:lin ang="2700000" scaled="0"/>
+            <a:tileRect/>
+          </a:gradFill>
+          <a:ln>
+            <a:noFill/>
+          </a:ln>
+        </p:spPr>
+        <p:style>
+          <a:lnRef idx="2">
+            <a:schemeClr val="accent1">
+              <a:shade val="50000"/>
+            </a:schemeClr>
+          </a:lnRef>
+          <a:fillRef idx="1">
+            <a:schemeClr val="accent1"/>
+          </a:fillRef>
+          <a:effectRef idx="0">
+            <a:schemeClr val="accent1"/>
+          </a:effectRef>
+          <a:fontRef idx="minor">
+            <a:schemeClr val="lt1"/>
+          </a:fontRef>
+        </p:style>
+        <p:txBody>
+          <a:bodyPr rtlCol="0" anchor="ctr"/>
+          <a:lstStyle/>
+          <a:p>
+            <a:pPr algn="ctr"/>
+            <a:endParaRPr lang="en-US" dirty="0"/>
+          </a:p>
+        </p:txBody>
+      </p:sp>
+      <p:pic>
+        <p:nvPicPr>
+          <p:cNvPr id="24578" name="Picture 2" descr="https://www.oploverz.in/wp-content/themes/oploverz-v2/dist/images/logo.png">
+            <a:extLst>
+              <a:ext uri="{FF2B5EF4-FFF2-40B4-BE49-F238E27FC236}">
+                <a16:creationId xmlns:a16="http://schemas.microsoft.com/office/drawing/2014/main" id="{02A3AE16-9163-45A6-8E67-C8B34AB62358}"/>
+              </a:ext>
+            </a:extLst>
+          </p:cNvPr>
+          <p:cNvPicPr>
+            <a:picLocks noChangeAspect="1" noChangeArrowheads="1"/>
+          </p:cNvPicPr>
+          <p:nvPr/>
+        </p:nvPicPr>
+        <p:blipFill rotWithShape="1">
+          <a:blip r:embed="rId2">
+            <a:extLst>
+              <a:ext uri="{28A0092B-C50C-407E-A947-70E740481C1C}">
+                <a14:useLocalDpi xmlns:a14="http://schemas.microsoft.com/office/drawing/2010/main" val="0"/>
+              </a:ext>
+            </a:extLst>
+          </a:blip>
+          <a:srcRect r="72176" b="27467"/>
+          <a:stretch/>
+        </p:blipFill>
+        <p:spPr bwMode="auto">
+          <a:xfrm>
+            <a:off x="346145" y="382905"/>
+            <a:ext cx="798991" cy="421640"/>
+          </a:xfrm>
+          <a:prstGeom prst="rect">
+            <a:avLst/>
+          </a:prstGeom>
+          <a:noFill/>
+          <a:extLst>
+            <a:ext uri="{909E8E84-426E-40DD-AFC4-6F175D3DCCD1}">
+              <a14:hiddenFill xmlns:a14="http://schemas.microsoft.com/office/drawing/2010/main">
+                <a:solidFill>
+                  <a:srgbClr val="FFFFFF"/>
+                </a:solidFill>
+              </a14:hiddenFill>
+            </a:ext>
+          </a:extLst>
+        </p:spPr>
+      </p:pic>
+      <p:pic>
+        <p:nvPicPr>
+          <p:cNvPr id="5" name="Picture 2" descr="https://www.oploverz.in/wp-content/themes/oploverz-v2/dist/images/logo.png">
+            <a:extLst>
+              <a:ext uri="{FF2B5EF4-FFF2-40B4-BE49-F238E27FC236}">
+                <a16:creationId xmlns:a16="http://schemas.microsoft.com/office/drawing/2014/main" id="{6BD0A45C-9A83-49B9-8898-ED785EFAD973}"/>
+              </a:ext>
+            </a:extLst>
+          </p:cNvPr>
+          <p:cNvPicPr>
+            <a:picLocks noChangeAspect="1" noChangeArrowheads="1"/>
+          </p:cNvPicPr>
+          <p:nvPr/>
+        </p:nvPicPr>
+        <p:blipFill rotWithShape="1">
+          <a:blip r:embed="rId3">
+            <a:extLst>
+              <a:ext uri="{BEBA8EAE-BF5A-486C-A8C5-ECC9F3942E4B}">
+                <a14:imgProps xmlns:a14="http://schemas.microsoft.com/office/drawing/2010/main">
+                  <a14:imgLayer r:embed="rId4">
+                    <a14:imgEffect>
+                      <a14:brightnessContrast bright="100000"/>
+                    </a14:imgEffect>
+                  </a14:imgLayer>
+                </a14:imgProps>
+              </a:ext>
+              <a:ext uri="{28A0092B-C50C-407E-A947-70E740481C1C}">
+                <a14:useLocalDpi xmlns:a14="http://schemas.microsoft.com/office/drawing/2010/main" val="0"/>
+              </a:ext>
+            </a:extLst>
+          </a:blip>
+          <a:srcRect l="27824" b="27467"/>
+          <a:stretch/>
+        </p:blipFill>
+        <p:spPr bwMode="auto">
+          <a:xfrm>
+            <a:off x="1145136" y="382905"/>
+            <a:ext cx="2072656" cy="421640"/>
+          </a:xfrm>
+          <a:prstGeom prst="rect">
+            <a:avLst/>
+          </a:prstGeom>
+          <a:noFill/>
+          <a:extLst>
+            <a:ext uri="{909E8E84-426E-40DD-AFC4-6F175D3DCCD1}">
+              <a14:hiddenFill xmlns:a14="http://schemas.microsoft.com/office/drawing/2010/main">
+                <a:solidFill>
+                  <a:srgbClr val="FFFFFF"/>
+                </a:solidFill>
+              </a14:hiddenFill>
+            </a:ext>
+          </a:extLst>
+        </p:spPr>
+      </p:pic>
+    </p:spTree>
+    <p:extLst>
+      <p:ext uri="{BB962C8B-B14F-4D97-AF65-F5344CB8AC3E}">
+        <p14:creationId xmlns:p14="http://schemas.microsoft.com/office/powerpoint/2010/main" val="2285725612"/>
+      </p:ext>
+    </p:extLst>
+  </p:cSld>
+  <p:clrMapOvr>
+    <a:masterClrMapping/>
+  </p:clrMapOvr>
+</p:sld>
+</file>
+
+<file path=ppt/slides/slide28.xml><?xml version="1.0" encoding="utf-8"?>
+<p:sld xmlns:a="http://schemas.openxmlformats.org/drawingml/2006/main" xmlns:r="http://schemas.openxmlformats.org/officeDocument/2006/relationships" xmlns:p="http://schemas.openxmlformats.org/presentationml/2006/main">
+  <p:cSld>
+    <p:spTree>
+      <p:nvGrpSpPr>
+        <p:cNvPr id="1" name=""/>
+        <p:cNvGrpSpPr/>
+        <p:nvPr/>
+      </p:nvGrpSpPr>
+      <p:grpSpPr>
+        <a:xfrm>
+          <a:off x="0" y="0"/>
+          <a:ext cx="0" cy="0"/>
+          <a:chOff x="0" y="0"/>
+          <a:chExt cx="0" cy="0"/>
+        </a:xfrm>
+      </p:grpSpPr>
+      <p:sp>
+        <p:nvSpPr>
+          <p:cNvPr id="4" name="Rectangle: Rounded Corners 3">
+            <a:extLst>
+              <a:ext uri="{FF2B5EF4-FFF2-40B4-BE49-F238E27FC236}">
+                <a16:creationId xmlns:a16="http://schemas.microsoft.com/office/drawing/2014/main" id="{8D6D9DF0-36ED-4863-B918-F6735D13A7C1}"/>
+              </a:ext>
+            </a:extLst>
+          </p:cNvPr>
+          <p:cNvSpPr/>
+          <p:nvPr/>
+        </p:nvSpPr>
+        <p:spPr>
+          <a:xfrm>
+            <a:off x="0" y="0"/>
+            <a:ext cx="3563938" cy="1187450"/>
+          </a:xfrm>
+          <a:prstGeom prst="roundRect">
+            <a:avLst>
+              <a:gd name="adj" fmla="val 50000"/>
+            </a:avLst>
+          </a:prstGeom>
+          <a:gradFill flip="none" rotWithShape="1">
+            <a:gsLst>
+              <a:gs pos="26000">
+                <a:schemeClr val="tx1">
+                  <a:lumMod val="95000"/>
+                  <a:lumOff val="5000"/>
+                </a:schemeClr>
+              </a:gs>
+              <a:gs pos="100000">
+                <a:schemeClr val="accent2">
+                  <a:lumMod val="50000"/>
+                </a:schemeClr>
+              </a:gs>
+            </a:gsLst>
+            <a:lin ang="2700000" scaled="0"/>
+            <a:tileRect/>
+          </a:gradFill>
+          <a:ln>
+            <a:noFill/>
+          </a:ln>
+        </p:spPr>
+        <p:style>
+          <a:lnRef idx="2">
+            <a:schemeClr val="accent1">
+              <a:shade val="50000"/>
+            </a:schemeClr>
+          </a:lnRef>
+          <a:fillRef idx="1">
+            <a:schemeClr val="accent1"/>
+          </a:fillRef>
+          <a:effectRef idx="0">
+            <a:schemeClr val="accent1"/>
+          </a:effectRef>
+          <a:fontRef idx="minor">
+            <a:schemeClr val="lt1"/>
+          </a:fontRef>
+        </p:style>
+        <p:txBody>
+          <a:bodyPr rtlCol="0" anchor="ctr"/>
+          <a:lstStyle/>
+          <a:p>
+            <a:pPr algn="ctr"/>
+            <a:endParaRPr lang="en-US" dirty="0"/>
+          </a:p>
+        </p:txBody>
+      </p:sp>
+      <p:sp>
+        <p:nvSpPr>
+          <p:cNvPr id="2" name="TextBox 1">
+            <a:extLst>
+              <a:ext uri="{FF2B5EF4-FFF2-40B4-BE49-F238E27FC236}">
+                <a16:creationId xmlns:a16="http://schemas.microsoft.com/office/drawing/2014/main" id="{549FBF46-2A4E-45D5-9682-423BACB68B64}"/>
+              </a:ext>
+            </a:extLst>
+          </p:cNvPr>
+          <p:cNvSpPr txBox="1"/>
+          <p:nvPr/>
+        </p:nvSpPr>
+        <p:spPr>
+          <a:xfrm>
+            <a:off x="682228" y="55116"/>
+            <a:ext cx="2199482" cy="1077218"/>
+          </a:xfrm>
+          <a:prstGeom prst="rect">
+            <a:avLst/>
+          </a:prstGeom>
+          <a:noFill/>
+        </p:spPr>
+        <p:txBody>
+          <a:bodyPr wrap="square" rtlCol="0">
+            <a:spAutoFit/>
+          </a:bodyPr>
+          <a:lstStyle/>
+          <a:p>
+            <a:pPr algn="dist"/>
+            <a:r>
+              <a:rPr lang="id-ID" sz="3200" dirty="0">
+                <a:solidFill>
+                  <a:schemeClr val="bg1"/>
+                </a:solidFill>
+                <a:latin typeface="Arabica Export" panose="02000500000000000000" pitchFamily="2" charset="0"/>
+              </a:rPr>
+              <a:t>Hunter No Sekai</a:t>
+            </a:r>
+            <a:endParaRPr lang="en-US" sz="3200" dirty="0">
+              <a:solidFill>
+                <a:schemeClr val="bg1"/>
+              </a:solidFill>
+              <a:latin typeface="Arabica Export" panose="02000500000000000000" pitchFamily="2" charset="0"/>
+            </a:endParaRPr>
+          </a:p>
+        </p:txBody>
+      </p:sp>
+    </p:spTree>
+    <p:extLst>
+      <p:ext uri="{BB962C8B-B14F-4D97-AF65-F5344CB8AC3E}">
+        <p14:creationId xmlns:p14="http://schemas.microsoft.com/office/powerpoint/2010/main" val="4156622531"/>
+      </p:ext>
+    </p:extLst>
+  </p:cSld>
+  <p:clrMapOvr>
+    <a:masterClrMapping/>
+  </p:clrMapOvr>
+</p:sld>
+</file>
+
+<file path=ppt/slides/slide29.xml><?xml version="1.0" encoding="utf-8"?>
 <p:sld xmlns:a="http://schemas.openxmlformats.org/drawingml/2006/main" xmlns:r="http://schemas.openxmlformats.org/officeDocument/2006/relationships" xmlns:p="http://schemas.openxmlformats.org/presentationml/2006/main">
   <p:cSld>
     <p:spTree>
@@ -8443,284 +9327,6 @@
 </p:sld>
 </file>
 
-<file path=ppt/slides/slide28.xml><?xml version="1.0" encoding="utf-8"?>
-<p:sld xmlns:a="http://schemas.openxmlformats.org/drawingml/2006/main" xmlns:r="http://schemas.openxmlformats.org/officeDocument/2006/relationships" xmlns:p="http://schemas.openxmlformats.org/presentationml/2006/main">
-  <p:cSld>
-    <p:spTree>
-      <p:nvGrpSpPr>
-        <p:cNvPr id="1" name=""/>
-        <p:cNvGrpSpPr/>
-        <p:nvPr/>
-      </p:nvGrpSpPr>
-      <p:grpSpPr>
-        <a:xfrm>
-          <a:off x="0" y="0"/>
-          <a:ext cx="0" cy="0"/>
-          <a:chOff x="0" y="0"/>
-          <a:chExt cx="0" cy="0"/>
-        </a:xfrm>
-      </p:grpSpPr>
-      <p:sp>
-        <p:nvSpPr>
-          <p:cNvPr id="4" name="Rectangle: Rounded Corners 3">
-            <a:extLst>
-              <a:ext uri="{FF2B5EF4-FFF2-40B4-BE49-F238E27FC236}">
-                <a16:creationId xmlns:a16="http://schemas.microsoft.com/office/drawing/2014/main" id="{8D6D9DF0-36ED-4863-B918-F6735D13A7C1}"/>
-              </a:ext>
-            </a:extLst>
-          </p:cNvPr>
-          <p:cNvSpPr/>
-          <p:nvPr/>
-        </p:nvSpPr>
-        <p:spPr>
-          <a:xfrm>
-            <a:off x="0" y="0"/>
-            <a:ext cx="3563938" cy="1187450"/>
-          </a:xfrm>
-          <a:prstGeom prst="roundRect">
-            <a:avLst>
-              <a:gd name="adj" fmla="val 50000"/>
-            </a:avLst>
-          </a:prstGeom>
-          <a:gradFill flip="none" rotWithShape="1">
-            <a:gsLst>
-              <a:gs pos="26000">
-                <a:schemeClr val="tx1"/>
-              </a:gs>
-              <a:gs pos="100000">
-                <a:srgbClr val="C00000"/>
-              </a:gs>
-            </a:gsLst>
-            <a:lin ang="2700000" scaled="0"/>
-            <a:tileRect/>
-          </a:gradFill>
-          <a:ln>
-            <a:noFill/>
-          </a:ln>
-        </p:spPr>
-        <p:style>
-          <a:lnRef idx="2">
-            <a:schemeClr val="accent1">
-              <a:shade val="50000"/>
-            </a:schemeClr>
-          </a:lnRef>
-          <a:fillRef idx="1">
-            <a:schemeClr val="accent1"/>
-          </a:fillRef>
-          <a:effectRef idx="0">
-            <a:schemeClr val="accent1"/>
-          </a:effectRef>
-          <a:fontRef idx="minor">
-            <a:schemeClr val="lt1"/>
-          </a:fontRef>
-        </p:style>
-        <p:txBody>
-          <a:bodyPr rtlCol="0" anchor="ctr"/>
-          <a:lstStyle/>
-          <a:p>
-            <a:pPr algn="ctr"/>
-            <a:endParaRPr lang="en-US" dirty="0"/>
-          </a:p>
-        </p:txBody>
-      </p:sp>
-      <p:pic>
-        <p:nvPicPr>
-          <p:cNvPr id="20482" name="Picture 2" descr="https://i0.wp.com/www.samehada.co/wp-content/uploads/2018/11/logo_samehadaku.png?fit=500%2C140">
-            <a:extLst>
-              <a:ext uri="{FF2B5EF4-FFF2-40B4-BE49-F238E27FC236}">
-                <a16:creationId xmlns:a16="http://schemas.microsoft.com/office/drawing/2014/main" id="{BE669853-F669-496A-BEB1-969A6F93CAD5}"/>
-              </a:ext>
-            </a:extLst>
-          </p:cNvPr>
-          <p:cNvPicPr>
-            <a:picLocks noChangeAspect="1" noChangeArrowheads="1"/>
-          </p:cNvPicPr>
-          <p:nvPr/>
-        </p:nvPicPr>
-        <p:blipFill>
-          <a:blip r:embed="rId2">
-            <a:extLst>
-              <a:ext uri="{28A0092B-C50C-407E-A947-70E740481C1C}">
-                <a14:useLocalDpi xmlns:a14="http://schemas.microsoft.com/office/drawing/2010/main" val="0"/>
-              </a:ext>
-            </a:extLst>
-          </a:blip>
-          <a:srcRect/>
-          <a:stretch>
-            <a:fillRect/>
-          </a:stretch>
-        </p:blipFill>
-        <p:spPr bwMode="auto">
-          <a:xfrm>
-            <a:off x="234509" y="160160"/>
-            <a:ext cx="3094919" cy="867129"/>
-          </a:xfrm>
-          <a:prstGeom prst="rect">
-            <a:avLst/>
-          </a:prstGeom>
-          <a:noFill/>
-          <a:extLst>
-            <a:ext uri="{909E8E84-426E-40DD-AFC4-6F175D3DCCD1}">
-              <a14:hiddenFill xmlns:a14="http://schemas.microsoft.com/office/drawing/2010/main">
-                <a:solidFill>
-                  <a:srgbClr val="FFFFFF"/>
-                </a:solidFill>
-              </a14:hiddenFill>
-            </a:ext>
-          </a:extLst>
-        </p:spPr>
-      </p:pic>
-    </p:spTree>
-    <p:extLst>
-      <p:ext uri="{BB962C8B-B14F-4D97-AF65-F5344CB8AC3E}">
-        <p14:creationId xmlns:p14="http://schemas.microsoft.com/office/powerpoint/2010/main" val="854272974"/>
-      </p:ext>
-    </p:extLst>
-  </p:cSld>
-  <p:clrMapOvr>
-    <a:masterClrMapping/>
-  </p:clrMapOvr>
-</p:sld>
-</file>
-
-<file path=ppt/slides/slide29.xml><?xml version="1.0" encoding="utf-8"?>
-<p:sld xmlns:a="http://schemas.openxmlformats.org/drawingml/2006/main" xmlns:r="http://schemas.openxmlformats.org/officeDocument/2006/relationships" xmlns:p="http://schemas.openxmlformats.org/presentationml/2006/main">
-  <p:cSld>
-    <p:spTree>
-      <p:nvGrpSpPr>
-        <p:cNvPr id="1" name=""/>
-        <p:cNvGrpSpPr/>
-        <p:nvPr/>
-      </p:nvGrpSpPr>
-      <p:grpSpPr>
-        <a:xfrm>
-          <a:off x="0" y="0"/>
-          <a:ext cx="0" cy="0"/>
-          <a:chOff x="0" y="0"/>
-          <a:chExt cx="0" cy="0"/>
-        </a:xfrm>
-      </p:grpSpPr>
-      <p:sp>
-        <p:nvSpPr>
-          <p:cNvPr id="4" name="Rectangle: Rounded Corners 3">
-            <a:extLst>
-              <a:ext uri="{FF2B5EF4-FFF2-40B4-BE49-F238E27FC236}">
-                <a16:creationId xmlns:a16="http://schemas.microsoft.com/office/drawing/2014/main" id="{8D6D9DF0-36ED-4863-B918-F6735D13A7C1}"/>
-              </a:ext>
-            </a:extLst>
-          </p:cNvPr>
-          <p:cNvSpPr/>
-          <p:nvPr/>
-        </p:nvSpPr>
-        <p:spPr>
-          <a:xfrm>
-            <a:off x="0" y="0"/>
-            <a:ext cx="3563938" cy="1187450"/>
-          </a:xfrm>
-          <a:prstGeom prst="roundRect">
-            <a:avLst>
-              <a:gd name="adj" fmla="val 50000"/>
-            </a:avLst>
-          </a:prstGeom>
-          <a:gradFill flip="none" rotWithShape="1">
-            <a:gsLst>
-              <a:gs pos="26000">
-                <a:srgbClr val="700000"/>
-              </a:gs>
-              <a:gs pos="100000">
-                <a:srgbClr val="C00000"/>
-              </a:gs>
-            </a:gsLst>
-            <a:lin ang="2700000" scaled="0"/>
-            <a:tileRect/>
-          </a:gradFill>
-          <a:ln>
-            <a:noFill/>
-          </a:ln>
-        </p:spPr>
-        <p:style>
-          <a:lnRef idx="2">
-            <a:schemeClr val="accent1">
-              <a:shade val="50000"/>
-            </a:schemeClr>
-          </a:lnRef>
-          <a:fillRef idx="1">
-            <a:schemeClr val="accent1"/>
-          </a:fillRef>
-          <a:effectRef idx="0">
-            <a:schemeClr val="accent1"/>
-          </a:effectRef>
-          <a:fontRef idx="minor">
-            <a:schemeClr val="lt1"/>
-          </a:fontRef>
-        </p:style>
-        <p:txBody>
-          <a:bodyPr rtlCol="0" anchor="ctr"/>
-          <a:lstStyle/>
-          <a:p>
-            <a:pPr algn="ctr"/>
-            <a:endParaRPr lang="en-US" dirty="0"/>
-          </a:p>
-        </p:txBody>
-      </p:sp>
-      <p:sp>
-        <p:nvSpPr>
-          <p:cNvPr id="2" name="TextBox 1">
-            <a:extLst>
-              <a:ext uri="{FF2B5EF4-FFF2-40B4-BE49-F238E27FC236}">
-                <a16:creationId xmlns:a16="http://schemas.microsoft.com/office/drawing/2014/main" id="{549FBF46-2A4E-45D5-9682-423BACB68B64}"/>
-              </a:ext>
-            </a:extLst>
-          </p:cNvPr>
-          <p:cNvSpPr txBox="1"/>
-          <p:nvPr/>
-        </p:nvSpPr>
-        <p:spPr>
-          <a:xfrm>
-            <a:off x="278110" y="270559"/>
-            <a:ext cx="3007717" cy="646331"/>
-          </a:xfrm>
-          <a:prstGeom prst="rect">
-            <a:avLst/>
-          </a:prstGeom>
-          <a:noFill/>
-        </p:spPr>
-        <p:txBody>
-          <a:bodyPr wrap="square" rtlCol="0">
-            <a:spAutoFit/>
-          </a:bodyPr>
-          <a:lstStyle/>
-          <a:p>
-            <a:pPr algn="ctr"/>
-            <a:r>
-              <a:rPr lang="id-ID" sz="3600" dirty="0">
-                <a:solidFill>
-                  <a:schemeClr val="bg1"/>
-                </a:solidFill>
-              </a:rPr>
-              <a:t>Yuki Fansub</a:t>
-            </a:r>
-            <a:endParaRPr lang="en-US" sz="3600" dirty="0">
-              <a:solidFill>
-                <a:schemeClr val="bg1"/>
-              </a:solidFill>
-            </a:endParaRPr>
-          </a:p>
-        </p:txBody>
-      </p:sp>
-    </p:spTree>
-    <p:extLst>
-      <p:ext uri="{BB962C8B-B14F-4D97-AF65-F5344CB8AC3E}">
-        <p14:creationId xmlns:p14="http://schemas.microsoft.com/office/powerpoint/2010/main" val="701272778"/>
-      </p:ext>
-    </p:extLst>
-  </p:cSld>
-  <p:clrMapOvr>
-    <a:masterClrMapping/>
-  </p:clrMapOvr>
-</p:sld>
-</file>
-
 <file path=ppt/slides/slide3.xml><?xml version="1.0" encoding="utf-8"?>
 <p:sld xmlns:a="http://schemas.openxmlformats.org/drawingml/2006/main" xmlns:r="http://schemas.openxmlformats.org/officeDocument/2006/relationships" xmlns:p="http://schemas.openxmlformats.org/presentationml/2006/main">
   <p:cSld>
@@ -8967,7 +9573,7 @@
                 <a:srgbClr val="481F67"/>
               </a:gs>
               <a:gs pos="100000">
-                <a:srgbClr val="E4ABDA"/>
+                <a:srgbClr val="7030A0"/>
               </a:gs>
             </a:gsLst>
             <a:lin ang="2700000" scaled="0"/>
@@ -9016,7 +9622,7 @@
         </p:nvSpPr>
         <p:spPr>
           <a:xfrm>
-            <a:off x="278110" y="346759"/>
+            <a:off x="278110" y="270559"/>
             <a:ext cx="3007717" cy="646331"/>
           </a:xfrm>
           <a:prstGeom prst="rect">
@@ -9032,19 +9638,19 @@
           <a:p>
             <a:pPr algn="ctr"/>
             <a:r>
-              <a:rPr lang="en-US" sz="3600" dirty="0" err="1">
+              <a:rPr lang="id-ID" sz="3600" dirty="0">
                 <a:solidFill>
                   <a:schemeClr val="bg1"/>
                 </a:solidFill>
-                <a:latin typeface="Poppins"/>
+                <a:latin typeface="Exo 2" panose="00000500000000000000" pitchFamily="50" charset="0"/>
               </a:rPr>
-              <a:t>ZenSub</a:t>
+              <a:t>D-ANIMESUB</a:t>
             </a:r>
             <a:endParaRPr lang="en-US" sz="3600" dirty="0">
               <a:solidFill>
                 <a:schemeClr val="bg1"/>
               </a:solidFill>
-              <a:latin typeface="Poppins"/>
+              <a:latin typeface="Exo 2" panose="00000500000000000000" pitchFamily="50" charset="0"/>
             </a:endParaRPr>
           </a:p>
         </p:txBody>
@@ -9052,7 +9658,7 @@
     </p:spTree>
     <p:extLst>
       <p:ext uri="{BB962C8B-B14F-4D97-AF65-F5344CB8AC3E}">
-        <p14:creationId xmlns:p14="http://schemas.microsoft.com/office/powerpoint/2010/main" val="1069654171"/>
+        <p14:creationId xmlns:p14="http://schemas.microsoft.com/office/powerpoint/2010/main" val="913660653"/>
       </p:ext>
     </p:extLst>
   </p:cSld>
@@ -9103,11 +9709,11 @@
           </a:prstGeom>
           <a:gradFill flip="none" rotWithShape="1">
             <a:gsLst>
-              <a:gs pos="30000">
-                <a:srgbClr val="B42F33"/>
+              <a:gs pos="26000">
+                <a:srgbClr val="481F67"/>
               </a:gs>
               <a:gs pos="100000">
-                <a:srgbClr val="281B79"/>
+                <a:srgbClr val="E4ABDA"/>
               </a:gs>
             </a:gsLst>
             <a:lin ang="2700000" scaled="0"/>
@@ -9142,57 +9748,57 @@
           </a:p>
         </p:txBody>
       </p:sp>
-      <p:pic>
-        <p:nvPicPr>
-          <p:cNvPr id="3074" name="Picture 2" descr="[webp-to-png output image]">
+      <p:sp>
+        <p:nvSpPr>
+          <p:cNvPr id="2" name="TextBox 1">
             <a:extLst>
               <a:ext uri="{FF2B5EF4-FFF2-40B4-BE49-F238E27FC236}">
-                <a16:creationId xmlns:a16="http://schemas.microsoft.com/office/drawing/2014/main" id="{8B09A652-E1F5-4F82-8C4F-C28AAC002534}"/>
+                <a16:creationId xmlns:a16="http://schemas.microsoft.com/office/drawing/2014/main" id="{549FBF46-2A4E-45D5-9682-423BACB68B64}"/>
               </a:ext>
             </a:extLst>
           </p:cNvPr>
-          <p:cNvPicPr>
-            <a:picLocks noChangeAspect="1" noChangeArrowheads="1"/>
-          </p:cNvPicPr>
+          <p:cNvSpPr txBox="1"/>
           <p:nvPr/>
-        </p:nvPicPr>
-        <p:blipFill>
-          <a:blip r:embed="rId2">
-            <a:extLst>
-              <a:ext uri="{28A0092B-C50C-407E-A947-70E740481C1C}">
-                <a14:useLocalDpi xmlns:a14="http://schemas.microsoft.com/office/drawing/2010/main" val="0"/>
-              </a:ext>
-            </a:extLst>
-          </a:blip>
-          <a:srcRect/>
-          <a:stretch>
-            <a:fillRect/>
-          </a:stretch>
-        </p:blipFill>
-        <p:spPr bwMode="auto">
-          <a:xfrm>
-            <a:off x="315119" y="297741"/>
-            <a:ext cx="2933700" cy="591967"/>
+        </p:nvSpPr>
+        <p:spPr>
+          <a:xfrm>
+            <a:off x="278110" y="346759"/>
+            <a:ext cx="3007717" cy="646331"/>
           </a:xfrm>
           <a:prstGeom prst="rect">
             <a:avLst/>
           </a:prstGeom>
           <a:noFill/>
-          <a:extLst>
-            <a:ext uri="{909E8E84-426E-40DD-AFC4-6F175D3DCCD1}">
-              <a14:hiddenFill xmlns:a14="http://schemas.microsoft.com/office/drawing/2010/main">
+        </p:spPr>
+        <p:txBody>
+          <a:bodyPr wrap="square" rtlCol="0">
+            <a:spAutoFit/>
+          </a:bodyPr>
+          <a:lstStyle/>
+          <a:p>
+            <a:pPr algn="ctr"/>
+            <a:r>
+              <a:rPr lang="en-US" sz="3600" dirty="0" err="1">
                 <a:solidFill>
-                  <a:srgbClr val="FFFFFF"/>
+                  <a:schemeClr val="bg1"/>
                 </a:solidFill>
-              </a14:hiddenFill>
-            </a:ext>
-          </a:extLst>
-        </p:spPr>
-      </p:pic>
+                <a:latin typeface="Poppins"/>
+              </a:rPr>
+              <a:t>ZenSub</a:t>
+            </a:r>
+            <a:endParaRPr lang="en-US" sz="3600" dirty="0">
+              <a:solidFill>
+                <a:schemeClr val="bg1"/>
+              </a:solidFill>
+              <a:latin typeface="Poppins"/>
+            </a:endParaRPr>
+          </a:p>
+        </p:txBody>
+      </p:sp>
     </p:spTree>
     <p:extLst>
       <p:ext uri="{BB962C8B-B14F-4D97-AF65-F5344CB8AC3E}">
-        <p14:creationId xmlns:p14="http://schemas.microsoft.com/office/powerpoint/2010/main" val="2044909443"/>
+        <p14:creationId xmlns:p14="http://schemas.microsoft.com/office/powerpoint/2010/main" val="1069654171"/>
       </p:ext>
     </p:extLst>
   </p:cSld>
@@ -9243,11 +9849,11 @@
           </a:prstGeom>
           <a:gradFill flip="none" rotWithShape="1">
             <a:gsLst>
-              <a:gs pos="30000">
-                <a:srgbClr val="685454"/>
+              <a:gs pos="26000">
+                <a:srgbClr val="700000"/>
               </a:gs>
               <a:gs pos="100000">
-                <a:srgbClr val="C23A4C"/>
+                <a:srgbClr val="C00000"/>
               </a:gs>
             </a:gsLst>
             <a:lin ang="2700000" scaled="0"/>
@@ -9282,40 +9888,55 @@
           </a:p>
         </p:txBody>
       </p:sp>
-      <p:pic>
-        <p:nvPicPr>
-          <p:cNvPr id="2" name="Picture 1">
+      <p:sp>
+        <p:nvSpPr>
+          <p:cNvPr id="2" name="TextBox 1">
             <a:extLst>
               <a:ext uri="{FF2B5EF4-FFF2-40B4-BE49-F238E27FC236}">
-                <a16:creationId xmlns:a16="http://schemas.microsoft.com/office/drawing/2014/main" id="{16B8992A-5E69-4B8C-A724-B6D980F84F67}"/>
+                <a16:creationId xmlns:a16="http://schemas.microsoft.com/office/drawing/2014/main" id="{549FBF46-2A4E-45D5-9682-423BACB68B64}"/>
               </a:ext>
             </a:extLst>
           </p:cNvPr>
-          <p:cNvPicPr>
-            <a:picLocks noChangeAspect="1"/>
-          </p:cNvPicPr>
+          <p:cNvSpPr txBox="1"/>
           <p:nvPr/>
-        </p:nvPicPr>
-        <p:blipFill>
-          <a:blip r:embed="rId2"/>
-          <a:stretch>
-            <a:fillRect/>
-          </a:stretch>
-        </p:blipFill>
+        </p:nvSpPr>
         <p:spPr>
           <a:xfrm>
-            <a:off x="424656" y="335835"/>
-            <a:ext cx="2714625" cy="515779"/>
+            <a:off x="278110" y="270559"/>
+            <a:ext cx="3007717" cy="646331"/>
           </a:xfrm>
           <a:prstGeom prst="rect">
             <a:avLst/>
           </a:prstGeom>
-        </p:spPr>
-      </p:pic>
+          <a:noFill/>
+        </p:spPr>
+        <p:txBody>
+          <a:bodyPr wrap="square" rtlCol="0">
+            <a:spAutoFit/>
+          </a:bodyPr>
+          <a:lstStyle/>
+          <a:p>
+            <a:pPr algn="ctr"/>
+            <a:r>
+              <a:rPr lang="id-ID" sz="3600" dirty="0">
+                <a:solidFill>
+                  <a:schemeClr val="bg1"/>
+                </a:solidFill>
+              </a:rPr>
+              <a:t>Yuki Fansub</a:t>
+            </a:r>
+            <a:endParaRPr lang="en-US" sz="3600" dirty="0">
+              <a:solidFill>
+                <a:schemeClr val="bg1"/>
+              </a:solidFill>
+            </a:endParaRPr>
+          </a:p>
+        </p:txBody>
+      </p:sp>
     </p:spTree>
     <p:extLst>
       <p:ext uri="{BB962C8B-B14F-4D97-AF65-F5344CB8AC3E}">
-        <p14:creationId xmlns:p14="http://schemas.microsoft.com/office/powerpoint/2010/main" val="2001192933"/>
+        <p14:creationId xmlns:p14="http://schemas.microsoft.com/office/powerpoint/2010/main" val="701272778"/>
       </p:ext>
     </p:extLst>
   </p:cSld>
@@ -9367,10 +9988,10 @@
           <a:gradFill flip="none" rotWithShape="1">
             <a:gsLst>
               <a:gs pos="26000">
-                <a:schemeClr val="tx1"/>
+                <a:srgbClr val="663300"/>
               </a:gs>
               <a:gs pos="100000">
-                <a:srgbClr val="236467"/>
+                <a:srgbClr val="CC9900"/>
               </a:gs>
             </a:gsLst>
             <a:lin ang="2700000" scaled="0"/>
@@ -9405,66 +10026,55 @@
           </a:p>
         </p:txBody>
       </p:sp>
-      <p:pic>
-        <p:nvPicPr>
-          <p:cNvPr id="21506" name="Picture 2" descr="http://animeindo.moe/wp-content/themes/animeindo/img/logo.png">
+      <p:sp>
+        <p:nvSpPr>
+          <p:cNvPr id="2" name="TextBox 1">
             <a:extLst>
               <a:ext uri="{FF2B5EF4-FFF2-40B4-BE49-F238E27FC236}">
-                <a16:creationId xmlns:a16="http://schemas.microsoft.com/office/drawing/2014/main" id="{5EB05C5C-E7CE-4371-B09E-37C4279C7212}"/>
+                <a16:creationId xmlns:a16="http://schemas.microsoft.com/office/drawing/2014/main" id="{549FBF46-2A4E-45D5-9682-423BACB68B64}"/>
               </a:ext>
             </a:extLst>
           </p:cNvPr>
-          <p:cNvPicPr>
-            <a:picLocks noChangeAspect="1" noChangeArrowheads="1"/>
-          </p:cNvPicPr>
+          <p:cNvSpPr txBox="1"/>
           <p:nvPr/>
-        </p:nvPicPr>
-        <p:blipFill>
-          <a:blip r:embed="rId2">
-            <a:extLst>
-              <a:ext uri="{BEBA8EAE-BF5A-486C-A8C5-ECC9F3942E4B}">
-                <a14:imgProps xmlns:a14="http://schemas.microsoft.com/office/drawing/2010/main">
-                  <a14:imgLayer r:embed="rId3">
-                    <a14:imgEffect>
-                      <a14:brightnessContrast bright="40000" contrast="40000"/>
-                    </a14:imgEffect>
-                  </a14:imgLayer>
-                </a14:imgProps>
-              </a:ext>
-              <a:ext uri="{28A0092B-C50C-407E-A947-70E740481C1C}">
-                <a14:useLocalDpi xmlns:a14="http://schemas.microsoft.com/office/drawing/2010/main" val="0"/>
-              </a:ext>
-            </a:extLst>
-          </a:blip>
-          <a:srcRect/>
-          <a:stretch>
-            <a:fillRect/>
-          </a:stretch>
-        </p:blipFill>
-        <p:spPr bwMode="auto">
-          <a:xfrm>
-            <a:off x="677069" y="170180"/>
-            <a:ext cx="2209800" cy="847090"/>
+        </p:nvSpPr>
+        <p:spPr>
+          <a:xfrm>
+            <a:off x="278110" y="270559"/>
+            <a:ext cx="3007717" cy="646331"/>
           </a:xfrm>
           <a:prstGeom prst="rect">
             <a:avLst/>
           </a:prstGeom>
           <a:noFill/>
-          <a:extLst>
-            <a:ext uri="{909E8E84-426E-40DD-AFC4-6F175D3DCCD1}">
-              <a14:hiddenFill xmlns:a14="http://schemas.microsoft.com/office/drawing/2010/main">
+        </p:spPr>
+        <p:txBody>
+          <a:bodyPr wrap="square" rtlCol="0">
+            <a:spAutoFit/>
+          </a:bodyPr>
+          <a:lstStyle/>
+          <a:p>
+            <a:pPr algn="ctr"/>
+            <a:r>
+              <a:rPr lang="id-ID" sz="3600" dirty="0">
                 <a:solidFill>
-                  <a:srgbClr val="FFFFFF"/>
+                  <a:schemeClr val="bg1"/>
                 </a:solidFill>
-              </a14:hiddenFill>
-            </a:ext>
-          </a:extLst>
-        </p:spPr>
-      </p:pic>
+              </a:rPr>
+              <a:t>Anitoki</a:t>
+            </a:r>
+            <a:endParaRPr lang="en-US" sz="3600" dirty="0">
+              <a:solidFill>
+                <a:schemeClr val="bg1"/>
+              </a:solidFill>
+            </a:endParaRPr>
+          </a:p>
+        </p:txBody>
+      </p:sp>
     </p:spTree>
     <p:extLst>
       <p:ext uri="{BB962C8B-B14F-4D97-AF65-F5344CB8AC3E}">
-        <p14:creationId xmlns:p14="http://schemas.microsoft.com/office/powerpoint/2010/main" val="2359361241"/>
+        <p14:creationId xmlns:p14="http://schemas.microsoft.com/office/powerpoint/2010/main" val="1736296804"/>
       </p:ext>
     </p:extLst>
   </p:cSld>
@@ -9515,11 +10125,11 @@
           </a:prstGeom>
           <a:gradFill flip="none" rotWithShape="1">
             <a:gsLst>
-              <a:gs pos="0">
-                <a:srgbClr val="000000"/>
+              <a:gs pos="26000">
+                <a:srgbClr val="020321"/>
               </a:gs>
               <a:gs pos="100000">
-                <a:srgbClr val="C15223"/>
+                <a:srgbClr val="202D91"/>
               </a:gs>
             </a:gsLst>
             <a:lin ang="2700000" scaled="0"/>
@@ -9554,57 +10164,57 @@
           </a:p>
         </p:txBody>
       </p:sp>
-      <p:pic>
-        <p:nvPicPr>
-          <p:cNvPr id="5122" name="Picture 2" descr="https://anoboy.org/wp-content/uploads/2018/12/newlogo-1.png">
+      <p:sp>
+        <p:nvSpPr>
+          <p:cNvPr id="3" name="TextBox 2">
             <a:extLst>
               <a:ext uri="{FF2B5EF4-FFF2-40B4-BE49-F238E27FC236}">
-                <a16:creationId xmlns:a16="http://schemas.microsoft.com/office/drawing/2014/main" id="{9E0E7F98-38F1-4458-AD2D-F1A18A257714}"/>
+                <a16:creationId xmlns:a16="http://schemas.microsoft.com/office/drawing/2014/main" id="{7872C401-B53A-4101-AE6A-EACD671B1CDD}"/>
               </a:ext>
             </a:extLst>
           </p:cNvPr>
-          <p:cNvPicPr>
-            <a:picLocks noChangeAspect="1" noChangeArrowheads="1"/>
-          </p:cNvPicPr>
+          <p:cNvSpPr txBox="1"/>
           <p:nvPr/>
-        </p:nvPicPr>
-        <p:blipFill>
-          <a:blip r:embed="rId2">
-            <a:extLst>
-              <a:ext uri="{28A0092B-C50C-407E-A947-70E740481C1C}">
-                <a14:useLocalDpi xmlns:a14="http://schemas.microsoft.com/office/drawing/2010/main" val="0"/>
-              </a:ext>
-            </a:extLst>
-          </a:blip>
-          <a:srcRect/>
-          <a:stretch>
-            <a:fillRect/>
-          </a:stretch>
-        </p:blipFill>
-        <p:spPr bwMode="auto">
-          <a:xfrm>
-            <a:off x="362140" y="280987"/>
-            <a:ext cx="2839657" cy="625475"/>
+        </p:nvSpPr>
+        <p:spPr>
+          <a:xfrm>
+            <a:off x="387509" y="140424"/>
+            <a:ext cx="2788920" cy="769441"/>
           </a:xfrm>
           <a:prstGeom prst="rect">
             <a:avLst/>
           </a:prstGeom>
           <a:noFill/>
-          <a:extLst>
-            <a:ext uri="{909E8E84-426E-40DD-AFC4-6F175D3DCCD1}">
-              <a14:hiddenFill xmlns:a14="http://schemas.microsoft.com/office/drawing/2010/main">
+        </p:spPr>
+        <p:txBody>
+          <a:bodyPr wrap="square" rtlCol="0">
+            <a:spAutoFit/>
+          </a:bodyPr>
+          <a:lstStyle/>
+          <a:p>
+            <a:pPr algn="ctr"/>
+            <a:r>
+              <a:rPr lang="id-ID" sz="4400" dirty="0">
                 <a:solidFill>
-                  <a:srgbClr val="FFFFFF"/>
+                  <a:schemeClr val="bg1"/>
                 </a:solidFill>
-              </a14:hiddenFill>
-            </a:ext>
-          </a:extLst>
-        </p:spPr>
-      </p:pic>
+                <a:latin typeface="Single Fighter" panose="02000500000000000000" pitchFamily="50" charset="0"/>
+              </a:rPr>
+              <a:t>KAZEFURI</a:t>
+            </a:r>
+            <a:endParaRPr lang="en-US" sz="4400" dirty="0">
+              <a:solidFill>
+                <a:schemeClr val="bg1"/>
+              </a:solidFill>
+              <a:latin typeface="Single Fighter" panose="02000500000000000000" pitchFamily="50" charset="0"/>
+            </a:endParaRPr>
+          </a:p>
+        </p:txBody>
+      </p:sp>
     </p:spTree>
     <p:extLst>
       <p:ext uri="{BB962C8B-B14F-4D97-AF65-F5344CB8AC3E}">
-        <p14:creationId xmlns:p14="http://schemas.microsoft.com/office/powerpoint/2010/main" val="743538766"/>
+        <p14:creationId xmlns:p14="http://schemas.microsoft.com/office/powerpoint/2010/main" val="3545101030"/>
       </p:ext>
     </p:extLst>
   </p:cSld>
@@ -9655,11 +10265,13 @@
           </a:prstGeom>
           <a:gradFill flip="none" rotWithShape="1">
             <a:gsLst>
-              <a:gs pos="27000">
-                <a:srgbClr val="000000"/>
+              <a:gs pos="26000">
+                <a:schemeClr val="accent6">
+                  <a:lumMod val="50000"/>
+                </a:schemeClr>
               </a:gs>
               <a:gs pos="100000">
-                <a:srgbClr val="C15223"/>
+                <a:schemeClr val="accent6"/>
               </a:gs>
             </a:gsLst>
             <a:lin ang="2700000" scaled="0"/>
@@ -9696,55 +10308,38 @@
       </p:sp>
       <p:pic>
         <p:nvPicPr>
-          <p:cNvPr id="6146" name="Picture 2" descr="https://img.akubebas.com/images/logo-indo.png">
+          <p:cNvPr id="5" name="Picture 4">
             <a:extLst>
               <a:ext uri="{FF2B5EF4-FFF2-40B4-BE49-F238E27FC236}">
-                <a16:creationId xmlns:a16="http://schemas.microsoft.com/office/drawing/2014/main" id="{B278300F-7126-4621-A21C-922518AC2535}"/>
+                <a16:creationId xmlns:a16="http://schemas.microsoft.com/office/drawing/2014/main" id="{9106F4F5-622B-4710-8FF8-2C736A20C365}"/>
               </a:ext>
             </a:extLst>
           </p:cNvPr>
           <p:cNvPicPr>
-            <a:picLocks noChangeAspect="1" noChangeArrowheads="1"/>
+            <a:picLocks noChangeAspect="1"/>
           </p:cNvPicPr>
           <p:nvPr/>
         </p:nvPicPr>
         <p:blipFill>
-          <a:blip r:embed="rId2">
-            <a:extLst>
-              <a:ext uri="{28A0092B-C50C-407E-A947-70E740481C1C}">
-                <a14:useLocalDpi xmlns:a14="http://schemas.microsoft.com/office/drawing/2010/main" val="0"/>
-              </a:ext>
-            </a:extLst>
-          </a:blip>
-          <a:srcRect/>
+          <a:blip r:embed="rId2"/>
           <a:stretch>
             <a:fillRect/>
           </a:stretch>
         </p:blipFill>
-        <p:spPr bwMode="auto">
-          <a:xfrm>
-            <a:off x="523081" y="292301"/>
-            <a:ext cx="2517776" cy="602847"/>
+        <p:spPr>
+          <a:xfrm>
+            <a:off x="320638" y="300030"/>
+            <a:ext cx="2922662" cy="587390"/>
           </a:xfrm>
           <a:prstGeom prst="rect">
             <a:avLst/>
           </a:prstGeom>
-          <a:noFill/>
-          <a:extLst>
-            <a:ext uri="{909E8E84-426E-40DD-AFC4-6F175D3DCCD1}">
-              <a14:hiddenFill xmlns:a14="http://schemas.microsoft.com/office/drawing/2010/main">
-                <a:solidFill>
-                  <a:srgbClr val="FFFFFF"/>
-                </a:solidFill>
-              </a14:hiddenFill>
-            </a:ext>
-          </a:extLst>
         </p:spPr>
       </p:pic>
     </p:spTree>
     <p:extLst>
       <p:ext uri="{BB962C8B-B14F-4D97-AF65-F5344CB8AC3E}">
-        <p14:creationId xmlns:p14="http://schemas.microsoft.com/office/powerpoint/2010/main" val="3562251831"/>
+        <p14:creationId xmlns:p14="http://schemas.microsoft.com/office/powerpoint/2010/main" val="2014400565"/>
       </p:ext>
     </p:extLst>
   </p:cSld>
@@ -9795,11 +10390,11 @@
           </a:prstGeom>
           <a:gradFill flip="none" rotWithShape="1">
             <a:gsLst>
-              <a:gs pos="30000">
-                <a:srgbClr val="000000"/>
+              <a:gs pos="26000">
+                <a:srgbClr val="B53B2E"/>
               </a:gs>
               <a:gs pos="100000">
-                <a:srgbClr val="7B7B7B"/>
+                <a:srgbClr val="E4ABDA"/>
               </a:gs>
             </a:gsLst>
             <a:lin ang="2700000" scaled="0"/>
@@ -9836,55 +10431,38 @@
       </p:sp>
       <p:pic>
         <p:nvPicPr>
-          <p:cNvPr id="2052" name="Picture 4" descr="https://nontonanime.site/nonton-anime.png">
+          <p:cNvPr id="2" name="Picture 1">
             <a:extLst>
               <a:ext uri="{FF2B5EF4-FFF2-40B4-BE49-F238E27FC236}">
-                <a16:creationId xmlns:a16="http://schemas.microsoft.com/office/drawing/2014/main" id="{633906D9-E483-4696-A15C-B3E96C439F0C}"/>
+                <a16:creationId xmlns:a16="http://schemas.microsoft.com/office/drawing/2014/main" id="{D15B405E-6A4E-41B6-9043-E95BF6233C16}"/>
               </a:ext>
             </a:extLst>
           </p:cNvPr>
           <p:cNvPicPr>
-            <a:picLocks noChangeAspect="1" noChangeArrowheads="1"/>
+            <a:picLocks noChangeAspect="1"/>
           </p:cNvPicPr>
           <p:nvPr/>
         </p:nvPicPr>
         <p:blipFill>
-          <a:blip r:embed="rId2">
-            <a:extLst>
-              <a:ext uri="{28A0092B-C50C-407E-A947-70E740481C1C}">
-                <a14:useLocalDpi xmlns:a14="http://schemas.microsoft.com/office/drawing/2010/main" val="0"/>
-              </a:ext>
-            </a:extLst>
-          </a:blip>
-          <a:srcRect/>
+          <a:blip r:embed="rId2"/>
           <a:stretch>
             <a:fillRect/>
           </a:stretch>
         </p:blipFill>
-        <p:spPr bwMode="auto">
-          <a:xfrm>
-            <a:off x="186531" y="323673"/>
-            <a:ext cx="3190875" cy="540103"/>
+        <p:spPr>
+          <a:xfrm>
+            <a:off x="557564" y="172956"/>
+            <a:ext cx="2448809" cy="777399"/>
           </a:xfrm>
           <a:prstGeom prst="rect">
             <a:avLst/>
           </a:prstGeom>
-          <a:noFill/>
-          <a:extLst>
-            <a:ext uri="{909E8E84-426E-40DD-AFC4-6F175D3DCCD1}">
-              <a14:hiddenFill xmlns:a14="http://schemas.microsoft.com/office/drawing/2010/main">
-                <a:solidFill>
-                  <a:srgbClr val="FFFFFF"/>
-                </a:solidFill>
-              </a14:hiddenFill>
-            </a:ext>
-          </a:extLst>
         </p:spPr>
       </p:pic>
     </p:spTree>
     <p:extLst>
       <p:ext uri="{BB962C8B-B14F-4D97-AF65-F5344CB8AC3E}">
-        <p14:creationId xmlns:p14="http://schemas.microsoft.com/office/powerpoint/2010/main" val="2343881463"/>
+        <p14:creationId xmlns:p14="http://schemas.microsoft.com/office/powerpoint/2010/main" val="3863258919"/>
       </p:ext>
     </p:extLst>
   </p:cSld>
@@ -9936,10 +10514,10 @@
           <a:gradFill flip="none" rotWithShape="1">
             <a:gsLst>
               <a:gs pos="26000">
-                <a:srgbClr val="8F790B"/>
+                <a:srgbClr val="9E9ED5"/>
               </a:gs>
               <a:gs pos="100000">
-                <a:srgbClr val="C9BA6D"/>
+                <a:srgbClr val="E5E8E5"/>
               </a:gs>
             </a:gsLst>
             <a:lin ang="2700000" scaled="0"/>
@@ -9976,55 +10554,38 @@
       </p:sp>
       <p:pic>
         <p:nvPicPr>
-          <p:cNvPr id="1026" name="Picture 2" descr="https://www.riie.net/wp-content/uploads/2018/03/Riie-Logo.png">
+          <p:cNvPr id="5" name="Picture 4">
             <a:extLst>
               <a:ext uri="{FF2B5EF4-FFF2-40B4-BE49-F238E27FC236}">
-                <a16:creationId xmlns:a16="http://schemas.microsoft.com/office/drawing/2014/main" id="{2C372837-A9BA-4142-A9E1-A018EDBABA4B}"/>
+                <a16:creationId xmlns:a16="http://schemas.microsoft.com/office/drawing/2014/main" id="{CD31438C-9A61-408E-91F9-B5AF84322A1E}"/>
               </a:ext>
             </a:extLst>
           </p:cNvPr>
           <p:cNvPicPr>
-            <a:picLocks noChangeAspect="1" noChangeArrowheads="1"/>
+            <a:picLocks noChangeAspect="1"/>
           </p:cNvPicPr>
           <p:nvPr/>
         </p:nvPicPr>
         <p:blipFill>
-          <a:blip r:embed="rId2">
-            <a:extLst>
-              <a:ext uri="{28A0092B-C50C-407E-A947-70E740481C1C}">
-                <a14:useLocalDpi xmlns:a14="http://schemas.microsoft.com/office/drawing/2010/main" val="0"/>
-              </a:ext>
-            </a:extLst>
-          </a:blip>
-          <a:srcRect/>
+          <a:blip r:embed="rId2"/>
           <a:stretch>
             <a:fillRect/>
           </a:stretch>
         </p:blipFill>
-        <p:spPr bwMode="auto">
-          <a:xfrm>
-            <a:off x="591344" y="169862"/>
-            <a:ext cx="2381250" cy="847725"/>
+        <p:spPr>
+          <a:xfrm>
+            <a:off x="337729" y="306063"/>
+            <a:ext cx="2888479" cy="575323"/>
           </a:xfrm>
           <a:prstGeom prst="rect">
             <a:avLst/>
           </a:prstGeom>
-          <a:noFill/>
-          <a:extLst>
-            <a:ext uri="{909E8E84-426E-40DD-AFC4-6F175D3DCCD1}">
-              <a14:hiddenFill xmlns:a14="http://schemas.microsoft.com/office/drawing/2010/main">
-                <a:solidFill>
-                  <a:srgbClr val="FFFFFF"/>
-                </a:solidFill>
-              </a14:hiddenFill>
-            </a:ext>
-          </a:extLst>
         </p:spPr>
       </p:pic>
     </p:spTree>
     <p:extLst>
       <p:ext uri="{BB962C8B-B14F-4D97-AF65-F5344CB8AC3E}">
-        <p14:creationId xmlns:p14="http://schemas.microsoft.com/office/powerpoint/2010/main" val="1658982614"/>
+        <p14:creationId xmlns:p14="http://schemas.microsoft.com/office/powerpoint/2010/main" val="92715166"/>
       </p:ext>
     </p:extLst>
   </p:cSld>
@@ -10075,11 +10636,11 @@
           </a:prstGeom>
           <a:gradFill flip="none" rotWithShape="1">
             <a:gsLst>
-              <a:gs pos="42000">
-                <a:srgbClr val="000000"/>
+              <a:gs pos="26000">
+                <a:srgbClr val="FCAF40"/>
               </a:gs>
               <a:gs pos="100000">
-                <a:srgbClr val="C50B12"/>
+                <a:srgbClr val="FFD03B"/>
               </a:gs>
             </a:gsLst>
             <a:lin ang="2700000" scaled="0"/>
@@ -10116,55 +10677,38 @@
       </p:sp>
       <p:pic>
         <p:nvPicPr>
-          <p:cNvPr id="2" name="Picture 2" descr="https://ruangotaku.id/wp-content/uploads/2019/03/grr.png">
+          <p:cNvPr id="3" name="Picture 2">
             <a:extLst>
               <a:ext uri="{FF2B5EF4-FFF2-40B4-BE49-F238E27FC236}">
-                <a16:creationId xmlns:a16="http://schemas.microsoft.com/office/drawing/2014/main" id="{5389DA7D-4BBF-4B30-9CA4-2549063A42C2}"/>
+                <a16:creationId xmlns:a16="http://schemas.microsoft.com/office/drawing/2014/main" id="{BD2FBB17-A9F4-45AA-B38F-5C97311DDD39}"/>
               </a:ext>
             </a:extLst>
           </p:cNvPr>
           <p:cNvPicPr>
-            <a:picLocks noChangeAspect="1" noChangeArrowheads="1"/>
+            <a:picLocks noChangeAspect="1"/>
           </p:cNvPicPr>
           <p:nvPr/>
         </p:nvPicPr>
         <p:blipFill>
-          <a:blip r:embed="rId2">
-            <a:extLst>
-              <a:ext uri="{28A0092B-C50C-407E-A947-70E740481C1C}">
-                <a14:useLocalDpi xmlns:a14="http://schemas.microsoft.com/office/drawing/2010/main" val="0"/>
-              </a:ext>
-            </a:extLst>
-          </a:blip>
-          <a:srcRect/>
+          <a:blip r:embed="rId2"/>
           <a:stretch>
             <a:fillRect/>
           </a:stretch>
         </p:blipFill>
-        <p:spPr bwMode="auto">
-          <a:xfrm>
-            <a:off x="615833" y="19485"/>
-            <a:ext cx="2332271" cy="1148479"/>
+        <p:spPr>
+          <a:xfrm>
+            <a:off x="748114" y="215629"/>
+            <a:ext cx="2067709" cy="756191"/>
           </a:xfrm>
           <a:prstGeom prst="rect">
             <a:avLst/>
           </a:prstGeom>
-          <a:noFill/>
-          <a:extLst>
-            <a:ext uri="{909E8E84-426E-40DD-AFC4-6F175D3DCCD1}">
-              <a14:hiddenFill xmlns:a14="http://schemas.microsoft.com/office/drawing/2010/main">
-                <a:solidFill>
-                  <a:srgbClr val="FFFFFF"/>
-                </a:solidFill>
-              </a14:hiddenFill>
-            </a:ext>
-          </a:extLst>
         </p:spPr>
       </p:pic>
     </p:spTree>
     <p:extLst>
       <p:ext uri="{BB962C8B-B14F-4D97-AF65-F5344CB8AC3E}">
-        <p14:creationId xmlns:p14="http://schemas.microsoft.com/office/powerpoint/2010/main" val="3108287914"/>
+        <p14:creationId xmlns:p14="http://schemas.microsoft.com/office/powerpoint/2010/main" val="2018097844"/>
       </p:ext>
     </p:extLst>
   </p:cSld>
@@ -10216,10 +10760,10 @@
           <a:gradFill flip="none" rotWithShape="1">
             <a:gsLst>
               <a:gs pos="26000">
-                <a:srgbClr val="BA3D31"/>
+                <a:srgbClr val="A16103"/>
               </a:gs>
               <a:gs pos="100000">
-                <a:srgbClr val="E74B3C"/>
+                <a:srgbClr val="FCAF40"/>
               </a:gs>
             </a:gsLst>
             <a:lin ang="2700000" scaled="0"/>
@@ -10254,143 +10798,52 @@
           </a:p>
         </p:txBody>
       </p:sp>
-      <p:grpSp>
-        <p:nvGrpSpPr>
-          <p:cNvPr id="3" name="Group 2">
+      <p:sp>
+        <p:nvSpPr>
+          <p:cNvPr id="2" name="TextBox 1">
             <a:extLst>
               <a:ext uri="{FF2B5EF4-FFF2-40B4-BE49-F238E27FC236}">
-                <a16:creationId xmlns:a16="http://schemas.microsoft.com/office/drawing/2014/main" id="{2604B08D-9533-4334-93DB-3625E4855428}"/>
+                <a16:creationId xmlns:a16="http://schemas.microsoft.com/office/drawing/2014/main" id="{F26140BE-A17F-462F-89BA-DD7D94DE4327}"/>
               </a:ext>
             </a:extLst>
           </p:cNvPr>
-          <p:cNvGrpSpPr/>
+          <p:cNvSpPr txBox="1"/>
           <p:nvPr/>
-        </p:nvGrpSpPr>
-        <p:grpSpPr>
-          <a:xfrm>
-            <a:off x="480219" y="179387"/>
-            <a:ext cx="2603500" cy="828675"/>
-            <a:chOff x="406400" y="179387"/>
-            <a:chExt cx="2603500" cy="828675"/>
-          </a:xfrm>
-        </p:grpSpPr>
-        <p:pic>
-          <p:nvPicPr>
-            <p:cNvPr id="31746" name="Picture 2" descr="https://www.anibatch.me/wp-content/uploads/2015/10/cropped-11214148_1464291883892938_5502472493587871470_n-192x192.png">
-              <a:extLst>
-                <a:ext uri="{FF2B5EF4-FFF2-40B4-BE49-F238E27FC236}">
-                  <a16:creationId xmlns:a16="http://schemas.microsoft.com/office/drawing/2014/main" id="{21AD9319-E1B3-45D9-B385-8FE9B638406F}"/>
-                </a:ext>
-              </a:extLst>
-            </p:cNvPr>
-            <p:cNvPicPr>
-              <a:picLocks noChangeAspect="1" noChangeArrowheads="1"/>
-            </p:cNvPicPr>
-            <p:nvPr/>
-          </p:nvPicPr>
-          <p:blipFill>
-            <a:blip r:embed="rId2">
-              <a:extLst>
-                <a:ext uri="{BEBA8EAE-BF5A-486C-A8C5-ECC9F3942E4B}">
-                  <a14:imgProps xmlns:a14="http://schemas.microsoft.com/office/drawing/2010/main">
-                    <a14:imgLayer r:embed="rId3">
-                      <a14:imgEffect>
-                        <a14:backgroundRemoval t="9896" b="89063" l="8854" r="95313">
-                          <a14:foregroundMark x1="91146" y1="47917" x2="91146" y2="47917"/>
-                          <a14:foregroundMark x1="95833" y1="49479" x2="95833" y2="49479"/>
-                          <a14:foregroundMark x1="8854" y1="21875" x2="8854" y2="21875"/>
-                        </a14:backgroundRemoval>
-                      </a14:imgEffect>
-                    </a14:imgLayer>
-                  </a14:imgProps>
-                </a:ext>
-                <a:ext uri="{28A0092B-C50C-407E-A947-70E740481C1C}">
-                  <a14:useLocalDpi xmlns:a14="http://schemas.microsoft.com/office/drawing/2010/main" val="0"/>
-                </a:ext>
-              </a:extLst>
-            </a:blip>
-            <a:srcRect/>
-            <a:stretch>
-              <a:fillRect/>
-            </a:stretch>
-          </p:blipFill>
-          <p:spPr bwMode="auto">
-            <a:xfrm>
-              <a:off x="406400" y="179387"/>
-              <a:ext cx="828675" cy="828675"/>
-            </a:xfrm>
-            <a:prstGeom prst="rect">
-              <a:avLst/>
-            </a:prstGeom>
-            <a:noFill/>
-            <a:effectLst>
-              <a:outerShdw blurRad="50800" dist="38100" dir="2700000" algn="tl" rotWithShape="0">
-                <a:prstClr val="black">
-                  <a:alpha val="36000"/>
-                </a:prstClr>
-              </a:outerShdw>
-            </a:effectLst>
-            <a:extLst>
-              <a:ext uri="{909E8E84-426E-40DD-AFC4-6F175D3DCCD1}">
-                <a14:hiddenFill xmlns:a14="http://schemas.microsoft.com/office/drawing/2010/main">
-                  <a:solidFill>
-                    <a:srgbClr val="FFFFFF"/>
-                  </a:solidFill>
-                </a14:hiddenFill>
-              </a:ext>
-            </a:extLst>
-          </p:spPr>
-        </p:pic>
-        <p:sp>
-          <p:nvSpPr>
-            <p:cNvPr id="2" name="TextBox 1">
-              <a:extLst>
-                <a:ext uri="{FF2B5EF4-FFF2-40B4-BE49-F238E27FC236}">
-                  <a16:creationId xmlns:a16="http://schemas.microsoft.com/office/drawing/2014/main" id="{A5065BF5-162C-43B0-9169-E8DB4A328A4D}"/>
-                </a:ext>
-              </a:extLst>
-            </p:cNvPr>
-            <p:cNvSpPr txBox="1"/>
-            <p:nvPr/>
-          </p:nvSpPr>
-          <p:spPr>
-            <a:xfrm>
-              <a:off x="1343025" y="301336"/>
-              <a:ext cx="1666875" cy="584775"/>
-            </a:xfrm>
-            <a:prstGeom prst="rect">
-              <a:avLst/>
-            </a:prstGeom>
-            <a:noFill/>
-          </p:spPr>
-          <p:txBody>
-            <a:bodyPr wrap="square" rtlCol="0">
-              <a:spAutoFit/>
-            </a:bodyPr>
-            <a:lstStyle/>
-            <a:p>
-              <a:pPr algn="dist"/>
-              <a:r>
-                <a:rPr lang="id-ID" sz="3200" dirty="0">
-                  <a:solidFill>
-                    <a:schemeClr val="bg1"/>
-                  </a:solidFill>
-                </a:rPr>
-                <a:t>AniBatch</a:t>
-              </a:r>
-              <a:endParaRPr lang="en-US" sz="3200" dirty="0">
+        </p:nvSpPr>
+        <p:spPr>
+          <a:xfrm>
+            <a:off x="595051" y="359891"/>
+            <a:ext cx="2373836" cy="584775"/>
+          </a:xfrm>
+          <a:prstGeom prst="rect">
+            <a:avLst/>
+          </a:prstGeom>
+          <a:noFill/>
+        </p:spPr>
+        <p:txBody>
+          <a:bodyPr wrap="square" rtlCol="0">
+            <a:spAutoFit/>
+          </a:bodyPr>
+          <a:lstStyle/>
+          <a:p>
+            <a:pPr algn="ctr"/>
+            <a:r>
+              <a:rPr lang="en-US" sz="3200" b="1" dirty="0">
                 <a:solidFill>
                   <a:schemeClr val="bg1"/>
                 </a:solidFill>
-              </a:endParaRPr>
-            </a:p>
-          </p:txBody>
-        </p:sp>
-      </p:grpSp>
+                <a:latin typeface="Heebo" panose="00000500000000000000" pitchFamily="2" charset="-79"/>
+                <a:cs typeface="Heebo" panose="00000500000000000000" pitchFamily="2" charset="-79"/>
+              </a:rPr>
+              <a:t>AOITENSHI</a:t>
+            </a:r>
+          </a:p>
+        </p:txBody>
+      </p:sp>
     </p:spTree>
     <p:extLst>
       <p:ext uri="{BB962C8B-B14F-4D97-AF65-F5344CB8AC3E}">
-        <p14:creationId xmlns:p14="http://schemas.microsoft.com/office/powerpoint/2010/main" val="3048235945"/>
+        <p14:creationId xmlns:p14="http://schemas.microsoft.com/office/powerpoint/2010/main" val="1160608725"/>
       </p:ext>
     </p:extLst>
   </p:cSld>
@@ -10665,10 +11118,10 @@
           <a:gradFill flip="none" rotWithShape="1">
             <a:gsLst>
               <a:gs pos="26000">
-                <a:srgbClr val="447BBA"/>
+                <a:srgbClr val="8D9DC9"/>
               </a:gs>
               <a:gs pos="100000">
-                <a:srgbClr val="21B577"/>
+                <a:srgbClr val="EFC3C7"/>
               </a:gs>
             </a:gsLst>
             <a:lin ang="2700000" scaled="0"/>
@@ -10705,15 +11158,15 @@
       </p:sp>
       <p:pic>
         <p:nvPicPr>
-          <p:cNvPr id="25602" name="Picture 2" descr="[svg-to-png output image]">
+          <p:cNvPr id="3" name="Picture 2">
             <a:extLst>
               <a:ext uri="{FF2B5EF4-FFF2-40B4-BE49-F238E27FC236}">
-                <a16:creationId xmlns:a16="http://schemas.microsoft.com/office/drawing/2014/main" id="{C8803F84-8FBD-427D-BF96-31A0291DFC84}"/>
+                <a16:creationId xmlns:a16="http://schemas.microsoft.com/office/drawing/2014/main" id="{5FD4C43D-B9AE-452C-8EB0-F4F99CDC03AA}"/>
               </a:ext>
             </a:extLst>
           </p:cNvPr>
           <p:cNvPicPr>
-            <a:picLocks noChangeAspect="1" noChangeArrowheads="1"/>
+            <a:picLocks noChangeAspect="1"/>
           </p:cNvPicPr>
           <p:nvPr/>
         </p:nvPicPr>
@@ -10724,45 +11177,31 @@
                 <a14:imgProps xmlns:a14="http://schemas.microsoft.com/office/drawing/2010/main">
                   <a14:imgLayer r:embed="rId3">
                     <a14:imgEffect>
-                      <a14:brightnessContrast bright="100000"/>
+                      <a14:colorTemperature colorTemp="11200"/>
                     </a14:imgEffect>
                   </a14:imgLayer>
                 </a14:imgProps>
               </a:ext>
-              <a:ext uri="{28A0092B-C50C-407E-A947-70E740481C1C}">
-                <a14:useLocalDpi xmlns:a14="http://schemas.microsoft.com/office/drawing/2010/main" val="0"/>
-              </a:ext>
             </a:extLst>
           </a:blip>
-          <a:srcRect/>
           <a:stretch>
             <a:fillRect/>
           </a:stretch>
         </p:blipFill>
-        <p:spPr bwMode="auto">
-          <a:xfrm>
-            <a:off x="481373" y="-38404"/>
-            <a:ext cx="2601191" cy="1264257"/>
+        <p:spPr>
+          <a:xfrm>
+            <a:off x="337429" y="422454"/>
+            <a:ext cx="2889080" cy="342542"/>
           </a:xfrm>
           <a:prstGeom prst="rect">
             <a:avLst/>
           </a:prstGeom>
-          <a:noFill/>
-          <a:extLst>
-            <a:ext uri="{909E8E84-426E-40DD-AFC4-6F175D3DCCD1}">
-              <a14:hiddenFill xmlns:a14="http://schemas.microsoft.com/office/drawing/2010/main">
-                <a:solidFill>
-                  <a:srgbClr val="FFFFFF"/>
-                </a:solidFill>
-              </a14:hiddenFill>
-            </a:ext>
-          </a:extLst>
         </p:spPr>
       </p:pic>
     </p:spTree>
     <p:extLst>
       <p:ext uri="{BB962C8B-B14F-4D97-AF65-F5344CB8AC3E}">
-        <p14:creationId xmlns:p14="http://schemas.microsoft.com/office/powerpoint/2010/main" val="889022910"/>
+        <p14:creationId xmlns:p14="http://schemas.microsoft.com/office/powerpoint/2010/main" val="3149287421"/>
       </p:ext>
     </p:extLst>
   </p:cSld>
@@ -10814,10 +11253,10 @@
           <a:gradFill flip="none" rotWithShape="1">
             <a:gsLst>
               <a:gs pos="26000">
-                <a:srgbClr val="17201E"/>
+                <a:srgbClr val="C00000"/>
               </a:gs>
               <a:gs pos="100000">
-                <a:srgbClr val="1C2825"/>
+                <a:srgbClr val="0BA6F7"/>
               </a:gs>
             </a:gsLst>
             <a:lin ang="2700000" scaled="0"/>
@@ -10854,10 +11293,10 @@
       </p:sp>
       <p:pic>
         <p:nvPicPr>
-          <p:cNvPr id="3" name="Picture 2">
+          <p:cNvPr id="2" name="Picture 1">
             <a:extLst>
               <a:ext uri="{FF2B5EF4-FFF2-40B4-BE49-F238E27FC236}">
-                <a16:creationId xmlns:a16="http://schemas.microsoft.com/office/drawing/2014/main" id="{02D2A3E8-B154-4758-AA9A-6B92785C0760}"/>
+                <a16:creationId xmlns:a16="http://schemas.microsoft.com/office/drawing/2014/main" id="{1638DCED-B900-4211-B033-99A7472F37A4}"/>
               </a:ext>
             </a:extLst>
           </p:cNvPr>
@@ -10866,36 +11305,16 @@
           </p:cNvPicPr>
           <p:nvPr/>
         </p:nvPicPr>
-        <p:blipFill rotWithShape="1">
-          <a:blip r:embed="rId2">
-            <a:extLst>
-              <a:ext uri="{BEBA8EAE-BF5A-486C-A8C5-ECC9F3942E4B}">
-                <a14:imgProps xmlns:a14="http://schemas.microsoft.com/office/drawing/2010/main">
-                  <a14:imgLayer r:embed="rId3">
-                    <a14:imgEffect>
-                      <a14:backgroundRemoval t="22526" b="34115" l="18082" r="50586">
-                        <a14:foregroundMark x1="18228" y1="27604" x2="18228" y2="27604"/>
-                        <a14:foregroundMark x1="26135" y1="25260" x2="26135" y2="25260"/>
-                        <a14:foregroundMark x1="29063" y1="26563" x2="29063" y2="26563"/>
-                        <a14:foregroundMark x1="35066" y1="27865" x2="35066" y2="27865"/>
-                        <a14:foregroundMark x1="37921" y1="22786" x2="37921" y2="22786"/>
-                        <a14:foregroundMark x1="46120" y1="27083" x2="46120" y2="27083"/>
-                        <a14:foregroundMark x1="49122" y1="28906" x2="49122" y2="28906"/>
-                        <a14:foregroundMark x1="50586" y1="24219" x2="50586" y2="24219"/>
-                      </a14:backgroundRemoval>
-                    </a14:imgEffect>
-                  </a14:imgLayer>
-                </a14:imgProps>
-              </a:ext>
-            </a:extLst>
-          </a:blip>
-          <a:srcRect l="17304" t="21936" r="48377" b="64425"/>
-          <a:stretch/>
+        <p:blipFill>
+          <a:blip r:embed="rId2"/>
+          <a:stretch>
+            <a:fillRect/>
+          </a:stretch>
         </p:blipFill>
         <p:spPr>
           <a:xfrm>
-            <a:off x="556373" y="319881"/>
-            <a:ext cx="2451191" cy="547688"/>
+            <a:off x="425023" y="231872"/>
+            <a:ext cx="2713892" cy="723705"/>
           </a:xfrm>
           <a:prstGeom prst="rect">
             <a:avLst/>
@@ -10905,7 +11324,7 @@
     </p:spTree>
     <p:extLst>
       <p:ext uri="{BB962C8B-B14F-4D97-AF65-F5344CB8AC3E}">
-        <p14:creationId xmlns:p14="http://schemas.microsoft.com/office/powerpoint/2010/main" val="2644471930"/>
+        <p14:creationId xmlns:p14="http://schemas.microsoft.com/office/powerpoint/2010/main" val="2113498476"/>
       </p:ext>
     </p:extLst>
   </p:cSld>
@@ -10957,10 +11376,12 @@
           <a:gradFill flip="none" rotWithShape="1">
             <a:gsLst>
               <a:gs pos="26000">
-                <a:srgbClr val="232F3E"/>
+                <a:schemeClr val="tx1"/>
               </a:gs>
               <a:gs pos="100000">
-                <a:srgbClr val="32C9F6"/>
+                <a:schemeClr val="accent1">
+                  <a:lumMod val="75000"/>
+                </a:schemeClr>
               </a:gs>
             </a:gsLst>
             <a:lin ang="2700000" scaled="0"/>
@@ -10997,10 +11418,10 @@
       </p:sp>
       <p:sp>
         <p:nvSpPr>
-          <p:cNvPr id="3" name="TextBox 2">
+          <p:cNvPr id="2" name="TextBox 1">
             <a:extLst>
               <a:ext uri="{FF2B5EF4-FFF2-40B4-BE49-F238E27FC236}">
-                <a16:creationId xmlns:a16="http://schemas.microsoft.com/office/drawing/2014/main" id="{6C67FD1F-5A7F-4624-A9CE-E8408D3A4F1A}"/>
+                <a16:creationId xmlns:a16="http://schemas.microsoft.com/office/drawing/2014/main" id="{F26140BE-A17F-462F-89BA-DD7D94DE4327}"/>
               </a:ext>
             </a:extLst>
           </p:cNvPr>
@@ -11009,8 +11430,8 @@
         </p:nvSpPr>
         <p:spPr>
           <a:xfrm>
-            <a:off x="535214" y="270560"/>
-            <a:ext cx="2493511" cy="646331"/>
+            <a:off x="232211" y="301337"/>
+            <a:ext cx="3099516" cy="584775"/>
           </a:xfrm>
           <a:prstGeom prst="rect">
             <a:avLst/>
@@ -11025,39 +11446,22 @@
           <a:p>
             <a:pPr algn="ctr"/>
             <a:r>
-              <a:rPr lang="id-ID" sz="3600" dirty="0">
+              <a:rPr lang="en-US" sz="3200" b="1" dirty="0">
                 <a:solidFill>
                   <a:schemeClr val="bg1"/>
                 </a:solidFill>
-                <a:effectLst>
-                  <a:outerShdw blurRad="38100" dist="38100" dir="2700000" algn="tl">
-                    <a:srgbClr val="000000">
-                      <a:alpha val="43137"/>
-                    </a:srgbClr>
-                  </a:outerShdw>
-                </a:effectLst>
+                <a:latin typeface="Merriweather" panose="00000500000000000000" pitchFamily="50" charset="0"/>
+                <a:cs typeface="Heebo" panose="00000500000000000000" pitchFamily="2" charset="-79"/>
               </a:rPr>
-              <a:t>Kusonime</a:t>
+              <a:t>「DELSUBS」</a:t>
             </a:r>
-            <a:endParaRPr lang="en-US" sz="3600" dirty="0">
-              <a:solidFill>
-                <a:schemeClr val="bg1"/>
-              </a:solidFill>
-              <a:effectLst>
-                <a:outerShdw blurRad="38100" dist="38100" dir="2700000" algn="tl">
-                  <a:srgbClr val="000000">
-                    <a:alpha val="43137"/>
-                  </a:srgbClr>
-                </a:outerShdw>
-              </a:effectLst>
-            </a:endParaRPr>
           </a:p>
         </p:txBody>
       </p:sp>
     </p:spTree>
     <p:extLst>
       <p:ext uri="{BB962C8B-B14F-4D97-AF65-F5344CB8AC3E}">
-        <p14:creationId xmlns:p14="http://schemas.microsoft.com/office/powerpoint/2010/main" val="1605652628"/>
+        <p14:creationId xmlns:p14="http://schemas.microsoft.com/office/powerpoint/2010/main" val="3037418653"/>
       </p:ext>
     </p:extLst>
   </p:cSld>
@@ -11109,14 +11513,10 @@
           <a:gradFill flip="none" rotWithShape="1">
             <a:gsLst>
               <a:gs pos="26000">
-                <a:schemeClr val="tx2">
-                  <a:lumMod val="50000"/>
-                </a:schemeClr>
+                <a:srgbClr val="A8C3CB"/>
               </a:gs>
               <a:gs pos="100000">
-                <a:schemeClr val="accent1">
-                  <a:lumMod val="75000"/>
-                </a:schemeClr>
+                <a:srgbClr val="F0FBF1"/>
               </a:gs>
             </a:gsLst>
             <a:lin ang="2700000" scaled="0"/>
@@ -11151,59 +11551,40 @@
           </a:p>
         </p:txBody>
       </p:sp>
-      <p:sp>
-        <p:nvSpPr>
-          <p:cNvPr id="2" name="TextBox 1">
+      <p:pic>
+        <p:nvPicPr>
+          <p:cNvPr id="3" name="Picture 2">
             <a:extLst>
               <a:ext uri="{FF2B5EF4-FFF2-40B4-BE49-F238E27FC236}">
-                <a16:creationId xmlns:a16="http://schemas.microsoft.com/office/drawing/2014/main" id="{6EBFA446-E191-400D-A74B-B3AABC51ABBE}"/>
+                <a16:creationId xmlns:a16="http://schemas.microsoft.com/office/drawing/2014/main" id="{FA58BE82-CA1B-4B86-A813-A9B3EDC00966}"/>
               </a:ext>
             </a:extLst>
           </p:cNvPr>
-          <p:cNvSpPr txBox="1"/>
+          <p:cNvPicPr>
+            <a:picLocks noChangeAspect="1"/>
+          </p:cNvPicPr>
           <p:nvPr/>
-        </p:nvSpPr>
+        </p:nvPicPr>
+        <p:blipFill>
+          <a:blip r:embed="rId2"/>
+          <a:stretch>
+            <a:fillRect/>
+          </a:stretch>
+        </p:blipFill>
         <p:spPr>
           <a:xfrm>
-            <a:off x="378519" y="270559"/>
-            <a:ext cx="2806899" cy="646331"/>
+            <a:off x="316926" y="197569"/>
+            <a:ext cx="2930085" cy="632125"/>
           </a:xfrm>
           <a:prstGeom prst="rect">
             <a:avLst/>
           </a:prstGeom>
-          <a:noFill/>
-        </p:spPr>
-        <p:txBody>
-          <a:bodyPr wrap="square" rtlCol="0">
-            <a:spAutoFit/>
-          </a:bodyPr>
-          <a:lstStyle/>
-          <a:p>
-            <a:pPr algn="ctr"/>
-            <a:r>
-              <a:rPr lang="id-ID" sz="3600" dirty="0">
-                <a:solidFill>
-                  <a:schemeClr val="bg1"/>
-                </a:solidFill>
-                <a:latin typeface="Times New Roman" panose="02020603050405020304" pitchFamily="18" charset="0"/>
-                <a:cs typeface="Times New Roman" panose="02020603050405020304" pitchFamily="18" charset="0"/>
-              </a:rPr>
-              <a:t>LOLIBATCH</a:t>
-            </a:r>
-            <a:endParaRPr lang="en-US" sz="3600" dirty="0">
-              <a:solidFill>
-                <a:schemeClr val="bg1"/>
-              </a:solidFill>
-              <a:latin typeface="Times New Roman" panose="02020603050405020304" pitchFamily="18" charset="0"/>
-              <a:cs typeface="Times New Roman" panose="02020603050405020304" pitchFamily="18" charset="0"/>
-            </a:endParaRPr>
-          </a:p>
-        </p:txBody>
-      </p:sp>
+        </p:spPr>
+      </p:pic>
     </p:spTree>
     <p:extLst>
       <p:ext uri="{BB962C8B-B14F-4D97-AF65-F5344CB8AC3E}">
-        <p14:creationId xmlns:p14="http://schemas.microsoft.com/office/powerpoint/2010/main" val="1757396926"/>
+        <p14:creationId xmlns:p14="http://schemas.microsoft.com/office/powerpoint/2010/main" val="162056954"/>
       </p:ext>
     </p:extLst>
   </p:cSld>
@@ -11255,10 +11636,10 @@
           <a:gradFill flip="none" rotWithShape="1">
             <a:gsLst>
               <a:gs pos="26000">
-                <a:srgbClr val="3F679B"/>
+                <a:srgbClr val="8073AD"/>
               </a:gs>
               <a:gs pos="100000">
-                <a:srgbClr val="2283C3"/>
+                <a:srgbClr val="D9D3EC"/>
               </a:gs>
             </a:gsLst>
             <a:lin ang="2700000" scaled="0"/>
@@ -11295,55 +11676,66 @@
       </p:sp>
       <p:pic>
         <p:nvPicPr>
-          <p:cNvPr id="43010" name="Picture 2" descr="https://i2.wp.com/mikanime.com/wp-content/uploads/2019/05/mik.png">
+          <p:cNvPr id="2" name="Picture 1">
             <a:extLst>
               <a:ext uri="{FF2B5EF4-FFF2-40B4-BE49-F238E27FC236}">
-                <a16:creationId xmlns:a16="http://schemas.microsoft.com/office/drawing/2014/main" id="{AD3C83DB-2D8F-407D-AEF5-8E5B8D75B528}"/>
+                <a16:creationId xmlns:a16="http://schemas.microsoft.com/office/drawing/2014/main" id="{2161A217-6C0F-4A30-AA98-4396F8C8D2C7}"/>
               </a:ext>
             </a:extLst>
           </p:cNvPr>
           <p:cNvPicPr>
-            <a:picLocks noChangeAspect="1" noChangeArrowheads="1"/>
+            <a:picLocks noChangeAspect="1"/>
           </p:cNvPicPr>
           <p:nvPr/>
         </p:nvPicPr>
-        <p:blipFill>
-          <a:blip r:embed="rId2">
-            <a:extLst>
-              <a:ext uri="{28A0092B-C50C-407E-A947-70E740481C1C}">
-                <a14:useLocalDpi xmlns:a14="http://schemas.microsoft.com/office/drawing/2010/main" val="0"/>
-              </a:ext>
-            </a:extLst>
-          </a:blip>
-          <a:srcRect/>
-          <a:stretch>
-            <a:fillRect/>
-          </a:stretch>
+        <p:blipFill rotWithShape="1">
+          <a:blip r:embed="rId2"/>
+          <a:srcRect b="19252"/>
+          <a:stretch/>
         </p:blipFill>
-        <p:spPr bwMode="auto">
-          <a:xfrm>
-            <a:off x="536635" y="331345"/>
-            <a:ext cx="2490667" cy="524759"/>
+        <p:spPr>
+          <a:xfrm>
+            <a:off x="599637" y="114300"/>
+            <a:ext cx="1005764" cy="958850"/>
           </a:xfrm>
           <a:prstGeom prst="rect">
             <a:avLst/>
           </a:prstGeom>
-          <a:noFill/>
-          <a:extLst>
-            <a:ext uri="{909E8E84-426E-40DD-AFC4-6F175D3DCCD1}">
-              <a14:hiddenFill xmlns:a14="http://schemas.microsoft.com/office/drawing/2010/main">
-                <a:solidFill>
-                  <a:srgbClr val="FFFFFF"/>
-                </a:solidFill>
-              </a14:hiddenFill>
-            </a:ext>
-          </a:extLst>
+        </p:spPr>
+      </p:pic>
+      <p:pic>
+        <p:nvPicPr>
+          <p:cNvPr id="7" name="Picture 6">
+            <a:extLst>
+              <a:ext uri="{FF2B5EF4-FFF2-40B4-BE49-F238E27FC236}">
+                <a16:creationId xmlns:a16="http://schemas.microsoft.com/office/drawing/2014/main" id="{E805C293-D882-4065-B07D-BD52F141AAD5}"/>
+              </a:ext>
+            </a:extLst>
+          </p:cNvPr>
+          <p:cNvPicPr>
+            <a:picLocks noChangeAspect="1"/>
+          </p:cNvPicPr>
+          <p:nvPr/>
+        </p:nvPicPr>
+        <p:blipFill rotWithShape="1">
+          <a:blip r:embed="rId2"/>
+          <a:srcRect t="78610"/>
+          <a:stretch/>
+        </p:blipFill>
+        <p:spPr>
+          <a:xfrm>
+            <a:off x="1399435" y="349250"/>
+            <a:ext cx="1936096" cy="488950"/>
+          </a:xfrm>
+          <a:prstGeom prst="rect">
+            <a:avLst/>
+          </a:prstGeom>
         </p:spPr>
       </p:pic>
     </p:spTree>
     <p:extLst>
       <p:ext uri="{BB962C8B-B14F-4D97-AF65-F5344CB8AC3E}">
-        <p14:creationId xmlns:p14="http://schemas.microsoft.com/office/powerpoint/2010/main" val="3541015006"/>
+        <p14:creationId xmlns:p14="http://schemas.microsoft.com/office/powerpoint/2010/main" val="1798137896"/>
       </p:ext>
     </p:extLst>
   </p:cSld>
@@ -11395,10 +11787,13 @@
           <a:gradFill flip="none" rotWithShape="1">
             <a:gsLst>
               <a:gs pos="26000">
-                <a:srgbClr val="262B36"/>
+                <a:srgbClr val="2295C1"/>
+              </a:gs>
+              <a:gs pos="76098">
+                <a:srgbClr val="6FD0DF"/>
               </a:gs>
               <a:gs pos="100000">
-                <a:srgbClr val="6FA9EA"/>
+                <a:srgbClr val="D9D3EC"/>
               </a:gs>
             </a:gsLst>
             <a:lin ang="2700000" scaled="0"/>
@@ -11433,66 +11828,57 @@
           </a:p>
         </p:txBody>
       </p:sp>
-      <p:pic>
-        <p:nvPicPr>
-          <p:cNvPr id="37890" name="Picture 2" descr="https://neonime.net/wp-content/themes/grifus/images/site-logo.png">
+      <p:sp>
+        <p:nvSpPr>
+          <p:cNvPr id="3" name="TextBox 2">
             <a:extLst>
               <a:ext uri="{FF2B5EF4-FFF2-40B4-BE49-F238E27FC236}">
-                <a16:creationId xmlns:a16="http://schemas.microsoft.com/office/drawing/2014/main" id="{E41ABB8D-5888-4F36-89D6-A23CD8EF1AA5}"/>
+                <a16:creationId xmlns:a16="http://schemas.microsoft.com/office/drawing/2014/main" id="{24D97275-89F4-44BA-AAD0-AC02D996B850}"/>
               </a:ext>
             </a:extLst>
           </p:cNvPr>
-          <p:cNvPicPr>
-            <a:picLocks noChangeAspect="1" noChangeArrowheads="1"/>
-          </p:cNvPicPr>
+          <p:cNvSpPr txBox="1"/>
           <p:nvPr/>
-        </p:nvPicPr>
-        <p:blipFill>
-          <a:blip r:embed="rId2">
-            <a:extLst>
-              <a:ext uri="{BEBA8EAE-BF5A-486C-A8C5-ECC9F3942E4B}">
-                <a14:imgProps xmlns:a14="http://schemas.microsoft.com/office/drawing/2010/main">
-                  <a14:imgLayer r:embed="rId3">
-                    <a14:imgEffect>
-                      <a14:brightnessContrast bright="100000"/>
-                    </a14:imgEffect>
-                  </a14:imgLayer>
-                </a14:imgProps>
-              </a:ext>
-              <a:ext uri="{28A0092B-C50C-407E-A947-70E740481C1C}">
-                <a14:useLocalDpi xmlns:a14="http://schemas.microsoft.com/office/drawing/2010/main" val="0"/>
-              </a:ext>
-            </a:extLst>
-          </a:blip>
-          <a:srcRect/>
-          <a:stretch>
-            <a:fillRect/>
-          </a:stretch>
-        </p:blipFill>
-        <p:spPr bwMode="auto">
-          <a:xfrm>
-            <a:off x="508724" y="345882"/>
-            <a:ext cx="2546490" cy="495686"/>
+        </p:nvSpPr>
+        <p:spPr>
+          <a:xfrm>
+            <a:off x="328576" y="270559"/>
+            <a:ext cx="2906785" cy="646331"/>
           </a:xfrm>
           <a:prstGeom prst="rect">
             <a:avLst/>
           </a:prstGeom>
           <a:noFill/>
-          <a:extLst>
-            <a:ext uri="{909E8E84-426E-40DD-AFC4-6F175D3DCCD1}">
-              <a14:hiddenFill xmlns:a14="http://schemas.microsoft.com/office/drawing/2010/main">
+        </p:spPr>
+        <p:txBody>
+          <a:bodyPr wrap="square" rtlCol="0">
+            <a:spAutoFit/>
+          </a:bodyPr>
+          <a:lstStyle/>
+          <a:p>
+            <a:pPr algn="ctr"/>
+            <a:r>
+              <a:rPr lang="id-ID" sz="3600" b="1" dirty="0">
                 <a:solidFill>
-                  <a:srgbClr val="FFFFFF"/>
+                  <a:schemeClr val="bg1"/>
                 </a:solidFill>
-              </a14:hiddenFill>
-            </a:ext>
-          </a:extLst>
-        </p:spPr>
-      </p:pic>
+                <a:latin typeface="Domine" panose="02040503040403060204" pitchFamily="18" charset="0"/>
+              </a:rPr>
+              <a:t>Haruzora</a:t>
+            </a:r>
+            <a:endParaRPr lang="en-US" sz="3600" b="1" dirty="0">
+              <a:solidFill>
+                <a:schemeClr val="bg1"/>
+              </a:solidFill>
+              <a:latin typeface="Domine" panose="02040503040403060204" pitchFamily="18" charset="0"/>
+            </a:endParaRPr>
+          </a:p>
+        </p:txBody>
+      </p:sp>
     </p:spTree>
     <p:extLst>
       <p:ext uri="{BB962C8B-B14F-4D97-AF65-F5344CB8AC3E}">
-        <p14:creationId xmlns:p14="http://schemas.microsoft.com/office/powerpoint/2010/main" val="2433375054"/>
+        <p14:creationId xmlns:p14="http://schemas.microsoft.com/office/powerpoint/2010/main" val="723203053"/>
       </p:ext>
     </p:extLst>
   </p:cSld>
@@ -11544,10 +11930,13 @@
           <a:gradFill flip="none" rotWithShape="1">
             <a:gsLst>
               <a:gs pos="26000">
-                <a:srgbClr val="1100FD"/>
+                <a:schemeClr val="tx1">
+                  <a:lumMod val="95000"/>
+                  <a:lumOff val="5000"/>
+                </a:schemeClr>
               </a:gs>
               <a:gs pos="100000">
-                <a:srgbClr val="6FA9EA"/>
+                <a:schemeClr val="accent5"/>
               </a:gs>
             </a:gsLst>
             <a:lin ang="2700000" scaled="0"/>
@@ -11584,15 +11973,15 @@
       </p:sp>
       <p:pic>
         <p:nvPicPr>
-          <p:cNvPr id="2" name="Picture 1">
+          <p:cNvPr id="1026" name="Picture 2">
             <a:extLst>
               <a:ext uri="{FF2B5EF4-FFF2-40B4-BE49-F238E27FC236}">
-                <a16:creationId xmlns:a16="http://schemas.microsoft.com/office/drawing/2014/main" id="{94D54169-4E96-43AB-B02D-0AAF785BDDAA}"/>
+                <a16:creationId xmlns:a16="http://schemas.microsoft.com/office/drawing/2014/main" id="{C2C9604A-57BB-497C-B670-0C6747C66C47}"/>
               </a:ext>
             </a:extLst>
           </p:cNvPr>
           <p:cNvPicPr>
-            <a:picLocks noChangeAspect="1"/>
+            <a:picLocks noChangeAspect="1" noChangeArrowheads="1"/>
           </p:cNvPicPr>
           <p:nvPr/>
         </p:nvPicPr>
@@ -11603,31 +11992,93 @@
                 <a14:imgProps xmlns:a14="http://schemas.microsoft.com/office/drawing/2010/main">
                   <a14:imgLayer r:embed="rId3">
                     <a14:imgEffect>
+                      <a14:saturation sat="0"/>
+                    </a14:imgEffect>
+                    <a14:imgEffect>
                       <a14:brightnessContrast bright="100000"/>
                     </a14:imgEffect>
                   </a14:imgLayer>
                 </a14:imgProps>
               </a:ext>
+              <a:ext uri="{28A0092B-C50C-407E-A947-70E740481C1C}">
+                <a14:useLocalDpi xmlns:a14="http://schemas.microsoft.com/office/drawing/2010/main" val="0"/>
+              </a:ext>
             </a:extLst>
           </a:blip>
+          <a:srcRect/>
           <a:stretch>
             <a:fillRect/>
           </a:stretch>
         </p:blipFill>
-        <p:spPr>
-          <a:xfrm>
-            <a:off x="417989" y="310601"/>
-            <a:ext cx="2727960" cy="566248"/>
+        <p:spPr bwMode="auto">
+          <a:xfrm>
+            <a:off x="1213819" y="25575"/>
+            <a:ext cx="1136300" cy="1136300"/>
           </a:xfrm>
           <a:prstGeom prst="rect">
             <a:avLst/>
           </a:prstGeom>
+          <a:noFill/>
+          <a:extLst>
+            <a:ext uri="{909E8E84-426E-40DD-AFC4-6F175D3DCCD1}">
+              <a14:hiddenFill xmlns:a14="http://schemas.microsoft.com/office/drawing/2010/main">
+                <a:solidFill>
+                  <a:srgbClr val="FFFFFF"/>
+                </a:solidFill>
+              </a14:hiddenFill>
+            </a:ext>
+          </a:extLst>
+        </p:spPr>
+      </p:pic>
+      <p:pic>
+        <p:nvPicPr>
+          <p:cNvPr id="6" name="Picture 2">
+            <a:extLst>
+              <a:ext uri="{FF2B5EF4-FFF2-40B4-BE49-F238E27FC236}">
+                <a16:creationId xmlns:a16="http://schemas.microsoft.com/office/drawing/2014/main" id="{77022D67-FDB9-49FA-A810-B71D47CE6506}"/>
+              </a:ext>
+            </a:extLst>
+          </p:cNvPr>
+          <p:cNvPicPr>
+            <a:picLocks noChangeAspect="1" noChangeArrowheads="1"/>
+          </p:cNvPicPr>
+          <p:nvPr/>
+        </p:nvPicPr>
+        <p:blipFill rotWithShape="1">
+          <a:blip r:embed="rId4">
+            <a:extLst>
+              <a:ext uri="{28A0092B-C50C-407E-A947-70E740481C1C}">
+                <a14:useLocalDpi xmlns:a14="http://schemas.microsoft.com/office/drawing/2010/main" val="0"/>
+              </a:ext>
+            </a:extLst>
+          </a:blip>
+          <a:srcRect l="23852" r="63597" b="86115"/>
+          <a:stretch/>
+        </p:blipFill>
+        <p:spPr bwMode="auto">
+          <a:xfrm>
+            <a:off x="1484851" y="25575"/>
+            <a:ext cx="142613" cy="157781"/>
+          </a:xfrm>
+          <a:prstGeom prst="rect">
+            <a:avLst/>
+          </a:prstGeom>
+          <a:noFill/>
+          <a:extLst>
+            <a:ext uri="{909E8E84-426E-40DD-AFC4-6F175D3DCCD1}">
+              <a14:hiddenFill xmlns:a14="http://schemas.microsoft.com/office/drawing/2010/main">
+                <a:solidFill>
+                  <a:srgbClr val="FFFFFF"/>
+                </a:solidFill>
+              </a14:hiddenFill>
+            </a:ext>
+          </a:extLst>
         </p:spPr>
       </p:pic>
     </p:spTree>
     <p:extLst>
       <p:ext uri="{BB962C8B-B14F-4D97-AF65-F5344CB8AC3E}">
-        <p14:creationId xmlns:p14="http://schemas.microsoft.com/office/powerpoint/2010/main" val="2758426006"/>
+        <p14:creationId xmlns:p14="http://schemas.microsoft.com/office/powerpoint/2010/main" val="3918029104"/>
       </p:ext>
     </p:extLst>
   </p:cSld>
@@ -11679,10 +12130,10 @@
           <a:gradFill flip="none" rotWithShape="1">
             <a:gsLst>
               <a:gs pos="26000">
-                <a:srgbClr val="4B30B8"/>
+                <a:srgbClr val="068BFF"/>
               </a:gs>
               <a:gs pos="100000">
-                <a:srgbClr val="5B3EC7"/>
+                <a:srgbClr val="5BFFFF"/>
               </a:gs>
             </a:gsLst>
             <a:lin ang="2700000" scaled="0"/>
@@ -11719,10 +12170,10 @@
       </p:sp>
       <p:pic>
         <p:nvPicPr>
-          <p:cNvPr id="32770" name="Picture 2" descr="https://www.perpusindo.info/apple-touch-icon.png">
+          <p:cNvPr id="2050" name="Picture 2" descr="Inazumaotoshi | Download Anime &amp; Metal Hero Bajakan Subtitle Indonesia">
             <a:extLst>
               <a:ext uri="{FF2B5EF4-FFF2-40B4-BE49-F238E27FC236}">
-                <a16:creationId xmlns:a16="http://schemas.microsoft.com/office/drawing/2014/main" id="{18026D4D-E440-42FC-94C0-13440E2CA206}"/>
+                <a16:creationId xmlns:a16="http://schemas.microsoft.com/office/drawing/2014/main" id="{75D1C423-384C-4BB7-BD23-0983E5413979}"/>
               </a:ext>
             </a:extLst>
           </p:cNvPr>
@@ -11738,12 +12189,7 @@
                 <a14:imgProps xmlns:a14="http://schemas.microsoft.com/office/drawing/2010/main">
                   <a14:imgLayer r:embed="rId3">
                     <a14:imgEffect>
-                      <a14:backgroundRemoval t="10000" b="90000" l="10000" r="90000">
-                        <a14:foregroundMark x1="34444" y1="39444" x2="34444" y2="39444"/>
-                        <a14:foregroundMark x1="69444" y1="39444" x2="69444" y2="39444"/>
-                        <a14:foregroundMark x1="62222" y1="50000" x2="62222" y2="50000"/>
-                        <a14:foregroundMark x1="72222" y1="15556" x2="72222" y2="15556"/>
-                      </a14:backgroundRemoval>
+                      <a14:brightnessContrast contrast="-20000"/>
                     </a14:imgEffect>
                   </a14:imgLayer>
                 </a14:imgProps>
@@ -11760,8 +12206,8 @@
         </p:blipFill>
         <p:spPr bwMode="auto">
           <a:xfrm>
-            <a:off x="1188244" y="0"/>
-            <a:ext cx="1187450" cy="1187450"/>
+            <a:off x="479998" y="82550"/>
+            <a:ext cx="2544516" cy="1022350"/>
           </a:xfrm>
           <a:prstGeom prst="rect">
             <a:avLst/>
@@ -11781,7 +12227,7 @@
     </p:spTree>
     <p:extLst>
       <p:ext uri="{BB962C8B-B14F-4D97-AF65-F5344CB8AC3E}">
-        <p14:creationId xmlns:p14="http://schemas.microsoft.com/office/powerpoint/2010/main" val="3599097175"/>
+        <p14:creationId xmlns:p14="http://schemas.microsoft.com/office/powerpoint/2010/main" val="4125212085"/>
       </p:ext>
     </p:extLst>
   </p:cSld>
@@ -11833,15 +12279,10 @@
           <a:gradFill flip="none" rotWithShape="1">
             <a:gsLst>
               <a:gs pos="26000">
-                <a:schemeClr val="tx2">
-                  <a:lumMod val="75000"/>
-                </a:schemeClr>
+                <a:srgbClr val="2295C1"/>
               </a:gs>
               <a:gs pos="100000">
-                <a:schemeClr val="tx2">
-                  <a:lumMod val="60000"/>
-                  <a:lumOff val="40000"/>
-                </a:schemeClr>
+                <a:srgbClr val="5BFFFF"/>
               </a:gs>
             </a:gsLst>
             <a:lin ang="2700000" scaled="0"/>
@@ -11881,7 +12322,7 @@
           <p:cNvPr id="2" name="TextBox 1">
             <a:extLst>
               <a:ext uri="{FF2B5EF4-FFF2-40B4-BE49-F238E27FC236}">
-                <a16:creationId xmlns:a16="http://schemas.microsoft.com/office/drawing/2014/main" id="{6EBFA446-E191-400D-A74B-B3AABC51ABBE}"/>
+                <a16:creationId xmlns:a16="http://schemas.microsoft.com/office/drawing/2014/main" id="{2E41DADD-B90A-4C58-9424-ABD07C279C6C}"/>
               </a:ext>
             </a:extLst>
           </p:cNvPr>
@@ -11890,8 +12331,8 @@
         </p:nvSpPr>
         <p:spPr>
           <a:xfrm>
-            <a:off x="853678" y="270559"/>
-            <a:ext cx="1856582" cy="646331"/>
+            <a:off x="691400" y="209004"/>
+            <a:ext cx="2181138" cy="769441"/>
           </a:xfrm>
           <a:prstGeom prst="rect">
             <a:avLst/>
@@ -11906,21 +12347,17 @@
           <a:p>
             <a:pPr algn="ctr"/>
             <a:r>
-              <a:rPr lang="id-ID" sz="3600" dirty="0">
+              <a:rPr lang="id-ID" sz="4400" dirty="0">
                 <a:solidFill>
                   <a:schemeClr val="bg1"/>
                 </a:solidFill>
-                <a:latin typeface="Arial" panose="020B0604020202020204" pitchFamily="34" charset="0"/>
-                <a:cs typeface="Arial" panose="020B0604020202020204" pitchFamily="34" charset="0"/>
               </a:rPr>
-              <a:t>Nyaa.si</a:t>
+              <a:t>ItoSubs</a:t>
             </a:r>
-            <a:endParaRPr lang="en-US" sz="3600" dirty="0">
+            <a:endParaRPr lang="en-US" sz="4400" dirty="0">
               <a:solidFill>
                 <a:schemeClr val="bg1"/>
               </a:solidFill>
-              <a:latin typeface="Arial" panose="020B0604020202020204" pitchFamily="34" charset="0"/>
-              <a:cs typeface="Arial" panose="020B0604020202020204" pitchFamily="34" charset="0"/>
             </a:endParaRPr>
           </a:p>
         </p:txBody>
@@ -11928,7 +12365,130 @@
     </p:spTree>
     <p:extLst>
       <p:ext uri="{BB962C8B-B14F-4D97-AF65-F5344CB8AC3E}">
-        <p14:creationId xmlns:p14="http://schemas.microsoft.com/office/powerpoint/2010/main" val="3335546388"/>
+        <p14:creationId xmlns:p14="http://schemas.microsoft.com/office/powerpoint/2010/main" val="964917507"/>
+      </p:ext>
+    </p:extLst>
+  </p:cSld>
+  <p:clrMapOvr>
+    <a:masterClrMapping/>
+  </p:clrMapOvr>
+</p:sld>
+</file>
+
+<file path=ppt/slides/slide49.xml><?xml version="1.0" encoding="utf-8"?>
+<p:sld xmlns:a="http://schemas.openxmlformats.org/drawingml/2006/main" xmlns:r="http://schemas.openxmlformats.org/officeDocument/2006/relationships" xmlns:p="http://schemas.openxmlformats.org/presentationml/2006/main">
+  <p:cSld>
+    <p:spTree>
+      <p:nvGrpSpPr>
+        <p:cNvPr id="1" name=""/>
+        <p:cNvGrpSpPr/>
+        <p:nvPr/>
+      </p:nvGrpSpPr>
+      <p:grpSpPr>
+        <a:xfrm>
+          <a:off x="0" y="0"/>
+          <a:ext cx="0" cy="0"/>
+          <a:chOff x="0" y="0"/>
+          <a:chExt cx="0" cy="0"/>
+        </a:xfrm>
+      </p:grpSpPr>
+      <p:sp>
+        <p:nvSpPr>
+          <p:cNvPr id="4" name="Rectangle: Rounded Corners 3">
+            <a:extLst>
+              <a:ext uri="{FF2B5EF4-FFF2-40B4-BE49-F238E27FC236}">
+                <a16:creationId xmlns:a16="http://schemas.microsoft.com/office/drawing/2014/main" id="{8D6D9DF0-36ED-4863-B918-F6735D13A7C1}"/>
+              </a:ext>
+            </a:extLst>
+          </p:cNvPr>
+          <p:cNvSpPr/>
+          <p:nvPr/>
+        </p:nvSpPr>
+        <p:spPr>
+          <a:xfrm>
+            <a:off x="0" y="0"/>
+            <a:ext cx="3563938" cy="1187450"/>
+          </a:xfrm>
+          <a:prstGeom prst="roundRect">
+            <a:avLst>
+              <a:gd name="adj" fmla="val 50000"/>
+            </a:avLst>
+          </a:prstGeom>
+          <a:gradFill flip="none" rotWithShape="1">
+            <a:gsLst>
+              <a:gs pos="26000">
+                <a:srgbClr val="7030A0"/>
+              </a:gs>
+              <a:gs pos="100000">
+                <a:srgbClr val="D9D3EC"/>
+              </a:gs>
+            </a:gsLst>
+            <a:lin ang="2700000" scaled="0"/>
+            <a:tileRect/>
+          </a:gradFill>
+          <a:ln>
+            <a:noFill/>
+          </a:ln>
+        </p:spPr>
+        <p:style>
+          <a:lnRef idx="2">
+            <a:schemeClr val="accent1">
+              <a:shade val="50000"/>
+            </a:schemeClr>
+          </a:lnRef>
+          <a:fillRef idx="1">
+            <a:schemeClr val="accent1"/>
+          </a:fillRef>
+          <a:effectRef idx="0">
+            <a:schemeClr val="accent1"/>
+          </a:effectRef>
+          <a:fontRef idx="minor">
+            <a:schemeClr val="lt1"/>
+          </a:fontRef>
+        </p:style>
+        <p:txBody>
+          <a:bodyPr rtlCol="0" anchor="ctr"/>
+          <a:lstStyle/>
+          <a:p>
+            <a:pPr algn="ctr"/>
+            <a:endParaRPr lang="en-US" dirty="0"/>
+          </a:p>
+        </p:txBody>
+      </p:sp>
+      <p:pic>
+        <p:nvPicPr>
+          <p:cNvPr id="3" name="Picture 2">
+            <a:extLst>
+              <a:ext uri="{FF2B5EF4-FFF2-40B4-BE49-F238E27FC236}">
+                <a16:creationId xmlns:a16="http://schemas.microsoft.com/office/drawing/2014/main" id="{667A4AD7-38A6-486A-A616-6FD507483CD8}"/>
+              </a:ext>
+            </a:extLst>
+          </p:cNvPr>
+          <p:cNvPicPr>
+            <a:picLocks noChangeAspect="1"/>
+          </p:cNvPicPr>
+          <p:nvPr/>
+        </p:nvPicPr>
+        <p:blipFill>
+          <a:blip r:embed="rId2"/>
+          <a:stretch>
+            <a:fillRect/>
+          </a:stretch>
+        </p:blipFill>
+        <p:spPr>
+          <a:xfrm>
+            <a:off x="276488" y="375511"/>
+            <a:ext cx="3010962" cy="520308"/>
+          </a:xfrm>
+          <a:prstGeom prst="rect">
+            <a:avLst/>
+          </a:prstGeom>
+        </p:spPr>
+      </p:pic>
+    </p:spTree>
+    <p:extLst>
+      <p:ext uri="{BB962C8B-B14F-4D97-AF65-F5344CB8AC3E}">
+        <p14:creationId xmlns:p14="http://schemas.microsoft.com/office/powerpoint/2010/main" val="1731183394"/>
       </p:ext>
     </p:extLst>
   </p:cSld>
@@ -12078,6 +12638,1374 @@
 </p:sld>
 </file>
 
+<file path=ppt/slides/slide50.xml><?xml version="1.0" encoding="utf-8"?>
+<p:sld xmlns:a="http://schemas.openxmlformats.org/drawingml/2006/main" xmlns:r="http://schemas.openxmlformats.org/officeDocument/2006/relationships" xmlns:p="http://schemas.openxmlformats.org/presentationml/2006/main">
+  <p:cSld>
+    <p:spTree>
+      <p:nvGrpSpPr>
+        <p:cNvPr id="1" name=""/>
+        <p:cNvGrpSpPr/>
+        <p:nvPr/>
+      </p:nvGrpSpPr>
+      <p:grpSpPr>
+        <a:xfrm>
+          <a:off x="0" y="0"/>
+          <a:ext cx="0" cy="0"/>
+          <a:chOff x="0" y="0"/>
+          <a:chExt cx="0" cy="0"/>
+        </a:xfrm>
+      </p:grpSpPr>
+      <p:sp>
+        <p:nvSpPr>
+          <p:cNvPr id="4" name="Rectangle: Rounded Corners 3">
+            <a:extLst>
+              <a:ext uri="{FF2B5EF4-FFF2-40B4-BE49-F238E27FC236}">
+                <a16:creationId xmlns:a16="http://schemas.microsoft.com/office/drawing/2014/main" id="{8D6D9DF0-36ED-4863-B918-F6735D13A7C1}"/>
+              </a:ext>
+            </a:extLst>
+          </p:cNvPr>
+          <p:cNvSpPr/>
+          <p:nvPr/>
+        </p:nvSpPr>
+        <p:spPr>
+          <a:xfrm>
+            <a:off x="0" y="0"/>
+            <a:ext cx="3563938" cy="1187450"/>
+          </a:xfrm>
+          <a:prstGeom prst="roundRect">
+            <a:avLst>
+              <a:gd name="adj" fmla="val 50000"/>
+            </a:avLst>
+          </a:prstGeom>
+          <a:gradFill flip="none" rotWithShape="1">
+            <a:gsLst>
+              <a:gs pos="26000">
+                <a:srgbClr val="B3A0D8"/>
+              </a:gs>
+              <a:gs pos="100000">
+                <a:srgbClr val="E0C1FF"/>
+              </a:gs>
+            </a:gsLst>
+            <a:lin ang="2700000" scaled="0"/>
+            <a:tileRect/>
+          </a:gradFill>
+          <a:ln>
+            <a:noFill/>
+          </a:ln>
+        </p:spPr>
+        <p:style>
+          <a:lnRef idx="2">
+            <a:schemeClr val="accent1">
+              <a:shade val="50000"/>
+            </a:schemeClr>
+          </a:lnRef>
+          <a:fillRef idx="1">
+            <a:schemeClr val="accent1"/>
+          </a:fillRef>
+          <a:effectRef idx="0">
+            <a:schemeClr val="accent1"/>
+          </a:effectRef>
+          <a:fontRef idx="minor">
+            <a:schemeClr val="lt1"/>
+          </a:fontRef>
+        </p:style>
+        <p:txBody>
+          <a:bodyPr rtlCol="0" anchor="ctr"/>
+          <a:lstStyle/>
+          <a:p>
+            <a:pPr algn="ctr"/>
+            <a:endParaRPr lang="en-US" dirty="0"/>
+          </a:p>
+        </p:txBody>
+      </p:sp>
+      <p:pic>
+        <p:nvPicPr>
+          <p:cNvPr id="2" name="Picture 1">
+            <a:extLst>
+              <a:ext uri="{FF2B5EF4-FFF2-40B4-BE49-F238E27FC236}">
+                <a16:creationId xmlns:a16="http://schemas.microsoft.com/office/drawing/2014/main" id="{37CCDD58-A334-432D-9359-A70F50A4FA50}"/>
+              </a:ext>
+            </a:extLst>
+          </p:cNvPr>
+          <p:cNvPicPr>
+            <a:picLocks noChangeAspect="1"/>
+          </p:cNvPicPr>
+          <p:nvPr/>
+        </p:nvPicPr>
+        <p:blipFill>
+          <a:blip r:embed="rId2"/>
+          <a:stretch>
+            <a:fillRect/>
+          </a:stretch>
+        </p:blipFill>
+        <p:spPr>
+          <a:xfrm>
+            <a:off x="301312" y="351880"/>
+            <a:ext cx="2961314" cy="542405"/>
+          </a:xfrm>
+          <a:prstGeom prst="rect">
+            <a:avLst/>
+          </a:prstGeom>
+          <a:effectLst>
+            <a:outerShdw dist="38100" dir="2700000" algn="tl" rotWithShape="0">
+              <a:prstClr val="black">
+                <a:alpha val="29000"/>
+              </a:prstClr>
+            </a:outerShdw>
+          </a:effectLst>
+        </p:spPr>
+      </p:pic>
+    </p:spTree>
+    <p:extLst>
+      <p:ext uri="{BB962C8B-B14F-4D97-AF65-F5344CB8AC3E}">
+        <p14:creationId xmlns:p14="http://schemas.microsoft.com/office/powerpoint/2010/main" val="186884883"/>
+      </p:ext>
+    </p:extLst>
+  </p:cSld>
+  <p:clrMapOvr>
+    <a:masterClrMapping/>
+  </p:clrMapOvr>
+</p:sld>
+</file>
+
+<file path=ppt/slides/slide51.xml><?xml version="1.0" encoding="utf-8"?>
+<p:sld xmlns:a="http://schemas.openxmlformats.org/drawingml/2006/main" xmlns:r="http://schemas.openxmlformats.org/officeDocument/2006/relationships" xmlns:p="http://schemas.openxmlformats.org/presentationml/2006/main">
+  <p:cSld>
+    <p:spTree>
+      <p:nvGrpSpPr>
+        <p:cNvPr id="1" name=""/>
+        <p:cNvGrpSpPr/>
+        <p:nvPr/>
+      </p:nvGrpSpPr>
+      <p:grpSpPr>
+        <a:xfrm>
+          <a:off x="0" y="0"/>
+          <a:ext cx="0" cy="0"/>
+          <a:chOff x="0" y="0"/>
+          <a:chExt cx="0" cy="0"/>
+        </a:xfrm>
+      </p:grpSpPr>
+      <p:sp>
+        <p:nvSpPr>
+          <p:cNvPr id="4" name="Rectangle: Rounded Corners 3">
+            <a:extLst>
+              <a:ext uri="{FF2B5EF4-FFF2-40B4-BE49-F238E27FC236}">
+                <a16:creationId xmlns:a16="http://schemas.microsoft.com/office/drawing/2014/main" id="{8D6D9DF0-36ED-4863-B918-F6735D13A7C1}"/>
+              </a:ext>
+            </a:extLst>
+          </p:cNvPr>
+          <p:cNvSpPr/>
+          <p:nvPr/>
+        </p:nvSpPr>
+        <p:spPr>
+          <a:xfrm>
+            <a:off x="0" y="0"/>
+            <a:ext cx="3563938" cy="1187450"/>
+          </a:xfrm>
+          <a:prstGeom prst="roundRect">
+            <a:avLst>
+              <a:gd name="adj" fmla="val 50000"/>
+            </a:avLst>
+          </a:prstGeom>
+          <a:gradFill flip="none" rotWithShape="1">
+            <a:gsLst>
+              <a:gs pos="26000">
+                <a:schemeClr val="tx1">
+                  <a:lumMod val="85000"/>
+                  <a:lumOff val="15000"/>
+                </a:schemeClr>
+              </a:gs>
+              <a:gs pos="100000">
+                <a:schemeClr val="accent1"/>
+              </a:gs>
+            </a:gsLst>
+            <a:lin ang="2700000" scaled="0"/>
+            <a:tileRect/>
+          </a:gradFill>
+          <a:ln>
+            <a:noFill/>
+          </a:ln>
+        </p:spPr>
+        <p:style>
+          <a:lnRef idx="2">
+            <a:schemeClr val="accent1">
+              <a:shade val="50000"/>
+            </a:schemeClr>
+          </a:lnRef>
+          <a:fillRef idx="1">
+            <a:schemeClr val="accent1"/>
+          </a:fillRef>
+          <a:effectRef idx="0">
+            <a:schemeClr val="accent1"/>
+          </a:effectRef>
+          <a:fontRef idx="minor">
+            <a:schemeClr val="lt1"/>
+          </a:fontRef>
+        </p:style>
+        <p:txBody>
+          <a:bodyPr rtlCol="0" anchor="ctr"/>
+          <a:lstStyle/>
+          <a:p>
+            <a:pPr algn="ctr"/>
+            <a:endParaRPr lang="en-US" dirty="0"/>
+          </a:p>
+        </p:txBody>
+      </p:sp>
+      <p:pic>
+        <p:nvPicPr>
+          <p:cNvPr id="3" name="Picture 2">
+            <a:extLst>
+              <a:ext uri="{FF2B5EF4-FFF2-40B4-BE49-F238E27FC236}">
+                <a16:creationId xmlns:a16="http://schemas.microsoft.com/office/drawing/2014/main" id="{4DBDE6FE-EFFD-48E1-94DA-7C0883B032AE}"/>
+              </a:ext>
+            </a:extLst>
+          </p:cNvPr>
+          <p:cNvPicPr>
+            <a:picLocks noChangeAspect="1"/>
+          </p:cNvPicPr>
+          <p:nvPr/>
+        </p:nvPicPr>
+        <p:blipFill>
+          <a:blip r:embed="rId2"/>
+          <a:stretch>
+            <a:fillRect/>
+          </a:stretch>
+        </p:blipFill>
+        <p:spPr>
+          <a:xfrm>
+            <a:off x="440928" y="431388"/>
+            <a:ext cx="2682081" cy="324673"/>
+          </a:xfrm>
+          <a:prstGeom prst="rect">
+            <a:avLst/>
+          </a:prstGeom>
+        </p:spPr>
+      </p:pic>
+    </p:spTree>
+    <p:extLst>
+      <p:ext uri="{BB962C8B-B14F-4D97-AF65-F5344CB8AC3E}">
+        <p14:creationId xmlns:p14="http://schemas.microsoft.com/office/powerpoint/2010/main" val="2145866101"/>
+      </p:ext>
+    </p:extLst>
+  </p:cSld>
+  <p:clrMapOvr>
+    <a:masterClrMapping/>
+  </p:clrMapOvr>
+</p:sld>
+</file>
+
+<file path=ppt/slides/slide52.xml><?xml version="1.0" encoding="utf-8"?>
+<p:sld xmlns:a="http://schemas.openxmlformats.org/drawingml/2006/main" xmlns:r="http://schemas.openxmlformats.org/officeDocument/2006/relationships" xmlns:p="http://schemas.openxmlformats.org/presentationml/2006/main">
+  <p:cSld>
+    <p:spTree>
+      <p:nvGrpSpPr>
+        <p:cNvPr id="1" name=""/>
+        <p:cNvGrpSpPr/>
+        <p:nvPr/>
+      </p:nvGrpSpPr>
+      <p:grpSpPr>
+        <a:xfrm>
+          <a:off x="0" y="0"/>
+          <a:ext cx="0" cy="0"/>
+          <a:chOff x="0" y="0"/>
+          <a:chExt cx="0" cy="0"/>
+        </a:xfrm>
+      </p:grpSpPr>
+      <p:sp>
+        <p:nvSpPr>
+          <p:cNvPr id="4" name="Rectangle: Rounded Corners 3">
+            <a:extLst>
+              <a:ext uri="{FF2B5EF4-FFF2-40B4-BE49-F238E27FC236}">
+                <a16:creationId xmlns:a16="http://schemas.microsoft.com/office/drawing/2014/main" id="{8D6D9DF0-36ED-4863-B918-F6735D13A7C1}"/>
+              </a:ext>
+            </a:extLst>
+          </p:cNvPr>
+          <p:cNvSpPr/>
+          <p:nvPr/>
+        </p:nvSpPr>
+        <p:spPr>
+          <a:xfrm>
+            <a:off x="0" y="0"/>
+            <a:ext cx="3563938" cy="1187450"/>
+          </a:xfrm>
+          <a:prstGeom prst="roundRect">
+            <a:avLst>
+              <a:gd name="adj" fmla="val 50000"/>
+            </a:avLst>
+          </a:prstGeom>
+          <a:gradFill flip="none" rotWithShape="1">
+            <a:gsLst>
+              <a:gs pos="26000">
+                <a:schemeClr val="tx1"/>
+              </a:gs>
+              <a:gs pos="100000">
+                <a:srgbClr val="236467"/>
+              </a:gs>
+            </a:gsLst>
+            <a:lin ang="2700000" scaled="0"/>
+            <a:tileRect/>
+          </a:gradFill>
+          <a:ln>
+            <a:noFill/>
+          </a:ln>
+        </p:spPr>
+        <p:style>
+          <a:lnRef idx="2">
+            <a:schemeClr val="accent1">
+              <a:shade val="50000"/>
+            </a:schemeClr>
+          </a:lnRef>
+          <a:fillRef idx="1">
+            <a:schemeClr val="accent1"/>
+          </a:fillRef>
+          <a:effectRef idx="0">
+            <a:schemeClr val="accent1"/>
+          </a:effectRef>
+          <a:fontRef idx="minor">
+            <a:schemeClr val="lt1"/>
+          </a:fontRef>
+        </p:style>
+        <p:txBody>
+          <a:bodyPr rtlCol="0" anchor="ctr"/>
+          <a:lstStyle/>
+          <a:p>
+            <a:pPr algn="ctr"/>
+            <a:endParaRPr lang="en-US" dirty="0"/>
+          </a:p>
+        </p:txBody>
+      </p:sp>
+      <p:pic>
+        <p:nvPicPr>
+          <p:cNvPr id="21506" name="Picture 2" descr="http://animeindo.moe/wp-content/themes/animeindo/img/logo.png">
+            <a:extLst>
+              <a:ext uri="{FF2B5EF4-FFF2-40B4-BE49-F238E27FC236}">
+                <a16:creationId xmlns:a16="http://schemas.microsoft.com/office/drawing/2014/main" id="{5EB05C5C-E7CE-4371-B09E-37C4279C7212}"/>
+              </a:ext>
+            </a:extLst>
+          </p:cNvPr>
+          <p:cNvPicPr>
+            <a:picLocks noChangeAspect="1" noChangeArrowheads="1"/>
+          </p:cNvPicPr>
+          <p:nvPr/>
+        </p:nvPicPr>
+        <p:blipFill>
+          <a:blip r:embed="rId2">
+            <a:extLst>
+              <a:ext uri="{BEBA8EAE-BF5A-486C-A8C5-ECC9F3942E4B}">
+                <a14:imgProps xmlns:a14="http://schemas.microsoft.com/office/drawing/2010/main">
+                  <a14:imgLayer r:embed="rId3">
+                    <a14:imgEffect>
+                      <a14:brightnessContrast bright="40000" contrast="40000"/>
+                    </a14:imgEffect>
+                  </a14:imgLayer>
+                </a14:imgProps>
+              </a:ext>
+              <a:ext uri="{28A0092B-C50C-407E-A947-70E740481C1C}">
+                <a14:useLocalDpi xmlns:a14="http://schemas.microsoft.com/office/drawing/2010/main" val="0"/>
+              </a:ext>
+            </a:extLst>
+          </a:blip>
+          <a:srcRect/>
+          <a:stretch>
+            <a:fillRect/>
+          </a:stretch>
+        </p:blipFill>
+        <p:spPr bwMode="auto">
+          <a:xfrm>
+            <a:off x="677069" y="170180"/>
+            <a:ext cx="2209800" cy="847090"/>
+          </a:xfrm>
+          <a:prstGeom prst="rect">
+            <a:avLst/>
+          </a:prstGeom>
+          <a:noFill/>
+          <a:extLst>
+            <a:ext uri="{909E8E84-426E-40DD-AFC4-6F175D3DCCD1}">
+              <a14:hiddenFill xmlns:a14="http://schemas.microsoft.com/office/drawing/2010/main">
+                <a:solidFill>
+                  <a:srgbClr val="FFFFFF"/>
+                </a:solidFill>
+              </a14:hiddenFill>
+            </a:ext>
+          </a:extLst>
+        </p:spPr>
+      </p:pic>
+    </p:spTree>
+    <p:extLst>
+      <p:ext uri="{BB962C8B-B14F-4D97-AF65-F5344CB8AC3E}">
+        <p14:creationId xmlns:p14="http://schemas.microsoft.com/office/powerpoint/2010/main" val="2359361241"/>
+      </p:ext>
+    </p:extLst>
+  </p:cSld>
+  <p:clrMapOvr>
+    <a:masterClrMapping/>
+  </p:clrMapOvr>
+</p:sld>
+</file>
+
+<file path=ppt/slides/slide53.xml><?xml version="1.0" encoding="utf-8"?>
+<p:sld xmlns:a="http://schemas.openxmlformats.org/drawingml/2006/main" xmlns:r="http://schemas.openxmlformats.org/officeDocument/2006/relationships" xmlns:p="http://schemas.openxmlformats.org/presentationml/2006/main">
+  <p:cSld>
+    <p:spTree>
+      <p:nvGrpSpPr>
+        <p:cNvPr id="1" name=""/>
+        <p:cNvGrpSpPr/>
+        <p:nvPr/>
+      </p:nvGrpSpPr>
+      <p:grpSpPr>
+        <a:xfrm>
+          <a:off x="0" y="0"/>
+          <a:ext cx="0" cy="0"/>
+          <a:chOff x="0" y="0"/>
+          <a:chExt cx="0" cy="0"/>
+        </a:xfrm>
+      </p:grpSpPr>
+      <p:sp>
+        <p:nvSpPr>
+          <p:cNvPr id="4" name="Rectangle: Rounded Corners 3">
+            <a:extLst>
+              <a:ext uri="{FF2B5EF4-FFF2-40B4-BE49-F238E27FC236}">
+                <a16:creationId xmlns:a16="http://schemas.microsoft.com/office/drawing/2014/main" id="{8D6D9DF0-36ED-4863-B918-F6735D13A7C1}"/>
+              </a:ext>
+            </a:extLst>
+          </p:cNvPr>
+          <p:cNvSpPr/>
+          <p:nvPr/>
+        </p:nvSpPr>
+        <p:spPr>
+          <a:xfrm>
+            <a:off x="0" y="0"/>
+            <a:ext cx="3563938" cy="1187450"/>
+          </a:xfrm>
+          <a:prstGeom prst="roundRect">
+            <a:avLst>
+              <a:gd name="adj" fmla="val 50000"/>
+            </a:avLst>
+          </a:prstGeom>
+          <a:gradFill flip="none" rotWithShape="1">
+            <a:gsLst>
+              <a:gs pos="26000">
+                <a:srgbClr val="8F790B"/>
+              </a:gs>
+              <a:gs pos="100000">
+                <a:srgbClr val="C9BA6D"/>
+              </a:gs>
+            </a:gsLst>
+            <a:lin ang="2700000" scaled="0"/>
+            <a:tileRect/>
+          </a:gradFill>
+          <a:ln>
+            <a:noFill/>
+          </a:ln>
+        </p:spPr>
+        <p:style>
+          <a:lnRef idx="2">
+            <a:schemeClr val="accent1">
+              <a:shade val="50000"/>
+            </a:schemeClr>
+          </a:lnRef>
+          <a:fillRef idx="1">
+            <a:schemeClr val="accent1"/>
+          </a:fillRef>
+          <a:effectRef idx="0">
+            <a:schemeClr val="accent1"/>
+          </a:effectRef>
+          <a:fontRef idx="minor">
+            <a:schemeClr val="lt1"/>
+          </a:fontRef>
+        </p:style>
+        <p:txBody>
+          <a:bodyPr rtlCol="0" anchor="ctr"/>
+          <a:lstStyle/>
+          <a:p>
+            <a:pPr algn="ctr"/>
+            <a:endParaRPr lang="en-US" dirty="0"/>
+          </a:p>
+        </p:txBody>
+      </p:sp>
+      <p:pic>
+        <p:nvPicPr>
+          <p:cNvPr id="1026" name="Picture 2" descr="https://www.riie.net/wp-content/uploads/2018/03/Riie-Logo.png">
+            <a:extLst>
+              <a:ext uri="{FF2B5EF4-FFF2-40B4-BE49-F238E27FC236}">
+                <a16:creationId xmlns:a16="http://schemas.microsoft.com/office/drawing/2014/main" id="{2C372837-A9BA-4142-A9E1-A018EDBABA4B}"/>
+              </a:ext>
+            </a:extLst>
+          </p:cNvPr>
+          <p:cNvPicPr>
+            <a:picLocks noChangeAspect="1" noChangeArrowheads="1"/>
+          </p:cNvPicPr>
+          <p:nvPr/>
+        </p:nvPicPr>
+        <p:blipFill>
+          <a:blip r:embed="rId2">
+            <a:extLst>
+              <a:ext uri="{28A0092B-C50C-407E-A947-70E740481C1C}">
+                <a14:useLocalDpi xmlns:a14="http://schemas.microsoft.com/office/drawing/2010/main" val="0"/>
+              </a:ext>
+            </a:extLst>
+          </a:blip>
+          <a:srcRect/>
+          <a:stretch>
+            <a:fillRect/>
+          </a:stretch>
+        </p:blipFill>
+        <p:spPr bwMode="auto">
+          <a:xfrm>
+            <a:off x="591344" y="169862"/>
+            <a:ext cx="2381250" cy="847725"/>
+          </a:xfrm>
+          <a:prstGeom prst="rect">
+            <a:avLst/>
+          </a:prstGeom>
+          <a:noFill/>
+          <a:extLst>
+            <a:ext uri="{909E8E84-426E-40DD-AFC4-6F175D3DCCD1}">
+              <a14:hiddenFill xmlns:a14="http://schemas.microsoft.com/office/drawing/2010/main">
+                <a:solidFill>
+                  <a:srgbClr val="FFFFFF"/>
+                </a:solidFill>
+              </a14:hiddenFill>
+            </a:ext>
+          </a:extLst>
+        </p:spPr>
+      </p:pic>
+    </p:spTree>
+    <p:extLst>
+      <p:ext uri="{BB962C8B-B14F-4D97-AF65-F5344CB8AC3E}">
+        <p14:creationId xmlns:p14="http://schemas.microsoft.com/office/powerpoint/2010/main" val="1658982614"/>
+      </p:ext>
+    </p:extLst>
+  </p:cSld>
+  <p:clrMapOvr>
+    <a:masterClrMapping/>
+  </p:clrMapOvr>
+</p:sld>
+</file>
+
+<file path=ppt/slides/slide54.xml><?xml version="1.0" encoding="utf-8"?>
+<p:sld xmlns:a="http://schemas.openxmlformats.org/drawingml/2006/main" xmlns:r="http://schemas.openxmlformats.org/officeDocument/2006/relationships" xmlns:p="http://schemas.openxmlformats.org/presentationml/2006/main">
+  <p:cSld>
+    <p:spTree>
+      <p:nvGrpSpPr>
+        <p:cNvPr id="1" name=""/>
+        <p:cNvGrpSpPr/>
+        <p:nvPr/>
+      </p:nvGrpSpPr>
+      <p:grpSpPr>
+        <a:xfrm>
+          <a:off x="0" y="0"/>
+          <a:ext cx="0" cy="0"/>
+          <a:chOff x="0" y="0"/>
+          <a:chExt cx="0" cy="0"/>
+        </a:xfrm>
+      </p:grpSpPr>
+      <p:sp>
+        <p:nvSpPr>
+          <p:cNvPr id="4" name="Rectangle: Rounded Corners 3">
+            <a:extLst>
+              <a:ext uri="{FF2B5EF4-FFF2-40B4-BE49-F238E27FC236}">
+                <a16:creationId xmlns:a16="http://schemas.microsoft.com/office/drawing/2014/main" id="{8D6D9DF0-36ED-4863-B918-F6735D13A7C1}"/>
+              </a:ext>
+            </a:extLst>
+          </p:cNvPr>
+          <p:cNvSpPr/>
+          <p:nvPr/>
+        </p:nvSpPr>
+        <p:spPr>
+          <a:xfrm>
+            <a:off x="0" y="0"/>
+            <a:ext cx="3563938" cy="1187450"/>
+          </a:xfrm>
+          <a:prstGeom prst="roundRect">
+            <a:avLst>
+              <a:gd name="adj" fmla="val 50000"/>
+            </a:avLst>
+          </a:prstGeom>
+          <a:gradFill flip="none" rotWithShape="1">
+            <a:gsLst>
+              <a:gs pos="42000">
+                <a:srgbClr val="000000"/>
+              </a:gs>
+              <a:gs pos="100000">
+                <a:srgbClr val="C50B12"/>
+              </a:gs>
+            </a:gsLst>
+            <a:lin ang="2700000" scaled="0"/>
+            <a:tileRect/>
+          </a:gradFill>
+          <a:ln>
+            <a:noFill/>
+          </a:ln>
+        </p:spPr>
+        <p:style>
+          <a:lnRef idx="2">
+            <a:schemeClr val="accent1">
+              <a:shade val="50000"/>
+            </a:schemeClr>
+          </a:lnRef>
+          <a:fillRef idx="1">
+            <a:schemeClr val="accent1"/>
+          </a:fillRef>
+          <a:effectRef idx="0">
+            <a:schemeClr val="accent1"/>
+          </a:effectRef>
+          <a:fontRef idx="minor">
+            <a:schemeClr val="lt1"/>
+          </a:fontRef>
+        </p:style>
+        <p:txBody>
+          <a:bodyPr rtlCol="0" anchor="ctr"/>
+          <a:lstStyle/>
+          <a:p>
+            <a:pPr algn="ctr"/>
+            <a:endParaRPr lang="en-US" dirty="0"/>
+          </a:p>
+        </p:txBody>
+      </p:sp>
+      <p:pic>
+        <p:nvPicPr>
+          <p:cNvPr id="2" name="Picture 2" descr="https://ruangotaku.id/wp-content/uploads/2019/03/grr.png">
+            <a:extLst>
+              <a:ext uri="{FF2B5EF4-FFF2-40B4-BE49-F238E27FC236}">
+                <a16:creationId xmlns:a16="http://schemas.microsoft.com/office/drawing/2014/main" id="{5389DA7D-4BBF-4B30-9CA4-2549063A42C2}"/>
+              </a:ext>
+            </a:extLst>
+          </p:cNvPr>
+          <p:cNvPicPr>
+            <a:picLocks noChangeAspect="1" noChangeArrowheads="1"/>
+          </p:cNvPicPr>
+          <p:nvPr/>
+        </p:nvPicPr>
+        <p:blipFill>
+          <a:blip r:embed="rId2">
+            <a:extLst>
+              <a:ext uri="{28A0092B-C50C-407E-A947-70E740481C1C}">
+                <a14:useLocalDpi xmlns:a14="http://schemas.microsoft.com/office/drawing/2010/main" val="0"/>
+              </a:ext>
+            </a:extLst>
+          </a:blip>
+          <a:srcRect/>
+          <a:stretch>
+            <a:fillRect/>
+          </a:stretch>
+        </p:blipFill>
+        <p:spPr bwMode="auto">
+          <a:xfrm>
+            <a:off x="615833" y="19485"/>
+            <a:ext cx="2332271" cy="1148479"/>
+          </a:xfrm>
+          <a:prstGeom prst="rect">
+            <a:avLst/>
+          </a:prstGeom>
+          <a:noFill/>
+          <a:extLst>
+            <a:ext uri="{909E8E84-426E-40DD-AFC4-6F175D3DCCD1}">
+              <a14:hiddenFill xmlns:a14="http://schemas.microsoft.com/office/drawing/2010/main">
+                <a:solidFill>
+                  <a:srgbClr val="FFFFFF"/>
+                </a:solidFill>
+              </a14:hiddenFill>
+            </a:ext>
+          </a:extLst>
+        </p:spPr>
+      </p:pic>
+    </p:spTree>
+    <p:extLst>
+      <p:ext uri="{BB962C8B-B14F-4D97-AF65-F5344CB8AC3E}">
+        <p14:creationId xmlns:p14="http://schemas.microsoft.com/office/powerpoint/2010/main" val="3108287914"/>
+      </p:ext>
+    </p:extLst>
+  </p:cSld>
+  <p:clrMapOvr>
+    <a:masterClrMapping/>
+  </p:clrMapOvr>
+</p:sld>
+</file>
+
+<file path=ppt/slides/slide55.xml><?xml version="1.0" encoding="utf-8"?>
+<p:sld xmlns:a="http://schemas.openxmlformats.org/drawingml/2006/main" xmlns:r="http://schemas.openxmlformats.org/officeDocument/2006/relationships" xmlns:p="http://schemas.openxmlformats.org/presentationml/2006/main">
+  <p:cSld>
+    <p:spTree>
+      <p:nvGrpSpPr>
+        <p:cNvPr id="1" name=""/>
+        <p:cNvGrpSpPr/>
+        <p:nvPr/>
+      </p:nvGrpSpPr>
+      <p:grpSpPr>
+        <a:xfrm>
+          <a:off x="0" y="0"/>
+          <a:ext cx="0" cy="0"/>
+          <a:chOff x="0" y="0"/>
+          <a:chExt cx="0" cy="0"/>
+        </a:xfrm>
+      </p:grpSpPr>
+      <p:sp>
+        <p:nvSpPr>
+          <p:cNvPr id="4" name="Rectangle: Rounded Corners 3">
+            <a:extLst>
+              <a:ext uri="{FF2B5EF4-FFF2-40B4-BE49-F238E27FC236}">
+                <a16:creationId xmlns:a16="http://schemas.microsoft.com/office/drawing/2014/main" id="{8D6D9DF0-36ED-4863-B918-F6735D13A7C1}"/>
+              </a:ext>
+            </a:extLst>
+          </p:cNvPr>
+          <p:cNvSpPr/>
+          <p:nvPr/>
+        </p:nvSpPr>
+        <p:spPr>
+          <a:xfrm>
+            <a:off x="0" y="0"/>
+            <a:ext cx="3563938" cy="1187450"/>
+          </a:xfrm>
+          <a:prstGeom prst="roundRect">
+            <a:avLst>
+              <a:gd name="adj" fmla="val 50000"/>
+            </a:avLst>
+          </a:prstGeom>
+          <a:gradFill flip="none" rotWithShape="1">
+            <a:gsLst>
+              <a:gs pos="30000">
+                <a:srgbClr val="000000"/>
+              </a:gs>
+              <a:gs pos="100000">
+                <a:srgbClr val="7B7B7B"/>
+              </a:gs>
+            </a:gsLst>
+            <a:lin ang="2700000" scaled="0"/>
+            <a:tileRect/>
+          </a:gradFill>
+          <a:ln>
+            <a:noFill/>
+          </a:ln>
+        </p:spPr>
+        <p:style>
+          <a:lnRef idx="2">
+            <a:schemeClr val="accent1">
+              <a:shade val="50000"/>
+            </a:schemeClr>
+          </a:lnRef>
+          <a:fillRef idx="1">
+            <a:schemeClr val="accent1"/>
+          </a:fillRef>
+          <a:effectRef idx="0">
+            <a:schemeClr val="accent1"/>
+          </a:effectRef>
+          <a:fontRef idx="minor">
+            <a:schemeClr val="lt1"/>
+          </a:fontRef>
+        </p:style>
+        <p:txBody>
+          <a:bodyPr rtlCol="0" anchor="ctr"/>
+          <a:lstStyle/>
+          <a:p>
+            <a:pPr algn="ctr"/>
+            <a:endParaRPr lang="en-US" dirty="0"/>
+          </a:p>
+        </p:txBody>
+      </p:sp>
+      <p:pic>
+        <p:nvPicPr>
+          <p:cNvPr id="2052" name="Picture 4" descr="https://nontonanime.site/nonton-anime.png">
+            <a:extLst>
+              <a:ext uri="{FF2B5EF4-FFF2-40B4-BE49-F238E27FC236}">
+                <a16:creationId xmlns:a16="http://schemas.microsoft.com/office/drawing/2014/main" id="{633906D9-E483-4696-A15C-B3E96C439F0C}"/>
+              </a:ext>
+            </a:extLst>
+          </p:cNvPr>
+          <p:cNvPicPr>
+            <a:picLocks noChangeAspect="1" noChangeArrowheads="1"/>
+          </p:cNvPicPr>
+          <p:nvPr/>
+        </p:nvPicPr>
+        <p:blipFill>
+          <a:blip r:embed="rId2">
+            <a:extLst>
+              <a:ext uri="{28A0092B-C50C-407E-A947-70E740481C1C}">
+                <a14:useLocalDpi xmlns:a14="http://schemas.microsoft.com/office/drawing/2010/main" val="0"/>
+              </a:ext>
+            </a:extLst>
+          </a:blip>
+          <a:srcRect/>
+          <a:stretch>
+            <a:fillRect/>
+          </a:stretch>
+        </p:blipFill>
+        <p:spPr bwMode="auto">
+          <a:xfrm>
+            <a:off x="186531" y="323673"/>
+            <a:ext cx="3190875" cy="540103"/>
+          </a:xfrm>
+          <a:prstGeom prst="rect">
+            <a:avLst/>
+          </a:prstGeom>
+          <a:noFill/>
+          <a:extLst>
+            <a:ext uri="{909E8E84-426E-40DD-AFC4-6F175D3DCCD1}">
+              <a14:hiddenFill xmlns:a14="http://schemas.microsoft.com/office/drawing/2010/main">
+                <a:solidFill>
+                  <a:srgbClr val="FFFFFF"/>
+                </a:solidFill>
+              </a14:hiddenFill>
+            </a:ext>
+          </a:extLst>
+        </p:spPr>
+      </p:pic>
+    </p:spTree>
+    <p:extLst>
+      <p:ext uri="{BB962C8B-B14F-4D97-AF65-F5344CB8AC3E}">
+        <p14:creationId xmlns:p14="http://schemas.microsoft.com/office/powerpoint/2010/main" val="2343881463"/>
+      </p:ext>
+    </p:extLst>
+  </p:cSld>
+  <p:clrMapOvr>
+    <a:masterClrMapping/>
+  </p:clrMapOvr>
+</p:sld>
+</file>
+
+<file path=ppt/slides/slide56.xml><?xml version="1.0" encoding="utf-8"?>
+<p:sld xmlns:a="http://schemas.openxmlformats.org/drawingml/2006/main" xmlns:r="http://schemas.openxmlformats.org/officeDocument/2006/relationships" xmlns:p="http://schemas.openxmlformats.org/presentationml/2006/main">
+  <p:cSld>
+    <p:spTree>
+      <p:nvGrpSpPr>
+        <p:cNvPr id="1" name=""/>
+        <p:cNvGrpSpPr/>
+        <p:nvPr/>
+      </p:nvGrpSpPr>
+      <p:grpSpPr>
+        <a:xfrm>
+          <a:off x="0" y="0"/>
+          <a:ext cx="0" cy="0"/>
+          <a:chOff x="0" y="0"/>
+          <a:chExt cx="0" cy="0"/>
+        </a:xfrm>
+      </p:grpSpPr>
+      <p:sp>
+        <p:nvSpPr>
+          <p:cNvPr id="4" name="Rectangle: Rounded Corners 3">
+            <a:extLst>
+              <a:ext uri="{FF2B5EF4-FFF2-40B4-BE49-F238E27FC236}">
+                <a16:creationId xmlns:a16="http://schemas.microsoft.com/office/drawing/2014/main" id="{8D6D9DF0-36ED-4863-B918-F6735D13A7C1}"/>
+              </a:ext>
+            </a:extLst>
+          </p:cNvPr>
+          <p:cNvSpPr/>
+          <p:nvPr/>
+        </p:nvSpPr>
+        <p:spPr>
+          <a:xfrm>
+            <a:off x="0" y="0"/>
+            <a:ext cx="3563938" cy="1187450"/>
+          </a:xfrm>
+          <a:prstGeom prst="roundRect">
+            <a:avLst>
+              <a:gd name="adj" fmla="val 50000"/>
+            </a:avLst>
+          </a:prstGeom>
+          <a:gradFill flip="none" rotWithShape="1">
+            <a:gsLst>
+              <a:gs pos="30000">
+                <a:srgbClr val="B42F33"/>
+              </a:gs>
+              <a:gs pos="100000">
+                <a:srgbClr val="281B79"/>
+              </a:gs>
+            </a:gsLst>
+            <a:lin ang="2700000" scaled="0"/>
+            <a:tileRect/>
+          </a:gradFill>
+          <a:ln>
+            <a:noFill/>
+          </a:ln>
+        </p:spPr>
+        <p:style>
+          <a:lnRef idx="2">
+            <a:schemeClr val="accent1">
+              <a:shade val="50000"/>
+            </a:schemeClr>
+          </a:lnRef>
+          <a:fillRef idx="1">
+            <a:schemeClr val="accent1"/>
+          </a:fillRef>
+          <a:effectRef idx="0">
+            <a:schemeClr val="accent1"/>
+          </a:effectRef>
+          <a:fontRef idx="minor">
+            <a:schemeClr val="lt1"/>
+          </a:fontRef>
+        </p:style>
+        <p:txBody>
+          <a:bodyPr rtlCol="0" anchor="ctr"/>
+          <a:lstStyle/>
+          <a:p>
+            <a:pPr algn="ctr"/>
+            <a:endParaRPr lang="en-US" dirty="0"/>
+          </a:p>
+        </p:txBody>
+      </p:sp>
+      <p:pic>
+        <p:nvPicPr>
+          <p:cNvPr id="3074" name="Picture 2" descr="[webp-to-png output image]">
+            <a:extLst>
+              <a:ext uri="{FF2B5EF4-FFF2-40B4-BE49-F238E27FC236}">
+                <a16:creationId xmlns:a16="http://schemas.microsoft.com/office/drawing/2014/main" id="{8B09A652-E1F5-4F82-8C4F-C28AAC002534}"/>
+              </a:ext>
+            </a:extLst>
+          </p:cNvPr>
+          <p:cNvPicPr>
+            <a:picLocks noChangeAspect="1" noChangeArrowheads="1"/>
+          </p:cNvPicPr>
+          <p:nvPr/>
+        </p:nvPicPr>
+        <p:blipFill>
+          <a:blip r:embed="rId2">
+            <a:extLst>
+              <a:ext uri="{28A0092B-C50C-407E-A947-70E740481C1C}">
+                <a14:useLocalDpi xmlns:a14="http://schemas.microsoft.com/office/drawing/2010/main" val="0"/>
+              </a:ext>
+            </a:extLst>
+          </a:blip>
+          <a:srcRect/>
+          <a:stretch>
+            <a:fillRect/>
+          </a:stretch>
+        </p:blipFill>
+        <p:spPr bwMode="auto">
+          <a:xfrm>
+            <a:off x="315119" y="297741"/>
+            <a:ext cx="2933700" cy="591967"/>
+          </a:xfrm>
+          <a:prstGeom prst="rect">
+            <a:avLst/>
+          </a:prstGeom>
+          <a:noFill/>
+          <a:extLst>
+            <a:ext uri="{909E8E84-426E-40DD-AFC4-6F175D3DCCD1}">
+              <a14:hiddenFill xmlns:a14="http://schemas.microsoft.com/office/drawing/2010/main">
+                <a:solidFill>
+                  <a:srgbClr val="FFFFFF"/>
+                </a:solidFill>
+              </a14:hiddenFill>
+            </a:ext>
+          </a:extLst>
+        </p:spPr>
+      </p:pic>
+    </p:spTree>
+    <p:extLst>
+      <p:ext uri="{BB962C8B-B14F-4D97-AF65-F5344CB8AC3E}">
+        <p14:creationId xmlns:p14="http://schemas.microsoft.com/office/powerpoint/2010/main" val="2044909443"/>
+      </p:ext>
+    </p:extLst>
+  </p:cSld>
+  <p:clrMapOvr>
+    <a:masterClrMapping/>
+  </p:clrMapOvr>
+</p:sld>
+</file>
+
+<file path=ppt/slides/slide57.xml><?xml version="1.0" encoding="utf-8"?>
+<p:sld xmlns:a="http://schemas.openxmlformats.org/drawingml/2006/main" xmlns:r="http://schemas.openxmlformats.org/officeDocument/2006/relationships" xmlns:p="http://schemas.openxmlformats.org/presentationml/2006/main">
+  <p:cSld>
+    <p:spTree>
+      <p:nvGrpSpPr>
+        <p:cNvPr id="1" name=""/>
+        <p:cNvGrpSpPr/>
+        <p:nvPr/>
+      </p:nvGrpSpPr>
+      <p:grpSpPr>
+        <a:xfrm>
+          <a:off x="0" y="0"/>
+          <a:ext cx="0" cy="0"/>
+          <a:chOff x="0" y="0"/>
+          <a:chExt cx="0" cy="0"/>
+        </a:xfrm>
+      </p:grpSpPr>
+      <p:sp>
+        <p:nvSpPr>
+          <p:cNvPr id="4" name="Rectangle: Rounded Corners 3">
+            <a:extLst>
+              <a:ext uri="{FF2B5EF4-FFF2-40B4-BE49-F238E27FC236}">
+                <a16:creationId xmlns:a16="http://schemas.microsoft.com/office/drawing/2014/main" id="{8D6D9DF0-36ED-4863-B918-F6735D13A7C1}"/>
+              </a:ext>
+            </a:extLst>
+          </p:cNvPr>
+          <p:cNvSpPr/>
+          <p:nvPr/>
+        </p:nvSpPr>
+        <p:spPr>
+          <a:xfrm>
+            <a:off x="0" y="0"/>
+            <a:ext cx="3563938" cy="1187450"/>
+          </a:xfrm>
+          <a:prstGeom prst="roundRect">
+            <a:avLst>
+              <a:gd name="adj" fmla="val 50000"/>
+            </a:avLst>
+          </a:prstGeom>
+          <a:gradFill flip="none" rotWithShape="1">
+            <a:gsLst>
+              <a:gs pos="30000">
+                <a:srgbClr val="685454"/>
+              </a:gs>
+              <a:gs pos="100000">
+                <a:srgbClr val="C23A4C"/>
+              </a:gs>
+            </a:gsLst>
+            <a:lin ang="2700000" scaled="0"/>
+            <a:tileRect/>
+          </a:gradFill>
+          <a:ln>
+            <a:noFill/>
+          </a:ln>
+        </p:spPr>
+        <p:style>
+          <a:lnRef idx="2">
+            <a:schemeClr val="accent1">
+              <a:shade val="50000"/>
+            </a:schemeClr>
+          </a:lnRef>
+          <a:fillRef idx="1">
+            <a:schemeClr val="accent1"/>
+          </a:fillRef>
+          <a:effectRef idx="0">
+            <a:schemeClr val="accent1"/>
+          </a:effectRef>
+          <a:fontRef idx="minor">
+            <a:schemeClr val="lt1"/>
+          </a:fontRef>
+        </p:style>
+        <p:txBody>
+          <a:bodyPr rtlCol="0" anchor="ctr"/>
+          <a:lstStyle/>
+          <a:p>
+            <a:pPr algn="ctr"/>
+            <a:endParaRPr lang="en-US" dirty="0"/>
+          </a:p>
+        </p:txBody>
+      </p:sp>
+      <p:pic>
+        <p:nvPicPr>
+          <p:cNvPr id="2" name="Picture 1">
+            <a:extLst>
+              <a:ext uri="{FF2B5EF4-FFF2-40B4-BE49-F238E27FC236}">
+                <a16:creationId xmlns:a16="http://schemas.microsoft.com/office/drawing/2014/main" id="{16B8992A-5E69-4B8C-A724-B6D980F84F67}"/>
+              </a:ext>
+            </a:extLst>
+          </p:cNvPr>
+          <p:cNvPicPr>
+            <a:picLocks noChangeAspect="1"/>
+          </p:cNvPicPr>
+          <p:nvPr/>
+        </p:nvPicPr>
+        <p:blipFill>
+          <a:blip r:embed="rId2"/>
+          <a:stretch>
+            <a:fillRect/>
+          </a:stretch>
+        </p:blipFill>
+        <p:spPr>
+          <a:xfrm>
+            <a:off x="424656" y="335835"/>
+            <a:ext cx="2714625" cy="515779"/>
+          </a:xfrm>
+          <a:prstGeom prst="rect">
+            <a:avLst/>
+          </a:prstGeom>
+        </p:spPr>
+      </p:pic>
+    </p:spTree>
+    <p:extLst>
+      <p:ext uri="{BB962C8B-B14F-4D97-AF65-F5344CB8AC3E}">
+        <p14:creationId xmlns:p14="http://schemas.microsoft.com/office/powerpoint/2010/main" val="2001192933"/>
+      </p:ext>
+    </p:extLst>
+  </p:cSld>
+  <p:clrMapOvr>
+    <a:masterClrMapping/>
+  </p:clrMapOvr>
+</p:sld>
+</file>
+
+<file path=ppt/slides/slide58.xml><?xml version="1.0" encoding="utf-8"?>
+<p:sld xmlns:a="http://schemas.openxmlformats.org/drawingml/2006/main" xmlns:r="http://schemas.openxmlformats.org/officeDocument/2006/relationships" xmlns:p="http://schemas.openxmlformats.org/presentationml/2006/main">
+  <p:cSld>
+    <p:spTree>
+      <p:nvGrpSpPr>
+        <p:cNvPr id="1" name=""/>
+        <p:cNvGrpSpPr/>
+        <p:nvPr/>
+      </p:nvGrpSpPr>
+      <p:grpSpPr>
+        <a:xfrm>
+          <a:off x="0" y="0"/>
+          <a:ext cx="0" cy="0"/>
+          <a:chOff x="0" y="0"/>
+          <a:chExt cx="0" cy="0"/>
+        </a:xfrm>
+      </p:grpSpPr>
+      <p:sp>
+        <p:nvSpPr>
+          <p:cNvPr id="4" name="Rectangle: Rounded Corners 3">
+            <a:extLst>
+              <a:ext uri="{FF2B5EF4-FFF2-40B4-BE49-F238E27FC236}">
+                <a16:creationId xmlns:a16="http://schemas.microsoft.com/office/drawing/2014/main" id="{8D6D9DF0-36ED-4863-B918-F6735D13A7C1}"/>
+              </a:ext>
+            </a:extLst>
+          </p:cNvPr>
+          <p:cNvSpPr/>
+          <p:nvPr/>
+        </p:nvSpPr>
+        <p:spPr>
+          <a:xfrm>
+            <a:off x="0" y="0"/>
+            <a:ext cx="3563938" cy="1187450"/>
+          </a:xfrm>
+          <a:prstGeom prst="roundRect">
+            <a:avLst>
+              <a:gd name="adj" fmla="val 50000"/>
+            </a:avLst>
+          </a:prstGeom>
+          <a:gradFill flip="none" rotWithShape="1">
+            <a:gsLst>
+              <a:gs pos="0">
+                <a:srgbClr val="000000"/>
+              </a:gs>
+              <a:gs pos="100000">
+                <a:srgbClr val="C15223"/>
+              </a:gs>
+            </a:gsLst>
+            <a:lin ang="2700000" scaled="0"/>
+            <a:tileRect/>
+          </a:gradFill>
+          <a:ln>
+            <a:noFill/>
+          </a:ln>
+        </p:spPr>
+        <p:style>
+          <a:lnRef idx="2">
+            <a:schemeClr val="accent1">
+              <a:shade val="50000"/>
+            </a:schemeClr>
+          </a:lnRef>
+          <a:fillRef idx="1">
+            <a:schemeClr val="accent1"/>
+          </a:fillRef>
+          <a:effectRef idx="0">
+            <a:schemeClr val="accent1"/>
+          </a:effectRef>
+          <a:fontRef idx="minor">
+            <a:schemeClr val="lt1"/>
+          </a:fontRef>
+        </p:style>
+        <p:txBody>
+          <a:bodyPr rtlCol="0" anchor="ctr"/>
+          <a:lstStyle/>
+          <a:p>
+            <a:pPr algn="ctr"/>
+            <a:endParaRPr lang="en-US" dirty="0"/>
+          </a:p>
+        </p:txBody>
+      </p:sp>
+      <p:pic>
+        <p:nvPicPr>
+          <p:cNvPr id="5122" name="Picture 2" descr="https://anoboy.org/wp-content/uploads/2018/12/newlogo-1.png">
+            <a:extLst>
+              <a:ext uri="{FF2B5EF4-FFF2-40B4-BE49-F238E27FC236}">
+                <a16:creationId xmlns:a16="http://schemas.microsoft.com/office/drawing/2014/main" id="{9E0E7F98-38F1-4458-AD2D-F1A18A257714}"/>
+              </a:ext>
+            </a:extLst>
+          </p:cNvPr>
+          <p:cNvPicPr>
+            <a:picLocks noChangeAspect="1" noChangeArrowheads="1"/>
+          </p:cNvPicPr>
+          <p:nvPr/>
+        </p:nvPicPr>
+        <p:blipFill>
+          <a:blip r:embed="rId2">
+            <a:extLst>
+              <a:ext uri="{28A0092B-C50C-407E-A947-70E740481C1C}">
+                <a14:useLocalDpi xmlns:a14="http://schemas.microsoft.com/office/drawing/2010/main" val="0"/>
+              </a:ext>
+            </a:extLst>
+          </a:blip>
+          <a:srcRect/>
+          <a:stretch>
+            <a:fillRect/>
+          </a:stretch>
+        </p:blipFill>
+        <p:spPr bwMode="auto">
+          <a:xfrm>
+            <a:off x="362140" y="280987"/>
+            <a:ext cx="2839657" cy="625475"/>
+          </a:xfrm>
+          <a:prstGeom prst="rect">
+            <a:avLst/>
+          </a:prstGeom>
+          <a:noFill/>
+          <a:extLst>
+            <a:ext uri="{909E8E84-426E-40DD-AFC4-6F175D3DCCD1}">
+              <a14:hiddenFill xmlns:a14="http://schemas.microsoft.com/office/drawing/2010/main">
+                <a:solidFill>
+                  <a:srgbClr val="FFFFFF"/>
+                </a:solidFill>
+              </a14:hiddenFill>
+            </a:ext>
+          </a:extLst>
+        </p:spPr>
+      </p:pic>
+    </p:spTree>
+    <p:extLst>
+      <p:ext uri="{BB962C8B-B14F-4D97-AF65-F5344CB8AC3E}">
+        <p14:creationId xmlns:p14="http://schemas.microsoft.com/office/powerpoint/2010/main" val="743538766"/>
+      </p:ext>
+    </p:extLst>
+  </p:cSld>
+  <p:clrMapOvr>
+    <a:masterClrMapping/>
+  </p:clrMapOvr>
+</p:sld>
+</file>
+
+<file path=ppt/slides/slide59.xml><?xml version="1.0" encoding="utf-8"?>
+<p:sld xmlns:a="http://schemas.openxmlformats.org/drawingml/2006/main" xmlns:r="http://schemas.openxmlformats.org/officeDocument/2006/relationships" xmlns:p="http://schemas.openxmlformats.org/presentationml/2006/main">
+  <p:cSld>
+    <p:spTree>
+      <p:nvGrpSpPr>
+        <p:cNvPr id="1" name=""/>
+        <p:cNvGrpSpPr/>
+        <p:nvPr/>
+      </p:nvGrpSpPr>
+      <p:grpSpPr>
+        <a:xfrm>
+          <a:off x="0" y="0"/>
+          <a:ext cx="0" cy="0"/>
+          <a:chOff x="0" y="0"/>
+          <a:chExt cx="0" cy="0"/>
+        </a:xfrm>
+      </p:grpSpPr>
+      <p:sp>
+        <p:nvSpPr>
+          <p:cNvPr id="4" name="Rectangle: Rounded Corners 3">
+            <a:extLst>
+              <a:ext uri="{FF2B5EF4-FFF2-40B4-BE49-F238E27FC236}">
+                <a16:creationId xmlns:a16="http://schemas.microsoft.com/office/drawing/2014/main" id="{8D6D9DF0-36ED-4863-B918-F6735D13A7C1}"/>
+              </a:ext>
+            </a:extLst>
+          </p:cNvPr>
+          <p:cNvSpPr/>
+          <p:nvPr/>
+        </p:nvSpPr>
+        <p:spPr>
+          <a:xfrm>
+            <a:off x="0" y="0"/>
+            <a:ext cx="3563938" cy="1187450"/>
+          </a:xfrm>
+          <a:prstGeom prst="roundRect">
+            <a:avLst>
+              <a:gd name="adj" fmla="val 50000"/>
+            </a:avLst>
+          </a:prstGeom>
+          <a:gradFill flip="none" rotWithShape="1">
+            <a:gsLst>
+              <a:gs pos="27000">
+                <a:srgbClr val="000000"/>
+              </a:gs>
+              <a:gs pos="100000">
+                <a:srgbClr val="C15223"/>
+              </a:gs>
+            </a:gsLst>
+            <a:lin ang="2700000" scaled="0"/>
+            <a:tileRect/>
+          </a:gradFill>
+          <a:ln>
+            <a:noFill/>
+          </a:ln>
+        </p:spPr>
+        <p:style>
+          <a:lnRef idx="2">
+            <a:schemeClr val="accent1">
+              <a:shade val="50000"/>
+            </a:schemeClr>
+          </a:lnRef>
+          <a:fillRef idx="1">
+            <a:schemeClr val="accent1"/>
+          </a:fillRef>
+          <a:effectRef idx="0">
+            <a:schemeClr val="accent1"/>
+          </a:effectRef>
+          <a:fontRef idx="minor">
+            <a:schemeClr val="lt1"/>
+          </a:fontRef>
+        </p:style>
+        <p:txBody>
+          <a:bodyPr rtlCol="0" anchor="ctr"/>
+          <a:lstStyle/>
+          <a:p>
+            <a:pPr algn="ctr"/>
+            <a:endParaRPr lang="en-US" dirty="0"/>
+          </a:p>
+        </p:txBody>
+      </p:sp>
+      <p:pic>
+        <p:nvPicPr>
+          <p:cNvPr id="6146" name="Picture 2" descr="https://img.akubebas.com/images/logo-indo.png">
+            <a:extLst>
+              <a:ext uri="{FF2B5EF4-FFF2-40B4-BE49-F238E27FC236}">
+                <a16:creationId xmlns:a16="http://schemas.microsoft.com/office/drawing/2014/main" id="{B278300F-7126-4621-A21C-922518AC2535}"/>
+              </a:ext>
+            </a:extLst>
+          </p:cNvPr>
+          <p:cNvPicPr>
+            <a:picLocks noChangeAspect="1" noChangeArrowheads="1"/>
+          </p:cNvPicPr>
+          <p:nvPr/>
+        </p:nvPicPr>
+        <p:blipFill>
+          <a:blip r:embed="rId2">
+            <a:extLst>
+              <a:ext uri="{28A0092B-C50C-407E-A947-70E740481C1C}">
+                <a14:useLocalDpi xmlns:a14="http://schemas.microsoft.com/office/drawing/2010/main" val="0"/>
+              </a:ext>
+            </a:extLst>
+          </a:blip>
+          <a:srcRect/>
+          <a:stretch>
+            <a:fillRect/>
+          </a:stretch>
+        </p:blipFill>
+        <p:spPr bwMode="auto">
+          <a:xfrm>
+            <a:off x="523081" y="292301"/>
+            <a:ext cx="2517776" cy="602847"/>
+          </a:xfrm>
+          <a:prstGeom prst="rect">
+            <a:avLst/>
+          </a:prstGeom>
+          <a:noFill/>
+          <a:extLst>
+            <a:ext uri="{909E8E84-426E-40DD-AFC4-6F175D3DCCD1}">
+              <a14:hiddenFill xmlns:a14="http://schemas.microsoft.com/office/drawing/2010/main">
+                <a:solidFill>
+                  <a:srgbClr val="FFFFFF"/>
+                </a:solidFill>
+              </a14:hiddenFill>
+            </a:ext>
+          </a:extLst>
+        </p:spPr>
+      </p:pic>
+    </p:spTree>
+    <p:extLst>
+      <p:ext uri="{BB962C8B-B14F-4D97-AF65-F5344CB8AC3E}">
+        <p14:creationId xmlns:p14="http://schemas.microsoft.com/office/powerpoint/2010/main" val="3562251831"/>
+      </p:ext>
+    </p:extLst>
+  </p:cSld>
+  <p:clrMapOvr>
+    <a:masterClrMapping/>
+  </p:clrMapOvr>
+</p:sld>
+</file>
+
 <file path=ppt/slides/slide6.xml><?xml version="1.0" encoding="utf-8"?>
 <p:sld xmlns:a="http://schemas.openxmlformats.org/drawingml/2006/main" xmlns:r="http://schemas.openxmlformats.org/officeDocument/2006/relationships" xmlns:p="http://schemas.openxmlformats.org/presentationml/2006/main">
   <p:cSld>
@@ -12218,6 +14146,1494 @@
     <p:extLst>
       <p:ext uri="{BB962C8B-B14F-4D97-AF65-F5344CB8AC3E}">
         <p14:creationId xmlns:p14="http://schemas.microsoft.com/office/powerpoint/2010/main" val="2791844664"/>
+      </p:ext>
+    </p:extLst>
+  </p:cSld>
+  <p:clrMapOvr>
+    <a:masterClrMapping/>
+  </p:clrMapOvr>
+</p:sld>
+</file>
+
+<file path=ppt/slides/slide60.xml><?xml version="1.0" encoding="utf-8"?>
+<p:sld xmlns:a="http://schemas.openxmlformats.org/drawingml/2006/main" xmlns:r="http://schemas.openxmlformats.org/officeDocument/2006/relationships" xmlns:p="http://schemas.openxmlformats.org/presentationml/2006/main">
+  <p:cSld>
+    <p:spTree>
+      <p:nvGrpSpPr>
+        <p:cNvPr id="1" name=""/>
+        <p:cNvGrpSpPr/>
+        <p:nvPr/>
+      </p:nvGrpSpPr>
+      <p:grpSpPr>
+        <a:xfrm>
+          <a:off x="0" y="0"/>
+          <a:ext cx="0" cy="0"/>
+          <a:chOff x="0" y="0"/>
+          <a:chExt cx="0" cy="0"/>
+        </a:xfrm>
+      </p:grpSpPr>
+      <p:sp>
+        <p:nvSpPr>
+          <p:cNvPr id="4" name="Rectangle: Rounded Corners 3">
+            <a:extLst>
+              <a:ext uri="{FF2B5EF4-FFF2-40B4-BE49-F238E27FC236}">
+                <a16:creationId xmlns:a16="http://schemas.microsoft.com/office/drawing/2014/main" id="{8D6D9DF0-36ED-4863-B918-F6735D13A7C1}"/>
+              </a:ext>
+            </a:extLst>
+          </p:cNvPr>
+          <p:cNvSpPr/>
+          <p:nvPr/>
+        </p:nvSpPr>
+        <p:spPr>
+          <a:xfrm>
+            <a:off x="0" y="0"/>
+            <a:ext cx="3563938" cy="1187450"/>
+          </a:xfrm>
+          <a:prstGeom prst="roundRect">
+            <a:avLst>
+              <a:gd name="adj" fmla="val 50000"/>
+            </a:avLst>
+          </a:prstGeom>
+          <a:gradFill flip="none" rotWithShape="1">
+            <a:gsLst>
+              <a:gs pos="26000">
+                <a:schemeClr val="tx1">
+                  <a:lumMod val="85000"/>
+                  <a:lumOff val="15000"/>
+                </a:schemeClr>
+              </a:gs>
+              <a:gs pos="100000">
+                <a:schemeClr val="accent5"/>
+              </a:gs>
+            </a:gsLst>
+            <a:lin ang="2700000" scaled="0"/>
+            <a:tileRect/>
+          </a:gradFill>
+          <a:ln>
+            <a:noFill/>
+          </a:ln>
+        </p:spPr>
+        <p:style>
+          <a:lnRef idx="2">
+            <a:schemeClr val="accent1">
+              <a:shade val="50000"/>
+            </a:schemeClr>
+          </a:lnRef>
+          <a:fillRef idx="1">
+            <a:schemeClr val="accent1"/>
+          </a:fillRef>
+          <a:effectRef idx="0">
+            <a:schemeClr val="accent1"/>
+          </a:effectRef>
+          <a:fontRef idx="minor">
+            <a:schemeClr val="lt1"/>
+          </a:fontRef>
+        </p:style>
+        <p:txBody>
+          <a:bodyPr rtlCol="0" anchor="ctr"/>
+          <a:lstStyle/>
+          <a:p>
+            <a:pPr algn="ctr"/>
+            <a:endParaRPr lang="en-US" dirty="0"/>
+          </a:p>
+        </p:txBody>
+      </p:sp>
+      <p:pic>
+        <p:nvPicPr>
+          <p:cNvPr id="2" name="Picture 1">
+            <a:extLst>
+              <a:ext uri="{FF2B5EF4-FFF2-40B4-BE49-F238E27FC236}">
+                <a16:creationId xmlns:a16="http://schemas.microsoft.com/office/drawing/2014/main" id="{9A93D080-82D7-4CE1-83E4-31BBD57EA643}"/>
+              </a:ext>
+            </a:extLst>
+          </p:cNvPr>
+          <p:cNvPicPr>
+            <a:picLocks noChangeAspect="1"/>
+          </p:cNvPicPr>
+          <p:nvPr/>
+        </p:nvPicPr>
+        <p:blipFill rotWithShape="1">
+          <a:blip r:embed="rId2"/>
+          <a:srcRect r="37720"/>
+          <a:stretch/>
+        </p:blipFill>
+        <p:spPr>
+          <a:xfrm>
+            <a:off x="703160" y="275747"/>
+            <a:ext cx="2157617" cy="635955"/>
+          </a:xfrm>
+          <a:prstGeom prst="rect">
+            <a:avLst/>
+          </a:prstGeom>
+        </p:spPr>
+      </p:pic>
+    </p:spTree>
+    <p:extLst>
+      <p:ext uri="{BB962C8B-B14F-4D97-AF65-F5344CB8AC3E}">
+        <p14:creationId xmlns:p14="http://schemas.microsoft.com/office/powerpoint/2010/main" val="1381503001"/>
+      </p:ext>
+    </p:extLst>
+  </p:cSld>
+  <p:clrMapOvr>
+    <a:masterClrMapping/>
+  </p:clrMapOvr>
+</p:sld>
+</file>
+
+<file path=ppt/slides/slide61.xml><?xml version="1.0" encoding="utf-8"?>
+<p:sld xmlns:a="http://schemas.openxmlformats.org/drawingml/2006/main" xmlns:r="http://schemas.openxmlformats.org/officeDocument/2006/relationships" xmlns:p="http://schemas.openxmlformats.org/presentationml/2006/main">
+  <p:cSld>
+    <p:spTree>
+      <p:nvGrpSpPr>
+        <p:cNvPr id="1" name=""/>
+        <p:cNvGrpSpPr/>
+        <p:nvPr/>
+      </p:nvGrpSpPr>
+      <p:grpSpPr>
+        <a:xfrm>
+          <a:off x="0" y="0"/>
+          <a:ext cx="0" cy="0"/>
+          <a:chOff x="0" y="0"/>
+          <a:chExt cx="0" cy="0"/>
+        </a:xfrm>
+      </p:grpSpPr>
+      <p:sp>
+        <p:nvSpPr>
+          <p:cNvPr id="4" name="Rectangle: Rounded Corners 3">
+            <a:extLst>
+              <a:ext uri="{FF2B5EF4-FFF2-40B4-BE49-F238E27FC236}">
+                <a16:creationId xmlns:a16="http://schemas.microsoft.com/office/drawing/2014/main" id="{8D6D9DF0-36ED-4863-B918-F6735D13A7C1}"/>
+              </a:ext>
+            </a:extLst>
+          </p:cNvPr>
+          <p:cNvSpPr/>
+          <p:nvPr/>
+        </p:nvSpPr>
+        <p:spPr>
+          <a:xfrm>
+            <a:off x="0" y="0"/>
+            <a:ext cx="3563938" cy="1187450"/>
+          </a:xfrm>
+          <a:prstGeom prst="roundRect">
+            <a:avLst>
+              <a:gd name="adj" fmla="val 50000"/>
+            </a:avLst>
+          </a:prstGeom>
+          <a:gradFill flip="none" rotWithShape="1">
+            <a:gsLst>
+              <a:gs pos="26000">
+                <a:srgbClr val="447BBA"/>
+              </a:gs>
+              <a:gs pos="100000">
+                <a:srgbClr val="21B577"/>
+              </a:gs>
+            </a:gsLst>
+            <a:lin ang="2700000" scaled="0"/>
+            <a:tileRect/>
+          </a:gradFill>
+          <a:ln>
+            <a:noFill/>
+          </a:ln>
+        </p:spPr>
+        <p:style>
+          <a:lnRef idx="2">
+            <a:schemeClr val="accent1">
+              <a:shade val="50000"/>
+            </a:schemeClr>
+          </a:lnRef>
+          <a:fillRef idx="1">
+            <a:schemeClr val="accent1"/>
+          </a:fillRef>
+          <a:effectRef idx="0">
+            <a:schemeClr val="accent1"/>
+          </a:effectRef>
+          <a:fontRef idx="minor">
+            <a:schemeClr val="lt1"/>
+          </a:fontRef>
+        </p:style>
+        <p:txBody>
+          <a:bodyPr rtlCol="0" anchor="ctr"/>
+          <a:lstStyle/>
+          <a:p>
+            <a:pPr algn="ctr"/>
+            <a:endParaRPr lang="en-US" dirty="0"/>
+          </a:p>
+        </p:txBody>
+      </p:sp>
+      <p:pic>
+        <p:nvPicPr>
+          <p:cNvPr id="25602" name="Picture 2" descr="[svg-to-png output image]">
+            <a:extLst>
+              <a:ext uri="{FF2B5EF4-FFF2-40B4-BE49-F238E27FC236}">
+                <a16:creationId xmlns:a16="http://schemas.microsoft.com/office/drawing/2014/main" id="{C8803F84-8FBD-427D-BF96-31A0291DFC84}"/>
+              </a:ext>
+            </a:extLst>
+          </p:cNvPr>
+          <p:cNvPicPr>
+            <a:picLocks noChangeAspect="1" noChangeArrowheads="1"/>
+          </p:cNvPicPr>
+          <p:nvPr/>
+        </p:nvPicPr>
+        <p:blipFill>
+          <a:blip r:embed="rId2">
+            <a:extLst>
+              <a:ext uri="{BEBA8EAE-BF5A-486C-A8C5-ECC9F3942E4B}">
+                <a14:imgProps xmlns:a14="http://schemas.microsoft.com/office/drawing/2010/main">
+                  <a14:imgLayer r:embed="rId3">
+                    <a14:imgEffect>
+                      <a14:brightnessContrast bright="100000"/>
+                    </a14:imgEffect>
+                  </a14:imgLayer>
+                </a14:imgProps>
+              </a:ext>
+              <a:ext uri="{28A0092B-C50C-407E-A947-70E740481C1C}">
+                <a14:useLocalDpi xmlns:a14="http://schemas.microsoft.com/office/drawing/2010/main" val="0"/>
+              </a:ext>
+            </a:extLst>
+          </a:blip>
+          <a:srcRect/>
+          <a:stretch>
+            <a:fillRect/>
+          </a:stretch>
+        </p:blipFill>
+        <p:spPr bwMode="auto">
+          <a:xfrm>
+            <a:off x="481373" y="-38404"/>
+            <a:ext cx="2601191" cy="1264257"/>
+          </a:xfrm>
+          <a:prstGeom prst="rect">
+            <a:avLst/>
+          </a:prstGeom>
+          <a:noFill/>
+          <a:extLst>
+            <a:ext uri="{909E8E84-426E-40DD-AFC4-6F175D3DCCD1}">
+              <a14:hiddenFill xmlns:a14="http://schemas.microsoft.com/office/drawing/2010/main">
+                <a:solidFill>
+                  <a:srgbClr val="FFFFFF"/>
+                </a:solidFill>
+              </a14:hiddenFill>
+            </a:ext>
+          </a:extLst>
+        </p:spPr>
+      </p:pic>
+    </p:spTree>
+    <p:extLst>
+      <p:ext uri="{BB962C8B-B14F-4D97-AF65-F5344CB8AC3E}">
+        <p14:creationId xmlns:p14="http://schemas.microsoft.com/office/powerpoint/2010/main" val="889022910"/>
+      </p:ext>
+    </p:extLst>
+  </p:cSld>
+  <p:clrMapOvr>
+    <a:masterClrMapping/>
+  </p:clrMapOvr>
+</p:sld>
+</file>
+
+<file path=ppt/slides/slide62.xml><?xml version="1.0" encoding="utf-8"?>
+<p:sld xmlns:a="http://schemas.openxmlformats.org/drawingml/2006/main" xmlns:r="http://schemas.openxmlformats.org/officeDocument/2006/relationships" xmlns:p="http://schemas.openxmlformats.org/presentationml/2006/main">
+  <p:cSld>
+    <p:spTree>
+      <p:nvGrpSpPr>
+        <p:cNvPr id="1" name=""/>
+        <p:cNvGrpSpPr/>
+        <p:nvPr/>
+      </p:nvGrpSpPr>
+      <p:grpSpPr>
+        <a:xfrm>
+          <a:off x="0" y="0"/>
+          <a:ext cx="0" cy="0"/>
+          <a:chOff x="0" y="0"/>
+          <a:chExt cx="0" cy="0"/>
+        </a:xfrm>
+      </p:grpSpPr>
+      <p:sp>
+        <p:nvSpPr>
+          <p:cNvPr id="4" name="Rectangle: Rounded Corners 3">
+            <a:extLst>
+              <a:ext uri="{FF2B5EF4-FFF2-40B4-BE49-F238E27FC236}">
+                <a16:creationId xmlns:a16="http://schemas.microsoft.com/office/drawing/2014/main" id="{8D6D9DF0-36ED-4863-B918-F6735D13A7C1}"/>
+              </a:ext>
+            </a:extLst>
+          </p:cNvPr>
+          <p:cNvSpPr/>
+          <p:nvPr/>
+        </p:nvSpPr>
+        <p:spPr>
+          <a:xfrm>
+            <a:off x="0" y="0"/>
+            <a:ext cx="3563938" cy="1187450"/>
+          </a:xfrm>
+          <a:prstGeom prst="roundRect">
+            <a:avLst>
+              <a:gd name="adj" fmla="val 50000"/>
+            </a:avLst>
+          </a:prstGeom>
+          <a:gradFill flip="none" rotWithShape="1">
+            <a:gsLst>
+              <a:gs pos="26000">
+                <a:srgbClr val="BA3D31"/>
+              </a:gs>
+              <a:gs pos="100000">
+                <a:srgbClr val="E74B3C"/>
+              </a:gs>
+            </a:gsLst>
+            <a:lin ang="2700000" scaled="0"/>
+            <a:tileRect/>
+          </a:gradFill>
+          <a:ln>
+            <a:noFill/>
+          </a:ln>
+        </p:spPr>
+        <p:style>
+          <a:lnRef idx="2">
+            <a:schemeClr val="accent1">
+              <a:shade val="50000"/>
+            </a:schemeClr>
+          </a:lnRef>
+          <a:fillRef idx="1">
+            <a:schemeClr val="accent1"/>
+          </a:fillRef>
+          <a:effectRef idx="0">
+            <a:schemeClr val="accent1"/>
+          </a:effectRef>
+          <a:fontRef idx="minor">
+            <a:schemeClr val="lt1"/>
+          </a:fontRef>
+        </p:style>
+        <p:txBody>
+          <a:bodyPr rtlCol="0" anchor="ctr"/>
+          <a:lstStyle/>
+          <a:p>
+            <a:pPr algn="ctr"/>
+            <a:endParaRPr lang="en-US" dirty="0"/>
+          </a:p>
+        </p:txBody>
+      </p:sp>
+      <p:grpSp>
+        <p:nvGrpSpPr>
+          <p:cNvPr id="3" name="Group 2">
+            <a:extLst>
+              <a:ext uri="{FF2B5EF4-FFF2-40B4-BE49-F238E27FC236}">
+                <a16:creationId xmlns:a16="http://schemas.microsoft.com/office/drawing/2014/main" id="{2604B08D-9533-4334-93DB-3625E4855428}"/>
+              </a:ext>
+            </a:extLst>
+          </p:cNvPr>
+          <p:cNvGrpSpPr/>
+          <p:nvPr/>
+        </p:nvGrpSpPr>
+        <p:grpSpPr>
+          <a:xfrm>
+            <a:off x="480219" y="179387"/>
+            <a:ext cx="2603500" cy="828675"/>
+            <a:chOff x="406400" y="179387"/>
+            <a:chExt cx="2603500" cy="828675"/>
+          </a:xfrm>
+        </p:grpSpPr>
+        <p:pic>
+          <p:nvPicPr>
+            <p:cNvPr id="31746" name="Picture 2" descr="https://www.anibatch.me/wp-content/uploads/2015/10/cropped-11214148_1464291883892938_5502472493587871470_n-192x192.png">
+              <a:extLst>
+                <a:ext uri="{FF2B5EF4-FFF2-40B4-BE49-F238E27FC236}">
+                  <a16:creationId xmlns:a16="http://schemas.microsoft.com/office/drawing/2014/main" id="{21AD9319-E1B3-45D9-B385-8FE9B638406F}"/>
+                </a:ext>
+              </a:extLst>
+            </p:cNvPr>
+            <p:cNvPicPr>
+              <a:picLocks noChangeAspect="1" noChangeArrowheads="1"/>
+            </p:cNvPicPr>
+            <p:nvPr/>
+          </p:nvPicPr>
+          <p:blipFill>
+            <a:blip r:embed="rId2">
+              <a:extLst>
+                <a:ext uri="{BEBA8EAE-BF5A-486C-A8C5-ECC9F3942E4B}">
+                  <a14:imgProps xmlns:a14="http://schemas.microsoft.com/office/drawing/2010/main">
+                    <a14:imgLayer r:embed="rId3">
+                      <a14:imgEffect>
+                        <a14:backgroundRemoval t="9896" b="89063" l="8854" r="95313">
+                          <a14:foregroundMark x1="91146" y1="47917" x2="91146" y2="47917"/>
+                          <a14:foregroundMark x1="95833" y1="49479" x2="95833" y2="49479"/>
+                          <a14:foregroundMark x1="8854" y1="21875" x2="8854" y2="21875"/>
+                        </a14:backgroundRemoval>
+                      </a14:imgEffect>
+                    </a14:imgLayer>
+                  </a14:imgProps>
+                </a:ext>
+                <a:ext uri="{28A0092B-C50C-407E-A947-70E740481C1C}">
+                  <a14:useLocalDpi xmlns:a14="http://schemas.microsoft.com/office/drawing/2010/main" val="0"/>
+                </a:ext>
+              </a:extLst>
+            </a:blip>
+            <a:srcRect/>
+            <a:stretch>
+              <a:fillRect/>
+            </a:stretch>
+          </p:blipFill>
+          <p:spPr bwMode="auto">
+            <a:xfrm>
+              <a:off x="406400" y="179387"/>
+              <a:ext cx="828675" cy="828675"/>
+            </a:xfrm>
+            <a:prstGeom prst="rect">
+              <a:avLst/>
+            </a:prstGeom>
+            <a:noFill/>
+            <a:effectLst>
+              <a:outerShdw blurRad="50800" dist="38100" dir="2700000" algn="tl" rotWithShape="0">
+                <a:prstClr val="black">
+                  <a:alpha val="36000"/>
+                </a:prstClr>
+              </a:outerShdw>
+            </a:effectLst>
+            <a:extLst>
+              <a:ext uri="{909E8E84-426E-40DD-AFC4-6F175D3DCCD1}">
+                <a14:hiddenFill xmlns:a14="http://schemas.microsoft.com/office/drawing/2010/main">
+                  <a:solidFill>
+                    <a:srgbClr val="FFFFFF"/>
+                  </a:solidFill>
+                </a14:hiddenFill>
+              </a:ext>
+            </a:extLst>
+          </p:spPr>
+        </p:pic>
+        <p:sp>
+          <p:nvSpPr>
+            <p:cNvPr id="2" name="TextBox 1">
+              <a:extLst>
+                <a:ext uri="{FF2B5EF4-FFF2-40B4-BE49-F238E27FC236}">
+                  <a16:creationId xmlns:a16="http://schemas.microsoft.com/office/drawing/2014/main" id="{A5065BF5-162C-43B0-9169-E8DB4A328A4D}"/>
+                </a:ext>
+              </a:extLst>
+            </p:cNvPr>
+            <p:cNvSpPr txBox="1"/>
+            <p:nvPr/>
+          </p:nvSpPr>
+          <p:spPr>
+            <a:xfrm>
+              <a:off x="1343025" y="301336"/>
+              <a:ext cx="1666875" cy="584775"/>
+            </a:xfrm>
+            <a:prstGeom prst="rect">
+              <a:avLst/>
+            </a:prstGeom>
+            <a:noFill/>
+          </p:spPr>
+          <p:txBody>
+            <a:bodyPr wrap="square" rtlCol="0">
+              <a:spAutoFit/>
+            </a:bodyPr>
+            <a:lstStyle/>
+            <a:p>
+              <a:pPr algn="dist"/>
+              <a:r>
+                <a:rPr lang="id-ID" sz="3200" dirty="0">
+                  <a:solidFill>
+                    <a:schemeClr val="bg1"/>
+                  </a:solidFill>
+                </a:rPr>
+                <a:t>AniBatch</a:t>
+              </a:r>
+              <a:endParaRPr lang="en-US" sz="3200" dirty="0">
+                <a:solidFill>
+                  <a:schemeClr val="bg1"/>
+                </a:solidFill>
+              </a:endParaRPr>
+            </a:p>
+          </p:txBody>
+        </p:sp>
+      </p:grpSp>
+    </p:spTree>
+    <p:extLst>
+      <p:ext uri="{BB962C8B-B14F-4D97-AF65-F5344CB8AC3E}">
+        <p14:creationId xmlns:p14="http://schemas.microsoft.com/office/powerpoint/2010/main" val="3048235945"/>
+      </p:ext>
+    </p:extLst>
+  </p:cSld>
+  <p:clrMapOvr>
+    <a:masterClrMapping/>
+  </p:clrMapOvr>
+</p:sld>
+</file>
+
+<file path=ppt/slides/slide63.xml><?xml version="1.0" encoding="utf-8"?>
+<p:sld xmlns:a="http://schemas.openxmlformats.org/drawingml/2006/main" xmlns:r="http://schemas.openxmlformats.org/officeDocument/2006/relationships" xmlns:p="http://schemas.openxmlformats.org/presentationml/2006/main">
+  <p:cSld>
+    <p:spTree>
+      <p:nvGrpSpPr>
+        <p:cNvPr id="1" name=""/>
+        <p:cNvGrpSpPr/>
+        <p:nvPr/>
+      </p:nvGrpSpPr>
+      <p:grpSpPr>
+        <a:xfrm>
+          <a:off x="0" y="0"/>
+          <a:ext cx="0" cy="0"/>
+          <a:chOff x="0" y="0"/>
+          <a:chExt cx="0" cy="0"/>
+        </a:xfrm>
+      </p:grpSpPr>
+      <p:sp>
+        <p:nvSpPr>
+          <p:cNvPr id="4" name="Rectangle: Rounded Corners 3">
+            <a:extLst>
+              <a:ext uri="{FF2B5EF4-FFF2-40B4-BE49-F238E27FC236}">
+                <a16:creationId xmlns:a16="http://schemas.microsoft.com/office/drawing/2014/main" id="{8D6D9DF0-36ED-4863-B918-F6735D13A7C1}"/>
+              </a:ext>
+            </a:extLst>
+          </p:cNvPr>
+          <p:cNvSpPr/>
+          <p:nvPr/>
+        </p:nvSpPr>
+        <p:spPr>
+          <a:xfrm>
+            <a:off x="0" y="0"/>
+            <a:ext cx="3563938" cy="1187450"/>
+          </a:xfrm>
+          <a:prstGeom prst="roundRect">
+            <a:avLst>
+              <a:gd name="adj" fmla="val 50000"/>
+            </a:avLst>
+          </a:prstGeom>
+          <a:gradFill flip="none" rotWithShape="1">
+            <a:gsLst>
+              <a:gs pos="26000">
+                <a:schemeClr val="tx2">
+                  <a:lumMod val="50000"/>
+                </a:schemeClr>
+              </a:gs>
+              <a:gs pos="100000">
+                <a:schemeClr val="accent1">
+                  <a:lumMod val="75000"/>
+                </a:schemeClr>
+              </a:gs>
+            </a:gsLst>
+            <a:lin ang="2700000" scaled="0"/>
+            <a:tileRect/>
+          </a:gradFill>
+          <a:ln>
+            <a:noFill/>
+          </a:ln>
+        </p:spPr>
+        <p:style>
+          <a:lnRef idx="2">
+            <a:schemeClr val="accent1">
+              <a:shade val="50000"/>
+            </a:schemeClr>
+          </a:lnRef>
+          <a:fillRef idx="1">
+            <a:schemeClr val="accent1"/>
+          </a:fillRef>
+          <a:effectRef idx="0">
+            <a:schemeClr val="accent1"/>
+          </a:effectRef>
+          <a:fontRef idx="minor">
+            <a:schemeClr val="lt1"/>
+          </a:fontRef>
+        </p:style>
+        <p:txBody>
+          <a:bodyPr rtlCol="0" anchor="ctr"/>
+          <a:lstStyle/>
+          <a:p>
+            <a:pPr algn="ctr"/>
+            <a:endParaRPr lang="en-US" dirty="0"/>
+          </a:p>
+        </p:txBody>
+      </p:sp>
+      <p:sp>
+        <p:nvSpPr>
+          <p:cNvPr id="2" name="TextBox 1">
+            <a:extLst>
+              <a:ext uri="{FF2B5EF4-FFF2-40B4-BE49-F238E27FC236}">
+                <a16:creationId xmlns:a16="http://schemas.microsoft.com/office/drawing/2014/main" id="{6EBFA446-E191-400D-A74B-B3AABC51ABBE}"/>
+              </a:ext>
+            </a:extLst>
+          </p:cNvPr>
+          <p:cNvSpPr txBox="1"/>
+          <p:nvPr/>
+        </p:nvSpPr>
+        <p:spPr>
+          <a:xfrm>
+            <a:off x="378519" y="270559"/>
+            <a:ext cx="2806899" cy="646331"/>
+          </a:xfrm>
+          <a:prstGeom prst="rect">
+            <a:avLst/>
+          </a:prstGeom>
+          <a:noFill/>
+        </p:spPr>
+        <p:txBody>
+          <a:bodyPr wrap="square" rtlCol="0">
+            <a:spAutoFit/>
+          </a:bodyPr>
+          <a:lstStyle/>
+          <a:p>
+            <a:pPr algn="ctr"/>
+            <a:r>
+              <a:rPr lang="id-ID" sz="3600" dirty="0">
+                <a:solidFill>
+                  <a:schemeClr val="bg1"/>
+                </a:solidFill>
+                <a:latin typeface="Times New Roman" panose="02020603050405020304" pitchFamily="18" charset="0"/>
+                <a:cs typeface="Times New Roman" panose="02020603050405020304" pitchFamily="18" charset="0"/>
+              </a:rPr>
+              <a:t>LOLIBATCH</a:t>
+            </a:r>
+            <a:endParaRPr lang="en-US" sz="3600" dirty="0">
+              <a:solidFill>
+                <a:schemeClr val="bg1"/>
+              </a:solidFill>
+              <a:latin typeface="Times New Roman" panose="02020603050405020304" pitchFamily="18" charset="0"/>
+              <a:cs typeface="Times New Roman" panose="02020603050405020304" pitchFamily="18" charset="0"/>
+            </a:endParaRPr>
+          </a:p>
+        </p:txBody>
+      </p:sp>
+    </p:spTree>
+    <p:extLst>
+      <p:ext uri="{BB962C8B-B14F-4D97-AF65-F5344CB8AC3E}">
+        <p14:creationId xmlns:p14="http://schemas.microsoft.com/office/powerpoint/2010/main" val="1757396926"/>
+      </p:ext>
+    </p:extLst>
+  </p:cSld>
+  <p:clrMapOvr>
+    <a:masterClrMapping/>
+  </p:clrMapOvr>
+</p:sld>
+</file>
+
+<file path=ppt/slides/slide64.xml><?xml version="1.0" encoding="utf-8"?>
+<p:sld xmlns:a="http://schemas.openxmlformats.org/drawingml/2006/main" xmlns:r="http://schemas.openxmlformats.org/officeDocument/2006/relationships" xmlns:p="http://schemas.openxmlformats.org/presentationml/2006/main">
+  <p:cSld>
+    <p:spTree>
+      <p:nvGrpSpPr>
+        <p:cNvPr id="1" name=""/>
+        <p:cNvGrpSpPr/>
+        <p:nvPr/>
+      </p:nvGrpSpPr>
+      <p:grpSpPr>
+        <a:xfrm>
+          <a:off x="0" y="0"/>
+          <a:ext cx="0" cy="0"/>
+          <a:chOff x="0" y="0"/>
+          <a:chExt cx="0" cy="0"/>
+        </a:xfrm>
+      </p:grpSpPr>
+      <p:sp>
+        <p:nvSpPr>
+          <p:cNvPr id="4" name="Rectangle: Rounded Corners 3">
+            <a:extLst>
+              <a:ext uri="{FF2B5EF4-FFF2-40B4-BE49-F238E27FC236}">
+                <a16:creationId xmlns:a16="http://schemas.microsoft.com/office/drawing/2014/main" id="{8D6D9DF0-36ED-4863-B918-F6735D13A7C1}"/>
+              </a:ext>
+            </a:extLst>
+          </p:cNvPr>
+          <p:cNvSpPr/>
+          <p:nvPr/>
+        </p:nvSpPr>
+        <p:spPr>
+          <a:xfrm>
+            <a:off x="0" y="0"/>
+            <a:ext cx="3563938" cy="1187450"/>
+          </a:xfrm>
+          <a:prstGeom prst="roundRect">
+            <a:avLst>
+              <a:gd name="adj" fmla="val 50000"/>
+            </a:avLst>
+          </a:prstGeom>
+          <a:gradFill flip="none" rotWithShape="1">
+            <a:gsLst>
+              <a:gs pos="26000">
+                <a:srgbClr val="17201E"/>
+              </a:gs>
+              <a:gs pos="100000">
+                <a:srgbClr val="1C2825"/>
+              </a:gs>
+            </a:gsLst>
+            <a:lin ang="2700000" scaled="0"/>
+            <a:tileRect/>
+          </a:gradFill>
+          <a:ln>
+            <a:noFill/>
+          </a:ln>
+        </p:spPr>
+        <p:style>
+          <a:lnRef idx="2">
+            <a:schemeClr val="accent1">
+              <a:shade val="50000"/>
+            </a:schemeClr>
+          </a:lnRef>
+          <a:fillRef idx="1">
+            <a:schemeClr val="accent1"/>
+          </a:fillRef>
+          <a:effectRef idx="0">
+            <a:schemeClr val="accent1"/>
+          </a:effectRef>
+          <a:fontRef idx="minor">
+            <a:schemeClr val="lt1"/>
+          </a:fontRef>
+        </p:style>
+        <p:txBody>
+          <a:bodyPr rtlCol="0" anchor="ctr"/>
+          <a:lstStyle/>
+          <a:p>
+            <a:pPr algn="ctr"/>
+            <a:endParaRPr lang="en-US" dirty="0"/>
+          </a:p>
+        </p:txBody>
+      </p:sp>
+      <p:pic>
+        <p:nvPicPr>
+          <p:cNvPr id="3" name="Picture 2">
+            <a:extLst>
+              <a:ext uri="{FF2B5EF4-FFF2-40B4-BE49-F238E27FC236}">
+                <a16:creationId xmlns:a16="http://schemas.microsoft.com/office/drawing/2014/main" id="{02D2A3E8-B154-4758-AA9A-6B92785C0760}"/>
+              </a:ext>
+            </a:extLst>
+          </p:cNvPr>
+          <p:cNvPicPr>
+            <a:picLocks noChangeAspect="1"/>
+          </p:cNvPicPr>
+          <p:nvPr/>
+        </p:nvPicPr>
+        <p:blipFill rotWithShape="1">
+          <a:blip r:embed="rId2">
+            <a:extLst>
+              <a:ext uri="{BEBA8EAE-BF5A-486C-A8C5-ECC9F3942E4B}">
+                <a14:imgProps xmlns:a14="http://schemas.microsoft.com/office/drawing/2010/main">
+                  <a14:imgLayer r:embed="rId3">
+                    <a14:imgEffect>
+                      <a14:backgroundRemoval t="22526" b="34115" l="18082" r="50586">
+                        <a14:foregroundMark x1="18228" y1="27604" x2="18228" y2="27604"/>
+                        <a14:foregroundMark x1="26135" y1="25260" x2="26135" y2="25260"/>
+                        <a14:foregroundMark x1="29063" y1="26563" x2="29063" y2="26563"/>
+                        <a14:foregroundMark x1="35066" y1="27865" x2="35066" y2="27865"/>
+                        <a14:foregroundMark x1="37921" y1="22786" x2="37921" y2="22786"/>
+                        <a14:foregroundMark x1="46120" y1="27083" x2="46120" y2="27083"/>
+                        <a14:foregroundMark x1="49122" y1="28906" x2="49122" y2="28906"/>
+                        <a14:foregroundMark x1="50586" y1="24219" x2="50586" y2="24219"/>
+                      </a14:backgroundRemoval>
+                    </a14:imgEffect>
+                  </a14:imgLayer>
+                </a14:imgProps>
+              </a:ext>
+            </a:extLst>
+          </a:blip>
+          <a:srcRect l="17304" t="21936" r="48377" b="64425"/>
+          <a:stretch/>
+        </p:blipFill>
+        <p:spPr>
+          <a:xfrm>
+            <a:off x="556373" y="319881"/>
+            <a:ext cx="2451191" cy="547688"/>
+          </a:xfrm>
+          <a:prstGeom prst="rect">
+            <a:avLst/>
+          </a:prstGeom>
+        </p:spPr>
+      </p:pic>
+    </p:spTree>
+    <p:extLst>
+      <p:ext uri="{BB962C8B-B14F-4D97-AF65-F5344CB8AC3E}">
+        <p14:creationId xmlns:p14="http://schemas.microsoft.com/office/powerpoint/2010/main" val="2644471930"/>
+      </p:ext>
+    </p:extLst>
+  </p:cSld>
+  <p:clrMapOvr>
+    <a:masterClrMapping/>
+  </p:clrMapOvr>
+</p:sld>
+</file>
+
+<file path=ppt/slides/slide65.xml><?xml version="1.0" encoding="utf-8"?>
+<p:sld xmlns:a="http://schemas.openxmlformats.org/drawingml/2006/main" xmlns:r="http://schemas.openxmlformats.org/officeDocument/2006/relationships" xmlns:p="http://schemas.openxmlformats.org/presentationml/2006/main">
+  <p:cSld>
+    <p:spTree>
+      <p:nvGrpSpPr>
+        <p:cNvPr id="1" name=""/>
+        <p:cNvGrpSpPr/>
+        <p:nvPr/>
+      </p:nvGrpSpPr>
+      <p:grpSpPr>
+        <a:xfrm>
+          <a:off x="0" y="0"/>
+          <a:ext cx="0" cy="0"/>
+          <a:chOff x="0" y="0"/>
+          <a:chExt cx="0" cy="0"/>
+        </a:xfrm>
+      </p:grpSpPr>
+      <p:sp>
+        <p:nvSpPr>
+          <p:cNvPr id="4" name="Rectangle: Rounded Corners 3">
+            <a:extLst>
+              <a:ext uri="{FF2B5EF4-FFF2-40B4-BE49-F238E27FC236}">
+                <a16:creationId xmlns:a16="http://schemas.microsoft.com/office/drawing/2014/main" id="{8D6D9DF0-36ED-4863-B918-F6735D13A7C1}"/>
+              </a:ext>
+            </a:extLst>
+          </p:cNvPr>
+          <p:cNvSpPr/>
+          <p:nvPr/>
+        </p:nvSpPr>
+        <p:spPr>
+          <a:xfrm>
+            <a:off x="0" y="0"/>
+            <a:ext cx="3563938" cy="1187450"/>
+          </a:xfrm>
+          <a:prstGeom prst="roundRect">
+            <a:avLst>
+              <a:gd name="adj" fmla="val 50000"/>
+            </a:avLst>
+          </a:prstGeom>
+          <a:gradFill flip="none" rotWithShape="1">
+            <a:gsLst>
+              <a:gs pos="26000">
+                <a:srgbClr val="262B36"/>
+              </a:gs>
+              <a:gs pos="100000">
+                <a:srgbClr val="6FA9EA"/>
+              </a:gs>
+            </a:gsLst>
+            <a:lin ang="2700000" scaled="0"/>
+            <a:tileRect/>
+          </a:gradFill>
+          <a:ln>
+            <a:noFill/>
+          </a:ln>
+        </p:spPr>
+        <p:style>
+          <a:lnRef idx="2">
+            <a:schemeClr val="accent1">
+              <a:shade val="50000"/>
+            </a:schemeClr>
+          </a:lnRef>
+          <a:fillRef idx="1">
+            <a:schemeClr val="accent1"/>
+          </a:fillRef>
+          <a:effectRef idx="0">
+            <a:schemeClr val="accent1"/>
+          </a:effectRef>
+          <a:fontRef idx="minor">
+            <a:schemeClr val="lt1"/>
+          </a:fontRef>
+        </p:style>
+        <p:txBody>
+          <a:bodyPr rtlCol="0" anchor="ctr"/>
+          <a:lstStyle/>
+          <a:p>
+            <a:pPr algn="ctr"/>
+            <a:endParaRPr lang="en-US" dirty="0"/>
+          </a:p>
+        </p:txBody>
+      </p:sp>
+      <p:pic>
+        <p:nvPicPr>
+          <p:cNvPr id="37890" name="Picture 2" descr="https://neonime.net/wp-content/themes/grifus/images/site-logo.png">
+            <a:extLst>
+              <a:ext uri="{FF2B5EF4-FFF2-40B4-BE49-F238E27FC236}">
+                <a16:creationId xmlns:a16="http://schemas.microsoft.com/office/drawing/2014/main" id="{E41ABB8D-5888-4F36-89D6-A23CD8EF1AA5}"/>
+              </a:ext>
+            </a:extLst>
+          </p:cNvPr>
+          <p:cNvPicPr>
+            <a:picLocks noChangeAspect="1" noChangeArrowheads="1"/>
+          </p:cNvPicPr>
+          <p:nvPr/>
+        </p:nvPicPr>
+        <p:blipFill>
+          <a:blip r:embed="rId2">
+            <a:extLst>
+              <a:ext uri="{BEBA8EAE-BF5A-486C-A8C5-ECC9F3942E4B}">
+                <a14:imgProps xmlns:a14="http://schemas.microsoft.com/office/drawing/2010/main">
+                  <a14:imgLayer r:embed="rId3">
+                    <a14:imgEffect>
+                      <a14:brightnessContrast bright="100000"/>
+                    </a14:imgEffect>
+                  </a14:imgLayer>
+                </a14:imgProps>
+              </a:ext>
+              <a:ext uri="{28A0092B-C50C-407E-A947-70E740481C1C}">
+                <a14:useLocalDpi xmlns:a14="http://schemas.microsoft.com/office/drawing/2010/main" val="0"/>
+              </a:ext>
+            </a:extLst>
+          </a:blip>
+          <a:srcRect/>
+          <a:stretch>
+            <a:fillRect/>
+          </a:stretch>
+        </p:blipFill>
+        <p:spPr bwMode="auto">
+          <a:xfrm>
+            <a:off x="508724" y="345882"/>
+            <a:ext cx="2546490" cy="495686"/>
+          </a:xfrm>
+          <a:prstGeom prst="rect">
+            <a:avLst/>
+          </a:prstGeom>
+          <a:noFill/>
+          <a:extLst>
+            <a:ext uri="{909E8E84-426E-40DD-AFC4-6F175D3DCCD1}">
+              <a14:hiddenFill xmlns:a14="http://schemas.microsoft.com/office/drawing/2010/main">
+                <a:solidFill>
+                  <a:srgbClr val="FFFFFF"/>
+                </a:solidFill>
+              </a14:hiddenFill>
+            </a:ext>
+          </a:extLst>
+        </p:spPr>
+      </p:pic>
+    </p:spTree>
+    <p:extLst>
+      <p:ext uri="{BB962C8B-B14F-4D97-AF65-F5344CB8AC3E}">
+        <p14:creationId xmlns:p14="http://schemas.microsoft.com/office/powerpoint/2010/main" val="2433375054"/>
+      </p:ext>
+    </p:extLst>
+  </p:cSld>
+  <p:clrMapOvr>
+    <a:masterClrMapping/>
+  </p:clrMapOvr>
+</p:sld>
+</file>
+
+<file path=ppt/slides/slide66.xml><?xml version="1.0" encoding="utf-8"?>
+<p:sld xmlns:a="http://schemas.openxmlformats.org/drawingml/2006/main" xmlns:r="http://schemas.openxmlformats.org/officeDocument/2006/relationships" xmlns:p="http://schemas.openxmlformats.org/presentationml/2006/main">
+  <p:cSld>
+    <p:spTree>
+      <p:nvGrpSpPr>
+        <p:cNvPr id="1" name=""/>
+        <p:cNvGrpSpPr/>
+        <p:nvPr/>
+      </p:nvGrpSpPr>
+      <p:grpSpPr>
+        <a:xfrm>
+          <a:off x="0" y="0"/>
+          <a:ext cx="0" cy="0"/>
+          <a:chOff x="0" y="0"/>
+          <a:chExt cx="0" cy="0"/>
+        </a:xfrm>
+      </p:grpSpPr>
+      <p:sp>
+        <p:nvSpPr>
+          <p:cNvPr id="4" name="Rectangle: Rounded Corners 3">
+            <a:extLst>
+              <a:ext uri="{FF2B5EF4-FFF2-40B4-BE49-F238E27FC236}">
+                <a16:creationId xmlns:a16="http://schemas.microsoft.com/office/drawing/2014/main" id="{8D6D9DF0-36ED-4863-B918-F6735D13A7C1}"/>
+              </a:ext>
+            </a:extLst>
+          </p:cNvPr>
+          <p:cNvSpPr/>
+          <p:nvPr/>
+        </p:nvSpPr>
+        <p:spPr>
+          <a:xfrm>
+            <a:off x="0" y="0"/>
+            <a:ext cx="3563938" cy="1187450"/>
+          </a:xfrm>
+          <a:prstGeom prst="roundRect">
+            <a:avLst>
+              <a:gd name="adj" fmla="val 50000"/>
+            </a:avLst>
+          </a:prstGeom>
+          <a:gradFill flip="none" rotWithShape="1">
+            <a:gsLst>
+              <a:gs pos="26000">
+                <a:srgbClr val="3F679B"/>
+              </a:gs>
+              <a:gs pos="100000">
+                <a:srgbClr val="2283C3"/>
+              </a:gs>
+            </a:gsLst>
+            <a:lin ang="2700000" scaled="0"/>
+            <a:tileRect/>
+          </a:gradFill>
+          <a:ln>
+            <a:noFill/>
+          </a:ln>
+        </p:spPr>
+        <p:style>
+          <a:lnRef idx="2">
+            <a:schemeClr val="accent1">
+              <a:shade val="50000"/>
+            </a:schemeClr>
+          </a:lnRef>
+          <a:fillRef idx="1">
+            <a:schemeClr val="accent1"/>
+          </a:fillRef>
+          <a:effectRef idx="0">
+            <a:schemeClr val="accent1"/>
+          </a:effectRef>
+          <a:fontRef idx="minor">
+            <a:schemeClr val="lt1"/>
+          </a:fontRef>
+        </p:style>
+        <p:txBody>
+          <a:bodyPr rtlCol="0" anchor="ctr"/>
+          <a:lstStyle/>
+          <a:p>
+            <a:pPr algn="ctr"/>
+            <a:endParaRPr lang="en-US" dirty="0"/>
+          </a:p>
+        </p:txBody>
+      </p:sp>
+      <p:pic>
+        <p:nvPicPr>
+          <p:cNvPr id="43010" name="Picture 2" descr="https://i2.wp.com/mikanime.com/wp-content/uploads/2019/05/mik.png">
+            <a:extLst>
+              <a:ext uri="{FF2B5EF4-FFF2-40B4-BE49-F238E27FC236}">
+                <a16:creationId xmlns:a16="http://schemas.microsoft.com/office/drawing/2014/main" id="{AD3C83DB-2D8F-407D-AEF5-8E5B8D75B528}"/>
+              </a:ext>
+            </a:extLst>
+          </p:cNvPr>
+          <p:cNvPicPr>
+            <a:picLocks noChangeAspect="1" noChangeArrowheads="1"/>
+          </p:cNvPicPr>
+          <p:nvPr/>
+        </p:nvPicPr>
+        <p:blipFill>
+          <a:blip r:embed="rId2">
+            <a:extLst>
+              <a:ext uri="{28A0092B-C50C-407E-A947-70E740481C1C}">
+                <a14:useLocalDpi xmlns:a14="http://schemas.microsoft.com/office/drawing/2010/main" val="0"/>
+              </a:ext>
+            </a:extLst>
+          </a:blip>
+          <a:srcRect/>
+          <a:stretch>
+            <a:fillRect/>
+          </a:stretch>
+        </p:blipFill>
+        <p:spPr bwMode="auto">
+          <a:xfrm>
+            <a:off x="536635" y="331345"/>
+            <a:ext cx="2490667" cy="524759"/>
+          </a:xfrm>
+          <a:prstGeom prst="rect">
+            <a:avLst/>
+          </a:prstGeom>
+          <a:noFill/>
+          <a:extLst>
+            <a:ext uri="{909E8E84-426E-40DD-AFC4-6F175D3DCCD1}">
+              <a14:hiddenFill xmlns:a14="http://schemas.microsoft.com/office/drawing/2010/main">
+                <a:solidFill>
+                  <a:srgbClr val="FFFFFF"/>
+                </a:solidFill>
+              </a14:hiddenFill>
+            </a:ext>
+          </a:extLst>
+        </p:spPr>
+      </p:pic>
+    </p:spTree>
+    <p:extLst>
+      <p:ext uri="{BB962C8B-B14F-4D97-AF65-F5344CB8AC3E}">
+        <p14:creationId xmlns:p14="http://schemas.microsoft.com/office/powerpoint/2010/main" val="3541015006"/>
+      </p:ext>
+    </p:extLst>
+  </p:cSld>
+  <p:clrMapOvr>
+    <a:masterClrMapping/>
+  </p:clrMapOvr>
+</p:sld>
+</file>
+
+<file path=ppt/slides/slide67.xml><?xml version="1.0" encoding="utf-8"?>
+<p:sld xmlns:a="http://schemas.openxmlformats.org/drawingml/2006/main" xmlns:r="http://schemas.openxmlformats.org/officeDocument/2006/relationships" xmlns:p="http://schemas.openxmlformats.org/presentationml/2006/main">
+  <p:cSld>
+    <p:spTree>
+      <p:nvGrpSpPr>
+        <p:cNvPr id="1" name=""/>
+        <p:cNvGrpSpPr/>
+        <p:nvPr/>
+      </p:nvGrpSpPr>
+      <p:grpSpPr>
+        <a:xfrm>
+          <a:off x="0" y="0"/>
+          <a:ext cx="0" cy="0"/>
+          <a:chOff x="0" y="0"/>
+          <a:chExt cx="0" cy="0"/>
+        </a:xfrm>
+      </p:grpSpPr>
+      <p:sp>
+        <p:nvSpPr>
+          <p:cNvPr id="4" name="Rectangle: Rounded Corners 3">
+            <a:extLst>
+              <a:ext uri="{FF2B5EF4-FFF2-40B4-BE49-F238E27FC236}">
+                <a16:creationId xmlns:a16="http://schemas.microsoft.com/office/drawing/2014/main" id="{8D6D9DF0-36ED-4863-B918-F6735D13A7C1}"/>
+              </a:ext>
+            </a:extLst>
+          </p:cNvPr>
+          <p:cNvSpPr/>
+          <p:nvPr/>
+        </p:nvSpPr>
+        <p:spPr>
+          <a:xfrm>
+            <a:off x="0" y="0"/>
+            <a:ext cx="3563938" cy="1187450"/>
+          </a:xfrm>
+          <a:prstGeom prst="roundRect">
+            <a:avLst>
+              <a:gd name="adj" fmla="val 50000"/>
+            </a:avLst>
+          </a:prstGeom>
+          <a:gradFill flip="none" rotWithShape="1">
+            <a:gsLst>
+              <a:gs pos="26000">
+                <a:srgbClr val="1100FD"/>
+              </a:gs>
+              <a:gs pos="100000">
+                <a:srgbClr val="6FA9EA"/>
+              </a:gs>
+            </a:gsLst>
+            <a:lin ang="2700000" scaled="0"/>
+            <a:tileRect/>
+          </a:gradFill>
+          <a:ln>
+            <a:noFill/>
+          </a:ln>
+        </p:spPr>
+        <p:style>
+          <a:lnRef idx="2">
+            <a:schemeClr val="accent1">
+              <a:shade val="50000"/>
+            </a:schemeClr>
+          </a:lnRef>
+          <a:fillRef idx="1">
+            <a:schemeClr val="accent1"/>
+          </a:fillRef>
+          <a:effectRef idx="0">
+            <a:schemeClr val="accent1"/>
+          </a:effectRef>
+          <a:fontRef idx="minor">
+            <a:schemeClr val="lt1"/>
+          </a:fontRef>
+        </p:style>
+        <p:txBody>
+          <a:bodyPr rtlCol="0" anchor="ctr"/>
+          <a:lstStyle/>
+          <a:p>
+            <a:pPr algn="ctr"/>
+            <a:endParaRPr lang="en-US" dirty="0"/>
+          </a:p>
+        </p:txBody>
+      </p:sp>
+      <p:pic>
+        <p:nvPicPr>
+          <p:cNvPr id="2" name="Picture 1">
+            <a:extLst>
+              <a:ext uri="{FF2B5EF4-FFF2-40B4-BE49-F238E27FC236}">
+                <a16:creationId xmlns:a16="http://schemas.microsoft.com/office/drawing/2014/main" id="{94D54169-4E96-43AB-B02D-0AAF785BDDAA}"/>
+              </a:ext>
+            </a:extLst>
+          </p:cNvPr>
+          <p:cNvPicPr>
+            <a:picLocks noChangeAspect="1"/>
+          </p:cNvPicPr>
+          <p:nvPr/>
+        </p:nvPicPr>
+        <p:blipFill>
+          <a:blip r:embed="rId2">
+            <a:extLst>
+              <a:ext uri="{BEBA8EAE-BF5A-486C-A8C5-ECC9F3942E4B}">
+                <a14:imgProps xmlns:a14="http://schemas.microsoft.com/office/drawing/2010/main">
+                  <a14:imgLayer r:embed="rId3">
+                    <a14:imgEffect>
+                      <a14:brightnessContrast bright="100000"/>
+                    </a14:imgEffect>
+                  </a14:imgLayer>
+                </a14:imgProps>
+              </a:ext>
+            </a:extLst>
+          </a:blip>
+          <a:stretch>
+            <a:fillRect/>
+          </a:stretch>
+        </p:blipFill>
+        <p:spPr>
+          <a:xfrm>
+            <a:off x="417989" y="310601"/>
+            <a:ext cx="2727960" cy="566248"/>
+          </a:xfrm>
+          <a:prstGeom prst="rect">
+            <a:avLst/>
+          </a:prstGeom>
+        </p:spPr>
+      </p:pic>
+    </p:spTree>
+    <p:extLst>
+      <p:ext uri="{BB962C8B-B14F-4D97-AF65-F5344CB8AC3E}">
+        <p14:creationId xmlns:p14="http://schemas.microsoft.com/office/powerpoint/2010/main" val="2758426006"/>
+      </p:ext>
+    </p:extLst>
+  </p:cSld>
+  <p:clrMapOvr>
+    <a:masterClrMapping/>
+  </p:clrMapOvr>
+</p:sld>
+</file>
+
+<file path=ppt/slides/slide68.xml><?xml version="1.0" encoding="utf-8"?>
+<p:sld xmlns:a="http://schemas.openxmlformats.org/drawingml/2006/main" xmlns:r="http://schemas.openxmlformats.org/officeDocument/2006/relationships" xmlns:p="http://schemas.openxmlformats.org/presentationml/2006/main">
+  <p:cSld>
+    <p:spTree>
+      <p:nvGrpSpPr>
+        <p:cNvPr id="1" name=""/>
+        <p:cNvGrpSpPr/>
+        <p:nvPr/>
+      </p:nvGrpSpPr>
+      <p:grpSpPr>
+        <a:xfrm>
+          <a:off x="0" y="0"/>
+          <a:ext cx="0" cy="0"/>
+          <a:chOff x="0" y="0"/>
+          <a:chExt cx="0" cy="0"/>
+        </a:xfrm>
+      </p:grpSpPr>
+      <p:sp>
+        <p:nvSpPr>
+          <p:cNvPr id="4" name="Rectangle: Rounded Corners 3">
+            <a:extLst>
+              <a:ext uri="{FF2B5EF4-FFF2-40B4-BE49-F238E27FC236}">
+                <a16:creationId xmlns:a16="http://schemas.microsoft.com/office/drawing/2014/main" id="{8D6D9DF0-36ED-4863-B918-F6735D13A7C1}"/>
+              </a:ext>
+            </a:extLst>
+          </p:cNvPr>
+          <p:cNvSpPr/>
+          <p:nvPr/>
+        </p:nvSpPr>
+        <p:spPr>
+          <a:xfrm>
+            <a:off x="0" y="0"/>
+            <a:ext cx="3563938" cy="1187450"/>
+          </a:xfrm>
+          <a:prstGeom prst="roundRect">
+            <a:avLst>
+              <a:gd name="adj" fmla="val 50000"/>
+            </a:avLst>
+          </a:prstGeom>
+          <a:gradFill flip="none" rotWithShape="1">
+            <a:gsLst>
+              <a:gs pos="26000">
+                <a:srgbClr val="232F3E"/>
+              </a:gs>
+              <a:gs pos="100000">
+                <a:srgbClr val="32C9F6"/>
+              </a:gs>
+            </a:gsLst>
+            <a:lin ang="2700000" scaled="0"/>
+            <a:tileRect/>
+          </a:gradFill>
+          <a:ln>
+            <a:noFill/>
+          </a:ln>
+        </p:spPr>
+        <p:style>
+          <a:lnRef idx="2">
+            <a:schemeClr val="accent1">
+              <a:shade val="50000"/>
+            </a:schemeClr>
+          </a:lnRef>
+          <a:fillRef idx="1">
+            <a:schemeClr val="accent1"/>
+          </a:fillRef>
+          <a:effectRef idx="0">
+            <a:schemeClr val="accent1"/>
+          </a:effectRef>
+          <a:fontRef idx="minor">
+            <a:schemeClr val="lt1"/>
+          </a:fontRef>
+        </p:style>
+        <p:txBody>
+          <a:bodyPr rtlCol="0" anchor="ctr"/>
+          <a:lstStyle/>
+          <a:p>
+            <a:pPr algn="ctr"/>
+            <a:endParaRPr lang="en-US" dirty="0"/>
+          </a:p>
+        </p:txBody>
+      </p:sp>
+      <p:sp>
+        <p:nvSpPr>
+          <p:cNvPr id="3" name="TextBox 2">
+            <a:extLst>
+              <a:ext uri="{FF2B5EF4-FFF2-40B4-BE49-F238E27FC236}">
+                <a16:creationId xmlns:a16="http://schemas.microsoft.com/office/drawing/2014/main" id="{6C67FD1F-5A7F-4624-A9CE-E8408D3A4F1A}"/>
+              </a:ext>
+            </a:extLst>
+          </p:cNvPr>
+          <p:cNvSpPr txBox="1"/>
+          <p:nvPr/>
+        </p:nvSpPr>
+        <p:spPr>
+          <a:xfrm>
+            <a:off x="535214" y="270560"/>
+            <a:ext cx="2493511" cy="646331"/>
+          </a:xfrm>
+          <a:prstGeom prst="rect">
+            <a:avLst/>
+          </a:prstGeom>
+          <a:noFill/>
+        </p:spPr>
+        <p:txBody>
+          <a:bodyPr wrap="square" rtlCol="0">
+            <a:spAutoFit/>
+          </a:bodyPr>
+          <a:lstStyle/>
+          <a:p>
+            <a:pPr algn="ctr"/>
+            <a:r>
+              <a:rPr lang="id-ID" sz="3600" dirty="0">
+                <a:solidFill>
+                  <a:schemeClr val="bg1"/>
+                </a:solidFill>
+                <a:effectLst>
+                  <a:outerShdw blurRad="38100" dist="38100" dir="2700000" algn="tl">
+                    <a:srgbClr val="000000">
+                      <a:alpha val="43137"/>
+                    </a:srgbClr>
+                  </a:outerShdw>
+                </a:effectLst>
+              </a:rPr>
+              <a:t>Kusonime</a:t>
+            </a:r>
+            <a:endParaRPr lang="en-US" sz="3600" dirty="0">
+              <a:solidFill>
+                <a:schemeClr val="bg1"/>
+              </a:solidFill>
+              <a:effectLst>
+                <a:outerShdw blurRad="38100" dist="38100" dir="2700000" algn="tl">
+                  <a:srgbClr val="000000">
+                    <a:alpha val="43137"/>
+                  </a:srgbClr>
+                </a:outerShdw>
+              </a:effectLst>
+            </a:endParaRPr>
+          </a:p>
+        </p:txBody>
+      </p:sp>
+    </p:spTree>
+    <p:extLst>
+      <p:ext uri="{BB962C8B-B14F-4D97-AF65-F5344CB8AC3E}">
+        <p14:creationId xmlns:p14="http://schemas.microsoft.com/office/powerpoint/2010/main" val="1605652628"/>
+      </p:ext>
+    </p:extLst>
+  </p:cSld>
+  <p:clrMapOvr>
+    <a:masterClrMapping/>
+  </p:clrMapOvr>
+</p:sld>
+</file>
+
+<file path=ppt/slides/slide69.xml><?xml version="1.0" encoding="utf-8"?>
+<p:sld xmlns:a="http://schemas.openxmlformats.org/drawingml/2006/main" xmlns:r="http://schemas.openxmlformats.org/officeDocument/2006/relationships" xmlns:p="http://schemas.openxmlformats.org/presentationml/2006/main">
+  <p:cSld>
+    <p:spTree>
+      <p:nvGrpSpPr>
+        <p:cNvPr id="1" name=""/>
+        <p:cNvGrpSpPr/>
+        <p:nvPr/>
+      </p:nvGrpSpPr>
+      <p:grpSpPr>
+        <a:xfrm>
+          <a:off x="0" y="0"/>
+          <a:ext cx="0" cy="0"/>
+          <a:chOff x="0" y="0"/>
+          <a:chExt cx="0" cy="0"/>
+        </a:xfrm>
+      </p:grpSpPr>
+      <p:sp>
+        <p:nvSpPr>
+          <p:cNvPr id="4" name="Rectangle: Rounded Corners 3">
+            <a:extLst>
+              <a:ext uri="{FF2B5EF4-FFF2-40B4-BE49-F238E27FC236}">
+                <a16:creationId xmlns:a16="http://schemas.microsoft.com/office/drawing/2014/main" id="{8D6D9DF0-36ED-4863-B918-F6735D13A7C1}"/>
+              </a:ext>
+            </a:extLst>
+          </p:cNvPr>
+          <p:cNvSpPr/>
+          <p:nvPr/>
+        </p:nvSpPr>
+        <p:spPr>
+          <a:xfrm>
+            <a:off x="0" y="0"/>
+            <a:ext cx="3563938" cy="1187450"/>
+          </a:xfrm>
+          <a:prstGeom prst="roundRect">
+            <a:avLst>
+              <a:gd name="adj" fmla="val 50000"/>
+            </a:avLst>
+          </a:prstGeom>
+          <a:gradFill flip="none" rotWithShape="1">
+            <a:gsLst>
+              <a:gs pos="26000">
+                <a:srgbClr val="7E2023"/>
+              </a:gs>
+              <a:gs pos="100000">
+                <a:srgbClr val="D64646"/>
+              </a:gs>
+            </a:gsLst>
+            <a:lin ang="2700000" scaled="0"/>
+            <a:tileRect/>
+          </a:gradFill>
+          <a:ln>
+            <a:noFill/>
+          </a:ln>
+        </p:spPr>
+        <p:style>
+          <a:lnRef idx="2">
+            <a:schemeClr val="accent1">
+              <a:shade val="50000"/>
+            </a:schemeClr>
+          </a:lnRef>
+          <a:fillRef idx="1">
+            <a:schemeClr val="accent1"/>
+          </a:fillRef>
+          <a:effectRef idx="0">
+            <a:schemeClr val="accent1"/>
+          </a:effectRef>
+          <a:fontRef idx="minor">
+            <a:schemeClr val="lt1"/>
+          </a:fontRef>
+        </p:style>
+        <p:txBody>
+          <a:bodyPr rtlCol="0" anchor="ctr"/>
+          <a:lstStyle/>
+          <a:p>
+            <a:pPr algn="ctr"/>
+            <a:endParaRPr lang="en-US" dirty="0"/>
+          </a:p>
+        </p:txBody>
+      </p:sp>
+      <p:pic>
+        <p:nvPicPr>
+          <p:cNvPr id="2" name="Picture 1">
+            <a:extLst>
+              <a:ext uri="{FF2B5EF4-FFF2-40B4-BE49-F238E27FC236}">
+                <a16:creationId xmlns:a16="http://schemas.microsoft.com/office/drawing/2014/main" id="{8E42123F-DABD-420C-AB4B-9A3F5634CC3C}"/>
+              </a:ext>
+            </a:extLst>
+          </p:cNvPr>
+          <p:cNvPicPr>
+            <a:picLocks noChangeAspect="1"/>
+          </p:cNvPicPr>
+          <p:nvPr/>
+        </p:nvPicPr>
+        <p:blipFill>
+          <a:blip r:embed="rId2"/>
+          <a:stretch>
+            <a:fillRect/>
+          </a:stretch>
+        </p:blipFill>
+        <p:spPr>
+          <a:xfrm>
+            <a:off x="353218" y="425713"/>
+            <a:ext cx="2857501" cy="336024"/>
+          </a:xfrm>
+          <a:prstGeom prst="rect">
+            <a:avLst/>
+          </a:prstGeom>
+        </p:spPr>
+      </p:pic>
+    </p:spTree>
+    <p:extLst>
+      <p:ext uri="{BB962C8B-B14F-4D97-AF65-F5344CB8AC3E}">
+        <p14:creationId xmlns:p14="http://schemas.microsoft.com/office/powerpoint/2010/main" val="3749693399"/>
       </p:ext>
     </p:extLst>
   </p:cSld>
@@ -12367,6 +15783,704 @@
     <p:extLst>
       <p:ext uri="{BB962C8B-B14F-4D97-AF65-F5344CB8AC3E}">
         <p14:creationId xmlns:p14="http://schemas.microsoft.com/office/powerpoint/2010/main" val="2757599462"/>
+      </p:ext>
+    </p:extLst>
+  </p:cSld>
+  <p:clrMapOvr>
+    <a:masterClrMapping/>
+  </p:clrMapOvr>
+</p:sld>
+</file>
+
+<file path=ppt/slides/slide70.xml><?xml version="1.0" encoding="utf-8"?>
+<p:sld xmlns:a="http://schemas.openxmlformats.org/drawingml/2006/main" xmlns:r="http://schemas.openxmlformats.org/officeDocument/2006/relationships" xmlns:p="http://schemas.openxmlformats.org/presentationml/2006/main">
+  <p:cSld>
+    <p:spTree>
+      <p:nvGrpSpPr>
+        <p:cNvPr id="1" name=""/>
+        <p:cNvGrpSpPr/>
+        <p:nvPr/>
+      </p:nvGrpSpPr>
+      <p:grpSpPr>
+        <a:xfrm>
+          <a:off x="0" y="0"/>
+          <a:ext cx="0" cy="0"/>
+          <a:chOff x="0" y="0"/>
+          <a:chExt cx="0" cy="0"/>
+        </a:xfrm>
+      </p:grpSpPr>
+      <p:sp>
+        <p:nvSpPr>
+          <p:cNvPr id="4" name="Rectangle: Rounded Corners 3">
+            <a:extLst>
+              <a:ext uri="{FF2B5EF4-FFF2-40B4-BE49-F238E27FC236}">
+                <a16:creationId xmlns:a16="http://schemas.microsoft.com/office/drawing/2014/main" id="{8D6D9DF0-36ED-4863-B918-F6735D13A7C1}"/>
+              </a:ext>
+            </a:extLst>
+          </p:cNvPr>
+          <p:cNvSpPr/>
+          <p:nvPr/>
+        </p:nvSpPr>
+        <p:spPr>
+          <a:xfrm>
+            <a:off x="0" y="0"/>
+            <a:ext cx="3563938" cy="1187450"/>
+          </a:xfrm>
+          <a:prstGeom prst="roundRect">
+            <a:avLst>
+              <a:gd name="adj" fmla="val 50000"/>
+            </a:avLst>
+          </a:prstGeom>
+          <a:gradFill flip="none" rotWithShape="1">
+            <a:gsLst>
+              <a:gs pos="26000">
+                <a:schemeClr val="tx1">
+                  <a:lumMod val="85000"/>
+                  <a:lumOff val="15000"/>
+                </a:schemeClr>
+              </a:gs>
+              <a:gs pos="100000">
+                <a:schemeClr val="accent1">
+                  <a:lumMod val="75000"/>
+                </a:schemeClr>
+              </a:gs>
+            </a:gsLst>
+            <a:lin ang="2700000" scaled="0"/>
+            <a:tileRect/>
+          </a:gradFill>
+          <a:ln>
+            <a:noFill/>
+          </a:ln>
+        </p:spPr>
+        <p:style>
+          <a:lnRef idx="2">
+            <a:schemeClr val="accent1">
+              <a:shade val="50000"/>
+            </a:schemeClr>
+          </a:lnRef>
+          <a:fillRef idx="1">
+            <a:schemeClr val="accent1"/>
+          </a:fillRef>
+          <a:effectRef idx="0">
+            <a:schemeClr val="accent1"/>
+          </a:effectRef>
+          <a:fontRef idx="minor">
+            <a:schemeClr val="lt1"/>
+          </a:fontRef>
+        </p:style>
+        <p:txBody>
+          <a:bodyPr rtlCol="0" anchor="ctr"/>
+          <a:lstStyle/>
+          <a:p>
+            <a:pPr algn="ctr"/>
+            <a:endParaRPr lang="en-US" dirty="0"/>
+          </a:p>
+        </p:txBody>
+      </p:sp>
+      <p:sp>
+        <p:nvSpPr>
+          <p:cNvPr id="3" name="TextBox 2">
+            <a:extLst>
+              <a:ext uri="{FF2B5EF4-FFF2-40B4-BE49-F238E27FC236}">
+                <a16:creationId xmlns:a16="http://schemas.microsoft.com/office/drawing/2014/main" id="{AE6319F0-40D5-4A83-AB31-4C067AE7621D}"/>
+              </a:ext>
+            </a:extLst>
+          </p:cNvPr>
+          <p:cNvSpPr txBox="1"/>
+          <p:nvPr/>
+        </p:nvSpPr>
+        <p:spPr>
+          <a:xfrm>
+            <a:off x="479822" y="270559"/>
+            <a:ext cx="2604294" cy="646331"/>
+          </a:xfrm>
+          <a:prstGeom prst="rect">
+            <a:avLst/>
+          </a:prstGeom>
+          <a:noFill/>
+        </p:spPr>
+        <p:txBody>
+          <a:bodyPr wrap="square" rtlCol="0">
+            <a:spAutoFit/>
+          </a:bodyPr>
+          <a:lstStyle/>
+          <a:p>
+            <a:pPr algn="ctr"/>
+            <a:r>
+              <a:rPr lang="id-ID" sz="3600" dirty="0">
+                <a:solidFill>
+                  <a:schemeClr val="bg1"/>
+                </a:solidFill>
+                <a:latin typeface="Exo 2" panose="00000500000000000000" pitchFamily="50" charset="0"/>
+              </a:rPr>
+              <a:t>Moenime</a:t>
+            </a:r>
+            <a:endParaRPr lang="en-US" sz="3600" dirty="0">
+              <a:solidFill>
+                <a:schemeClr val="bg1"/>
+              </a:solidFill>
+              <a:latin typeface="Exo 2" panose="00000500000000000000" pitchFamily="50" charset="0"/>
+            </a:endParaRPr>
+          </a:p>
+        </p:txBody>
+      </p:sp>
+    </p:spTree>
+    <p:extLst>
+      <p:ext uri="{BB962C8B-B14F-4D97-AF65-F5344CB8AC3E}">
+        <p14:creationId xmlns:p14="http://schemas.microsoft.com/office/powerpoint/2010/main" val="155753123"/>
+      </p:ext>
+    </p:extLst>
+  </p:cSld>
+  <p:clrMapOvr>
+    <a:masterClrMapping/>
+  </p:clrMapOvr>
+</p:sld>
+</file>
+
+<file path=ppt/slides/slide71.xml><?xml version="1.0" encoding="utf-8"?>
+<p:sld xmlns:a="http://schemas.openxmlformats.org/drawingml/2006/main" xmlns:r="http://schemas.openxmlformats.org/officeDocument/2006/relationships" xmlns:p="http://schemas.openxmlformats.org/presentationml/2006/main">
+  <p:cSld>
+    <p:spTree>
+      <p:nvGrpSpPr>
+        <p:cNvPr id="1" name=""/>
+        <p:cNvGrpSpPr/>
+        <p:nvPr/>
+      </p:nvGrpSpPr>
+      <p:grpSpPr>
+        <a:xfrm>
+          <a:off x="0" y="0"/>
+          <a:ext cx="0" cy="0"/>
+          <a:chOff x="0" y="0"/>
+          <a:chExt cx="0" cy="0"/>
+        </a:xfrm>
+      </p:grpSpPr>
+      <p:sp>
+        <p:nvSpPr>
+          <p:cNvPr id="4" name="Rectangle: Rounded Corners 3">
+            <a:extLst>
+              <a:ext uri="{FF2B5EF4-FFF2-40B4-BE49-F238E27FC236}">
+                <a16:creationId xmlns:a16="http://schemas.microsoft.com/office/drawing/2014/main" id="{8D6D9DF0-36ED-4863-B918-F6735D13A7C1}"/>
+              </a:ext>
+            </a:extLst>
+          </p:cNvPr>
+          <p:cNvSpPr/>
+          <p:nvPr/>
+        </p:nvSpPr>
+        <p:spPr>
+          <a:xfrm>
+            <a:off x="0" y="0"/>
+            <a:ext cx="3563938" cy="1187450"/>
+          </a:xfrm>
+          <a:prstGeom prst="roundRect">
+            <a:avLst>
+              <a:gd name="adj" fmla="val 50000"/>
+            </a:avLst>
+          </a:prstGeom>
+          <a:gradFill flip="none" rotWithShape="1">
+            <a:gsLst>
+              <a:gs pos="26000">
+                <a:schemeClr val="tx1">
+                  <a:lumMod val="85000"/>
+                  <a:lumOff val="15000"/>
+                </a:schemeClr>
+              </a:gs>
+              <a:gs pos="100000">
+                <a:schemeClr val="tx1">
+                  <a:lumMod val="75000"/>
+                  <a:lumOff val="25000"/>
+                </a:schemeClr>
+              </a:gs>
+            </a:gsLst>
+            <a:lin ang="2700000" scaled="0"/>
+            <a:tileRect/>
+          </a:gradFill>
+          <a:ln>
+            <a:noFill/>
+          </a:ln>
+        </p:spPr>
+        <p:style>
+          <a:lnRef idx="2">
+            <a:schemeClr val="accent1">
+              <a:shade val="50000"/>
+            </a:schemeClr>
+          </a:lnRef>
+          <a:fillRef idx="1">
+            <a:schemeClr val="accent1"/>
+          </a:fillRef>
+          <a:effectRef idx="0">
+            <a:schemeClr val="accent1"/>
+          </a:effectRef>
+          <a:fontRef idx="minor">
+            <a:schemeClr val="lt1"/>
+          </a:fontRef>
+        </p:style>
+        <p:txBody>
+          <a:bodyPr rtlCol="0" anchor="ctr"/>
+          <a:lstStyle/>
+          <a:p>
+            <a:pPr algn="ctr"/>
+            <a:endParaRPr lang="en-US" dirty="0"/>
+          </a:p>
+        </p:txBody>
+      </p:sp>
+      <p:pic>
+        <p:nvPicPr>
+          <p:cNvPr id="2" name="Picture 1">
+            <a:extLst>
+              <a:ext uri="{FF2B5EF4-FFF2-40B4-BE49-F238E27FC236}">
+                <a16:creationId xmlns:a16="http://schemas.microsoft.com/office/drawing/2014/main" id="{8AB7BD4D-E29A-4D45-A470-966EA3D51D10}"/>
+              </a:ext>
+            </a:extLst>
+          </p:cNvPr>
+          <p:cNvPicPr>
+            <a:picLocks noChangeAspect="1"/>
+          </p:cNvPicPr>
+          <p:nvPr/>
+        </p:nvPicPr>
+        <p:blipFill>
+          <a:blip r:embed="rId2"/>
+          <a:stretch>
+            <a:fillRect/>
+          </a:stretch>
+        </p:blipFill>
+        <p:spPr>
+          <a:xfrm>
+            <a:off x="539353" y="363194"/>
+            <a:ext cx="2485232" cy="461061"/>
+          </a:xfrm>
+          <a:prstGeom prst="rect">
+            <a:avLst/>
+          </a:prstGeom>
+        </p:spPr>
+      </p:pic>
+    </p:spTree>
+    <p:extLst>
+      <p:ext uri="{BB962C8B-B14F-4D97-AF65-F5344CB8AC3E}">
+        <p14:creationId xmlns:p14="http://schemas.microsoft.com/office/powerpoint/2010/main" val="1195754212"/>
+      </p:ext>
+    </p:extLst>
+  </p:cSld>
+  <p:clrMapOvr>
+    <a:masterClrMapping/>
+  </p:clrMapOvr>
+</p:sld>
+</file>
+
+<file path=ppt/slides/slide72.xml><?xml version="1.0" encoding="utf-8"?>
+<p:sld xmlns:a="http://schemas.openxmlformats.org/drawingml/2006/main" xmlns:r="http://schemas.openxmlformats.org/officeDocument/2006/relationships" xmlns:p="http://schemas.openxmlformats.org/presentationml/2006/main">
+  <p:cSld>
+    <p:spTree>
+      <p:nvGrpSpPr>
+        <p:cNvPr id="1" name=""/>
+        <p:cNvGrpSpPr/>
+        <p:nvPr/>
+      </p:nvGrpSpPr>
+      <p:grpSpPr>
+        <a:xfrm>
+          <a:off x="0" y="0"/>
+          <a:ext cx="0" cy="0"/>
+          <a:chOff x="0" y="0"/>
+          <a:chExt cx="0" cy="0"/>
+        </a:xfrm>
+      </p:grpSpPr>
+      <p:sp>
+        <p:nvSpPr>
+          <p:cNvPr id="4" name="Rectangle: Rounded Corners 3">
+            <a:extLst>
+              <a:ext uri="{FF2B5EF4-FFF2-40B4-BE49-F238E27FC236}">
+                <a16:creationId xmlns:a16="http://schemas.microsoft.com/office/drawing/2014/main" id="{8D6D9DF0-36ED-4863-B918-F6735D13A7C1}"/>
+              </a:ext>
+            </a:extLst>
+          </p:cNvPr>
+          <p:cNvSpPr/>
+          <p:nvPr/>
+        </p:nvSpPr>
+        <p:spPr>
+          <a:xfrm>
+            <a:off x="0" y="0"/>
+            <a:ext cx="3563938" cy="1187450"/>
+          </a:xfrm>
+          <a:prstGeom prst="roundRect">
+            <a:avLst>
+              <a:gd name="adj" fmla="val 50000"/>
+            </a:avLst>
+          </a:prstGeom>
+          <a:gradFill flip="none" rotWithShape="1">
+            <a:gsLst>
+              <a:gs pos="26000">
+                <a:srgbClr val="333333"/>
+              </a:gs>
+              <a:gs pos="100000">
+                <a:srgbClr val="257EFE"/>
+              </a:gs>
+            </a:gsLst>
+            <a:lin ang="2700000" scaled="0"/>
+            <a:tileRect/>
+          </a:gradFill>
+          <a:ln>
+            <a:noFill/>
+          </a:ln>
+        </p:spPr>
+        <p:style>
+          <a:lnRef idx="2">
+            <a:schemeClr val="accent1">
+              <a:shade val="50000"/>
+            </a:schemeClr>
+          </a:lnRef>
+          <a:fillRef idx="1">
+            <a:schemeClr val="accent1"/>
+          </a:fillRef>
+          <a:effectRef idx="0">
+            <a:schemeClr val="accent1"/>
+          </a:effectRef>
+          <a:fontRef idx="minor">
+            <a:schemeClr val="lt1"/>
+          </a:fontRef>
+        </p:style>
+        <p:txBody>
+          <a:bodyPr rtlCol="0" anchor="ctr"/>
+          <a:lstStyle/>
+          <a:p>
+            <a:pPr algn="ctr"/>
+            <a:endParaRPr lang="en-US" dirty="0"/>
+          </a:p>
+        </p:txBody>
+      </p:sp>
+      <p:pic>
+        <p:nvPicPr>
+          <p:cNvPr id="3" name="Picture 2">
+            <a:extLst>
+              <a:ext uri="{FF2B5EF4-FFF2-40B4-BE49-F238E27FC236}">
+                <a16:creationId xmlns:a16="http://schemas.microsoft.com/office/drawing/2014/main" id="{57382699-2C47-4081-9D6F-8DE0F7AEC6A3}"/>
+              </a:ext>
+            </a:extLst>
+          </p:cNvPr>
+          <p:cNvPicPr>
+            <a:picLocks noChangeAspect="1"/>
+          </p:cNvPicPr>
+          <p:nvPr/>
+        </p:nvPicPr>
+        <p:blipFill>
+          <a:blip r:embed="rId2"/>
+          <a:stretch>
+            <a:fillRect/>
+          </a:stretch>
+        </p:blipFill>
+        <p:spPr>
+          <a:xfrm>
+            <a:off x="493079" y="359381"/>
+            <a:ext cx="2577779" cy="468687"/>
+          </a:xfrm>
+          <a:prstGeom prst="rect">
+            <a:avLst/>
+          </a:prstGeom>
+        </p:spPr>
+      </p:pic>
+    </p:spTree>
+    <p:extLst>
+      <p:ext uri="{BB962C8B-B14F-4D97-AF65-F5344CB8AC3E}">
+        <p14:creationId xmlns:p14="http://schemas.microsoft.com/office/powerpoint/2010/main" val="1857719563"/>
+      </p:ext>
+    </p:extLst>
+  </p:cSld>
+  <p:clrMapOvr>
+    <a:masterClrMapping/>
+  </p:clrMapOvr>
+</p:sld>
+</file>
+
+<file path=ppt/slides/slide73.xml><?xml version="1.0" encoding="utf-8"?>
+<p:sld xmlns:a="http://schemas.openxmlformats.org/drawingml/2006/main" xmlns:r="http://schemas.openxmlformats.org/officeDocument/2006/relationships" xmlns:p="http://schemas.openxmlformats.org/presentationml/2006/main">
+  <p:cSld>
+    <p:spTree>
+      <p:nvGrpSpPr>
+        <p:cNvPr id="1" name=""/>
+        <p:cNvGrpSpPr/>
+        <p:nvPr/>
+      </p:nvGrpSpPr>
+      <p:grpSpPr>
+        <a:xfrm>
+          <a:off x="0" y="0"/>
+          <a:ext cx="0" cy="0"/>
+          <a:chOff x="0" y="0"/>
+          <a:chExt cx="0" cy="0"/>
+        </a:xfrm>
+      </p:grpSpPr>
+      <p:sp>
+        <p:nvSpPr>
+          <p:cNvPr id="4" name="Rectangle: Rounded Corners 3">
+            <a:extLst>
+              <a:ext uri="{FF2B5EF4-FFF2-40B4-BE49-F238E27FC236}">
+                <a16:creationId xmlns:a16="http://schemas.microsoft.com/office/drawing/2014/main" id="{8D6D9DF0-36ED-4863-B918-F6735D13A7C1}"/>
+              </a:ext>
+            </a:extLst>
+          </p:cNvPr>
+          <p:cNvSpPr/>
+          <p:nvPr/>
+        </p:nvSpPr>
+        <p:spPr>
+          <a:xfrm>
+            <a:off x="0" y="0"/>
+            <a:ext cx="3563938" cy="1187450"/>
+          </a:xfrm>
+          <a:prstGeom prst="roundRect">
+            <a:avLst>
+              <a:gd name="adj" fmla="val 50000"/>
+            </a:avLst>
+          </a:prstGeom>
+          <a:gradFill flip="none" rotWithShape="1">
+            <a:gsLst>
+              <a:gs pos="26000">
+                <a:srgbClr val="4B30B8"/>
+              </a:gs>
+              <a:gs pos="100000">
+                <a:srgbClr val="5B3EC7"/>
+              </a:gs>
+            </a:gsLst>
+            <a:lin ang="2700000" scaled="0"/>
+            <a:tileRect/>
+          </a:gradFill>
+          <a:ln>
+            <a:noFill/>
+          </a:ln>
+        </p:spPr>
+        <p:style>
+          <a:lnRef idx="2">
+            <a:schemeClr val="accent1">
+              <a:shade val="50000"/>
+            </a:schemeClr>
+          </a:lnRef>
+          <a:fillRef idx="1">
+            <a:schemeClr val="accent1"/>
+          </a:fillRef>
+          <a:effectRef idx="0">
+            <a:schemeClr val="accent1"/>
+          </a:effectRef>
+          <a:fontRef idx="minor">
+            <a:schemeClr val="lt1"/>
+          </a:fontRef>
+        </p:style>
+        <p:txBody>
+          <a:bodyPr rtlCol="0" anchor="ctr"/>
+          <a:lstStyle/>
+          <a:p>
+            <a:pPr algn="ctr"/>
+            <a:endParaRPr lang="en-US" dirty="0"/>
+          </a:p>
+        </p:txBody>
+      </p:sp>
+      <p:pic>
+        <p:nvPicPr>
+          <p:cNvPr id="32770" name="Picture 2" descr="https://www.perpusindo.info/apple-touch-icon.png">
+            <a:extLst>
+              <a:ext uri="{FF2B5EF4-FFF2-40B4-BE49-F238E27FC236}">
+                <a16:creationId xmlns:a16="http://schemas.microsoft.com/office/drawing/2014/main" id="{18026D4D-E440-42FC-94C0-13440E2CA206}"/>
+              </a:ext>
+            </a:extLst>
+          </p:cNvPr>
+          <p:cNvPicPr>
+            <a:picLocks noChangeAspect="1" noChangeArrowheads="1"/>
+          </p:cNvPicPr>
+          <p:nvPr/>
+        </p:nvPicPr>
+        <p:blipFill>
+          <a:blip r:embed="rId2">
+            <a:extLst>
+              <a:ext uri="{BEBA8EAE-BF5A-486C-A8C5-ECC9F3942E4B}">
+                <a14:imgProps xmlns:a14="http://schemas.microsoft.com/office/drawing/2010/main">
+                  <a14:imgLayer r:embed="rId3">
+                    <a14:imgEffect>
+                      <a14:backgroundRemoval t="10000" b="90000" l="10000" r="90000">
+                        <a14:foregroundMark x1="34444" y1="39444" x2="34444" y2="39444"/>
+                        <a14:foregroundMark x1="69444" y1="39444" x2="69444" y2="39444"/>
+                        <a14:foregroundMark x1="62222" y1="50000" x2="62222" y2="50000"/>
+                        <a14:foregroundMark x1="72222" y1="15556" x2="72222" y2="15556"/>
+                      </a14:backgroundRemoval>
+                    </a14:imgEffect>
+                  </a14:imgLayer>
+                </a14:imgProps>
+              </a:ext>
+              <a:ext uri="{28A0092B-C50C-407E-A947-70E740481C1C}">
+                <a14:useLocalDpi xmlns:a14="http://schemas.microsoft.com/office/drawing/2010/main" val="0"/>
+              </a:ext>
+            </a:extLst>
+          </a:blip>
+          <a:srcRect/>
+          <a:stretch>
+            <a:fillRect/>
+          </a:stretch>
+        </p:blipFill>
+        <p:spPr bwMode="auto">
+          <a:xfrm>
+            <a:off x="1188244" y="0"/>
+            <a:ext cx="1187450" cy="1187450"/>
+          </a:xfrm>
+          <a:prstGeom prst="rect">
+            <a:avLst/>
+          </a:prstGeom>
+          <a:noFill/>
+          <a:extLst>
+            <a:ext uri="{909E8E84-426E-40DD-AFC4-6F175D3DCCD1}">
+              <a14:hiddenFill xmlns:a14="http://schemas.microsoft.com/office/drawing/2010/main">
+                <a:solidFill>
+                  <a:srgbClr val="FFFFFF"/>
+                </a:solidFill>
+              </a14:hiddenFill>
+            </a:ext>
+          </a:extLst>
+        </p:spPr>
+      </p:pic>
+    </p:spTree>
+    <p:extLst>
+      <p:ext uri="{BB962C8B-B14F-4D97-AF65-F5344CB8AC3E}">
+        <p14:creationId xmlns:p14="http://schemas.microsoft.com/office/powerpoint/2010/main" val="3599097175"/>
+      </p:ext>
+    </p:extLst>
+  </p:cSld>
+  <p:clrMapOvr>
+    <a:masterClrMapping/>
+  </p:clrMapOvr>
+</p:sld>
+</file>
+
+<file path=ppt/slides/slide74.xml><?xml version="1.0" encoding="utf-8"?>
+<p:sld xmlns:a="http://schemas.openxmlformats.org/drawingml/2006/main" xmlns:r="http://schemas.openxmlformats.org/officeDocument/2006/relationships" xmlns:p="http://schemas.openxmlformats.org/presentationml/2006/main">
+  <p:cSld>
+    <p:spTree>
+      <p:nvGrpSpPr>
+        <p:cNvPr id="1" name=""/>
+        <p:cNvGrpSpPr/>
+        <p:nvPr/>
+      </p:nvGrpSpPr>
+      <p:grpSpPr>
+        <a:xfrm>
+          <a:off x="0" y="0"/>
+          <a:ext cx="0" cy="0"/>
+          <a:chOff x="0" y="0"/>
+          <a:chExt cx="0" cy="0"/>
+        </a:xfrm>
+      </p:grpSpPr>
+      <p:sp>
+        <p:nvSpPr>
+          <p:cNvPr id="4" name="Rectangle: Rounded Corners 3">
+            <a:extLst>
+              <a:ext uri="{FF2B5EF4-FFF2-40B4-BE49-F238E27FC236}">
+                <a16:creationId xmlns:a16="http://schemas.microsoft.com/office/drawing/2014/main" id="{8D6D9DF0-36ED-4863-B918-F6735D13A7C1}"/>
+              </a:ext>
+            </a:extLst>
+          </p:cNvPr>
+          <p:cNvSpPr/>
+          <p:nvPr/>
+        </p:nvSpPr>
+        <p:spPr>
+          <a:xfrm>
+            <a:off x="0" y="0"/>
+            <a:ext cx="3563938" cy="1187450"/>
+          </a:xfrm>
+          <a:prstGeom prst="roundRect">
+            <a:avLst>
+              <a:gd name="adj" fmla="val 50000"/>
+            </a:avLst>
+          </a:prstGeom>
+          <a:gradFill flip="none" rotWithShape="1">
+            <a:gsLst>
+              <a:gs pos="26000">
+                <a:schemeClr val="tx2">
+                  <a:lumMod val="75000"/>
+                </a:schemeClr>
+              </a:gs>
+              <a:gs pos="100000">
+                <a:schemeClr val="tx2">
+                  <a:lumMod val="60000"/>
+                  <a:lumOff val="40000"/>
+                </a:schemeClr>
+              </a:gs>
+            </a:gsLst>
+            <a:lin ang="2700000" scaled="0"/>
+            <a:tileRect/>
+          </a:gradFill>
+          <a:ln>
+            <a:noFill/>
+          </a:ln>
+        </p:spPr>
+        <p:style>
+          <a:lnRef idx="2">
+            <a:schemeClr val="accent1">
+              <a:shade val="50000"/>
+            </a:schemeClr>
+          </a:lnRef>
+          <a:fillRef idx="1">
+            <a:schemeClr val="accent1"/>
+          </a:fillRef>
+          <a:effectRef idx="0">
+            <a:schemeClr val="accent1"/>
+          </a:effectRef>
+          <a:fontRef idx="minor">
+            <a:schemeClr val="lt1"/>
+          </a:fontRef>
+        </p:style>
+        <p:txBody>
+          <a:bodyPr rtlCol="0" anchor="ctr"/>
+          <a:lstStyle/>
+          <a:p>
+            <a:pPr algn="ctr"/>
+            <a:endParaRPr lang="en-US" dirty="0"/>
+          </a:p>
+        </p:txBody>
+      </p:sp>
+      <p:sp>
+        <p:nvSpPr>
+          <p:cNvPr id="2" name="TextBox 1">
+            <a:extLst>
+              <a:ext uri="{FF2B5EF4-FFF2-40B4-BE49-F238E27FC236}">
+                <a16:creationId xmlns:a16="http://schemas.microsoft.com/office/drawing/2014/main" id="{6EBFA446-E191-400D-A74B-B3AABC51ABBE}"/>
+              </a:ext>
+            </a:extLst>
+          </p:cNvPr>
+          <p:cNvSpPr txBox="1"/>
+          <p:nvPr/>
+        </p:nvSpPr>
+        <p:spPr>
+          <a:xfrm>
+            <a:off x="853678" y="270559"/>
+            <a:ext cx="1856582" cy="646331"/>
+          </a:xfrm>
+          <a:prstGeom prst="rect">
+            <a:avLst/>
+          </a:prstGeom>
+          <a:noFill/>
+        </p:spPr>
+        <p:txBody>
+          <a:bodyPr wrap="square" rtlCol="0">
+            <a:spAutoFit/>
+          </a:bodyPr>
+          <a:lstStyle/>
+          <a:p>
+            <a:pPr algn="ctr"/>
+            <a:r>
+              <a:rPr lang="id-ID" sz="3600" dirty="0">
+                <a:solidFill>
+                  <a:schemeClr val="bg1"/>
+                </a:solidFill>
+                <a:latin typeface="Arial" panose="020B0604020202020204" pitchFamily="34" charset="0"/>
+                <a:cs typeface="Arial" panose="020B0604020202020204" pitchFamily="34" charset="0"/>
+              </a:rPr>
+              <a:t>Nyaa.si</a:t>
+            </a:r>
+            <a:endParaRPr lang="en-US" sz="3600" dirty="0">
+              <a:solidFill>
+                <a:schemeClr val="bg1"/>
+              </a:solidFill>
+              <a:latin typeface="Arial" panose="020B0604020202020204" pitchFamily="34" charset="0"/>
+              <a:cs typeface="Arial" panose="020B0604020202020204" pitchFamily="34" charset="0"/>
+            </a:endParaRPr>
+          </a:p>
+        </p:txBody>
+      </p:sp>
+    </p:spTree>
+    <p:extLst>
+      <p:ext uri="{BB962C8B-B14F-4D97-AF65-F5344CB8AC3E}">
+        <p14:creationId xmlns:p14="http://schemas.microsoft.com/office/powerpoint/2010/main" val="3335546388"/>
       </p:ext>
     </p:extLst>
   </p:cSld>
